--- a/2-Java-Programmer-Modulo-II/14.Capitulo08.pptx
+++ b/2-Java-Programmer-Modulo-II/14.Capitulo08.pptx
@@ -5,30 +5,29 @@
     <p:sldMasterId id="2147483660" r:id="rId1"/>
   </p:sldMasterIdLst>
   <p:notesMasterIdLst>
-    <p:notesMasterId r:id="rId23"/>
+    <p:notesMasterId r:id="rId22"/>
   </p:notesMasterIdLst>
   <p:sldIdLst>
     <p:sldId id="256" r:id="rId2"/>
-    <p:sldId id="298" r:id="rId3"/>
-    <p:sldId id="299" r:id="rId4"/>
-    <p:sldId id="300" r:id="rId5"/>
-    <p:sldId id="301" r:id="rId6"/>
-    <p:sldId id="302" r:id="rId7"/>
-    <p:sldId id="303" r:id="rId8"/>
-    <p:sldId id="304" r:id="rId9"/>
-    <p:sldId id="305" r:id="rId10"/>
-    <p:sldId id="306" r:id="rId11"/>
-    <p:sldId id="307" r:id="rId12"/>
-    <p:sldId id="308" r:id="rId13"/>
-    <p:sldId id="309" r:id="rId14"/>
-    <p:sldId id="310" r:id="rId15"/>
-    <p:sldId id="311" r:id="rId16"/>
-    <p:sldId id="312" r:id="rId17"/>
-    <p:sldId id="313" r:id="rId18"/>
-    <p:sldId id="314" r:id="rId19"/>
-    <p:sldId id="315" r:id="rId20"/>
-    <p:sldId id="316" r:id="rId21"/>
-    <p:sldId id="317" r:id="rId22"/>
+    <p:sldId id="319" r:id="rId3"/>
+    <p:sldId id="298" r:id="rId4"/>
+    <p:sldId id="321" r:id="rId5"/>
+    <p:sldId id="299" r:id="rId6"/>
+    <p:sldId id="322" r:id="rId7"/>
+    <p:sldId id="323" r:id="rId8"/>
+    <p:sldId id="300" r:id="rId9"/>
+    <p:sldId id="324" r:id="rId10"/>
+    <p:sldId id="301" r:id="rId11"/>
+    <p:sldId id="302" r:id="rId12"/>
+    <p:sldId id="303" r:id="rId13"/>
+    <p:sldId id="304" r:id="rId14"/>
+    <p:sldId id="305" r:id="rId15"/>
+    <p:sldId id="306" r:id="rId16"/>
+    <p:sldId id="318" r:id="rId17"/>
+    <p:sldId id="311" r:id="rId18"/>
+    <p:sldId id="315" r:id="rId19"/>
+    <p:sldId id="316" r:id="rId20"/>
+    <p:sldId id="317" r:id="rId21"/>
   </p:sldIdLst>
   <p:sldSz cx="9144000" cy="6858000" type="screen4x3"/>
   <p:notesSz cx="6858000" cy="9144000"/>
@@ -269,7 +268,7 @@
               <a:pPr>
                 <a:defRPr/>
               </a:pPr>
-              <a:t>21/02/2012</a:t>
+              <a:t>16/04/2012</a:t>
             </a:fld>
             <a:endParaRPr lang="pt-BR"/>
           </a:p>
@@ -738,7 +737,7 @@
       </p:grpSpPr>
       <p:sp>
         <p:nvSpPr>
-          <p:cNvPr id="38914" name="Espaço Reservado para Imagem de Slide 1"/>
+          <p:cNvPr id="33794" name="Espaço Reservado para Imagem de Slide 1"/>
           <p:cNvSpPr>
             <a:spLocks noGrp="1" noRot="1" noChangeAspect="1" noTextEdit="1"/>
           </p:cNvSpPr>
@@ -760,7 +759,7 @@
       </p:sp>
       <p:sp>
         <p:nvSpPr>
-          <p:cNvPr id="38915" name="Espaço Reservado para Anotações 2"/>
+          <p:cNvPr id="33795" name="Espaço Reservado para Anotações 2"/>
           <p:cNvSpPr>
             <a:spLocks noGrp="1"/>
           </p:cNvSpPr>
@@ -801,7 +800,7 @@
             <a:pPr>
               <a:defRPr/>
             </a:pPr>
-            <a:fld id="{9F5A471A-2AFD-4B8A-A9A0-DB29F3D740CE}" type="slidenum">
+            <a:fld id="{3AFE44C6-A7FF-442C-9A8A-143C1045DEBE}" type="slidenum">
               <a:rPr lang="pt-BR" smtClean="0"/>
               <a:pPr>
                 <a:defRPr/>
@@ -839,7 +838,7 @@
       </p:grpSpPr>
       <p:sp>
         <p:nvSpPr>
-          <p:cNvPr id="39938" name="Espaço Reservado para Imagem de Slide 1"/>
+          <p:cNvPr id="34818" name="Espaço Reservado para Imagem de Slide 1"/>
           <p:cNvSpPr>
             <a:spLocks noGrp="1" noRot="1" noChangeAspect="1" noTextEdit="1"/>
           </p:cNvSpPr>
@@ -861,7 +860,7 @@
       </p:sp>
       <p:sp>
         <p:nvSpPr>
-          <p:cNvPr id="39939" name="Espaço Reservado para Anotações 2"/>
+          <p:cNvPr id="34819" name="Espaço Reservado para Anotações 2"/>
           <p:cNvSpPr>
             <a:spLocks noGrp="1"/>
           </p:cNvSpPr>
@@ -902,7 +901,7 @@
             <a:pPr>
               <a:defRPr/>
             </a:pPr>
-            <a:fld id="{8230F6AE-2F98-413D-95A9-34F097764FED}" type="slidenum">
+            <a:fld id="{70BAD632-B82D-488E-95EA-4A55071D784E}" type="slidenum">
               <a:rPr lang="pt-BR" smtClean="0"/>
               <a:pPr>
                 <a:defRPr/>
@@ -940,7 +939,7 @@
       </p:grpSpPr>
       <p:sp>
         <p:nvSpPr>
-          <p:cNvPr id="40962" name="Espaço Reservado para Imagem de Slide 1"/>
+          <p:cNvPr id="35842" name="Espaço Reservado para Imagem de Slide 1"/>
           <p:cNvSpPr>
             <a:spLocks noGrp="1" noRot="1" noChangeAspect="1" noTextEdit="1"/>
           </p:cNvSpPr>
@@ -962,7 +961,7 @@
       </p:sp>
       <p:sp>
         <p:nvSpPr>
-          <p:cNvPr id="40963" name="Espaço Reservado para Anotações 2"/>
+          <p:cNvPr id="35843" name="Espaço Reservado para Anotações 2"/>
           <p:cNvSpPr>
             <a:spLocks noGrp="1"/>
           </p:cNvSpPr>
@@ -1003,7 +1002,7 @@
             <a:pPr>
               <a:defRPr/>
             </a:pPr>
-            <a:fld id="{AB5651D2-E640-434B-BA8B-09A23961BAB8}" type="slidenum">
+            <a:fld id="{21092793-6167-4EF9-87CE-E31DF842B0B9}" type="slidenum">
               <a:rPr lang="pt-BR" smtClean="0"/>
               <a:pPr>
                 <a:defRPr/>
@@ -1041,7 +1040,7 @@
       </p:grpSpPr>
       <p:sp>
         <p:nvSpPr>
-          <p:cNvPr id="41986" name="Espaço Reservado para Imagem de Slide 1"/>
+          <p:cNvPr id="36866" name="Espaço Reservado para Imagem de Slide 1"/>
           <p:cNvSpPr>
             <a:spLocks noGrp="1" noRot="1" noChangeAspect="1" noTextEdit="1"/>
           </p:cNvSpPr>
@@ -1063,7 +1062,7 @@
       </p:sp>
       <p:sp>
         <p:nvSpPr>
-          <p:cNvPr id="41987" name="Espaço Reservado para Anotações 2"/>
+          <p:cNvPr id="36867" name="Espaço Reservado para Anotações 2"/>
           <p:cNvSpPr>
             <a:spLocks noGrp="1"/>
           </p:cNvSpPr>
@@ -1104,7 +1103,7 @@
             <a:pPr>
               <a:defRPr/>
             </a:pPr>
-            <a:fld id="{7C390D8C-E71D-4C6A-9DFD-4A055DE3BA3B}" type="slidenum">
+            <a:fld id="{9C861F01-F594-4F8E-816C-7353D6F44AC2}" type="slidenum">
               <a:rPr lang="pt-BR" smtClean="0"/>
               <a:pPr>
                 <a:defRPr/>
@@ -1142,7 +1141,7 @@
       </p:grpSpPr>
       <p:sp>
         <p:nvSpPr>
-          <p:cNvPr id="43010" name="Espaço Reservado para Imagem de Slide 1"/>
+          <p:cNvPr id="37890" name="Espaço Reservado para Imagem de Slide 1"/>
           <p:cNvSpPr>
             <a:spLocks noGrp="1" noRot="1" noChangeAspect="1" noTextEdit="1"/>
           </p:cNvSpPr>
@@ -1164,7 +1163,7 @@
       </p:sp>
       <p:sp>
         <p:nvSpPr>
-          <p:cNvPr id="43011" name="Espaço Reservado para Anotações 2"/>
+          <p:cNvPr id="37891" name="Espaço Reservado para Anotações 2"/>
           <p:cNvSpPr>
             <a:spLocks noGrp="1"/>
           </p:cNvSpPr>
@@ -1205,7 +1204,7 @@
             <a:pPr>
               <a:defRPr/>
             </a:pPr>
-            <a:fld id="{03ED7A4C-0E49-4318-9C7F-ADB534EC1DDC}" type="slidenum">
+            <a:fld id="{CE299FDD-0BF1-4951-98DD-C05CFD2239CC}" type="slidenum">
               <a:rPr lang="pt-BR" smtClean="0"/>
               <a:pPr>
                 <a:defRPr/>
@@ -1243,7 +1242,7 @@
       </p:grpSpPr>
       <p:sp>
         <p:nvSpPr>
-          <p:cNvPr id="44034" name="Espaço Reservado para Imagem de Slide 1"/>
+          <p:cNvPr id="38914" name="Espaço Reservado para Imagem de Slide 1"/>
           <p:cNvSpPr>
             <a:spLocks noGrp="1" noRot="1" noChangeAspect="1" noTextEdit="1"/>
           </p:cNvSpPr>
@@ -1265,7 +1264,7 @@
       </p:sp>
       <p:sp>
         <p:nvSpPr>
-          <p:cNvPr id="44035" name="Espaço Reservado para Anotações 2"/>
+          <p:cNvPr id="38915" name="Espaço Reservado para Anotações 2"/>
           <p:cNvSpPr>
             <a:spLocks noGrp="1"/>
           </p:cNvSpPr>
@@ -1306,7 +1305,7 @@
             <a:pPr>
               <a:defRPr/>
             </a:pPr>
-            <a:fld id="{45A3F917-E589-43AF-86DB-C0714EEE8960}" type="slidenum">
+            <a:fld id="{9F5A471A-2AFD-4B8A-A9A0-DB29F3D740CE}" type="slidenum">
               <a:rPr lang="pt-BR" smtClean="0"/>
               <a:pPr>
                 <a:defRPr/>
@@ -1344,29 +1343,19 @@
       </p:grpSpPr>
       <p:sp>
         <p:nvSpPr>
-          <p:cNvPr id="45058" name="Espaço Reservado para Imagem de Slide 1"/>
-          <p:cNvSpPr>
-            <a:spLocks noGrp="1" noRot="1" noChangeAspect="1" noTextEdit="1"/>
+          <p:cNvPr id="2" name="Espaço Reservado para Imagem de Slide 1"/>
+          <p:cNvSpPr>
+            <a:spLocks noGrp="1" noRot="1" noChangeAspect="1"/>
           </p:cNvSpPr>
           <p:nvPr>
             <p:ph type="sldImg"/>
           </p:nvPr>
         </p:nvSpPr>
-        <p:spPr bwMode="auto">
-          <a:noFill/>
-          <a:ln>
-            <a:solidFill>
-              <a:srgbClr val="000000"/>
-            </a:solidFill>
-            <a:miter lim="800000"/>
-            <a:headEnd/>
-            <a:tailEnd/>
-          </a:ln>
-        </p:spPr>
-      </p:sp>
-      <p:sp>
-        <p:nvSpPr>
-          <p:cNvPr id="45059" name="Espaço Reservado para Anotações 2"/>
+        <p:spPr/>
+      </p:sp>
+      <p:sp>
+        <p:nvSpPr>
+          <p:cNvPr id="3" name="Espaço Reservado para Anotações 2"/>
           <p:cNvSpPr>
             <a:spLocks noGrp="1"/>
           </p:cNvSpPr>
@@ -1374,18 +1363,14 @@
             <p:ph type="body" idx="1"/>
           </p:nvPr>
         </p:nvSpPr>
-        <p:spPr bwMode="auto">
-          <a:noFill/>
-        </p:spPr>
-        <p:txBody>
-          <a:bodyPr wrap="square" numCol="1" anchor="t" anchorCtr="0" compatLnSpc="1">
-            <a:prstTxWarp prst="textNoShape">
-              <a:avLst/>
-            </a:prstTxWarp>
+        <p:spPr/>
+        <p:txBody>
+          <a:bodyPr>
+            <a:normAutofit/>
           </a:bodyPr>
           <a:lstStyle/>
           <a:p>
-            <a:endParaRPr lang="pt-BR" smtClean="0"/>
+            <a:endParaRPr lang="pt-BR"/>
           </a:p>
         </p:txBody>
       </p:sp>
@@ -1396,7 +1381,7 @@
             <a:spLocks noGrp="1"/>
           </p:cNvSpPr>
           <p:nvPr>
-            <p:ph type="sldNum" sz="quarter" idx="5"/>
+            <p:ph type="sldNum" sz="quarter" idx="10"/>
           </p:nvPr>
         </p:nvSpPr>
         <p:spPr/>
@@ -1407,7 +1392,7 @@
             <a:pPr>
               <a:defRPr/>
             </a:pPr>
-            <a:fld id="{4E4B2A90-8256-4D95-B893-937F91942D07}" type="slidenum">
+            <a:fld id="{D45731A0-D324-45D2-92B5-75F23FA6F9F4}" type="slidenum">
               <a:rPr lang="pt-BR" smtClean="0"/>
               <a:pPr>
                 <a:defRPr/>
@@ -1445,7 +1430,7 @@
       </p:grpSpPr>
       <p:sp>
         <p:nvSpPr>
-          <p:cNvPr id="46082" name="Espaço Reservado para Imagem de Slide 1"/>
+          <p:cNvPr id="44034" name="Espaço Reservado para Imagem de Slide 1"/>
           <p:cNvSpPr>
             <a:spLocks noGrp="1" noRot="1" noChangeAspect="1" noTextEdit="1"/>
           </p:cNvSpPr>
@@ -1467,7 +1452,7 @@
       </p:sp>
       <p:sp>
         <p:nvSpPr>
-          <p:cNvPr id="46083" name="Espaço Reservado para Anotações 2"/>
+          <p:cNvPr id="44035" name="Espaço Reservado para Anotações 2"/>
           <p:cNvSpPr>
             <a:spLocks noGrp="1"/>
           </p:cNvSpPr>
@@ -1508,7 +1493,7 @@
             <a:pPr>
               <a:defRPr/>
             </a:pPr>
-            <a:fld id="{7DED1065-BD5C-458E-9324-C0B8310CFDE6}" type="slidenum">
+            <a:fld id="{45A3F917-E589-43AF-86DB-C0714EEE8960}" type="slidenum">
               <a:rPr lang="pt-BR" smtClean="0"/>
               <a:pPr>
                 <a:defRPr/>
@@ -1546,7 +1531,7 @@
       </p:grpSpPr>
       <p:sp>
         <p:nvSpPr>
-          <p:cNvPr id="47106" name="Espaço Reservado para Imagem de Slide 1"/>
+          <p:cNvPr id="48130" name="Espaço Reservado para Imagem de Slide 1"/>
           <p:cNvSpPr>
             <a:spLocks noGrp="1" noRot="1" noChangeAspect="1" noTextEdit="1"/>
           </p:cNvSpPr>
@@ -1568,7 +1553,7 @@
       </p:sp>
       <p:sp>
         <p:nvSpPr>
-          <p:cNvPr id="47107" name="Espaço Reservado para Anotações 2"/>
+          <p:cNvPr id="48131" name="Espaço Reservado para Anotações 2"/>
           <p:cNvSpPr>
             <a:spLocks noGrp="1"/>
           </p:cNvSpPr>
@@ -1609,7 +1594,7 @@
             <a:pPr>
               <a:defRPr/>
             </a:pPr>
-            <a:fld id="{BF8C93A7-0B26-4915-B9D2-3B91D7972FFE}" type="slidenum">
+            <a:fld id="{48A4B3DD-DC3A-4A1F-BDF3-5FDBAE99314D}" type="slidenum">
               <a:rPr lang="pt-BR" smtClean="0"/>
               <a:pPr>
                 <a:defRPr/>
@@ -1647,7 +1632,7 @@
       </p:grpSpPr>
       <p:sp>
         <p:nvSpPr>
-          <p:cNvPr id="48130" name="Espaço Reservado para Imagem de Slide 1"/>
+          <p:cNvPr id="49154" name="Espaço Reservado para Imagem de Slide 1"/>
           <p:cNvSpPr>
             <a:spLocks noGrp="1" noRot="1" noChangeAspect="1" noTextEdit="1"/>
           </p:cNvSpPr>
@@ -1669,7 +1654,7 @@
       </p:sp>
       <p:sp>
         <p:nvSpPr>
-          <p:cNvPr id="48131" name="Espaço Reservado para Anotações 2"/>
+          <p:cNvPr id="49155" name="Espaço Reservado para Anotações 2"/>
           <p:cNvSpPr>
             <a:spLocks noGrp="1"/>
           </p:cNvSpPr>
@@ -1710,7 +1695,7 @@
             <a:pPr>
               <a:defRPr/>
             </a:pPr>
-            <a:fld id="{48A4B3DD-DC3A-4A1F-BDF3-5FDBAE99314D}" type="slidenum">
+            <a:fld id="{94627C42-8E0D-4C50-A726-3D908F1BD667}" type="slidenum">
               <a:rPr lang="pt-BR" smtClean="0"/>
               <a:pPr>
                 <a:defRPr/>
@@ -1748,29 +1733,19 @@
       </p:grpSpPr>
       <p:sp>
         <p:nvSpPr>
-          <p:cNvPr id="30722" name="Espaço Reservado para Imagem de Slide 1"/>
-          <p:cNvSpPr>
-            <a:spLocks noGrp="1" noRot="1" noChangeAspect="1" noTextEdit="1"/>
+          <p:cNvPr id="2" name="Espaço Reservado para Imagem de Slide 1"/>
+          <p:cNvSpPr>
+            <a:spLocks noGrp="1" noRot="1" noChangeAspect="1"/>
           </p:cNvSpPr>
           <p:nvPr>
             <p:ph type="sldImg"/>
           </p:nvPr>
         </p:nvSpPr>
-        <p:spPr bwMode="auto">
-          <a:noFill/>
-          <a:ln>
-            <a:solidFill>
-              <a:srgbClr val="000000"/>
-            </a:solidFill>
-            <a:miter lim="800000"/>
-            <a:headEnd/>
-            <a:tailEnd/>
-          </a:ln>
-        </p:spPr>
-      </p:sp>
-      <p:sp>
-        <p:nvSpPr>
-          <p:cNvPr id="30723" name="Espaço Reservado para Anotações 2"/>
+        <p:spPr/>
+      </p:sp>
+      <p:sp>
+        <p:nvSpPr>
+          <p:cNvPr id="3" name="Espaço Reservado para Anotações 2"/>
           <p:cNvSpPr>
             <a:spLocks noGrp="1"/>
           </p:cNvSpPr>
@@ -1778,18 +1753,14 @@
             <p:ph type="body" idx="1"/>
           </p:nvPr>
         </p:nvSpPr>
-        <p:spPr bwMode="auto">
-          <a:noFill/>
-        </p:spPr>
-        <p:txBody>
-          <a:bodyPr wrap="square" numCol="1" anchor="t" anchorCtr="0" compatLnSpc="1">
-            <a:prstTxWarp prst="textNoShape">
-              <a:avLst/>
-            </a:prstTxWarp>
+        <p:spPr/>
+        <p:txBody>
+          <a:bodyPr>
+            <a:normAutofit/>
           </a:bodyPr>
           <a:lstStyle/>
           <a:p>
-            <a:endParaRPr lang="pt-BR" smtClean="0"/>
+            <a:endParaRPr lang="pt-BR"/>
           </a:p>
         </p:txBody>
       </p:sp>
@@ -1800,7 +1771,7 @@
             <a:spLocks noGrp="1"/>
           </p:cNvSpPr>
           <p:nvPr>
-            <p:ph type="sldNum" sz="quarter" idx="5"/>
+            <p:ph type="sldNum" sz="quarter" idx="10"/>
           </p:nvPr>
         </p:nvSpPr>
         <p:spPr/>
@@ -1811,7 +1782,7 @@
             <a:pPr>
               <a:defRPr/>
             </a:pPr>
-            <a:fld id="{00A2D8A4-9852-4139-9857-9A55A58E0214}" type="slidenum">
+            <a:fld id="{D45731A0-D324-45D2-92B5-75F23FA6F9F4}" type="slidenum">
               <a:rPr lang="pt-BR" smtClean="0"/>
               <a:pPr>
                 <a:defRPr/>
@@ -1849,7 +1820,7 @@
       </p:grpSpPr>
       <p:sp>
         <p:nvSpPr>
-          <p:cNvPr id="49154" name="Espaço Reservado para Imagem de Slide 1"/>
+          <p:cNvPr id="50178" name="Espaço Reservado para Imagem de Slide 1"/>
           <p:cNvSpPr>
             <a:spLocks noGrp="1" noRot="1" noChangeAspect="1" noTextEdit="1"/>
           </p:cNvSpPr>
@@ -1871,107 +1842,6 @@
       </p:sp>
       <p:sp>
         <p:nvSpPr>
-          <p:cNvPr id="49155" name="Espaço Reservado para Anotações 2"/>
-          <p:cNvSpPr>
-            <a:spLocks noGrp="1"/>
-          </p:cNvSpPr>
-          <p:nvPr>
-            <p:ph type="body" idx="1"/>
-          </p:nvPr>
-        </p:nvSpPr>
-        <p:spPr bwMode="auto">
-          <a:noFill/>
-        </p:spPr>
-        <p:txBody>
-          <a:bodyPr wrap="square" numCol="1" anchor="t" anchorCtr="0" compatLnSpc="1">
-            <a:prstTxWarp prst="textNoShape">
-              <a:avLst/>
-            </a:prstTxWarp>
-          </a:bodyPr>
-          <a:lstStyle/>
-          <a:p>
-            <a:endParaRPr lang="pt-BR" smtClean="0"/>
-          </a:p>
-        </p:txBody>
-      </p:sp>
-      <p:sp>
-        <p:nvSpPr>
-          <p:cNvPr id="4" name="Espaço Reservado para Número de Slide 3"/>
-          <p:cNvSpPr>
-            <a:spLocks noGrp="1"/>
-          </p:cNvSpPr>
-          <p:nvPr>
-            <p:ph type="sldNum" sz="quarter" idx="5"/>
-          </p:nvPr>
-        </p:nvSpPr>
-        <p:spPr/>
-        <p:txBody>
-          <a:bodyPr/>
-          <a:lstStyle/>
-          <a:p>
-            <a:pPr>
-              <a:defRPr/>
-            </a:pPr>
-            <a:fld id="{94627C42-8E0D-4C50-A726-3D908F1BD667}" type="slidenum">
-              <a:rPr lang="pt-BR" smtClean="0"/>
-              <a:pPr>
-                <a:defRPr/>
-              </a:pPr>
-              <a:t>20</a:t>
-            </a:fld>
-            <a:endParaRPr lang="pt-BR"/>
-          </a:p>
-        </p:txBody>
-      </p:sp>
-    </p:spTree>
-  </p:cSld>
-  <p:clrMapOvr>
-    <a:masterClrMapping/>
-  </p:clrMapOvr>
-</p:notes>
-</file>
-
-<file path=ppt/notesSlides/notesSlide21.xml><?xml version="1.0" encoding="utf-8"?>
-<p:notes xmlns:a="http://schemas.openxmlformats.org/drawingml/2006/main" xmlns:r="http://schemas.openxmlformats.org/officeDocument/2006/relationships" xmlns:p="http://schemas.openxmlformats.org/presentationml/2006/main">
-  <p:cSld>
-    <p:spTree>
-      <p:nvGrpSpPr>
-        <p:cNvPr id="1" name=""/>
-        <p:cNvGrpSpPr/>
-        <p:nvPr/>
-      </p:nvGrpSpPr>
-      <p:grpSpPr>
-        <a:xfrm>
-          <a:off x="0" y="0"/>
-          <a:ext cx="0" cy="0"/>
-          <a:chOff x="0" y="0"/>
-          <a:chExt cx="0" cy="0"/>
-        </a:xfrm>
-      </p:grpSpPr>
-      <p:sp>
-        <p:nvSpPr>
-          <p:cNvPr id="50178" name="Espaço Reservado para Imagem de Slide 1"/>
-          <p:cNvSpPr>
-            <a:spLocks noGrp="1" noRot="1" noChangeAspect="1" noTextEdit="1"/>
-          </p:cNvSpPr>
-          <p:nvPr>
-            <p:ph type="sldImg"/>
-          </p:nvPr>
-        </p:nvSpPr>
-        <p:spPr bwMode="auto">
-          <a:noFill/>
-          <a:ln>
-            <a:solidFill>
-              <a:srgbClr val="000000"/>
-            </a:solidFill>
-            <a:miter lim="800000"/>
-            <a:headEnd/>
-            <a:tailEnd/>
-          </a:ln>
-        </p:spPr>
-      </p:sp>
-      <p:sp>
-        <p:nvSpPr>
           <p:cNvPr id="50179" name="Espaço Reservado para Anotações 2"/>
           <p:cNvSpPr>
             <a:spLocks noGrp="1"/>
@@ -2018,7 +1888,7 @@
               <a:pPr>
                 <a:defRPr/>
               </a:pPr>
-              <a:t>21</a:t>
+              <a:t>20</a:t>
             </a:fld>
             <a:endParaRPr lang="pt-BR"/>
           </a:p>
@@ -2051,7 +1921,7 @@
       </p:grpSpPr>
       <p:sp>
         <p:nvSpPr>
-          <p:cNvPr id="31746" name="Espaço Reservado para Imagem de Slide 1"/>
+          <p:cNvPr id="30722" name="Espaço Reservado para Imagem de Slide 1"/>
           <p:cNvSpPr>
             <a:spLocks noGrp="1" noRot="1" noChangeAspect="1" noTextEdit="1"/>
           </p:cNvSpPr>
@@ -2073,7 +1943,7 @@
       </p:sp>
       <p:sp>
         <p:nvSpPr>
-          <p:cNvPr id="31747" name="Espaço Reservado para Anotações 2"/>
+          <p:cNvPr id="30723" name="Espaço Reservado para Anotações 2"/>
           <p:cNvSpPr>
             <a:spLocks noGrp="1"/>
           </p:cNvSpPr>
@@ -2114,7 +1984,7 @@
             <a:pPr>
               <a:defRPr/>
             </a:pPr>
-            <a:fld id="{D12E424E-03BB-417F-BCE9-A712B59F6566}" type="slidenum">
+            <a:fld id="{00A2D8A4-9852-4139-9857-9A55A58E0214}" type="slidenum">
               <a:rPr lang="pt-BR" smtClean="0"/>
               <a:pPr>
                 <a:defRPr/>
@@ -2152,7 +2022,7 @@
       </p:grpSpPr>
       <p:sp>
         <p:nvSpPr>
-          <p:cNvPr id="32770" name="Espaço Reservado para Imagem de Slide 1"/>
+          <p:cNvPr id="30722" name="Espaço Reservado para Imagem de Slide 1"/>
           <p:cNvSpPr>
             <a:spLocks noGrp="1" noRot="1" noChangeAspect="1" noTextEdit="1"/>
           </p:cNvSpPr>
@@ -2174,7 +2044,7 @@
       </p:sp>
       <p:sp>
         <p:nvSpPr>
-          <p:cNvPr id="32771" name="Espaço Reservado para Anotações 2"/>
+          <p:cNvPr id="30723" name="Espaço Reservado para Anotações 2"/>
           <p:cNvSpPr>
             <a:spLocks noGrp="1"/>
           </p:cNvSpPr>
@@ -2215,7 +2085,7 @@
             <a:pPr>
               <a:defRPr/>
             </a:pPr>
-            <a:fld id="{3817D5A1-48BD-4756-BC68-BBB17E068BFA}" type="slidenum">
+            <a:fld id="{00A2D8A4-9852-4139-9857-9A55A58E0214}" type="slidenum">
               <a:rPr lang="pt-BR" smtClean="0"/>
               <a:pPr>
                 <a:defRPr/>
@@ -2253,7 +2123,7 @@
       </p:grpSpPr>
       <p:sp>
         <p:nvSpPr>
-          <p:cNvPr id="33794" name="Espaço Reservado para Imagem de Slide 1"/>
+          <p:cNvPr id="31746" name="Espaço Reservado para Imagem de Slide 1"/>
           <p:cNvSpPr>
             <a:spLocks noGrp="1" noRot="1" noChangeAspect="1" noTextEdit="1"/>
           </p:cNvSpPr>
@@ -2275,7 +2145,7 @@
       </p:sp>
       <p:sp>
         <p:nvSpPr>
-          <p:cNvPr id="33795" name="Espaço Reservado para Anotações 2"/>
+          <p:cNvPr id="31747" name="Espaço Reservado para Anotações 2"/>
           <p:cNvSpPr>
             <a:spLocks noGrp="1"/>
           </p:cNvSpPr>
@@ -2316,7 +2186,7 @@
             <a:pPr>
               <a:defRPr/>
             </a:pPr>
-            <a:fld id="{3AFE44C6-A7FF-442C-9A8A-143C1045DEBE}" type="slidenum">
+            <a:fld id="{D12E424E-03BB-417F-BCE9-A712B59F6566}" type="slidenum">
               <a:rPr lang="pt-BR" smtClean="0"/>
               <a:pPr>
                 <a:defRPr/>
@@ -2354,7 +2224,7 @@
       </p:grpSpPr>
       <p:sp>
         <p:nvSpPr>
-          <p:cNvPr id="34818" name="Espaço Reservado para Imagem de Slide 1"/>
+          <p:cNvPr id="30722" name="Espaço Reservado para Imagem de Slide 1"/>
           <p:cNvSpPr>
             <a:spLocks noGrp="1" noRot="1" noChangeAspect="1" noTextEdit="1"/>
           </p:cNvSpPr>
@@ -2376,7 +2246,7 @@
       </p:sp>
       <p:sp>
         <p:nvSpPr>
-          <p:cNvPr id="34819" name="Espaço Reservado para Anotações 2"/>
+          <p:cNvPr id="30723" name="Espaço Reservado para Anotações 2"/>
           <p:cNvSpPr>
             <a:spLocks noGrp="1"/>
           </p:cNvSpPr>
@@ -2417,7 +2287,7 @@
             <a:pPr>
               <a:defRPr/>
             </a:pPr>
-            <a:fld id="{70BAD632-B82D-488E-95EA-4A55071D784E}" type="slidenum">
+            <a:fld id="{00A2D8A4-9852-4139-9857-9A55A58E0214}" type="slidenum">
               <a:rPr lang="pt-BR" smtClean="0"/>
               <a:pPr>
                 <a:defRPr/>
@@ -2455,7 +2325,7 @@
       </p:grpSpPr>
       <p:sp>
         <p:nvSpPr>
-          <p:cNvPr id="35842" name="Espaço Reservado para Imagem de Slide 1"/>
+          <p:cNvPr id="32770" name="Espaço Reservado para Imagem de Slide 1"/>
           <p:cNvSpPr>
             <a:spLocks noGrp="1" noRot="1" noChangeAspect="1" noTextEdit="1"/>
           </p:cNvSpPr>
@@ -2477,7 +2347,7 @@
       </p:sp>
       <p:sp>
         <p:nvSpPr>
-          <p:cNvPr id="35843" name="Espaço Reservado para Anotações 2"/>
+          <p:cNvPr id="32771" name="Espaço Reservado para Anotações 2"/>
           <p:cNvSpPr>
             <a:spLocks noGrp="1"/>
           </p:cNvSpPr>
@@ -2518,7 +2388,7 @@
             <a:pPr>
               <a:defRPr/>
             </a:pPr>
-            <a:fld id="{21092793-6167-4EF9-87CE-E31DF842B0B9}" type="slidenum">
+            <a:fld id="{3817D5A1-48BD-4756-BC68-BBB17E068BFA}" type="slidenum">
               <a:rPr lang="pt-BR" smtClean="0"/>
               <a:pPr>
                 <a:defRPr/>
@@ -2556,7 +2426,7 @@
       </p:grpSpPr>
       <p:sp>
         <p:nvSpPr>
-          <p:cNvPr id="36866" name="Espaço Reservado para Imagem de Slide 1"/>
+          <p:cNvPr id="32770" name="Espaço Reservado para Imagem de Slide 1"/>
           <p:cNvSpPr>
             <a:spLocks noGrp="1" noRot="1" noChangeAspect="1" noTextEdit="1"/>
           </p:cNvSpPr>
@@ -2578,7 +2448,7 @@
       </p:sp>
       <p:sp>
         <p:nvSpPr>
-          <p:cNvPr id="36867" name="Espaço Reservado para Anotações 2"/>
+          <p:cNvPr id="32771" name="Espaço Reservado para Anotações 2"/>
           <p:cNvSpPr>
             <a:spLocks noGrp="1"/>
           </p:cNvSpPr>
@@ -2619,7 +2489,7 @@
             <a:pPr>
               <a:defRPr/>
             </a:pPr>
-            <a:fld id="{9C861F01-F594-4F8E-816C-7353D6F44AC2}" type="slidenum">
+            <a:fld id="{3817D5A1-48BD-4756-BC68-BBB17E068BFA}" type="slidenum">
               <a:rPr lang="pt-BR" smtClean="0"/>
               <a:pPr>
                 <a:defRPr/>
@@ -2657,7 +2527,7 @@
       </p:grpSpPr>
       <p:sp>
         <p:nvSpPr>
-          <p:cNvPr id="37890" name="Espaço Reservado para Imagem de Slide 1"/>
+          <p:cNvPr id="32770" name="Espaço Reservado para Imagem de Slide 1"/>
           <p:cNvSpPr>
             <a:spLocks noGrp="1" noRot="1" noChangeAspect="1" noTextEdit="1"/>
           </p:cNvSpPr>
@@ -2679,7 +2549,7 @@
       </p:sp>
       <p:sp>
         <p:nvSpPr>
-          <p:cNvPr id="37891" name="Espaço Reservado para Anotações 2"/>
+          <p:cNvPr id="32771" name="Espaço Reservado para Anotações 2"/>
           <p:cNvSpPr>
             <a:spLocks noGrp="1"/>
           </p:cNvSpPr>
@@ -2720,7 +2590,7 @@
             <a:pPr>
               <a:defRPr/>
             </a:pPr>
-            <a:fld id="{CE299FDD-0BF1-4951-98DD-C05CFD2239CC}" type="slidenum">
+            <a:fld id="{3817D5A1-48BD-4756-BC68-BBB17E068BFA}" type="slidenum">
               <a:rPr lang="pt-BR" smtClean="0"/>
               <a:pPr>
                 <a:defRPr/>
@@ -3152,12 +3022,12 @@
             <a:pPr>
               <a:defRPr/>
             </a:pPr>
-            <a:fld id="{B73DC3A6-F7D7-48BE-AC5D-2393085B3E88}" type="datetimeFigureOut">
-              <a:rPr lang="pt-BR"/>
+            <a:fld id="{CFA5D79C-7B30-4FAC-AACF-3F76E2F1648A}" type="datetime1">
+              <a:rPr lang="pt-BR" smtClean="0"/>
               <a:pPr>
                 <a:defRPr/>
               </a:pPr>
-              <a:t>21/02/2012</a:t>
+              <a:t>16/04/2012</a:t>
             </a:fld>
             <a:endParaRPr lang="pt-BR"/>
           </a:p>
@@ -3227,6 +3097,13 @@
   <p:clrMapOvr>
     <a:overrideClrMapping bg1="dk1" tx1="lt1" bg2="dk2" tx2="lt2" accent1="accent1" accent2="accent2" accent3="accent3" accent4="accent4" accent5="accent5" accent6="accent6" hlink="hlink" folHlink="folHlink"/>
   </p:clrMapOvr>
+  <p:timing>
+    <p:tnLst>
+      <p:par>
+        <p:cTn id="1" dur="indefinite" restart="never" nodeType="tmRoot"/>
+      </p:par>
+    </p:tnLst>
+  </p:timing>
 </p:sldLayout>
 </file>
 
@@ -3344,12 +3221,12 @@
             <a:pPr>
               <a:defRPr/>
             </a:pPr>
-            <a:fld id="{102B021F-B95D-4D2E-BFCD-554AFF67C3CF}" type="datetimeFigureOut">
-              <a:rPr lang="pt-BR"/>
+            <a:fld id="{2951D8E7-9670-495D-A90C-DC489BEA7A4D}" type="datetime1">
+              <a:rPr lang="pt-BR" smtClean="0"/>
               <a:pPr>
                 <a:defRPr/>
               </a:pPr>
-              <a:t>21/02/2012</a:t>
+              <a:t>16/04/2012</a:t>
             </a:fld>
             <a:endParaRPr lang="pt-BR"/>
           </a:p>
@@ -3546,12 +3423,12 @@
             <a:pPr>
               <a:defRPr/>
             </a:pPr>
-            <a:fld id="{32A02AD4-616F-4997-9E85-C263489BCB28}" type="datetimeFigureOut">
-              <a:rPr lang="pt-BR"/>
+            <a:fld id="{0FD49B61-9D6A-42D5-AAE2-56F4B3526DA5}" type="datetime1">
+              <a:rPr lang="pt-BR" smtClean="0"/>
               <a:pPr>
                 <a:defRPr/>
               </a:pPr>
-              <a:t>21/02/2012</a:t>
+              <a:t>16/04/2012</a:t>
             </a:fld>
             <a:endParaRPr lang="pt-BR"/>
           </a:p>
@@ -3742,12 +3619,12 @@
             <a:pPr>
               <a:defRPr/>
             </a:pPr>
-            <a:fld id="{30267886-3121-4F08-ABA1-2BB9441759C4}" type="datetimeFigureOut">
-              <a:rPr lang="pt-BR"/>
+            <a:fld id="{47A2E5D5-E78B-4500-83FA-1044F3C72A0E}" type="datetime1">
+              <a:rPr lang="pt-BR" smtClean="0"/>
               <a:pPr>
                 <a:defRPr/>
               </a:pPr>
-              <a:t>21/02/2012</a:t>
+              <a:t>16/04/2012</a:t>
             </a:fld>
             <a:endParaRPr lang="pt-BR"/>
           </a:p>
@@ -4248,12 +4125,12 @@
             <a:pPr>
               <a:defRPr/>
             </a:pPr>
-            <a:fld id="{0941E8E3-BC23-4A60-ACE4-3A472BFA6FFC}" type="datetimeFigureOut">
-              <a:rPr lang="pt-BR"/>
+            <a:fld id="{5D3F9A78-155C-4854-A681-FAC1E58947DC}" type="datetime1">
+              <a:rPr lang="pt-BR" smtClean="0"/>
               <a:pPr>
                 <a:defRPr/>
               </a:pPr>
-              <a:t>21/02/2012</a:t>
+              <a:t>16/04/2012</a:t>
             </a:fld>
             <a:endParaRPr lang="pt-BR"/>
           </a:p>
@@ -4539,12 +4416,12 @@
             <a:pPr>
               <a:defRPr/>
             </a:pPr>
-            <a:fld id="{AD432AB8-220E-4AD1-944D-2EAF31EBF3FA}" type="datetimeFigureOut">
-              <a:rPr lang="pt-BR"/>
+            <a:fld id="{1B026A61-CFFB-449C-9698-2A3BBC32A9C4}" type="datetime1">
+              <a:rPr lang="pt-BR" smtClean="0"/>
               <a:pPr>
                 <a:defRPr/>
               </a:pPr>
-              <a:t>21/02/2012</a:t>
+              <a:t>16/04/2012</a:t>
             </a:fld>
             <a:endParaRPr lang="pt-BR"/>
           </a:p>
@@ -4940,12 +4817,12 @@
             <a:pPr>
               <a:defRPr/>
             </a:pPr>
-            <a:fld id="{249893DB-4663-4879-986A-F6F793EFCFD9}" type="datetimeFigureOut">
-              <a:rPr lang="pt-BR"/>
+            <a:fld id="{649688FD-91B8-4E37-A04D-9A8AFCB034C2}" type="datetime1">
+              <a:rPr lang="pt-BR" smtClean="0"/>
               <a:pPr>
                 <a:defRPr/>
               </a:pPr>
-              <a:t>21/02/2012</a:t>
+              <a:t>16/04/2012</a:t>
             </a:fld>
             <a:endParaRPr lang="pt-BR"/>
           </a:p>
@@ -5089,12 +4966,12 @@
             <a:pPr>
               <a:defRPr/>
             </a:pPr>
-            <a:fld id="{9D792201-2D82-436F-96B9-36595E048038}" type="datetimeFigureOut">
-              <a:rPr lang="pt-BR"/>
+            <a:fld id="{965F3061-923D-41FF-A50F-72FD64407CB3}" type="datetime1">
+              <a:rPr lang="pt-BR" smtClean="0"/>
               <a:pPr>
                 <a:defRPr/>
               </a:pPr>
-              <a:t>21/02/2012</a:t>
+              <a:t>16/04/2012</a:t>
             </a:fld>
             <a:endParaRPr lang="pt-BR"/>
           </a:p>
@@ -5206,12 +5083,12 @@
             <a:pPr>
               <a:defRPr/>
             </a:pPr>
-            <a:fld id="{47ECD893-A23A-4021-87E4-43766A2C101A}" type="datetimeFigureOut">
-              <a:rPr lang="pt-BR"/>
+            <a:fld id="{C9834787-CC11-4C47-B0C3-CF12B155ED4E}" type="datetime1">
+              <a:rPr lang="pt-BR" smtClean="0"/>
               <a:pPr>
                 <a:defRPr/>
               </a:pPr>
-              <a:t>21/02/2012</a:t>
+              <a:t>16/04/2012</a:t>
             </a:fld>
             <a:endParaRPr lang="pt-BR"/>
           </a:p>
@@ -5482,12 +5359,12 @@
             <a:pPr>
               <a:defRPr/>
             </a:pPr>
-            <a:fld id="{E2205097-6B66-4915-BFE3-A4CBBC69AA45}" type="datetimeFigureOut">
-              <a:rPr lang="pt-BR"/>
+            <a:fld id="{448F0874-BC2C-465F-B9A3-646E3976DCAE}" type="datetime1">
+              <a:rPr lang="pt-BR" smtClean="0"/>
               <a:pPr>
                 <a:defRPr/>
               </a:pPr>
-              <a:t>21/02/2012</a:t>
+              <a:t>16/04/2012</a:t>
             </a:fld>
             <a:endParaRPr lang="pt-BR"/>
           </a:p>
@@ -5766,12 +5643,12 @@
             <a:pPr>
               <a:defRPr/>
             </a:pPr>
-            <a:fld id="{5C97F489-FE5C-40BF-B750-E274990EF06E}" type="datetimeFigureOut">
-              <a:rPr lang="pt-BR"/>
+            <a:fld id="{AF8ACD94-DCF1-4B4A-A103-3036CE6E26F1}" type="datetime1">
+              <a:rPr lang="pt-BR" smtClean="0"/>
               <a:pPr>
                 <a:defRPr/>
               </a:pPr>
-              <a:t>21/02/2012</a:t>
+              <a:t>16/04/2012</a:t>
             </a:fld>
             <a:endParaRPr lang="pt-BR"/>
           </a:p>
@@ -6244,12 +6121,12 @@
             <a:pPr>
               <a:defRPr/>
             </a:pPr>
-            <a:fld id="{3E6FE7BA-CFE1-47CF-B7E4-D8DE571C1CEA}" type="datetimeFigureOut">
-              <a:rPr lang="pt-BR"/>
+            <a:fld id="{EFCFD5BE-1105-4656-BB6E-9D85FA24F62D}" type="datetime1">
+              <a:rPr lang="pt-BR" smtClean="0"/>
               <a:pPr>
                 <a:defRPr/>
               </a:pPr>
-              <a:t>21/02/2012</a:t>
+              <a:t>16/04/2012</a:t>
             </a:fld>
             <a:endParaRPr lang="pt-BR"/>
           </a:p>
@@ -6332,7 +6209,7 @@
               <a:spcAft>
                 <a:spcPts val="0"/>
               </a:spcAft>
-              <a:defRPr kumimoji="0" sz="1000">
+              <a:defRPr kumimoji="0" sz="1600">
                 <a:solidFill>
                   <a:schemeClr val="tx2">
                     <a:shade val="50000"/>
@@ -6348,7 +6225,7 @@
               <a:defRPr/>
             </a:pPr>
             <a:fld id="{79CAACFE-08CB-4D7A-9EC2-B70F665DA0B6}" type="slidenum">
-              <a:rPr lang="pt-BR"/>
+              <a:rPr lang="pt-BR" smtClean="0"/>
               <a:pPr>
                 <a:defRPr/>
               </a:pPr>
@@ -6374,6 +6251,14 @@
     <p:sldLayoutId id="2147483825" r:id="rId10"/>
     <p:sldLayoutId id="2147483826" r:id="rId11"/>
   </p:sldLayoutIdLst>
+  <p:timing>
+    <p:tnLst>
+      <p:par>
+        <p:cTn id="1" dur="indefinite" restart="never" nodeType="tmRoot"/>
+      </p:par>
+    </p:tnLst>
+  </p:timing>
+  <p:hf hdr="0" ftr="0" dt="0"/>
   <p:txStyles>
     <p:titleStyle>
       <a:lvl1pPr algn="l" rtl="0" eaLnBrk="0" fontAlgn="base" hangingPunct="0">
@@ -6827,10 +6712,10 @@
               <a:defRPr/>
             </a:pPr>
             <a:r>
-              <a:rPr lang="pt-BR" cap="none" smtClean="0"/>
+              <a:rPr lang="pt-BR" cap="none" dirty="0" smtClean="0"/>
               <a:t>Threads</a:t>
             </a:r>
-            <a:endParaRPr lang="pt-BR" cap="none"/>
+            <a:endParaRPr lang="pt-BR" cap="none" dirty="0"/>
           </a:p>
         </p:txBody>
       </p:sp>
@@ -6856,7 +6741,7 @@
           <a:p>
             <a:pPr eaLnBrk="1" hangingPunct="1"/>
             <a:r>
-              <a:rPr lang="pt-BR" smtClean="0"/>
+              <a:rPr lang="pt-BR" dirty="0" smtClean="0"/>
               <a:t>Capítulo 8</a:t>
             </a:r>
           </a:p>
@@ -6896,7 +6781,7 @@
       </p:grpSpPr>
       <p:sp>
         <p:nvSpPr>
-          <p:cNvPr id="16386" name="Título 1"/>
+          <p:cNvPr id="11266" name="Título 1"/>
           <p:cNvSpPr>
             <a:spLocks noGrp="1"/>
           </p:cNvSpPr>
@@ -6911,28 +6796,73 @@
           <a:p>
             <a:pPr eaLnBrk="1" hangingPunct="1"/>
             <a:r>
+              <a:rPr lang="pt-BR" dirty="0" smtClean="0"/>
+              <a:t>A classe </a:t>
+            </a:r>
+            <a:r>
+              <a:rPr lang="pt-BR" dirty="0" err="1" smtClean="0"/>
+              <a:t>java</a:t>
+            </a:r>
+            <a:r>
+              <a:rPr lang="pt-BR" dirty="0" smtClean="0"/>
+              <a:t>.</a:t>
+            </a:r>
+            <a:r>
+              <a:rPr lang="pt-BR" dirty="0" err="1" smtClean="0"/>
+              <a:t>lang</a:t>
+            </a:r>
+            <a:r>
+              <a:rPr lang="pt-BR" dirty="0" smtClean="0"/>
+              <a:t>.Thread</a:t>
+            </a:r>
+          </a:p>
+        </p:txBody>
+      </p:sp>
+      <p:sp>
+        <p:nvSpPr>
+          <p:cNvPr id="11267" name="Espaço Reservado para Conteúdo 2"/>
+          <p:cNvSpPr>
+            <a:spLocks noGrp="1"/>
+          </p:cNvSpPr>
+          <p:nvPr>
+            <p:ph idx="1"/>
+          </p:nvPr>
+        </p:nvSpPr>
+        <p:spPr/>
+        <p:txBody>
+          <a:bodyPr/>
+          <a:lstStyle/>
+          <a:p>
+            <a:endParaRPr lang="pt-BR" smtClean="0"/>
+          </a:p>
+        </p:txBody>
+      </p:sp>
+      <p:sp>
+        <p:nvSpPr>
+          <p:cNvPr id="4" name="Espaço Reservado para Número de Slide 3"/>
+          <p:cNvSpPr>
+            <a:spLocks noGrp="1"/>
+          </p:cNvSpPr>
+          <p:nvPr>
+            <p:ph type="sldNum" sz="quarter" idx="12"/>
+          </p:nvPr>
+        </p:nvSpPr>
+        <p:spPr/>
+        <p:txBody>
+          <a:bodyPr/>
+          <a:lstStyle/>
+          <a:p>
+            <a:pPr>
+              <a:defRPr/>
+            </a:pPr>
+            <a:fld id="{A3E49AD4-F76A-4E25-A0A5-9CD64D5A0A0D}" type="slidenum">
               <a:rPr lang="pt-BR" smtClean="0"/>
-              <a:t>Prioridades das threads</a:t>
-            </a:r>
-          </a:p>
-        </p:txBody>
-      </p:sp>
-      <p:sp>
-        <p:nvSpPr>
-          <p:cNvPr id="16387" name="Espaço Reservado para Conteúdo 2"/>
-          <p:cNvSpPr>
-            <a:spLocks noGrp="1"/>
-          </p:cNvSpPr>
-          <p:nvPr>
-            <p:ph idx="1"/>
-          </p:nvPr>
-        </p:nvSpPr>
-        <p:spPr/>
-        <p:txBody>
-          <a:bodyPr/>
-          <a:lstStyle/>
-          <a:p>
-            <a:endParaRPr lang="pt-BR" smtClean="0"/>
+              <a:pPr>
+                <a:defRPr/>
+              </a:pPr>
+              <a:t>10</a:t>
+            </a:fld>
+            <a:endParaRPr lang="pt-BR"/>
           </a:p>
         </p:txBody>
       </p:sp>
@@ -6941,6 +6871,13 @@
   <p:clrMapOvr>
     <a:masterClrMapping/>
   </p:clrMapOvr>
+  <p:timing>
+    <p:tnLst>
+      <p:par>
+        <p:cTn id="1" dur="indefinite" restart="never" nodeType="tmRoot"/>
+      </p:par>
+    </p:tnLst>
+  </p:timing>
 </p:sld>
 </file>
 
@@ -6963,7 +6900,7 @@
       </p:grpSpPr>
       <p:sp>
         <p:nvSpPr>
-          <p:cNvPr id="17410" name="Título 1"/>
+          <p:cNvPr id="12290" name="Título 1"/>
           <p:cNvSpPr>
             <a:spLocks noGrp="1"/>
           </p:cNvSpPr>
@@ -6978,28 +6915,78 @@
           <a:p>
             <a:pPr eaLnBrk="1" hangingPunct="1"/>
             <a:r>
+              <a:rPr lang="pt-BR" dirty="0" smtClean="0"/>
+              <a:t>A interface </a:t>
+            </a:r>
+            <a:r>
+              <a:rPr lang="pt-BR" dirty="0" err="1" smtClean="0"/>
+              <a:t>java</a:t>
+            </a:r>
+            <a:r>
+              <a:rPr lang="pt-BR" dirty="0" smtClean="0"/>
+              <a:t>.</a:t>
+            </a:r>
+            <a:r>
+              <a:rPr lang="pt-BR" dirty="0" err="1" smtClean="0"/>
+              <a:t>lang</a:t>
+            </a:r>
+            <a:r>
+              <a:rPr lang="pt-BR" dirty="0" smtClean="0"/>
+              <a:t>.</a:t>
+            </a:r>
+            <a:r>
+              <a:rPr lang="pt-BR" dirty="0" err="1" smtClean="0"/>
+              <a:t>Runnable</a:t>
+            </a:r>
+            <a:endParaRPr lang="pt-BR" dirty="0" smtClean="0"/>
+          </a:p>
+        </p:txBody>
+      </p:sp>
+      <p:sp>
+        <p:nvSpPr>
+          <p:cNvPr id="12291" name="Espaço Reservado para Conteúdo 2"/>
+          <p:cNvSpPr>
+            <a:spLocks noGrp="1"/>
+          </p:cNvSpPr>
+          <p:nvPr>
+            <p:ph idx="1"/>
+          </p:nvPr>
+        </p:nvSpPr>
+        <p:spPr/>
+        <p:txBody>
+          <a:bodyPr/>
+          <a:lstStyle/>
+          <a:p>
+            <a:endParaRPr lang="pt-BR" smtClean="0"/>
+          </a:p>
+        </p:txBody>
+      </p:sp>
+      <p:sp>
+        <p:nvSpPr>
+          <p:cNvPr id="4" name="Espaço Reservado para Número de Slide 3"/>
+          <p:cNvSpPr>
+            <a:spLocks noGrp="1"/>
+          </p:cNvSpPr>
+          <p:nvPr>
+            <p:ph type="sldNum" sz="quarter" idx="12"/>
+          </p:nvPr>
+        </p:nvSpPr>
+        <p:spPr/>
+        <p:txBody>
+          <a:bodyPr/>
+          <a:lstStyle/>
+          <a:p>
+            <a:pPr>
+              <a:defRPr/>
+            </a:pPr>
+            <a:fld id="{A3E49AD4-F76A-4E25-A0A5-9CD64D5A0A0D}" type="slidenum">
               <a:rPr lang="pt-BR" smtClean="0"/>
-              <a:t>Método yield()</a:t>
-            </a:r>
-          </a:p>
-        </p:txBody>
-      </p:sp>
-      <p:sp>
-        <p:nvSpPr>
-          <p:cNvPr id="17411" name="Espaço Reservado para Conteúdo 2"/>
-          <p:cNvSpPr>
-            <a:spLocks noGrp="1"/>
-          </p:cNvSpPr>
-          <p:nvPr>
-            <p:ph idx="1"/>
-          </p:nvPr>
-        </p:nvSpPr>
-        <p:spPr/>
-        <p:txBody>
-          <a:bodyPr/>
-          <a:lstStyle/>
-          <a:p>
-            <a:endParaRPr lang="pt-BR" smtClean="0"/>
+              <a:pPr>
+                <a:defRPr/>
+              </a:pPr>
+              <a:t>11</a:t>
+            </a:fld>
+            <a:endParaRPr lang="pt-BR"/>
           </a:p>
         </p:txBody>
       </p:sp>
@@ -7008,6 +6995,13 @@
   <p:clrMapOvr>
     <a:masterClrMapping/>
   </p:clrMapOvr>
+  <p:timing>
+    <p:tnLst>
+      <p:par>
+        <p:cTn id="1" dur="indefinite" restart="never" nodeType="tmRoot"/>
+      </p:par>
+    </p:tnLst>
+  </p:timing>
 </p:sld>
 </file>
 
@@ -7030,7 +7024,7 @@
       </p:grpSpPr>
       <p:sp>
         <p:nvSpPr>
-          <p:cNvPr id="18434" name="Título 1"/>
+          <p:cNvPr id="13314" name="Título 1"/>
           <p:cNvSpPr>
             <a:spLocks noGrp="1"/>
           </p:cNvSpPr>
@@ -7045,28 +7039,57 @@
           <a:p>
             <a:pPr eaLnBrk="1" hangingPunct="1"/>
             <a:r>
+              <a:rPr lang="pt-BR" dirty="0" smtClean="0"/>
+              <a:t>Construtores</a:t>
+            </a:r>
+          </a:p>
+        </p:txBody>
+      </p:sp>
+      <p:sp>
+        <p:nvSpPr>
+          <p:cNvPr id="13315" name="Espaço Reservado para Conteúdo 2"/>
+          <p:cNvSpPr>
+            <a:spLocks noGrp="1"/>
+          </p:cNvSpPr>
+          <p:nvPr>
+            <p:ph idx="1"/>
+          </p:nvPr>
+        </p:nvSpPr>
+        <p:spPr/>
+        <p:txBody>
+          <a:bodyPr/>
+          <a:lstStyle/>
+          <a:p>
+            <a:endParaRPr lang="pt-BR" smtClean="0"/>
+          </a:p>
+        </p:txBody>
+      </p:sp>
+      <p:sp>
+        <p:nvSpPr>
+          <p:cNvPr id="4" name="Espaço Reservado para Número de Slide 3"/>
+          <p:cNvSpPr>
+            <a:spLocks noGrp="1"/>
+          </p:cNvSpPr>
+          <p:nvPr>
+            <p:ph type="sldNum" sz="quarter" idx="12"/>
+          </p:nvPr>
+        </p:nvSpPr>
+        <p:spPr/>
+        <p:txBody>
+          <a:bodyPr/>
+          <a:lstStyle/>
+          <a:p>
+            <a:pPr>
+              <a:defRPr/>
+            </a:pPr>
+            <a:fld id="{A3E49AD4-F76A-4E25-A0A5-9CD64D5A0A0D}" type="slidenum">
               <a:rPr lang="pt-BR" smtClean="0"/>
-              <a:t>Método join()</a:t>
-            </a:r>
-          </a:p>
-        </p:txBody>
-      </p:sp>
-      <p:sp>
-        <p:nvSpPr>
-          <p:cNvPr id="18435" name="Espaço Reservado para Conteúdo 2"/>
-          <p:cNvSpPr>
-            <a:spLocks noGrp="1"/>
-          </p:cNvSpPr>
-          <p:nvPr>
-            <p:ph idx="1"/>
-          </p:nvPr>
-        </p:nvSpPr>
-        <p:spPr/>
-        <p:txBody>
-          <a:bodyPr/>
-          <a:lstStyle/>
-          <a:p>
-            <a:endParaRPr lang="pt-BR" smtClean="0"/>
+              <a:pPr>
+                <a:defRPr/>
+              </a:pPr>
+              <a:t>12</a:t>
+            </a:fld>
+            <a:endParaRPr lang="pt-BR"/>
           </a:p>
         </p:txBody>
       </p:sp>
@@ -7075,6 +7098,13 @@
   <p:clrMapOvr>
     <a:masterClrMapping/>
   </p:clrMapOvr>
+  <p:timing>
+    <p:tnLst>
+      <p:par>
+        <p:cTn id="1" dur="indefinite" restart="never" nodeType="tmRoot"/>
+      </p:par>
+    </p:tnLst>
+  </p:timing>
 </p:sld>
 </file>
 
@@ -7097,7 +7127,7 @@
       </p:grpSpPr>
       <p:sp>
         <p:nvSpPr>
-          <p:cNvPr id="19458" name="Título 1"/>
+          <p:cNvPr id="14338" name="Título 1"/>
           <p:cNvSpPr>
             <a:spLocks noGrp="1"/>
           </p:cNvSpPr>
@@ -7112,28 +7142,57 @@
           <a:p>
             <a:pPr eaLnBrk="1" hangingPunct="1"/>
             <a:r>
+              <a:rPr lang="pt-BR" dirty="0" smtClean="0"/>
+              <a:t>Estados da thread</a:t>
+            </a:r>
+          </a:p>
+        </p:txBody>
+      </p:sp>
+      <p:sp>
+        <p:nvSpPr>
+          <p:cNvPr id="14339" name="Espaço Reservado para Conteúdo 2"/>
+          <p:cNvSpPr>
+            <a:spLocks noGrp="1"/>
+          </p:cNvSpPr>
+          <p:nvPr>
+            <p:ph idx="1"/>
+          </p:nvPr>
+        </p:nvSpPr>
+        <p:spPr/>
+        <p:txBody>
+          <a:bodyPr/>
+          <a:lstStyle/>
+          <a:p>
+            <a:endParaRPr lang="pt-BR" smtClean="0"/>
+          </a:p>
+        </p:txBody>
+      </p:sp>
+      <p:sp>
+        <p:nvSpPr>
+          <p:cNvPr id="4" name="Espaço Reservado para Número de Slide 3"/>
+          <p:cNvSpPr>
+            <a:spLocks noGrp="1"/>
+          </p:cNvSpPr>
+          <p:nvPr>
+            <p:ph type="sldNum" sz="quarter" idx="12"/>
+          </p:nvPr>
+        </p:nvSpPr>
+        <p:spPr/>
+        <p:txBody>
+          <a:bodyPr/>
+          <a:lstStyle/>
+          <a:p>
+            <a:pPr>
+              <a:defRPr/>
+            </a:pPr>
+            <a:fld id="{A3E49AD4-F76A-4E25-A0A5-9CD64D5A0A0D}" type="slidenum">
               <a:rPr lang="pt-BR" smtClean="0"/>
-              <a:t>Método isAlive()</a:t>
-            </a:r>
-          </a:p>
-        </p:txBody>
-      </p:sp>
-      <p:sp>
-        <p:nvSpPr>
-          <p:cNvPr id="19459" name="Espaço Reservado para Conteúdo 2"/>
-          <p:cNvSpPr>
-            <a:spLocks noGrp="1"/>
-          </p:cNvSpPr>
-          <p:nvPr>
-            <p:ph idx="1"/>
-          </p:nvPr>
-        </p:nvSpPr>
-        <p:spPr/>
-        <p:txBody>
-          <a:bodyPr/>
-          <a:lstStyle/>
-          <a:p>
-            <a:endParaRPr lang="pt-BR" smtClean="0"/>
+              <a:pPr>
+                <a:defRPr/>
+              </a:pPr>
+              <a:t>13</a:t>
+            </a:fld>
+            <a:endParaRPr lang="pt-BR"/>
           </a:p>
         </p:txBody>
       </p:sp>
@@ -7142,6 +7201,13 @@
   <p:clrMapOvr>
     <a:masterClrMapping/>
   </p:clrMapOvr>
+  <p:timing>
+    <p:tnLst>
+      <p:par>
+        <p:cTn id="1" dur="indefinite" restart="never" nodeType="tmRoot"/>
+      </p:par>
+    </p:tnLst>
+  </p:timing>
 </p:sld>
 </file>
 
@@ -7164,7 +7230,7 @@
       </p:grpSpPr>
       <p:sp>
         <p:nvSpPr>
-          <p:cNvPr id="20482" name="Título 1"/>
+          <p:cNvPr id="15362" name="Título 1"/>
           <p:cNvSpPr>
             <a:spLocks noGrp="1"/>
           </p:cNvSpPr>
@@ -7179,28 +7245,66 @@
           <a:p>
             <a:pPr eaLnBrk="1" hangingPunct="1"/>
             <a:r>
+              <a:rPr lang="pt-BR" dirty="0" smtClean="0"/>
+              <a:t>O</a:t>
+            </a:r>
+            <a:r>
+              <a:rPr lang="pt-BR" baseline="0" dirty="0" smtClean="0"/>
+              <a:t> </a:t>
+            </a:r>
+            <a:r>
+              <a:rPr lang="pt-BR" dirty="0" err="1" smtClean="0"/>
+              <a:t>Scheduler</a:t>
+            </a:r>
+            <a:endParaRPr lang="pt-BR" dirty="0" smtClean="0"/>
+          </a:p>
+        </p:txBody>
+      </p:sp>
+      <p:sp>
+        <p:nvSpPr>
+          <p:cNvPr id="15363" name="Espaço Reservado para Conteúdo 2"/>
+          <p:cNvSpPr>
+            <a:spLocks noGrp="1"/>
+          </p:cNvSpPr>
+          <p:nvPr>
+            <p:ph idx="1"/>
+          </p:nvPr>
+        </p:nvSpPr>
+        <p:spPr/>
+        <p:txBody>
+          <a:bodyPr/>
+          <a:lstStyle/>
+          <a:p>
+            <a:endParaRPr lang="pt-BR" smtClean="0"/>
+          </a:p>
+        </p:txBody>
+      </p:sp>
+      <p:sp>
+        <p:nvSpPr>
+          <p:cNvPr id="4" name="Espaço Reservado para Número de Slide 3"/>
+          <p:cNvSpPr>
+            <a:spLocks noGrp="1"/>
+          </p:cNvSpPr>
+          <p:nvPr>
+            <p:ph type="sldNum" sz="quarter" idx="12"/>
+          </p:nvPr>
+        </p:nvSpPr>
+        <p:spPr/>
+        <p:txBody>
+          <a:bodyPr/>
+          <a:lstStyle/>
+          <a:p>
+            <a:pPr>
+              <a:defRPr/>
+            </a:pPr>
+            <a:fld id="{A3E49AD4-F76A-4E25-A0A5-9CD64D5A0A0D}" type="slidenum">
               <a:rPr lang="pt-BR" smtClean="0"/>
-              <a:t>Método sleep()</a:t>
-            </a:r>
-          </a:p>
-        </p:txBody>
-      </p:sp>
-      <p:sp>
-        <p:nvSpPr>
-          <p:cNvPr id="20483" name="Espaço Reservado para Conteúdo 2"/>
-          <p:cNvSpPr>
-            <a:spLocks noGrp="1"/>
-          </p:cNvSpPr>
-          <p:nvPr>
-            <p:ph idx="1"/>
-          </p:nvPr>
-        </p:nvSpPr>
-        <p:spPr/>
-        <p:txBody>
-          <a:bodyPr/>
-          <a:lstStyle/>
-          <a:p>
-            <a:endParaRPr lang="pt-BR" smtClean="0"/>
+              <a:pPr>
+                <a:defRPr/>
+              </a:pPr>
+              <a:t>14</a:t>
+            </a:fld>
+            <a:endParaRPr lang="pt-BR"/>
           </a:p>
         </p:txBody>
       </p:sp>
@@ -7231,7 +7335,7 @@
       </p:grpSpPr>
       <p:sp>
         <p:nvSpPr>
-          <p:cNvPr id="21506" name="Título 1"/>
+          <p:cNvPr id="16386" name="Título 1"/>
           <p:cNvSpPr>
             <a:spLocks noGrp="1"/>
           </p:cNvSpPr>
@@ -7246,28 +7350,57 @@
           <a:p>
             <a:pPr eaLnBrk="1" hangingPunct="1"/>
             <a:r>
+              <a:rPr lang="pt-BR" dirty="0" smtClean="0"/>
+              <a:t>Prioridades das threads</a:t>
+            </a:r>
+          </a:p>
+        </p:txBody>
+      </p:sp>
+      <p:sp>
+        <p:nvSpPr>
+          <p:cNvPr id="16387" name="Espaço Reservado para Conteúdo 2"/>
+          <p:cNvSpPr>
+            <a:spLocks noGrp="1"/>
+          </p:cNvSpPr>
+          <p:nvPr>
+            <p:ph idx="1"/>
+          </p:nvPr>
+        </p:nvSpPr>
+        <p:spPr/>
+        <p:txBody>
+          <a:bodyPr/>
+          <a:lstStyle/>
+          <a:p>
+            <a:endParaRPr lang="pt-BR" smtClean="0"/>
+          </a:p>
+        </p:txBody>
+      </p:sp>
+      <p:sp>
+        <p:nvSpPr>
+          <p:cNvPr id="4" name="Espaço Reservado para Número de Slide 3"/>
+          <p:cNvSpPr>
+            <a:spLocks noGrp="1"/>
+          </p:cNvSpPr>
+          <p:nvPr>
+            <p:ph type="sldNum" sz="quarter" idx="12"/>
+          </p:nvPr>
+        </p:nvSpPr>
+        <p:spPr/>
+        <p:txBody>
+          <a:bodyPr/>
+          <a:lstStyle/>
+          <a:p>
+            <a:pPr>
+              <a:defRPr/>
+            </a:pPr>
+            <a:fld id="{A3E49AD4-F76A-4E25-A0A5-9CD64D5A0A0D}" type="slidenum">
               <a:rPr lang="pt-BR" smtClean="0"/>
-              <a:t>Sincronização</a:t>
-            </a:r>
-          </a:p>
-        </p:txBody>
-      </p:sp>
-      <p:sp>
-        <p:nvSpPr>
-          <p:cNvPr id="21507" name="Espaço Reservado para Conteúdo 2"/>
-          <p:cNvSpPr>
-            <a:spLocks noGrp="1"/>
-          </p:cNvSpPr>
-          <p:nvPr>
-            <p:ph idx="1"/>
-          </p:nvPr>
-        </p:nvSpPr>
-        <p:spPr/>
-        <p:txBody>
-          <a:bodyPr/>
-          <a:lstStyle/>
-          <a:p>
-            <a:endParaRPr lang="pt-BR" smtClean="0"/>
+              <a:pPr>
+                <a:defRPr/>
+              </a:pPr>
+              <a:t>15</a:t>
+            </a:fld>
+            <a:endParaRPr lang="pt-BR"/>
           </a:p>
         </p:txBody>
       </p:sp>
@@ -7298,7 +7431,7 @@
       </p:grpSpPr>
       <p:sp>
         <p:nvSpPr>
-          <p:cNvPr id="22530" name="Título 1"/>
+          <p:cNvPr id="2" name="Título 1"/>
           <p:cNvSpPr>
             <a:spLocks noGrp="1"/>
           </p:cNvSpPr>
@@ -7311,30 +7444,63 @@
           <a:bodyPr/>
           <a:lstStyle/>
           <a:p>
-            <a:pPr eaLnBrk="1" hangingPunct="1"/>
-            <a:r>
+            <a:r>
+              <a:rPr lang="pt-BR" dirty="0" smtClean="0"/>
+              <a:t>Estados</a:t>
+            </a:r>
+            <a:r>
+              <a:rPr lang="pt-BR" baseline="0" dirty="0" smtClean="0"/>
+              <a:t> de uma thread</a:t>
+            </a:r>
+            <a:endParaRPr lang="pt-BR" dirty="0"/>
+          </a:p>
+        </p:txBody>
+      </p:sp>
+      <p:sp>
+        <p:nvSpPr>
+          <p:cNvPr id="3" name="Espaço Reservado para Conteúdo 2"/>
+          <p:cNvSpPr>
+            <a:spLocks noGrp="1"/>
+          </p:cNvSpPr>
+          <p:nvPr>
+            <p:ph idx="1"/>
+          </p:nvPr>
+        </p:nvSpPr>
+        <p:spPr/>
+        <p:txBody>
+          <a:bodyPr/>
+          <a:lstStyle/>
+          <a:p>
+            <a:endParaRPr lang="pt-BR"/>
+          </a:p>
+        </p:txBody>
+      </p:sp>
+      <p:sp>
+        <p:nvSpPr>
+          <p:cNvPr id="4" name="Espaço Reservado para Número de Slide 3"/>
+          <p:cNvSpPr>
+            <a:spLocks noGrp="1"/>
+          </p:cNvSpPr>
+          <p:nvPr>
+            <p:ph type="sldNum" sz="quarter" idx="12"/>
+          </p:nvPr>
+        </p:nvSpPr>
+        <p:spPr/>
+        <p:txBody>
+          <a:bodyPr/>
+          <a:lstStyle/>
+          <a:p>
+            <a:pPr>
+              <a:defRPr/>
+            </a:pPr>
+            <a:fld id="{A3E49AD4-F76A-4E25-A0A5-9CD64D5A0A0D}" type="slidenum">
               <a:rPr lang="pt-BR" smtClean="0"/>
-              <a:t>Synchronized</a:t>
-            </a:r>
-          </a:p>
-        </p:txBody>
-      </p:sp>
-      <p:sp>
-        <p:nvSpPr>
-          <p:cNvPr id="22531" name="Espaço Reservado para Conteúdo 2"/>
-          <p:cNvSpPr>
-            <a:spLocks noGrp="1"/>
-          </p:cNvSpPr>
-          <p:nvPr>
-            <p:ph idx="1"/>
-          </p:nvPr>
-        </p:nvSpPr>
-        <p:spPr/>
-        <p:txBody>
-          <a:bodyPr/>
-          <a:lstStyle/>
-          <a:p>
-            <a:endParaRPr lang="pt-BR" smtClean="0"/>
+              <a:pPr>
+                <a:defRPr/>
+              </a:pPr>
+              <a:t>16</a:t>
+            </a:fld>
+            <a:endParaRPr lang="pt-BR"/>
           </a:p>
         </p:txBody>
       </p:sp>
@@ -7365,7 +7531,7 @@
       </p:grpSpPr>
       <p:sp>
         <p:nvSpPr>
-          <p:cNvPr id="23554" name="Título 1"/>
+          <p:cNvPr id="21506" name="Título 1"/>
           <p:cNvSpPr>
             <a:spLocks noGrp="1"/>
           </p:cNvSpPr>
@@ -7380,28 +7546,57 @@
           <a:p>
             <a:pPr eaLnBrk="1" hangingPunct="1"/>
             <a:r>
+              <a:rPr lang="pt-BR" dirty="0" smtClean="0"/>
+              <a:t>Sincronização</a:t>
+            </a:r>
+          </a:p>
+        </p:txBody>
+      </p:sp>
+      <p:sp>
+        <p:nvSpPr>
+          <p:cNvPr id="21507" name="Espaço Reservado para Conteúdo 2"/>
+          <p:cNvSpPr>
+            <a:spLocks noGrp="1"/>
+          </p:cNvSpPr>
+          <p:nvPr>
+            <p:ph idx="1"/>
+          </p:nvPr>
+        </p:nvSpPr>
+        <p:spPr/>
+        <p:txBody>
+          <a:bodyPr/>
+          <a:lstStyle/>
+          <a:p>
+            <a:endParaRPr lang="pt-BR" smtClean="0"/>
+          </a:p>
+        </p:txBody>
+      </p:sp>
+      <p:sp>
+        <p:nvSpPr>
+          <p:cNvPr id="4" name="Espaço Reservado para Número de Slide 3"/>
+          <p:cNvSpPr>
+            <a:spLocks noGrp="1"/>
+          </p:cNvSpPr>
+          <p:nvPr>
+            <p:ph type="sldNum" sz="quarter" idx="12"/>
+          </p:nvPr>
+        </p:nvSpPr>
+        <p:spPr/>
+        <p:txBody>
+          <a:bodyPr/>
+          <a:lstStyle/>
+          <a:p>
+            <a:pPr>
+              <a:defRPr/>
+            </a:pPr>
+            <a:fld id="{A3E49AD4-F76A-4E25-A0A5-9CD64D5A0A0D}" type="slidenum">
               <a:rPr lang="pt-BR" smtClean="0"/>
-              <a:t>Race condition</a:t>
-            </a:r>
-          </a:p>
-        </p:txBody>
-      </p:sp>
-      <p:sp>
-        <p:nvSpPr>
-          <p:cNvPr id="23555" name="Espaço Reservado para Conteúdo 2"/>
-          <p:cNvSpPr>
-            <a:spLocks noGrp="1"/>
-          </p:cNvSpPr>
-          <p:nvPr>
-            <p:ph idx="1"/>
-          </p:nvPr>
-        </p:nvSpPr>
-        <p:spPr/>
-        <p:txBody>
-          <a:bodyPr/>
-          <a:lstStyle/>
-          <a:p>
-            <a:endParaRPr lang="pt-BR" smtClean="0"/>
+              <a:pPr>
+                <a:defRPr/>
+              </a:pPr>
+              <a:t>17</a:t>
+            </a:fld>
+            <a:endParaRPr lang="pt-BR"/>
           </a:p>
         </p:txBody>
       </p:sp>
@@ -7432,7 +7627,7 @@
       </p:grpSpPr>
       <p:sp>
         <p:nvSpPr>
-          <p:cNvPr id="24578" name="Título 1"/>
+          <p:cNvPr id="25602" name="Título 1"/>
           <p:cNvSpPr>
             <a:spLocks noGrp="1"/>
           </p:cNvSpPr>
@@ -7447,28 +7642,57 @@
           <a:p>
             <a:pPr eaLnBrk="1" hangingPunct="1"/>
             <a:r>
+              <a:rPr lang="pt-BR" dirty="0" smtClean="0"/>
+              <a:t>Bloqueios</a:t>
+            </a:r>
+          </a:p>
+        </p:txBody>
+      </p:sp>
+      <p:sp>
+        <p:nvSpPr>
+          <p:cNvPr id="25603" name="Espaço Reservado para Conteúdo 2"/>
+          <p:cNvSpPr>
+            <a:spLocks noGrp="1"/>
+          </p:cNvSpPr>
+          <p:nvPr>
+            <p:ph idx="1"/>
+          </p:nvPr>
+        </p:nvSpPr>
+        <p:spPr/>
+        <p:txBody>
+          <a:bodyPr/>
+          <a:lstStyle/>
+          <a:p>
+            <a:endParaRPr lang="pt-BR" smtClean="0"/>
+          </a:p>
+        </p:txBody>
+      </p:sp>
+      <p:sp>
+        <p:nvSpPr>
+          <p:cNvPr id="4" name="Espaço Reservado para Número de Slide 3"/>
+          <p:cNvSpPr>
+            <a:spLocks noGrp="1"/>
+          </p:cNvSpPr>
+          <p:nvPr>
+            <p:ph type="sldNum" sz="quarter" idx="12"/>
+          </p:nvPr>
+        </p:nvSpPr>
+        <p:spPr/>
+        <p:txBody>
+          <a:bodyPr/>
+          <a:lstStyle/>
+          <a:p>
+            <a:pPr>
+              <a:defRPr/>
+            </a:pPr>
+            <a:fld id="{A3E49AD4-F76A-4E25-A0A5-9CD64D5A0A0D}" type="slidenum">
               <a:rPr lang="pt-BR" smtClean="0"/>
-              <a:t>Bloco sincronizado</a:t>
-            </a:r>
-          </a:p>
-        </p:txBody>
-      </p:sp>
-      <p:sp>
-        <p:nvSpPr>
-          <p:cNvPr id="24579" name="Espaço Reservado para Conteúdo 2"/>
-          <p:cNvSpPr>
-            <a:spLocks noGrp="1"/>
-          </p:cNvSpPr>
-          <p:nvPr>
-            <p:ph idx="1"/>
-          </p:nvPr>
-        </p:nvSpPr>
-        <p:spPr/>
-        <p:txBody>
-          <a:bodyPr/>
-          <a:lstStyle/>
-          <a:p>
-            <a:endParaRPr lang="pt-BR" smtClean="0"/>
+              <a:pPr>
+                <a:defRPr/>
+              </a:pPr>
+              <a:t>18</a:t>
+            </a:fld>
+            <a:endParaRPr lang="pt-BR"/>
           </a:p>
         </p:txBody>
       </p:sp>
@@ -7499,7 +7723,7 @@
       </p:grpSpPr>
       <p:sp>
         <p:nvSpPr>
-          <p:cNvPr id="25602" name="Título 1"/>
+          <p:cNvPr id="26626" name="Título 1"/>
           <p:cNvSpPr>
             <a:spLocks noGrp="1"/>
           </p:cNvSpPr>
@@ -7514,28 +7738,58 @@
           <a:p>
             <a:pPr eaLnBrk="1" hangingPunct="1"/>
             <a:r>
+              <a:rPr lang="pt-BR" dirty="0" err="1" smtClean="0"/>
+              <a:t>Deadlock</a:t>
+            </a:r>
+            <a:endParaRPr lang="pt-BR" dirty="0" smtClean="0"/>
+          </a:p>
+        </p:txBody>
+      </p:sp>
+      <p:sp>
+        <p:nvSpPr>
+          <p:cNvPr id="26627" name="Espaço Reservado para Conteúdo 2"/>
+          <p:cNvSpPr>
+            <a:spLocks noGrp="1"/>
+          </p:cNvSpPr>
+          <p:nvPr>
+            <p:ph idx="1"/>
+          </p:nvPr>
+        </p:nvSpPr>
+        <p:spPr/>
+        <p:txBody>
+          <a:bodyPr/>
+          <a:lstStyle/>
+          <a:p>
+            <a:endParaRPr lang="pt-BR" smtClean="0"/>
+          </a:p>
+        </p:txBody>
+      </p:sp>
+      <p:sp>
+        <p:nvSpPr>
+          <p:cNvPr id="4" name="Espaço Reservado para Número de Slide 3"/>
+          <p:cNvSpPr>
+            <a:spLocks noGrp="1"/>
+          </p:cNvSpPr>
+          <p:nvPr>
+            <p:ph type="sldNum" sz="quarter" idx="12"/>
+          </p:nvPr>
+        </p:nvSpPr>
+        <p:spPr/>
+        <p:txBody>
+          <a:bodyPr/>
+          <a:lstStyle/>
+          <a:p>
+            <a:pPr>
+              <a:defRPr/>
+            </a:pPr>
+            <a:fld id="{A3E49AD4-F76A-4E25-A0A5-9CD64D5A0A0D}" type="slidenum">
               <a:rPr lang="pt-BR" smtClean="0"/>
-              <a:t>Bloqueios</a:t>
-            </a:r>
-          </a:p>
-        </p:txBody>
-      </p:sp>
-      <p:sp>
-        <p:nvSpPr>
-          <p:cNvPr id="25603" name="Espaço Reservado para Conteúdo 2"/>
-          <p:cNvSpPr>
-            <a:spLocks noGrp="1"/>
-          </p:cNvSpPr>
-          <p:nvPr>
-            <p:ph idx="1"/>
-          </p:nvPr>
-        </p:nvSpPr>
-        <p:spPr/>
-        <p:txBody>
-          <a:bodyPr/>
-          <a:lstStyle/>
-          <a:p>
-            <a:endParaRPr lang="pt-BR" smtClean="0"/>
+              <a:pPr>
+                <a:defRPr/>
+              </a:pPr>
+              <a:t>19</a:t>
+            </a:fld>
+            <a:endParaRPr lang="pt-BR"/>
           </a:p>
         </p:txBody>
       </p:sp>
@@ -7566,7 +7820,7 @@
       </p:grpSpPr>
       <p:sp>
         <p:nvSpPr>
-          <p:cNvPr id="8194" name="Título 1"/>
+          <p:cNvPr id="2" name="Título 1"/>
           <p:cNvSpPr>
             <a:spLocks noGrp="1"/>
           </p:cNvSpPr>
@@ -7579,30 +7833,181 @@
           <a:bodyPr/>
           <a:lstStyle/>
           <a:p>
-            <a:pPr eaLnBrk="1" hangingPunct="1"/>
-            <a:r>
+            <a:r>
+              <a:rPr lang="pt-BR" dirty="0" smtClean="0"/>
+              <a:t>Threads</a:t>
+            </a:r>
+            <a:endParaRPr lang="pt-BR" dirty="0"/>
+          </a:p>
+        </p:txBody>
+      </p:sp>
+      <p:sp>
+        <p:nvSpPr>
+          <p:cNvPr id="3" name="Espaço Reservado para Conteúdo 2"/>
+          <p:cNvSpPr>
+            <a:spLocks noGrp="1"/>
+          </p:cNvSpPr>
+          <p:nvPr>
+            <p:ph sz="half" idx="1"/>
+          </p:nvPr>
+        </p:nvSpPr>
+        <p:spPr/>
+        <p:txBody>
+          <a:bodyPr/>
+          <a:lstStyle/>
+          <a:p>
+            <a:r>
+              <a:rPr lang="pt-BR" dirty="0" smtClean="0"/>
+              <a:t>Introdução</a:t>
+            </a:r>
+          </a:p>
+          <a:p>
+            <a:r>
+              <a:rPr lang="pt-BR" dirty="0" smtClean="0"/>
+              <a:t>Criando e executando threads</a:t>
+            </a:r>
+          </a:p>
+          <a:p>
+            <a:r>
+              <a:rPr lang="pt-BR" dirty="0" smtClean="0"/>
+              <a:t>A classe </a:t>
+            </a:r>
+            <a:r>
+              <a:rPr lang="pt-BR" b="1" i="1" dirty="0" err="1" smtClean="0"/>
+              <a:t>java</a:t>
+            </a:r>
+            <a:r>
+              <a:rPr lang="pt-BR" b="1" i="1" dirty="0" smtClean="0"/>
+              <a:t>.</a:t>
+            </a:r>
+            <a:r>
+              <a:rPr lang="pt-BR" b="1" i="1" dirty="0" err="1" smtClean="0"/>
+              <a:t>lang</a:t>
+            </a:r>
+            <a:r>
+              <a:rPr lang="pt-BR" b="1" i="1" dirty="0" smtClean="0"/>
+              <a:t>.Thread</a:t>
+            </a:r>
+          </a:p>
+          <a:p>
+            <a:r>
+              <a:rPr lang="pt-BR" dirty="0" smtClean="0"/>
+              <a:t>A interface </a:t>
+            </a:r>
+            <a:r>
+              <a:rPr lang="pt-BR" b="1" i="1" dirty="0" err="1" smtClean="0"/>
+              <a:t>java</a:t>
+            </a:r>
+            <a:r>
+              <a:rPr lang="pt-BR" b="1" i="1" dirty="0" smtClean="0"/>
+              <a:t>.</a:t>
+            </a:r>
+            <a:r>
+              <a:rPr lang="pt-BR" b="1" i="1" dirty="0" err="1" smtClean="0"/>
+              <a:t>lang</a:t>
+            </a:r>
+            <a:r>
+              <a:rPr lang="pt-BR" b="1" i="1" dirty="0" smtClean="0"/>
+              <a:t>.</a:t>
+            </a:r>
+            <a:r>
+              <a:rPr lang="pt-BR" b="1" i="1" dirty="0" err="1" smtClean="0"/>
+              <a:t>Runnable</a:t>
+            </a:r>
+            <a:endParaRPr lang="pt-BR" b="1" i="1" dirty="0" smtClean="0"/>
+          </a:p>
+          <a:p>
+            <a:r>
+              <a:rPr lang="pt-BR" dirty="0" smtClean="0"/>
+              <a:t>Estados da thread</a:t>
+            </a:r>
+          </a:p>
+        </p:txBody>
+      </p:sp>
+      <p:sp>
+        <p:nvSpPr>
+          <p:cNvPr id="4" name="Espaço Reservado para Conteúdo 3"/>
+          <p:cNvSpPr>
+            <a:spLocks noGrp="1"/>
+          </p:cNvSpPr>
+          <p:nvPr>
+            <p:ph sz="half" idx="2"/>
+          </p:nvPr>
+        </p:nvSpPr>
+        <p:spPr/>
+        <p:txBody>
+          <a:bodyPr/>
+          <a:lstStyle/>
+          <a:p>
+            <a:r>
+              <a:rPr lang="pt-BR" dirty="0" smtClean="0"/>
+              <a:t>O </a:t>
+            </a:r>
+            <a:r>
+              <a:rPr lang="pt-BR" dirty="0" err="1" smtClean="0"/>
+              <a:t>Scheduler</a:t>
+            </a:r>
+            <a:endParaRPr lang="pt-BR" dirty="0" smtClean="0"/>
+          </a:p>
+          <a:p>
+            <a:r>
+              <a:rPr lang="pt-BR" dirty="0" smtClean="0"/>
+              <a:t>Prioridades das threads</a:t>
+            </a:r>
+          </a:p>
+          <a:p>
+            <a:r>
+              <a:rPr lang="pt-BR" dirty="0" smtClean="0"/>
+              <a:t>Interação entre threads</a:t>
+            </a:r>
+          </a:p>
+          <a:p>
+            <a:r>
+              <a:rPr lang="pt-BR" dirty="0" smtClean="0"/>
+              <a:t>Sincronização</a:t>
+            </a:r>
+          </a:p>
+          <a:p>
+            <a:r>
+              <a:rPr lang="pt-BR" dirty="0" smtClean="0"/>
+              <a:t>Bloqueios</a:t>
+            </a:r>
+          </a:p>
+          <a:p>
+            <a:r>
+              <a:rPr lang="pt-BR" dirty="0" err="1" smtClean="0"/>
+              <a:t>Deadlock</a:t>
+            </a:r>
+            <a:endParaRPr lang="pt-BR" dirty="0" smtClean="0"/>
+          </a:p>
+        </p:txBody>
+      </p:sp>
+      <p:sp>
+        <p:nvSpPr>
+          <p:cNvPr id="5" name="Espaço Reservado para Número de Slide 4"/>
+          <p:cNvSpPr>
+            <a:spLocks noGrp="1"/>
+          </p:cNvSpPr>
+          <p:nvPr>
+            <p:ph type="sldNum" sz="quarter" idx="12"/>
+          </p:nvPr>
+        </p:nvSpPr>
+        <p:spPr/>
+        <p:txBody>
+          <a:bodyPr/>
+          <a:lstStyle/>
+          <a:p>
+            <a:pPr>
+              <a:defRPr/>
+            </a:pPr>
+            <a:fld id="{B1183DDF-9761-4F34-AA94-91BFB04DDE72}" type="slidenum">
               <a:rPr lang="pt-BR" smtClean="0"/>
-              <a:t>Introdução às threads</a:t>
-            </a:r>
-          </a:p>
-        </p:txBody>
-      </p:sp>
-      <p:sp>
-        <p:nvSpPr>
-          <p:cNvPr id="8195" name="Espaço Reservado para Conteúdo 2"/>
-          <p:cNvSpPr>
-            <a:spLocks noGrp="1"/>
-          </p:cNvSpPr>
-          <p:nvPr>
-            <p:ph idx="1"/>
-          </p:nvPr>
-        </p:nvSpPr>
-        <p:spPr/>
-        <p:txBody>
-          <a:bodyPr/>
-          <a:lstStyle/>
-          <a:p>
-            <a:endParaRPr lang="pt-BR" smtClean="0"/>
+              <a:pPr>
+                <a:defRPr/>
+              </a:pPr>
+              <a:t>2</a:t>
+            </a:fld>
+            <a:endParaRPr lang="pt-BR"/>
           </a:p>
         </p:txBody>
       </p:sp>
@@ -7611,6 +8016,13 @@
   <p:clrMapOvr>
     <a:masterClrMapping/>
   </p:clrMapOvr>
+  <p:timing>
+    <p:tnLst>
+      <p:par>
+        <p:cTn id="1" dur="indefinite" restart="never" nodeType="tmRoot"/>
+      </p:par>
+    </p:tnLst>
+  </p:timing>
 </p:sld>
 </file>
 
@@ -7633,7 +8045,7 @@
       </p:grpSpPr>
       <p:sp>
         <p:nvSpPr>
-          <p:cNvPr id="26626" name="Título 1"/>
+          <p:cNvPr id="27650" name="Título 1"/>
           <p:cNvSpPr>
             <a:spLocks noGrp="1"/>
           </p:cNvSpPr>
@@ -7648,95 +8060,57 @@
           <a:p>
             <a:pPr eaLnBrk="1" hangingPunct="1"/>
             <a:r>
+              <a:rPr lang="pt-BR" dirty="0" smtClean="0"/>
+              <a:t>Interação entre threads</a:t>
+            </a:r>
+          </a:p>
+        </p:txBody>
+      </p:sp>
+      <p:sp>
+        <p:nvSpPr>
+          <p:cNvPr id="27651" name="Espaço Reservado para Conteúdo 2"/>
+          <p:cNvSpPr>
+            <a:spLocks noGrp="1"/>
+          </p:cNvSpPr>
+          <p:nvPr>
+            <p:ph idx="1"/>
+          </p:nvPr>
+        </p:nvSpPr>
+        <p:spPr/>
+        <p:txBody>
+          <a:bodyPr/>
+          <a:lstStyle/>
+          <a:p>
+            <a:endParaRPr lang="pt-BR" smtClean="0"/>
+          </a:p>
+        </p:txBody>
+      </p:sp>
+      <p:sp>
+        <p:nvSpPr>
+          <p:cNvPr id="4" name="Espaço Reservado para Número de Slide 3"/>
+          <p:cNvSpPr>
+            <a:spLocks noGrp="1"/>
+          </p:cNvSpPr>
+          <p:nvPr>
+            <p:ph type="sldNum" sz="quarter" idx="12"/>
+          </p:nvPr>
+        </p:nvSpPr>
+        <p:spPr/>
+        <p:txBody>
+          <a:bodyPr/>
+          <a:lstStyle/>
+          <a:p>
+            <a:pPr>
+              <a:defRPr/>
+            </a:pPr>
+            <a:fld id="{A3E49AD4-F76A-4E25-A0A5-9CD64D5A0A0D}" type="slidenum">
               <a:rPr lang="pt-BR" smtClean="0"/>
-              <a:t>Deadlock</a:t>
-            </a:r>
-          </a:p>
-        </p:txBody>
-      </p:sp>
-      <p:sp>
-        <p:nvSpPr>
-          <p:cNvPr id="26627" name="Espaço Reservado para Conteúdo 2"/>
-          <p:cNvSpPr>
-            <a:spLocks noGrp="1"/>
-          </p:cNvSpPr>
-          <p:nvPr>
-            <p:ph idx="1"/>
-          </p:nvPr>
-        </p:nvSpPr>
-        <p:spPr/>
-        <p:txBody>
-          <a:bodyPr/>
-          <a:lstStyle/>
-          <a:p>
-            <a:endParaRPr lang="pt-BR" smtClean="0"/>
-          </a:p>
-        </p:txBody>
-      </p:sp>
-    </p:spTree>
-  </p:cSld>
-  <p:clrMapOvr>
-    <a:masterClrMapping/>
-  </p:clrMapOvr>
-</p:sld>
-</file>
-
-<file path=ppt/slides/slide21.xml><?xml version="1.0" encoding="utf-8"?>
-<p:sld xmlns:a="http://schemas.openxmlformats.org/drawingml/2006/main" xmlns:r="http://schemas.openxmlformats.org/officeDocument/2006/relationships" xmlns:p="http://schemas.openxmlformats.org/presentationml/2006/main">
-  <p:cSld>
-    <p:spTree>
-      <p:nvGrpSpPr>
-        <p:cNvPr id="1" name=""/>
-        <p:cNvGrpSpPr/>
-        <p:nvPr/>
-      </p:nvGrpSpPr>
-      <p:grpSpPr>
-        <a:xfrm>
-          <a:off x="0" y="0"/>
-          <a:ext cx="0" cy="0"/>
-          <a:chOff x="0" y="0"/>
-          <a:chExt cx="0" cy="0"/>
-        </a:xfrm>
-      </p:grpSpPr>
-      <p:sp>
-        <p:nvSpPr>
-          <p:cNvPr id="27650" name="Título 1"/>
-          <p:cNvSpPr>
-            <a:spLocks noGrp="1"/>
-          </p:cNvSpPr>
-          <p:nvPr>
-            <p:ph type="title"/>
-          </p:nvPr>
-        </p:nvSpPr>
-        <p:spPr/>
-        <p:txBody>
-          <a:bodyPr/>
-          <a:lstStyle/>
-          <a:p>
-            <a:pPr eaLnBrk="1" hangingPunct="1"/>
-            <a:r>
-              <a:rPr lang="pt-BR" smtClean="0"/>
-              <a:t>Interação entre threads</a:t>
-            </a:r>
-          </a:p>
-        </p:txBody>
-      </p:sp>
-      <p:sp>
-        <p:nvSpPr>
-          <p:cNvPr id="27651" name="Espaço Reservado para Conteúdo 2"/>
-          <p:cNvSpPr>
-            <a:spLocks noGrp="1"/>
-          </p:cNvSpPr>
-          <p:nvPr>
-            <p:ph idx="1"/>
-          </p:nvPr>
-        </p:nvSpPr>
-        <p:spPr/>
-        <p:txBody>
-          <a:bodyPr/>
-          <a:lstStyle/>
-          <a:p>
-            <a:endParaRPr lang="pt-BR" smtClean="0"/>
+              <a:pPr>
+                <a:defRPr/>
+              </a:pPr>
+              <a:t>20</a:t>
+            </a:fld>
+            <a:endParaRPr lang="pt-BR"/>
           </a:p>
         </p:txBody>
       </p:sp>
@@ -7767,7 +8141,7 @@
       </p:grpSpPr>
       <p:sp>
         <p:nvSpPr>
-          <p:cNvPr id="9218" name="Título 1"/>
+          <p:cNvPr id="8194" name="Título 1"/>
           <p:cNvSpPr>
             <a:spLocks noGrp="1"/>
           </p:cNvSpPr>
@@ -7783,14 +8157,15 @@
             <a:pPr eaLnBrk="1" hangingPunct="1"/>
             <a:r>
               <a:rPr lang="pt-BR" smtClean="0"/>
-              <a:t>Programação multithreaded</a:t>
-            </a:r>
-          </a:p>
-        </p:txBody>
-      </p:sp>
-      <p:sp>
-        <p:nvSpPr>
-          <p:cNvPr id="9219" name="Espaço Reservado para Conteúdo 2"/>
+              <a:t>Introdução às threads</a:t>
+            </a:r>
+            <a:endParaRPr lang="pt-BR" dirty="0" smtClean="0"/>
+          </a:p>
+        </p:txBody>
+      </p:sp>
+      <p:sp>
+        <p:nvSpPr>
+          <p:cNvPr id="8195" name="Espaço Reservado para Conteúdo 2"/>
           <p:cNvSpPr>
             <a:spLocks noGrp="1"/>
           </p:cNvSpPr>
@@ -7798,12 +8173,81 @@
             <p:ph idx="1"/>
           </p:nvPr>
         </p:nvSpPr>
+        <p:spPr>
+          <a:xfrm>
+            <a:off x="457200" y="1600200"/>
+            <a:ext cx="7787208" cy="4525963"/>
+          </a:xfrm>
+        </p:spPr>
+        <p:txBody>
+          <a:bodyPr/>
+          <a:lstStyle/>
+          <a:p>
+            <a:pPr>
+              <a:spcBef>
+                <a:spcPts val="3000"/>
+              </a:spcBef>
+            </a:pPr>
+            <a:r>
+              <a:rPr lang="pt-BR" dirty="0" smtClean="0"/>
+              <a:t>Uma </a:t>
+            </a:r>
+            <a:r>
+              <a:rPr lang="pt-BR" b="1" i="1" dirty="0" smtClean="0"/>
+              <a:t>thread</a:t>
+            </a:r>
+            <a:r>
+              <a:rPr lang="pt-BR" dirty="0" smtClean="0"/>
+              <a:t> representa uma linha de execução de sua aplicação Java, onde as instruções são executadas uma por vez.</a:t>
+            </a:r>
+          </a:p>
+          <a:p>
+            <a:pPr>
+              <a:spcBef>
+                <a:spcPts val="3000"/>
+              </a:spcBef>
+            </a:pPr>
+            <a:r>
+              <a:rPr lang="pt-BR" dirty="0" smtClean="0"/>
+              <a:t>Quando executamos uma aplicação Java, o JVM dá início à thread raiz da aplicação através do método </a:t>
+            </a:r>
+            <a:r>
+              <a:rPr lang="pt-BR" dirty="0" err="1" smtClean="0"/>
+              <a:t>main</a:t>
+            </a:r>
+            <a:r>
+              <a:rPr lang="pt-BR" dirty="0" smtClean="0"/>
+              <a:t>()</a:t>
+            </a:r>
+          </a:p>
+        </p:txBody>
+      </p:sp>
+      <p:sp>
+        <p:nvSpPr>
+          <p:cNvPr id="6" name="Espaço Reservado para Número de Slide 5"/>
+          <p:cNvSpPr>
+            <a:spLocks noGrp="1"/>
+          </p:cNvSpPr>
+          <p:nvPr>
+            <p:ph type="sldNum" sz="quarter" idx="12"/>
+          </p:nvPr>
+        </p:nvSpPr>
         <p:spPr/>
         <p:txBody>
           <a:bodyPr/>
           <a:lstStyle/>
           <a:p>
-            <a:endParaRPr lang="pt-BR" smtClean="0"/>
+            <a:pPr>
+              <a:defRPr/>
+            </a:pPr>
+            <a:fld id="{A3E49AD4-F76A-4E25-A0A5-9CD64D5A0A0D}" type="slidenum">
+              <a:rPr lang="pt-BR" smtClean="0"/>
+              <a:pPr>
+                <a:defRPr/>
+              </a:pPr>
+              <a:t>3</a:t>
+            </a:fld>
+            <a:endParaRPr lang="pt-BR"/>
           </a:p>
         </p:txBody>
       </p:sp>
@@ -7812,6 +8256,13 @@
   <p:clrMapOvr>
     <a:masterClrMapping/>
   </p:clrMapOvr>
+  <p:timing>
+    <p:tnLst>
+      <p:par>
+        <p:cTn id="1" dur="indefinite" restart="never" nodeType="tmRoot"/>
+      </p:par>
+    </p:tnLst>
+  </p:timing>
 </p:sld>
 </file>
 
@@ -7834,7 +8285,7 @@
       </p:grpSpPr>
       <p:sp>
         <p:nvSpPr>
-          <p:cNvPr id="10242" name="Título 1"/>
+          <p:cNvPr id="8194" name="Título 1"/>
           <p:cNvSpPr>
             <a:spLocks noGrp="1"/>
           </p:cNvSpPr>
@@ -7850,19 +8301,324 @@
             <a:pPr eaLnBrk="1" hangingPunct="1"/>
             <a:r>
               <a:rPr lang="pt-BR" smtClean="0"/>
-              <a:t>Implementação da multithreaded</a:t>
-            </a:r>
-          </a:p>
-        </p:txBody>
-      </p:sp>
-      <p:sp>
-        <p:nvSpPr>
-          <p:cNvPr id="10243" name="Espaço Reservado para Conteúdo 2"/>
-          <p:cNvSpPr>
-            <a:spLocks noGrp="1"/>
-          </p:cNvSpPr>
-          <p:nvPr>
-            <p:ph idx="1"/>
+              <a:t>Introdução às threads</a:t>
+            </a:r>
+            <a:endParaRPr lang="pt-BR" dirty="0" smtClean="0"/>
+          </a:p>
+        </p:txBody>
+      </p:sp>
+      <p:cxnSp>
+        <p:nvCxnSpPr>
+          <p:cNvPr id="14" name="Conector de seta reta 13"/>
+          <p:cNvCxnSpPr/>
+          <p:nvPr/>
+        </p:nvCxnSpPr>
+        <p:spPr>
+          <a:xfrm>
+            <a:off x="1475656" y="3717032"/>
+            <a:ext cx="6624736" cy="0"/>
+          </a:xfrm>
+          <a:prstGeom prst="straightConnector1">
+            <a:avLst/>
+          </a:prstGeom>
+          <a:ln w="38100">
+            <a:solidFill>
+              <a:schemeClr val="tx1"/>
+            </a:solidFill>
+            <a:tailEnd type="arrow"/>
+          </a:ln>
+        </p:spPr>
+        <p:style>
+          <a:lnRef idx="1">
+            <a:schemeClr val="accent1"/>
+          </a:lnRef>
+          <a:fillRef idx="0">
+            <a:schemeClr val="accent1"/>
+          </a:fillRef>
+          <a:effectRef idx="0">
+            <a:schemeClr val="accent1"/>
+          </a:effectRef>
+          <a:fontRef idx="minor">
+            <a:schemeClr val="tx1"/>
+          </a:fontRef>
+        </p:style>
+      </p:cxnSp>
+      <p:sp>
+        <p:nvSpPr>
+          <p:cNvPr id="21" name="Retângulo de cantos arredondados 20"/>
+          <p:cNvSpPr/>
+          <p:nvPr/>
+        </p:nvSpPr>
+        <p:spPr>
+          <a:xfrm>
+            <a:off x="1043608" y="3429000"/>
+            <a:ext cx="936104" cy="576064"/>
+          </a:xfrm>
+          <a:prstGeom prst="roundRect">
+            <a:avLst/>
+          </a:prstGeom>
+          <a:solidFill>
+            <a:schemeClr val="accent6"/>
+          </a:solidFill>
+          <a:ln w="38100">
+            <a:solidFill>
+              <a:schemeClr val="tx1"/>
+            </a:solidFill>
+          </a:ln>
+        </p:spPr>
+        <p:style>
+          <a:lnRef idx="2">
+            <a:schemeClr val="accent1">
+              <a:shade val="50000"/>
+            </a:schemeClr>
+          </a:lnRef>
+          <a:fillRef idx="1">
+            <a:schemeClr val="accent1"/>
+          </a:fillRef>
+          <a:effectRef idx="0">
+            <a:schemeClr val="accent1"/>
+          </a:effectRef>
+          <a:fontRef idx="minor">
+            <a:schemeClr val="lt1"/>
+          </a:fontRef>
+        </p:style>
+        <p:txBody>
+          <a:bodyPr rtlCol="0" anchor="ctr"/>
+          <a:lstStyle/>
+          <a:p>
+            <a:pPr algn="ctr"/>
+            <a:r>
+              <a:rPr lang="pt-BR" dirty="0" err="1" smtClean="0"/>
+              <a:t>main</a:t>
+            </a:r>
+            <a:r>
+              <a:rPr lang="pt-BR" dirty="0" smtClean="0"/>
+              <a:t>()</a:t>
+            </a:r>
+            <a:endParaRPr lang="pt-BR" dirty="0"/>
+          </a:p>
+        </p:txBody>
+      </p:sp>
+      <p:sp>
+        <p:nvSpPr>
+          <p:cNvPr id="23" name="Retângulo de cantos arredondados 22"/>
+          <p:cNvSpPr/>
+          <p:nvPr/>
+        </p:nvSpPr>
+        <p:spPr>
+          <a:xfrm>
+            <a:off x="2195736" y="3429000"/>
+            <a:ext cx="1296144" cy="576064"/>
+          </a:xfrm>
+          <a:prstGeom prst="roundRect">
+            <a:avLst/>
+          </a:prstGeom>
+          <a:solidFill>
+            <a:schemeClr val="accent6"/>
+          </a:solidFill>
+          <a:ln w="38100">
+            <a:solidFill>
+              <a:schemeClr val="tx1"/>
+            </a:solidFill>
+          </a:ln>
+        </p:spPr>
+        <p:style>
+          <a:lnRef idx="2">
+            <a:schemeClr val="accent1">
+              <a:shade val="50000"/>
+            </a:schemeClr>
+          </a:lnRef>
+          <a:fillRef idx="1">
+            <a:schemeClr val="accent1"/>
+          </a:fillRef>
+          <a:effectRef idx="0">
+            <a:schemeClr val="accent1"/>
+          </a:effectRef>
+          <a:fontRef idx="minor">
+            <a:schemeClr val="lt1"/>
+          </a:fontRef>
+        </p:style>
+        <p:txBody>
+          <a:bodyPr rtlCol="0" anchor="ctr"/>
+          <a:lstStyle/>
+          <a:p>
+            <a:pPr algn="ctr"/>
+            <a:r>
+              <a:rPr lang="pt-BR" dirty="0" smtClean="0"/>
+              <a:t>metodo1()</a:t>
+            </a:r>
+            <a:endParaRPr lang="pt-BR" dirty="0"/>
+          </a:p>
+        </p:txBody>
+      </p:sp>
+      <p:sp>
+        <p:nvSpPr>
+          <p:cNvPr id="24" name="Retângulo de cantos arredondados 23"/>
+          <p:cNvSpPr/>
+          <p:nvPr/>
+        </p:nvSpPr>
+        <p:spPr>
+          <a:xfrm>
+            <a:off x="3707904" y="3429000"/>
+            <a:ext cx="1296144" cy="576064"/>
+          </a:xfrm>
+          <a:prstGeom prst="roundRect">
+            <a:avLst/>
+          </a:prstGeom>
+          <a:solidFill>
+            <a:schemeClr val="accent6"/>
+          </a:solidFill>
+          <a:ln w="38100">
+            <a:solidFill>
+              <a:schemeClr val="tx1"/>
+            </a:solidFill>
+          </a:ln>
+        </p:spPr>
+        <p:style>
+          <a:lnRef idx="2">
+            <a:schemeClr val="accent1">
+              <a:shade val="50000"/>
+            </a:schemeClr>
+          </a:lnRef>
+          <a:fillRef idx="1">
+            <a:schemeClr val="accent1"/>
+          </a:fillRef>
+          <a:effectRef idx="0">
+            <a:schemeClr val="accent1"/>
+          </a:effectRef>
+          <a:fontRef idx="minor">
+            <a:schemeClr val="lt1"/>
+          </a:fontRef>
+        </p:style>
+        <p:txBody>
+          <a:bodyPr rtlCol="0" anchor="ctr"/>
+          <a:lstStyle/>
+          <a:p>
+            <a:pPr algn="ctr"/>
+            <a:r>
+              <a:rPr lang="pt-BR" dirty="0" smtClean="0"/>
+              <a:t>metodo2()</a:t>
+            </a:r>
+            <a:endParaRPr lang="pt-BR" dirty="0"/>
+          </a:p>
+        </p:txBody>
+      </p:sp>
+      <p:sp>
+        <p:nvSpPr>
+          <p:cNvPr id="25" name="Retângulo de cantos arredondados 24"/>
+          <p:cNvSpPr/>
+          <p:nvPr/>
+        </p:nvSpPr>
+        <p:spPr>
+          <a:xfrm>
+            <a:off x="6300192" y="3429000"/>
+            <a:ext cx="1368152" cy="576064"/>
+          </a:xfrm>
+          <a:prstGeom prst="roundRect">
+            <a:avLst/>
+          </a:prstGeom>
+          <a:solidFill>
+            <a:schemeClr val="accent6"/>
+          </a:solidFill>
+          <a:ln w="38100">
+            <a:solidFill>
+              <a:schemeClr val="tx1"/>
+            </a:solidFill>
+          </a:ln>
+        </p:spPr>
+        <p:style>
+          <a:lnRef idx="2">
+            <a:schemeClr val="accent1">
+              <a:shade val="50000"/>
+            </a:schemeClr>
+          </a:lnRef>
+          <a:fillRef idx="1">
+            <a:schemeClr val="accent1"/>
+          </a:fillRef>
+          <a:effectRef idx="0">
+            <a:schemeClr val="accent1"/>
+          </a:effectRef>
+          <a:fontRef idx="minor">
+            <a:schemeClr val="lt1"/>
+          </a:fontRef>
+        </p:style>
+        <p:txBody>
+          <a:bodyPr rtlCol="0" anchor="ctr"/>
+          <a:lstStyle/>
+          <a:p>
+            <a:pPr algn="ctr"/>
+            <a:r>
+              <a:rPr lang="pt-BR" dirty="0" err="1" smtClean="0"/>
+              <a:t>metodoN</a:t>
+            </a:r>
+            <a:r>
+              <a:rPr lang="pt-BR" dirty="0" smtClean="0"/>
+              <a:t>()</a:t>
+            </a:r>
+            <a:endParaRPr lang="pt-BR" dirty="0"/>
+          </a:p>
+        </p:txBody>
+      </p:sp>
+      <p:sp>
+        <p:nvSpPr>
+          <p:cNvPr id="26" name="Retângulo de cantos arredondados 25"/>
+          <p:cNvSpPr/>
+          <p:nvPr/>
+        </p:nvSpPr>
+        <p:spPr>
+          <a:xfrm>
+            <a:off x="5220072" y="3429000"/>
+            <a:ext cx="847328" cy="576064"/>
+          </a:xfrm>
+          <a:prstGeom prst="roundRect">
+            <a:avLst/>
+          </a:prstGeom>
+          <a:solidFill>
+            <a:schemeClr val="accent6"/>
+          </a:solidFill>
+          <a:ln w="38100">
+            <a:solidFill>
+              <a:schemeClr val="tx1"/>
+            </a:solidFill>
+          </a:ln>
+        </p:spPr>
+        <p:style>
+          <a:lnRef idx="2">
+            <a:schemeClr val="accent1">
+              <a:shade val="50000"/>
+            </a:schemeClr>
+          </a:lnRef>
+          <a:fillRef idx="1">
+            <a:schemeClr val="accent1"/>
+          </a:fillRef>
+          <a:effectRef idx="0">
+            <a:schemeClr val="accent1"/>
+          </a:effectRef>
+          <a:fontRef idx="minor">
+            <a:schemeClr val="lt1"/>
+          </a:fontRef>
+        </p:style>
+        <p:txBody>
+          <a:bodyPr rtlCol="0" anchor="ctr"/>
+          <a:lstStyle/>
+          <a:p>
+            <a:pPr algn="ctr"/>
+            <a:r>
+              <a:rPr lang="pt-BR" dirty="0" smtClean="0"/>
+              <a:t>...()</a:t>
+            </a:r>
+            <a:endParaRPr lang="pt-BR" dirty="0"/>
+          </a:p>
+        </p:txBody>
+      </p:sp>
+      <p:sp>
+        <p:nvSpPr>
+          <p:cNvPr id="27" name="Espaço Reservado para Número de Slide 26"/>
+          <p:cNvSpPr>
+            <a:spLocks noGrp="1"/>
+          </p:cNvSpPr>
+          <p:nvPr>
+            <p:ph type="sldNum" sz="quarter" idx="12"/>
           </p:nvPr>
         </p:nvSpPr>
         <p:spPr/>
@@ -7870,7 +8626,17 @@
           <a:bodyPr/>
           <a:lstStyle/>
           <a:p>
-            <a:endParaRPr lang="pt-BR" smtClean="0"/>
+            <a:pPr>
+              <a:defRPr/>
+            </a:pPr>
+            <a:fld id="{8598C9FA-8210-457C-A780-712100C88480}" type="slidenum">
+              <a:rPr lang="pt-BR" smtClean="0"/>
+              <a:pPr>
+                <a:defRPr/>
+              </a:pPr>
+              <a:t>4</a:t>
+            </a:fld>
+            <a:endParaRPr lang="pt-BR"/>
           </a:p>
         </p:txBody>
       </p:sp>
@@ -7879,6 +8645,406 @@
   <p:clrMapOvr>
     <a:masterClrMapping/>
   </p:clrMapOvr>
+  <p:timing>
+    <p:tnLst>
+      <p:par>
+        <p:cTn id="1" dur="indefinite" restart="never" nodeType="tmRoot">
+          <p:childTnLst>
+            <p:seq concurrent="1" nextAc="seek">
+              <p:cTn id="2" dur="indefinite" nodeType="mainSeq">
+                <p:childTnLst>
+                  <p:par>
+                    <p:cTn id="3" fill="hold">
+                      <p:stCondLst>
+                        <p:cond delay="indefinite"/>
+                      </p:stCondLst>
+                      <p:childTnLst>
+                        <p:par>
+                          <p:cTn id="4" fill="hold">
+                            <p:stCondLst>
+                              <p:cond delay="0"/>
+                            </p:stCondLst>
+                            <p:childTnLst>
+                              <p:par>
+                                <p:cTn id="5" presetID="2" presetClass="entr" presetSubtype="8" fill="hold" grpId="0" nodeType="clickEffect">
+                                  <p:stCondLst>
+                                    <p:cond delay="0"/>
+                                  </p:stCondLst>
+                                  <p:childTnLst>
+                                    <p:set>
+                                      <p:cBhvr>
+                                        <p:cTn id="6" dur="1" fill="hold">
+                                          <p:stCondLst>
+                                            <p:cond delay="0"/>
+                                          </p:stCondLst>
+                                        </p:cTn>
+                                        <p:tgtEl>
+                                          <p:spTgt spid="23"/>
+                                        </p:tgtEl>
+                                        <p:attrNameLst>
+                                          <p:attrName>style.visibility</p:attrName>
+                                        </p:attrNameLst>
+                                      </p:cBhvr>
+                                      <p:to>
+                                        <p:strVal val="visible"/>
+                                      </p:to>
+                                    </p:set>
+                                    <p:anim calcmode="lin" valueType="num">
+                                      <p:cBhvr additive="base">
+                                        <p:cTn id="7" dur="500" fill="hold"/>
+                                        <p:tgtEl>
+                                          <p:spTgt spid="23"/>
+                                        </p:tgtEl>
+                                        <p:attrNameLst>
+                                          <p:attrName>ppt_x</p:attrName>
+                                        </p:attrNameLst>
+                                      </p:cBhvr>
+                                      <p:tavLst>
+                                        <p:tav tm="0">
+                                          <p:val>
+                                            <p:strVal val="0-#ppt_w/2"/>
+                                          </p:val>
+                                        </p:tav>
+                                        <p:tav tm="100000">
+                                          <p:val>
+                                            <p:strVal val="#ppt_x"/>
+                                          </p:val>
+                                        </p:tav>
+                                      </p:tavLst>
+                                    </p:anim>
+                                    <p:anim calcmode="lin" valueType="num">
+                                      <p:cBhvr additive="base">
+                                        <p:cTn id="8" dur="500" fill="hold"/>
+                                        <p:tgtEl>
+                                          <p:spTgt spid="23"/>
+                                        </p:tgtEl>
+                                        <p:attrNameLst>
+                                          <p:attrName>ppt_y</p:attrName>
+                                        </p:attrNameLst>
+                                      </p:cBhvr>
+                                      <p:tavLst>
+                                        <p:tav tm="0">
+                                          <p:val>
+                                            <p:strVal val="#ppt_y"/>
+                                          </p:val>
+                                        </p:tav>
+                                        <p:tav tm="100000">
+                                          <p:val>
+                                            <p:strVal val="#ppt_y"/>
+                                          </p:val>
+                                        </p:tav>
+                                      </p:tavLst>
+                                    </p:anim>
+                                  </p:childTnLst>
+                                </p:cTn>
+                              </p:par>
+                            </p:childTnLst>
+                          </p:cTn>
+                        </p:par>
+                      </p:childTnLst>
+                    </p:cTn>
+                  </p:par>
+                  <p:par>
+                    <p:cTn id="9" fill="hold">
+                      <p:stCondLst>
+                        <p:cond delay="indefinite"/>
+                      </p:stCondLst>
+                      <p:childTnLst>
+                        <p:par>
+                          <p:cTn id="10" fill="hold">
+                            <p:stCondLst>
+                              <p:cond delay="0"/>
+                            </p:stCondLst>
+                            <p:childTnLst>
+                              <p:par>
+                                <p:cTn id="11" presetID="2" presetClass="entr" presetSubtype="8" fill="hold" grpId="0" nodeType="clickEffect">
+                                  <p:stCondLst>
+                                    <p:cond delay="0"/>
+                                  </p:stCondLst>
+                                  <p:childTnLst>
+                                    <p:set>
+                                      <p:cBhvr>
+                                        <p:cTn id="12" dur="1" fill="hold">
+                                          <p:stCondLst>
+                                            <p:cond delay="0"/>
+                                          </p:stCondLst>
+                                        </p:cTn>
+                                        <p:tgtEl>
+                                          <p:spTgt spid="24"/>
+                                        </p:tgtEl>
+                                        <p:attrNameLst>
+                                          <p:attrName>style.visibility</p:attrName>
+                                        </p:attrNameLst>
+                                      </p:cBhvr>
+                                      <p:to>
+                                        <p:strVal val="visible"/>
+                                      </p:to>
+                                    </p:set>
+                                    <p:anim calcmode="lin" valueType="num">
+                                      <p:cBhvr additive="base">
+                                        <p:cTn id="13" dur="500" fill="hold"/>
+                                        <p:tgtEl>
+                                          <p:spTgt spid="24"/>
+                                        </p:tgtEl>
+                                        <p:attrNameLst>
+                                          <p:attrName>ppt_x</p:attrName>
+                                        </p:attrNameLst>
+                                      </p:cBhvr>
+                                      <p:tavLst>
+                                        <p:tav tm="0">
+                                          <p:val>
+                                            <p:strVal val="0-#ppt_w/2"/>
+                                          </p:val>
+                                        </p:tav>
+                                        <p:tav tm="100000">
+                                          <p:val>
+                                            <p:strVal val="#ppt_x"/>
+                                          </p:val>
+                                        </p:tav>
+                                      </p:tavLst>
+                                    </p:anim>
+                                    <p:anim calcmode="lin" valueType="num">
+                                      <p:cBhvr additive="base">
+                                        <p:cTn id="14" dur="500" fill="hold"/>
+                                        <p:tgtEl>
+                                          <p:spTgt spid="24"/>
+                                        </p:tgtEl>
+                                        <p:attrNameLst>
+                                          <p:attrName>ppt_y</p:attrName>
+                                        </p:attrNameLst>
+                                      </p:cBhvr>
+                                      <p:tavLst>
+                                        <p:tav tm="0">
+                                          <p:val>
+                                            <p:strVal val="#ppt_y"/>
+                                          </p:val>
+                                        </p:tav>
+                                        <p:tav tm="100000">
+                                          <p:val>
+                                            <p:strVal val="#ppt_y"/>
+                                          </p:val>
+                                        </p:tav>
+                                      </p:tavLst>
+                                    </p:anim>
+                                  </p:childTnLst>
+                                </p:cTn>
+                              </p:par>
+                            </p:childTnLst>
+                          </p:cTn>
+                        </p:par>
+                      </p:childTnLst>
+                    </p:cTn>
+                  </p:par>
+                  <p:par>
+                    <p:cTn id="15" fill="hold">
+                      <p:stCondLst>
+                        <p:cond delay="indefinite"/>
+                      </p:stCondLst>
+                      <p:childTnLst>
+                        <p:par>
+                          <p:cTn id="16" fill="hold">
+                            <p:stCondLst>
+                              <p:cond delay="0"/>
+                            </p:stCondLst>
+                            <p:childTnLst>
+                              <p:par>
+                                <p:cTn id="17" presetID="2" presetClass="entr" presetSubtype="8" fill="hold" grpId="0" nodeType="clickEffect">
+                                  <p:stCondLst>
+                                    <p:cond delay="0"/>
+                                  </p:stCondLst>
+                                  <p:childTnLst>
+                                    <p:set>
+                                      <p:cBhvr>
+                                        <p:cTn id="18" dur="1" fill="hold">
+                                          <p:stCondLst>
+                                            <p:cond delay="0"/>
+                                          </p:stCondLst>
+                                        </p:cTn>
+                                        <p:tgtEl>
+                                          <p:spTgt spid="26"/>
+                                        </p:tgtEl>
+                                        <p:attrNameLst>
+                                          <p:attrName>style.visibility</p:attrName>
+                                        </p:attrNameLst>
+                                      </p:cBhvr>
+                                      <p:to>
+                                        <p:strVal val="visible"/>
+                                      </p:to>
+                                    </p:set>
+                                    <p:anim calcmode="lin" valueType="num">
+                                      <p:cBhvr additive="base">
+                                        <p:cTn id="19" dur="500" fill="hold"/>
+                                        <p:tgtEl>
+                                          <p:spTgt spid="26"/>
+                                        </p:tgtEl>
+                                        <p:attrNameLst>
+                                          <p:attrName>ppt_x</p:attrName>
+                                        </p:attrNameLst>
+                                      </p:cBhvr>
+                                      <p:tavLst>
+                                        <p:tav tm="0">
+                                          <p:val>
+                                            <p:strVal val="0-#ppt_w/2"/>
+                                          </p:val>
+                                        </p:tav>
+                                        <p:tav tm="100000">
+                                          <p:val>
+                                            <p:strVal val="#ppt_x"/>
+                                          </p:val>
+                                        </p:tav>
+                                      </p:tavLst>
+                                    </p:anim>
+                                    <p:anim calcmode="lin" valueType="num">
+                                      <p:cBhvr additive="base">
+                                        <p:cTn id="20" dur="500" fill="hold"/>
+                                        <p:tgtEl>
+                                          <p:spTgt spid="26"/>
+                                        </p:tgtEl>
+                                        <p:attrNameLst>
+                                          <p:attrName>ppt_y</p:attrName>
+                                        </p:attrNameLst>
+                                      </p:cBhvr>
+                                      <p:tavLst>
+                                        <p:tav tm="0">
+                                          <p:val>
+                                            <p:strVal val="#ppt_y"/>
+                                          </p:val>
+                                        </p:tav>
+                                        <p:tav tm="100000">
+                                          <p:val>
+                                            <p:strVal val="#ppt_y"/>
+                                          </p:val>
+                                        </p:tav>
+                                      </p:tavLst>
+                                    </p:anim>
+                                  </p:childTnLst>
+                                </p:cTn>
+                              </p:par>
+                            </p:childTnLst>
+                          </p:cTn>
+                        </p:par>
+                      </p:childTnLst>
+                    </p:cTn>
+                  </p:par>
+                  <p:par>
+                    <p:cTn id="21" fill="hold">
+                      <p:stCondLst>
+                        <p:cond delay="indefinite"/>
+                      </p:stCondLst>
+                      <p:childTnLst>
+                        <p:par>
+                          <p:cTn id="22" fill="hold">
+                            <p:stCondLst>
+                              <p:cond delay="0"/>
+                            </p:stCondLst>
+                            <p:childTnLst>
+                              <p:par>
+                                <p:cTn id="23" presetID="2" presetClass="entr" presetSubtype="8" fill="hold" grpId="0" nodeType="clickEffect">
+                                  <p:stCondLst>
+                                    <p:cond delay="0"/>
+                                  </p:stCondLst>
+                                  <p:childTnLst>
+                                    <p:set>
+                                      <p:cBhvr>
+                                        <p:cTn id="24" dur="1" fill="hold">
+                                          <p:stCondLst>
+                                            <p:cond delay="0"/>
+                                          </p:stCondLst>
+                                        </p:cTn>
+                                        <p:tgtEl>
+                                          <p:spTgt spid="25"/>
+                                        </p:tgtEl>
+                                        <p:attrNameLst>
+                                          <p:attrName>style.visibility</p:attrName>
+                                        </p:attrNameLst>
+                                      </p:cBhvr>
+                                      <p:to>
+                                        <p:strVal val="visible"/>
+                                      </p:to>
+                                    </p:set>
+                                    <p:anim calcmode="lin" valueType="num">
+                                      <p:cBhvr additive="base">
+                                        <p:cTn id="25" dur="500" fill="hold"/>
+                                        <p:tgtEl>
+                                          <p:spTgt spid="25"/>
+                                        </p:tgtEl>
+                                        <p:attrNameLst>
+                                          <p:attrName>ppt_x</p:attrName>
+                                        </p:attrNameLst>
+                                      </p:cBhvr>
+                                      <p:tavLst>
+                                        <p:tav tm="0">
+                                          <p:val>
+                                            <p:strVal val="0-#ppt_w/2"/>
+                                          </p:val>
+                                        </p:tav>
+                                        <p:tav tm="100000">
+                                          <p:val>
+                                            <p:strVal val="#ppt_x"/>
+                                          </p:val>
+                                        </p:tav>
+                                      </p:tavLst>
+                                    </p:anim>
+                                    <p:anim calcmode="lin" valueType="num">
+                                      <p:cBhvr additive="base">
+                                        <p:cTn id="26" dur="500" fill="hold"/>
+                                        <p:tgtEl>
+                                          <p:spTgt spid="25"/>
+                                        </p:tgtEl>
+                                        <p:attrNameLst>
+                                          <p:attrName>ppt_y</p:attrName>
+                                        </p:attrNameLst>
+                                      </p:cBhvr>
+                                      <p:tavLst>
+                                        <p:tav tm="0">
+                                          <p:val>
+                                            <p:strVal val="#ppt_y"/>
+                                          </p:val>
+                                        </p:tav>
+                                        <p:tav tm="100000">
+                                          <p:val>
+                                            <p:strVal val="#ppt_y"/>
+                                          </p:val>
+                                        </p:tav>
+                                      </p:tavLst>
+                                    </p:anim>
+                                  </p:childTnLst>
+                                </p:cTn>
+                              </p:par>
+                            </p:childTnLst>
+                          </p:cTn>
+                        </p:par>
+                      </p:childTnLst>
+                    </p:cTn>
+                  </p:par>
+                </p:childTnLst>
+              </p:cTn>
+              <p:prevCondLst>
+                <p:cond evt="onPrev" delay="0">
+                  <p:tgtEl>
+                    <p:sldTgt/>
+                  </p:tgtEl>
+                </p:cond>
+              </p:prevCondLst>
+              <p:nextCondLst>
+                <p:cond evt="onNext" delay="0">
+                  <p:tgtEl>
+                    <p:sldTgt/>
+                  </p:tgtEl>
+                </p:cond>
+              </p:nextCondLst>
+            </p:seq>
+          </p:childTnLst>
+        </p:cTn>
+      </p:par>
+    </p:tnLst>
+    <p:bldLst>
+      <p:bldP spid="23" grpId="0" animBg="1"/>
+      <p:bldP spid="24" grpId="0" animBg="1"/>
+      <p:bldP spid="25" grpId="0" animBg="1"/>
+      <p:bldP spid="26" grpId="0" animBg="1"/>
+    </p:bldLst>
+  </p:timing>
 </p:sld>
 </file>
 
@@ -7901,7 +9067,7 @@
       </p:grpSpPr>
       <p:sp>
         <p:nvSpPr>
-          <p:cNvPr id="11266" name="Título 1"/>
+          <p:cNvPr id="9218" name="Título 1"/>
           <p:cNvSpPr>
             <a:spLocks noGrp="1"/>
           </p:cNvSpPr>
@@ -7916,28 +9082,110 @@
           <a:p>
             <a:pPr eaLnBrk="1" hangingPunct="1"/>
             <a:r>
+              <a:rPr lang="pt-BR" dirty="0" smtClean="0"/>
+              <a:t>Programação </a:t>
+            </a:r>
+            <a:r>
+              <a:rPr lang="pt-BR" dirty="0" err="1" smtClean="0"/>
+              <a:t>multithreaded</a:t>
+            </a:r>
+            <a:endParaRPr lang="pt-BR" dirty="0" smtClean="0"/>
+          </a:p>
+        </p:txBody>
+      </p:sp>
+      <p:sp>
+        <p:nvSpPr>
+          <p:cNvPr id="9219" name="Espaço Reservado para Conteúdo 2"/>
+          <p:cNvSpPr>
+            <a:spLocks noGrp="1"/>
+          </p:cNvSpPr>
+          <p:nvPr>
+            <p:ph idx="1"/>
+          </p:nvPr>
+        </p:nvSpPr>
+        <p:spPr/>
+        <p:txBody>
+          <a:bodyPr/>
+          <a:lstStyle/>
+          <a:p>
+            <a:pPr>
+              <a:spcBef>
+                <a:spcPts val="3000"/>
+              </a:spcBef>
+            </a:pPr>
+            <a:r>
+              <a:rPr lang="pt-BR" dirty="0" smtClean="0"/>
+              <a:t>Através do uso de múltiplas threads podemos realizar o processamento simultâneo de partes diferentes de sua aplicação.</a:t>
+            </a:r>
+          </a:p>
+          <a:p>
+            <a:pPr>
+              <a:spcBef>
+                <a:spcPts val="3000"/>
+              </a:spcBef>
+            </a:pPr>
+            <a:r>
+              <a:rPr lang="pt-BR" dirty="0" smtClean="0"/>
+              <a:t>O desenvolvimento de aplicações que possuem múltiplas threads é chamada </a:t>
+            </a:r>
+            <a:r>
+              <a:rPr lang="pt-BR" b="1" i="1" dirty="0" smtClean="0"/>
+              <a:t>programação </a:t>
+            </a:r>
+            <a:r>
+              <a:rPr lang="pt-BR" b="1" i="1" dirty="0" err="1" smtClean="0"/>
+              <a:t>multithreaded</a:t>
+            </a:r>
+            <a:r>
+              <a:rPr lang="pt-BR" dirty="0" smtClean="0"/>
+              <a:t> ou </a:t>
+            </a:r>
+            <a:r>
+              <a:rPr lang="pt-BR" b="1" i="1" dirty="0" smtClean="0"/>
+              <a:t>programação concorrente</a:t>
+            </a:r>
+            <a:r>
+              <a:rPr lang="pt-BR" dirty="0" smtClean="0"/>
+              <a:t>.</a:t>
+            </a:r>
+            <a:endParaRPr lang="pt-BR" b="1" i="1" dirty="0" smtClean="0"/>
+          </a:p>
+          <a:p>
+            <a:pPr>
+              <a:spcBef>
+                <a:spcPts val="3000"/>
+              </a:spcBef>
+            </a:pPr>
+            <a:endParaRPr lang="pt-BR" dirty="0" smtClean="0"/>
+          </a:p>
+        </p:txBody>
+      </p:sp>
+      <p:sp>
+        <p:nvSpPr>
+          <p:cNvPr id="4" name="Espaço Reservado para Número de Slide 3"/>
+          <p:cNvSpPr>
+            <a:spLocks noGrp="1"/>
+          </p:cNvSpPr>
+          <p:nvPr>
+            <p:ph type="sldNum" sz="quarter" idx="12"/>
+          </p:nvPr>
+        </p:nvSpPr>
+        <p:spPr/>
+        <p:txBody>
+          <a:bodyPr/>
+          <a:lstStyle/>
+          <a:p>
+            <a:pPr>
+              <a:defRPr/>
+            </a:pPr>
+            <a:fld id="{A3E49AD4-F76A-4E25-A0A5-9CD64D5A0A0D}" type="slidenum">
               <a:rPr lang="pt-BR" smtClean="0"/>
-              <a:t>java.lang.Thread</a:t>
-            </a:r>
-          </a:p>
-        </p:txBody>
-      </p:sp>
-      <p:sp>
-        <p:nvSpPr>
-          <p:cNvPr id="11267" name="Espaço Reservado para Conteúdo 2"/>
-          <p:cNvSpPr>
-            <a:spLocks noGrp="1"/>
-          </p:cNvSpPr>
-          <p:nvPr>
-            <p:ph idx="1"/>
-          </p:nvPr>
-        </p:nvSpPr>
-        <p:spPr/>
-        <p:txBody>
-          <a:bodyPr/>
-          <a:lstStyle/>
-          <a:p>
-            <a:endParaRPr lang="pt-BR" smtClean="0"/>
+              <a:pPr>
+                <a:defRPr/>
+              </a:pPr>
+              <a:t>5</a:t>
+            </a:fld>
+            <a:endParaRPr lang="pt-BR"/>
           </a:p>
         </p:txBody>
       </p:sp>
@@ -7946,6 +9194,13 @@
   <p:clrMapOvr>
     <a:masterClrMapping/>
   </p:clrMapOvr>
+  <p:timing>
+    <p:tnLst>
+      <p:par>
+        <p:cTn id="1" dur="indefinite" restart="never" nodeType="tmRoot"/>
+      </p:par>
+    </p:tnLst>
+  </p:timing>
 </p:sld>
 </file>
 
@@ -7968,7 +9223,7 @@
       </p:grpSpPr>
       <p:sp>
         <p:nvSpPr>
-          <p:cNvPr id="12290" name="Título 1"/>
+          <p:cNvPr id="8194" name="Título 1"/>
           <p:cNvSpPr>
             <a:spLocks noGrp="1"/>
           </p:cNvSpPr>
@@ -7983,28 +9238,1036 @@
           <a:p>
             <a:pPr eaLnBrk="1" hangingPunct="1"/>
             <a:r>
+              <a:rPr lang="pt-BR" dirty="0" smtClean="0"/>
+              <a:t>Programação </a:t>
+            </a:r>
+            <a:r>
+              <a:rPr lang="pt-BR" dirty="0" err="1" smtClean="0"/>
+              <a:t>multithreaded</a:t>
+            </a:r>
+            <a:endParaRPr lang="pt-BR" dirty="0" smtClean="0"/>
+          </a:p>
+        </p:txBody>
+      </p:sp>
+      <p:cxnSp>
+        <p:nvCxnSpPr>
+          <p:cNvPr id="14" name="Conector de seta reta 13"/>
+          <p:cNvCxnSpPr/>
+          <p:nvPr/>
+        </p:nvCxnSpPr>
+        <p:spPr>
+          <a:xfrm>
+            <a:off x="1475656" y="3717032"/>
+            <a:ext cx="6624736" cy="0"/>
+          </a:xfrm>
+          <a:prstGeom prst="straightConnector1">
+            <a:avLst/>
+          </a:prstGeom>
+          <a:ln w="38100">
+            <a:solidFill>
+              <a:schemeClr val="tx1"/>
+            </a:solidFill>
+            <a:tailEnd type="arrow"/>
+          </a:ln>
+        </p:spPr>
+        <p:style>
+          <a:lnRef idx="1">
+            <a:schemeClr val="accent1"/>
+          </a:lnRef>
+          <a:fillRef idx="0">
+            <a:schemeClr val="accent1"/>
+          </a:fillRef>
+          <a:effectRef idx="0">
+            <a:schemeClr val="accent1"/>
+          </a:effectRef>
+          <a:fontRef idx="minor">
+            <a:schemeClr val="tx1"/>
+          </a:fontRef>
+        </p:style>
+      </p:cxnSp>
+      <p:sp>
+        <p:nvSpPr>
+          <p:cNvPr id="21" name="Retângulo de cantos arredondados 20"/>
+          <p:cNvSpPr/>
+          <p:nvPr/>
+        </p:nvSpPr>
+        <p:spPr>
+          <a:xfrm>
+            <a:off x="1043608" y="3429000"/>
+            <a:ext cx="936104" cy="576064"/>
+          </a:xfrm>
+          <a:prstGeom prst="roundRect">
+            <a:avLst/>
+          </a:prstGeom>
+          <a:solidFill>
+            <a:schemeClr val="accent6"/>
+          </a:solidFill>
+          <a:ln w="38100">
+            <a:solidFill>
+              <a:schemeClr val="tx1"/>
+            </a:solidFill>
+          </a:ln>
+        </p:spPr>
+        <p:style>
+          <a:lnRef idx="2">
+            <a:schemeClr val="accent1">
+              <a:shade val="50000"/>
+            </a:schemeClr>
+          </a:lnRef>
+          <a:fillRef idx="1">
+            <a:schemeClr val="accent1"/>
+          </a:fillRef>
+          <a:effectRef idx="0">
+            <a:schemeClr val="accent1"/>
+          </a:effectRef>
+          <a:fontRef idx="minor">
+            <a:schemeClr val="lt1"/>
+          </a:fontRef>
+        </p:style>
+        <p:txBody>
+          <a:bodyPr rtlCol="0" anchor="ctr"/>
+          <a:lstStyle/>
+          <a:p>
+            <a:pPr algn="ctr"/>
+            <a:r>
+              <a:rPr lang="pt-BR" dirty="0" err="1" smtClean="0"/>
+              <a:t>main</a:t>
+            </a:r>
+            <a:r>
+              <a:rPr lang="pt-BR" dirty="0" smtClean="0"/>
+              <a:t>()</a:t>
+            </a:r>
+            <a:endParaRPr lang="pt-BR" dirty="0"/>
+          </a:p>
+        </p:txBody>
+      </p:sp>
+      <p:cxnSp>
+        <p:nvCxnSpPr>
+          <p:cNvPr id="9" name="Conector de seta reta 8"/>
+          <p:cNvCxnSpPr/>
+          <p:nvPr/>
+        </p:nvCxnSpPr>
+        <p:spPr>
+          <a:xfrm>
+            <a:off x="2843808" y="2996952"/>
+            <a:ext cx="5256584" cy="0"/>
+          </a:xfrm>
+          <a:prstGeom prst="straightConnector1">
+            <a:avLst/>
+          </a:prstGeom>
+          <a:ln w="38100">
+            <a:solidFill>
+              <a:schemeClr val="tx1"/>
+            </a:solidFill>
+            <a:tailEnd type="arrow"/>
+          </a:ln>
+        </p:spPr>
+        <p:style>
+          <a:lnRef idx="1">
+            <a:schemeClr val="accent1"/>
+          </a:lnRef>
+          <a:fillRef idx="0">
+            <a:schemeClr val="accent1"/>
+          </a:fillRef>
+          <a:effectRef idx="0">
+            <a:schemeClr val="accent1"/>
+          </a:effectRef>
+          <a:fontRef idx="minor">
+            <a:schemeClr val="tx1"/>
+          </a:fontRef>
+        </p:style>
+      </p:cxnSp>
+      <p:cxnSp>
+        <p:nvCxnSpPr>
+          <p:cNvPr id="11" name="Conector de seta reta 10"/>
+          <p:cNvCxnSpPr/>
+          <p:nvPr/>
+        </p:nvCxnSpPr>
+        <p:spPr>
+          <a:xfrm>
+            <a:off x="3563888" y="4437112"/>
+            <a:ext cx="4536504" cy="0"/>
+          </a:xfrm>
+          <a:prstGeom prst="straightConnector1">
+            <a:avLst/>
+          </a:prstGeom>
+          <a:ln w="38100">
+            <a:solidFill>
+              <a:schemeClr val="tx1"/>
+            </a:solidFill>
+            <a:tailEnd type="arrow"/>
+          </a:ln>
+        </p:spPr>
+        <p:style>
+          <a:lnRef idx="1">
+            <a:schemeClr val="accent1"/>
+          </a:lnRef>
+          <a:fillRef idx="0">
+            <a:schemeClr val="accent1"/>
+          </a:fillRef>
+          <a:effectRef idx="0">
+            <a:schemeClr val="accent1"/>
+          </a:effectRef>
+          <a:fontRef idx="minor">
+            <a:schemeClr val="tx1"/>
+          </a:fontRef>
+        </p:style>
+      </p:cxnSp>
+      <p:cxnSp>
+        <p:nvCxnSpPr>
+          <p:cNvPr id="12" name="Conector de seta reta 11"/>
+          <p:cNvCxnSpPr/>
+          <p:nvPr/>
+        </p:nvCxnSpPr>
+        <p:spPr>
+          <a:xfrm>
+            <a:off x="4716016" y="5157192"/>
+            <a:ext cx="3384376" cy="0"/>
+          </a:xfrm>
+          <a:prstGeom prst="straightConnector1">
+            <a:avLst/>
+          </a:prstGeom>
+          <a:ln w="38100">
+            <a:solidFill>
+              <a:schemeClr val="tx1"/>
+            </a:solidFill>
+            <a:tailEnd type="arrow"/>
+          </a:ln>
+        </p:spPr>
+        <p:style>
+          <a:lnRef idx="1">
+            <a:schemeClr val="accent1"/>
+          </a:lnRef>
+          <a:fillRef idx="0">
+            <a:schemeClr val="accent1"/>
+          </a:fillRef>
+          <a:effectRef idx="0">
+            <a:schemeClr val="accent1"/>
+          </a:effectRef>
+          <a:fontRef idx="minor">
+            <a:schemeClr val="tx1"/>
+          </a:fontRef>
+        </p:style>
+      </p:cxnSp>
+      <p:cxnSp>
+        <p:nvCxnSpPr>
+          <p:cNvPr id="15" name="Conector reto 14"/>
+          <p:cNvCxnSpPr/>
+          <p:nvPr/>
+        </p:nvCxnSpPr>
+        <p:spPr>
+          <a:xfrm flipH="1">
+            <a:off x="2411760" y="2996952"/>
+            <a:ext cx="432048" cy="720080"/>
+          </a:xfrm>
+          <a:prstGeom prst="line">
+            <a:avLst/>
+          </a:prstGeom>
+          <a:ln w="38100">
+            <a:solidFill>
+              <a:schemeClr val="tx1"/>
+            </a:solidFill>
+          </a:ln>
+        </p:spPr>
+        <p:style>
+          <a:lnRef idx="1">
+            <a:schemeClr val="accent1"/>
+          </a:lnRef>
+          <a:fillRef idx="0">
+            <a:schemeClr val="accent1"/>
+          </a:fillRef>
+          <a:effectRef idx="0">
+            <a:schemeClr val="accent1"/>
+          </a:effectRef>
+          <a:fontRef idx="minor">
+            <a:schemeClr val="tx1"/>
+          </a:fontRef>
+        </p:style>
+      </p:cxnSp>
+      <p:cxnSp>
+        <p:nvCxnSpPr>
+          <p:cNvPr id="20" name="Conector reto 19"/>
+          <p:cNvCxnSpPr/>
+          <p:nvPr/>
+        </p:nvCxnSpPr>
+        <p:spPr>
+          <a:xfrm flipH="1" flipV="1">
+            <a:off x="3131840" y="3717032"/>
+            <a:ext cx="432048" cy="720080"/>
+          </a:xfrm>
+          <a:prstGeom prst="line">
+            <a:avLst/>
+          </a:prstGeom>
+          <a:ln w="38100">
+            <a:solidFill>
+              <a:schemeClr val="tx1"/>
+            </a:solidFill>
+          </a:ln>
+        </p:spPr>
+        <p:style>
+          <a:lnRef idx="1">
+            <a:schemeClr val="accent1"/>
+          </a:lnRef>
+          <a:fillRef idx="0">
+            <a:schemeClr val="accent1"/>
+          </a:fillRef>
+          <a:effectRef idx="0">
+            <a:schemeClr val="accent1"/>
+          </a:effectRef>
+          <a:fontRef idx="minor">
+            <a:schemeClr val="tx1"/>
+          </a:fontRef>
+        </p:style>
+      </p:cxnSp>
+      <p:cxnSp>
+        <p:nvCxnSpPr>
+          <p:cNvPr id="27" name="Conector reto 26"/>
+          <p:cNvCxnSpPr/>
+          <p:nvPr/>
+        </p:nvCxnSpPr>
+        <p:spPr>
+          <a:xfrm flipH="1" flipV="1">
+            <a:off x="4283968" y="4437112"/>
+            <a:ext cx="432048" cy="720080"/>
+          </a:xfrm>
+          <a:prstGeom prst="line">
+            <a:avLst/>
+          </a:prstGeom>
+          <a:ln w="38100">
+            <a:solidFill>
+              <a:schemeClr val="tx1"/>
+            </a:solidFill>
+          </a:ln>
+        </p:spPr>
+        <p:style>
+          <a:lnRef idx="1">
+            <a:schemeClr val="accent1"/>
+          </a:lnRef>
+          <a:fillRef idx="0">
+            <a:schemeClr val="accent1"/>
+          </a:fillRef>
+          <a:effectRef idx="0">
+            <a:schemeClr val="accent1"/>
+          </a:effectRef>
+          <a:fontRef idx="minor">
+            <a:schemeClr val="tx1"/>
+          </a:fontRef>
+        </p:style>
+      </p:cxnSp>
+      <p:sp>
+        <p:nvSpPr>
+          <p:cNvPr id="28" name="Retângulo de cantos arredondados 27"/>
+          <p:cNvSpPr/>
+          <p:nvPr/>
+        </p:nvSpPr>
+        <p:spPr>
+          <a:xfrm>
+            <a:off x="3059832" y="2708920"/>
+            <a:ext cx="792088" cy="576064"/>
+          </a:xfrm>
+          <a:prstGeom prst="roundRect">
+            <a:avLst/>
+          </a:prstGeom>
+          <a:solidFill>
+            <a:schemeClr val="accent6"/>
+          </a:solidFill>
+          <a:ln w="38100">
+            <a:solidFill>
+              <a:schemeClr val="tx1"/>
+            </a:solidFill>
+          </a:ln>
+        </p:spPr>
+        <p:style>
+          <a:lnRef idx="2">
+            <a:schemeClr val="accent1">
+              <a:shade val="50000"/>
+            </a:schemeClr>
+          </a:lnRef>
+          <a:fillRef idx="1">
+            <a:schemeClr val="accent1"/>
+          </a:fillRef>
+          <a:effectRef idx="0">
+            <a:schemeClr val="accent1"/>
+          </a:effectRef>
+          <a:fontRef idx="minor">
+            <a:schemeClr val="lt1"/>
+          </a:fontRef>
+        </p:style>
+        <p:txBody>
+          <a:bodyPr rtlCol="0" anchor="ctr"/>
+          <a:lstStyle/>
+          <a:p>
+            <a:pPr algn="ctr"/>
+            <a:r>
+              <a:rPr lang="pt-BR" dirty="0" err="1" smtClean="0"/>
+              <a:t>run</a:t>
+            </a:r>
+            <a:r>
+              <a:rPr lang="pt-BR" dirty="0" smtClean="0"/>
+              <a:t>()</a:t>
+            </a:r>
+            <a:endParaRPr lang="pt-BR" dirty="0"/>
+          </a:p>
+        </p:txBody>
+      </p:sp>
+      <p:sp>
+        <p:nvSpPr>
+          <p:cNvPr id="33" name="Retângulo de cantos arredondados 32"/>
+          <p:cNvSpPr/>
+          <p:nvPr/>
+        </p:nvSpPr>
+        <p:spPr>
+          <a:xfrm>
+            <a:off x="4283968" y="2708920"/>
+            <a:ext cx="648072" cy="576064"/>
+          </a:xfrm>
+          <a:prstGeom prst="roundRect">
+            <a:avLst/>
+          </a:prstGeom>
+          <a:solidFill>
+            <a:schemeClr val="accent6"/>
+          </a:solidFill>
+          <a:ln w="38100">
+            <a:solidFill>
+              <a:schemeClr val="tx1"/>
+            </a:solidFill>
+          </a:ln>
+        </p:spPr>
+        <p:style>
+          <a:lnRef idx="2">
+            <a:schemeClr val="accent1">
+              <a:shade val="50000"/>
+            </a:schemeClr>
+          </a:lnRef>
+          <a:fillRef idx="1">
+            <a:schemeClr val="accent1"/>
+          </a:fillRef>
+          <a:effectRef idx="0">
+            <a:schemeClr val="accent1"/>
+          </a:effectRef>
+          <a:fontRef idx="minor">
+            <a:schemeClr val="lt1"/>
+          </a:fontRef>
+        </p:style>
+        <p:txBody>
+          <a:bodyPr rtlCol="0" anchor="ctr"/>
+          <a:lstStyle/>
+          <a:p>
+            <a:pPr algn="ctr"/>
+            <a:r>
+              <a:rPr lang="pt-BR" dirty="0" smtClean="0"/>
+              <a:t>x()</a:t>
+            </a:r>
+            <a:endParaRPr lang="pt-BR" dirty="0"/>
+          </a:p>
+        </p:txBody>
+      </p:sp>
+      <p:sp>
+        <p:nvSpPr>
+          <p:cNvPr id="34" name="Retângulo de cantos arredondados 33"/>
+          <p:cNvSpPr/>
+          <p:nvPr/>
+        </p:nvSpPr>
+        <p:spPr>
+          <a:xfrm>
+            <a:off x="5364088" y="2708920"/>
+            <a:ext cx="648072" cy="576064"/>
+          </a:xfrm>
+          <a:prstGeom prst="roundRect">
+            <a:avLst/>
+          </a:prstGeom>
+          <a:solidFill>
+            <a:schemeClr val="accent6"/>
+          </a:solidFill>
+          <a:ln w="38100">
+            <a:solidFill>
+              <a:schemeClr val="tx1"/>
+            </a:solidFill>
+          </a:ln>
+        </p:spPr>
+        <p:style>
+          <a:lnRef idx="2">
+            <a:schemeClr val="accent1">
+              <a:shade val="50000"/>
+            </a:schemeClr>
+          </a:lnRef>
+          <a:fillRef idx="1">
+            <a:schemeClr val="accent1"/>
+          </a:fillRef>
+          <a:effectRef idx="0">
+            <a:schemeClr val="accent1"/>
+          </a:effectRef>
+          <a:fontRef idx="minor">
+            <a:schemeClr val="lt1"/>
+          </a:fontRef>
+        </p:style>
+        <p:txBody>
+          <a:bodyPr rtlCol="0" anchor="ctr"/>
+          <a:lstStyle/>
+          <a:p>
+            <a:pPr algn="ctr"/>
+            <a:r>
+              <a:rPr lang="pt-BR" dirty="0" smtClean="0"/>
+              <a:t>y()</a:t>
+            </a:r>
+            <a:endParaRPr lang="pt-BR" dirty="0"/>
+          </a:p>
+        </p:txBody>
+      </p:sp>
+      <p:sp>
+        <p:nvSpPr>
+          <p:cNvPr id="35" name="Retângulo de cantos arredondados 34"/>
+          <p:cNvSpPr/>
+          <p:nvPr/>
+        </p:nvSpPr>
+        <p:spPr>
+          <a:xfrm>
+            <a:off x="6444208" y="2708920"/>
+            <a:ext cx="648072" cy="576064"/>
+          </a:xfrm>
+          <a:prstGeom prst="roundRect">
+            <a:avLst/>
+          </a:prstGeom>
+          <a:solidFill>
+            <a:schemeClr val="accent6"/>
+          </a:solidFill>
+          <a:ln w="38100">
+            <a:solidFill>
+              <a:schemeClr val="tx1"/>
+            </a:solidFill>
+          </a:ln>
+        </p:spPr>
+        <p:style>
+          <a:lnRef idx="2">
+            <a:schemeClr val="accent1">
+              <a:shade val="50000"/>
+            </a:schemeClr>
+          </a:lnRef>
+          <a:fillRef idx="1">
+            <a:schemeClr val="accent1"/>
+          </a:fillRef>
+          <a:effectRef idx="0">
+            <a:schemeClr val="accent1"/>
+          </a:effectRef>
+          <a:fontRef idx="minor">
+            <a:schemeClr val="lt1"/>
+          </a:fontRef>
+        </p:style>
+        <p:txBody>
+          <a:bodyPr rtlCol="0" anchor="ctr"/>
+          <a:lstStyle/>
+          <a:p>
+            <a:pPr algn="ctr"/>
+            <a:r>
+              <a:rPr lang="pt-BR" dirty="0" smtClean="0"/>
+              <a:t>z()</a:t>
+            </a:r>
+            <a:endParaRPr lang="pt-BR" dirty="0"/>
+          </a:p>
+        </p:txBody>
+      </p:sp>
+      <p:sp>
+        <p:nvSpPr>
+          <p:cNvPr id="37" name="Retângulo de cantos arredondados 36"/>
+          <p:cNvSpPr/>
+          <p:nvPr/>
+        </p:nvSpPr>
+        <p:spPr>
+          <a:xfrm>
+            <a:off x="4860032" y="3429000"/>
+            <a:ext cx="648072" cy="576064"/>
+          </a:xfrm>
+          <a:prstGeom prst="roundRect">
+            <a:avLst/>
+          </a:prstGeom>
+          <a:solidFill>
+            <a:schemeClr val="accent6"/>
+          </a:solidFill>
+          <a:ln w="38100">
+            <a:solidFill>
+              <a:schemeClr val="tx1"/>
+            </a:solidFill>
+          </a:ln>
+        </p:spPr>
+        <p:style>
+          <a:lnRef idx="2">
+            <a:schemeClr val="accent1">
+              <a:shade val="50000"/>
+            </a:schemeClr>
+          </a:lnRef>
+          <a:fillRef idx="1">
+            <a:schemeClr val="accent1"/>
+          </a:fillRef>
+          <a:effectRef idx="0">
+            <a:schemeClr val="accent1"/>
+          </a:effectRef>
+          <a:fontRef idx="minor">
+            <a:schemeClr val="lt1"/>
+          </a:fontRef>
+        </p:style>
+        <p:txBody>
+          <a:bodyPr rtlCol="0" anchor="ctr"/>
+          <a:lstStyle/>
+          <a:p>
+            <a:pPr algn="ctr"/>
+            <a:r>
+              <a:rPr lang="pt-BR" dirty="0" smtClean="0"/>
+              <a:t>b()</a:t>
+            </a:r>
+            <a:endParaRPr lang="pt-BR" dirty="0"/>
+          </a:p>
+        </p:txBody>
+      </p:sp>
+      <p:sp>
+        <p:nvSpPr>
+          <p:cNvPr id="38" name="Retângulo de cantos arredondados 37"/>
+          <p:cNvSpPr/>
+          <p:nvPr/>
+        </p:nvSpPr>
+        <p:spPr>
+          <a:xfrm>
+            <a:off x="5940152" y="3429000"/>
+            <a:ext cx="648072" cy="576064"/>
+          </a:xfrm>
+          <a:prstGeom prst="roundRect">
+            <a:avLst/>
+          </a:prstGeom>
+          <a:solidFill>
+            <a:schemeClr val="accent6"/>
+          </a:solidFill>
+          <a:ln w="38100">
+            <a:solidFill>
+              <a:schemeClr val="tx1"/>
+            </a:solidFill>
+          </a:ln>
+        </p:spPr>
+        <p:style>
+          <a:lnRef idx="2">
+            <a:schemeClr val="accent1">
+              <a:shade val="50000"/>
+            </a:schemeClr>
+          </a:lnRef>
+          <a:fillRef idx="1">
+            <a:schemeClr val="accent1"/>
+          </a:fillRef>
+          <a:effectRef idx="0">
+            <a:schemeClr val="accent1"/>
+          </a:effectRef>
+          <a:fontRef idx="minor">
+            <a:schemeClr val="lt1"/>
+          </a:fontRef>
+        </p:style>
+        <p:txBody>
+          <a:bodyPr rtlCol="0" anchor="ctr"/>
+          <a:lstStyle/>
+          <a:p>
+            <a:pPr algn="ctr"/>
+            <a:r>
+              <a:rPr lang="pt-BR" dirty="0" smtClean="0"/>
+              <a:t>c()</a:t>
+            </a:r>
+            <a:endParaRPr lang="pt-BR" dirty="0"/>
+          </a:p>
+        </p:txBody>
+      </p:sp>
+      <p:sp>
+        <p:nvSpPr>
+          <p:cNvPr id="40" name="Retângulo de cantos arredondados 39"/>
+          <p:cNvSpPr/>
+          <p:nvPr/>
+        </p:nvSpPr>
+        <p:spPr>
+          <a:xfrm>
+            <a:off x="4788024" y="4149080"/>
+            <a:ext cx="792088" cy="576064"/>
+          </a:xfrm>
+          <a:prstGeom prst="roundRect">
+            <a:avLst/>
+          </a:prstGeom>
+          <a:solidFill>
+            <a:schemeClr val="accent6"/>
+          </a:solidFill>
+          <a:ln w="38100">
+            <a:solidFill>
+              <a:schemeClr val="tx1"/>
+            </a:solidFill>
+          </a:ln>
+        </p:spPr>
+        <p:style>
+          <a:lnRef idx="2">
+            <a:schemeClr val="accent1">
+              <a:shade val="50000"/>
+            </a:schemeClr>
+          </a:lnRef>
+          <a:fillRef idx="1">
+            <a:schemeClr val="accent1"/>
+          </a:fillRef>
+          <a:effectRef idx="0">
+            <a:schemeClr val="accent1"/>
+          </a:effectRef>
+          <a:fontRef idx="minor">
+            <a:schemeClr val="lt1"/>
+          </a:fontRef>
+        </p:style>
+        <p:txBody>
+          <a:bodyPr rtlCol="0" anchor="ctr"/>
+          <a:lstStyle/>
+          <a:p>
+            <a:pPr algn="ctr"/>
+            <a:r>
+              <a:rPr lang="pt-BR" dirty="0" err="1" smtClean="0"/>
+              <a:t>run</a:t>
+            </a:r>
+            <a:r>
+              <a:rPr lang="pt-BR" dirty="0" smtClean="0"/>
+              <a:t>()</a:t>
+            </a:r>
+            <a:endParaRPr lang="pt-BR" dirty="0"/>
+          </a:p>
+        </p:txBody>
+      </p:sp>
+      <p:sp>
+        <p:nvSpPr>
+          <p:cNvPr id="41" name="Retângulo de cantos arredondados 40"/>
+          <p:cNvSpPr/>
+          <p:nvPr/>
+        </p:nvSpPr>
+        <p:spPr>
+          <a:xfrm>
+            <a:off x="5868144" y="4149080"/>
+            <a:ext cx="648072" cy="576064"/>
+          </a:xfrm>
+          <a:prstGeom prst="roundRect">
+            <a:avLst/>
+          </a:prstGeom>
+          <a:solidFill>
+            <a:schemeClr val="accent6"/>
+          </a:solidFill>
+          <a:ln w="38100">
+            <a:solidFill>
+              <a:schemeClr val="tx1"/>
+            </a:solidFill>
+          </a:ln>
+        </p:spPr>
+        <p:style>
+          <a:lnRef idx="2">
+            <a:schemeClr val="accent1">
+              <a:shade val="50000"/>
+            </a:schemeClr>
+          </a:lnRef>
+          <a:fillRef idx="1">
+            <a:schemeClr val="accent1"/>
+          </a:fillRef>
+          <a:effectRef idx="0">
+            <a:schemeClr val="accent1"/>
+          </a:effectRef>
+          <a:fontRef idx="minor">
+            <a:schemeClr val="lt1"/>
+          </a:fontRef>
+        </p:style>
+        <p:txBody>
+          <a:bodyPr rtlCol="0" anchor="ctr"/>
+          <a:lstStyle/>
+          <a:p>
+            <a:pPr algn="ctr"/>
+            <a:r>
+              <a:rPr lang="pt-BR" dirty="0" smtClean="0"/>
+              <a:t>m()</a:t>
+            </a:r>
+            <a:endParaRPr lang="pt-BR" dirty="0"/>
+          </a:p>
+        </p:txBody>
+      </p:sp>
+      <p:sp>
+        <p:nvSpPr>
+          <p:cNvPr id="42" name="Retângulo de cantos arredondados 41"/>
+          <p:cNvSpPr/>
+          <p:nvPr/>
+        </p:nvSpPr>
+        <p:spPr>
+          <a:xfrm>
+            <a:off x="5364088" y="4869160"/>
+            <a:ext cx="792088" cy="576064"/>
+          </a:xfrm>
+          <a:prstGeom prst="roundRect">
+            <a:avLst/>
+          </a:prstGeom>
+          <a:solidFill>
+            <a:schemeClr val="accent6"/>
+          </a:solidFill>
+          <a:ln w="38100">
+            <a:solidFill>
+              <a:schemeClr val="tx1"/>
+            </a:solidFill>
+          </a:ln>
+        </p:spPr>
+        <p:style>
+          <a:lnRef idx="2">
+            <a:schemeClr val="accent1">
+              <a:shade val="50000"/>
+            </a:schemeClr>
+          </a:lnRef>
+          <a:fillRef idx="1">
+            <a:schemeClr val="accent1"/>
+          </a:fillRef>
+          <a:effectRef idx="0">
+            <a:schemeClr val="accent1"/>
+          </a:effectRef>
+          <a:fontRef idx="minor">
+            <a:schemeClr val="lt1"/>
+          </a:fontRef>
+        </p:style>
+        <p:txBody>
+          <a:bodyPr rtlCol="0" anchor="ctr"/>
+          <a:lstStyle/>
+          <a:p>
+            <a:pPr algn="ctr"/>
+            <a:r>
+              <a:rPr lang="pt-BR" dirty="0" err="1" smtClean="0"/>
+              <a:t>run</a:t>
+            </a:r>
+            <a:r>
+              <a:rPr lang="pt-BR" dirty="0" smtClean="0"/>
+              <a:t>()</a:t>
+            </a:r>
+            <a:endParaRPr lang="pt-BR" dirty="0"/>
+          </a:p>
+        </p:txBody>
+      </p:sp>
+      <p:sp>
+        <p:nvSpPr>
+          <p:cNvPr id="43" name="Retângulo de cantos arredondados 42"/>
+          <p:cNvSpPr/>
+          <p:nvPr/>
+        </p:nvSpPr>
+        <p:spPr>
+          <a:xfrm>
+            <a:off x="6588224" y="4869160"/>
+            <a:ext cx="648072" cy="576064"/>
+          </a:xfrm>
+          <a:prstGeom prst="roundRect">
+            <a:avLst/>
+          </a:prstGeom>
+          <a:solidFill>
+            <a:schemeClr val="accent6"/>
+          </a:solidFill>
+          <a:ln w="38100">
+            <a:solidFill>
+              <a:schemeClr val="tx1"/>
+            </a:solidFill>
+          </a:ln>
+        </p:spPr>
+        <p:style>
+          <a:lnRef idx="2">
+            <a:schemeClr val="accent1">
+              <a:shade val="50000"/>
+            </a:schemeClr>
+          </a:lnRef>
+          <a:fillRef idx="1">
+            <a:schemeClr val="accent1"/>
+          </a:fillRef>
+          <a:effectRef idx="0">
+            <a:schemeClr val="accent1"/>
+          </a:effectRef>
+          <a:fontRef idx="minor">
+            <a:schemeClr val="lt1"/>
+          </a:fontRef>
+        </p:style>
+        <p:txBody>
+          <a:bodyPr rtlCol="0" anchor="ctr"/>
+          <a:lstStyle/>
+          <a:p>
+            <a:pPr algn="ctr"/>
+            <a:r>
+              <a:rPr lang="pt-BR" dirty="0" smtClean="0"/>
+              <a:t>k()</a:t>
+            </a:r>
+            <a:endParaRPr lang="pt-BR" dirty="0"/>
+          </a:p>
+        </p:txBody>
+      </p:sp>
+      <p:sp>
+        <p:nvSpPr>
+          <p:cNvPr id="44" name="Retângulo de cantos arredondados 43"/>
+          <p:cNvSpPr/>
+          <p:nvPr/>
+        </p:nvSpPr>
+        <p:spPr>
+          <a:xfrm>
+            <a:off x="7020272" y="3429000"/>
+            <a:ext cx="648072" cy="576064"/>
+          </a:xfrm>
+          <a:prstGeom prst="roundRect">
+            <a:avLst/>
+          </a:prstGeom>
+          <a:solidFill>
+            <a:schemeClr val="accent6"/>
+          </a:solidFill>
+          <a:ln w="38100">
+            <a:solidFill>
+              <a:schemeClr val="tx1"/>
+            </a:solidFill>
+          </a:ln>
+        </p:spPr>
+        <p:style>
+          <a:lnRef idx="2">
+            <a:schemeClr val="accent1">
+              <a:shade val="50000"/>
+            </a:schemeClr>
+          </a:lnRef>
+          <a:fillRef idx="1">
+            <a:schemeClr val="accent1"/>
+          </a:fillRef>
+          <a:effectRef idx="0">
+            <a:schemeClr val="accent1"/>
+          </a:effectRef>
+          <a:fontRef idx="minor">
+            <a:schemeClr val="lt1"/>
+          </a:fontRef>
+        </p:style>
+        <p:txBody>
+          <a:bodyPr rtlCol="0" anchor="ctr"/>
+          <a:lstStyle/>
+          <a:p>
+            <a:pPr algn="ctr"/>
+            <a:r>
+              <a:rPr lang="pt-BR" dirty="0" smtClean="0"/>
+              <a:t>d()</a:t>
+            </a:r>
+            <a:endParaRPr lang="pt-BR" dirty="0"/>
+          </a:p>
+        </p:txBody>
+      </p:sp>
+      <p:sp>
+        <p:nvSpPr>
+          <p:cNvPr id="46" name="Retângulo de cantos arredondados 45"/>
+          <p:cNvSpPr/>
+          <p:nvPr/>
+        </p:nvSpPr>
+        <p:spPr>
+          <a:xfrm>
+            <a:off x="6876256" y="4149080"/>
+            <a:ext cx="648072" cy="576064"/>
+          </a:xfrm>
+          <a:prstGeom prst="roundRect">
+            <a:avLst/>
+          </a:prstGeom>
+          <a:solidFill>
+            <a:schemeClr val="accent6"/>
+          </a:solidFill>
+          <a:ln w="38100">
+            <a:solidFill>
+              <a:schemeClr val="tx1"/>
+            </a:solidFill>
+          </a:ln>
+        </p:spPr>
+        <p:style>
+          <a:lnRef idx="2">
+            <a:schemeClr val="accent1">
+              <a:shade val="50000"/>
+            </a:schemeClr>
+          </a:lnRef>
+          <a:fillRef idx="1">
+            <a:schemeClr val="accent1"/>
+          </a:fillRef>
+          <a:effectRef idx="0">
+            <a:schemeClr val="accent1"/>
+          </a:effectRef>
+          <a:fontRef idx="minor">
+            <a:schemeClr val="lt1"/>
+          </a:fontRef>
+        </p:style>
+        <p:txBody>
+          <a:bodyPr rtlCol="0" anchor="ctr"/>
+          <a:lstStyle/>
+          <a:p>
+            <a:pPr algn="ctr"/>
+            <a:r>
+              <a:rPr lang="pt-BR" dirty="0" smtClean="0"/>
+              <a:t>n()</a:t>
+            </a:r>
+            <a:endParaRPr lang="pt-BR" dirty="0"/>
+          </a:p>
+        </p:txBody>
+      </p:sp>
+      <p:sp>
+        <p:nvSpPr>
+          <p:cNvPr id="47" name="Retângulo de cantos arredondados 46"/>
+          <p:cNvSpPr/>
+          <p:nvPr/>
+        </p:nvSpPr>
+        <p:spPr>
+          <a:xfrm>
+            <a:off x="3779912" y="3429000"/>
+            <a:ext cx="648072" cy="576064"/>
+          </a:xfrm>
+          <a:prstGeom prst="roundRect">
+            <a:avLst/>
+          </a:prstGeom>
+          <a:solidFill>
+            <a:schemeClr val="accent6"/>
+          </a:solidFill>
+          <a:ln w="38100">
+            <a:solidFill>
+              <a:schemeClr val="tx1"/>
+            </a:solidFill>
+          </a:ln>
+        </p:spPr>
+        <p:style>
+          <a:lnRef idx="2">
+            <a:schemeClr val="accent1">
+              <a:shade val="50000"/>
+            </a:schemeClr>
+          </a:lnRef>
+          <a:fillRef idx="1">
+            <a:schemeClr val="accent1"/>
+          </a:fillRef>
+          <a:effectRef idx="0">
+            <a:schemeClr val="accent1"/>
+          </a:effectRef>
+          <a:fontRef idx="minor">
+            <a:schemeClr val="lt1"/>
+          </a:fontRef>
+        </p:style>
+        <p:txBody>
+          <a:bodyPr rtlCol="0" anchor="ctr"/>
+          <a:lstStyle/>
+          <a:p>
+            <a:pPr algn="ctr"/>
+            <a:r>
+              <a:rPr lang="pt-BR" dirty="0" smtClean="0"/>
+              <a:t>a()</a:t>
+            </a:r>
+            <a:endParaRPr lang="pt-BR" dirty="0"/>
+          </a:p>
+        </p:txBody>
+      </p:sp>
+      <p:sp>
+        <p:nvSpPr>
+          <p:cNvPr id="48" name="Espaço Reservado para Número de Slide 47"/>
+          <p:cNvSpPr>
+            <a:spLocks noGrp="1"/>
+          </p:cNvSpPr>
+          <p:nvPr>
+            <p:ph type="sldNum" sz="quarter" idx="12"/>
+          </p:nvPr>
+        </p:nvSpPr>
+        <p:spPr/>
+        <p:txBody>
+          <a:bodyPr/>
+          <a:lstStyle/>
+          <a:p>
+            <a:pPr>
+              <a:defRPr/>
+            </a:pPr>
+            <a:fld id="{8598C9FA-8210-457C-A780-712100C88480}" type="slidenum">
               <a:rPr lang="pt-BR" smtClean="0"/>
-              <a:t>java.lang.Runnable</a:t>
-            </a:r>
-          </a:p>
-        </p:txBody>
-      </p:sp>
-      <p:sp>
-        <p:nvSpPr>
-          <p:cNvPr id="12291" name="Espaço Reservado para Conteúdo 2"/>
-          <p:cNvSpPr>
-            <a:spLocks noGrp="1"/>
-          </p:cNvSpPr>
-          <p:nvPr>
-            <p:ph idx="1"/>
-          </p:nvPr>
-        </p:nvSpPr>
-        <p:spPr/>
-        <p:txBody>
-          <a:bodyPr/>
-          <a:lstStyle/>
-          <a:p>
-            <a:endParaRPr lang="pt-BR" smtClean="0"/>
+              <a:pPr>
+                <a:defRPr/>
+              </a:pPr>
+              <a:t>6</a:t>
+            </a:fld>
+            <a:endParaRPr lang="pt-BR"/>
           </a:p>
         </p:txBody>
       </p:sp>
@@ -8013,6 +10276,1126 @@
   <p:clrMapOvr>
     <a:masterClrMapping/>
   </p:clrMapOvr>
+  <p:timing>
+    <p:tnLst>
+      <p:par>
+        <p:cTn id="1" dur="indefinite" restart="never" nodeType="tmRoot">
+          <p:childTnLst>
+            <p:seq concurrent="1" nextAc="seek">
+              <p:cTn id="2" dur="indefinite" nodeType="mainSeq">
+                <p:childTnLst>
+                  <p:par>
+                    <p:cTn id="3" fill="hold">
+                      <p:stCondLst>
+                        <p:cond delay="indefinite"/>
+                      </p:stCondLst>
+                      <p:childTnLst>
+                        <p:par>
+                          <p:cTn id="4" fill="hold">
+                            <p:stCondLst>
+                              <p:cond delay="0"/>
+                            </p:stCondLst>
+                            <p:childTnLst>
+                              <p:par>
+                                <p:cTn id="5" presetID="2" presetClass="entr" presetSubtype="8" fill="hold" grpId="0" nodeType="clickEffect">
+                                  <p:stCondLst>
+                                    <p:cond delay="0"/>
+                                  </p:stCondLst>
+                                  <p:childTnLst>
+                                    <p:set>
+                                      <p:cBhvr>
+                                        <p:cTn id="6" dur="1" fill="hold">
+                                          <p:stCondLst>
+                                            <p:cond delay="0"/>
+                                          </p:stCondLst>
+                                        </p:cTn>
+                                        <p:tgtEl>
+                                          <p:spTgt spid="28"/>
+                                        </p:tgtEl>
+                                        <p:attrNameLst>
+                                          <p:attrName>style.visibility</p:attrName>
+                                        </p:attrNameLst>
+                                      </p:cBhvr>
+                                      <p:to>
+                                        <p:strVal val="visible"/>
+                                      </p:to>
+                                    </p:set>
+                                    <p:anim calcmode="lin" valueType="num">
+                                      <p:cBhvr additive="base">
+                                        <p:cTn id="7" dur="500" fill="hold"/>
+                                        <p:tgtEl>
+                                          <p:spTgt spid="28"/>
+                                        </p:tgtEl>
+                                        <p:attrNameLst>
+                                          <p:attrName>ppt_x</p:attrName>
+                                        </p:attrNameLst>
+                                      </p:cBhvr>
+                                      <p:tavLst>
+                                        <p:tav tm="0">
+                                          <p:val>
+                                            <p:strVal val="0-#ppt_w/2"/>
+                                          </p:val>
+                                        </p:tav>
+                                        <p:tav tm="100000">
+                                          <p:val>
+                                            <p:strVal val="#ppt_x"/>
+                                          </p:val>
+                                        </p:tav>
+                                      </p:tavLst>
+                                    </p:anim>
+                                    <p:anim calcmode="lin" valueType="num">
+                                      <p:cBhvr additive="base">
+                                        <p:cTn id="8" dur="500" fill="hold"/>
+                                        <p:tgtEl>
+                                          <p:spTgt spid="28"/>
+                                        </p:tgtEl>
+                                        <p:attrNameLst>
+                                          <p:attrName>ppt_y</p:attrName>
+                                        </p:attrNameLst>
+                                      </p:cBhvr>
+                                      <p:tavLst>
+                                        <p:tav tm="0">
+                                          <p:val>
+                                            <p:strVal val="#ppt_y"/>
+                                          </p:val>
+                                        </p:tav>
+                                        <p:tav tm="100000">
+                                          <p:val>
+                                            <p:strVal val="#ppt_y"/>
+                                          </p:val>
+                                        </p:tav>
+                                      </p:tavLst>
+                                    </p:anim>
+                                  </p:childTnLst>
+                                </p:cTn>
+                              </p:par>
+                            </p:childTnLst>
+                          </p:cTn>
+                        </p:par>
+                        <p:par>
+                          <p:cTn id="9" fill="hold">
+                            <p:stCondLst>
+                              <p:cond delay="500"/>
+                            </p:stCondLst>
+                            <p:childTnLst>
+                              <p:par>
+                                <p:cTn id="10" presetID="2" presetClass="entr" presetSubtype="8" fill="hold" grpId="0" nodeType="afterEffect">
+                                  <p:stCondLst>
+                                    <p:cond delay="0"/>
+                                  </p:stCondLst>
+                                  <p:childTnLst>
+                                    <p:set>
+                                      <p:cBhvr>
+                                        <p:cTn id="11" dur="1" fill="hold">
+                                          <p:stCondLst>
+                                            <p:cond delay="0"/>
+                                          </p:stCondLst>
+                                        </p:cTn>
+                                        <p:tgtEl>
+                                          <p:spTgt spid="40"/>
+                                        </p:tgtEl>
+                                        <p:attrNameLst>
+                                          <p:attrName>style.visibility</p:attrName>
+                                        </p:attrNameLst>
+                                      </p:cBhvr>
+                                      <p:to>
+                                        <p:strVal val="visible"/>
+                                      </p:to>
+                                    </p:set>
+                                    <p:anim calcmode="lin" valueType="num">
+                                      <p:cBhvr additive="base">
+                                        <p:cTn id="12" dur="500" fill="hold"/>
+                                        <p:tgtEl>
+                                          <p:spTgt spid="40"/>
+                                        </p:tgtEl>
+                                        <p:attrNameLst>
+                                          <p:attrName>ppt_x</p:attrName>
+                                        </p:attrNameLst>
+                                      </p:cBhvr>
+                                      <p:tavLst>
+                                        <p:tav tm="0">
+                                          <p:val>
+                                            <p:strVal val="0-#ppt_w/2"/>
+                                          </p:val>
+                                        </p:tav>
+                                        <p:tav tm="100000">
+                                          <p:val>
+                                            <p:strVal val="#ppt_x"/>
+                                          </p:val>
+                                        </p:tav>
+                                      </p:tavLst>
+                                    </p:anim>
+                                    <p:anim calcmode="lin" valueType="num">
+                                      <p:cBhvr additive="base">
+                                        <p:cTn id="13" dur="500" fill="hold"/>
+                                        <p:tgtEl>
+                                          <p:spTgt spid="40"/>
+                                        </p:tgtEl>
+                                        <p:attrNameLst>
+                                          <p:attrName>ppt_y</p:attrName>
+                                        </p:attrNameLst>
+                                      </p:cBhvr>
+                                      <p:tavLst>
+                                        <p:tav tm="0">
+                                          <p:val>
+                                            <p:strVal val="#ppt_y"/>
+                                          </p:val>
+                                        </p:tav>
+                                        <p:tav tm="100000">
+                                          <p:val>
+                                            <p:strVal val="#ppt_y"/>
+                                          </p:val>
+                                        </p:tav>
+                                      </p:tavLst>
+                                    </p:anim>
+                                  </p:childTnLst>
+                                </p:cTn>
+                              </p:par>
+                            </p:childTnLst>
+                          </p:cTn>
+                        </p:par>
+                        <p:par>
+                          <p:cTn id="14" fill="hold">
+                            <p:stCondLst>
+                              <p:cond delay="1000"/>
+                            </p:stCondLst>
+                            <p:childTnLst>
+                              <p:par>
+                                <p:cTn id="15" presetID="2" presetClass="entr" presetSubtype="8" fill="hold" grpId="0" nodeType="afterEffect">
+                                  <p:stCondLst>
+                                    <p:cond delay="0"/>
+                                  </p:stCondLst>
+                                  <p:childTnLst>
+                                    <p:set>
+                                      <p:cBhvr>
+                                        <p:cTn id="16" dur="1" fill="hold">
+                                          <p:stCondLst>
+                                            <p:cond delay="0"/>
+                                          </p:stCondLst>
+                                        </p:cTn>
+                                        <p:tgtEl>
+                                          <p:spTgt spid="47"/>
+                                        </p:tgtEl>
+                                        <p:attrNameLst>
+                                          <p:attrName>style.visibility</p:attrName>
+                                        </p:attrNameLst>
+                                      </p:cBhvr>
+                                      <p:to>
+                                        <p:strVal val="visible"/>
+                                      </p:to>
+                                    </p:set>
+                                    <p:anim calcmode="lin" valueType="num">
+                                      <p:cBhvr additive="base">
+                                        <p:cTn id="17" dur="500" fill="hold"/>
+                                        <p:tgtEl>
+                                          <p:spTgt spid="47"/>
+                                        </p:tgtEl>
+                                        <p:attrNameLst>
+                                          <p:attrName>ppt_x</p:attrName>
+                                        </p:attrNameLst>
+                                      </p:cBhvr>
+                                      <p:tavLst>
+                                        <p:tav tm="0">
+                                          <p:val>
+                                            <p:strVal val="0-#ppt_w/2"/>
+                                          </p:val>
+                                        </p:tav>
+                                        <p:tav tm="100000">
+                                          <p:val>
+                                            <p:strVal val="#ppt_x"/>
+                                          </p:val>
+                                        </p:tav>
+                                      </p:tavLst>
+                                    </p:anim>
+                                    <p:anim calcmode="lin" valueType="num">
+                                      <p:cBhvr additive="base">
+                                        <p:cTn id="18" dur="500" fill="hold"/>
+                                        <p:tgtEl>
+                                          <p:spTgt spid="47"/>
+                                        </p:tgtEl>
+                                        <p:attrNameLst>
+                                          <p:attrName>ppt_y</p:attrName>
+                                        </p:attrNameLst>
+                                      </p:cBhvr>
+                                      <p:tavLst>
+                                        <p:tav tm="0">
+                                          <p:val>
+                                            <p:strVal val="#ppt_y"/>
+                                          </p:val>
+                                        </p:tav>
+                                        <p:tav tm="100000">
+                                          <p:val>
+                                            <p:strVal val="#ppt_y"/>
+                                          </p:val>
+                                        </p:tav>
+                                      </p:tavLst>
+                                    </p:anim>
+                                  </p:childTnLst>
+                                </p:cTn>
+                              </p:par>
+                            </p:childTnLst>
+                          </p:cTn>
+                        </p:par>
+                        <p:par>
+                          <p:cTn id="19" fill="hold">
+                            <p:stCondLst>
+                              <p:cond delay="1500"/>
+                            </p:stCondLst>
+                            <p:childTnLst>
+                              <p:par>
+                                <p:cTn id="20" presetID="2" presetClass="entr" presetSubtype="8" fill="hold" grpId="0" nodeType="afterEffect">
+                                  <p:stCondLst>
+                                    <p:cond delay="0"/>
+                                  </p:stCondLst>
+                                  <p:childTnLst>
+                                    <p:set>
+                                      <p:cBhvr>
+                                        <p:cTn id="21" dur="1" fill="hold">
+                                          <p:stCondLst>
+                                            <p:cond delay="0"/>
+                                          </p:stCondLst>
+                                        </p:cTn>
+                                        <p:tgtEl>
+                                          <p:spTgt spid="42"/>
+                                        </p:tgtEl>
+                                        <p:attrNameLst>
+                                          <p:attrName>style.visibility</p:attrName>
+                                        </p:attrNameLst>
+                                      </p:cBhvr>
+                                      <p:to>
+                                        <p:strVal val="visible"/>
+                                      </p:to>
+                                    </p:set>
+                                    <p:anim calcmode="lin" valueType="num">
+                                      <p:cBhvr additive="base">
+                                        <p:cTn id="22" dur="500" fill="hold"/>
+                                        <p:tgtEl>
+                                          <p:spTgt spid="42"/>
+                                        </p:tgtEl>
+                                        <p:attrNameLst>
+                                          <p:attrName>ppt_x</p:attrName>
+                                        </p:attrNameLst>
+                                      </p:cBhvr>
+                                      <p:tavLst>
+                                        <p:tav tm="0">
+                                          <p:val>
+                                            <p:strVal val="0-#ppt_w/2"/>
+                                          </p:val>
+                                        </p:tav>
+                                        <p:tav tm="100000">
+                                          <p:val>
+                                            <p:strVal val="#ppt_x"/>
+                                          </p:val>
+                                        </p:tav>
+                                      </p:tavLst>
+                                    </p:anim>
+                                    <p:anim calcmode="lin" valueType="num">
+                                      <p:cBhvr additive="base">
+                                        <p:cTn id="23" dur="500" fill="hold"/>
+                                        <p:tgtEl>
+                                          <p:spTgt spid="42"/>
+                                        </p:tgtEl>
+                                        <p:attrNameLst>
+                                          <p:attrName>ppt_y</p:attrName>
+                                        </p:attrNameLst>
+                                      </p:cBhvr>
+                                      <p:tavLst>
+                                        <p:tav tm="0">
+                                          <p:val>
+                                            <p:strVal val="#ppt_y"/>
+                                          </p:val>
+                                        </p:tav>
+                                        <p:tav tm="100000">
+                                          <p:val>
+                                            <p:strVal val="#ppt_y"/>
+                                          </p:val>
+                                        </p:tav>
+                                      </p:tavLst>
+                                    </p:anim>
+                                  </p:childTnLst>
+                                </p:cTn>
+                              </p:par>
+                            </p:childTnLst>
+                          </p:cTn>
+                        </p:par>
+                        <p:par>
+                          <p:cTn id="24" fill="hold">
+                            <p:stCondLst>
+                              <p:cond delay="2000"/>
+                            </p:stCondLst>
+                            <p:childTnLst>
+                              <p:par>
+                                <p:cTn id="25" presetID="2" presetClass="entr" presetSubtype="8" fill="hold" grpId="0" nodeType="afterEffect">
+                                  <p:stCondLst>
+                                    <p:cond delay="0"/>
+                                  </p:stCondLst>
+                                  <p:childTnLst>
+                                    <p:set>
+                                      <p:cBhvr>
+                                        <p:cTn id="26" dur="1" fill="hold">
+                                          <p:stCondLst>
+                                            <p:cond delay="0"/>
+                                          </p:stCondLst>
+                                        </p:cTn>
+                                        <p:tgtEl>
+                                          <p:spTgt spid="33"/>
+                                        </p:tgtEl>
+                                        <p:attrNameLst>
+                                          <p:attrName>style.visibility</p:attrName>
+                                        </p:attrNameLst>
+                                      </p:cBhvr>
+                                      <p:to>
+                                        <p:strVal val="visible"/>
+                                      </p:to>
+                                    </p:set>
+                                    <p:anim calcmode="lin" valueType="num">
+                                      <p:cBhvr additive="base">
+                                        <p:cTn id="27" dur="500" fill="hold"/>
+                                        <p:tgtEl>
+                                          <p:spTgt spid="33"/>
+                                        </p:tgtEl>
+                                        <p:attrNameLst>
+                                          <p:attrName>ppt_x</p:attrName>
+                                        </p:attrNameLst>
+                                      </p:cBhvr>
+                                      <p:tavLst>
+                                        <p:tav tm="0">
+                                          <p:val>
+                                            <p:strVal val="0-#ppt_w/2"/>
+                                          </p:val>
+                                        </p:tav>
+                                        <p:tav tm="100000">
+                                          <p:val>
+                                            <p:strVal val="#ppt_x"/>
+                                          </p:val>
+                                        </p:tav>
+                                      </p:tavLst>
+                                    </p:anim>
+                                    <p:anim calcmode="lin" valueType="num">
+                                      <p:cBhvr additive="base">
+                                        <p:cTn id="28" dur="500" fill="hold"/>
+                                        <p:tgtEl>
+                                          <p:spTgt spid="33"/>
+                                        </p:tgtEl>
+                                        <p:attrNameLst>
+                                          <p:attrName>ppt_y</p:attrName>
+                                        </p:attrNameLst>
+                                      </p:cBhvr>
+                                      <p:tavLst>
+                                        <p:tav tm="0">
+                                          <p:val>
+                                            <p:strVal val="#ppt_y"/>
+                                          </p:val>
+                                        </p:tav>
+                                        <p:tav tm="100000">
+                                          <p:val>
+                                            <p:strVal val="#ppt_y"/>
+                                          </p:val>
+                                        </p:tav>
+                                      </p:tavLst>
+                                    </p:anim>
+                                  </p:childTnLst>
+                                </p:cTn>
+                              </p:par>
+                            </p:childTnLst>
+                          </p:cTn>
+                        </p:par>
+                        <p:par>
+                          <p:cTn id="29" fill="hold">
+                            <p:stCondLst>
+                              <p:cond delay="2500"/>
+                            </p:stCondLst>
+                            <p:childTnLst>
+                              <p:par>
+                                <p:cTn id="30" presetID="2" presetClass="entr" presetSubtype="8" fill="hold" grpId="0" nodeType="afterEffect">
+                                  <p:stCondLst>
+                                    <p:cond delay="0"/>
+                                  </p:stCondLst>
+                                  <p:childTnLst>
+                                    <p:set>
+                                      <p:cBhvr>
+                                        <p:cTn id="31" dur="1" fill="hold">
+                                          <p:stCondLst>
+                                            <p:cond delay="0"/>
+                                          </p:stCondLst>
+                                        </p:cTn>
+                                        <p:tgtEl>
+                                          <p:spTgt spid="41"/>
+                                        </p:tgtEl>
+                                        <p:attrNameLst>
+                                          <p:attrName>style.visibility</p:attrName>
+                                        </p:attrNameLst>
+                                      </p:cBhvr>
+                                      <p:to>
+                                        <p:strVal val="visible"/>
+                                      </p:to>
+                                    </p:set>
+                                    <p:anim calcmode="lin" valueType="num">
+                                      <p:cBhvr additive="base">
+                                        <p:cTn id="32" dur="500" fill="hold"/>
+                                        <p:tgtEl>
+                                          <p:spTgt spid="41"/>
+                                        </p:tgtEl>
+                                        <p:attrNameLst>
+                                          <p:attrName>ppt_x</p:attrName>
+                                        </p:attrNameLst>
+                                      </p:cBhvr>
+                                      <p:tavLst>
+                                        <p:tav tm="0">
+                                          <p:val>
+                                            <p:strVal val="0-#ppt_w/2"/>
+                                          </p:val>
+                                        </p:tav>
+                                        <p:tav tm="100000">
+                                          <p:val>
+                                            <p:strVal val="#ppt_x"/>
+                                          </p:val>
+                                        </p:tav>
+                                      </p:tavLst>
+                                    </p:anim>
+                                    <p:anim calcmode="lin" valueType="num">
+                                      <p:cBhvr additive="base">
+                                        <p:cTn id="33" dur="500" fill="hold"/>
+                                        <p:tgtEl>
+                                          <p:spTgt spid="41"/>
+                                        </p:tgtEl>
+                                        <p:attrNameLst>
+                                          <p:attrName>ppt_y</p:attrName>
+                                        </p:attrNameLst>
+                                      </p:cBhvr>
+                                      <p:tavLst>
+                                        <p:tav tm="0">
+                                          <p:val>
+                                            <p:strVal val="#ppt_y"/>
+                                          </p:val>
+                                        </p:tav>
+                                        <p:tav tm="100000">
+                                          <p:val>
+                                            <p:strVal val="#ppt_y"/>
+                                          </p:val>
+                                        </p:tav>
+                                      </p:tavLst>
+                                    </p:anim>
+                                  </p:childTnLst>
+                                </p:cTn>
+                              </p:par>
+                            </p:childTnLst>
+                          </p:cTn>
+                        </p:par>
+                        <p:par>
+                          <p:cTn id="34" fill="hold">
+                            <p:stCondLst>
+                              <p:cond delay="3000"/>
+                            </p:stCondLst>
+                            <p:childTnLst>
+                              <p:par>
+                                <p:cTn id="35" presetID="2" presetClass="entr" presetSubtype="8" fill="hold" grpId="0" nodeType="afterEffect">
+                                  <p:stCondLst>
+                                    <p:cond delay="0"/>
+                                  </p:stCondLst>
+                                  <p:childTnLst>
+                                    <p:set>
+                                      <p:cBhvr>
+                                        <p:cTn id="36" dur="1" fill="hold">
+                                          <p:stCondLst>
+                                            <p:cond delay="0"/>
+                                          </p:stCondLst>
+                                        </p:cTn>
+                                        <p:tgtEl>
+                                          <p:spTgt spid="34"/>
+                                        </p:tgtEl>
+                                        <p:attrNameLst>
+                                          <p:attrName>style.visibility</p:attrName>
+                                        </p:attrNameLst>
+                                      </p:cBhvr>
+                                      <p:to>
+                                        <p:strVal val="visible"/>
+                                      </p:to>
+                                    </p:set>
+                                    <p:anim calcmode="lin" valueType="num">
+                                      <p:cBhvr additive="base">
+                                        <p:cTn id="37" dur="500" fill="hold"/>
+                                        <p:tgtEl>
+                                          <p:spTgt spid="34"/>
+                                        </p:tgtEl>
+                                        <p:attrNameLst>
+                                          <p:attrName>ppt_x</p:attrName>
+                                        </p:attrNameLst>
+                                      </p:cBhvr>
+                                      <p:tavLst>
+                                        <p:tav tm="0">
+                                          <p:val>
+                                            <p:strVal val="0-#ppt_w/2"/>
+                                          </p:val>
+                                        </p:tav>
+                                        <p:tav tm="100000">
+                                          <p:val>
+                                            <p:strVal val="#ppt_x"/>
+                                          </p:val>
+                                        </p:tav>
+                                      </p:tavLst>
+                                    </p:anim>
+                                    <p:anim calcmode="lin" valueType="num">
+                                      <p:cBhvr additive="base">
+                                        <p:cTn id="38" dur="500" fill="hold"/>
+                                        <p:tgtEl>
+                                          <p:spTgt spid="34"/>
+                                        </p:tgtEl>
+                                        <p:attrNameLst>
+                                          <p:attrName>ppt_y</p:attrName>
+                                        </p:attrNameLst>
+                                      </p:cBhvr>
+                                      <p:tavLst>
+                                        <p:tav tm="0">
+                                          <p:val>
+                                            <p:strVal val="#ppt_y"/>
+                                          </p:val>
+                                        </p:tav>
+                                        <p:tav tm="100000">
+                                          <p:val>
+                                            <p:strVal val="#ppt_y"/>
+                                          </p:val>
+                                        </p:tav>
+                                      </p:tavLst>
+                                    </p:anim>
+                                  </p:childTnLst>
+                                </p:cTn>
+                              </p:par>
+                            </p:childTnLst>
+                          </p:cTn>
+                        </p:par>
+                        <p:par>
+                          <p:cTn id="39" fill="hold">
+                            <p:stCondLst>
+                              <p:cond delay="3500"/>
+                            </p:stCondLst>
+                            <p:childTnLst>
+                              <p:par>
+                                <p:cTn id="40" presetID="2" presetClass="entr" presetSubtype="8" fill="hold" grpId="0" nodeType="afterEffect">
+                                  <p:stCondLst>
+                                    <p:cond delay="0"/>
+                                  </p:stCondLst>
+                                  <p:childTnLst>
+                                    <p:set>
+                                      <p:cBhvr>
+                                        <p:cTn id="41" dur="1" fill="hold">
+                                          <p:stCondLst>
+                                            <p:cond delay="0"/>
+                                          </p:stCondLst>
+                                        </p:cTn>
+                                        <p:tgtEl>
+                                          <p:spTgt spid="37"/>
+                                        </p:tgtEl>
+                                        <p:attrNameLst>
+                                          <p:attrName>style.visibility</p:attrName>
+                                        </p:attrNameLst>
+                                      </p:cBhvr>
+                                      <p:to>
+                                        <p:strVal val="visible"/>
+                                      </p:to>
+                                    </p:set>
+                                    <p:anim calcmode="lin" valueType="num">
+                                      <p:cBhvr additive="base">
+                                        <p:cTn id="42" dur="500" fill="hold"/>
+                                        <p:tgtEl>
+                                          <p:spTgt spid="37"/>
+                                        </p:tgtEl>
+                                        <p:attrNameLst>
+                                          <p:attrName>ppt_x</p:attrName>
+                                        </p:attrNameLst>
+                                      </p:cBhvr>
+                                      <p:tavLst>
+                                        <p:tav tm="0">
+                                          <p:val>
+                                            <p:strVal val="0-#ppt_w/2"/>
+                                          </p:val>
+                                        </p:tav>
+                                        <p:tav tm="100000">
+                                          <p:val>
+                                            <p:strVal val="#ppt_x"/>
+                                          </p:val>
+                                        </p:tav>
+                                      </p:tavLst>
+                                    </p:anim>
+                                    <p:anim calcmode="lin" valueType="num">
+                                      <p:cBhvr additive="base">
+                                        <p:cTn id="43" dur="500" fill="hold"/>
+                                        <p:tgtEl>
+                                          <p:spTgt spid="37"/>
+                                        </p:tgtEl>
+                                        <p:attrNameLst>
+                                          <p:attrName>ppt_y</p:attrName>
+                                        </p:attrNameLst>
+                                      </p:cBhvr>
+                                      <p:tavLst>
+                                        <p:tav tm="0">
+                                          <p:val>
+                                            <p:strVal val="#ppt_y"/>
+                                          </p:val>
+                                        </p:tav>
+                                        <p:tav tm="100000">
+                                          <p:val>
+                                            <p:strVal val="#ppt_y"/>
+                                          </p:val>
+                                        </p:tav>
+                                      </p:tavLst>
+                                    </p:anim>
+                                  </p:childTnLst>
+                                </p:cTn>
+                              </p:par>
+                            </p:childTnLst>
+                          </p:cTn>
+                        </p:par>
+                        <p:par>
+                          <p:cTn id="44" fill="hold">
+                            <p:stCondLst>
+                              <p:cond delay="4000"/>
+                            </p:stCondLst>
+                            <p:childTnLst>
+                              <p:par>
+                                <p:cTn id="45" presetID="2" presetClass="entr" presetSubtype="8" fill="hold" grpId="0" nodeType="afterEffect">
+                                  <p:stCondLst>
+                                    <p:cond delay="0"/>
+                                  </p:stCondLst>
+                                  <p:childTnLst>
+                                    <p:set>
+                                      <p:cBhvr>
+                                        <p:cTn id="46" dur="1" fill="hold">
+                                          <p:stCondLst>
+                                            <p:cond delay="0"/>
+                                          </p:stCondLst>
+                                        </p:cTn>
+                                        <p:tgtEl>
+                                          <p:spTgt spid="35"/>
+                                        </p:tgtEl>
+                                        <p:attrNameLst>
+                                          <p:attrName>style.visibility</p:attrName>
+                                        </p:attrNameLst>
+                                      </p:cBhvr>
+                                      <p:to>
+                                        <p:strVal val="visible"/>
+                                      </p:to>
+                                    </p:set>
+                                    <p:anim calcmode="lin" valueType="num">
+                                      <p:cBhvr additive="base">
+                                        <p:cTn id="47" dur="500" fill="hold"/>
+                                        <p:tgtEl>
+                                          <p:spTgt spid="35"/>
+                                        </p:tgtEl>
+                                        <p:attrNameLst>
+                                          <p:attrName>ppt_x</p:attrName>
+                                        </p:attrNameLst>
+                                      </p:cBhvr>
+                                      <p:tavLst>
+                                        <p:tav tm="0">
+                                          <p:val>
+                                            <p:strVal val="0-#ppt_w/2"/>
+                                          </p:val>
+                                        </p:tav>
+                                        <p:tav tm="100000">
+                                          <p:val>
+                                            <p:strVal val="#ppt_x"/>
+                                          </p:val>
+                                        </p:tav>
+                                      </p:tavLst>
+                                    </p:anim>
+                                    <p:anim calcmode="lin" valueType="num">
+                                      <p:cBhvr additive="base">
+                                        <p:cTn id="48" dur="500" fill="hold"/>
+                                        <p:tgtEl>
+                                          <p:spTgt spid="35"/>
+                                        </p:tgtEl>
+                                        <p:attrNameLst>
+                                          <p:attrName>ppt_y</p:attrName>
+                                        </p:attrNameLst>
+                                      </p:cBhvr>
+                                      <p:tavLst>
+                                        <p:tav tm="0">
+                                          <p:val>
+                                            <p:strVal val="#ppt_y"/>
+                                          </p:val>
+                                        </p:tav>
+                                        <p:tav tm="100000">
+                                          <p:val>
+                                            <p:strVal val="#ppt_y"/>
+                                          </p:val>
+                                        </p:tav>
+                                      </p:tavLst>
+                                    </p:anim>
+                                  </p:childTnLst>
+                                </p:cTn>
+                              </p:par>
+                            </p:childTnLst>
+                          </p:cTn>
+                        </p:par>
+                        <p:par>
+                          <p:cTn id="49" fill="hold">
+                            <p:stCondLst>
+                              <p:cond delay="4500"/>
+                            </p:stCondLst>
+                            <p:childTnLst>
+                              <p:par>
+                                <p:cTn id="50" presetID="2" presetClass="entr" presetSubtype="8" fill="hold" grpId="0" nodeType="afterEffect">
+                                  <p:stCondLst>
+                                    <p:cond delay="0"/>
+                                  </p:stCondLst>
+                                  <p:childTnLst>
+                                    <p:set>
+                                      <p:cBhvr>
+                                        <p:cTn id="51" dur="1" fill="hold">
+                                          <p:stCondLst>
+                                            <p:cond delay="0"/>
+                                          </p:stCondLst>
+                                        </p:cTn>
+                                        <p:tgtEl>
+                                          <p:spTgt spid="38"/>
+                                        </p:tgtEl>
+                                        <p:attrNameLst>
+                                          <p:attrName>style.visibility</p:attrName>
+                                        </p:attrNameLst>
+                                      </p:cBhvr>
+                                      <p:to>
+                                        <p:strVal val="visible"/>
+                                      </p:to>
+                                    </p:set>
+                                    <p:anim calcmode="lin" valueType="num">
+                                      <p:cBhvr additive="base">
+                                        <p:cTn id="52" dur="500" fill="hold"/>
+                                        <p:tgtEl>
+                                          <p:spTgt spid="38"/>
+                                        </p:tgtEl>
+                                        <p:attrNameLst>
+                                          <p:attrName>ppt_x</p:attrName>
+                                        </p:attrNameLst>
+                                      </p:cBhvr>
+                                      <p:tavLst>
+                                        <p:tav tm="0">
+                                          <p:val>
+                                            <p:strVal val="0-#ppt_w/2"/>
+                                          </p:val>
+                                        </p:tav>
+                                        <p:tav tm="100000">
+                                          <p:val>
+                                            <p:strVal val="#ppt_x"/>
+                                          </p:val>
+                                        </p:tav>
+                                      </p:tavLst>
+                                    </p:anim>
+                                    <p:anim calcmode="lin" valueType="num">
+                                      <p:cBhvr additive="base">
+                                        <p:cTn id="53" dur="500" fill="hold"/>
+                                        <p:tgtEl>
+                                          <p:spTgt spid="38"/>
+                                        </p:tgtEl>
+                                        <p:attrNameLst>
+                                          <p:attrName>ppt_y</p:attrName>
+                                        </p:attrNameLst>
+                                      </p:cBhvr>
+                                      <p:tavLst>
+                                        <p:tav tm="0">
+                                          <p:val>
+                                            <p:strVal val="#ppt_y"/>
+                                          </p:val>
+                                        </p:tav>
+                                        <p:tav tm="100000">
+                                          <p:val>
+                                            <p:strVal val="#ppt_y"/>
+                                          </p:val>
+                                        </p:tav>
+                                      </p:tavLst>
+                                    </p:anim>
+                                  </p:childTnLst>
+                                </p:cTn>
+                              </p:par>
+                            </p:childTnLst>
+                          </p:cTn>
+                        </p:par>
+                        <p:par>
+                          <p:cTn id="54" fill="hold">
+                            <p:stCondLst>
+                              <p:cond delay="5000"/>
+                            </p:stCondLst>
+                            <p:childTnLst>
+                              <p:par>
+                                <p:cTn id="55" presetID="2" presetClass="entr" presetSubtype="8" fill="hold" grpId="0" nodeType="afterEffect">
+                                  <p:stCondLst>
+                                    <p:cond delay="0"/>
+                                  </p:stCondLst>
+                                  <p:childTnLst>
+                                    <p:set>
+                                      <p:cBhvr>
+                                        <p:cTn id="56" dur="1" fill="hold">
+                                          <p:stCondLst>
+                                            <p:cond delay="0"/>
+                                          </p:stCondLst>
+                                        </p:cTn>
+                                        <p:tgtEl>
+                                          <p:spTgt spid="43"/>
+                                        </p:tgtEl>
+                                        <p:attrNameLst>
+                                          <p:attrName>style.visibility</p:attrName>
+                                        </p:attrNameLst>
+                                      </p:cBhvr>
+                                      <p:to>
+                                        <p:strVal val="visible"/>
+                                      </p:to>
+                                    </p:set>
+                                    <p:anim calcmode="lin" valueType="num">
+                                      <p:cBhvr additive="base">
+                                        <p:cTn id="57" dur="500" fill="hold"/>
+                                        <p:tgtEl>
+                                          <p:spTgt spid="43"/>
+                                        </p:tgtEl>
+                                        <p:attrNameLst>
+                                          <p:attrName>ppt_x</p:attrName>
+                                        </p:attrNameLst>
+                                      </p:cBhvr>
+                                      <p:tavLst>
+                                        <p:tav tm="0">
+                                          <p:val>
+                                            <p:strVal val="0-#ppt_w/2"/>
+                                          </p:val>
+                                        </p:tav>
+                                        <p:tav tm="100000">
+                                          <p:val>
+                                            <p:strVal val="#ppt_x"/>
+                                          </p:val>
+                                        </p:tav>
+                                      </p:tavLst>
+                                    </p:anim>
+                                    <p:anim calcmode="lin" valueType="num">
+                                      <p:cBhvr additive="base">
+                                        <p:cTn id="58" dur="500" fill="hold"/>
+                                        <p:tgtEl>
+                                          <p:spTgt spid="43"/>
+                                        </p:tgtEl>
+                                        <p:attrNameLst>
+                                          <p:attrName>ppt_y</p:attrName>
+                                        </p:attrNameLst>
+                                      </p:cBhvr>
+                                      <p:tavLst>
+                                        <p:tav tm="0">
+                                          <p:val>
+                                            <p:strVal val="#ppt_y"/>
+                                          </p:val>
+                                        </p:tav>
+                                        <p:tav tm="100000">
+                                          <p:val>
+                                            <p:strVal val="#ppt_y"/>
+                                          </p:val>
+                                        </p:tav>
+                                      </p:tavLst>
+                                    </p:anim>
+                                  </p:childTnLst>
+                                </p:cTn>
+                              </p:par>
+                            </p:childTnLst>
+                          </p:cTn>
+                        </p:par>
+                        <p:par>
+                          <p:cTn id="59" fill="hold">
+                            <p:stCondLst>
+                              <p:cond delay="5500"/>
+                            </p:stCondLst>
+                            <p:childTnLst>
+                              <p:par>
+                                <p:cTn id="60" presetID="2" presetClass="entr" presetSubtype="8" fill="hold" grpId="0" nodeType="afterEffect">
+                                  <p:stCondLst>
+                                    <p:cond delay="0"/>
+                                  </p:stCondLst>
+                                  <p:childTnLst>
+                                    <p:set>
+                                      <p:cBhvr>
+                                        <p:cTn id="61" dur="1" fill="hold">
+                                          <p:stCondLst>
+                                            <p:cond delay="0"/>
+                                          </p:stCondLst>
+                                        </p:cTn>
+                                        <p:tgtEl>
+                                          <p:spTgt spid="44"/>
+                                        </p:tgtEl>
+                                        <p:attrNameLst>
+                                          <p:attrName>style.visibility</p:attrName>
+                                        </p:attrNameLst>
+                                      </p:cBhvr>
+                                      <p:to>
+                                        <p:strVal val="visible"/>
+                                      </p:to>
+                                    </p:set>
+                                    <p:anim calcmode="lin" valueType="num">
+                                      <p:cBhvr additive="base">
+                                        <p:cTn id="62" dur="500" fill="hold"/>
+                                        <p:tgtEl>
+                                          <p:spTgt spid="44"/>
+                                        </p:tgtEl>
+                                        <p:attrNameLst>
+                                          <p:attrName>ppt_x</p:attrName>
+                                        </p:attrNameLst>
+                                      </p:cBhvr>
+                                      <p:tavLst>
+                                        <p:tav tm="0">
+                                          <p:val>
+                                            <p:strVal val="0-#ppt_w/2"/>
+                                          </p:val>
+                                        </p:tav>
+                                        <p:tav tm="100000">
+                                          <p:val>
+                                            <p:strVal val="#ppt_x"/>
+                                          </p:val>
+                                        </p:tav>
+                                      </p:tavLst>
+                                    </p:anim>
+                                    <p:anim calcmode="lin" valueType="num">
+                                      <p:cBhvr additive="base">
+                                        <p:cTn id="63" dur="500" fill="hold"/>
+                                        <p:tgtEl>
+                                          <p:spTgt spid="44"/>
+                                        </p:tgtEl>
+                                        <p:attrNameLst>
+                                          <p:attrName>ppt_y</p:attrName>
+                                        </p:attrNameLst>
+                                      </p:cBhvr>
+                                      <p:tavLst>
+                                        <p:tav tm="0">
+                                          <p:val>
+                                            <p:strVal val="#ppt_y"/>
+                                          </p:val>
+                                        </p:tav>
+                                        <p:tav tm="100000">
+                                          <p:val>
+                                            <p:strVal val="#ppt_y"/>
+                                          </p:val>
+                                        </p:tav>
+                                      </p:tavLst>
+                                    </p:anim>
+                                  </p:childTnLst>
+                                </p:cTn>
+                              </p:par>
+                            </p:childTnLst>
+                          </p:cTn>
+                        </p:par>
+                        <p:par>
+                          <p:cTn id="64" fill="hold">
+                            <p:stCondLst>
+                              <p:cond delay="6000"/>
+                            </p:stCondLst>
+                            <p:childTnLst>
+                              <p:par>
+                                <p:cTn id="65" presetID="2" presetClass="entr" presetSubtype="8" fill="hold" grpId="0" nodeType="afterEffect">
+                                  <p:stCondLst>
+                                    <p:cond delay="0"/>
+                                  </p:stCondLst>
+                                  <p:childTnLst>
+                                    <p:set>
+                                      <p:cBhvr>
+                                        <p:cTn id="66" dur="1" fill="hold">
+                                          <p:stCondLst>
+                                            <p:cond delay="0"/>
+                                          </p:stCondLst>
+                                        </p:cTn>
+                                        <p:tgtEl>
+                                          <p:spTgt spid="46"/>
+                                        </p:tgtEl>
+                                        <p:attrNameLst>
+                                          <p:attrName>style.visibility</p:attrName>
+                                        </p:attrNameLst>
+                                      </p:cBhvr>
+                                      <p:to>
+                                        <p:strVal val="visible"/>
+                                      </p:to>
+                                    </p:set>
+                                    <p:anim calcmode="lin" valueType="num">
+                                      <p:cBhvr additive="base">
+                                        <p:cTn id="67" dur="500" fill="hold"/>
+                                        <p:tgtEl>
+                                          <p:spTgt spid="46"/>
+                                        </p:tgtEl>
+                                        <p:attrNameLst>
+                                          <p:attrName>ppt_x</p:attrName>
+                                        </p:attrNameLst>
+                                      </p:cBhvr>
+                                      <p:tavLst>
+                                        <p:tav tm="0">
+                                          <p:val>
+                                            <p:strVal val="0-#ppt_w/2"/>
+                                          </p:val>
+                                        </p:tav>
+                                        <p:tav tm="100000">
+                                          <p:val>
+                                            <p:strVal val="#ppt_x"/>
+                                          </p:val>
+                                        </p:tav>
+                                      </p:tavLst>
+                                    </p:anim>
+                                    <p:anim calcmode="lin" valueType="num">
+                                      <p:cBhvr additive="base">
+                                        <p:cTn id="68" dur="500" fill="hold"/>
+                                        <p:tgtEl>
+                                          <p:spTgt spid="46"/>
+                                        </p:tgtEl>
+                                        <p:attrNameLst>
+                                          <p:attrName>ppt_y</p:attrName>
+                                        </p:attrNameLst>
+                                      </p:cBhvr>
+                                      <p:tavLst>
+                                        <p:tav tm="0">
+                                          <p:val>
+                                            <p:strVal val="#ppt_y"/>
+                                          </p:val>
+                                        </p:tav>
+                                        <p:tav tm="100000">
+                                          <p:val>
+                                            <p:strVal val="#ppt_y"/>
+                                          </p:val>
+                                        </p:tav>
+                                      </p:tavLst>
+                                    </p:anim>
+                                  </p:childTnLst>
+                                </p:cTn>
+                              </p:par>
+                            </p:childTnLst>
+                          </p:cTn>
+                        </p:par>
+                      </p:childTnLst>
+                    </p:cTn>
+                  </p:par>
+                </p:childTnLst>
+              </p:cTn>
+              <p:prevCondLst>
+                <p:cond evt="onPrev" delay="0">
+                  <p:tgtEl>
+                    <p:sldTgt/>
+                  </p:tgtEl>
+                </p:cond>
+              </p:prevCondLst>
+              <p:nextCondLst>
+                <p:cond evt="onNext" delay="0">
+                  <p:tgtEl>
+                    <p:sldTgt/>
+                  </p:tgtEl>
+                </p:cond>
+              </p:nextCondLst>
+            </p:seq>
+          </p:childTnLst>
+        </p:cTn>
+      </p:par>
+    </p:tnLst>
+    <p:bldLst>
+      <p:bldP spid="28" grpId="0" animBg="1"/>
+      <p:bldP spid="33" grpId="0" animBg="1"/>
+      <p:bldP spid="34" grpId="0" animBg="1"/>
+      <p:bldP spid="35" grpId="0" animBg="1"/>
+      <p:bldP spid="37" grpId="0" animBg="1"/>
+      <p:bldP spid="38" grpId="0" animBg="1"/>
+      <p:bldP spid="40" grpId="0" animBg="1"/>
+      <p:bldP spid="41" grpId="0" animBg="1"/>
+      <p:bldP spid="42" grpId="0" animBg="1"/>
+      <p:bldP spid="43" grpId="0" animBg="1"/>
+      <p:bldP spid="44" grpId="0" animBg="1"/>
+      <p:bldP spid="46" grpId="0" animBg="1"/>
+      <p:bldP spid="47" grpId="0" animBg="1"/>
+    </p:bldLst>
+  </p:timing>
 </p:sld>
 </file>
 
@@ -8035,7 +11418,7 @@
       </p:grpSpPr>
       <p:sp>
         <p:nvSpPr>
-          <p:cNvPr id="13314" name="Título 1"/>
+          <p:cNvPr id="10242" name="Título 1"/>
           <p:cNvSpPr>
             <a:spLocks noGrp="1"/>
           </p:cNvSpPr>
@@ -8043,35 +11426,204 @@
             <p:ph type="title"/>
           </p:nvPr>
         </p:nvSpPr>
+        <p:spPr>
+          <a:xfrm>
+            <a:off x="457200" y="274638"/>
+            <a:ext cx="7643192" cy="1143000"/>
+          </a:xfrm>
+        </p:spPr>
+        <p:txBody>
+          <a:bodyPr/>
+          <a:lstStyle/>
+          <a:p>
+            <a:pPr eaLnBrk="1" hangingPunct="1"/>
+            <a:r>
+              <a:rPr lang="pt-BR" dirty="0" smtClean="0"/>
+              <a:t>Criando e executando threads</a:t>
+            </a:r>
+          </a:p>
+        </p:txBody>
+      </p:sp>
+      <p:sp>
+        <p:nvSpPr>
+          <p:cNvPr id="10243" name="Espaço Reservado para Conteúdo 2"/>
+          <p:cNvSpPr>
+            <a:spLocks noGrp="1"/>
+          </p:cNvSpPr>
+          <p:nvPr>
+            <p:ph idx="1"/>
+          </p:nvPr>
+        </p:nvSpPr>
         <p:spPr/>
         <p:txBody>
           <a:bodyPr/>
           <a:lstStyle/>
           <a:p>
-            <a:pPr eaLnBrk="1" hangingPunct="1"/>
-            <a:r>
+            <a:pPr>
+              <a:spcBef>
+                <a:spcPts val="3000"/>
+              </a:spcBef>
+            </a:pPr>
+            <a:r>
+              <a:rPr lang="pt-BR" sz="2400" u="sng" dirty="0" smtClean="0"/>
+              <a:t>Forma 1</a:t>
+            </a:r>
+          </a:p>
+          <a:p>
+            <a:pPr marL="442913" indent="0">
+              <a:spcBef>
+                <a:spcPts val="3000"/>
+              </a:spcBef>
+              <a:buNone/>
+            </a:pPr>
+            <a:r>
+              <a:rPr lang="pt-BR" sz="2400" dirty="0" smtClean="0"/>
+              <a:t>Uma </a:t>
+            </a:r>
+            <a:r>
+              <a:rPr lang="pt-BR" sz="2400" dirty="0" smtClean="0"/>
+              <a:t>das formas mais simples de criar e executar uma nova thread é através da classe </a:t>
+            </a:r>
+            <a:r>
+              <a:rPr lang="pt-BR" sz="2400" b="1" i="1" dirty="0" err="1" smtClean="0">
+                <a:solidFill>
+                  <a:srgbClr val="FFC000"/>
+                </a:solidFill>
+              </a:rPr>
+              <a:t>java</a:t>
+            </a:r>
+            <a:r>
+              <a:rPr lang="pt-BR" sz="2400" b="1" i="1" dirty="0" smtClean="0">
+                <a:solidFill>
+                  <a:srgbClr val="FFC000"/>
+                </a:solidFill>
+              </a:rPr>
+              <a:t>.</a:t>
+            </a:r>
+            <a:r>
+              <a:rPr lang="pt-BR" sz="2400" b="1" i="1" dirty="0" err="1" smtClean="0">
+                <a:solidFill>
+                  <a:srgbClr val="FFC000"/>
+                </a:solidFill>
+              </a:rPr>
+              <a:t>lang</a:t>
+            </a:r>
+            <a:r>
+              <a:rPr lang="pt-BR" sz="2400" b="1" i="1" dirty="0" smtClean="0">
+                <a:solidFill>
+                  <a:srgbClr val="FFC000"/>
+                </a:solidFill>
+              </a:rPr>
+              <a:t>.Thread</a:t>
+            </a:r>
+            <a:r>
+              <a:rPr lang="pt-BR" sz="2400" dirty="0" smtClean="0"/>
+              <a:t>:</a:t>
+            </a:r>
+          </a:p>
+          <a:p>
+            <a:pPr marL="854075" lvl="1" indent="-514350">
+              <a:spcBef>
+                <a:spcPts val="3000"/>
+              </a:spcBef>
+              <a:buFont typeface="+mj-lt"/>
+              <a:buAutoNum type="arabicPeriod"/>
+            </a:pPr>
+            <a:r>
+              <a:rPr lang="pt-BR" sz="2000" dirty="0" smtClean="0"/>
+              <a:t>Crie uma nova classe derivada (filha) da classe </a:t>
+            </a:r>
+            <a:r>
+              <a:rPr lang="pt-BR" sz="2000" b="1" i="1" dirty="0" err="1" smtClean="0"/>
+              <a:t>java</a:t>
+            </a:r>
+            <a:r>
+              <a:rPr lang="pt-BR" sz="2000" b="1" i="1" dirty="0" smtClean="0"/>
+              <a:t>.</a:t>
+            </a:r>
+            <a:r>
+              <a:rPr lang="pt-BR" sz="2000" b="1" i="1" dirty="0" err="1" smtClean="0"/>
+              <a:t>lang</a:t>
+            </a:r>
+            <a:r>
+              <a:rPr lang="pt-BR" sz="2000" b="1" i="1" dirty="0" smtClean="0"/>
+              <a:t>.Thread</a:t>
+            </a:r>
+            <a:r>
+              <a:rPr lang="pt-BR" sz="2000" dirty="0" smtClean="0"/>
+              <a:t> e sobrescreva o método </a:t>
+            </a:r>
+            <a:r>
+              <a:rPr lang="pt-BR" sz="2000" b="1" i="1" dirty="0" err="1" smtClean="0">
+                <a:solidFill>
+                  <a:srgbClr val="FFC000"/>
+                </a:solidFill>
+              </a:rPr>
+              <a:t>run</a:t>
+            </a:r>
+            <a:r>
+              <a:rPr lang="pt-BR" sz="2000" b="1" i="1" dirty="0" smtClean="0">
+                <a:solidFill>
+                  <a:srgbClr val="FFC000"/>
+                </a:solidFill>
+              </a:rPr>
+              <a:t>()</a:t>
+            </a:r>
+            <a:r>
+              <a:rPr lang="pt-BR" sz="2000" dirty="0" smtClean="0"/>
+              <a:t> inserindo as instruções a serem executadas pela nova thread</a:t>
+            </a:r>
+            <a:endParaRPr lang="pt-BR" sz="2000" b="1" i="1" dirty="0" smtClean="0"/>
+          </a:p>
+          <a:p>
+            <a:pPr marL="854075" lvl="1" indent="-514350">
+              <a:spcBef>
+                <a:spcPts val="3000"/>
+              </a:spcBef>
+              <a:buFont typeface="+mj-lt"/>
+              <a:buAutoNum type="arabicPeriod"/>
+            </a:pPr>
+            <a:r>
+              <a:rPr lang="pt-BR" sz="2000" dirty="0" smtClean="0"/>
+              <a:t>A partir de sua aplicação principal crie uma instância desta classe thread e execute o seu método </a:t>
+            </a:r>
+            <a:r>
+              <a:rPr lang="pt-BR" sz="2000" b="1" i="1" dirty="0" smtClean="0">
+                <a:solidFill>
+                  <a:srgbClr val="FFC000"/>
+                </a:solidFill>
+              </a:rPr>
+              <a:t>start()</a:t>
+            </a:r>
+          </a:p>
+        </p:txBody>
+      </p:sp>
+      <p:sp>
+        <p:nvSpPr>
+          <p:cNvPr id="4" name="Espaço Reservado para Número de Slide 3"/>
+          <p:cNvSpPr>
+            <a:spLocks noGrp="1"/>
+          </p:cNvSpPr>
+          <p:nvPr>
+            <p:ph type="sldNum" sz="quarter" idx="12"/>
+          </p:nvPr>
+        </p:nvSpPr>
+        <p:spPr/>
+        <p:txBody>
+          <a:bodyPr/>
+          <a:lstStyle/>
+          <a:p>
+            <a:pPr>
+              <a:defRPr/>
+            </a:pPr>
+            <a:fld id="{A3E49AD4-F76A-4E25-A0A5-9CD64D5A0A0D}" type="slidenum">
               <a:rPr lang="pt-BR" smtClean="0"/>
-              <a:t>Construtores</a:t>
-            </a:r>
-          </a:p>
-        </p:txBody>
-      </p:sp>
-      <p:sp>
-        <p:nvSpPr>
-          <p:cNvPr id="13315" name="Espaço Reservado para Conteúdo 2"/>
-          <p:cNvSpPr>
-            <a:spLocks noGrp="1"/>
-          </p:cNvSpPr>
-          <p:nvPr>
-            <p:ph idx="1"/>
-          </p:nvPr>
-        </p:nvSpPr>
-        <p:spPr/>
-        <p:txBody>
-          <a:bodyPr/>
-          <a:lstStyle/>
-          <a:p>
-            <a:endParaRPr lang="pt-BR" smtClean="0"/>
+              <a:pPr>
+                <a:defRPr/>
+              </a:pPr>
+              <a:t>7</a:t>
+            </a:fld>
+            <a:endParaRPr lang="pt-BR"/>
           </a:p>
         </p:txBody>
       </p:sp>
@@ -8080,6 +11632,13 @@
   <p:clrMapOvr>
     <a:masterClrMapping/>
   </p:clrMapOvr>
+  <p:timing>
+    <p:tnLst>
+      <p:par>
+        <p:cTn id="1" dur="indefinite" restart="never" nodeType="tmRoot"/>
+      </p:par>
+    </p:tnLst>
+  </p:timing>
 </p:sld>
 </file>
 
@@ -8102,7 +11661,7 @@
       </p:grpSpPr>
       <p:sp>
         <p:nvSpPr>
-          <p:cNvPr id="14338" name="Título 1"/>
+          <p:cNvPr id="10242" name="Título 1"/>
           <p:cNvSpPr>
             <a:spLocks noGrp="1"/>
           </p:cNvSpPr>
@@ -8110,35 +11669,545 @@
             <p:ph type="title"/>
           </p:nvPr>
         </p:nvSpPr>
+        <p:spPr>
+          <a:xfrm>
+            <a:off x="457200" y="274638"/>
+            <a:ext cx="7643192" cy="1143000"/>
+          </a:xfrm>
+        </p:spPr>
+        <p:txBody>
+          <a:bodyPr/>
+          <a:lstStyle/>
+          <a:p>
+            <a:pPr eaLnBrk="1" hangingPunct="1"/>
+            <a:r>
+              <a:rPr lang="pt-BR" dirty="0" smtClean="0"/>
+              <a:t>Criando e executando threads</a:t>
+            </a:r>
+          </a:p>
+        </p:txBody>
+      </p:sp>
+      <p:sp>
+        <p:nvSpPr>
+          <p:cNvPr id="10243" name="Espaço Reservado para Conteúdo 2"/>
+          <p:cNvSpPr>
+            <a:spLocks noGrp="1"/>
+          </p:cNvSpPr>
+          <p:nvPr>
+            <p:ph idx="1"/>
+          </p:nvPr>
+        </p:nvSpPr>
+        <p:spPr>
+          <a:xfrm>
+            <a:off x="467544" y="1600200"/>
+            <a:ext cx="6624736" cy="4525963"/>
+          </a:xfrm>
+        </p:spPr>
+        <p:txBody>
+          <a:bodyPr/>
+          <a:lstStyle/>
+          <a:p>
+            <a:pPr>
+              <a:spcBef>
+                <a:spcPts val="3000"/>
+              </a:spcBef>
+              <a:tabLst>
+                <a:tab pos="539750" algn="l"/>
+                <a:tab pos="984250" algn="l"/>
+              </a:tabLst>
+            </a:pPr>
+            <a:r>
+              <a:rPr lang="pt-BR" sz="2400" u="sng" dirty="0" smtClean="0"/>
+              <a:t>Forma 1</a:t>
+            </a:r>
+          </a:p>
+          <a:p>
+            <a:pPr marL="0" indent="0">
+              <a:spcBef>
+                <a:spcPts val="0"/>
+              </a:spcBef>
+              <a:buNone/>
+              <a:tabLst>
+                <a:tab pos="539750" algn="l"/>
+                <a:tab pos="984250" algn="l"/>
+              </a:tabLst>
+            </a:pPr>
+            <a:endParaRPr lang="pt-BR" sz="2000" dirty="0" smtClean="0"/>
+          </a:p>
+          <a:p>
+            <a:pPr marL="900113" indent="0">
+              <a:lnSpc>
+                <a:spcPct val="90000"/>
+              </a:lnSpc>
+              <a:spcBef>
+                <a:spcPts val="0"/>
+              </a:spcBef>
+              <a:buNone/>
+              <a:tabLst>
+                <a:tab pos="1344613" algn="l"/>
+                <a:tab pos="1787525" algn="l"/>
+              </a:tabLst>
+            </a:pPr>
+            <a:r>
+              <a:rPr lang="pt-BR" sz="2000" dirty="0" err="1" smtClean="0"/>
+              <a:t>public</a:t>
+            </a:r>
+            <a:r>
+              <a:rPr lang="pt-BR" sz="2000" dirty="0" smtClean="0"/>
+              <a:t> </a:t>
+            </a:r>
+            <a:r>
+              <a:rPr lang="pt-BR" sz="2000" dirty="0" err="1" smtClean="0"/>
+              <a:t>class</a:t>
+            </a:r>
+            <a:r>
+              <a:rPr lang="pt-BR" sz="2000" dirty="0" smtClean="0"/>
+              <a:t> </a:t>
+            </a:r>
+            <a:r>
+              <a:rPr lang="pt-BR" sz="2000" dirty="0" err="1" smtClean="0">
+                <a:solidFill>
+                  <a:srgbClr val="FFC000"/>
+                </a:solidFill>
+              </a:rPr>
+              <a:t>MinhaThread</a:t>
+            </a:r>
+            <a:r>
+              <a:rPr lang="pt-BR" sz="2000" dirty="0" smtClean="0"/>
+              <a:t> </a:t>
+            </a:r>
+            <a:r>
+              <a:rPr lang="pt-BR" sz="2000" dirty="0" err="1" smtClean="0"/>
+              <a:t>extends</a:t>
+            </a:r>
+            <a:r>
+              <a:rPr lang="pt-BR" sz="2000" dirty="0" smtClean="0"/>
+              <a:t> </a:t>
+            </a:r>
+            <a:r>
+              <a:rPr lang="pt-BR" sz="2000" dirty="0" smtClean="0">
+                <a:solidFill>
+                  <a:srgbClr val="FFC000"/>
+                </a:solidFill>
+              </a:rPr>
+              <a:t>Thread</a:t>
+            </a:r>
+            <a:r>
+              <a:rPr lang="pt-BR" sz="2000" dirty="0" smtClean="0"/>
+              <a:t> {</a:t>
+            </a:r>
+          </a:p>
+          <a:p>
+            <a:pPr marL="900113" indent="0">
+              <a:lnSpc>
+                <a:spcPct val="90000"/>
+              </a:lnSpc>
+              <a:spcBef>
+                <a:spcPts val="0"/>
+              </a:spcBef>
+              <a:buNone/>
+              <a:tabLst>
+                <a:tab pos="1344613" algn="l"/>
+                <a:tab pos="1787525" algn="l"/>
+              </a:tabLst>
+            </a:pPr>
+            <a:r>
+              <a:rPr lang="pt-BR" sz="2000" dirty="0" smtClean="0"/>
+              <a:t>	</a:t>
+            </a:r>
+            <a:r>
+              <a:rPr lang="pt-BR" sz="2000" dirty="0" err="1" smtClean="0"/>
+              <a:t>public</a:t>
+            </a:r>
+            <a:r>
+              <a:rPr lang="pt-BR" sz="2000" dirty="0" smtClean="0"/>
+              <a:t> </a:t>
+            </a:r>
+            <a:r>
+              <a:rPr lang="pt-BR" sz="2000" dirty="0" err="1" smtClean="0"/>
+              <a:t>void</a:t>
+            </a:r>
+            <a:r>
+              <a:rPr lang="pt-BR" sz="2000" dirty="0" smtClean="0"/>
+              <a:t> </a:t>
+            </a:r>
+            <a:r>
+              <a:rPr lang="pt-BR" sz="2000" dirty="0" err="1" smtClean="0">
+                <a:solidFill>
+                  <a:srgbClr val="FFC000"/>
+                </a:solidFill>
+              </a:rPr>
+              <a:t>run</a:t>
+            </a:r>
+            <a:r>
+              <a:rPr lang="pt-BR" sz="2000" dirty="0" smtClean="0"/>
+              <a:t>() {</a:t>
+            </a:r>
+          </a:p>
+          <a:p>
+            <a:pPr marL="900113" indent="0">
+              <a:lnSpc>
+                <a:spcPct val="90000"/>
+              </a:lnSpc>
+              <a:spcBef>
+                <a:spcPts val="0"/>
+              </a:spcBef>
+              <a:buNone/>
+              <a:tabLst>
+                <a:tab pos="1344613" algn="l"/>
+                <a:tab pos="1787525" algn="l"/>
+              </a:tabLst>
+            </a:pPr>
+            <a:r>
+              <a:rPr lang="pt-BR" sz="2000" dirty="0" smtClean="0"/>
+              <a:t>		...</a:t>
+            </a:r>
+          </a:p>
+          <a:p>
+            <a:pPr marL="900113" indent="0">
+              <a:lnSpc>
+                <a:spcPct val="90000"/>
+              </a:lnSpc>
+              <a:spcBef>
+                <a:spcPts val="0"/>
+              </a:spcBef>
+              <a:buNone/>
+              <a:tabLst>
+                <a:tab pos="1344613" algn="l"/>
+                <a:tab pos="1787525" algn="l"/>
+              </a:tabLst>
+            </a:pPr>
+            <a:r>
+              <a:rPr lang="pt-BR" sz="2000" dirty="0" smtClean="0"/>
+              <a:t>		...</a:t>
+            </a:r>
+          </a:p>
+          <a:p>
+            <a:pPr marL="900113" indent="0">
+              <a:lnSpc>
+                <a:spcPct val="90000"/>
+              </a:lnSpc>
+              <a:spcBef>
+                <a:spcPts val="0"/>
+              </a:spcBef>
+              <a:buNone/>
+              <a:tabLst>
+                <a:tab pos="1344613" algn="l"/>
+                <a:tab pos="1787525" algn="l"/>
+              </a:tabLst>
+            </a:pPr>
+            <a:r>
+              <a:rPr lang="pt-BR" sz="2000" dirty="0" smtClean="0"/>
+              <a:t>	}</a:t>
+            </a:r>
+          </a:p>
+          <a:p>
+            <a:pPr marL="900113" indent="0">
+              <a:lnSpc>
+                <a:spcPct val="90000"/>
+              </a:lnSpc>
+              <a:spcBef>
+                <a:spcPts val="0"/>
+              </a:spcBef>
+              <a:buNone/>
+              <a:tabLst>
+                <a:tab pos="1344613" algn="l"/>
+                <a:tab pos="1787525" algn="l"/>
+              </a:tabLst>
+            </a:pPr>
+            <a:r>
+              <a:rPr lang="pt-BR" sz="2000" dirty="0" smtClean="0"/>
+              <a:t>}</a:t>
+            </a:r>
+          </a:p>
+          <a:p>
+            <a:pPr marL="900113" indent="0">
+              <a:lnSpc>
+                <a:spcPct val="90000"/>
+              </a:lnSpc>
+              <a:spcBef>
+                <a:spcPts val="0"/>
+              </a:spcBef>
+              <a:buNone/>
+              <a:tabLst>
+                <a:tab pos="1344613" algn="l"/>
+                <a:tab pos="1787525" algn="l"/>
+              </a:tabLst>
+            </a:pPr>
+            <a:endParaRPr lang="pt-BR" sz="2000" dirty="0" smtClean="0"/>
+          </a:p>
+          <a:p>
+            <a:pPr marL="900113" indent="0">
+              <a:lnSpc>
+                <a:spcPct val="90000"/>
+              </a:lnSpc>
+              <a:spcBef>
+                <a:spcPts val="0"/>
+              </a:spcBef>
+              <a:buNone/>
+              <a:tabLst>
+                <a:tab pos="1344613" algn="l"/>
+                <a:tab pos="1787525" algn="l"/>
+              </a:tabLst>
+            </a:pPr>
+            <a:r>
+              <a:rPr lang="pt-BR" sz="2000" dirty="0" err="1" smtClean="0"/>
+              <a:t>public</a:t>
+            </a:r>
+            <a:r>
+              <a:rPr lang="pt-BR" sz="2000" dirty="0" smtClean="0"/>
+              <a:t> </a:t>
+            </a:r>
+            <a:r>
+              <a:rPr lang="pt-BR" sz="2000" dirty="0" err="1" smtClean="0"/>
+              <a:t>class</a:t>
+            </a:r>
+            <a:r>
+              <a:rPr lang="pt-BR" sz="2000" dirty="0" smtClean="0"/>
+              <a:t> Principal {</a:t>
+            </a:r>
+          </a:p>
+          <a:p>
+            <a:pPr marL="900113" indent="0">
+              <a:lnSpc>
+                <a:spcPct val="90000"/>
+              </a:lnSpc>
+              <a:spcBef>
+                <a:spcPts val="0"/>
+              </a:spcBef>
+              <a:buNone/>
+              <a:tabLst>
+                <a:tab pos="1344613" algn="l"/>
+                <a:tab pos="1787525" algn="l"/>
+              </a:tabLst>
+            </a:pPr>
+            <a:r>
+              <a:rPr lang="pt-BR" sz="2000" dirty="0" smtClean="0"/>
+              <a:t>	</a:t>
+            </a:r>
+            <a:r>
+              <a:rPr lang="pt-BR" sz="2000" dirty="0" err="1" smtClean="0"/>
+              <a:t>public</a:t>
+            </a:r>
+            <a:r>
+              <a:rPr lang="pt-BR" sz="2000" dirty="0" smtClean="0"/>
+              <a:t> </a:t>
+            </a:r>
+            <a:r>
+              <a:rPr lang="pt-BR" sz="2000" dirty="0" err="1" smtClean="0"/>
+              <a:t>static</a:t>
+            </a:r>
+            <a:r>
+              <a:rPr lang="pt-BR" sz="2000" dirty="0" smtClean="0"/>
+              <a:t> </a:t>
+            </a:r>
+            <a:r>
+              <a:rPr lang="pt-BR" sz="2000" dirty="0" err="1" smtClean="0"/>
+              <a:t>void</a:t>
+            </a:r>
+            <a:r>
+              <a:rPr lang="pt-BR" sz="2000" dirty="0" smtClean="0"/>
+              <a:t> </a:t>
+            </a:r>
+            <a:r>
+              <a:rPr lang="pt-BR" sz="2000" dirty="0" err="1" smtClean="0">
+                <a:solidFill>
+                  <a:srgbClr val="FFC000"/>
+                </a:solidFill>
+              </a:rPr>
+              <a:t>main</a:t>
+            </a:r>
+            <a:r>
+              <a:rPr lang="pt-BR" sz="2000" dirty="0" smtClean="0"/>
+              <a:t>(String[] </a:t>
+            </a:r>
+            <a:r>
+              <a:rPr lang="pt-BR" sz="2000" dirty="0" err="1" smtClean="0"/>
+              <a:t>args</a:t>
+            </a:r>
+            <a:r>
+              <a:rPr lang="pt-BR" sz="2000" dirty="0" smtClean="0"/>
+              <a:t>) {</a:t>
+            </a:r>
+          </a:p>
+          <a:p>
+            <a:pPr marL="900113" indent="0">
+              <a:lnSpc>
+                <a:spcPct val="90000"/>
+              </a:lnSpc>
+              <a:spcBef>
+                <a:spcPts val="0"/>
+              </a:spcBef>
+              <a:buNone/>
+              <a:tabLst>
+                <a:tab pos="1344613" algn="l"/>
+                <a:tab pos="1787525" algn="l"/>
+              </a:tabLst>
+            </a:pPr>
+            <a:r>
+              <a:rPr lang="pt-BR" sz="2000" dirty="0" smtClean="0"/>
+              <a:t>		Thread t = </a:t>
+            </a:r>
+            <a:r>
+              <a:rPr lang="pt-BR" sz="2000" dirty="0" err="1" smtClean="0"/>
+              <a:t>new</a:t>
+            </a:r>
+            <a:r>
+              <a:rPr lang="pt-BR" sz="2000" dirty="0" smtClean="0"/>
+              <a:t> </a:t>
+            </a:r>
+            <a:r>
+              <a:rPr lang="pt-BR" sz="2000" dirty="0" err="1" smtClean="0">
+                <a:solidFill>
+                  <a:srgbClr val="FFC000"/>
+                </a:solidFill>
+              </a:rPr>
+              <a:t>MinhaThread</a:t>
+            </a:r>
+            <a:r>
+              <a:rPr lang="pt-BR" sz="2000" dirty="0" smtClean="0"/>
+              <a:t>();</a:t>
+            </a:r>
+          </a:p>
+          <a:p>
+            <a:pPr marL="900113" indent="0">
+              <a:lnSpc>
+                <a:spcPct val="90000"/>
+              </a:lnSpc>
+              <a:spcBef>
+                <a:spcPts val="0"/>
+              </a:spcBef>
+              <a:buNone/>
+              <a:tabLst>
+                <a:tab pos="1344613" algn="l"/>
+                <a:tab pos="1787525" algn="l"/>
+              </a:tabLst>
+            </a:pPr>
+            <a:r>
+              <a:rPr lang="pt-BR" sz="2000" dirty="0" smtClean="0"/>
+              <a:t>		</a:t>
+            </a:r>
+            <a:r>
+              <a:rPr lang="pt-BR" sz="2000" dirty="0" err="1" smtClean="0"/>
+              <a:t>t.</a:t>
+            </a:r>
+            <a:r>
+              <a:rPr lang="pt-BR" sz="2000" dirty="0" err="1" smtClean="0">
+                <a:solidFill>
+                  <a:srgbClr val="FFC000"/>
+                </a:solidFill>
+              </a:rPr>
+              <a:t>start</a:t>
+            </a:r>
+            <a:r>
+              <a:rPr lang="pt-BR" sz="2000" dirty="0" smtClean="0"/>
+              <a:t>();</a:t>
+            </a:r>
+          </a:p>
+          <a:p>
+            <a:pPr marL="900113" indent="0">
+              <a:lnSpc>
+                <a:spcPct val="90000"/>
+              </a:lnSpc>
+              <a:spcBef>
+                <a:spcPts val="0"/>
+              </a:spcBef>
+              <a:buNone/>
+              <a:tabLst>
+                <a:tab pos="1344613" algn="l"/>
+                <a:tab pos="1787525" algn="l"/>
+              </a:tabLst>
+            </a:pPr>
+            <a:r>
+              <a:rPr lang="pt-BR" sz="2000" dirty="0" smtClean="0"/>
+              <a:t>		...</a:t>
+            </a:r>
+          </a:p>
+          <a:p>
+            <a:pPr marL="900113" indent="0">
+              <a:lnSpc>
+                <a:spcPct val="90000"/>
+              </a:lnSpc>
+              <a:spcBef>
+                <a:spcPts val="0"/>
+              </a:spcBef>
+              <a:buNone/>
+              <a:tabLst>
+                <a:tab pos="1344613" algn="l"/>
+                <a:tab pos="1787525" algn="l"/>
+              </a:tabLst>
+            </a:pPr>
+            <a:r>
+              <a:rPr lang="pt-BR" sz="2000" dirty="0" smtClean="0"/>
+              <a:t>		...</a:t>
+            </a:r>
+          </a:p>
+          <a:p>
+            <a:pPr marL="900113" indent="0">
+              <a:lnSpc>
+                <a:spcPct val="90000"/>
+              </a:lnSpc>
+              <a:spcBef>
+                <a:spcPts val="0"/>
+              </a:spcBef>
+              <a:buNone/>
+              <a:tabLst>
+                <a:tab pos="1344613" algn="l"/>
+                <a:tab pos="1787525" algn="l"/>
+              </a:tabLst>
+            </a:pPr>
+            <a:r>
+              <a:rPr lang="pt-BR" sz="2000" dirty="0" smtClean="0"/>
+              <a:t>	}</a:t>
+            </a:r>
+          </a:p>
+          <a:p>
+            <a:pPr marL="900113" indent="0">
+              <a:lnSpc>
+                <a:spcPct val="90000"/>
+              </a:lnSpc>
+              <a:spcBef>
+                <a:spcPts val="0"/>
+              </a:spcBef>
+              <a:buNone/>
+              <a:tabLst>
+                <a:tab pos="1344613" algn="l"/>
+                <a:tab pos="1787525" algn="l"/>
+              </a:tabLst>
+            </a:pPr>
+            <a:r>
+              <a:rPr lang="pt-BR" sz="2000" dirty="0" smtClean="0"/>
+              <a:t>}</a:t>
+            </a:r>
+          </a:p>
+        </p:txBody>
+      </p:sp>
+      <p:sp>
+        <p:nvSpPr>
+          <p:cNvPr id="4" name="Espaço Reservado para Número de Slide 3"/>
+          <p:cNvSpPr>
+            <a:spLocks noGrp="1"/>
+          </p:cNvSpPr>
+          <p:nvPr>
+            <p:ph type="sldNum" sz="quarter" idx="12"/>
+          </p:nvPr>
+        </p:nvSpPr>
         <p:spPr/>
         <p:txBody>
           <a:bodyPr/>
           <a:lstStyle/>
           <a:p>
-            <a:pPr eaLnBrk="1" hangingPunct="1"/>
-            <a:r>
+            <a:pPr>
+              <a:defRPr/>
+            </a:pPr>
+            <a:fld id="{A3E49AD4-F76A-4E25-A0A5-9CD64D5A0A0D}" type="slidenum">
               <a:rPr lang="pt-BR" smtClean="0"/>
-              <a:t>Estados da thread</a:t>
-            </a:r>
-          </a:p>
-        </p:txBody>
-      </p:sp>
-      <p:sp>
-        <p:nvSpPr>
-          <p:cNvPr id="14339" name="Espaço Reservado para Conteúdo 2"/>
-          <p:cNvSpPr>
-            <a:spLocks noGrp="1"/>
-          </p:cNvSpPr>
-          <p:nvPr>
-            <p:ph idx="1"/>
-          </p:nvPr>
-        </p:nvSpPr>
-        <p:spPr/>
-        <p:txBody>
-          <a:bodyPr/>
-          <a:lstStyle/>
-          <a:p>
-            <a:endParaRPr lang="pt-BR" smtClean="0"/>
+              <a:pPr>
+                <a:defRPr/>
+              </a:pPr>
+              <a:t>8</a:t>
+            </a:fld>
+            <a:endParaRPr lang="pt-BR"/>
           </a:p>
         </p:txBody>
       </p:sp>
@@ -8147,6 +12216,13 @@
   <p:clrMapOvr>
     <a:masterClrMapping/>
   </p:clrMapOvr>
+  <p:timing>
+    <p:tnLst>
+      <p:par>
+        <p:cTn id="1" dur="indefinite" restart="never" nodeType="tmRoot"/>
+      </p:par>
+    </p:tnLst>
+  </p:timing>
 </p:sld>
 </file>
 
@@ -8169,7 +12245,7 @@
       </p:grpSpPr>
       <p:sp>
         <p:nvSpPr>
-          <p:cNvPr id="15362" name="Título 1"/>
+          <p:cNvPr id="10242" name="Título 1"/>
           <p:cNvSpPr>
             <a:spLocks noGrp="1"/>
           </p:cNvSpPr>
@@ -8177,35 +12253,253 @@
             <p:ph type="title"/>
           </p:nvPr>
         </p:nvSpPr>
+        <p:spPr>
+          <a:xfrm>
+            <a:off x="457200" y="274638"/>
+            <a:ext cx="7643192" cy="1143000"/>
+          </a:xfrm>
+        </p:spPr>
+        <p:txBody>
+          <a:bodyPr/>
+          <a:lstStyle/>
+          <a:p>
+            <a:pPr eaLnBrk="1" hangingPunct="1"/>
+            <a:r>
+              <a:rPr lang="pt-BR" dirty="0" smtClean="0"/>
+              <a:t>Criando e executando threads</a:t>
+            </a:r>
+          </a:p>
+        </p:txBody>
+      </p:sp>
+      <p:sp>
+        <p:nvSpPr>
+          <p:cNvPr id="10243" name="Espaço Reservado para Conteúdo 2"/>
+          <p:cNvSpPr>
+            <a:spLocks noGrp="1"/>
+          </p:cNvSpPr>
+          <p:nvPr>
+            <p:ph idx="1"/>
+          </p:nvPr>
+        </p:nvSpPr>
         <p:spPr/>
         <p:txBody>
           <a:bodyPr/>
           <a:lstStyle/>
           <a:p>
-            <a:pPr eaLnBrk="1" hangingPunct="1"/>
-            <a:r>
+            <a:pPr>
+              <a:spcBef>
+                <a:spcPts val="3000"/>
+              </a:spcBef>
+            </a:pPr>
+            <a:r>
+              <a:rPr lang="pt-BR" sz="2400" u="sng" dirty="0" smtClean="0"/>
+              <a:t>Forma 2</a:t>
+            </a:r>
+          </a:p>
+          <a:p>
+            <a:pPr marL="442913" indent="0">
+              <a:spcBef>
+                <a:spcPts val="3000"/>
+              </a:spcBef>
+              <a:buNone/>
+            </a:pPr>
+            <a:r>
+              <a:rPr lang="pt-BR" sz="2400" dirty="0" smtClean="0"/>
+              <a:t>Uma outra forma de </a:t>
+            </a:r>
+            <a:r>
+              <a:rPr lang="pt-BR" sz="2400" dirty="0" smtClean="0"/>
+              <a:t>criar e executar uma nova thread é através da </a:t>
+            </a:r>
+            <a:r>
+              <a:rPr lang="pt-BR" sz="2400" dirty="0" smtClean="0"/>
+              <a:t>interface </a:t>
+            </a:r>
+            <a:r>
+              <a:rPr lang="pt-BR" sz="2400" b="1" i="1" dirty="0" err="1" smtClean="0">
+                <a:solidFill>
+                  <a:srgbClr val="FFC000"/>
+                </a:solidFill>
+              </a:rPr>
+              <a:t>java</a:t>
+            </a:r>
+            <a:r>
+              <a:rPr lang="pt-BR" sz="2400" b="1" i="1" dirty="0" smtClean="0">
+                <a:solidFill>
+                  <a:srgbClr val="FFC000"/>
+                </a:solidFill>
+              </a:rPr>
+              <a:t>.</a:t>
+            </a:r>
+            <a:r>
+              <a:rPr lang="pt-BR" sz="2400" b="1" i="1" dirty="0" err="1" smtClean="0">
+                <a:solidFill>
+                  <a:srgbClr val="FFC000"/>
+                </a:solidFill>
+              </a:rPr>
+              <a:t>lang</a:t>
+            </a:r>
+            <a:r>
+              <a:rPr lang="pt-BR" sz="2400" b="1" i="1" dirty="0" smtClean="0">
+                <a:solidFill>
+                  <a:srgbClr val="FFC000"/>
+                </a:solidFill>
+              </a:rPr>
+              <a:t>.</a:t>
+            </a:r>
+            <a:r>
+              <a:rPr lang="pt-BR" sz="2400" b="1" i="1" dirty="0" err="1" smtClean="0">
+                <a:solidFill>
+                  <a:srgbClr val="FFC000"/>
+                </a:solidFill>
+              </a:rPr>
+              <a:t>Runnable</a:t>
+            </a:r>
+            <a:r>
+              <a:rPr lang="pt-BR" sz="2400" dirty="0" smtClean="0"/>
+              <a:t>:</a:t>
+            </a:r>
+            <a:endParaRPr lang="pt-BR" sz="2400" dirty="0" smtClean="0"/>
+          </a:p>
+          <a:p>
+            <a:pPr marL="854075" lvl="1" indent="-514350">
+              <a:spcBef>
+                <a:spcPts val="3000"/>
+              </a:spcBef>
+              <a:buFont typeface="+mj-lt"/>
+              <a:buAutoNum type="arabicPeriod"/>
+            </a:pPr>
+            <a:r>
+              <a:rPr lang="pt-BR" sz="2000" dirty="0" smtClean="0"/>
+              <a:t>Crie uma nova classe </a:t>
+            </a:r>
+            <a:r>
+              <a:rPr lang="pt-BR" sz="2000" dirty="0" smtClean="0"/>
+              <a:t>que implementa a interface </a:t>
+            </a:r>
+            <a:r>
+              <a:rPr lang="pt-BR" sz="2000" b="1" i="1" dirty="0" err="1" smtClean="0"/>
+              <a:t>java</a:t>
+            </a:r>
+            <a:r>
+              <a:rPr lang="pt-BR" sz="2000" b="1" i="1" dirty="0" smtClean="0"/>
+              <a:t>.</a:t>
+            </a:r>
+            <a:r>
+              <a:rPr lang="pt-BR" sz="2000" b="1" i="1" dirty="0" err="1" smtClean="0"/>
+              <a:t>lang</a:t>
+            </a:r>
+            <a:r>
+              <a:rPr lang="pt-BR" sz="2000" b="1" i="1" dirty="0" smtClean="0"/>
+              <a:t>.</a:t>
+            </a:r>
+            <a:r>
+              <a:rPr lang="pt-BR" sz="2000" b="1" i="1" dirty="0" err="1" smtClean="0"/>
+              <a:t>Runnable</a:t>
+            </a:r>
+            <a:r>
+              <a:rPr lang="pt-BR" sz="2000" dirty="0" smtClean="0"/>
+              <a:t> </a:t>
+            </a:r>
+            <a:r>
+              <a:rPr lang="pt-BR" sz="2000" dirty="0" smtClean="0"/>
+              <a:t>e </a:t>
+            </a:r>
+            <a:r>
+              <a:rPr lang="pt-BR" sz="2000" dirty="0" err="1" smtClean="0"/>
+              <a:t>implement</a:t>
+            </a:r>
+            <a:r>
+              <a:rPr lang="pt-BR" sz="2000" dirty="0" smtClean="0"/>
+              <a:t> </a:t>
+            </a:r>
+            <a:r>
+              <a:rPr lang="pt-BR" sz="2000" dirty="0" smtClean="0"/>
+              <a:t>o método </a:t>
+            </a:r>
+            <a:r>
+              <a:rPr lang="pt-BR" sz="2000" b="1" i="1" dirty="0" err="1" smtClean="0">
+                <a:solidFill>
+                  <a:srgbClr val="FFC000"/>
+                </a:solidFill>
+              </a:rPr>
+              <a:t>run</a:t>
+            </a:r>
+            <a:r>
+              <a:rPr lang="pt-BR" sz="2000" b="1" i="1" dirty="0" smtClean="0">
+                <a:solidFill>
+                  <a:srgbClr val="FFC000"/>
+                </a:solidFill>
+              </a:rPr>
+              <a:t>()</a:t>
+            </a:r>
+            <a:r>
+              <a:rPr lang="pt-BR" sz="2000" dirty="0" smtClean="0"/>
+              <a:t> inserindo as instruções a serem executadas pela nova thread</a:t>
+            </a:r>
+            <a:endParaRPr lang="pt-BR" sz="2000" b="1" i="1" dirty="0" smtClean="0"/>
+          </a:p>
+          <a:p>
+            <a:pPr marL="854075" lvl="1" indent="-514350">
+              <a:spcBef>
+                <a:spcPts val="3000"/>
+              </a:spcBef>
+              <a:buFont typeface="+mj-lt"/>
+              <a:buAutoNum type="arabicPeriod"/>
+            </a:pPr>
+            <a:r>
+              <a:rPr lang="pt-BR" sz="2000" dirty="0" smtClean="0"/>
+              <a:t>A partir de sua aplicação principal crie uma </a:t>
+            </a:r>
+            <a:r>
+              <a:rPr lang="pt-BR" sz="2000" dirty="0" smtClean="0"/>
+              <a:t>instância da classe Thread passando uma instância de sua classe ao </a:t>
+            </a:r>
+            <a:r>
+              <a:rPr lang="pt-BR" sz="2000" smtClean="0"/>
+              <a:t>método construtor desta </a:t>
+            </a:r>
+            <a:r>
+              <a:rPr lang="pt-BR" sz="2000" dirty="0" smtClean="0"/>
+              <a:t>classe thread e execute o seu método </a:t>
+            </a:r>
+            <a:r>
+              <a:rPr lang="pt-BR" sz="2000" b="1" i="1" dirty="0" smtClean="0">
+                <a:solidFill>
+                  <a:srgbClr val="FFC000"/>
+                </a:solidFill>
+              </a:rPr>
+              <a:t>start()</a:t>
+            </a:r>
+          </a:p>
+        </p:txBody>
+      </p:sp>
+      <p:sp>
+        <p:nvSpPr>
+          <p:cNvPr id="4" name="Espaço Reservado para Número de Slide 3"/>
+          <p:cNvSpPr>
+            <a:spLocks noGrp="1"/>
+          </p:cNvSpPr>
+          <p:nvPr>
+            <p:ph type="sldNum" sz="quarter" idx="12"/>
+          </p:nvPr>
+        </p:nvSpPr>
+        <p:spPr/>
+        <p:txBody>
+          <a:bodyPr/>
+          <a:lstStyle/>
+          <a:p>
+            <a:pPr>
+              <a:defRPr/>
+            </a:pPr>
+            <a:fld id="{A3E49AD4-F76A-4E25-A0A5-9CD64D5A0A0D}" type="slidenum">
               <a:rPr lang="pt-BR" smtClean="0"/>
-              <a:t>Scheduler</a:t>
-            </a:r>
-          </a:p>
-        </p:txBody>
-      </p:sp>
-      <p:sp>
-        <p:nvSpPr>
-          <p:cNvPr id="15363" name="Espaço Reservado para Conteúdo 2"/>
-          <p:cNvSpPr>
-            <a:spLocks noGrp="1"/>
-          </p:cNvSpPr>
-          <p:nvPr>
-            <p:ph idx="1"/>
-          </p:nvPr>
-        </p:nvSpPr>
-        <p:spPr/>
-        <p:txBody>
-          <a:bodyPr/>
-          <a:lstStyle/>
-          <a:p>
-            <a:endParaRPr lang="pt-BR" smtClean="0"/>
+              <a:pPr>
+                <a:defRPr/>
+              </a:pPr>
+              <a:t>9</a:t>
+            </a:fld>
+            <a:endParaRPr lang="pt-BR"/>
           </a:p>
         </p:txBody>
       </p:sp>
@@ -8214,6 +12508,13 @@
   <p:clrMapOvr>
     <a:masterClrMapping/>
   </p:clrMapOvr>
+  <p:timing>
+    <p:tnLst>
+      <p:par>
+        <p:cTn id="1" dur="indefinite" restart="never" nodeType="tmRoot"/>
+      </p:par>
+    </p:tnLst>
+  </p:timing>
 </p:sld>
 </file>
 

--- a/2-Java-Programmer-Modulo-II/14.Capitulo08.pptx
+++ b/2-Java-Programmer-Modulo-II/14.Capitulo08.pptx
@@ -5,7 +5,7 @@
     <p:sldMasterId id="2147483660" r:id="rId1"/>
   </p:sldMasterIdLst>
   <p:notesMasterIdLst>
-    <p:notesMasterId r:id="rId22"/>
+    <p:notesMasterId r:id="rId21"/>
   </p:notesMasterIdLst>
   <p:sldIdLst>
     <p:sldId id="256" r:id="rId2"/>
@@ -17,17 +17,16 @@
     <p:sldId id="323" r:id="rId8"/>
     <p:sldId id="300" r:id="rId9"/>
     <p:sldId id="324" r:id="rId10"/>
-    <p:sldId id="301" r:id="rId11"/>
-    <p:sldId id="302" r:id="rId12"/>
-    <p:sldId id="303" r:id="rId13"/>
-    <p:sldId id="304" r:id="rId14"/>
-    <p:sldId id="305" r:id="rId15"/>
-    <p:sldId id="306" r:id="rId16"/>
-    <p:sldId id="318" r:id="rId17"/>
-    <p:sldId id="311" r:id="rId18"/>
-    <p:sldId id="315" r:id="rId19"/>
-    <p:sldId id="316" r:id="rId20"/>
-    <p:sldId id="317" r:id="rId21"/>
+    <p:sldId id="325" r:id="rId11"/>
+    <p:sldId id="303" r:id="rId12"/>
+    <p:sldId id="304" r:id="rId13"/>
+    <p:sldId id="305" r:id="rId14"/>
+    <p:sldId id="306" r:id="rId15"/>
+    <p:sldId id="318" r:id="rId16"/>
+    <p:sldId id="311" r:id="rId17"/>
+    <p:sldId id="315" r:id="rId18"/>
+    <p:sldId id="316" r:id="rId19"/>
+    <p:sldId id="317" r:id="rId20"/>
   </p:sldIdLst>
   <p:sldSz cx="9144000" cy="6858000" type="screen4x3"/>
   <p:notesSz cx="6858000" cy="9144000"/>
@@ -268,7 +267,7 @@
               <a:pPr>
                 <a:defRPr/>
               </a:pPr>
-              <a:t>16/04/2012</a:t>
+              <a:t>17/04/2012</a:t>
             </a:fld>
             <a:endParaRPr lang="pt-BR"/>
           </a:p>
@@ -737,7 +736,7 @@
       </p:grpSpPr>
       <p:sp>
         <p:nvSpPr>
-          <p:cNvPr id="33794" name="Espaço Reservado para Imagem de Slide 1"/>
+          <p:cNvPr id="32770" name="Espaço Reservado para Imagem de Slide 1"/>
           <p:cNvSpPr>
             <a:spLocks noGrp="1" noRot="1" noChangeAspect="1" noTextEdit="1"/>
           </p:cNvSpPr>
@@ -759,7 +758,7 @@
       </p:sp>
       <p:sp>
         <p:nvSpPr>
-          <p:cNvPr id="33795" name="Espaço Reservado para Anotações 2"/>
+          <p:cNvPr id="32771" name="Espaço Reservado para Anotações 2"/>
           <p:cNvSpPr>
             <a:spLocks noGrp="1"/>
           </p:cNvSpPr>
@@ -800,7 +799,7 @@
             <a:pPr>
               <a:defRPr/>
             </a:pPr>
-            <a:fld id="{3AFE44C6-A7FF-442C-9A8A-143C1045DEBE}" type="slidenum">
+            <a:fld id="{3817D5A1-48BD-4756-BC68-BBB17E068BFA}" type="slidenum">
               <a:rPr lang="pt-BR" smtClean="0"/>
               <a:pPr>
                 <a:defRPr/>
@@ -838,7 +837,7 @@
       </p:grpSpPr>
       <p:sp>
         <p:nvSpPr>
-          <p:cNvPr id="34818" name="Espaço Reservado para Imagem de Slide 1"/>
+          <p:cNvPr id="35842" name="Espaço Reservado para Imagem de Slide 1"/>
           <p:cNvSpPr>
             <a:spLocks noGrp="1" noRot="1" noChangeAspect="1" noTextEdit="1"/>
           </p:cNvSpPr>
@@ -860,7 +859,7 @@
       </p:sp>
       <p:sp>
         <p:nvSpPr>
-          <p:cNvPr id="34819" name="Espaço Reservado para Anotações 2"/>
+          <p:cNvPr id="35843" name="Espaço Reservado para Anotações 2"/>
           <p:cNvSpPr>
             <a:spLocks noGrp="1"/>
           </p:cNvSpPr>
@@ -901,7 +900,7 @@
             <a:pPr>
               <a:defRPr/>
             </a:pPr>
-            <a:fld id="{70BAD632-B82D-488E-95EA-4A55071D784E}" type="slidenum">
+            <a:fld id="{21092793-6167-4EF9-87CE-E31DF842B0B9}" type="slidenum">
               <a:rPr lang="pt-BR" smtClean="0"/>
               <a:pPr>
                 <a:defRPr/>
@@ -939,7 +938,7 @@
       </p:grpSpPr>
       <p:sp>
         <p:nvSpPr>
-          <p:cNvPr id="35842" name="Espaço Reservado para Imagem de Slide 1"/>
+          <p:cNvPr id="36866" name="Espaço Reservado para Imagem de Slide 1"/>
           <p:cNvSpPr>
             <a:spLocks noGrp="1" noRot="1" noChangeAspect="1" noTextEdit="1"/>
           </p:cNvSpPr>
@@ -961,7 +960,7 @@
       </p:sp>
       <p:sp>
         <p:nvSpPr>
-          <p:cNvPr id="35843" name="Espaço Reservado para Anotações 2"/>
+          <p:cNvPr id="36867" name="Espaço Reservado para Anotações 2"/>
           <p:cNvSpPr>
             <a:spLocks noGrp="1"/>
           </p:cNvSpPr>
@@ -1002,7 +1001,7 @@
             <a:pPr>
               <a:defRPr/>
             </a:pPr>
-            <a:fld id="{21092793-6167-4EF9-87CE-E31DF842B0B9}" type="slidenum">
+            <a:fld id="{9C861F01-F594-4F8E-816C-7353D6F44AC2}" type="slidenum">
               <a:rPr lang="pt-BR" smtClean="0"/>
               <a:pPr>
                 <a:defRPr/>
@@ -1040,7 +1039,7 @@
       </p:grpSpPr>
       <p:sp>
         <p:nvSpPr>
-          <p:cNvPr id="36866" name="Espaço Reservado para Imagem de Slide 1"/>
+          <p:cNvPr id="37890" name="Espaço Reservado para Imagem de Slide 1"/>
           <p:cNvSpPr>
             <a:spLocks noGrp="1" noRot="1" noChangeAspect="1" noTextEdit="1"/>
           </p:cNvSpPr>
@@ -1062,7 +1061,7 @@
       </p:sp>
       <p:sp>
         <p:nvSpPr>
-          <p:cNvPr id="36867" name="Espaço Reservado para Anotações 2"/>
+          <p:cNvPr id="37891" name="Espaço Reservado para Anotações 2"/>
           <p:cNvSpPr>
             <a:spLocks noGrp="1"/>
           </p:cNvSpPr>
@@ -1103,7 +1102,7 @@
             <a:pPr>
               <a:defRPr/>
             </a:pPr>
-            <a:fld id="{9C861F01-F594-4F8E-816C-7353D6F44AC2}" type="slidenum">
+            <a:fld id="{CE299FDD-0BF1-4951-98DD-C05CFD2239CC}" type="slidenum">
               <a:rPr lang="pt-BR" smtClean="0"/>
               <a:pPr>
                 <a:defRPr/>
@@ -1141,7 +1140,7 @@
       </p:grpSpPr>
       <p:sp>
         <p:nvSpPr>
-          <p:cNvPr id="37890" name="Espaço Reservado para Imagem de Slide 1"/>
+          <p:cNvPr id="38914" name="Espaço Reservado para Imagem de Slide 1"/>
           <p:cNvSpPr>
             <a:spLocks noGrp="1" noRot="1" noChangeAspect="1" noTextEdit="1"/>
           </p:cNvSpPr>
@@ -1163,7 +1162,7 @@
       </p:sp>
       <p:sp>
         <p:nvSpPr>
-          <p:cNvPr id="37891" name="Espaço Reservado para Anotações 2"/>
+          <p:cNvPr id="38915" name="Espaço Reservado para Anotações 2"/>
           <p:cNvSpPr>
             <a:spLocks noGrp="1"/>
           </p:cNvSpPr>
@@ -1204,7 +1203,7 @@
             <a:pPr>
               <a:defRPr/>
             </a:pPr>
-            <a:fld id="{CE299FDD-0BF1-4951-98DD-C05CFD2239CC}" type="slidenum">
+            <a:fld id="{9F5A471A-2AFD-4B8A-A9A0-DB29F3D740CE}" type="slidenum">
               <a:rPr lang="pt-BR" smtClean="0"/>
               <a:pPr>
                 <a:defRPr/>
@@ -1242,29 +1241,19 @@
       </p:grpSpPr>
       <p:sp>
         <p:nvSpPr>
-          <p:cNvPr id="38914" name="Espaço Reservado para Imagem de Slide 1"/>
-          <p:cNvSpPr>
-            <a:spLocks noGrp="1" noRot="1" noChangeAspect="1" noTextEdit="1"/>
+          <p:cNvPr id="2" name="Espaço Reservado para Imagem de Slide 1"/>
+          <p:cNvSpPr>
+            <a:spLocks noGrp="1" noRot="1" noChangeAspect="1"/>
           </p:cNvSpPr>
           <p:nvPr>
             <p:ph type="sldImg"/>
           </p:nvPr>
         </p:nvSpPr>
-        <p:spPr bwMode="auto">
-          <a:noFill/>
-          <a:ln>
-            <a:solidFill>
-              <a:srgbClr val="000000"/>
-            </a:solidFill>
-            <a:miter lim="800000"/>
-            <a:headEnd/>
-            <a:tailEnd/>
-          </a:ln>
-        </p:spPr>
-      </p:sp>
-      <p:sp>
-        <p:nvSpPr>
-          <p:cNvPr id="38915" name="Espaço Reservado para Anotações 2"/>
+        <p:spPr/>
+      </p:sp>
+      <p:sp>
+        <p:nvSpPr>
+          <p:cNvPr id="3" name="Espaço Reservado para Anotações 2"/>
           <p:cNvSpPr>
             <a:spLocks noGrp="1"/>
           </p:cNvSpPr>
@@ -1272,18 +1261,14 @@
             <p:ph type="body" idx="1"/>
           </p:nvPr>
         </p:nvSpPr>
-        <p:spPr bwMode="auto">
-          <a:noFill/>
-        </p:spPr>
-        <p:txBody>
-          <a:bodyPr wrap="square" numCol="1" anchor="t" anchorCtr="0" compatLnSpc="1">
-            <a:prstTxWarp prst="textNoShape">
-              <a:avLst/>
-            </a:prstTxWarp>
+        <p:spPr/>
+        <p:txBody>
+          <a:bodyPr>
+            <a:normAutofit/>
           </a:bodyPr>
           <a:lstStyle/>
           <a:p>
-            <a:endParaRPr lang="pt-BR" smtClean="0"/>
+            <a:endParaRPr lang="pt-BR"/>
           </a:p>
         </p:txBody>
       </p:sp>
@@ -1294,7 +1279,7 @@
             <a:spLocks noGrp="1"/>
           </p:cNvSpPr>
           <p:nvPr>
-            <p:ph type="sldNum" sz="quarter" idx="5"/>
+            <p:ph type="sldNum" sz="quarter" idx="10"/>
           </p:nvPr>
         </p:nvSpPr>
         <p:spPr/>
@@ -1305,7 +1290,7 @@
             <a:pPr>
               <a:defRPr/>
             </a:pPr>
-            <a:fld id="{9F5A471A-2AFD-4B8A-A9A0-DB29F3D740CE}" type="slidenum">
+            <a:fld id="{D45731A0-D324-45D2-92B5-75F23FA6F9F4}" type="slidenum">
               <a:rPr lang="pt-BR" smtClean="0"/>
               <a:pPr>
                 <a:defRPr/>
@@ -1343,19 +1328,29 @@
       </p:grpSpPr>
       <p:sp>
         <p:nvSpPr>
-          <p:cNvPr id="2" name="Espaço Reservado para Imagem de Slide 1"/>
-          <p:cNvSpPr>
-            <a:spLocks noGrp="1" noRot="1" noChangeAspect="1"/>
+          <p:cNvPr id="44034" name="Espaço Reservado para Imagem de Slide 1"/>
+          <p:cNvSpPr>
+            <a:spLocks noGrp="1" noRot="1" noChangeAspect="1" noTextEdit="1"/>
           </p:cNvSpPr>
           <p:nvPr>
             <p:ph type="sldImg"/>
           </p:nvPr>
         </p:nvSpPr>
-        <p:spPr/>
-      </p:sp>
-      <p:sp>
-        <p:nvSpPr>
-          <p:cNvPr id="3" name="Espaço Reservado para Anotações 2"/>
+        <p:spPr bwMode="auto">
+          <a:noFill/>
+          <a:ln>
+            <a:solidFill>
+              <a:srgbClr val="000000"/>
+            </a:solidFill>
+            <a:miter lim="800000"/>
+            <a:headEnd/>
+            <a:tailEnd/>
+          </a:ln>
+        </p:spPr>
+      </p:sp>
+      <p:sp>
+        <p:nvSpPr>
+          <p:cNvPr id="44035" name="Espaço Reservado para Anotações 2"/>
           <p:cNvSpPr>
             <a:spLocks noGrp="1"/>
           </p:cNvSpPr>
@@ -1363,14 +1358,18 @@
             <p:ph type="body" idx="1"/>
           </p:nvPr>
         </p:nvSpPr>
-        <p:spPr/>
-        <p:txBody>
-          <a:bodyPr>
-            <a:normAutofit/>
+        <p:spPr bwMode="auto">
+          <a:noFill/>
+        </p:spPr>
+        <p:txBody>
+          <a:bodyPr wrap="square" numCol="1" anchor="t" anchorCtr="0" compatLnSpc="1">
+            <a:prstTxWarp prst="textNoShape">
+              <a:avLst/>
+            </a:prstTxWarp>
           </a:bodyPr>
           <a:lstStyle/>
           <a:p>
-            <a:endParaRPr lang="pt-BR"/>
+            <a:endParaRPr lang="pt-BR" smtClean="0"/>
           </a:p>
         </p:txBody>
       </p:sp>
@@ -1381,7 +1380,7 @@
             <a:spLocks noGrp="1"/>
           </p:cNvSpPr>
           <p:nvPr>
-            <p:ph type="sldNum" sz="quarter" idx="10"/>
+            <p:ph type="sldNum" sz="quarter" idx="5"/>
           </p:nvPr>
         </p:nvSpPr>
         <p:spPr/>
@@ -1392,7 +1391,7 @@
             <a:pPr>
               <a:defRPr/>
             </a:pPr>
-            <a:fld id="{D45731A0-D324-45D2-92B5-75F23FA6F9F4}" type="slidenum">
+            <a:fld id="{45A3F917-E589-43AF-86DB-C0714EEE8960}" type="slidenum">
               <a:rPr lang="pt-BR" smtClean="0"/>
               <a:pPr>
                 <a:defRPr/>
@@ -1430,7 +1429,7 @@
       </p:grpSpPr>
       <p:sp>
         <p:nvSpPr>
-          <p:cNvPr id="44034" name="Espaço Reservado para Imagem de Slide 1"/>
+          <p:cNvPr id="48130" name="Espaço Reservado para Imagem de Slide 1"/>
           <p:cNvSpPr>
             <a:spLocks noGrp="1" noRot="1" noChangeAspect="1" noTextEdit="1"/>
           </p:cNvSpPr>
@@ -1452,7 +1451,7 @@
       </p:sp>
       <p:sp>
         <p:nvSpPr>
-          <p:cNvPr id="44035" name="Espaço Reservado para Anotações 2"/>
+          <p:cNvPr id="48131" name="Espaço Reservado para Anotações 2"/>
           <p:cNvSpPr>
             <a:spLocks noGrp="1"/>
           </p:cNvSpPr>
@@ -1493,7 +1492,7 @@
             <a:pPr>
               <a:defRPr/>
             </a:pPr>
-            <a:fld id="{45A3F917-E589-43AF-86DB-C0714EEE8960}" type="slidenum">
+            <a:fld id="{48A4B3DD-DC3A-4A1F-BDF3-5FDBAE99314D}" type="slidenum">
               <a:rPr lang="pt-BR" smtClean="0"/>
               <a:pPr>
                 <a:defRPr/>
@@ -1531,7 +1530,7 @@
       </p:grpSpPr>
       <p:sp>
         <p:nvSpPr>
-          <p:cNvPr id="48130" name="Espaço Reservado para Imagem de Slide 1"/>
+          <p:cNvPr id="49154" name="Espaço Reservado para Imagem de Slide 1"/>
           <p:cNvSpPr>
             <a:spLocks noGrp="1" noRot="1" noChangeAspect="1" noTextEdit="1"/>
           </p:cNvSpPr>
@@ -1553,7 +1552,7 @@
       </p:sp>
       <p:sp>
         <p:nvSpPr>
-          <p:cNvPr id="48131" name="Espaço Reservado para Anotações 2"/>
+          <p:cNvPr id="49155" name="Espaço Reservado para Anotações 2"/>
           <p:cNvSpPr>
             <a:spLocks noGrp="1"/>
           </p:cNvSpPr>
@@ -1594,7 +1593,7 @@
             <a:pPr>
               <a:defRPr/>
             </a:pPr>
-            <a:fld id="{48A4B3DD-DC3A-4A1F-BDF3-5FDBAE99314D}" type="slidenum">
+            <a:fld id="{94627C42-8E0D-4C50-A726-3D908F1BD667}" type="slidenum">
               <a:rPr lang="pt-BR" smtClean="0"/>
               <a:pPr>
                 <a:defRPr/>
@@ -1632,7 +1631,7 @@
       </p:grpSpPr>
       <p:sp>
         <p:nvSpPr>
-          <p:cNvPr id="49154" name="Espaço Reservado para Imagem de Slide 1"/>
+          <p:cNvPr id="50178" name="Espaço Reservado para Imagem de Slide 1"/>
           <p:cNvSpPr>
             <a:spLocks noGrp="1" noRot="1" noChangeAspect="1" noTextEdit="1"/>
           </p:cNvSpPr>
@@ -1654,7 +1653,7 @@
       </p:sp>
       <p:sp>
         <p:nvSpPr>
-          <p:cNvPr id="49155" name="Espaço Reservado para Anotações 2"/>
+          <p:cNvPr id="50179" name="Espaço Reservado para Anotações 2"/>
           <p:cNvSpPr>
             <a:spLocks noGrp="1"/>
           </p:cNvSpPr>
@@ -1695,7 +1694,7 @@
             <a:pPr>
               <a:defRPr/>
             </a:pPr>
-            <a:fld id="{94627C42-8E0D-4C50-A726-3D908F1BD667}" type="slidenum">
+            <a:fld id="{D1504F8C-84CC-4741-AE25-BE957FF16396}" type="slidenum">
               <a:rPr lang="pt-BR" smtClean="0"/>
               <a:pPr>
                 <a:defRPr/>
@@ -1788,107 +1787,6 @@
                 <a:defRPr/>
               </a:pPr>
               <a:t>2</a:t>
-            </a:fld>
-            <a:endParaRPr lang="pt-BR"/>
-          </a:p>
-        </p:txBody>
-      </p:sp>
-    </p:spTree>
-  </p:cSld>
-  <p:clrMapOvr>
-    <a:masterClrMapping/>
-  </p:clrMapOvr>
-</p:notes>
-</file>
-
-<file path=ppt/notesSlides/notesSlide20.xml><?xml version="1.0" encoding="utf-8"?>
-<p:notes xmlns:a="http://schemas.openxmlformats.org/drawingml/2006/main" xmlns:r="http://schemas.openxmlformats.org/officeDocument/2006/relationships" xmlns:p="http://schemas.openxmlformats.org/presentationml/2006/main">
-  <p:cSld>
-    <p:spTree>
-      <p:nvGrpSpPr>
-        <p:cNvPr id="1" name=""/>
-        <p:cNvGrpSpPr/>
-        <p:nvPr/>
-      </p:nvGrpSpPr>
-      <p:grpSpPr>
-        <a:xfrm>
-          <a:off x="0" y="0"/>
-          <a:ext cx="0" cy="0"/>
-          <a:chOff x="0" y="0"/>
-          <a:chExt cx="0" cy="0"/>
-        </a:xfrm>
-      </p:grpSpPr>
-      <p:sp>
-        <p:nvSpPr>
-          <p:cNvPr id="50178" name="Espaço Reservado para Imagem de Slide 1"/>
-          <p:cNvSpPr>
-            <a:spLocks noGrp="1" noRot="1" noChangeAspect="1" noTextEdit="1"/>
-          </p:cNvSpPr>
-          <p:nvPr>
-            <p:ph type="sldImg"/>
-          </p:nvPr>
-        </p:nvSpPr>
-        <p:spPr bwMode="auto">
-          <a:noFill/>
-          <a:ln>
-            <a:solidFill>
-              <a:srgbClr val="000000"/>
-            </a:solidFill>
-            <a:miter lim="800000"/>
-            <a:headEnd/>
-            <a:tailEnd/>
-          </a:ln>
-        </p:spPr>
-      </p:sp>
-      <p:sp>
-        <p:nvSpPr>
-          <p:cNvPr id="50179" name="Espaço Reservado para Anotações 2"/>
-          <p:cNvSpPr>
-            <a:spLocks noGrp="1"/>
-          </p:cNvSpPr>
-          <p:nvPr>
-            <p:ph type="body" idx="1"/>
-          </p:nvPr>
-        </p:nvSpPr>
-        <p:spPr bwMode="auto">
-          <a:noFill/>
-        </p:spPr>
-        <p:txBody>
-          <a:bodyPr wrap="square" numCol="1" anchor="t" anchorCtr="0" compatLnSpc="1">
-            <a:prstTxWarp prst="textNoShape">
-              <a:avLst/>
-            </a:prstTxWarp>
-          </a:bodyPr>
-          <a:lstStyle/>
-          <a:p>
-            <a:endParaRPr lang="pt-BR" smtClean="0"/>
-          </a:p>
-        </p:txBody>
-      </p:sp>
-      <p:sp>
-        <p:nvSpPr>
-          <p:cNvPr id="4" name="Espaço Reservado para Número de Slide 3"/>
-          <p:cNvSpPr>
-            <a:spLocks noGrp="1"/>
-          </p:cNvSpPr>
-          <p:nvPr>
-            <p:ph type="sldNum" sz="quarter" idx="5"/>
-          </p:nvPr>
-        </p:nvSpPr>
-        <p:spPr/>
-        <p:txBody>
-          <a:bodyPr/>
-          <a:lstStyle/>
-          <a:p>
-            <a:pPr>
-              <a:defRPr/>
-            </a:pPr>
-            <a:fld id="{D1504F8C-84CC-4741-AE25-BE957FF16396}" type="slidenum">
-              <a:rPr lang="pt-BR" smtClean="0"/>
-              <a:pPr>
-                <a:defRPr/>
-              </a:pPr>
-              <a:t>20</a:t>
             </a:fld>
             <a:endParaRPr lang="pt-BR"/>
           </a:p>
@@ -3027,7 +2925,7 @@
               <a:pPr>
                 <a:defRPr/>
               </a:pPr>
-              <a:t>16/04/2012</a:t>
+              <a:t>17/04/2012</a:t>
             </a:fld>
             <a:endParaRPr lang="pt-BR"/>
           </a:p>
@@ -3226,7 +3124,7 @@
               <a:pPr>
                 <a:defRPr/>
               </a:pPr>
-              <a:t>16/04/2012</a:t>
+              <a:t>17/04/2012</a:t>
             </a:fld>
             <a:endParaRPr lang="pt-BR"/>
           </a:p>
@@ -3428,7 +3326,7 @@
               <a:pPr>
                 <a:defRPr/>
               </a:pPr>
-              <a:t>16/04/2012</a:t>
+              <a:t>17/04/2012</a:t>
             </a:fld>
             <a:endParaRPr lang="pt-BR"/>
           </a:p>
@@ -3624,7 +3522,7 @@
               <a:pPr>
                 <a:defRPr/>
               </a:pPr>
-              <a:t>16/04/2012</a:t>
+              <a:t>17/04/2012</a:t>
             </a:fld>
             <a:endParaRPr lang="pt-BR"/>
           </a:p>
@@ -4130,7 +4028,7 @@
               <a:pPr>
                 <a:defRPr/>
               </a:pPr>
-              <a:t>16/04/2012</a:t>
+              <a:t>17/04/2012</a:t>
             </a:fld>
             <a:endParaRPr lang="pt-BR"/>
           </a:p>
@@ -4421,7 +4319,7 @@
               <a:pPr>
                 <a:defRPr/>
               </a:pPr>
-              <a:t>16/04/2012</a:t>
+              <a:t>17/04/2012</a:t>
             </a:fld>
             <a:endParaRPr lang="pt-BR"/>
           </a:p>
@@ -4822,7 +4720,7 @@
               <a:pPr>
                 <a:defRPr/>
               </a:pPr>
-              <a:t>16/04/2012</a:t>
+              <a:t>17/04/2012</a:t>
             </a:fld>
             <a:endParaRPr lang="pt-BR"/>
           </a:p>
@@ -4971,7 +4869,7 @@
               <a:pPr>
                 <a:defRPr/>
               </a:pPr>
-              <a:t>16/04/2012</a:t>
+              <a:t>17/04/2012</a:t>
             </a:fld>
             <a:endParaRPr lang="pt-BR"/>
           </a:p>
@@ -5088,7 +4986,7 @@
               <a:pPr>
                 <a:defRPr/>
               </a:pPr>
-              <a:t>16/04/2012</a:t>
+              <a:t>17/04/2012</a:t>
             </a:fld>
             <a:endParaRPr lang="pt-BR"/>
           </a:p>
@@ -5364,7 +5262,7 @@
               <a:pPr>
                 <a:defRPr/>
               </a:pPr>
-              <a:t>16/04/2012</a:t>
+              <a:t>17/04/2012</a:t>
             </a:fld>
             <a:endParaRPr lang="pt-BR"/>
           </a:p>
@@ -5648,7 +5546,7 @@
               <a:pPr>
                 <a:defRPr/>
               </a:pPr>
-              <a:t>16/04/2012</a:t>
+              <a:t>17/04/2012</a:t>
             </a:fld>
             <a:endParaRPr lang="pt-BR"/>
           </a:p>
@@ -6126,7 +6024,7 @@
               <a:pPr>
                 <a:defRPr/>
               </a:pPr>
-              <a:t>16/04/2012</a:t>
+              <a:t>17/04/2012</a:t>
             </a:fld>
             <a:endParaRPr lang="pt-BR"/>
           </a:p>
@@ -6781,7 +6679,7 @@
       </p:grpSpPr>
       <p:sp>
         <p:nvSpPr>
-          <p:cNvPr id="11266" name="Título 1"/>
+          <p:cNvPr id="10242" name="Título 1"/>
           <p:cNvSpPr>
             <a:spLocks noGrp="1"/>
           </p:cNvSpPr>
@@ -6789,7 +6687,12 @@
             <p:ph type="title"/>
           </p:nvPr>
         </p:nvSpPr>
-        <p:spPr/>
+        <p:spPr>
+          <a:xfrm>
+            <a:off x="457200" y="274638"/>
+            <a:ext cx="7643192" cy="1143000"/>
+          </a:xfrm>
+        </p:spPr>
         <p:txBody>
           <a:bodyPr/>
           <a:lstStyle/>
@@ -6797,30 +6700,14 @@
             <a:pPr eaLnBrk="1" hangingPunct="1"/>
             <a:r>
               <a:rPr lang="pt-BR" dirty="0" smtClean="0"/>
-              <a:t>A classe </a:t>
-            </a:r>
-            <a:r>
-              <a:rPr lang="pt-BR" dirty="0" err="1" smtClean="0"/>
-              <a:t>java</a:t>
-            </a:r>
-            <a:r>
-              <a:rPr lang="pt-BR" dirty="0" smtClean="0"/>
-              <a:t>.</a:t>
-            </a:r>
-            <a:r>
-              <a:rPr lang="pt-BR" dirty="0" err="1" smtClean="0"/>
-              <a:t>lang</a:t>
-            </a:r>
-            <a:r>
-              <a:rPr lang="pt-BR" dirty="0" smtClean="0"/>
-              <a:t>.Thread</a:t>
-            </a:r>
-          </a:p>
-        </p:txBody>
-      </p:sp>
-      <p:sp>
-        <p:nvSpPr>
-          <p:cNvPr id="11267" name="Espaço Reservado para Conteúdo 2"/>
+              <a:t>Criando e executando threads</a:t>
+            </a:r>
+          </a:p>
+        </p:txBody>
+      </p:sp>
+      <p:sp>
+        <p:nvSpPr>
+          <p:cNvPr id="10243" name="Espaço Reservado para Conteúdo 2"/>
           <p:cNvSpPr>
             <a:spLocks noGrp="1"/>
           </p:cNvSpPr>
@@ -6828,12 +6715,506 @@
             <p:ph idx="1"/>
           </p:nvPr>
         </p:nvSpPr>
-        <p:spPr/>
+        <p:spPr>
+          <a:xfrm>
+            <a:off x="467544" y="1600200"/>
+            <a:ext cx="7200800" cy="4525963"/>
+          </a:xfrm>
+        </p:spPr>
         <p:txBody>
           <a:bodyPr/>
           <a:lstStyle/>
           <a:p>
-            <a:endParaRPr lang="pt-BR" smtClean="0"/>
+            <a:pPr>
+              <a:spcBef>
+                <a:spcPts val="3000"/>
+              </a:spcBef>
+              <a:tabLst>
+                <a:tab pos="539750" algn="l"/>
+                <a:tab pos="984250" algn="l"/>
+              </a:tabLst>
+            </a:pPr>
+            <a:r>
+              <a:rPr lang="pt-BR" sz="2400" u="sng" dirty="0" smtClean="0"/>
+              <a:t>Forma </a:t>
+            </a:r>
+            <a:r>
+              <a:rPr lang="pt-BR" sz="2400" u="sng" dirty="0" smtClean="0"/>
+              <a:t>2</a:t>
+            </a:r>
+            <a:endParaRPr lang="pt-BR" sz="2400" u="sng" dirty="0" smtClean="0"/>
+          </a:p>
+          <a:p>
+            <a:pPr marL="0" indent="0">
+              <a:spcBef>
+                <a:spcPts val="0"/>
+              </a:spcBef>
+              <a:buNone/>
+              <a:tabLst>
+                <a:tab pos="539750" algn="l"/>
+                <a:tab pos="984250" algn="l"/>
+              </a:tabLst>
+            </a:pPr>
+            <a:endParaRPr lang="pt-BR" sz="2000" dirty="0" smtClean="0"/>
+          </a:p>
+          <a:p>
+            <a:pPr marL="900113" indent="0">
+              <a:lnSpc>
+                <a:spcPct val="90000"/>
+              </a:lnSpc>
+              <a:spcBef>
+                <a:spcPts val="0"/>
+              </a:spcBef>
+              <a:buNone/>
+              <a:tabLst>
+                <a:tab pos="1344613" algn="l"/>
+                <a:tab pos="1787525" algn="l"/>
+              </a:tabLst>
+            </a:pPr>
+            <a:r>
+              <a:rPr lang="pt-BR" sz="2000" dirty="0" err="1" smtClean="0"/>
+              <a:t>public</a:t>
+            </a:r>
+            <a:r>
+              <a:rPr lang="pt-BR" sz="2000" dirty="0" smtClean="0"/>
+              <a:t> </a:t>
+            </a:r>
+            <a:r>
+              <a:rPr lang="pt-BR" sz="2000" dirty="0" err="1" smtClean="0"/>
+              <a:t>class</a:t>
+            </a:r>
+            <a:r>
+              <a:rPr lang="pt-BR" sz="2000" dirty="0" smtClean="0"/>
+              <a:t> </a:t>
+            </a:r>
+            <a:r>
+              <a:rPr lang="pt-BR" sz="2000" dirty="0" err="1" smtClean="0">
+                <a:solidFill>
+                  <a:srgbClr val="FFC000"/>
+                </a:solidFill>
+              </a:rPr>
+              <a:t>MinhaThread</a:t>
+            </a:r>
+            <a:r>
+              <a:rPr lang="pt-BR" sz="2000" dirty="0" smtClean="0"/>
+              <a:t> </a:t>
+            </a:r>
+            <a:r>
+              <a:rPr lang="pt-BR" sz="2000" dirty="0" err="1" smtClean="0"/>
+              <a:t>implements</a:t>
+            </a:r>
+            <a:r>
+              <a:rPr lang="pt-BR" sz="2000" dirty="0" smtClean="0"/>
+              <a:t> </a:t>
+            </a:r>
+            <a:r>
+              <a:rPr lang="pt-BR" sz="2000" dirty="0" err="1" smtClean="0">
+                <a:solidFill>
+                  <a:srgbClr val="FFC000"/>
+                </a:solidFill>
+              </a:rPr>
+              <a:t>Runnable</a:t>
+            </a:r>
+            <a:r>
+              <a:rPr lang="pt-BR" sz="2000" dirty="0" smtClean="0"/>
+              <a:t> </a:t>
+            </a:r>
+            <a:r>
+              <a:rPr lang="pt-BR" sz="2000" dirty="0" smtClean="0"/>
+              <a:t>{</a:t>
+            </a:r>
+          </a:p>
+          <a:p>
+            <a:pPr marL="900113" indent="0">
+              <a:lnSpc>
+                <a:spcPct val="90000"/>
+              </a:lnSpc>
+              <a:spcBef>
+                <a:spcPts val="0"/>
+              </a:spcBef>
+              <a:buNone/>
+              <a:tabLst>
+                <a:tab pos="1344613" algn="l"/>
+                <a:tab pos="1787525" algn="l"/>
+              </a:tabLst>
+            </a:pPr>
+            <a:r>
+              <a:rPr lang="pt-BR" sz="2000" dirty="0" smtClean="0"/>
+              <a:t>	</a:t>
+            </a:r>
+            <a:r>
+              <a:rPr lang="pt-BR" sz="2000" dirty="0" err="1" smtClean="0"/>
+              <a:t>public</a:t>
+            </a:r>
+            <a:r>
+              <a:rPr lang="pt-BR" sz="2000" dirty="0" smtClean="0"/>
+              <a:t> </a:t>
+            </a:r>
+            <a:r>
+              <a:rPr lang="pt-BR" sz="2000" dirty="0" err="1" smtClean="0"/>
+              <a:t>void</a:t>
+            </a:r>
+            <a:r>
+              <a:rPr lang="pt-BR" sz="2000" dirty="0" smtClean="0"/>
+              <a:t> </a:t>
+            </a:r>
+            <a:r>
+              <a:rPr lang="pt-BR" sz="2000" dirty="0" err="1" smtClean="0">
+                <a:solidFill>
+                  <a:srgbClr val="FFC000"/>
+                </a:solidFill>
+              </a:rPr>
+              <a:t>run</a:t>
+            </a:r>
+            <a:r>
+              <a:rPr lang="pt-BR" sz="2000" dirty="0" smtClean="0"/>
+              <a:t>() {</a:t>
+            </a:r>
+          </a:p>
+          <a:p>
+            <a:pPr marL="900113" indent="0">
+              <a:lnSpc>
+                <a:spcPct val="90000"/>
+              </a:lnSpc>
+              <a:spcBef>
+                <a:spcPts val="0"/>
+              </a:spcBef>
+              <a:buNone/>
+              <a:tabLst>
+                <a:tab pos="1344613" algn="l"/>
+                <a:tab pos="1787525" algn="l"/>
+              </a:tabLst>
+            </a:pPr>
+            <a:r>
+              <a:rPr lang="pt-BR" sz="2000" dirty="0" smtClean="0"/>
+              <a:t>		...</a:t>
+            </a:r>
+          </a:p>
+          <a:p>
+            <a:pPr marL="900113" indent="0">
+              <a:lnSpc>
+                <a:spcPct val="90000"/>
+              </a:lnSpc>
+              <a:spcBef>
+                <a:spcPts val="0"/>
+              </a:spcBef>
+              <a:buNone/>
+              <a:tabLst>
+                <a:tab pos="1344613" algn="l"/>
+                <a:tab pos="1787525" algn="l"/>
+              </a:tabLst>
+            </a:pPr>
+            <a:r>
+              <a:rPr lang="pt-BR" sz="2000" dirty="0" smtClean="0"/>
+              <a:t>		...</a:t>
+            </a:r>
+          </a:p>
+          <a:p>
+            <a:pPr marL="900113" indent="0">
+              <a:lnSpc>
+                <a:spcPct val="90000"/>
+              </a:lnSpc>
+              <a:spcBef>
+                <a:spcPts val="0"/>
+              </a:spcBef>
+              <a:buNone/>
+              <a:tabLst>
+                <a:tab pos="1344613" algn="l"/>
+                <a:tab pos="1787525" algn="l"/>
+              </a:tabLst>
+            </a:pPr>
+            <a:r>
+              <a:rPr lang="pt-BR" sz="2000" dirty="0" smtClean="0"/>
+              <a:t>	}</a:t>
+            </a:r>
+          </a:p>
+          <a:p>
+            <a:pPr marL="900113" indent="0">
+              <a:lnSpc>
+                <a:spcPct val="90000"/>
+              </a:lnSpc>
+              <a:spcBef>
+                <a:spcPts val="0"/>
+              </a:spcBef>
+              <a:buNone/>
+              <a:tabLst>
+                <a:tab pos="1344613" algn="l"/>
+                <a:tab pos="1787525" algn="l"/>
+              </a:tabLst>
+            </a:pPr>
+            <a:r>
+              <a:rPr lang="pt-BR" sz="2000" dirty="0" smtClean="0"/>
+              <a:t>}</a:t>
+            </a:r>
+          </a:p>
+          <a:p>
+            <a:pPr marL="900113" indent="0">
+              <a:lnSpc>
+                <a:spcPct val="90000"/>
+              </a:lnSpc>
+              <a:spcBef>
+                <a:spcPts val="0"/>
+              </a:spcBef>
+              <a:buNone/>
+              <a:tabLst>
+                <a:tab pos="1344613" algn="l"/>
+                <a:tab pos="1787525" algn="l"/>
+              </a:tabLst>
+            </a:pPr>
+            <a:endParaRPr lang="pt-BR" sz="2000" dirty="0" smtClean="0"/>
+          </a:p>
+          <a:p>
+            <a:pPr marL="900113" indent="0">
+              <a:lnSpc>
+                <a:spcPct val="90000"/>
+              </a:lnSpc>
+              <a:spcBef>
+                <a:spcPts val="0"/>
+              </a:spcBef>
+              <a:buNone/>
+              <a:tabLst>
+                <a:tab pos="1344613" algn="l"/>
+                <a:tab pos="1787525" algn="l"/>
+              </a:tabLst>
+            </a:pPr>
+            <a:r>
+              <a:rPr lang="pt-BR" sz="2000" dirty="0" err="1" smtClean="0"/>
+              <a:t>public</a:t>
+            </a:r>
+            <a:r>
+              <a:rPr lang="pt-BR" sz="2000" dirty="0" smtClean="0"/>
+              <a:t> </a:t>
+            </a:r>
+            <a:r>
+              <a:rPr lang="pt-BR" sz="2000" dirty="0" err="1" smtClean="0"/>
+              <a:t>class</a:t>
+            </a:r>
+            <a:r>
+              <a:rPr lang="pt-BR" sz="2000" dirty="0" smtClean="0"/>
+              <a:t> Principal {</a:t>
+            </a:r>
+          </a:p>
+          <a:p>
+            <a:pPr marL="900113" indent="0">
+              <a:lnSpc>
+                <a:spcPct val="90000"/>
+              </a:lnSpc>
+              <a:spcBef>
+                <a:spcPts val="0"/>
+              </a:spcBef>
+              <a:buNone/>
+              <a:tabLst>
+                <a:tab pos="1344613" algn="l"/>
+                <a:tab pos="1787525" algn="l"/>
+              </a:tabLst>
+            </a:pPr>
+            <a:r>
+              <a:rPr lang="pt-BR" sz="2000" dirty="0" smtClean="0"/>
+              <a:t>	</a:t>
+            </a:r>
+            <a:r>
+              <a:rPr lang="pt-BR" sz="2000" dirty="0" err="1" smtClean="0"/>
+              <a:t>public</a:t>
+            </a:r>
+            <a:r>
+              <a:rPr lang="pt-BR" sz="2000" dirty="0" smtClean="0"/>
+              <a:t> </a:t>
+            </a:r>
+            <a:r>
+              <a:rPr lang="pt-BR" sz="2000" dirty="0" err="1" smtClean="0"/>
+              <a:t>static</a:t>
+            </a:r>
+            <a:r>
+              <a:rPr lang="pt-BR" sz="2000" dirty="0" smtClean="0"/>
+              <a:t> </a:t>
+            </a:r>
+            <a:r>
+              <a:rPr lang="pt-BR" sz="2000" dirty="0" err="1" smtClean="0"/>
+              <a:t>void</a:t>
+            </a:r>
+            <a:r>
+              <a:rPr lang="pt-BR" sz="2000" dirty="0" smtClean="0"/>
+              <a:t> </a:t>
+            </a:r>
+            <a:r>
+              <a:rPr lang="pt-BR" sz="2000" dirty="0" err="1" smtClean="0">
+                <a:solidFill>
+                  <a:srgbClr val="FFC000"/>
+                </a:solidFill>
+              </a:rPr>
+              <a:t>main</a:t>
+            </a:r>
+            <a:r>
+              <a:rPr lang="pt-BR" sz="2000" dirty="0" smtClean="0"/>
+              <a:t>(String[] </a:t>
+            </a:r>
+            <a:r>
+              <a:rPr lang="pt-BR" sz="2000" dirty="0" err="1" smtClean="0"/>
+              <a:t>args</a:t>
+            </a:r>
+            <a:r>
+              <a:rPr lang="pt-BR" sz="2000" dirty="0" smtClean="0"/>
+              <a:t>) {</a:t>
+            </a:r>
+          </a:p>
+          <a:p>
+            <a:pPr marL="900113" indent="0">
+              <a:lnSpc>
+                <a:spcPct val="90000"/>
+              </a:lnSpc>
+              <a:spcBef>
+                <a:spcPts val="0"/>
+              </a:spcBef>
+              <a:buNone/>
+              <a:tabLst>
+                <a:tab pos="1344613" algn="l"/>
+                <a:tab pos="1787525" algn="l"/>
+              </a:tabLst>
+            </a:pPr>
+            <a:r>
+              <a:rPr lang="pt-BR" sz="2000" dirty="0" smtClean="0"/>
+              <a:t>		Thread t = </a:t>
+            </a:r>
+            <a:r>
+              <a:rPr lang="pt-BR" sz="2000" dirty="0" err="1" smtClean="0"/>
+              <a:t>new</a:t>
+            </a:r>
+            <a:r>
+              <a:rPr lang="pt-BR" sz="2000" dirty="0" smtClean="0"/>
+              <a:t> Thread(</a:t>
+            </a:r>
+            <a:r>
+              <a:rPr lang="pt-BR" sz="2000" dirty="0" err="1" smtClean="0"/>
+              <a:t>new</a:t>
+            </a:r>
+            <a:r>
+              <a:rPr lang="pt-BR" sz="2000" dirty="0" smtClean="0"/>
+              <a:t> </a:t>
+            </a:r>
+            <a:r>
+              <a:rPr lang="pt-BR" sz="2000" dirty="0" err="1" smtClean="0">
+                <a:solidFill>
+                  <a:srgbClr val="FFC000"/>
+                </a:solidFill>
+              </a:rPr>
+              <a:t>MinhaThread</a:t>
+            </a:r>
+            <a:r>
+              <a:rPr lang="pt-BR" sz="2000" dirty="0" smtClean="0"/>
+              <a:t>());</a:t>
+            </a:r>
+            <a:endParaRPr lang="pt-BR" sz="2000" dirty="0" smtClean="0"/>
+          </a:p>
+          <a:p>
+            <a:pPr marL="900113" indent="0">
+              <a:lnSpc>
+                <a:spcPct val="90000"/>
+              </a:lnSpc>
+              <a:spcBef>
+                <a:spcPts val="0"/>
+              </a:spcBef>
+              <a:buNone/>
+              <a:tabLst>
+                <a:tab pos="1344613" algn="l"/>
+                <a:tab pos="1787525" algn="l"/>
+              </a:tabLst>
+            </a:pPr>
+            <a:r>
+              <a:rPr lang="pt-BR" sz="2000" dirty="0" smtClean="0"/>
+              <a:t>		</a:t>
+            </a:r>
+            <a:r>
+              <a:rPr lang="pt-BR" sz="2000" dirty="0" err="1" smtClean="0"/>
+              <a:t>t.</a:t>
+            </a:r>
+            <a:r>
+              <a:rPr lang="pt-BR" sz="2000" dirty="0" err="1" smtClean="0">
+                <a:solidFill>
+                  <a:srgbClr val="FFC000"/>
+                </a:solidFill>
+              </a:rPr>
+              <a:t>start</a:t>
+            </a:r>
+            <a:r>
+              <a:rPr lang="pt-BR" sz="2000" dirty="0" smtClean="0"/>
+              <a:t>();</a:t>
+            </a:r>
+          </a:p>
+          <a:p>
+            <a:pPr marL="900113" indent="0">
+              <a:lnSpc>
+                <a:spcPct val="90000"/>
+              </a:lnSpc>
+              <a:spcBef>
+                <a:spcPts val="0"/>
+              </a:spcBef>
+              <a:buNone/>
+              <a:tabLst>
+                <a:tab pos="1344613" algn="l"/>
+                <a:tab pos="1787525" algn="l"/>
+              </a:tabLst>
+            </a:pPr>
+            <a:r>
+              <a:rPr lang="pt-BR" sz="2000" dirty="0" smtClean="0"/>
+              <a:t>		...</a:t>
+            </a:r>
+          </a:p>
+          <a:p>
+            <a:pPr marL="900113" indent="0">
+              <a:lnSpc>
+                <a:spcPct val="90000"/>
+              </a:lnSpc>
+              <a:spcBef>
+                <a:spcPts val="0"/>
+              </a:spcBef>
+              <a:buNone/>
+              <a:tabLst>
+                <a:tab pos="1344613" algn="l"/>
+                <a:tab pos="1787525" algn="l"/>
+              </a:tabLst>
+            </a:pPr>
+            <a:r>
+              <a:rPr lang="pt-BR" sz="2000" dirty="0" smtClean="0"/>
+              <a:t>		...</a:t>
+            </a:r>
+          </a:p>
+          <a:p>
+            <a:pPr marL="900113" indent="0">
+              <a:lnSpc>
+                <a:spcPct val="90000"/>
+              </a:lnSpc>
+              <a:spcBef>
+                <a:spcPts val="0"/>
+              </a:spcBef>
+              <a:buNone/>
+              <a:tabLst>
+                <a:tab pos="1344613" algn="l"/>
+                <a:tab pos="1787525" algn="l"/>
+              </a:tabLst>
+            </a:pPr>
+            <a:r>
+              <a:rPr lang="pt-BR" sz="2000" dirty="0" smtClean="0"/>
+              <a:t>	}</a:t>
+            </a:r>
+          </a:p>
+          <a:p>
+            <a:pPr marL="900113" indent="0">
+              <a:lnSpc>
+                <a:spcPct val="90000"/>
+              </a:lnSpc>
+              <a:spcBef>
+                <a:spcPts val="0"/>
+              </a:spcBef>
+              <a:buNone/>
+              <a:tabLst>
+                <a:tab pos="1344613" algn="l"/>
+                <a:tab pos="1787525" algn="l"/>
+              </a:tabLst>
+            </a:pPr>
+            <a:r>
+              <a:rPr lang="pt-BR" sz="2000" dirty="0" smtClean="0"/>
+              <a:t>}</a:t>
+            </a:r>
           </a:p>
         </p:txBody>
       </p:sp>
@@ -6900,7 +7281,7 @@
       </p:grpSpPr>
       <p:sp>
         <p:nvSpPr>
-          <p:cNvPr id="12290" name="Título 1"/>
+          <p:cNvPr id="13314" name="Título 1"/>
           <p:cNvSpPr>
             <a:spLocks noGrp="1"/>
           </p:cNvSpPr>
@@ -6916,35 +7297,14 @@
             <a:pPr eaLnBrk="1" hangingPunct="1"/>
             <a:r>
               <a:rPr lang="pt-BR" dirty="0" smtClean="0"/>
-              <a:t>A interface </a:t>
-            </a:r>
-            <a:r>
-              <a:rPr lang="pt-BR" dirty="0" err="1" smtClean="0"/>
-              <a:t>java</a:t>
-            </a:r>
-            <a:r>
-              <a:rPr lang="pt-BR" dirty="0" smtClean="0"/>
-              <a:t>.</a:t>
-            </a:r>
-            <a:r>
-              <a:rPr lang="pt-BR" dirty="0" err="1" smtClean="0"/>
-              <a:t>lang</a:t>
-            </a:r>
-            <a:r>
-              <a:rPr lang="pt-BR" dirty="0" smtClean="0"/>
-              <a:t>.</a:t>
-            </a:r>
-            <a:r>
-              <a:rPr lang="pt-BR" dirty="0" err="1" smtClean="0"/>
-              <a:t>Runnable</a:t>
-            </a:r>
-            <a:endParaRPr lang="pt-BR" dirty="0" smtClean="0"/>
-          </a:p>
-        </p:txBody>
-      </p:sp>
-      <p:sp>
-        <p:nvSpPr>
-          <p:cNvPr id="12291" name="Espaço Reservado para Conteúdo 2"/>
+              <a:t>Construtores</a:t>
+            </a:r>
+          </a:p>
+        </p:txBody>
+      </p:sp>
+      <p:sp>
+        <p:nvSpPr>
+          <p:cNvPr id="13315" name="Espaço Reservado para Conteúdo 2"/>
           <p:cNvSpPr>
             <a:spLocks noGrp="1"/>
           </p:cNvSpPr>
@@ -6957,7 +7317,7 @@
           <a:bodyPr/>
           <a:lstStyle/>
           <a:p>
-            <a:endParaRPr lang="pt-BR" smtClean="0"/>
+            <a:endParaRPr lang="pt-BR" dirty="0" smtClean="0"/>
           </a:p>
         </p:txBody>
       </p:sp>
@@ -7024,7 +7384,7 @@
       </p:grpSpPr>
       <p:sp>
         <p:nvSpPr>
-          <p:cNvPr id="13314" name="Título 1"/>
+          <p:cNvPr id="14338" name="Título 1"/>
           <p:cNvSpPr>
             <a:spLocks noGrp="1"/>
           </p:cNvSpPr>
@@ -7040,14 +7400,14 @@
             <a:pPr eaLnBrk="1" hangingPunct="1"/>
             <a:r>
               <a:rPr lang="pt-BR" dirty="0" smtClean="0"/>
-              <a:t>Construtores</a:t>
-            </a:r>
-          </a:p>
-        </p:txBody>
-      </p:sp>
-      <p:sp>
-        <p:nvSpPr>
-          <p:cNvPr id="13315" name="Espaço Reservado para Conteúdo 2"/>
+              <a:t>Estados da thread</a:t>
+            </a:r>
+          </a:p>
+        </p:txBody>
+      </p:sp>
+      <p:sp>
+        <p:nvSpPr>
+          <p:cNvPr id="14339" name="Espaço Reservado para Conteúdo 2"/>
           <p:cNvSpPr>
             <a:spLocks noGrp="1"/>
           </p:cNvSpPr>
@@ -7060,7 +7420,41 @@
           <a:bodyPr/>
           <a:lstStyle/>
           <a:p>
-            <a:endParaRPr lang="pt-BR" smtClean="0"/>
+            <a:r>
+              <a:rPr lang="pt-BR" dirty="0" smtClean="0"/>
+              <a:t>Executando</a:t>
+            </a:r>
+          </a:p>
+          <a:p>
+            <a:r>
+              <a:rPr lang="pt-BR" dirty="0" smtClean="0"/>
+              <a:t>Pronta para ser executada</a:t>
+            </a:r>
+          </a:p>
+          <a:p>
+            <a:r>
+              <a:rPr lang="pt-BR" dirty="0" smtClean="0"/>
+              <a:t>Suspensa</a:t>
+            </a:r>
+          </a:p>
+          <a:p>
+            <a:r>
+              <a:rPr lang="pt-BR" dirty="0" smtClean="0"/>
+              <a:t>Dormindo</a:t>
+            </a:r>
+          </a:p>
+          <a:p>
+            <a:r>
+              <a:rPr lang="pt-BR" dirty="0" smtClean="0"/>
+              <a:t>Bloqueada</a:t>
+            </a:r>
+          </a:p>
+          <a:p>
+            <a:r>
+              <a:rPr lang="pt-BR" smtClean="0"/>
+              <a:t>Morta</a:t>
+            </a:r>
+            <a:endParaRPr lang="pt-BR" dirty="0" smtClean="0"/>
           </a:p>
         </p:txBody>
       </p:sp>
@@ -7127,7 +7521,7 @@
       </p:grpSpPr>
       <p:sp>
         <p:nvSpPr>
-          <p:cNvPr id="14338" name="Título 1"/>
+          <p:cNvPr id="15362" name="Título 1"/>
           <p:cNvSpPr>
             <a:spLocks noGrp="1"/>
           </p:cNvSpPr>
@@ -7143,14 +7537,23 @@
             <a:pPr eaLnBrk="1" hangingPunct="1"/>
             <a:r>
               <a:rPr lang="pt-BR" dirty="0" smtClean="0"/>
-              <a:t>Estados da thread</a:t>
-            </a:r>
-          </a:p>
-        </p:txBody>
-      </p:sp>
-      <p:sp>
-        <p:nvSpPr>
-          <p:cNvPr id="14339" name="Espaço Reservado para Conteúdo 2"/>
+              <a:t>O</a:t>
+            </a:r>
+            <a:r>
+              <a:rPr lang="pt-BR" baseline="0" dirty="0" smtClean="0"/>
+              <a:t> </a:t>
+            </a:r>
+            <a:r>
+              <a:rPr lang="pt-BR" dirty="0" err="1" smtClean="0"/>
+              <a:t>Scheduler</a:t>
+            </a:r>
+            <a:endParaRPr lang="pt-BR" dirty="0" smtClean="0"/>
+          </a:p>
+        </p:txBody>
+      </p:sp>
+      <p:sp>
+        <p:nvSpPr>
+          <p:cNvPr id="15363" name="Espaço Reservado para Conteúdo 2"/>
           <p:cNvSpPr>
             <a:spLocks noGrp="1"/>
           </p:cNvSpPr>
@@ -7201,13 +7604,6 @@
   <p:clrMapOvr>
     <a:masterClrMapping/>
   </p:clrMapOvr>
-  <p:timing>
-    <p:tnLst>
-      <p:par>
-        <p:cTn id="1" dur="indefinite" restart="never" nodeType="tmRoot"/>
-      </p:par>
-    </p:tnLst>
-  </p:timing>
 </p:sld>
 </file>
 
@@ -7230,7 +7626,7 @@
       </p:grpSpPr>
       <p:sp>
         <p:nvSpPr>
-          <p:cNvPr id="15362" name="Título 1"/>
+          <p:cNvPr id="16386" name="Título 1"/>
           <p:cNvSpPr>
             <a:spLocks noGrp="1"/>
           </p:cNvSpPr>
@@ -7246,23 +7642,14 @@
             <a:pPr eaLnBrk="1" hangingPunct="1"/>
             <a:r>
               <a:rPr lang="pt-BR" dirty="0" smtClean="0"/>
-              <a:t>O</a:t>
-            </a:r>
-            <a:r>
-              <a:rPr lang="pt-BR" baseline="0" dirty="0" smtClean="0"/>
-              <a:t> </a:t>
-            </a:r>
-            <a:r>
-              <a:rPr lang="pt-BR" dirty="0" err="1" smtClean="0"/>
-              <a:t>Scheduler</a:t>
-            </a:r>
-            <a:endParaRPr lang="pt-BR" dirty="0" smtClean="0"/>
-          </a:p>
-        </p:txBody>
-      </p:sp>
-      <p:sp>
-        <p:nvSpPr>
-          <p:cNvPr id="15363" name="Espaço Reservado para Conteúdo 2"/>
+              <a:t>Prioridades das threads</a:t>
+            </a:r>
+          </a:p>
+        </p:txBody>
+      </p:sp>
+      <p:sp>
+        <p:nvSpPr>
+          <p:cNvPr id="16387" name="Espaço Reservado para Conteúdo 2"/>
           <p:cNvSpPr>
             <a:spLocks noGrp="1"/>
           </p:cNvSpPr>
@@ -7335,7 +7722,7 @@
       </p:grpSpPr>
       <p:sp>
         <p:nvSpPr>
-          <p:cNvPr id="16386" name="Título 1"/>
+          <p:cNvPr id="2" name="Título 1"/>
           <p:cNvSpPr>
             <a:spLocks noGrp="1"/>
           </p:cNvSpPr>
@@ -7348,17 +7735,21 @@
           <a:bodyPr/>
           <a:lstStyle/>
           <a:p>
-            <a:pPr eaLnBrk="1" hangingPunct="1"/>
             <a:r>
               <a:rPr lang="pt-BR" dirty="0" smtClean="0"/>
-              <a:t>Prioridades das threads</a:t>
-            </a:r>
-          </a:p>
-        </p:txBody>
-      </p:sp>
-      <p:sp>
-        <p:nvSpPr>
-          <p:cNvPr id="16387" name="Espaço Reservado para Conteúdo 2"/>
+              <a:t>Estados</a:t>
+            </a:r>
+            <a:r>
+              <a:rPr lang="pt-BR" baseline="0" dirty="0" smtClean="0"/>
+              <a:t> de uma thread</a:t>
+            </a:r>
+            <a:endParaRPr lang="pt-BR" dirty="0"/>
+          </a:p>
+        </p:txBody>
+      </p:sp>
+      <p:sp>
+        <p:nvSpPr>
+          <p:cNvPr id="3" name="Espaço Reservado para Conteúdo 2"/>
           <p:cNvSpPr>
             <a:spLocks noGrp="1"/>
           </p:cNvSpPr>
@@ -7371,7 +7762,7 @@
           <a:bodyPr/>
           <a:lstStyle/>
           <a:p>
-            <a:endParaRPr lang="pt-BR" smtClean="0"/>
+            <a:endParaRPr lang="pt-BR"/>
           </a:p>
         </p:txBody>
       </p:sp>
@@ -7431,7 +7822,7 @@
       </p:grpSpPr>
       <p:sp>
         <p:nvSpPr>
-          <p:cNvPr id="2" name="Título 1"/>
+          <p:cNvPr id="21506" name="Título 1"/>
           <p:cNvSpPr>
             <a:spLocks noGrp="1"/>
           </p:cNvSpPr>
@@ -7444,21 +7835,17 @@
           <a:bodyPr/>
           <a:lstStyle/>
           <a:p>
+            <a:pPr eaLnBrk="1" hangingPunct="1"/>
             <a:r>
               <a:rPr lang="pt-BR" dirty="0" smtClean="0"/>
-              <a:t>Estados</a:t>
-            </a:r>
-            <a:r>
-              <a:rPr lang="pt-BR" baseline="0" dirty="0" smtClean="0"/>
-              <a:t> de uma thread</a:t>
-            </a:r>
-            <a:endParaRPr lang="pt-BR" dirty="0"/>
-          </a:p>
-        </p:txBody>
-      </p:sp>
-      <p:sp>
-        <p:nvSpPr>
-          <p:cNvPr id="3" name="Espaço Reservado para Conteúdo 2"/>
+              <a:t>Sincronização</a:t>
+            </a:r>
+          </a:p>
+        </p:txBody>
+      </p:sp>
+      <p:sp>
+        <p:nvSpPr>
+          <p:cNvPr id="21507" name="Espaço Reservado para Conteúdo 2"/>
           <p:cNvSpPr>
             <a:spLocks noGrp="1"/>
           </p:cNvSpPr>
@@ -7471,7 +7858,7 @@
           <a:bodyPr/>
           <a:lstStyle/>
           <a:p>
-            <a:endParaRPr lang="pt-BR"/>
+            <a:endParaRPr lang="pt-BR" smtClean="0"/>
           </a:p>
         </p:txBody>
       </p:sp>
@@ -7531,7 +7918,7 @@
       </p:grpSpPr>
       <p:sp>
         <p:nvSpPr>
-          <p:cNvPr id="21506" name="Título 1"/>
+          <p:cNvPr id="25602" name="Título 1"/>
           <p:cNvSpPr>
             <a:spLocks noGrp="1"/>
           </p:cNvSpPr>
@@ -7547,14 +7934,14 @@
             <a:pPr eaLnBrk="1" hangingPunct="1"/>
             <a:r>
               <a:rPr lang="pt-BR" dirty="0" smtClean="0"/>
-              <a:t>Sincronização</a:t>
-            </a:r>
-          </a:p>
-        </p:txBody>
-      </p:sp>
-      <p:sp>
-        <p:nvSpPr>
-          <p:cNvPr id="21507" name="Espaço Reservado para Conteúdo 2"/>
+              <a:t>Bloqueios</a:t>
+            </a:r>
+          </a:p>
+        </p:txBody>
+      </p:sp>
+      <p:sp>
+        <p:nvSpPr>
+          <p:cNvPr id="25603" name="Espaço Reservado para Conteúdo 2"/>
           <p:cNvSpPr>
             <a:spLocks noGrp="1"/>
           </p:cNvSpPr>
@@ -7627,7 +8014,7 @@
       </p:grpSpPr>
       <p:sp>
         <p:nvSpPr>
-          <p:cNvPr id="25602" name="Título 1"/>
+          <p:cNvPr id="26626" name="Título 1"/>
           <p:cNvSpPr>
             <a:spLocks noGrp="1"/>
           </p:cNvSpPr>
@@ -7642,15 +8029,16 @@
           <a:p>
             <a:pPr eaLnBrk="1" hangingPunct="1"/>
             <a:r>
-              <a:rPr lang="pt-BR" dirty="0" smtClean="0"/>
-              <a:t>Bloqueios</a:t>
-            </a:r>
-          </a:p>
-        </p:txBody>
-      </p:sp>
-      <p:sp>
-        <p:nvSpPr>
-          <p:cNvPr id="25603" name="Espaço Reservado para Conteúdo 2"/>
+              <a:rPr lang="pt-BR" dirty="0" err="1" smtClean="0"/>
+              <a:t>Deadlock</a:t>
+            </a:r>
+            <a:endParaRPr lang="pt-BR" dirty="0" smtClean="0"/>
+          </a:p>
+        </p:txBody>
+      </p:sp>
+      <p:sp>
+        <p:nvSpPr>
+          <p:cNvPr id="26627" name="Espaço Reservado para Conteúdo 2"/>
           <p:cNvSpPr>
             <a:spLocks noGrp="1"/>
           </p:cNvSpPr>
@@ -7723,7 +8111,7 @@
       </p:grpSpPr>
       <p:sp>
         <p:nvSpPr>
-          <p:cNvPr id="26626" name="Título 1"/>
+          <p:cNvPr id="27650" name="Título 1"/>
           <p:cNvSpPr>
             <a:spLocks noGrp="1"/>
           </p:cNvSpPr>
@@ -7738,16 +8126,15 @@
           <a:p>
             <a:pPr eaLnBrk="1" hangingPunct="1"/>
             <a:r>
-              <a:rPr lang="pt-BR" dirty="0" err="1" smtClean="0"/>
-              <a:t>Deadlock</a:t>
-            </a:r>
-            <a:endParaRPr lang="pt-BR" dirty="0" smtClean="0"/>
-          </a:p>
-        </p:txBody>
-      </p:sp>
-      <p:sp>
-        <p:nvSpPr>
-          <p:cNvPr id="26627" name="Espaço Reservado para Conteúdo 2"/>
+              <a:rPr lang="pt-BR" dirty="0" smtClean="0"/>
+              <a:t>Interação entre threads</a:t>
+            </a:r>
+          </a:p>
+        </p:txBody>
+      </p:sp>
+      <p:sp>
+        <p:nvSpPr>
+          <p:cNvPr id="27651" name="Espaço Reservado para Conteúdo 2"/>
           <p:cNvSpPr>
             <a:spLocks noGrp="1"/>
           </p:cNvSpPr>
@@ -8023,102 +8410,6 @@
       </p:par>
     </p:tnLst>
   </p:timing>
-</p:sld>
-</file>
-
-<file path=ppt/slides/slide20.xml><?xml version="1.0" encoding="utf-8"?>
-<p:sld xmlns:a="http://schemas.openxmlformats.org/drawingml/2006/main" xmlns:r="http://schemas.openxmlformats.org/officeDocument/2006/relationships" xmlns:p="http://schemas.openxmlformats.org/presentationml/2006/main">
-  <p:cSld>
-    <p:spTree>
-      <p:nvGrpSpPr>
-        <p:cNvPr id="1" name=""/>
-        <p:cNvGrpSpPr/>
-        <p:nvPr/>
-      </p:nvGrpSpPr>
-      <p:grpSpPr>
-        <a:xfrm>
-          <a:off x="0" y="0"/>
-          <a:ext cx="0" cy="0"/>
-          <a:chOff x="0" y="0"/>
-          <a:chExt cx="0" cy="0"/>
-        </a:xfrm>
-      </p:grpSpPr>
-      <p:sp>
-        <p:nvSpPr>
-          <p:cNvPr id="27650" name="Título 1"/>
-          <p:cNvSpPr>
-            <a:spLocks noGrp="1"/>
-          </p:cNvSpPr>
-          <p:nvPr>
-            <p:ph type="title"/>
-          </p:nvPr>
-        </p:nvSpPr>
-        <p:spPr/>
-        <p:txBody>
-          <a:bodyPr/>
-          <a:lstStyle/>
-          <a:p>
-            <a:pPr eaLnBrk="1" hangingPunct="1"/>
-            <a:r>
-              <a:rPr lang="pt-BR" dirty="0" smtClean="0"/>
-              <a:t>Interação entre threads</a:t>
-            </a:r>
-          </a:p>
-        </p:txBody>
-      </p:sp>
-      <p:sp>
-        <p:nvSpPr>
-          <p:cNvPr id="27651" name="Espaço Reservado para Conteúdo 2"/>
-          <p:cNvSpPr>
-            <a:spLocks noGrp="1"/>
-          </p:cNvSpPr>
-          <p:nvPr>
-            <p:ph idx="1"/>
-          </p:nvPr>
-        </p:nvSpPr>
-        <p:spPr/>
-        <p:txBody>
-          <a:bodyPr/>
-          <a:lstStyle/>
-          <a:p>
-            <a:endParaRPr lang="pt-BR" smtClean="0"/>
-          </a:p>
-        </p:txBody>
-      </p:sp>
-      <p:sp>
-        <p:nvSpPr>
-          <p:cNvPr id="4" name="Espaço Reservado para Número de Slide 3"/>
-          <p:cNvSpPr>
-            <a:spLocks noGrp="1"/>
-          </p:cNvSpPr>
-          <p:nvPr>
-            <p:ph type="sldNum" sz="quarter" idx="12"/>
-          </p:nvPr>
-        </p:nvSpPr>
-        <p:spPr/>
-        <p:txBody>
-          <a:bodyPr/>
-          <a:lstStyle/>
-          <a:p>
-            <a:pPr>
-              <a:defRPr/>
-            </a:pPr>
-            <a:fld id="{A3E49AD4-F76A-4E25-A0A5-9CD64D5A0A0D}" type="slidenum">
-              <a:rPr lang="pt-BR" smtClean="0"/>
-              <a:pPr>
-                <a:defRPr/>
-              </a:pPr>
-              <a:t>20</a:t>
-            </a:fld>
-            <a:endParaRPr lang="pt-BR"/>
-          </a:p>
-        </p:txBody>
-      </p:sp>
-    </p:spTree>
-  </p:cSld>
-  <p:clrMapOvr>
-    <a:masterClrMapping/>
-  </p:clrMapOvr>
 </p:sld>
 </file>
 
@@ -11478,11 +11769,7 @@
             </a:pPr>
             <a:r>
               <a:rPr lang="pt-BR" sz="2400" dirty="0" smtClean="0"/>
-              <a:t>Uma </a:t>
-            </a:r>
-            <a:r>
-              <a:rPr lang="pt-BR" sz="2400" dirty="0" smtClean="0"/>
-              <a:t>das formas mais simples de criar e executar uma nova thread é através da classe </a:t>
+              <a:t>Uma das formas mais simples de criar e executar uma nova thread é através da classe </a:t>
             </a:r>
             <a:r>
               <a:rPr lang="pt-BR" sz="2400" b="1" i="1" dirty="0" err="1" smtClean="0">
@@ -12305,15 +12592,7 @@
             </a:pPr>
             <a:r>
               <a:rPr lang="pt-BR" sz="2400" dirty="0" smtClean="0"/>
-              <a:t>Uma outra forma de </a:t>
-            </a:r>
-            <a:r>
-              <a:rPr lang="pt-BR" sz="2400" dirty="0" smtClean="0"/>
-              <a:t>criar e executar uma nova thread é através da </a:t>
-            </a:r>
-            <a:r>
-              <a:rPr lang="pt-BR" sz="2400" dirty="0" smtClean="0"/>
-              <a:t>interface </a:t>
+              <a:t>Uma outra forma de criar e executar uma nova thread é através da interface </a:t>
             </a:r>
             <a:r>
               <a:rPr lang="pt-BR" sz="2400" b="1" i="1" dirty="0" err="1" smtClean="0">
@@ -12359,7 +12638,6 @@
               <a:rPr lang="pt-BR" sz="2400" dirty="0" smtClean="0"/>
               <a:t>:</a:t>
             </a:r>
-            <a:endParaRPr lang="pt-BR" sz="2400" dirty="0" smtClean="0"/>
           </a:p>
           <a:p>
             <a:pPr marL="854075" lvl="1" indent="-514350">
@@ -12371,11 +12649,7 @@
             </a:pPr>
             <a:r>
               <a:rPr lang="pt-BR" sz="2000" dirty="0" smtClean="0"/>
-              <a:t>Crie uma nova classe </a:t>
-            </a:r>
-            <a:r>
-              <a:rPr lang="pt-BR" sz="2000" dirty="0" smtClean="0"/>
-              <a:t>que implementa a interface </a:t>
+              <a:t>Crie uma nova classe que implementa a interface </a:t>
             </a:r>
             <a:r>
               <a:rPr lang="pt-BR" sz="2000" b="1" i="1" dirty="0" err="1" smtClean="0"/>
@@ -12399,19 +12673,11 @@
             </a:r>
             <a:r>
               <a:rPr lang="pt-BR" sz="2000" dirty="0" smtClean="0"/>
-              <a:t> </a:t>
+              <a:t> e </a:t>
             </a:r>
             <a:r>
               <a:rPr lang="pt-BR" sz="2000" dirty="0" smtClean="0"/>
-              <a:t>e </a:t>
-            </a:r>
-            <a:r>
-              <a:rPr lang="pt-BR" sz="2000" dirty="0" err="1" smtClean="0"/>
-              <a:t>implement</a:t>
-            </a:r>
-            <a:r>
-              <a:rPr lang="pt-BR" sz="2000" dirty="0" smtClean="0"/>
-              <a:t> </a:t>
+              <a:t>implemente </a:t>
             </a:r>
             <a:r>
               <a:rPr lang="pt-BR" sz="2000" dirty="0" smtClean="0"/>
@@ -12449,19 +12715,51 @@
             </a:pPr>
             <a:r>
               <a:rPr lang="pt-BR" sz="2000" dirty="0" smtClean="0"/>
-              <a:t>A partir de sua aplicação principal crie uma </a:t>
+              <a:t>A partir de sua aplicação principal crie uma instância da classe </a:t>
+            </a:r>
+            <a:r>
+              <a:rPr lang="pt-BR" sz="2000" dirty="0" err="1" smtClean="0"/>
+              <a:t>java</a:t>
             </a:r>
             <a:r>
               <a:rPr lang="pt-BR" sz="2000" dirty="0" smtClean="0"/>
-              <a:t>instância da classe Thread passando uma instância de sua classe ao </a:t>
-            </a:r>
-            <a:r>
-              <a:rPr lang="pt-BR" sz="2000" smtClean="0"/>
-              <a:t>método construtor desta </a:t>
+              <a:t>.</a:t>
+            </a:r>
+            <a:r>
+              <a:rPr lang="pt-BR" sz="2000" dirty="0" err="1" smtClean="0"/>
+              <a:t>lang</a:t>
             </a:r>
             <a:r>
               <a:rPr lang="pt-BR" sz="2000" dirty="0" smtClean="0"/>
-              <a:t>classe thread e execute o seu método </a:t>
+              <a:t>.Thread </a:t>
+            </a:r>
+            <a:r>
+              <a:rPr lang="pt-BR" sz="2000" dirty="0" smtClean="0"/>
+              <a:t>passando </a:t>
+            </a:r>
+            <a:r>
+              <a:rPr lang="pt-BR" sz="2000" dirty="0" smtClean="0"/>
+              <a:t>em seu método construtor uma </a:t>
+            </a:r>
+            <a:r>
+              <a:rPr lang="pt-BR" sz="2000" dirty="0" smtClean="0"/>
+              <a:t>instância de sua </a:t>
+            </a:r>
+            <a:r>
+              <a:rPr lang="pt-BR" sz="2000" dirty="0" smtClean="0"/>
+              <a:t>classe de sua </a:t>
+            </a:r>
+            <a:r>
+              <a:rPr lang="pt-BR" sz="2000" dirty="0" smtClean="0"/>
+              <a:t>classe thread </a:t>
+            </a:r>
+            <a:r>
+              <a:rPr lang="pt-BR" sz="2000" dirty="0" smtClean="0"/>
+              <a:t>e então </a:t>
+            </a:r>
+            <a:r>
+              <a:rPr lang="pt-BR" sz="2000" dirty="0" smtClean="0"/>
+              <a:t>execute o seu método </a:t>
             </a:r>
             <a:r>
               <a:rPr lang="pt-BR" sz="2000" b="1" i="1" dirty="0" smtClean="0">
@@ -12469,8 +12767,29 @@
                   <a:srgbClr val="FFC000"/>
                 </a:solidFill>
               </a:rPr>
-              <a:t>start()</a:t>
-            </a:r>
+              <a:t>start</a:t>
+            </a:r>
+            <a:r>
+              <a:rPr lang="pt-BR" sz="2000" b="1" i="1" dirty="0" smtClean="0">
+                <a:solidFill>
+                  <a:srgbClr val="FFC000"/>
+                </a:solidFill>
+              </a:rPr>
+              <a:t>()</a:t>
+            </a:r>
+            <a:r>
+              <a:rPr lang="pt-BR" sz="2000" dirty="0" smtClean="0"/>
+              <a:t> </a:t>
+            </a:r>
+            <a:r>
+              <a:rPr lang="pt-BR" sz="2000" dirty="0" smtClean="0"/>
+              <a:t>da thread</a:t>
+            </a:r>
+            <a:endParaRPr lang="pt-BR" sz="2000" b="1" i="1" dirty="0" smtClean="0">
+              <a:solidFill>
+                <a:srgbClr val="FFC000"/>
+              </a:solidFill>
+            </a:endParaRPr>
           </a:p>
         </p:txBody>
       </p:sp>

--- a/2-Java-Programmer-Modulo-II/14.Capitulo08.pptx
+++ b/2-Java-Programmer-Modulo-II/14.Capitulo08.pptx
@@ -5,7 +5,7 @@
     <p:sldMasterId id="2147483660" r:id="rId1"/>
   </p:sldMasterIdLst>
   <p:notesMasterIdLst>
-    <p:notesMasterId r:id="rId21"/>
+    <p:notesMasterId r:id="rId28"/>
   </p:notesMasterIdLst>
   <p:sldIdLst>
     <p:sldId id="256" r:id="rId2"/>
@@ -20,13 +20,20 @@
     <p:sldId id="325" r:id="rId11"/>
     <p:sldId id="303" r:id="rId12"/>
     <p:sldId id="304" r:id="rId13"/>
-    <p:sldId id="305" r:id="rId14"/>
-    <p:sldId id="306" r:id="rId15"/>
-    <p:sldId id="318" r:id="rId16"/>
-    <p:sldId id="311" r:id="rId17"/>
-    <p:sldId id="315" r:id="rId18"/>
-    <p:sldId id="316" r:id="rId19"/>
-    <p:sldId id="317" r:id="rId20"/>
+    <p:sldId id="326" r:id="rId14"/>
+    <p:sldId id="328" r:id="rId15"/>
+    <p:sldId id="327" r:id="rId16"/>
+    <p:sldId id="330" r:id="rId17"/>
+    <p:sldId id="329" r:id="rId18"/>
+    <p:sldId id="331" r:id="rId19"/>
+    <p:sldId id="332" r:id="rId20"/>
+    <p:sldId id="305" r:id="rId21"/>
+    <p:sldId id="306" r:id="rId22"/>
+    <p:sldId id="318" r:id="rId23"/>
+    <p:sldId id="311" r:id="rId24"/>
+    <p:sldId id="315" r:id="rId25"/>
+    <p:sldId id="316" r:id="rId26"/>
+    <p:sldId id="317" r:id="rId27"/>
   </p:sldIdLst>
   <p:sldSz cx="9144000" cy="6858000" type="screen4x3"/>
   <p:notesSz cx="6858000" cy="9144000"/>
@@ -267,7 +274,7 @@
               <a:pPr>
                 <a:defRPr/>
               </a:pPr>
-              <a:t>17/04/2012</a:t>
+              <a:t>18/04/2012</a:t>
             </a:fld>
             <a:endParaRPr lang="pt-BR"/>
           </a:p>
@@ -1039,7 +1046,7 @@
       </p:grpSpPr>
       <p:sp>
         <p:nvSpPr>
-          <p:cNvPr id="37890" name="Espaço Reservado para Imagem de Slide 1"/>
+          <p:cNvPr id="36866" name="Espaço Reservado para Imagem de Slide 1"/>
           <p:cNvSpPr>
             <a:spLocks noGrp="1" noRot="1" noChangeAspect="1" noTextEdit="1"/>
           </p:cNvSpPr>
@@ -1061,7 +1068,7 @@
       </p:sp>
       <p:sp>
         <p:nvSpPr>
-          <p:cNvPr id="37891" name="Espaço Reservado para Anotações 2"/>
+          <p:cNvPr id="36867" name="Espaço Reservado para Anotações 2"/>
           <p:cNvSpPr>
             <a:spLocks noGrp="1"/>
           </p:cNvSpPr>
@@ -1102,7 +1109,7 @@
             <a:pPr>
               <a:defRPr/>
             </a:pPr>
-            <a:fld id="{CE299FDD-0BF1-4951-98DD-C05CFD2239CC}" type="slidenum">
+            <a:fld id="{9C861F01-F594-4F8E-816C-7353D6F44AC2}" type="slidenum">
               <a:rPr lang="pt-BR" smtClean="0"/>
               <a:pPr>
                 <a:defRPr/>
@@ -1140,7 +1147,7 @@
       </p:grpSpPr>
       <p:sp>
         <p:nvSpPr>
-          <p:cNvPr id="38914" name="Espaço Reservado para Imagem de Slide 1"/>
+          <p:cNvPr id="36866" name="Espaço Reservado para Imagem de Slide 1"/>
           <p:cNvSpPr>
             <a:spLocks noGrp="1" noRot="1" noChangeAspect="1" noTextEdit="1"/>
           </p:cNvSpPr>
@@ -1162,7 +1169,7 @@
       </p:sp>
       <p:sp>
         <p:nvSpPr>
-          <p:cNvPr id="38915" name="Espaço Reservado para Anotações 2"/>
+          <p:cNvPr id="36867" name="Espaço Reservado para Anotações 2"/>
           <p:cNvSpPr>
             <a:spLocks noGrp="1"/>
           </p:cNvSpPr>
@@ -1203,7 +1210,7 @@
             <a:pPr>
               <a:defRPr/>
             </a:pPr>
-            <a:fld id="{9F5A471A-2AFD-4B8A-A9A0-DB29F3D740CE}" type="slidenum">
+            <a:fld id="{9C861F01-F594-4F8E-816C-7353D6F44AC2}" type="slidenum">
               <a:rPr lang="pt-BR" smtClean="0"/>
               <a:pPr>
                 <a:defRPr/>
@@ -1241,19 +1248,29 @@
       </p:grpSpPr>
       <p:sp>
         <p:nvSpPr>
-          <p:cNvPr id="2" name="Espaço Reservado para Imagem de Slide 1"/>
-          <p:cNvSpPr>
-            <a:spLocks noGrp="1" noRot="1" noChangeAspect="1"/>
+          <p:cNvPr id="36866" name="Espaço Reservado para Imagem de Slide 1"/>
+          <p:cNvSpPr>
+            <a:spLocks noGrp="1" noRot="1" noChangeAspect="1" noTextEdit="1"/>
           </p:cNvSpPr>
           <p:nvPr>
             <p:ph type="sldImg"/>
           </p:nvPr>
         </p:nvSpPr>
-        <p:spPr/>
-      </p:sp>
-      <p:sp>
-        <p:nvSpPr>
-          <p:cNvPr id="3" name="Espaço Reservado para Anotações 2"/>
+        <p:spPr bwMode="auto">
+          <a:noFill/>
+          <a:ln>
+            <a:solidFill>
+              <a:srgbClr val="000000"/>
+            </a:solidFill>
+            <a:miter lim="800000"/>
+            <a:headEnd/>
+            <a:tailEnd/>
+          </a:ln>
+        </p:spPr>
+      </p:sp>
+      <p:sp>
+        <p:nvSpPr>
+          <p:cNvPr id="36867" name="Espaço Reservado para Anotações 2"/>
           <p:cNvSpPr>
             <a:spLocks noGrp="1"/>
           </p:cNvSpPr>
@@ -1261,14 +1278,18 @@
             <p:ph type="body" idx="1"/>
           </p:nvPr>
         </p:nvSpPr>
-        <p:spPr/>
-        <p:txBody>
-          <a:bodyPr>
-            <a:normAutofit/>
+        <p:spPr bwMode="auto">
+          <a:noFill/>
+        </p:spPr>
+        <p:txBody>
+          <a:bodyPr wrap="square" numCol="1" anchor="t" anchorCtr="0" compatLnSpc="1">
+            <a:prstTxWarp prst="textNoShape">
+              <a:avLst/>
+            </a:prstTxWarp>
           </a:bodyPr>
           <a:lstStyle/>
           <a:p>
-            <a:endParaRPr lang="pt-BR"/>
+            <a:endParaRPr lang="pt-BR" smtClean="0"/>
           </a:p>
         </p:txBody>
       </p:sp>
@@ -1279,7 +1300,7 @@
             <a:spLocks noGrp="1"/>
           </p:cNvSpPr>
           <p:nvPr>
-            <p:ph type="sldNum" sz="quarter" idx="10"/>
+            <p:ph type="sldNum" sz="quarter" idx="5"/>
           </p:nvPr>
         </p:nvSpPr>
         <p:spPr/>
@@ -1290,7 +1311,7 @@
             <a:pPr>
               <a:defRPr/>
             </a:pPr>
-            <a:fld id="{D45731A0-D324-45D2-92B5-75F23FA6F9F4}" type="slidenum">
+            <a:fld id="{9C861F01-F594-4F8E-816C-7353D6F44AC2}" type="slidenum">
               <a:rPr lang="pt-BR" smtClean="0"/>
               <a:pPr>
                 <a:defRPr/>
@@ -1328,7 +1349,7 @@
       </p:grpSpPr>
       <p:sp>
         <p:nvSpPr>
-          <p:cNvPr id="44034" name="Espaço Reservado para Imagem de Slide 1"/>
+          <p:cNvPr id="36866" name="Espaço Reservado para Imagem de Slide 1"/>
           <p:cNvSpPr>
             <a:spLocks noGrp="1" noRot="1" noChangeAspect="1" noTextEdit="1"/>
           </p:cNvSpPr>
@@ -1350,7 +1371,7 @@
       </p:sp>
       <p:sp>
         <p:nvSpPr>
-          <p:cNvPr id="44035" name="Espaço Reservado para Anotações 2"/>
+          <p:cNvPr id="36867" name="Espaço Reservado para Anotações 2"/>
           <p:cNvSpPr>
             <a:spLocks noGrp="1"/>
           </p:cNvSpPr>
@@ -1391,7 +1412,7 @@
             <a:pPr>
               <a:defRPr/>
             </a:pPr>
-            <a:fld id="{45A3F917-E589-43AF-86DB-C0714EEE8960}" type="slidenum">
+            <a:fld id="{9C861F01-F594-4F8E-816C-7353D6F44AC2}" type="slidenum">
               <a:rPr lang="pt-BR" smtClean="0"/>
               <a:pPr>
                 <a:defRPr/>
@@ -1429,7 +1450,7 @@
       </p:grpSpPr>
       <p:sp>
         <p:nvSpPr>
-          <p:cNvPr id="48130" name="Espaço Reservado para Imagem de Slide 1"/>
+          <p:cNvPr id="36866" name="Espaço Reservado para Imagem de Slide 1"/>
           <p:cNvSpPr>
             <a:spLocks noGrp="1" noRot="1" noChangeAspect="1" noTextEdit="1"/>
           </p:cNvSpPr>
@@ -1451,7 +1472,7 @@
       </p:sp>
       <p:sp>
         <p:nvSpPr>
-          <p:cNvPr id="48131" name="Espaço Reservado para Anotações 2"/>
+          <p:cNvPr id="36867" name="Espaço Reservado para Anotações 2"/>
           <p:cNvSpPr>
             <a:spLocks noGrp="1"/>
           </p:cNvSpPr>
@@ -1492,7 +1513,7 @@
             <a:pPr>
               <a:defRPr/>
             </a:pPr>
-            <a:fld id="{48A4B3DD-DC3A-4A1F-BDF3-5FDBAE99314D}" type="slidenum">
+            <a:fld id="{9C861F01-F594-4F8E-816C-7353D6F44AC2}" type="slidenum">
               <a:rPr lang="pt-BR" smtClean="0"/>
               <a:pPr>
                 <a:defRPr/>
@@ -1530,7 +1551,7 @@
       </p:grpSpPr>
       <p:sp>
         <p:nvSpPr>
-          <p:cNvPr id="49154" name="Espaço Reservado para Imagem de Slide 1"/>
+          <p:cNvPr id="36866" name="Espaço Reservado para Imagem de Slide 1"/>
           <p:cNvSpPr>
             <a:spLocks noGrp="1" noRot="1" noChangeAspect="1" noTextEdit="1"/>
           </p:cNvSpPr>
@@ -1552,7 +1573,7 @@
       </p:sp>
       <p:sp>
         <p:nvSpPr>
-          <p:cNvPr id="49155" name="Espaço Reservado para Anotações 2"/>
+          <p:cNvPr id="36867" name="Espaço Reservado para Anotações 2"/>
           <p:cNvSpPr>
             <a:spLocks noGrp="1"/>
           </p:cNvSpPr>
@@ -1593,7 +1614,7 @@
             <a:pPr>
               <a:defRPr/>
             </a:pPr>
-            <a:fld id="{94627C42-8E0D-4C50-A726-3D908F1BD667}" type="slidenum">
+            <a:fld id="{9C861F01-F594-4F8E-816C-7353D6F44AC2}" type="slidenum">
               <a:rPr lang="pt-BR" smtClean="0"/>
               <a:pPr>
                 <a:defRPr/>
@@ -1631,7 +1652,7 @@
       </p:grpSpPr>
       <p:sp>
         <p:nvSpPr>
-          <p:cNvPr id="50178" name="Espaço Reservado para Imagem de Slide 1"/>
+          <p:cNvPr id="36866" name="Espaço Reservado para Imagem de Slide 1"/>
           <p:cNvSpPr>
             <a:spLocks noGrp="1" noRot="1" noChangeAspect="1" noTextEdit="1"/>
           </p:cNvSpPr>
@@ -1653,7 +1674,7 @@
       </p:sp>
       <p:sp>
         <p:nvSpPr>
-          <p:cNvPr id="50179" name="Espaço Reservado para Anotações 2"/>
+          <p:cNvPr id="36867" name="Espaço Reservado para Anotações 2"/>
           <p:cNvSpPr>
             <a:spLocks noGrp="1"/>
           </p:cNvSpPr>
@@ -1694,7 +1715,7 @@
             <a:pPr>
               <a:defRPr/>
             </a:pPr>
-            <a:fld id="{D1504F8C-84CC-4741-AE25-BE957FF16396}" type="slidenum">
+            <a:fld id="{9C861F01-F594-4F8E-816C-7353D6F44AC2}" type="slidenum">
               <a:rPr lang="pt-BR" smtClean="0"/>
               <a:pPr>
                 <a:defRPr/>
@@ -1787,6 +1808,699 @@
                 <a:defRPr/>
               </a:pPr>
               <a:t>2</a:t>
+            </a:fld>
+            <a:endParaRPr lang="pt-BR"/>
+          </a:p>
+        </p:txBody>
+      </p:sp>
+    </p:spTree>
+  </p:cSld>
+  <p:clrMapOvr>
+    <a:masterClrMapping/>
+  </p:clrMapOvr>
+</p:notes>
+</file>
+
+<file path=ppt/notesSlides/notesSlide20.xml><?xml version="1.0" encoding="utf-8"?>
+<p:notes xmlns:a="http://schemas.openxmlformats.org/drawingml/2006/main" xmlns:r="http://schemas.openxmlformats.org/officeDocument/2006/relationships" xmlns:p="http://schemas.openxmlformats.org/presentationml/2006/main">
+  <p:cSld>
+    <p:spTree>
+      <p:nvGrpSpPr>
+        <p:cNvPr id="1" name=""/>
+        <p:cNvGrpSpPr/>
+        <p:nvPr/>
+      </p:nvGrpSpPr>
+      <p:grpSpPr>
+        <a:xfrm>
+          <a:off x="0" y="0"/>
+          <a:ext cx="0" cy="0"/>
+          <a:chOff x="0" y="0"/>
+          <a:chExt cx="0" cy="0"/>
+        </a:xfrm>
+      </p:grpSpPr>
+      <p:sp>
+        <p:nvSpPr>
+          <p:cNvPr id="37890" name="Espaço Reservado para Imagem de Slide 1"/>
+          <p:cNvSpPr>
+            <a:spLocks noGrp="1" noRot="1" noChangeAspect="1" noTextEdit="1"/>
+          </p:cNvSpPr>
+          <p:nvPr>
+            <p:ph type="sldImg"/>
+          </p:nvPr>
+        </p:nvSpPr>
+        <p:spPr bwMode="auto">
+          <a:noFill/>
+          <a:ln>
+            <a:solidFill>
+              <a:srgbClr val="000000"/>
+            </a:solidFill>
+            <a:miter lim="800000"/>
+            <a:headEnd/>
+            <a:tailEnd/>
+          </a:ln>
+        </p:spPr>
+      </p:sp>
+      <p:sp>
+        <p:nvSpPr>
+          <p:cNvPr id="37891" name="Espaço Reservado para Anotações 2"/>
+          <p:cNvSpPr>
+            <a:spLocks noGrp="1"/>
+          </p:cNvSpPr>
+          <p:nvPr>
+            <p:ph type="body" idx="1"/>
+          </p:nvPr>
+        </p:nvSpPr>
+        <p:spPr bwMode="auto">
+          <a:noFill/>
+        </p:spPr>
+        <p:txBody>
+          <a:bodyPr wrap="square" numCol="1" anchor="t" anchorCtr="0" compatLnSpc="1">
+            <a:prstTxWarp prst="textNoShape">
+              <a:avLst/>
+            </a:prstTxWarp>
+          </a:bodyPr>
+          <a:lstStyle/>
+          <a:p>
+            <a:endParaRPr lang="pt-BR" smtClean="0"/>
+          </a:p>
+        </p:txBody>
+      </p:sp>
+      <p:sp>
+        <p:nvSpPr>
+          <p:cNvPr id="4" name="Espaço Reservado para Número de Slide 3"/>
+          <p:cNvSpPr>
+            <a:spLocks noGrp="1"/>
+          </p:cNvSpPr>
+          <p:nvPr>
+            <p:ph type="sldNum" sz="quarter" idx="5"/>
+          </p:nvPr>
+        </p:nvSpPr>
+        <p:spPr/>
+        <p:txBody>
+          <a:bodyPr/>
+          <a:lstStyle/>
+          <a:p>
+            <a:pPr>
+              <a:defRPr/>
+            </a:pPr>
+            <a:fld id="{CE299FDD-0BF1-4951-98DD-C05CFD2239CC}" type="slidenum">
+              <a:rPr lang="pt-BR" smtClean="0"/>
+              <a:pPr>
+                <a:defRPr/>
+              </a:pPr>
+              <a:t>20</a:t>
+            </a:fld>
+            <a:endParaRPr lang="pt-BR"/>
+          </a:p>
+        </p:txBody>
+      </p:sp>
+    </p:spTree>
+  </p:cSld>
+  <p:clrMapOvr>
+    <a:masterClrMapping/>
+  </p:clrMapOvr>
+</p:notes>
+</file>
+
+<file path=ppt/notesSlides/notesSlide21.xml><?xml version="1.0" encoding="utf-8"?>
+<p:notes xmlns:a="http://schemas.openxmlformats.org/drawingml/2006/main" xmlns:r="http://schemas.openxmlformats.org/officeDocument/2006/relationships" xmlns:p="http://schemas.openxmlformats.org/presentationml/2006/main">
+  <p:cSld>
+    <p:spTree>
+      <p:nvGrpSpPr>
+        <p:cNvPr id="1" name=""/>
+        <p:cNvGrpSpPr/>
+        <p:nvPr/>
+      </p:nvGrpSpPr>
+      <p:grpSpPr>
+        <a:xfrm>
+          <a:off x="0" y="0"/>
+          <a:ext cx="0" cy="0"/>
+          <a:chOff x="0" y="0"/>
+          <a:chExt cx="0" cy="0"/>
+        </a:xfrm>
+      </p:grpSpPr>
+      <p:sp>
+        <p:nvSpPr>
+          <p:cNvPr id="38914" name="Espaço Reservado para Imagem de Slide 1"/>
+          <p:cNvSpPr>
+            <a:spLocks noGrp="1" noRot="1" noChangeAspect="1" noTextEdit="1"/>
+          </p:cNvSpPr>
+          <p:nvPr>
+            <p:ph type="sldImg"/>
+          </p:nvPr>
+        </p:nvSpPr>
+        <p:spPr bwMode="auto">
+          <a:noFill/>
+          <a:ln>
+            <a:solidFill>
+              <a:srgbClr val="000000"/>
+            </a:solidFill>
+            <a:miter lim="800000"/>
+            <a:headEnd/>
+            <a:tailEnd/>
+          </a:ln>
+        </p:spPr>
+      </p:sp>
+      <p:sp>
+        <p:nvSpPr>
+          <p:cNvPr id="38915" name="Espaço Reservado para Anotações 2"/>
+          <p:cNvSpPr>
+            <a:spLocks noGrp="1"/>
+          </p:cNvSpPr>
+          <p:nvPr>
+            <p:ph type="body" idx="1"/>
+          </p:nvPr>
+        </p:nvSpPr>
+        <p:spPr bwMode="auto">
+          <a:noFill/>
+        </p:spPr>
+        <p:txBody>
+          <a:bodyPr wrap="square" numCol="1" anchor="t" anchorCtr="0" compatLnSpc="1">
+            <a:prstTxWarp prst="textNoShape">
+              <a:avLst/>
+            </a:prstTxWarp>
+          </a:bodyPr>
+          <a:lstStyle/>
+          <a:p>
+            <a:endParaRPr lang="pt-BR" smtClean="0"/>
+          </a:p>
+        </p:txBody>
+      </p:sp>
+      <p:sp>
+        <p:nvSpPr>
+          <p:cNvPr id="4" name="Espaço Reservado para Número de Slide 3"/>
+          <p:cNvSpPr>
+            <a:spLocks noGrp="1"/>
+          </p:cNvSpPr>
+          <p:nvPr>
+            <p:ph type="sldNum" sz="quarter" idx="5"/>
+          </p:nvPr>
+        </p:nvSpPr>
+        <p:spPr/>
+        <p:txBody>
+          <a:bodyPr/>
+          <a:lstStyle/>
+          <a:p>
+            <a:pPr>
+              <a:defRPr/>
+            </a:pPr>
+            <a:fld id="{9F5A471A-2AFD-4B8A-A9A0-DB29F3D740CE}" type="slidenum">
+              <a:rPr lang="pt-BR" smtClean="0"/>
+              <a:pPr>
+                <a:defRPr/>
+              </a:pPr>
+              <a:t>21</a:t>
+            </a:fld>
+            <a:endParaRPr lang="pt-BR"/>
+          </a:p>
+        </p:txBody>
+      </p:sp>
+    </p:spTree>
+  </p:cSld>
+  <p:clrMapOvr>
+    <a:masterClrMapping/>
+  </p:clrMapOvr>
+</p:notes>
+</file>
+
+<file path=ppt/notesSlides/notesSlide22.xml><?xml version="1.0" encoding="utf-8"?>
+<p:notes xmlns:a="http://schemas.openxmlformats.org/drawingml/2006/main" xmlns:r="http://schemas.openxmlformats.org/officeDocument/2006/relationships" xmlns:p="http://schemas.openxmlformats.org/presentationml/2006/main">
+  <p:cSld>
+    <p:spTree>
+      <p:nvGrpSpPr>
+        <p:cNvPr id="1" name=""/>
+        <p:cNvGrpSpPr/>
+        <p:nvPr/>
+      </p:nvGrpSpPr>
+      <p:grpSpPr>
+        <a:xfrm>
+          <a:off x="0" y="0"/>
+          <a:ext cx="0" cy="0"/>
+          <a:chOff x="0" y="0"/>
+          <a:chExt cx="0" cy="0"/>
+        </a:xfrm>
+      </p:grpSpPr>
+      <p:sp>
+        <p:nvSpPr>
+          <p:cNvPr id="2" name="Espaço Reservado para Imagem de Slide 1"/>
+          <p:cNvSpPr>
+            <a:spLocks noGrp="1" noRot="1" noChangeAspect="1"/>
+          </p:cNvSpPr>
+          <p:nvPr>
+            <p:ph type="sldImg"/>
+          </p:nvPr>
+        </p:nvSpPr>
+        <p:spPr/>
+      </p:sp>
+      <p:sp>
+        <p:nvSpPr>
+          <p:cNvPr id="3" name="Espaço Reservado para Anotações 2"/>
+          <p:cNvSpPr>
+            <a:spLocks noGrp="1"/>
+          </p:cNvSpPr>
+          <p:nvPr>
+            <p:ph type="body" idx="1"/>
+          </p:nvPr>
+        </p:nvSpPr>
+        <p:spPr/>
+        <p:txBody>
+          <a:bodyPr>
+            <a:normAutofit/>
+          </a:bodyPr>
+          <a:lstStyle/>
+          <a:p>
+            <a:endParaRPr lang="pt-BR"/>
+          </a:p>
+        </p:txBody>
+      </p:sp>
+      <p:sp>
+        <p:nvSpPr>
+          <p:cNvPr id="4" name="Espaço Reservado para Número de Slide 3"/>
+          <p:cNvSpPr>
+            <a:spLocks noGrp="1"/>
+          </p:cNvSpPr>
+          <p:nvPr>
+            <p:ph type="sldNum" sz="quarter" idx="10"/>
+          </p:nvPr>
+        </p:nvSpPr>
+        <p:spPr/>
+        <p:txBody>
+          <a:bodyPr/>
+          <a:lstStyle/>
+          <a:p>
+            <a:pPr>
+              <a:defRPr/>
+            </a:pPr>
+            <a:fld id="{D45731A0-D324-45D2-92B5-75F23FA6F9F4}" type="slidenum">
+              <a:rPr lang="pt-BR" smtClean="0"/>
+              <a:pPr>
+                <a:defRPr/>
+              </a:pPr>
+              <a:t>22</a:t>
+            </a:fld>
+            <a:endParaRPr lang="pt-BR"/>
+          </a:p>
+        </p:txBody>
+      </p:sp>
+    </p:spTree>
+  </p:cSld>
+  <p:clrMapOvr>
+    <a:masterClrMapping/>
+  </p:clrMapOvr>
+</p:notes>
+</file>
+
+<file path=ppt/notesSlides/notesSlide23.xml><?xml version="1.0" encoding="utf-8"?>
+<p:notes xmlns:a="http://schemas.openxmlformats.org/drawingml/2006/main" xmlns:r="http://schemas.openxmlformats.org/officeDocument/2006/relationships" xmlns:p="http://schemas.openxmlformats.org/presentationml/2006/main">
+  <p:cSld>
+    <p:spTree>
+      <p:nvGrpSpPr>
+        <p:cNvPr id="1" name=""/>
+        <p:cNvGrpSpPr/>
+        <p:nvPr/>
+      </p:nvGrpSpPr>
+      <p:grpSpPr>
+        <a:xfrm>
+          <a:off x="0" y="0"/>
+          <a:ext cx="0" cy="0"/>
+          <a:chOff x="0" y="0"/>
+          <a:chExt cx="0" cy="0"/>
+        </a:xfrm>
+      </p:grpSpPr>
+      <p:sp>
+        <p:nvSpPr>
+          <p:cNvPr id="44034" name="Espaço Reservado para Imagem de Slide 1"/>
+          <p:cNvSpPr>
+            <a:spLocks noGrp="1" noRot="1" noChangeAspect="1" noTextEdit="1"/>
+          </p:cNvSpPr>
+          <p:nvPr>
+            <p:ph type="sldImg"/>
+          </p:nvPr>
+        </p:nvSpPr>
+        <p:spPr bwMode="auto">
+          <a:noFill/>
+          <a:ln>
+            <a:solidFill>
+              <a:srgbClr val="000000"/>
+            </a:solidFill>
+            <a:miter lim="800000"/>
+            <a:headEnd/>
+            <a:tailEnd/>
+          </a:ln>
+        </p:spPr>
+      </p:sp>
+      <p:sp>
+        <p:nvSpPr>
+          <p:cNvPr id="44035" name="Espaço Reservado para Anotações 2"/>
+          <p:cNvSpPr>
+            <a:spLocks noGrp="1"/>
+          </p:cNvSpPr>
+          <p:nvPr>
+            <p:ph type="body" idx="1"/>
+          </p:nvPr>
+        </p:nvSpPr>
+        <p:spPr bwMode="auto">
+          <a:noFill/>
+        </p:spPr>
+        <p:txBody>
+          <a:bodyPr wrap="square" numCol="1" anchor="t" anchorCtr="0" compatLnSpc="1">
+            <a:prstTxWarp prst="textNoShape">
+              <a:avLst/>
+            </a:prstTxWarp>
+          </a:bodyPr>
+          <a:lstStyle/>
+          <a:p>
+            <a:endParaRPr lang="pt-BR" smtClean="0"/>
+          </a:p>
+        </p:txBody>
+      </p:sp>
+      <p:sp>
+        <p:nvSpPr>
+          <p:cNvPr id="4" name="Espaço Reservado para Número de Slide 3"/>
+          <p:cNvSpPr>
+            <a:spLocks noGrp="1"/>
+          </p:cNvSpPr>
+          <p:nvPr>
+            <p:ph type="sldNum" sz="quarter" idx="5"/>
+          </p:nvPr>
+        </p:nvSpPr>
+        <p:spPr/>
+        <p:txBody>
+          <a:bodyPr/>
+          <a:lstStyle/>
+          <a:p>
+            <a:pPr>
+              <a:defRPr/>
+            </a:pPr>
+            <a:fld id="{45A3F917-E589-43AF-86DB-C0714EEE8960}" type="slidenum">
+              <a:rPr lang="pt-BR" smtClean="0"/>
+              <a:pPr>
+                <a:defRPr/>
+              </a:pPr>
+              <a:t>23</a:t>
+            </a:fld>
+            <a:endParaRPr lang="pt-BR"/>
+          </a:p>
+        </p:txBody>
+      </p:sp>
+    </p:spTree>
+  </p:cSld>
+  <p:clrMapOvr>
+    <a:masterClrMapping/>
+  </p:clrMapOvr>
+</p:notes>
+</file>
+
+<file path=ppt/notesSlides/notesSlide24.xml><?xml version="1.0" encoding="utf-8"?>
+<p:notes xmlns:a="http://schemas.openxmlformats.org/drawingml/2006/main" xmlns:r="http://schemas.openxmlformats.org/officeDocument/2006/relationships" xmlns:p="http://schemas.openxmlformats.org/presentationml/2006/main">
+  <p:cSld>
+    <p:spTree>
+      <p:nvGrpSpPr>
+        <p:cNvPr id="1" name=""/>
+        <p:cNvGrpSpPr/>
+        <p:nvPr/>
+      </p:nvGrpSpPr>
+      <p:grpSpPr>
+        <a:xfrm>
+          <a:off x="0" y="0"/>
+          <a:ext cx="0" cy="0"/>
+          <a:chOff x="0" y="0"/>
+          <a:chExt cx="0" cy="0"/>
+        </a:xfrm>
+      </p:grpSpPr>
+      <p:sp>
+        <p:nvSpPr>
+          <p:cNvPr id="48130" name="Espaço Reservado para Imagem de Slide 1"/>
+          <p:cNvSpPr>
+            <a:spLocks noGrp="1" noRot="1" noChangeAspect="1" noTextEdit="1"/>
+          </p:cNvSpPr>
+          <p:nvPr>
+            <p:ph type="sldImg"/>
+          </p:nvPr>
+        </p:nvSpPr>
+        <p:spPr bwMode="auto">
+          <a:noFill/>
+          <a:ln>
+            <a:solidFill>
+              <a:srgbClr val="000000"/>
+            </a:solidFill>
+            <a:miter lim="800000"/>
+            <a:headEnd/>
+            <a:tailEnd/>
+          </a:ln>
+        </p:spPr>
+      </p:sp>
+      <p:sp>
+        <p:nvSpPr>
+          <p:cNvPr id="48131" name="Espaço Reservado para Anotações 2"/>
+          <p:cNvSpPr>
+            <a:spLocks noGrp="1"/>
+          </p:cNvSpPr>
+          <p:nvPr>
+            <p:ph type="body" idx="1"/>
+          </p:nvPr>
+        </p:nvSpPr>
+        <p:spPr bwMode="auto">
+          <a:noFill/>
+        </p:spPr>
+        <p:txBody>
+          <a:bodyPr wrap="square" numCol="1" anchor="t" anchorCtr="0" compatLnSpc="1">
+            <a:prstTxWarp prst="textNoShape">
+              <a:avLst/>
+            </a:prstTxWarp>
+          </a:bodyPr>
+          <a:lstStyle/>
+          <a:p>
+            <a:endParaRPr lang="pt-BR" smtClean="0"/>
+          </a:p>
+        </p:txBody>
+      </p:sp>
+      <p:sp>
+        <p:nvSpPr>
+          <p:cNvPr id="4" name="Espaço Reservado para Número de Slide 3"/>
+          <p:cNvSpPr>
+            <a:spLocks noGrp="1"/>
+          </p:cNvSpPr>
+          <p:nvPr>
+            <p:ph type="sldNum" sz="quarter" idx="5"/>
+          </p:nvPr>
+        </p:nvSpPr>
+        <p:spPr/>
+        <p:txBody>
+          <a:bodyPr/>
+          <a:lstStyle/>
+          <a:p>
+            <a:pPr>
+              <a:defRPr/>
+            </a:pPr>
+            <a:fld id="{48A4B3DD-DC3A-4A1F-BDF3-5FDBAE99314D}" type="slidenum">
+              <a:rPr lang="pt-BR" smtClean="0"/>
+              <a:pPr>
+                <a:defRPr/>
+              </a:pPr>
+              <a:t>24</a:t>
+            </a:fld>
+            <a:endParaRPr lang="pt-BR"/>
+          </a:p>
+        </p:txBody>
+      </p:sp>
+    </p:spTree>
+  </p:cSld>
+  <p:clrMapOvr>
+    <a:masterClrMapping/>
+  </p:clrMapOvr>
+</p:notes>
+</file>
+
+<file path=ppt/notesSlides/notesSlide25.xml><?xml version="1.0" encoding="utf-8"?>
+<p:notes xmlns:a="http://schemas.openxmlformats.org/drawingml/2006/main" xmlns:r="http://schemas.openxmlformats.org/officeDocument/2006/relationships" xmlns:p="http://schemas.openxmlformats.org/presentationml/2006/main">
+  <p:cSld>
+    <p:spTree>
+      <p:nvGrpSpPr>
+        <p:cNvPr id="1" name=""/>
+        <p:cNvGrpSpPr/>
+        <p:nvPr/>
+      </p:nvGrpSpPr>
+      <p:grpSpPr>
+        <a:xfrm>
+          <a:off x="0" y="0"/>
+          <a:ext cx="0" cy="0"/>
+          <a:chOff x="0" y="0"/>
+          <a:chExt cx="0" cy="0"/>
+        </a:xfrm>
+      </p:grpSpPr>
+      <p:sp>
+        <p:nvSpPr>
+          <p:cNvPr id="49154" name="Espaço Reservado para Imagem de Slide 1"/>
+          <p:cNvSpPr>
+            <a:spLocks noGrp="1" noRot="1" noChangeAspect="1" noTextEdit="1"/>
+          </p:cNvSpPr>
+          <p:nvPr>
+            <p:ph type="sldImg"/>
+          </p:nvPr>
+        </p:nvSpPr>
+        <p:spPr bwMode="auto">
+          <a:noFill/>
+          <a:ln>
+            <a:solidFill>
+              <a:srgbClr val="000000"/>
+            </a:solidFill>
+            <a:miter lim="800000"/>
+            <a:headEnd/>
+            <a:tailEnd/>
+          </a:ln>
+        </p:spPr>
+      </p:sp>
+      <p:sp>
+        <p:nvSpPr>
+          <p:cNvPr id="49155" name="Espaço Reservado para Anotações 2"/>
+          <p:cNvSpPr>
+            <a:spLocks noGrp="1"/>
+          </p:cNvSpPr>
+          <p:nvPr>
+            <p:ph type="body" idx="1"/>
+          </p:nvPr>
+        </p:nvSpPr>
+        <p:spPr bwMode="auto">
+          <a:noFill/>
+        </p:spPr>
+        <p:txBody>
+          <a:bodyPr wrap="square" numCol="1" anchor="t" anchorCtr="0" compatLnSpc="1">
+            <a:prstTxWarp prst="textNoShape">
+              <a:avLst/>
+            </a:prstTxWarp>
+          </a:bodyPr>
+          <a:lstStyle/>
+          <a:p>
+            <a:endParaRPr lang="pt-BR" smtClean="0"/>
+          </a:p>
+        </p:txBody>
+      </p:sp>
+      <p:sp>
+        <p:nvSpPr>
+          <p:cNvPr id="4" name="Espaço Reservado para Número de Slide 3"/>
+          <p:cNvSpPr>
+            <a:spLocks noGrp="1"/>
+          </p:cNvSpPr>
+          <p:nvPr>
+            <p:ph type="sldNum" sz="quarter" idx="5"/>
+          </p:nvPr>
+        </p:nvSpPr>
+        <p:spPr/>
+        <p:txBody>
+          <a:bodyPr/>
+          <a:lstStyle/>
+          <a:p>
+            <a:pPr>
+              <a:defRPr/>
+            </a:pPr>
+            <a:fld id="{94627C42-8E0D-4C50-A726-3D908F1BD667}" type="slidenum">
+              <a:rPr lang="pt-BR" smtClean="0"/>
+              <a:pPr>
+                <a:defRPr/>
+              </a:pPr>
+              <a:t>25</a:t>
+            </a:fld>
+            <a:endParaRPr lang="pt-BR"/>
+          </a:p>
+        </p:txBody>
+      </p:sp>
+    </p:spTree>
+  </p:cSld>
+  <p:clrMapOvr>
+    <a:masterClrMapping/>
+  </p:clrMapOvr>
+</p:notes>
+</file>
+
+<file path=ppt/notesSlides/notesSlide26.xml><?xml version="1.0" encoding="utf-8"?>
+<p:notes xmlns:a="http://schemas.openxmlformats.org/drawingml/2006/main" xmlns:r="http://schemas.openxmlformats.org/officeDocument/2006/relationships" xmlns:p="http://schemas.openxmlformats.org/presentationml/2006/main">
+  <p:cSld>
+    <p:spTree>
+      <p:nvGrpSpPr>
+        <p:cNvPr id="1" name=""/>
+        <p:cNvGrpSpPr/>
+        <p:nvPr/>
+      </p:nvGrpSpPr>
+      <p:grpSpPr>
+        <a:xfrm>
+          <a:off x="0" y="0"/>
+          <a:ext cx="0" cy="0"/>
+          <a:chOff x="0" y="0"/>
+          <a:chExt cx="0" cy="0"/>
+        </a:xfrm>
+      </p:grpSpPr>
+      <p:sp>
+        <p:nvSpPr>
+          <p:cNvPr id="50178" name="Espaço Reservado para Imagem de Slide 1"/>
+          <p:cNvSpPr>
+            <a:spLocks noGrp="1" noRot="1" noChangeAspect="1" noTextEdit="1"/>
+          </p:cNvSpPr>
+          <p:nvPr>
+            <p:ph type="sldImg"/>
+          </p:nvPr>
+        </p:nvSpPr>
+        <p:spPr bwMode="auto">
+          <a:noFill/>
+          <a:ln>
+            <a:solidFill>
+              <a:srgbClr val="000000"/>
+            </a:solidFill>
+            <a:miter lim="800000"/>
+            <a:headEnd/>
+            <a:tailEnd/>
+          </a:ln>
+        </p:spPr>
+      </p:sp>
+      <p:sp>
+        <p:nvSpPr>
+          <p:cNvPr id="50179" name="Espaço Reservado para Anotações 2"/>
+          <p:cNvSpPr>
+            <a:spLocks noGrp="1"/>
+          </p:cNvSpPr>
+          <p:nvPr>
+            <p:ph type="body" idx="1"/>
+          </p:nvPr>
+        </p:nvSpPr>
+        <p:spPr bwMode="auto">
+          <a:noFill/>
+        </p:spPr>
+        <p:txBody>
+          <a:bodyPr wrap="square" numCol="1" anchor="t" anchorCtr="0" compatLnSpc="1">
+            <a:prstTxWarp prst="textNoShape">
+              <a:avLst/>
+            </a:prstTxWarp>
+          </a:bodyPr>
+          <a:lstStyle/>
+          <a:p>
+            <a:endParaRPr lang="pt-BR" smtClean="0"/>
+          </a:p>
+        </p:txBody>
+      </p:sp>
+      <p:sp>
+        <p:nvSpPr>
+          <p:cNvPr id="4" name="Espaço Reservado para Número de Slide 3"/>
+          <p:cNvSpPr>
+            <a:spLocks noGrp="1"/>
+          </p:cNvSpPr>
+          <p:nvPr>
+            <p:ph type="sldNum" sz="quarter" idx="5"/>
+          </p:nvPr>
+        </p:nvSpPr>
+        <p:spPr/>
+        <p:txBody>
+          <a:bodyPr/>
+          <a:lstStyle/>
+          <a:p>
+            <a:pPr>
+              <a:defRPr/>
+            </a:pPr>
+            <a:fld id="{D1504F8C-84CC-4741-AE25-BE957FF16396}" type="slidenum">
+              <a:rPr lang="pt-BR" smtClean="0"/>
+              <a:pPr>
+                <a:defRPr/>
+              </a:pPr>
+              <a:t>26</a:t>
             </a:fld>
             <a:endParaRPr lang="pt-BR"/>
           </a:p>
@@ -2925,7 +3639,7 @@
               <a:pPr>
                 <a:defRPr/>
               </a:pPr>
-              <a:t>17/04/2012</a:t>
+              <a:t>18/04/2012</a:t>
             </a:fld>
             <a:endParaRPr lang="pt-BR"/>
           </a:p>
@@ -3124,7 +3838,7 @@
               <a:pPr>
                 <a:defRPr/>
               </a:pPr>
-              <a:t>17/04/2012</a:t>
+              <a:t>18/04/2012</a:t>
             </a:fld>
             <a:endParaRPr lang="pt-BR"/>
           </a:p>
@@ -3326,7 +4040,7 @@
               <a:pPr>
                 <a:defRPr/>
               </a:pPr>
-              <a:t>17/04/2012</a:t>
+              <a:t>18/04/2012</a:t>
             </a:fld>
             <a:endParaRPr lang="pt-BR"/>
           </a:p>
@@ -3522,7 +4236,7 @@
               <a:pPr>
                 <a:defRPr/>
               </a:pPr>
-              <a:t>17/04/2012</a:t>
+              <a:t>18/04/2012</a:t>
             </a:fld>
             <a:endParaRPr lang="pt-BR"/>
           </a:p>
@@ -4028,7 +4742,7 @@
               <a:pPr>
                 <a:defRPr/>
               </a:pPr>
-              <a:t>17/04/2012</a:t>
+              <a:t>18/04/2012</a:t>
             </a:fld>
             <a:endParaRPr lang="pt-BR"/>
           </a:p>
@@ -4319,7 +5033,7 @@
               <a:pPr>
                 <a:defRPr/>
               </a:pPr>
-              <a:t>17/04/2012</a:t>
+              <a:t>18/04/2012</a:t>
             </a:fld>
             <a:endParaRPr lang="pt-BR"/>
           </a:p>
@@ -4720,7 +5434,7 @@
               <a:pPr>
                 <a:defRPr/>
               </a:pPr>
-              <a:t>17/04/2012</a:t>
+              <a:t>18/04/2012</a:t>
             </a:fld>
             <a:endParaRPr lang="pt-BR"/>
           </a:p>
@@ -4869,7 +5583,7 @@
               <a:pPr>
                 <a:defRPr/>
               </a:pPr>
-              <a:t>17/04/2012</a:t>
+              <a:t>18/04/2012</a:t>
             </a:fld>
             <a:endParaRPr lang="pt-BR"/>
           </a:p>
@@ -4986,7 +5700,7 @@
               <a:pPr>
                 <a:defRPr/>
               </a:pPr>
-              <a:t>17/04/2012</a:t>
+              <a:t>18/04/2012</a:t>
             </a:fld>
             <a:endParaRPr lang="pt-BR"/>
           </a:p>
@@ -5262,7 +5976,7 @@
               <a:pPr>
                 <a:defRPr/>
               </a:pPr>
-              <a:t>17/04/2012</a:t>
+              <a:t>18/04/2012</a:t>
             </a:fld>
             <a:endParaRPr lang="pt-BR"/>
           </a:p>
@@ -5546,7 +6260,7 @@
               <a:pPr>
                 <a:defRPr/>
               </a:pPr>
-              <a:t>17/04/2012</a:t>
+              <a:t>18/04/2012</a:t>
             </a:fld>
             <a:endParaRPr lang="pt-BR"/>
           </a:p>
@@ -6024,7 +6738,7 @@
               <a:pPr>
                 <a:defRPr/>
               </a:pPr>
-              <a:t>17/04/2012</a:t>
+              <a:t>18/04/2012</a:t>
             </a:fld>
             <a:endParaRPr lang="pt-BR"/>
           </a:p>
@@ -6736,13 +7450,8 @@
             </a:pPr>
             <a:r>
               <a:rPr lang="pt-BR" sz="2400" u="sng" dirty="0" smtClean="0"/>
-              <a:t>Forma </a:t>
-            </a:r>
-            <a:r>
-              <a:rPr lang="pt-BR" sz="2400" u="sng" dirty="0" smtClean="0"/>
-              <a:t>2</a:t>
-            </a:r>
-            <a:endParaRPr lang="pt-BR" sz="2400" u="sng" dirty="0" smtClean="0"/>
+              <a:t>Forma 2</a:t>
+            </a:r>
           </a:p>
           <a:p>
             <a:pPr marL="0" indent="0">
@@ -6817,11 +7526,7 @@
             </a:r>
             <a:r>
               <a:rPr lang="pt-BR" sz="2000" dirty="0" smtClean="0"/>
-              <a:t> </a:t>
-            </a:r>
-            <a:r>
-              <a:rPr lang="pt-BR" sz="2000" dirty="0" smtClean="0"/>
-              <a:t>{</a:t>
+              <a:t> {</a:t>
             </a:r>
           </a:p>
           <a:p>
@@ -7103,7 +7808,6 @@
               <a:rPr lang="pt-BR" sz="2000" dirty="0" smtClean="0"/>
               <a:t>());</a:t>
             </a:r>
-            <a:endParaRPr lang="pt-BR" sz="2000" dirty="0" smtClean="0"/>
           </a:p>
           <a:p>
             <a:pPr marL="900113" indent="0">
@@ -7407,59 +8111,6 @@
       </p:sp>
       <p:sp>
         <p:nvSpPr>
-          <p:cNvPr id="14339" name="Espaço Reservado para Conteúdo 2"/>
-          <p:cNvSpPr>
-            <a:spLocks noGrp="1"/>
-          </p:cNvSpPr>
-          <p:nvPr>
-            <p:ph idx="1"/>
-          </p:nvPr>
-        </p:nvSpPr>
-        <p:spPr/>
-        <p:txBody>
-          <a:bodyPr/>
-          <a:lstStyle/>
-          <a:p>
-            <a:r>
-              <a:rPr lang="pt-BR" dirty="0" smtClean="0"/>
-              <a:t>Executando</a:t>
-            </a:r>
-          </a:p>
-          <a:p>
-            <a:r>
-              <a:rPr lang="pt-BR" dirty="0" smtClean="0"/>
-              <a:t>Pronta para ser executada</a:t>
-            </a:r>
-          </a:p>
-          <a:p>
-            <a:r>
-              <a:rPr lang="pt-BR" dirty="0" smtClean="0"/>
-              <a:t>Suspensa</a:t>
-            </a:r>
-          </a:p>
-          <a:p>
-            <a:r>
-              <a:rPr lang="pt-BR" dirty="0" smtClean="0"/>
-              <a:t>Dormindo</a:t>
-            </a:r>
-          </a:p>
-          <a:p>
-            <a:r>
-              <a:rPr lang="pt-BR" dirty="0" smtClean="0"/>
-              <a:t>Bloqueada</a:t>
-            </a:r>
-          </a:p>
-          <a:p>
-            <a:r>
-              <a:rPr lang="pt-BR" smtClean="0"/>
-              <a:t>Morta</a:t>
-            </a:r>
-            <a:endParaRPr lang="pt-BR" dirty="0" smtClean="0"/>
-          </a:p>
-        </p:txBody>
-      </p:sp>
-      <p:sp>
-        <p:nvSpPr>
           <p:cNvPr id="4" name="Espaço Reservado para Número de Slide 3"/>
           <p:cNvSpPr>
             <a:spLocks noGrp="1"/>
@@ -7487,6 +8138,740 @@
           </a:p>
         </p:txBody>
       </p:sp>
+      <p:sp>
+        <p:nvSpPr>
+          <p:cNvPr id="5" name="Retângulo 4"/>
+          <p:cNvSpPr/>
+          <p:nvPr/>
+        </p:nvSpPr>
+        <p:spPr>
+          <a:xfrm>
+            <a:off x="755576" y="3645024"/>
+            <a:ext cx="1512168" cy="720080"/>
+          </a:xfrm>
+          <a:prstGeom prst="rect">
+            <a:avLst/>
+          </a:prstGeom>
+          <a:noFill/>
+          <a:ln w="38100">
+            <a:solidFill>
+              <a:schemeClr val="tx1"/>
+            </a:solidFill>
+          </a:ln>
+        </p:spPr>
+        <p:style>
+          <a:lnRef idx="2">
+            <a:schemeClr val="accent1">
+              <a:shade val="50000"/>
+            </a:schemeClr>
+          </a:lnRef>
+          <a:fillRef idx="1">
+            <a:schemeClr val="accent1"/>
+          </a:fillRef>
+          <a:effectRef idx="0">
+            <a:schemeClr val="accent1"/>
+          </a:effectRef>
+          <a:fontRef idx="minor">
+            <a:schemeClr val="lt1"/>
+          </a:fontRef>
+        </p:style>
+        <p:txBody>
+          <a:bodyPr rtlCol="0" anchor="ctr"/>
+          <a:lstStyle/>
+          <a:p>
+            <a:pPr algn="ctr"/>
+            <a:r>
+              <a:rPr lang="pt-BR" sz="1600" dirty="0" smtClean="0"/>
+              <a:t>Executando</a:t>
+            </a:r>
+            <a:endParaRPr lang="pt-BR" sz="1600" dirty="0"/>
+          </a:p>
+        </p:txBody>
+      </p:sp>
+      <p:sp>
+        <p:nvSpPr>
+          <p:cNvPr id="6" name="Retângulo 5"/>
+          <p:cNvSpPr/>
+          <p:nvPr/>
+        </p:nvSpPr>
+        <p:spPr>
+          <a:xfrm>
+            <a:off x="755576" y="2132856"/>
+            <a:ext cx="1512168" cy="720080"/>
+          </a:xfrm>
+          <a:prstGeom prst="rect">
+            <a:avLst/>
+          </a:prstGeom>
+          <a:noFill/>
+          <a:ln w="38100">
+            <a:solidFill>
+              <a:schemeClr val="tx1"/>
+            </a:solidFill>
+          </a:ln>
+        </p:spPr>
+        <p:style>
+          <a:lnRef idx="2">
+            <a:schemeClr val="accent1">
+              <a:shade val="50000"/>
+            </a:schemeClr>
+          </a:lnRef>
+          <a:fillRef idx="1">
+            <a:schemeClr val="accent1"/>
+          </a:fillRef>
+          <a:effectRef idx="0">
+            <a:schemeClr val="accent1"/>
+          </a:effectRef>
+          <a:fontRef idx="minor">
+            <a:schemeClr val="lt1"/>
+          </a:fontRef>
+        </p:style>
+        <p:txBody>
+          <a:bodyPr rtlCol="0" anchor="ctr"/>
+          <a:lstStyle/>
+          <a:p>
+            <a:pPr algn="ctr"/>
+            <a:r>
+              <a:rPr lang="pt-BR" sz="1600" dirty="0" smtClean="0"/>
+              <a:t>Pronta para</a:t>
+            </a:r>
+          </a:p>
+          <a:p>
+            <a:pPr algn="ctr"/>
+            <a:r>
+              <a:rPr lang="pt-BR" sz="1600" dirty="0" smtClean="0"/>
+              <a:t>s</a:t>
+            </a:r>
+            <a:r>
+              <a:rPr lang="pt-BR" sz="1600" dirty="0" smtClean="0"/>
+              <a:t>er executada</a:t>
+            </a:r>
+            <a:endParaRPr lang="pt-BR" sz="1600" dirty="0"/>
+          </a:p>
+        </p:txBody>
+      </p:sp>
+      <p:sp>
+        <p:nvSpPr>
+          <p:cNvPr id="7" name="Retângulo 6"/>
+          <p:cNvSpPr/>
+          <p:nvPr/>
+        </p:nvSpPr>
+        <p:spPr>
+          <a:xfrm>
+            <a:off x="2843808" y="2996952"/>
+            <a:ext cx="1512168" cy="432048"/>
+          </a:xfrm>
+          <a:prstGeom prst="rect">
+            <a:avLst/>
+          </a:prstGeom>
+          <a:noFill/>
+          <a:ln w="38100">
+            <a:solidFill>
+              <a:schemeClr val="tx1"/>
+            </a:solidFill>
+          </a:ln>
+        </p:spPr>
+        <p:style>
+          <a:lnRef idx="2">
+            <a:schemeClr val="accent1">
+              <a:shade val="50000"/>
+            </a:schemeClr>
+          </a:lnRef>
+          <a:fillRef idx="1">
+            <a:schemeClr val="accent1"/>
+          </a:fillRef>
+          <a:effectRef idx="0">
+            <a:schemeClr val="accent1"/>
+          </a:effectRef>
+          <a:fontRef idx="minor">
+            <a:schemeClr val="lt1"/>
+          </a:fontRef>
+        </p:style>
+        <p:txBody>
+          <a:bodyPr rtlCol="0" anchor="ctr"/>
+          <a:lstStyle/>
+          <a:p>
+            <a:pPr algn="ctr"/>
+            <a:r>
+              <a:rPr lang="pt-BR" sz="1600" dirty="0" smtClean="0"/>
+              <a:t>Dormindo</a:t>
+            </a:r>
+            <a:endParaRPr lang="pt-BR" sz="1600" dirty="0" smtClean="0"/>
+          </a:p>
+        </p:txBody>
+      </p:sp>
+      <p:sp>
+        <p:nvSpPr>
+          <p:cNvPr id="8" name="Retângulo 7"/>
+          <p:cNvSpPr/>
+          <p:nvPr/>
+        </p:nvSpPr>
+        <p:spPr>
+          <a:xfrm>
+            <a:off x="7020272" y="2996952"/>
+            <a:ext cx="1512168" cy="432048"/>
+          </a:xfrm>
+          <a:prstGeom prst="rect">
+            <a:avLst/>
+          </a:prstGeom>
+          <a:noFill/>
+          <a:ln w="38100">
+            <a:solidFill>
+              <a:schemeClr val="tx1"/>
+            </a:solidFill>
+          </a:ln>
+        </p:spPr>
+        <p:style>
+          <a:lnRef idx="2">
+            <a:schemeClr val="accent1">
+              <a:shade val="50000"/>
+            </a:schemeClr>
+          </a:lnRef>
+          <a:fillRef idx="1">
+            <a:schemeClr val="accent1"/>
+          </a:fillRef>
+          <a:effectRef idx="0">
+            <a:schemeClr val="accent1"/>
+          </a:effectRef>
+          <a:fontRef idx="minor">
+            <a:schemeClr val="lt1"/>
+          </a:fontRef>
+        </p:style>
+        <p:txBody>
+          <a:bodyPr rtlCol="0" anchor="ctr"/>
+          <a:lstStyle/>
+          <a:p>
+            <a:pPr algn="ctr"/>
+            <a:r>
+              <a:rPr lang="pt-BR" sz="1600" dirty="0" smtClean="0"/>
+              <a:t>Bloqueada</a:t>
+            </a:r>
+            <a:endParaRPr lang="pt-BR" sz="1600" dirty="0"/>
+          </a:p>
+        </p:txBody>
+      </p:sp>
+      <p:sp>
+        <p:nvSpPr>
+          <p:cNvPr id="9" name="Retângulo 8"/>
+          <p:cNvSpPr/>
+          <p:nvPr/>
+        </p:nvSpPr>
+        <p:spPr>
+          <a:xfrm>
+            <a:off x="4932040" y="2996952"/>
+            <a:ext cx="1512168" cy="432048"/>
+          </a:xfrm>
+          <a:prstGeom prst="rect">
+            <a:avLst/>
+          </a:prstGeom>
+          <a:noFill/>
+          <a:ln w="38100">
+            <a:solidFill>
+              <a:schemeClr val="tx1"/>
+            </a:solidFill>
+          </a:ln>
+        </p:spPr>
+        <p:style>
+          <a:lnRef idx="2">
+            <a:schemeClr val="accent1">
+              <a:shade val="50000"/>
+            </a:schemeClr>
+          </a:lnRef>
+          <a:fillRef idx="1">
+            <a:schemeClr val="accent1"/>
+          </a:fillRef>
+          <a:effectRef idx="0">
+            <a:schemeClr val="accent1"/>
+          </a:effectRef>
+          <a:fontRef idx="minor">
+            <a:schemeClr val="lt1"/>
+          </a:fontRef>
+        </p:style>
+        <p:txBody>
+          <a:bodyPr rtlCol="0" anchor="ctr"/>
+          <a:lstStyle/>
+          <a:p>
+            <a:pPr algn="ctr"/>
+            <a:r>
+              <a:rPr lang="pt-BR" sz="1600" dirty="0" smtClean="0"/>
+              <a:t>Suspensa</a:t>
+            </a:r>
+            <a:endParaRPr lang="pt-BR" sz="1600" dirty="0" smtClean="0"/>
+          </a:p>
+        </p:txBody>
+      </p:sp>
+      <p:sp>
+        <p:nvSpPr>
+          <p:cNvPr id="10" name="Retângulo 9"/>
+          <p:cNvSpPr/>
+          <p:nvPr/>
+        </p:nvSpPr>
+        <p:spPr>
+          <a:xfrm>
+            <a:off x="755576" y="4941168"/>
+            <a:ext cx="1512168" cy="720080"/>
+          </a:xfrm>
+          <a:prstGeom prst="rect">
+            <a:avLst/>
+          </a:prstGeom>
+          <a:noFill/>
+          <a:ln w="38100">
+            <a:solidFill>
+              <a:schemeClr val="tx1"/>
+            </a:solidFill>
+          </a:ln>
+        </p:spPr>
+        <p:style>
+          <a:lnRef idx="2">
+            <a:schemeClr val="accent1">
+              <a:shade val="50000"/>
+            </a:schemeClr>
+          </a:lnRef>
+          <a:fillRef idx="1">
+            <a:schemeClr val="accent1"/>
+          </a:fillRef>
+          <a:effectRef idx="0">
+            <a:schemeClr val="accent1"/>
+          </a:effectRef>
+          <a:fontRef idx="minor">
+            <a:schemeClr val="lt1"/>
+          </a:fontRef>
+        </p:style>
+        <p:txBody>
+          <a:bodyPr rtlCol="0" anchor="ctr"/>
+          <a:lstStyle/>
+          <a:p>
+            <a:pPr algn="ctr"/>
+            <a:r>
+              <a:rPr lang="pt-BR" sz="1600" dirty="0" smtClean="0"/>
+              <a:t>Morta</a:t>
+            </a:r>
+            <a:endParaRPr lang="pt-BR" sz="1600" dirty="0"/>
+          </a:p>
+        </p:txBody>
+      </p:sp>
+      <p:cxnSp>
+        <p:nvCxnSpPr>
+          <p:cNvPr id="15" name="Conector de seta reta 14"/>
+          <p:cNvCxnSpPr/>
+          <p:nvPr/>
+        </p:nvCxnSpPr>
+        <p:spPr>
+          <a:xfrm>
+            <a:off x="1259632" y="2852936"/>
+            <a:ext cx="0" cy="792088"/>
+          </a:xfrm>
+          <a:prstGeom prst="straightConnector1">
+            <a:avLst/>
+          </a:prstGeom>
+          <a:ln w="38100">
+            <a:solidFill>
+              <a:schemeClr val="tx1"/>
+            </a:solidFill>
+            <a:tailEnd type="arrow"/>
+          </a:ln>
+        </p:spPr>
+        <p:style>
+          <a:lnRef idx="1">
+            <a:schemeClr val="accent1"/>
+          </a:lnRef>
+          <a:fillRef idx="0">
+            <a:schemeClr val="accent1"/>
+          </a:fillRef>
+          <a:effectRef idx="0">
+            <a:schemeClr val="accent1"/>
+          </a:effectRef>
+          <a:fontRef idx="minor">
+            <a:schemeClr val="tx1"/>
+          </a:fontRef>
+        </p:style>
+      </p:cxnSp>
+      <p:cxnSp>
+        <p:nvCxnSpPr>
+          <p:cNvPr id="17" name="Forma 16"/>
+          <p:cNvCxnSpPr>
+            <a:endCxn id="7" idx="2"/>
+          </p:cNvCxnSpPr>
+          <p:nvPr/>
+        </p:nvCxnSpPr>
+        <p:spPr>
+          <a:xfrm flipV="1">
+            <a:off x="2267744" y="3429000"/>
+            <a:ext cx="1332148" cy="432048"/>
+          </a:xfrm>
+          <a:prstGeom prst="bentConnector2">
+            <a:avLst/>
+          </a:prstGeom>
+          <a:ln w="38100">
+            <a:solidFill>
+              <a:schemeClr val="tx1"/>
+            </a:solidFill>
+            <a:tailEnd type="arrow"/>
+          </a:ln>
+        </p:spPr>
+        <p:style>
+          <a:lnRef idx="1">
+            <a:schemeClr val="accent1"/>
+          </a:lnRef>
+          <a:fillRef idx="0">
+            <a:schemeClr val="accent1"/>
+          </a:fillRef>
+          <a:effectRef idx="0">
+            <a:schemeClr val="accent1"/>
+          </a:effectRef>
+          <a:fontRef idx="minor">
+            <a:schemeClr val="tx1"/>
+          </a:fontRef>
+        </p:style>
+      </p:cxnSp>
+      <p:cxnSp>
+        <p:nvCxnSpPr>
+          <p:cNvPr id="18" name="Forma 17"/>
+          <p:cNvCxnSpPr>
+            <a:stCxn id="5" idx="3"/>
+            <a:endCxn id="9" idx="2"/>
+          </p:cNvCxnSpPr>
+          <p:nvPr/>
+        </p:nvCxnSpPr>
+        <p:spPr>
+          <a:xfrm flipV="1">
+            <a:off x="2267744" y="3429000"/>
+            <a:ext cx="3420380" cy="576064"/>
+          </a:xfrm>
+          <a:prstGeom prst="bentConnector2">
+            <a:avLst/>
+          </a:prstGeom>
+          <a:ln w="38100">
+            <a:solidFill>
+              <a:schemeClr val="tx1"/>
+            </a:solidFill>
+            <a:tailEnd type="arrow"/>
+          </a:ln>
+        </p:spPr>
+        <p:style>
+          <a:lnRef idx="1">
+            <a:schemeClr val="accent1"/>
+          </a:lnRef>
+          <a:fillRef idx="0">
+            <a:schemeClr val="accent1"/>
+          </a:fillRef>
+          <a:effectRef idx="0">
+            <a:schemeClr val="accent1"/>
+          </a:effectRef>
+          <a:fontRef idx="minor">
+            <a:schemeClr val="tx1"/>
+          </a:fontRef>
+        </p:style>
+      </p:cxnSp>
+      <p:cxnSp>
+        <p:nvCxnSpPr>
+          <p:cNvPr id="22" name="Forma 21"/>
+          <p:cNvCxnSpPr>
+            <a:endCxn id="8" idx="2"/>
+          </p:cNvCxnSpPr>
+          <p:nvPr/>
+        </p:nvCxnSpPr>
+        <p:spPr>
+          <a:xfrm flipV="1">
+            <a:off x="2267744" y="3429000"/>
+            <a:ext cx="5508612" cy="720080"/>
+          </a:xfrm>
+          <a:prstGeom prst="bentConnector2">
+            <a:avLst/>
+          </a:prstGeom>
+          <a:ln w="38100">
+            <a:solidFill>
+              <a:schemeClr val="tx1"/>
+            </a:solidFill>
+            <a:tailEnd type="arrow"/>
+          </a:ln>
+        </p:spPr>
+        <p:style>
+          <a:lnRef idx="1">
+            <a:schemeClr val="accent1"/>
+          </a:lnRef>
+          <a:fillRef idx="0">
+            <a:schemeClr val="accent1"/>
+          </a:fillRef>
+          <a:effectRef idx="0">
+            <a:schemeClr val="accent1"/>
+          </a:effectRef>
+          <a:fontRef idx="minor">
+            <a:schemeClr val="tx1"/>
+          </a:fontRef>
+        </p:style>
+      </p:cxnSp>
+      <p:cxnSp>
+        <p:nvCxnSpPr>
+          <p:cNvPr id="25" name="Forma 24"/>
+          <p:cNvCxnSpPr>
+            <a:stCxn id="7" idx="0"/>
+          </p:cNvCxnSpPr>
+          <p:nvPr/>
+        </p:nvCxnSpPr>
+        <p:spPr>
+          <a:xfrm rot="16200000" flipV="1">
+            <a:off x="2753798" y="2150858"/>
+            <a:ext cx="360040" cy="1332148"/>
+          </a:xfrm>
+          <a:prstGeom prst="bentConnector2">
+            <a:avLst/>
+          </a:prstGeom>
+          <a:ln w="38100">
+            <a:solidFill>
+              <a:schemeClr val="tx1"/>
+            </a:solidFill>
+            <a:tailEnd type="arrow"/>
+          </a:ln>
+        </p:spPr>
+        <p:style>
+          <a:lnRef idx="1">
+            <a:schemeClr val="accent1"/>
+          </a:lnRef>
+          <a:fillRef idx="0">
+            <a:schemeClr val="accent1"/>
+          </a:fillRef>
+          <a:effectRef idx="0">
+            <a:schemeClr val="accent1"/>
+          </a:effectRef>
+          <a:fontRef idx="minor">
+            <a:schemeClr val="tx1"/>
+          </a:fontRef>
+        </p:style>
+      </p:cxnSp>
+      <p:cxnSp>
+        <p:nvCxnSpPr>
+          <p:cNvPr id="28" name="Forma 27"/>
+          <p:cNvCxnSpPr>
+            <a:stCxn id="9" idx="0"/>
+            <a:endCxn id="6" idx="3"/>
+          </p:cNvCxnSpPr>
+          <p:nvPr/>
+        </p:nvCxnSpPr>
+        <p:spPr>
+          <a:xfrm rot="16200000" flipV="1">
+            <a:off x="3725906" y="1034734"/>
+            <a:ext cx="504056" cy="3420380"/>
+          </a:xfrm>
+          <a:prstGeom prst="bentConnector2">
+            <a:avLst/>
+          </a:prstGeom>
+          <a:ln w="38100">
+            <a:solidFill>
+              <a:schemeClr val="tx1"/>
+            </a:solidFill>
+            <a:tailEnd type="arrow"/>
+          </a:ln>
+        </p:spPr>
+        <p:style>
+          <a:lnRef idx="1">
+            <a:schemeClr val="accent1"/>
+          </a:lnRef>
+          <a:fillRef idx="0">
+            <a:schemeClr val="accent1"/>
+          </a:fillRef>
+          <a:effectRef idx="0">
+            <a:schemeClr val="accent1"/>
+          </a:effectRef>
+          <a:fontRef idx="minor">
+            <a:schemeClr val="tx1"/>
+          </a:fontRef>
+        </p:style>
+      </p:cxnSp>
+      <p:cxnSp>
+        <p:nvCxnSpPr>
+          <p:cNvPr id="31" name="Forma 30"/>
+          <p:cNvCxnSpPr>
+            <a:stCxn id="8" idx="0"/>
+          </p:cNvCxnSpPr>
+          <p:nvPr/>
+        </p:nvCxnSpPr>
+        <p:spPr>
+          <a:xfrm rot="16200000" flipV="1">
+            <a:off x="4698014" y="-81390"/>
+            <a:ext cx="648072" cy="5508612"/>
+          </a:xfrm>
+          <a:prstGeom prst="bentConnector2">
+            <a:avLst/>
+          </a:prstGeom>
+          <a:ln w="38100">
+            <a:solidFill>
+              <a:schemeClr val="tx1"/>
+            </a:solidFill>
+            <a:tailEnd type="arrow"/>
+          </a:ln>
+        </p:spPr>
+        <p:style>
+          <a:lnRef idx="1">
+            <a:schemeClr val="accent1"/>
+          </a:lnRef>
+          <a:fillRef idx="0">
+            <a:schemeClr val="accent1"/>
+          </a:fillRef>
+          <a:effectRef idx="0">
+            <a:schemeClr val="accent1"/>
+          </a:effectRef>
+          <a:fontRef idx="minor">
+            <a:schemeClr val="tx1"/>
+          </a:fontRef>
+        </p:style>
+      </p:cxnSp>
+      <p:cxnSp>
+        <p:nvCxnSpPr>
+          <p:cNvPr id="34" name="Conector de seta reta 33"/>
+          <p:cNvCxnSpPr>
+            <a:stCxn id="5" idx="2"/>
+            <a:endCxn id="10" idx="0"/>
+          </p:cNvCxnSpPr>
+          <p:nvPr/>
+        </p:nvCxnSpPr>
+        <p:spPr>
+          <a:xfrm>
+            <a:off x="1511660" y="4365104"/>
+            <a:ext cx="0" cy="576064"/>
+          </a:xfrm>
+          <a:prstGeom prst="straightConnector1">
+            <a:avLst/>
+          </a:prstGeom>
+          <a:ln w="38100">
+            <a:solidFill>
+              <a:schemeClr val="tx1"/>
+            </a:solidFill>
+            <a:tailEnd type="arrow"/>
+          </a:ln>
+        </p:spPr>
+        <p:style>
+          <a:lnRef idx="1">
+            <a:schemeClr val="accent1"/>
+          </a:lnRef>
+          <a:fillRef idx="0">
+            <a:schemeClr val="accent1"/>
+          </a:fillRef>
+          <a:effectRef idx="0">
+            <a:schemeClr val="accent1"/>
+          </a:effectRef>
+          <a:fontRef idx="minor">
+            <a:schemeClr val="tx1"/>
+          </a:fontRef>
+        </p:style>
+      </p:cxnSp>
+      <p:cxnSp>
+        <p:nvCxnSpPr>
+          <p:cNvPr id="53" name="Conector de seta reta 52"/>
+          <p:cNvCxnSpPr/>
+          <p:nvPr/>
+        </p:nvCxnSpPr>
+        <p:spPr>
+          <a:xfrm>
+            <a:off x="1511300" y="1671960"/>
+            <a:ext cx="0" cy="460896"/>
+          </a:xfrm>
+          <a:prstGeom prst="straightConnector1">
+            <a:avLst/>
+          </a:prstGeom>
+          <a:ln w="38100">
+            <a:solidFill>
+              <a:schemeClr val="tx1"/>
+            </a:solidFill>
+            <a:tailEnd type="arrow"/>
+          </a:ln>
+        </p:spPr>
+        <p:style>
+          <a:lnRef idx="1">
+            <a:schemeClr val="accent1"/>
+          </a:lnRef>
+          <a:fillRef idx="0">
+            <a:schemeClr val="accent1"/>
+          </a:fillRef>
+          <a:effectRef idx="0">
+            <a:schemeClr val="accent1"/>
+          </a:effectRef>
+          <a:fontRef idx="minor">
+            <a:schemeClr val="tx1"/>
+          </a:fontRef>
+        </p:style>
+      </p:cxnSp>
+      <p:sp>
+        <p:nvSpPr>
+          <p:cNvPr id="55" name="Elipse 54"/>
+          <p:cNvSpPr/>
+          <p:nvPr/>
+        </p:nvSpPr>
+        <p:spPr>
+          <a:xfrm>
+            <a:off x="1403648" y="1556792"/>
+            <a:ext cx="216024" cy="216024"/>
+          </a:xfrm>
+          <a:prstGeom prst="ellipse">
+            <a:avLst/>
+          </a:prstGeom>
+          <a:solidFill>
+            <a:schemeClr val="tx1"/>
+          </a:solidFill>
+          <a:ln>
+            <a:noFill/>
+          </a:ln>
+        </p:spPr>
+        <p:style>
+          <a:lnRef idx="2">
+            <a:schemeClr val="accent1">
+              <a:shade val="50000"/>
+            </a:schemeClr>
+          </a:lnRef>
+          <a:fillRef idx="1">
+            <a:schemeClr val="accent1"/>
+          </a:fillRef>
+          <a:effectRef idx="0">
+            <a:schemeClr val="accent1"/>
+          </a:effectRef>
+          <a:fontRef idx="minor">
+            <a:schemeClr val="lt1"/>
+          </a:fontRef>
+        </p:style>
+        <p:txBody>
+          <a:bodyPr rtlCol="0" anchor="ctr"/>
+          <a:lstStyle/>
+          <a:p>
+            <a:pPr algn="ctr"/>
+            <a:endParaRPr lang="pt-BR"/>
+          </a:p>
+        </p:txBody>
+      </p:sp>
+      <p:cxnSp>
+        <p:nvCxnSpPr>
+          <p:cNvPr id="57" name="Conector de seta reta 56"/>
+          <p:cNvCxnSpPr/>
+          <p:nvPr/>
+        </p:nvCxnSpPr>
+        <p:spPr>
+          <a:xfrm flipV="1">
+            <a:off x="1763688" y="2852936"/>
+            <a:ext cx="0" cy="792088"/>
+          </a:xfrm>
+          <a:prstGeom prst="straightConnector1">
+            <a:avLst/>
+          </a:prstGeom>
+          <a:ln w="38100">
+            <a:solidFill>
+              <a:schemeClr val="tx1"/>
+            </a:solidFill>
+            <a:tailEnd type="arrow"/>
+          </a:ln>
+        </p:spPr>
+        <p:style>
+          <a:lnRef idx="1">
+            <a:schemeClr val="accent1"/>
+          </a:lnRef>
+          <a:fillRef idx="0">
+            <a:schemeClr val="accent1"/>
+          </a:fillRef>
+          <a:effectRef idx="0">
+            <a:schemeClr val="accent1"/>
+          </a:effectRef>
+          <a:fontRef idx="minor">
+            <a:schemeClr val="tx1"/>
+          </a:fontRef>
+        </p:style>
+      </p:cxnSp>
     </p:spTree>
   </p:cSld>
   <p:clrMapOvr>
@@ -7521,7 +8906,7 @@
       </p:grpSpPr>
       <p:sp>
         <p:nvSpPr>
-          <p:cNvPr id="15362" name="Título 1"/>
+          <p:cNvPr id="14338" name="Título 1"/>
           <p:cNvSpPr>
             <a:spLocks noGrp="1"/>
           </p:cNvSpPr>
@@ -7537,23 +8922,14 @@
             <a:pPr eaLnBrk="1" hangingPunct="1"/>
             <a:r>
               <a:rPr lang="pt-BR" dirty="0" smtClean="0"/>
-              <a:t>O</a:t>
-            </a:r>
-            <a:r>
-              <a:rPr lang="pt-BR" baseline="0" dirty="0" smtClean="0"/>
-              <a:t> </a:t>
-            </a:r>
-            <a:r>
-              <a:rPr lang="pt-BR" dirty="0" err="1" smtClean="0"/>
-              <a:t>Scheduler</a:t>
-            </a:r>
-            <a:endParaRPr lang="pt-BR" dirty="0" smtClean="0"/>
-          </a:p>
-        </p:txBody>
-      </p:sp>
-      <p:sp>
-        <p:nvSpPr>
-          <p:cNvPr id="15363" name="Espaço Reservado para Conteúdo 2"/>
+              <a:t>Estados da thread</a:t>
+            </a:r>
+          </a:p>
+        </p:txBody>
+      </p:sp>
+      <p:sp>
+        <p:nvSpPr>
+          <p:cNvPr id="75" name="Espaço Reservado para Conteúdo 74"/>
           <p:cNvSpPr>
             <a:spLocks noGrp="1"/>
           </p:cNvSpPr>
@@ -7561,12 +8937,30 @@
             <p:ph idx="1"/>
           </p:nvPr>
         </p:nvSpPr>
-        <p:spPr/>
+        <p:spPr>
+          <a:xfrm>
+            <a:off x="2627784" y="4509120"/>
+            <a:ext cx="5904656" cy="1728192"/>
+          </a:xfrm>
+        </p:spPr>
         <p:txBody>
           <a:bodyPr/>
           <a:lstStyle/>
           <a:p>
-            <a:endParaRPr lang="pt-BR" smtClean="0"/>
+            <a:r>
+              <a:rPr lang="pt-BR" sz="2400" u="sng" dirty="0" smtClean="0"/>
+              <a:t>Pronta para ser executada</a:t>
+            </a:r>
+          </a:p>
+          <a:p>
+            <a:pPr marL="442913" lvl="1" indent="0">
+              <a:buNone/>
+            </a:pPr>
+            <a:r>
+              <a:rPr lang="pt-BR" sz="2000" dirty="0" smtClean="0"/>
+              <a:t>Uma thread fica pronta para ser executada tão logo seu método start() é executado. Lá ela fica aguardando até que o JVM tenha oportunidade de executá-la</a:t>
+            </a:r>
+            <a:endParaRPr lang="pt-BR" sz="2000" dirty="0"/>
           </a:p>
         </p:txBody>
       </p:sp>
@@ -7599,11 +8993,305 @@
           </a:p>
         </p:txBody>
       </p:sp>
+      <p:sp>
+        <p:nvSpPr>
+          <p:cNvPr id="5" name="Retângulo 4"/>
+          <p:cNvSpPr/>
+          <p:nvPr/>
+        </p:nvSpPr>
+        <p:spPr>
+          <a:xfrm>
+            <a:off x="755576" y="3645024"/>
+            <a:ext cx="1512168" cy="720080"/>
+          </a:xfrm>
+          <a:prstGeom prst="rect">
+            <a:avLst/>
+          </a:prstGeom>
+          <a:noFill/>
+          <a:ln w="38100">
+            <a:solidFill>
+              <a:schemeClr val="tx1"/>
+            </a:solidFill>
+          </a:ln>
+        </p:spPr>
+        <p:style>
+          <a:lnRef idx="2">
+            <a:schemeClr val="accent1">
+              <a:shade val="50000"/>
+            </a:schemeClr>
+          </a:lnRef>
+          <a:fillRef idx="1">
+            <a:schemeClr val="accent1"/>
+          </a:fillRef>
+          <a:effectRef idx="0">
+            <a:schemeClr val="accent1"/>
+          </a:effectRef>
+          <a:fontRef idx="minor">
+            <a:schemeClr val="lt1"/>
+          </a:fontRef>
+        </p:style>
+        <p:txBody>
+          <a:bodyPr rtlCol="0" anchor="ctr"/>
+          <a:lstStyle/>
+          <a:p>
+            <a:pPr algn="ctr"/>
+            <a:r>
+              <a:rPr lang="pt-BR" sz="1600" dirty="0" smtClean="0"/>
+              <a:t>Executando</a:t>
+            </a:r>
+            <a:endParaRPr lang="pt-BR" sz="1600" dirty="0"/>
+          </a:p>
+        </p:txBody>
+      </p:sp>
+      <p:sp>
+        <p:nvSpPr>
+          <p:cNvPr id="6" name="Retângulo 5"/>
+          <p:cNvSpPr/>
+          <p:nvPr/>
+        </p:nvSpPr>
+        <p:spPr>
+          <a:xfrm>
+            <a:off x="755576" y="2132856"/>
+            <a:ext cx="1512168" cy="720080"/>
+          </a:xfrm>
+          <a:prstGeom prst="rect">
+            <a:avLst/>
+          </a:prstGeom>
+          <a:solidFill>
+            <a:srgbClr val="FF0000"/>
+          </a:solidFill>
+          <a:ln w="38100">
+            <a:solidFill>
+              <a:schemeClr val="tx1"/>
+            </a:solidFill>
+          </a:ln>
+        </p:spPr>
+        <p:style>
+          <a:lnRef idx="2">
+            <a:schemeClr val="accent1">
+              <a:shade val="50000"/>
+            </a:schemeClr>
+          </a:lnRef>
+          <a:fillRef idx="1">
+            <a:schemeClr val="accent1"/>
+          </a:fillRef>
+          <a:effectRef idx="0">
+            <a:schemeClr val="accent1"/>
+          </a:effectRef>
+          <a:fontRef idx="minor">
+            <a:schemeClr val="lt1"/>
+          </a:fontRef>
+        </p:style>
+        <p:txBody>
+          <a:bodyPr rtlCol="0" anchor="ctr"/>
+          <a:lstStyle/>
+          <a:p>
+            <a:pPr algn="ctr"/>
+            <a:r>
+              <a:rPr lang="pt-BR" sz="1600" dirty="0" smtClean="0"/>
+              <a:t>Pronta para</a:t>
+            </a:r>
+          </a:p>
+          <a:p>
+            <a:pPr algn="ctr"/>
+            <a:r>
+              <a:rPr lang="pt-BR" sz="1600" dirty="0" smtClean="0"/>
+              <a:t>s</a:t>
+            </a:r>
+            <a:r>
+              <a:rPr lang="pt-BR" sz="1600" dirty="0" smtClean="0"/>
+              <a:t>er executada</a:t>
+            </a:r>
+            <a:endParaRPr lang="pt-BR" sz="1600" dirty="0"/>
+          </a:p>
+        </p:txBody>
+      </p:sp>
+      <p:cxnSp>
+        <p:nvCxnSpPr>
+          <p:cNvPr id="15" name="Conector de seta reta 14"/>
+          <p:cNvCxnSpPr/>
+          <p:nvPr/>
+        </p:nvCxnSpPr>
+        <p:spPr>
+          <a:xfrm>
+            <a:off x="1259632" y="2852936"/>
+            <a:ext cx="0" cy="792088"/>
+          </a:xfrm>
+          <a:prstGeom prst="straightConnector1">
+            <a:avLst/>
+          </a:prstGeom>
+          <a:ln w="38100">
+            <a:solidFill>
+              <a:schemeClr val="tx1"/>
+            </a:solidFill>
+            <a:tailEnd type="arrow"/>
+          </a:ln>
+        </p:spPr>
+        <p:style>
+          <a:lnRef idx="1">
+            <a:schemeClr val="accent1"/>
+          </a:lnRef>
+          <a:fillRef idx="0">
+            <a:schemeClr val="accent1"/>
+          </a:fillRef>
+          <a:effectRef idx="0">
+            <a:schemeClr val="accent1"/>
+          </a:effectRef>
+          <a:fontRef idx="minor">
+            <a:schemeClr val="tx1"/>
+          </a:fontRef>
+        </p:style>
+      </p:cxnSp>
+      <p:cxnSp>
+        <p:nvCxnSpPr>
+          <p:cNvPr id="53" name="Conector de seta reta 52"/>
+          <p:cNvCxnSpPr/>
+          <p:nvPr/>
+        </p:nvCxnSpPr>
+        <p:spPr>
+          <a:xfrm>
+            <a:off x="1511300" y="1671960"/>
+            <a:ext cx="0" cy="460896"/>
+          </a:xfrm>
+          <a:prstGeom prst="straightConnector1">
+            <a:avLst/>
+          </a:prstGeom>
+          <a:ln w="38100">
+            <a:solidFill>
+              <a:schemeClr val="tx1"/>
+            </a:solidFill>
+            <a:tailEnd type="arrow"/>
+          </a:ln>
+        </p:spPr>
+        <p:style>
+          <a:lnRef idx="1">
+            <a:schemeClr val="accent1"/>
+          </a:lnRef>
+          <a:fillRef idx="0">
+            <a:schemeClr val="accent1"/>
+          </a:fillRef>
+          <a:effectRef idx="0">
+            <a:schemeClr val="accent1"/>
+          </a:effectRef>
+          <a:fontRef idx="minor">
+            <a:schemeClr val="tx1"/>
+          </a:fontRef>
+        </p:style>
+      </p:cxnSp>
+      <p:sp>
+        <p:nvSpPr>
+          <p:cNvPr id="55" name="Elipse 54"/>
+          <p:cNvSpPr/>
+          <p:nvPr/>
+        </p:nvSpPr>
+        <p:spPr>
+          <a:xfrm>
+            <a:off x="1403648" y="1556792"/>
+            <a:ext cx="216024" cy="216024"/>
+          </a:xfrm>
+          <a:prstGeom prst="ellipse">
+            <a:avLst/>
+          </a:prstGeom>
+          <a:solidFill>
+            <a:schemeClr val="tx1"/>
+          </a:solidFill>
+          <a:ln>
+            <a:noFill/>
+          </a:ln>
+        </p:spPr>
+        <p:style>
+          <a:lnRef idx="2">
+            <a:schemeClr val="accent1">
+              <a:shade val="50000"/>
+            </a:schemeClr>
+          </a:lnRef>
+          <a:fillRef idx="1">
+            <a:schemeClr val="accent1"/>
+          </a:fillRef>
+          <a:effectRef idx="0">
+            <a:schemeClr val="accent1"/>
+          </a:effectRef>
+          <a:fontRef idx="minor">
+            <a:schemeClr val="lt1"/>
+          </a:fontRef>
+        </p:style>
+        <p:txBody>
+          <a:bodyPr rtlCol="0" anchor="ctr"/>
+          <a:lstStyle/>
+          <a:p>
+            <a:pPr algn="ctr"/>
+            <a:endParaRPr lang="pt-BR"/>
+          </a:p>
+        </p:txBody>
+      </p:sp>
+      <p:sp>
+        <p:nvSpPr>
+          <p:cNvPr id="29" name="Retângulo 28"/>
+          <p:cNvSpPr/>
+          <p:nvPr/>
+        </p:nvSpPr>
+        <p:spPr>
+          <a:xfrm>
+            <a:off x="1547664" y="1700808"/>
+            <a:ext cx="864096" cy="360040"/>
+          </a:xfrm>
+          <a:prstGeom prst="rect">
+            <a:avLst/>
+          </a:prstGeom>
+          <a:noFill/>
+          <a:ln>
+            <a:noFill/>
+          </a:ln>
+        </p:spPr>
+        <p:style>
+          <a:lnRef idx="2">
+            <a:schemeClr val="accent1">
+              <a:shade val="50000"/>
+            </a:schemeClr>
+          </a:lnRef>
+          <a:fillRef idx="1">
+            <a:schemeClr val="accent1"/>
+          </a:fillRef>
+          <a:effectRef idx="0">
+            <a:schemeClr val="accent1"/>
+          </a:effectRef>
+          <a:fontRef idx="minor">
+            <a:schemeClr val="lt1"/>
+          </a:fontRef>
+        </p:style>
+        <p:txBody>
+          <a:bodyPr rtlCol="0" anchor="ctr"/>
+          <a:lstStyle/>
+          <a:p>
+            <a:pPr algn="ctr"/>
+            <a:r>
+              <a:rPr lang="pt-BR" dirty="0" smtClean="0">
+                <a:solidFill>
+                  <a:srgbClr val="FFC000"/>
+                </a:solidFill>
+              </a:rPr>
+              <a:t>start()</a:t>
+            </a:r>
+            <a:endParaRPr lang="pt-BR" dirty="0">
+              <a:solidFill>
+                <a:srgbClr val="FFC000"/>
+              </a:solidFill>
+            </a:endParaRPr>
+          </a:p>
+        </p:txBody>
+      </p:sp>
     </p:spTree>
   </p:cSld>
   <p:clrMapOvr>
     <a:masterClrMapping/>
   </p:clrMapOvr>
+  <p:timing>
+    <p:tnLst>
+      <p:par>
+        <p:cTn id="1" dur="indefinite" restart="never" nodeType="tmRoot"/>
+      </p:par>
+    </p:tnLst>
+  </p:timing>
 </p:sld>
 </file>
 
@@ -7626,7 +9314,7 @@
       </p:grpSpPr>
       <p:sp>
         <p:nvSpPr>
-          <p:cNvPr id="16386" name="Título 1"/>
+          <p:cNvPr id="14338" name="Título 1"/>
           <p:cNvSpPr>
             <a:spLocks noGrp="1"/>
           </p:cNvSpPr>
@@ -7642,14 +9330,14 @@
             <a:pPr eaLnBrk="1" hangingPunct="1"/>
             <a:r>
               <a:rPr lang="pt-BR" dirty="0" smtClean="0"/>
-              <a:t>Prioridades das threads</a:t>
-            </a:r>
-          </a:p>
-        </p:txBody>
-      </p:sp>
-      <p:sp>
-        <p:nvSpPr>
-          <p:cNvPr id="16387" name="Espaço Reservado para Conteúdo 2"/>
+              <a:t>Estados da thread</a:t>
+            </a:r>
+          </a:p>
+        </p:txBody>
+      </p:sp>
+      <p:sp>
+        <p:nvSpPr>
+          <p:cNvPr id="75" name="Espaço Reservado para Conteúdo 74"/>
           <p:cNvSpPr>
             <a:spLocks noGrp="1"/>
           </p:cNvSpPr>
@@ -7657,12 +9345,34 @@
             <p:ph idx="1"/>
           </p:nvPr>
         </p:nvSpPr>
-        <p:spPr/>
+        <p:spPr>
+          <a:xfrm>
+            <a:off x="2627784" y="4509120"/>
+            <a:ext cx="5904656" cy="1728192"/>
+          </a:xfrm>
+        </p:spPr>
         <p:txBody>
           <a:bodyPr/>
           <a:lstStyle/>
           <a:p>
-            <a:endParaRPr lang="pt-BR" smtClean="0"/>
+            <a:r>
+              <a:rPr lang="pt-BR" sz="2400" u="sng" dirty="0" smtClean="0"/>
+              <a:t>Executando</a:t>
+            </a:r>
+          </a:p>
+          <a:p>
+            <a:pPr marL="442913" lvl="1" indent="0">
+              <a:buNone/>
+            </a:pPr>
+            <a:r>
+              <a:rPr lang="pt-BR" sz="2000" dirty="0" smtClean="0"/>
+              <a:t>Durante a sua execução, uma thread pode deixar de ser executada, cedendo </a:t>
+            </a:r>
+            <a:r>
+              <a:rPr lang="pt-BR" sz="2000" smtClean="0"/>
+              <a:t>sua vez para </a:t>
+            </a:r>
+            <a:endParaRPr lang="pt-BR" sz="2000" dirty="0" smtClean="0"/>
           </a:p>
         </p:txBody>
       </p:sp>
@@ -7695,11 +9405,313 @@
           </a:p>
         </p:txBody>
       </p:sp>
+      <p:sp>
+        <p:nvSpPr>
+          <p:cNvPr id="5" name="Retângulo 4"/>
+          <p:cNvSpPr/>
+          <p:nvPr/>
+        </p:nvSpPr>
+        <p:spPr>
+          <a:xfrm>
+            <a:off x="755576" y="3645024"/>
+            <a:ext cx="1512168" cy="720080"/>
+          </a:xfrm>
+          <a:prstGeom prst="rect">
+            <a:avLst/>
+          </a:prstGeom>
+          <a:solidFill>
+            <a:srgbClr val="FF0000"/>
+          </a:solidFill>
+          <a:ln w="38100">
+            <a:solidFill>
+              <a:schemeClr val="tx1"/>
+            </a:solidFill>
+          </a:ln>
+        </p:spPr>
+        <p:style>
+          <a:lnRef idx="2">
+            <a:schemeClr val="accent1">
+              <a:shade val="50000"/>
+            </a:schemeClr>
+          </a:lnRef>
+          <a:fillRef idx="1">
+            <a:schemeClr val="accent1"/>
+          </a:fillRef>
+          <a:effectRef idx="0">
+            <a:schemeClr val="accent1"/>
+          </a:effectRef>
+          <a:fontRef idx="minor">
+            <a:schemeClr val="lt1"/>
+          </a:fontRef>
+        </p:style>
+        <p:txBody>
+          <a:bodyPr rtlCol="0" anchor="ctr"/>
+          <a:lstStyle/>
+          <a:p>
+            <a:pPr algn="ctr"/>
+            <a:r>
+              <a:rPr lang="pt-BR" sz="1600" dirty="0" smtClean="0"/>
+              <a:t>Executando</a:t>
+            </a:r>
+            <a:endParaRPr lang="pt-BR" sz="1600" dirty="0"/>
+          </a:p>
+        </p:txBody>
+      </p:sp>
+      <p:sp>
+        <p:nvSpPr>
+          <p:cNvPr id="6" name="Retângulo 5"/>
+          <p:cNvSpPr/>
+          <p:nvPr/>
+        </p:nvSpPr>
+        <p:spPr>
+          <a:xfrm>
+            <a:off x="755576" y="2132856"/>
+            <a:ext cx="1512168" cy="720080"/>
+          </a:xfrm>
+          <a:prstGeom prst="rect">
+            <a:avLst/>
+          </a:prstGeom>
+          <a:noFill/>
+          <a:ln w="38100">
+            <a:solidFill>
+              <a:schemeClr val="tx1"/>
+            </a:solidFill>
+          </a:ln>
+        </p:spPr>
+        <p:style>
+          <a:lnRef idx="2">
+            <a:schemeClr val="accent1">
+              <a:shade val="50000"/>
+            </a:schemeClr>
+          </a:lnRef>
+          <a:fillRef idx="1">
+            <a:schemeClr val="accent1"/>
+          </a:fillRef>
+          <a:effectRef idx="0">
+            <a:schemeClr val="accent1"/>
+          </a:effectRef>
+          <a:fontRef idx="minor">
+            <a:schemeClr val="lt1"/>
+          </a:fontRef>
+        </p:style>
+        <p:txBody>
+          <a:bodyPr rtlCol="0" anchor="ctr"/>
+          <a:lstStyle/>
+          <a:p>
+            <a:pPr algn="ctr"/>
+            <a:r>
+              <a:rPr lang="pt-BR" sz="1600" dirty="0" smtClean="0"/>
+              <a:t>Pronta para</a:t>
+            </a:r>
+          </a:p>
+          <a:p>
+            <a:pPr algn="ctr"/>
+            <a:r>
+              <a:rPr lang="pt-BR" sz="1600" dirty="0" smtClean="0"/>
+              <a:t>s</a:t>
+            </a:r>
+            <a:r>
+              <a:rPr lang="pt-BR" sz="1600" dirty="0" smtClean="0"/>
+              <a:t>er executada</a:t>
+            </a:r>
+            <a:endParaRPr lang="pt-BR" sz="1600" dirty="0"/>
+          </a:p>
+        </p:txBody>
+      </p:sp>
+      <p:cxnSp>
+        <p:nvCxnSpPr>
+          <p:cNvPr id="53" name="Conector de seta reta 52"/>
+          <p:cNvCxnSpPr/>
+          <p:nvPr/>
+        </p:nvCxnSpPr>
+        <p:spPr>
+          <a:xfrm>
+            <a:off x="1511300" y="1671960"/>
+            <a:ext cx="0" cy="460896"/>
+          </a:xfrm>
+          <a:prstGeom prst="straightConnector1">
+            <a:avLst/>
+          </a:prstGeom>
+          <a:ln w="38100">
+            <a:solidFill>
+              <a:schemeClr val="tx1"/>
+            </a:solidFill>
+            <a:tailEnd type="arrow"/>
+          </a:ln>
+        </p:spPr>
+        <p:style>
+          <a:lnRef idx="1">
+            <a:schemeClr val="accent1"/>
+          </a:lnRef>
+          <a:fillRef idx="0">
+            <a:schemeClr val="accent1"/>
+          </a:fillRef>
+          <a:effectRef idx="0">
+            <a:schemeClr val="accent1"/>
+          </a:effectRef>
+          <a:fontRef idx="minor">
+            <a:schemeClr val="tx1"/>
+          </a:fontRef>
+        </p:style>
+      </p:cxnSp>
+      <p:sp>
+        <p:nvSpPr>
+          <p:cNvPr id="55" name="Elipse 54"/>
+          <p:cNvSpPr/>
+          <p:nvPr/>
+        </p:nvSpPr>
+        <p:spPr>
+          <a:xfrm>
+            <a:off x="1403648" y="1556792"/>
+            <a:ext cx="216024" cy="216024"/>
+          </a:xfrm>
+          <a:prstGeom prst="ellipse">
+            <a:avLst/>
+          </a:prstGeom>
+          <a:solidFill>
+            <a:schemeClr val="tx1"/>
+          </a:solidFill>
+          <a:ln>
+            <a:noFill/>
+          </a:ln>
+        </p:spPr>
+        <p:style>
+          <a:lnRef idx="2">
+            <a:schemeClr val="accent1">
+              <a:shade val="50000"/>
+            </a:schemeClr>
+          </a:lnRef>
+          <a:fillRef idx="1">
+            <a:schemeClr val="accent1"/>
+          </a:fillRef>
+          <a:effectRef idx="0">
+            <a:schemeClr val="accent1"/>
+          </a:effectRef>
+          <a:fontRef idx="minor">
+            <a:schemeClr val="lt1"/>
+          </a:fontRef>
+        </p:style>
+        <p:txBody>
+          <a:bodyPr rtlCol="0" anchor="ctr"/>
+          <a:lstStyle/>
+          <a:p>
+            <a:pPr algn="ctr"/>
+            <a:endParaRPr lang="pt-BR"/>
+          </a:p>
+        </p:txBody>
+      </p:sp>
+      <p:cxnSp>
+        <p:nvCxnSpPr>
+          <p:cNvPr id="57" name="Conector de seta reta 56"/>
+          <p:cNvCxnSpPr/>
+          <p:nvPr/>
+        </p:nvCxnSpPr>
+        <p:spPr>
+          <a:xfrm flipV="1">
+            <a:off x="1763688" y="2852936"/>
+            <a:ext cx="0" cy="792088"/>
+          </a:xfrm>
+          <a:prstGeom prst="straightConnector1">
+            <a:avLst/>
+          </a:prstGeom>
+          <a:ln w="38100">
+            <a:solidFill>
+              <a:schemeClr val="tx1"/>
+            </a:solidFill>
+            <a:tailEnd type="arrow"/>
+          </a:ln>
+        </p:spPr>
+        <p:style>
+          <a:lnRef idx="1">
+            <a:schemeClr val="accent1"/>
+          </a:lnRef>
+          <a:fillRef idx="0">
+            <a:schemeClr val="accent1"/>
+          </a:fillRef>
+          <a:effectRef idx="0">
+            <a:schemeClr val="accent1"/>
+          </a:effectRef>
+          <a:fontRef idx="minor">
+            <a:schemeClr val="tx1"/>
+          </a:fontRef>
+        </p:style>
+      </p:cxnSp>
+      <p:sp>
+        <p:nvSpPr>
+          <p:cNvPr id="71" name="Retângulo 70"/>
+          <p:cNvSpPr/>
+          <p:nvPr/>
+        </p:nvSpPr>
+        <p:spPr>
+          <a:xfrm>
+            <a:off x="1763688" y="3068960"/>
+            <a:ext cx="864096" cy="360040"/>
+          </a:xfrm>
+          <a:prstGeom prst="rect">
+            <a:avLst/>
+          </a:prstGeom>
+          <a:noFill/>
+          <a:ln>
+            <a:noFill/>
+          </a:ln>
+        </p:spPr>
+        <p:style>
+          <a:lnRef idx="2">
+            <a:schemeClr val="accent1">
+              <a:shade val="50000"/>
+            </a:schemeClr>
+          </a:lnRef>
+          <a:fillRef idx="1">
+            <a:schemeClr val="accent1"/>
+          </a:fillRef>
+          <a:effectRef idx="0">
+            <a:schemeClr val="accent1"/>
+          </a:effectRef>
+          <a:fontRef idx="minor">
+            <a:schemeClr val="lt1"/>
+          </a:fontRef>
+        </p:style>
+        <p:txBody>
+          <a:bodyPr rtlCol="0" anchor="ctr"/>
+          <a:lstStyle/>
+          <a:p>
+            <a:pPr algn="ctr"/>
+            <a:r>
+              <a:rPr lang="pt-BR" dirty="0" err="1" smtClean="0">
+                <a:solidFill>
+                  <a:srgbClr val="FFC000"/>
+                </a:solidFill>
+              </a:rPr>
+              <a:t>yeld</a:t>
+            </a:r>
+            <a:r>
+              <a:rPr lang="pt-BR" dirty="0" smtClean="0">
+                <a:solidFill>
+                  <a:srgbClr val="FFC000"/>
+                </a:solidFill>
+              </a:rPr>
+              <a:t>()</a:t>
+            </a:r>
+            <a:endParaRPr lang="pt-BR" dirty="0">
+              <a:solidFill>
+                <a:srgbClr val="FFC000"/>
+              </a:solidFill>
+            </a:endParaRPr>
+          </a:p>
+        </p:txBody>
+      </p:sp>
     </p:spTree>
   </p:cSld>
   <p:clrMapOvr>
     <a:masterClrMapping/>
   </p:clrMapOvr>
+  <p:timing>
+    <p:tnLst>
+      <p:par>
+        <p:cTn id="1" dur="indefinite" restart="never" nodeType="tmRoot"/>
+      </p:par>
+    </p:tnLst>
+  </p:timing>
 </p:sld>
 </file>
 
@@ -7722,7 +9734,7 @@
       </p:grpSpPr>
       <p:sp>
         <p:nvSpPr>
-          <p:cNvPr id="2" name="Título 1"/>
+          <p:cNvPr id="14338" name="Título 1"/>
           <p:cNvSpPr>
             <a:spLocks noGrp="1"/>
           </p:cNvSpPr>
@@ -7735,21 +9747,17 @@
           <a:bodyPr/>
           <a:lstStyle/>
           <a:p>
+            <a:pPr eaLnBrk="1" hangingPunct="1"/>
             <a:r>
               <a:rPr lang="pt-BR" dirty="0" smtClean="0"/>
-              <a:t>Estados</a:t>
-            </a:r>
-            <a:r>
-              <a:rPr lang="pt-BR" baseline="0" dirty="0" smtClean="0"/>
-              <a:t> de uma thread</a:t>
-            </a:r>
-            <a:endParaRPr lang="pt-BR" dirty="0"/>
-          </a:p>
-        </p:txBody>
-      </p:sp>
-      <p:sp>
-        <p:nvSpPr>
-          <p:cNvPr id="3" name="Espaço Reservado para Conteúdo 2"/>
+              <a:t>Estados da thread</a:t>
+            </a:r>
+          </a:p>
+        </p:txBody>
+      </p:sp>
+      <p:sp>
+        <p:nvSpPr>
+          <p:cNvPr id="75" name="Espaço Reservado para Conteúdo 74"/>
           <p:cNvSpPr>
             <a:spLocks noGrp="1"/>
           </p:cNvSpPr>
@@ -7757,12 +9765,26 @@
             <p:ph idx="1"/>
           </p:nvPr>
         </p:nvSpPr>
-        <p:spPr/>
+        <p:spPr>
+          <a:xfrm>
+            <a:off x="2627784" y="4509120"/>
+            <a:ext cx="5904656" cy="1728192"/>
+          </a:xfrm>
+        </p:spPr>
         <p:txBody>
           <a:bodyPr/>
           <a:lstStyle/>
           <a:p>
-            <a:endParaRPr lang="pt-BR"/>
+            <a:r>
+              <a:rPr lang="pt-BR" sz="2400" dirty="0" smtClean="0"/>
+              <a:t>Morta</a:t>
+            </a:r>
+          </a:p>
+          <a:p>
+            <a:pPr lvl="1">
+              <a:buNone/>
+            </a:pPr>
+            <a:endParaRPr lang="pt-BR" sz="2000" dirty="0"/>
           </a:p>
         </p:txBody>
       </p:sp>
@@ -7795,11 +9817,223 @@
           </a:p>
         </p:txBody>
       </p:sp>
+      <p:sp>
+        <p:nvSpPr>
+          <p:cNvPr id="5" name="Retângulo 4"/>
+          <p:cNvSpPr/>
+          <p:nvPr/>
+        </p:nvSpPr>
+        <p:spPr>
+          <a:xfrm>
+            <a:off x="755576" y="3645024"/>
+            <a:ext cx="1512168" cy="720080"/>
+          </a:xfrm>
+          <a:prstGeom prst="rect">
+            <a:avLst/>
+          </a:prstGeom>
+          <a:noFill/>
+          <a:ln w="38100">
+            <a:solidFill>
+              <a:schemeClr val="tx1"/>
+            </a:solidFill>
+          </a:ln>
+        </p:spPr>
+        <p:style>
+          <a:lnRef idx="2">
+            <a:schemeClr val="accent1">
+              <a:shade val="50000"/>
+            </a:schemeClr>
+          </a:lnRef>
+          <a:fillRef idx="1">
+            <a:schemeClr val="accent1"/>
+          </a:fillRef>
+          <a:effectRef idx="0">
+            <a:schemeClr val="accent1"/>
+          </a:effectRef>
+          <a:fontRef idx="minor">
+            <a:schemeClr val="lt1"/>
+          </a:fontRef>
+        </p:style>
+        <p:txBody>
+          <a:bodyPr rtlCol="0" anchor="ctr"/>
+          <a:lstStyle/>
+          <a:p>
+            <a:pPr algn="ctr"/>
+            <a:r>
+              <a:rPr lang="pt-BR" sz="1600" dirty="0" smtClean="0"/>
+              <a:t>Executando</a:t>
+            </a:r>
+            <a:endParaRPr lang="pt-BR" sz="1600" dirty="0"/>
+          </a:p>
+        </p:txBody>
+      </p:sp>
+      <p:sp>
+        <p:nvSpPr>
+          <p:cNvPr id="10" name="Retângulo 9"/>
+          <p:cNvSpPr/>
+          <p:nvPr/>
+        </p:nvSpPr>
+        <p:spPr>
+          <a:xfrm>
+            <a:off x="755576" y="4941168"/>
+            <a:ext cx="1512168" cy="720080"/>
+          </a:xfrm>
+          <a:prstGeom prst="rect">
+            <a:avLst/>
+          </a:prstGeom>
+          <a:solidFill>
+            <a:srgbClr val="FF0000"/>
+          </a:solidFill>
+          <a:ln w="38100">
+            <a:solidFill>
+              <a:schemeClr val="tx1"/>
+            </a:solidFill>
+          </a:ln>
+        </p:spPr>
+        <p:style>
+          <a:lnRef idx="2">
+            <a:schemeClr val="accent1">
+              <a:shade val="50000"/>
+            </a:schemeClr>
+          </a:lnRef>
+          <a:fillRef idx="1">
+            <a:schemeClr val="accent1"/>
+          </a:fillRef>
+          <a:effectRef idx="0">
+            <a:schemeClr val="accent1"/>
+          </a:effectRef>
+          <a:fontRef idx="minor">
+            <a:schemeClr val="lt1"/>
+          </a:fontRef>
+        </p:style>
+        <p:txBody>
+          <a:bodyPr rtlCol="0" anchor="ctr"/>
+          <a:lstStyle/>
+          <a:p>
+            <a:pPr algn="ctr"/>
+            <a:r>
+              <a:rPr lang="pt-BR" sz="1600" dirty="0" smtClean="0"/>
+              <a:t>Morta</a:t>
+            </a:r>
+            <a:endParaRPr lang="pt-BR" sz="1600" dirty="0"/>
+          </a:p>
+        </p:txBody>
+      </p:sp>
+      <p:cxnSp>
+        <p:nvCxnSpPr>
+          <p:cNvPr id="34" name="Conector de seta reta 33"/>
+          <p:cNvCxnSpPr>
+            <a:stCxn id="5" idx="2"/>
+            <a:endCxn id="10" idx="0"/>
+          </p:cNvCxnSpPr>
+          <p:nvPr/>
+        </p:nvCxnSpPr>
+        <p:spPr>
+          <a:xfrm>
+            <a:off x="1511660" y="4365104"/>
+            <a:ext cx="0" cy="576064"/>
+          </a:xfrm>
+          <a:prstGeom prst="straightConnector1">
+            <a:avLst/>
+          </a:prstGeom>
+          <a:ln w="38100">
+            <a:solidFill>
+              <a:schemeClr val="tx1"/>
+            </a:solidFill>
+            <a:tailEnd type="arrow"/>
+          </a:ln>
+        </p:spPr>
+        <p:style>
+          <a:lnRef idx="1">
+            <a:schemeClr val="accent1"/>
+          </a:lnRef>
+          <a:fillRef idx="0">
+            <a:schemeClr val="accent1"/>
+          </a:fillRef>
+          <a:effectRef idx="0">
+            <a:schemeClr val="accent1"/>
+          </a:effectRef>
+          <a:fontRef idx="minor">
+            <a:schemeClr val="tx1"/>
+          </a:fontRef>
+        </p:style>
+      </p:cxnSp>
+      <p:sp>
+        <p:nvSpPr>
+          <p:cNvPr id="72" name="Retângulo 71"/>
+          <p:cNvSpPr/>
+          <p:nvPr/>
+        </p:nvSpPr>
+        <p:spPr>
+          <a:xfrm>
+            <a:off x="1547664" y="4437112"/>
+            <a:ext cx="864096" cy="360040"/>
+          </a:xfrm>
+          <a:prstGeom prst="rect">
+            <a:avLst/>
+          </a:prstGeom>
+          <a:noFill/>
+          <a:ln>
+            <a:noFill/>
+          </a:ln>
+        </p:spPr>
+        <p:style>
+          <a:lnRef idx="2">
+            <a:schemeClr val="accent1">
+              <a:shade val="50000"/>
+            </a:schemeClr>
+          </a:lnRef>
+          <a:fillRef idx="1">
+            <a:schemeClr val="accent1"/>
+          </a:fillRef>
+          <a:effectRef idx="0">
+            <a:schemeClr val="accent1"/>
+          </a:effectRef>
+          <a:fontRef idx="minor">
+            <a:schemeClr val="lt1"/>
+          </a:fontRef>
+        </p:style>
+        <p:txBody>
+          <a:bodyPr rtlCol="0" anchor="ctr"/>
+          <a:lstStyle/>
+          <a:p>
+            <a:pPr algn="ctr"/>
+            <a:r>
+              <a:rPr lang="pt-BR" dirty="0" err="1" smtClean="0">
+                <a:solidFill>
+                  <a:srgbClr val="FFC000"/>
+                </a:solidFill>
+              </a:rPr>
+              <a:t>stop</a:t>
+            </a:r>
+            <a:r>
+              <a:rPr lang="pt-BR" dirty="0" smtClean="0">
+                <a:solidFill>
+                  <a:srgbClr val="FFC000"/>
+                </a:solidFill>
+              </a:rPr>
+              <a:t>()</a:t>
+            </a:r>
+            <a:endParaRPr lang="pt-BR" dirty="0">
+              <a:solidFill>
+                <a:srgbClr val="FFC000"/>
+              </a:solidFill>
+            </a:endParaRPr>
+          </a:p>
+        </p:txBody>
+      </p:sp>
     </p:spTree>
   </p:cSld>
   <p:clrMapOvr>
     <a:masterClrMapping/>
   </p:clrMapOvr>
+  <p:timing>
+    <p:tnLst>
+      <p:par>
+        <p:cTn id="1" dur="indefinite" restart="never" nodeType="tmRoot"/>
+      </p:par>
+    </p:tnLst>
+  </p:timing>
 </p:sld>
 </file>
 
@@ -7822,7 +10056,7 @@
       </p:grpSpPr>
       <p:sp>
         <p:nvSpPr>
-          <p:cNvPr id="21506" name="Título 1"/>
+          <p:cNvPr id="14338" name="Título 1"/>
           <p:cNvSpPr>
             <a:spLocks noGrp="1"/>
           </p:cNvSpPr>
@@ -7838,14 +10072,14 @@
             <a:pPr eaLnBrk="1" hangingPunct="1"/>
             <a:r>
               <a:rPr lang="pt-BR" dirty="0" smtClean="0"/>
-              <a:t>Sincronização</a:t>
-            </a:r>
-          </a:p>
-        </p:txBody>
-      </p:sp>
-      <p:sp>
-        <p:nvSpPr>
-          <p:cNvPr id="21507" name="Espaço Reservado para Conteúdo 2"/>
+              <a:t>Estados da thread</a:t>
+            </a:r>
+          </a:p>
+        </p:txBody>
+      </p:sp>
+      <p:sp>
+        <p:nvSpPr>
+          <p:cNvPr id="75" name="Espaço Reservado para Conteúdo 74"/>
           <p:cNvSpPr>
             <a:spLocks noGrp="1"/>
           </p:cNvSpPr>
@@ -7853,12 +10087,26 @@
             <p:ph idx="1"/>
           </p:nvPr>
         </p:nvSpPr>
-        <p:spPr/>
+        <p:spPr>
+          <a:xfrm>
+            <a:off x="2627784" y="4509120"/>
+            <a:ext cx="5904656" cy="1728192"/>
+          </a:xfrm>
+        </p:spPr>
         <p:txBody>
           <a:bodyPr/>
           <a:lstStyle/>
           <a:p>
-            <a:endParaRPr lang="pt-BR" smtClean="0"/>
+            <a:r>
+              <a:rPr lang="pt-BR" sz="2400" dirty="0" smtClean="0"/>
+              <a:t>Dormindo</a:t>
+            </a:r>
+          </a:p>
+          <a:p>
+            <a:pPr lvl="1">
+              <a:buNone/>
+            </a:pPr>
+            <a:endParaRPr lang="pt-BR" sz="2000" dirty="0"/>
           </a:p>
         </p:txBody>
       </p:sp>
@@ -7891,11 +10139,337 @@
           </a:p>
         </p:txBody>
       </p:sp>
+      <p:sp>
+        <p:nvSpPr>
+          <p:cNvPr id="5" name="Retângulo 4"/>
+          <p:cNvSpPr/>
+          <p:nvPr/>
+        </p:nvSpPr>
+        <p:spPr>
+          <a:xfrm>
+            <a:off x="755576" y="3645024"/>
+            <a:ext cx="1512168" cy="720080"/>
+          </a:xfrm>
+          <a:prstGeom prst="rect">
+            <a:avLst/>
+          </a:prstGeom>
+          <a:noFill/>
+          <a:ln w="38100">
+            <a:solidFill>
+              <a:schemeClr val="tx1"/>
+            </a:solidFill>
+          </a:ln>
+        </p:spPr>
+        <p:style>
+          <a:lnRef idx="2">
+            <a:schemeClr val="accent1">
+              <a:shade val="50000"/>
+            </a:schemeClr>
+          </a:lnRef>
+          <a:fillRef idx="1">
+            <a:schemeClr val="accent1"/>
+          </a:fillRef>
+          <a:effectRef idx="0">
+            <a:schemeClr val="accent1"/>
+          </a:effectRef>
+          <a:fontRef idx="minor">
+            <a:schemeClr val="lt1"/>
+          </a:fontRef>
+        </p:style>
+        <p:txBody>
+          <a:bodyPr rtlCol="0" anchor="ctr"/>
+          <a:lstStyle/>
+          <a:p>
+            <a:pPr algn="ctr"/>
+            <a:r>
+              <a:rPr lang="pt-BR" sz="1600" dirty="0" smtClean="0"/>
+              <a:t>Executando</a:t>
+            </a:r>
+            <a:endParaRPr lang="pt-BR" sz="1600" dirty="0"/>
+          </a:p>
+        </p:txBody>
+      </p:sp>
+      <p:sp>
+        <p:nvSpPr>
+          <p:cNvPr id="6" name="Retângulo 5"/>
+          <p:cNvSpPr/>
+          <p:nvPr/>
+        </p:nvSpPr>
+        <p:spPr>
+          <a:xfrm>
+            <a:off x="755576" y="2132856"/>
+            <a:ext cx="1512168" cy="720080"/>
+          </a:xfrm>
+          <a:prstGeom prst="rect">
+            <a:avLst/>
+          </a:prstGeom>
+          <a:noFill/>
+          <a:ln w="38100">
+            <a:solidFill>
+              <a:schemeClr val="tx1"/>
+            </a:solidFill>
+          </a:ln>
+        </p:spPr>
+        <p:style>
+          <a:lnRef idx="2">
+            <a:schemeClr val="accent1">
+              <a:shade val="50000"/>
+            </a:schemeClr>
+          </a:lnRef>
+          <a:fillRef idx="1">
+            <a:schemeClr val="accent1"/>
+          </a:fillRef>
+          <a:effectRef idx="0">
+            <a:schemeClr val="accent1"/>
+          </a:effectRef>
+          <a:fontRef idx="minor">
+            <a:schemeClr val="lt1"/>
+          </a:fontRef>
+        </p:style>
+        <p:txBody>
+          <a:bodyPr rtlCol="0" anchor="ctr"/>
+          <a:lstStyle/>
+          <a:p>
+            <a:pPr algn="ctr"/>
+            <a:r>
+              <a:rPr lang="pt-BR" sz="1600" dirty="0" smtClean="0"/>
+              <a:t>Pronta para</a:t>
+            </a:r>
+          </a:p>
+          <a:p>
+            <a:pPr algn="ctr"/>
+            <a:r>
+              <a:rPr lang="pt-BR" sz="1600" dirty="0" smtClean="0"/>
+              <a:t>s</a:t>
+            </a:r>
+            <a:r>
+              <a:rPr lang="pt-BR" sz="1600" dirty="0" smtClean="0"/>
+              <a:t>er executada</a:t>
+            </a:r>
+            <a:endParaRPr lang="pt-BR" sz="1600" dirty="0"/>
+          </a:p>
+        </p:txBody>
+      </p:sp>
+      <p:sp>
+        <p:nvSpPr>
+          <p:cNvPr id="7" name="Retângulo 6"/>
+          <p:cNvSpPr/>
+          <p:nvPr/>
+        </p:nvSpPr>
+        <p:spPr>
+          <a:xfrm>
+            <a:off x="2843808" y="2996952"/>
+            <a:ext cx="1512168" cy="432048"/>
+          </a:xfrm>
+          <a:prstGeom prst="rect">
+            <a:avLst/>
+          </a:prstGeom>
+          <a:solidFill>
+            <a:srgbClr val="FF0000"/>
+          </a:solidFill>
+          <a:ln w="38100">
+            <a:solidFill>
+              <a:schemeClr val="tx1"/>
+            </a:solidFill>
+          </a:ln>
+        </p:spPr>
+        <p:style>
+          <a:lnRef idx="2">
+            <a:schemeClr val="accent1">
+              <a:shade val="50000"/>
+            </a:schemeClr>
+          </a:lnRef>
+          <a:fillRef idx="1">
+            <a:schemeClr val="accent1"/>
+          </a:fillRef>
+          <a:effectRef idx="0">
+            <a:schemeClr val="accent1"/>
+          </a:effectRef>
+          <a:fontRef idx="minor">
+            <a:schemeClr val="lt1"/>
+          </a:fontRef>
+        </p:style>
+        <p:txBody>
+          <a:bodyPr rtlCol="0" anchor="ctr"/>
+          <a:lstStyle/>
+          <a:p>
+            <a:pPr algn="ctr"/>
+            <a:r>
+              <a:rPr lang="pt-BR" sz="1600" dirty="0" smtClean="0"/>
+              <a:t>Dormindo</a:t>
+            </a:r>
+            <a:endParaRPr lang="pt-BR" sz="1600" dirty="0"/>
+          </a:p>
+        </p:txBody>
+      </p:sp>
+      <p:cxnSp>
+        <p:nvCxnSpPr>
+          <p:cNvPr id="17" name="Forma 16"/>
+          <p:cNvCxnSpPr>
+            <a:endCxn id="7" idx="2"/>
+          </p:cNvCxnSpPr>
+          <p:nvPr/>
+        </p:nvCxnSpPr>
+        <p:spPr>
+          <a:xfrm flipV="1">
+            <a:off x="2267744" y="3429000"/>
+            <a:ext cx="1332148" cy="432048"/>
+          </a:xfrm>
+          <a:prstGeom prst="bentConnector2">
+            <a:avLst/>
+          </a:prstGeom>
+          <a:ln w="38100">
+            <a:solidFill>
+              <a:schemeClr val="tx1"/>
+            </a:solidFill>
+            <a:tailEnd type="arrow"/>
+          </a:ln>
+        </p:spPr>
+        <p:style>
+          <a:lnRef idx="1">
+            <a:schemeClr val="accent1"/>
+          </a:lnRef>
+          <a:fillRef idx="0">
+            <a:schemeClr val="accent1"/>
+          </a:fillRef>
+          <a:effectRef idx="0">
+            <a:schemeClr val="accent1"/>
+          </a:effectRef>
+          <a:fontRef idx="minor">
+            <a:schemeClr val="tx1"/>
+          </a:fontRef>
+        </p:style>
+      </p:cxnSp>
+      <p:cxnSp>
+        <p:nvCxnSpPr>
+          <p:cNvPr id="25" name="Forma 24"/>
+          <p:cNvCxnSpPr>
+            <a:stCxn id="7" idx="0"/>
+          </p:cNvCxnSpPr>
+          <p:nvPr/>
+        </p:nvCxnSpPr>
+        <p:spPr>
+          <a:xfrm rot="16200000" flipV="1">
+            <a:off x="2753798" y="2150858"/>
+            <a:ext cx="360040" cy="1332148"/>
+          </a:xfrm>
+          <a:prstGeom prst="bentConnector2">
+            <a:avLst/>
+          </a:prstGeom>
+          <a:ln w="38100">
+            <a:solidFill>
+              <a:schemeClr val="tx1"/>
+            </a:solidFill>
+            <a:tailEnd type="arrow"/>
+          </a:ln>
+        </p:spPr>
+        <p:style>
+          <a:lnRef idx="1">
+            <a:schemeClr val="accent1"/>
+          </a:lnRef>
+          <a:fillRef idx="0">
+            <a:schemeClr val="accent1"/>
+          </a:fillRef>
+          <a:effectRef idx="0">
+            <a:schemeClr val="accent1"/>
+          </a:effectRef>
+          <a:fontRef idx="minor">
+            <a:schemeClr val="tx1"/>
+          </a:fontRef>
+        </p:style>
+      </p:cxnSp>
+      <p:sp>
+        <p:nvSpPr>
+          <p:cNvPr id="63" name="Retângulo 62"/>
+          <p:cNvSpPr/>
+          <p:nvPr/>
+        </p:nvSpPr>
+        <p:spPr>
+          <a:xfrm>
+            <a:off x="3635896" y="3429000"/>
+            <a:ext cx="1440160" cy="360040"/>
+          </a:xfrm>
+          <a:prstGeom prst="rect">
+            <a:avLst/>
+          </a:prstGeom>
+          <a:noFill/>
+          <a:ln>
+            <a:noFill/>
+          </a:ln>
+        </p:spPr>
+        <p:style>
+          <a:lnRef idx="2">
+            <a:schemeClr val="accent1">
+              <a:shade val="50000"/>
+            </a:schemeClr>
+          </a:lnRef>
+          <a:fillRef idx="1">
+            <a:schemeClr val="accent1"/>
+          </a:fillRef>
+          <a:effectRef idx="0">
+            <a:schemeClr val="accent1"/>
+          </a:effectRef>
+          <a:fontRef idx="minor">
+            <a:schemeClr val="lt1"/>
+          </a:fontRef>
+        </p:style>
+        <p:txBody>
+          <a:bodyPr rtlCol="0" anchor="ctr"/>
+          <a:lstStyle/>
+          <a:p>
+            <a:pPr algn="ctr"/>
+            <a:r>
+              <a:rPr lang="pt-BR" dirty="0" err="1" smtClean="0">
+                <a:solidFill>
+                  <a:srgbClr val="FFC000"/>
+                </a:solidFill>
+              </a:rPr>
+              <a:t>sleep</a:t>
+            </a:r>
+            <a:r>
+              <a:rPr lang="pt-BR" dirty="0" smtClean="0">
+                <a:solidFill>
+                  <a:srgbClr val="FFC000"/>
+                </a:solidFill>
+              </a:rPr>
+              <a:t>(</a:t>
+            </a:r>
+            <a:r>
+              <a:rPr lang="pt-BR" dirty="0" err="1" smtClean="0">
+                <a:solidFill>
+                  <a:srgbClr val="FFC000"/>
+                </a:solidFill>
+              </a:rPr>
+              <a:t>millis</a:t>
+            </a:r>
+            <a:r>
+              <a:rPr lang="pt-BR" dirty="0" smtClean="0">
+                <a:solidFill>
+                  <a:srgbClr val="FFC000"/>
+                </a:solidFill>
+              </a:rPr>
+              <a:t>)</a:t>
+            </a:r>
+            <a:endParaRPr lang="pt-BR" dirty="0">
+              <a:solidFill>
+                <a:srgbClr val="FFC000"/>
+              </a:solidFill>
+            </a:endParaRPr>
+          </a:p>
+        </p:txBody>
+      </p:sp>
     </p:spTree>
   </p:cSld>
   <p:clrMapOvr>
     <a:masterClrMapping/>
   </p:clrMapOvr>
+  <p:timing>
+    <p:tnLst>
+      <p:par>
+        <p:cTn id="1" dur="indefinite" restart="never" nodeType="tmRoot"/>
+      </p:par>
+    </p:tnLst>
+  </p:timing>
 </p:sld>
 </file>
 
@@ -7918,7 +10492,7 @@
       </p:grpSpPr>
       <p:sp>
         <p:nvSpPr>
-          <p:cNvPr id="25602" name="Título 1"/>
+          <p:cNvPr id="14338" name="Título 1"/>
           <p:cNvSpPr>
             <a:spLocks noGrp="1"/>
           </p:cNvSpPr>
@@ -7934,14 +10508,14 @@
             <a:pPr eaLnBrk="1" hangingPunct="1"/>
             <a:r>
               <a:rPr lang="pt-BR" dirty="0" smtClean="0"/>
-              <a:t>Bloqueios</a:t>
-            </a:r>
-          </a:p>
-        </p:txBody>
-      </p:sp>
-      <p:sp>
-        <p:nvSpPr>
-          <p:cNvPr id="25603" name="Espaço Reservado para Conteúdo 2"/>
+              <a:t>Estados da thread</a:t>
+            </a:r>
+          </a:p>
+        </p:txBody>
+      </p:sp>
+      <p:sp>
+        <p:nvSpPr>
+          <p:cNvPr id="75" name="Espaço Reservado para Conteúdo 74"/>
           <p:cNvSpPr>
             <a:spLocks noGrp="1"/>
           </p:cNvSpPr>
@@ -7949,12 +10523,26 @@
             <p:ph idx="1"/>
           </p:nvPr>
         </p:nvSpPr>
-        <p:spPr/>
+        <p:spPr>
+          <a:xfrm>
+            <a:off x="2627784" y="4509120"/>
+            <a:ext cx="5904656" cy="1728192"/>
+          </a:xfrm>
+        </p:spPr>
         <p:txBody>
           <a:bodyPr/>
           <a:lstStyle/>
           <a:p>
-            <a:endParaRPr lang="pt-BR" smtClean="0"/>
+            <a:r>
+              <a:rPr lang="pt-BR" sz="2400" dirty="0" smtClean="0"/>
+              <a:t>Suspensa</a:t>
+            </a:r>
+          </a:p>
+          <a:p>
+            <a:pPr lvl="1">
+              <a:buNone/>
+            </a:pPr>
+            <a:endParaRPr lang="pt-BR" sz="2000" dirty="0"/>
           </a:p>
         </p:txBody>
       </p:sp>
@@ -7987,11 +10575,379 @@
           </a:p>
         </p:txBody>
       </p:sp>
+      <p:sp>
+        <p:nvSpPr>
+          <p:cNvPr id="5" name="Retângulo 4"/>
+          <p:cNvSpPr/>
+          <p:nvPr/>
+        </p:nvSpPr>
+        <p:spPr>
+          <a:xfrm>
+            <a:off x="755576" y="3645024"/>
+            <a:ext cx="1512168" cy="720080"/>
+          </a:xfrm>
+          <a:prstGeom prst="rect">
+            <a:avLst/>
+          </a:prstGeom>
+          <a:noFill/>
+          <a:ln w="38100">
+            <a:solidFill>
+              <a:schemeClr val="tx1"/>
+            </a:solidFill>
+          </a:ln>
+        </p:spPr>
+        <p:style>
+          <a:lnRef idx="2">
+            <a:schemeClr val="accent1">
+              <a:shade val="50000"/>
+            </a:schemeClr>
+          </a:lnRef>
+          <a:fillRef idx="1">
+            <a:schemeClr val="accent1"/>
+          </a:fillRef>
+          <a:effectRef idx="0">
+            <a:schemeClr val="accent1"/>
+          </a:effectRef>
+          <a:fontRef idx="minor">
+            <a:schemeClr val="lt1"/>
+          </a:fontRef>
+        </p:style>
+        <p:txBody>
+          <a:bodyPr rtlCol="0" anchor="ctr"/>
+          <a:lstStyle/>
+          <a:p>
+            <a:pPr algn="ctr"/>
+            <a:r>
+              <a:rPr lang="pt-BR" sz="1600" dirty="0" smtClean="0"/>
+              <a:t>Executando</a:t>
+            </a:r>
+            <a:endParaRPr lang="pt-BR" sz="1600" dirty="0"/>
+          </a:p>
+        </p:txBody>
+      </p:sp>
+      <p:sp>
+        <p:nvSpPr>
+          <p:cNvPr id="6" name="Retângulo 5"/>
+          <p:cNvSpPr/>
+          <p:nvPr/>
+        </p:nvSpPr>
+        <p:spPr>
+          <a:xfrm>
+            <a:off x="755576" y="2132856"/>
+            <a:ext cx="1512168" cy="720080"/>
+          </a:xfrm>
+          <a:prstGeom prst="rect">
+            <a:avLst/>
+          </a:prstGeom>
+          <a:noFill/>
+          <a:ln w="38100">
+            <a:solidFill>
+              <a:schemeClr val="tx1"/>
+            </a:solidFill>
+          </a:ln>
+        </p:spPr>
+        <p:style>
+          <a:lnRef idx="2">
+            <a:schemeClr val="accent1">
+              <a:shade val="50000"/>
+            </a:schemeClr>
+          </a:lnRef>
+          <a:fillRef idx="1">
+            <a:schemeClr val="accent1"/>
+          </a:fillRef>
+          <a:effectRef idx="0">
+            <a:schemeClr val="accent1"/>
+          </a:effectRef>
+          <a:fontRef idx="minor">
+            <a:schemeClr val="lt1"/>
+          </a:fontRef>
+        </p:style>
+        <p:txBody>
+          <a:bodyPr rtlCol="0" anchor="ctr"/>
+          <a:lstStyle/>
+          <a:p>
+            <a:pPr algn="ctr"/>
+            <a:r>
+              <a:rPr lang="pt-BR" sz="1600" dirty="0" smtClean="0"/>
+              <a:t>Pronta para</a:t>
+            </a:r>
+          </a:p>
+          <a:p>
+            <a:pPr algn="ctr"/>
+            <a:r>
+              <a:rPr lang="pt-BR" sz="1600" dirty="0" smtClean="0"/>
+              <a:t>s</a:t>
+            </a:r>
+            <a:r>
+              <a:rPr lang="pt-BR" sz="1600" dirty="0" smtClean="0"/>
+              <a:t>er executada</a:t>
+            </a:r>
+            <a:endParaRPr lang="pt-BR" sz="1600" dirty="0"/>
+          </a:p>
+        </p:txBody>
+      </p:sp>
+      <p:sp>
+        <p:nvSpPr>
+          <p:cNvPr id="9" name="Retângulo 8"/>
+          <p:cNvSpPr/>
+          <p:nvPr/>
+        </p:nvSpPr>
+        <p:spPr>
+          <a:xfrm>
+            <a:off x="4932040" y="2996952"/>
+            <a:ext cx="1512168" cy="432048"/>
+          </a:xfrm>
+          <a:prstGeom prst="rect">
+            <a:avLst/>
+          </a:prstGeom>
+          <a:solidFill>
+            <a:srgbClr val="FF0000"/>
+          </a:solidFill>
+          <a:ln w="38100">
+            <a:solidFill>
+              <a:schemeClr val="tx1"/>
+            </a:solidFill>
+          </a:ln>
+        </p:spPr>
+        <p:style>
+          <a:lnRef idx="2">
+            <a:schemeClr val="accent1">
+              <a:shade val="50000"/>
+            </a:schemeClr>
+          </a:lnRef>
+          <a:fillRef idx="1">
+            <a:schemeClr val="accent1"/>
+          </a:fillRef>
+          <a:effectRef idx="0">
+            <a:schemeClr val="accent1"/>
+          </a:effectRef>
+          <a:fontRef idx="minor">
+            <a:schemeClr val="lt1"/>
+          </a:fontRef>
+        </p:style>
+        <p:txBody>
+          <a:bodyPr rtlCol="0" anchor="ctr"/>
+          <a:lstStyle/>
+          <a:p>
+            <a:pPr algn="ctr"/>
+            <a:r>
+              <a:rPr lang="pt-BR" sz="1600" dirty="0" smtClean="0"/>
+              <a:t>Suspensa</a:t>
+            </a:r>
+            <a:endParaRPr lang="pt-BR" sz="1600" dirty="0"/>
+          </a:p>
+        </p:txBody>
+      </p:sp>
+      <p:cxnSp>
+        <p:nvCxnSpPr>
+          <p:cNvPr id="18" name="Forma 17"/>
+          <p:cNvCxnSpPr>
+            <a:stCxn id="5" idx="3"/>
+            <a:endCxn id="9" idx="2"/>
+          </p:cNvCxnSpPr>
+          <p:nvPr/>
+        </p:nvCxnSpPr>
+        <p:spPr>
+          <a:xfrm flipV="1">
+            <a:off x="2267744" y="3429000"/>
+            <a:ext cx="3420380" cy="576064"/>
+          </a:xfrm>
+          <a:prstGeom prst="bentConnector2">
+            <a:avLst/>
+          </a:prstGeom>
+          <a:ln w="38100">
+            <a:solidFill>
+              <a:schemeClr val="tx1"/>
+            </a:solidFill>
+            <a:tailEnd type="arrow"/>
+          </a:ln>
+        </p:spPr>
+        <p:style>
+          <a:lnRef idx="1">
+            <a:schemeClr val="accent1"/>
+          </a:lnRef>
+          <a:fillRef idx="0">
+            <a:schemeClr val="accent1"/>
+          </a:fillRef>
+          <a:effectRef idx="0">
+            <a:schemeClr val="accent1"/>
+          </a:effectRef>
+          <a:fontRef idx="minor">
+            <a:schemeClr val="tx1"/>
+          </a:fontRef>
+        </p:style>
+      </p:cxnSp>
+      <p:cxnSp>
+        <p:nvCxnSpPr>
+          <p:cNvPr id="28" name="Forma 27"/>
+          <p:cNvCxnSpPr>
+            <a:stCxn id="9" idx="0"/>
+            <a:endCxn id="6" idx="3"/>
+          </p:cNvCxnSpPr>
+          <p:nvPr/>
+        </p:nvCxnSpPr>
+        <p:spPr>
+          <a:xfrm rot="16200000" flipV="1">
+            <a:off x="3725906" y="1034734"/>
+            <a:ext cx="504056" cy="3420380"/>
+          </a:xfrm>
+          <a:prstGeom prst="bentConnector2">
+            <a:avLst/>
+          </a:prstGeom>
+          <a:ln w="38100">
+            <a:solidFill>
+              <a:schemeClr val="tx1"/>
+            </a:solidFill>
+            <a:tailEnd type="arrow"/>
+          </a:ln>
+        </p:spPr>
+        <p:style>
+          <a:lnRef idx="1">
+            <a:schemeClr val="accent1"/>
+          </a:lnRef>
+          <a:fillRef idx="0">
+            <a:schemeClr val="accent1"/>
+          </a:fillRef>
+          <a:effectRef idx="0">
+            <a:schemeClr val="accent1"/>
+          </a:effectRef>
+          <a:fontRef idx="minor">
+            <a:schemeClr val="tx1"/>
+          </a:fontRef>
+        </p:style>
+      </p:cxnSp>
+      <p:sp>
+        <p:nvSpPr>
+          <p:cNvPr id="30" name="Retângulo 29"/>
+          <p:cNvSpPr/>
+          <p:nvPr/>
+        </p:nvSpPr>
+        <p:spPr>
+          <a:xfrm>
+            <a:off x="5724128" y="2636912"/>
+            <a:ext cx="1152128" cy="360040"/>
+          </a:xfrm>
+          <a:prstGeom prst="rect">
+            <a:avLst/>
+          </a:prstGeom>
+          <a:noFill/>
+          <a:ln>
+            <a:noFill/>
+          </a:ln>
+        </p:spPr>
+        <p:style>
+          <a:lnRef idx="2">
+            <a:schemeClr val="accent1">
+              <a:shade val="50000"/>
+            </a:schemeClr>
+          </a:lnRef>
+          <a:fillRef idx="1">
+            <a:schemeClr val="accent1"/>
+          </a:fillRef>
+          <a:effectRef idx="0">
+            <a:schemeClr val="accent1"/>
+          </a:effectRef>
+          <a:fontRef idx="minor">
+            <a:schemeClr val="lt1"/>
+          </a:fontRef>
+        </p:style>
+        <p:txBody>
+          <a:bodyPr rtlCol="0" anchor="ctr"/>
+          <a:lstStyle/>
+          <a:p>
+            <a:pPr algn="ctr"/>
+            <a:r>
+              <a:rPr lang="pt-BR" dirty="0" smtClean="0">
+                <a:solidFill>
+                  <a:srgbClr val="FFC000"/>
+                </a:solidFill>
+              </a:rPr>
+              <a:t>resume()</a:t>
+            </a:r>
+            <a:endParaRPr lang="pt-BR" dirty="0">
+              <a:solidFill>
+                <a:srgbClr val="FFC000"/>
+              </a:solidFill>
+            </a:endParaRPr>
+          </a:p>
+        </p:txBody>
+      </p:sp>
+      <p:sp>
+        <p:nvSpPr>
+          <p:cNvPr id="32" name="Retângulo 31"/>
+          <p:cNvSpPr/>
+          <p:nvPr/>
+        </p:nvSpPr>
+        <p:spPr>
+          <a:xfrm>
+            <a:off x="5724128" y="3429000"/>
+            <a:ext cx="1296144" cy="360040"/>
+          </a:xfrm>
+          <a:prstGeom prst="rect">
+            <a:avLst/>
+          </a:prstGeom>
+          <a:noFill/>
+          <a:ln>
+            <a:noFill/>
+          </a:ln>
+        </p:spPr>
+        <p:style>
+          <a:lnRef idx="2">
+            <a:schemeClr val="accent1">
+              <a:shade val="50000"/>
+            </a:schemeClr>
+          </a:lnRef>
+          <a:fillRef idx="1">
+            <a:schemeClr val="accent1"/>
+          </a:fillRef>
+          <a:effectRef idx="0">
+            <a:schemeClr val="accent1"/>
+          </a:effectRef>
+          <a:fontRef idx="minor">
+            <a:schemeClr val="lt1"/>
+          </a:fontRef>
+        </p:style>
+        <p:txBody>
+          <a:bodyPr rtlCol="0" anchor="ctr"/>
+          <a:lstStyle/>
+          <a:p>
+            <a:pPr algn="ctr"/>
+            <a:r>
+              <a:rPr lang="pt-BR" dirty="0" err="1" smtClean="0">
+                <a:solidFill>
+                  <a:srgbClr val="FFC000"/>
+                </a:solidFill>
+              </a:rPr>
+              <a:t>suspend</a:t>
+            </a:r>
+            <a:r>
+              <a:rPr lang="pt-BR" dirty="0" smtClean="0">
+                <a:solidFill>
+                  <a:srgbClr val="FFC000"/>
+                </a:solidFill>
+              </a:rPr>
+              <a:t>()</a:t>
+            </a:r>
+            <a:endParaRPr lang="pt-BR" dirty="0">
+              <a:solidFill>
+                <a:srgbClr val="FFC000"/>
+              </a:solidFill>
+            </a:endParaRPr>
+          </a:p>
+        </p:txBody>
+      </p:sp>
     </p:spTree>
   </p:cSld>
   <p:clrMapOvr>
     <a:masterClrMapping/>
   </p:clrMapOvr>
+  <p:timing>
+    <p:tnLst>
+      <p:par>
+        <p:cTn id="1" dur="indefinite" restart="never" nodeType="tmRoot"/>
+      </p:par>
+    </p:tnLst>
+  </p:timing>
 </p:sld>
 </file>
 
@@ -8014,7 +10970,7 @@
       </p:grpSpPr>
       <p:sp>
         <p:nvSpPr>
-          <p:cNvPr id="26626" name="Título 1"/>
+          <p:cNvPr id="14338" name="Título 1"/>
           <p:cNvSpPr>
             <a:spLocks noGrp="1"/>
           </p:cNvSpPr>
@@ -8029,16 +10985,15 @@
           <a:p>
             <a:pPr eaLnBrk="1" hangingPunct="1"/>
             <a:r>
-              <a:rPr lang="pt-BR" dirty="0" err="1" smtClean="0"/>
-              <a:t>Deadlock</a:t>
-            </a:r>
-            <a:endParaRPr lang="pt-BR" dirty="0" smtClean="0"/>
-          </a:p>
-        </p:txBody>
-      </p:sp>
-      <p:sp>
-        <p:nvSpPr>
-          <p:cNvPr id="26627" name="Espaço Reservado para Conteúdo 2"/>
+              <a:rPr lang="pt-BR" dirty="0" smtClean="0"/>
+              <a:t>Estados da thread</a:t>
+            </a:r>
+          </a:p>
+        </p:txBody>
+      </p:sp>
+      <p:sp>
+        <p:nvSpPr>
+          <p:cNvPr id="75" name="Espaço Reservado para Conteúdo 74"/>
           <p:cNvSpPr>
             <a:spLocks noGrp="1"/>
           </p:cNvSpPr>
@@ -8046,12 +11001,26 @@
             <p:ph idx="1"/>
           </p:nvPr>
         </p:nvSpPr>
-        <p:spPr/>
+        <p:spPr>
+          <a:xfrm>
+            <a:off x="2627784" y="4509120"/>
+            <a:ext cx="5904656" cy="1728192"/>
+          </a:xfrm>
+        </p:spPr>
         <p:txBody>
           <a:bodyPr/>
           <a:lstStyle/>
           <a:p>
-            <a:endParaRPr lang="pt-BR" smtClean="0"/>
+            <a:r>
+              <a:rPr lang="pt-BR" sz="2400" dirty="0" smtClean="0"/>
+              <a:t>Bloqueada</a:t>
+            </a:r>
+          </a:p>
+          <a:p>
+            <a:pPr lvl="1">
+              <a:buNone/>
+            </a:pPr>
+            <a:endParaRPr lang="pt-BR" sz="2000" dirty="0"/>
           </a:p>
         </p:txBody>
       </p:sp>
@@ -8084,11 +11053,385 @@
           </a:p>
         </p:txBody>
       </p:sp>
+      <p:sp>
+        <p:nvSpPr>
+          <p:cNvPr id="5" name="Retângulo 4"/>
+          <p:cNvSpPr/>
+          <p:nvPr/>
+        </p:nvSpPr>
+        <p:spPr>
+          <a:xfrm>
+            <a:off x="755576" y="3645024"/>
+            <a:ext cx="1512168" cy="720080"/>
+          </a:xfrm>
+          <a:prstGeom prst="rect">
+            <a:avLst/>
+          </a:prstGeom>
+          <a:noFill/>
+          <a:ln w="38100">
+            <a:solidFill>
+              <a:schemeClr val="tx1"/>
+            </a:solidFill>
+          </a:ln>
+        </p:spPr>
+        <p:style>
+          <a:lnRef idx="2">
+            <a:schemeClr val="accent1">
+              <a:shade val="50000"/>
+            </a:schemeClr>
+          </a:lnRef>
+          <a:fillRef idx="1">
+            <a:schemeClr val="accent1"/>
+          </a:fillRef>
+          <a:effectRef idx="0">
+            <a:schemeClr val="accent1"/>
+          </a:effectRef>
+          <a:fontRef idx="minor">
+            <a:schemeClr val="lt1"/>
+          </a:fontRef>
+        </p:style>
+        <p:txBody>
+          <a:bodyPr rtlCol="0" anchor="ctr"/>
+          <a:lstStyle/>
+          <a:p>
+            <a:pPr algn="ctr"/>
+            <a:r>
+              <a:rPr lang="pt-BR" sz="1600" dirty="0" smtClean="0"/>
+              <a:t>Executando</a:t>
+            </a:r>
+            <a:endParaRPr lang="pt-BR" sz="1600" dirty="0"/>
+          </a:p>
+        </p:txBody>
+      </p:sp>
+      <p:sp>
+        <p:nvSpPr>
+          <p:cNvPr id="6" name="Retângulo 5"/>
+          <p:cNvSpPr/>
+          <p:nvPr/>
+        </p:nvSpPr>
+        <p:spPr>
+          <a:xfrm>
+            <a:off x="755576" y="2132856"/>
+            <a:ext cx="1512168" cy="720080"/>
+          </a:xfrm>
+          <a:prstGeom prst="rect">
+            <a:avLst/>
+          </a:prstGeom>
+          <a:noFill/>
+          <a:ln w="38100">
+            <a:solidFill>
+              <a:schemeClr val="tx1"/>
+            </a:solidFill>
+          </a:ln>
+        </p:spPr>
+        <p:style>
+          <a:lnRef idx="2">
+            <a:schemeClr val="accent1">
+              <a:shade val="50000"/>
+            </a:schemeClr>
+          </a:lnRef>
+          <a:fillRef idx="1">
+            <a:schemeClr val="accent1"/>
+          </a:fillRef>
+          <a:effectRef idx="0">
+            <a:schemeClr val="accent1"/>
+          </a:effectRef>
+          <a:fontRef idx="minor">
+            <a:schemeClr val="lt1"/>
+          </a:fontRef>
+        </p:style>
+        <p:txBody>
+          <a:bodyPr rtlCol="0" anchor="ctr"/>
+          <a:lstStyle/>
+          <a:p>
+            <a:pPr algn="ctr"/>
+            <a:r>
+              <a:rPr lang="pt-BR" sz="1600" dirty="0" smtClean="0"/>
+              <a:t>Pronta para</a:t>
+            </a:r>
+          </a:p>
+          <a:p>
+            <a:pPr algn="ctr"/>
+            <a:r>
+              <a:rPr lang="pt-BR" sz="1600" dirty="0" smtClean="0"/>
+              <a:t>s</a:t>
+            </a:r>
+            <a:r>
+              <a:rPr lang="pt-BR" sz="1600" dirty="0" smtClean="0"/>
+              <a:t>er executada</a:t>
+            </a:r>
+            <a:endParaRPr lang="pt-BR" sz="1600" dirty="0"/>
+          </a:p>
+        </p:txBody>
+      </p:sp>
+      <p:sp>
+        <p:nvSpPr>
+          <p:cNvPr id="8" name="Retângulo 7"/>
+          <p:cNvSpPr/>
+          <p:nvPr/>
+        </p:nvSpPr>
+        <p:spPr>
+          <a:xfrm>
+            <a:off x="7020272" y="2996952"/>
+            <a:ext cx="1512168" cy="432048"/>
+          </a:xfrm>
+          <a:prstGeom prst="rect">
+            <a:avLst/>
+          </a:prstGeom>
+          <a:solidFill>
+            <a:srgbClr val="FF0000"/>
+          </a:solidFill>
+          <a:ln w="38100">
+            <a:solidFill>
+              <a:schemeClr val="tx1"/>
+            </a:solidFill>
+          </a:ln>
+        </p:spPr>
+        <p:style>
+          <a:lnRef idx="2">
+            <a:schemeClr val="accent1">
+              <a:shade val="50000"/>
+            </a:schemeClr>
+          </a:lnRef>
+          <a:fillRef idx="1">
+            <a:schemeClr val="accent1"/>
+          </a:fillRef>
+          <a:effectRef idx="0">
+            <a:schemeClr val="accent1"/>
+          </a:effectRef>
+          <a:fontRef idx="minor">
+            <a:schemeClr val="lt1"/>
+          </a:fontRef>
+        </p:style>
+        <p:txBody>
+          <a:bodyPr rtlCol="0" anchor="ctr"/>
+          <a:lstStyle/>
+          <a:p>
+            <a:pPr algn="ctr"/>
+            <a:r>
+              <a:rPr lang="pt-BR" sz="1600" dirty="0" smtClean="0"/>
+              <a:t>Bloqueada</a:t>
+            </a:r>
+            <a:endParaRPr lang="pt-BR" sz="1600" dirty="0"/>
+          </a:p>
+        </p:txBody>
+      </p:sp>
+      <p:cxnSp>
+        <p:nvCxnSpPr>
+          <p:cNvPr id="22" name="Forma 21"/>
+          <p:cNvCxnSpPr>
+            <a:endCxn id="8" idx="2"/>
+          </p:cNvCxnSpPr>
+          <p:nvPr/>
+        </p:nvCxnSpPr>
+        <p:spPr>
+          <a:xfrm flipV="1">
+            <a:off x="2267744" y="3429000"/>
+            <a:ext cx="5508612" cy="720080"/>
+          </a:xfrm>
+          <a:prstGeom prst="bentConnector2">
+            <a:avLst/>
+          </a:prstGeom>
+          <a:ln w="38100">
+            <a:solidFill>
+              <a:schemeClr val="tx1"/>
+            </a:solidFill>
+            <a:tailEnd type="arrow"/>
+          </a:ln>
+        </p:spPr>
+        <p:style>
+          <a:lnRef idx="1">
+            <a:schemeClr val="accent1"/>
+          </a:lnRef>
+          <a:fillRef idx="0">
+            <a:schemeClr val="accent1"/>
+          </a:fillRef>
+          <a:effectRef idx="0">
+            <a:schemeClr val="accent1"/>
+          </a:effectRef>
+          <a:fontRef idx="minor">
+            <a:schemeClr val="tx1"/>
+          </a:fontRef>
+        </p:style>
+      </p:cxnSp>
+      <p:cxnSp>
+        <p:nvCxnSpPr>
+          <p:cNvPr id="31" name="Forma 30"/>
+          <p:cNvCxnSpPr>
+            <a:stCxn id="8" idx="0"/>
+          </p:cNvCxnSpPr>
+          <p:nvPr/>
+        </p:nvCxnSpPr>
+        <p:spPr>
+          <a:xfrm rot="16200000" flipV="1">
+            <a:off x="4698014" y="-81390"/>
+            <a:ext cx="648072" cy="5508612"/>
+          </a:xfrm>
+          <a:prstGeom prst="bentConnector2">
+            <a:avLst/>
+          </a:prstGeom>
+          <a:ln w="38100">
+            <a:solidFill>
+              <a:schemeClr val="tx1"/>
+            </a:solidFill>
+            <a:tailEnd type="arrow"/>
+          </a:ln>
+        </p:spPr>
+        <p:style>
+          <a:lnRef idx="1">
+            <a:schemeClr val="accent1"/>
+          </a:lnRef>
+          <a:fillRef idx="0">
+            <a:schemeClr val="accent1"/>
+          </a:fillRef>
+          <a:effectRef idx="0">
+            <a:schemeClr val="accent1"/>
+          </a:effectRef>
+          <a:fontRef idx="minor">
+            <a:schemeClr val="tx1"/>
+          </a:fontRef>
+        </p:style>
+      </p:cxnSp>
+      <p:sp>
+        <p:nvSpPr>
+          <p:cNvPr id="58" name="Retângulo 57"/>
+          <p:cNvSpPr/>
+          <p:nvPr/>
+        </p:nvSpPr>
+        <p:spPr>
+          <a:xfrm>
+            <a:off x="7812360" y="2636912"/>
+            <a:ext cx="936104" cy="360040"/>
+          </a:xfrm>
+          <a:prstGeom prst="rect">
+            <a:avLst/>
+          </a:prstGeom>
+          <a:noFill/>
+          <a:ln>
+            <a:noFill/>
+          </a:ln>
+        </p:spPr>
+        <p:style>
+          <a:lnRef idx="2">
+            <a:schemeClr val="accent1">
+              <a:shade val="50000"/>
+            </a:schemeClr>
+          </a:lnRef>
+          <a:fillRef idx="1">
+            <a:schemeClr val="accent1"/>
+          </a:fillRef>
+          <a:effectRef idx="0">
+            <a:schemeClr val="accent1"/>
+          </a:effectRef>
+          <a:fontRef idx="minor">
+            <a:schemeClr val="lt1"/>
+          </a:fontRef>
+        </p:style>
+        <p:txBody>
+          <a:bodyPr rtlCol="0" anchor="ctr"/>
+          <a:lstStyle/>
+          <a:p>
+            <a:pPr algn="ctr"/>
+            <a:r>
+              <a:rPr lang="pt-BR" dirty="0" err="1" smtClean="0">
+                <a:solidFill>
+                  <a:srgbClr val="FFC000"/>
+                </a:solidFill>
+              </a:rPr>
+              <a:t>notify</a:t>
+            </a:r>
+            <a:r>
+              <a:rPr lang="pt-BR" dirty="0" smtClean="0">
+                <a:solidFill>
+                  <a:srgbClr val="FFC000"/>
+                </a:solidFill>
+              </a:rPr>
+              <a:t>()</a:t>
+            </a:r>
+            <a:endParaRPr lang="pt-BR" dirty="0">
+              <a:solidFill>
+                <a:srgbClr val="FFC000"/>
+              </a:solidFill>
+            </a:endParaRPr>
+          </a:p>
+        </p:txBody>
+      </p:sp>
+      <p:sp>
+        <p:nvSpPr>
+          <p:cNvPr id="64" name="Retângulo 63"/>
+          <p:cNvSpPr/>
+          <p:nvPr/>
+        </p:nvSpPr>
+        <p:spPr>
+          <a:xfrm>
+            <a:off x="7740352" y="3429000"/>
+            <a:ext cx="936104" cy="360040"/>
+          </a:xfrm>
+          <a:prstGeom prst="rect">
+            <a:avLst/>
+          </a:prstGeom>
+          <a:noFill/>
+          <a:ln>
+            <a:noFill/>
+          </a:ln>
+        </p:spPr>
+        <p:style>
+          <a:lnRef idx="2">
+            <a:schemeClr val="accent1">
+              <a:shade val="50000"/>
+            </a:schemeClr>
+          </a:lnRef>
+          <a:fillRef idx="1">
+            <a:schemeClr val="accent1"/>
+          </a:fillRef>
+          <a:effectRef idx="0">
+            <a:schemeClr val="accent1"/>
+          </a:effectRef>
+          <a:fontRef idx="minor">
+            <a:schemeClr val="lt1"/>
+          </a:fontRef>
+        </p:style>
+        <p:txBody>
+          <a:bodyPr rtlCol="0" anchor="ctr"/>
+          <a:lstStyle/>
+          <a:p>
+            <a:pPr algn="ctr"/>
+            <a:r>
+              <a:rPr lang="pt-BR" dirty="0" err="1" smtClean="0">
+                <a:solidFill>
+                  <a:srgbClr val="FFC000"/>
+                </a:solidFill>
+              </a:rPr>
+              <a:t>wait</a:t>
+            </a:r>
+            <a:r>
+              <a:rPr lang="pt-BR" dirty="0" smtClean="0">
+                <a:solidFill>
+                  <a:srgbClr val="FFC000"/>
+                </a:solidFill>
+              </a:rPr>
+              <a:t>()</a:t>
+            </a:r>
+            <a:endParaRPr lang="pt-BR" dirty="0">
+              <a:solidFill>
+                <a:srgbClr val="FFC000"/>
+              </a:solidFill>
+            </a:endParaRPr>
+          </a:p>
+        </p:txBody>
+      </p:sp>
     </p:spTree>
   </p:cSld>
   <p:clrMapOvr>
     <a:masterClrMapping/>
   </p:clrMapOvr>
+  <p:timing>
+    <p:tnLst>
+      <p:par>
+        <p:cTn id="1" dur="indefinite" restart="never" nodeType="tmRoot"/>
+      </p:par>
+    </p:tnLst>
+  </p:timing>
 </p:sld>
 </file>
 
@@ -8111,7 +11454,7 @@
       </p:grpSpPr>
       <p:sp>
         <p:nvSpPr>
-          <p:cNvPr id="27650" name="Título 1"/>
+          <p:cNvPr id="14338" name="Título 1"/>
           <p:cNvSpPr>
             <a:spLocks noGrp="1"/>
           </p:cNvSpPr>
@@ -8127,27 +11470,8 @@
             <a:pPr eaLnBrk="1" hangingPunct="1"/>
             <a:r>
               <a:rPr lang="pt-BR" dirty="0" smtClean="0"/>
-              <a:t>Interação entre threads</a:t>
-            </a:r>
-          </a:p>
-        </p:txBody>
-      </p:sp>
-      <p:sp>
-        <p:nvSpPr>
-          <p:cNvPr id="27651" name="Espaço Reservado para Conteúdo 2"/>
-          <p:cNvSpPr>
-            <a:spLocks noGrp="1"/>
-          </p:cNvSpPr>
-          <p:nvPr>
-            <p:ph idx="1"/>
-          </p:nvPr>
-        </p:nvSpPr>
-        <p:spPr/>
-        <p:txBody>
-          <a:bodyPr/>
-          <a:lstStyle/>
-          <a:p>
-            <a:endParaRPr lang="pt-BR" smtClean="0"/>
+              <a:t>Estados da thread</a:t>
+            </a:r>
           </a:p>
         </p:txBody>
       </p:sp>
@@ -8180,11 +11504,1264 @@
           </a:p>
         </p:txBody>
       </p:sp>
+      <p:sp>
+        <p:nvSpPr>
+          <p:cNvPr id="5" name="Retângulo 4"/>
+          <p:cNvSpPr/>
+          <p:nvPr/>
+        </p:nvSpPr>
+        <p:spPr>
+          <a:xfrm>
+            <a:off x="755576" y="3645024"/>
+            <a:ext cx="1512168" cy="720080"/>
+          </a:xfrm>
+          <a:prstGeom prst="rect">
+            <a:avLst/>
+          </a:prstGeom>
+          <a:noFill/>
+          <a:ln w="38100">
+            <a:solidFill>
+              <a:schemeClr val="tx1"/>
+            </a:solidFill>
+          </a:ln>
+        </p:spPr>
+        <p:style>
+          <a:lnRef idx="2">
+            <a:schemeClr val="accent1">
+              <a:shade val="50000"/>
+            </a:schemeClr>
+          </a:lnRef>
+          <a:fillRef idx="1">
+            <a:schemeClr val="accent1"/>
+          </a:fillRef>
+          <a:effectRef idx="0">
+            <a:schemeClr val="accent1"/>
+          </a:effectRef>
+          <a:fontRef idx="minor">
+            <a:schemeClr val="lt1"/>
+          </a:fontRef>
+        </p:style>
+        <p:txBody>
+          <a:bodyPr rtlCol="0" anchor="ctr"/>
+          <a:lstStyle/>
+          <a:p>
+            <a:pPr algn="ctr"/>
+            <a:r>
+              <a:rPr lang="pt-BR" sz="1600" dirty="0" smtClean="0"/>
+              <a:t>Executando</a:t>
+            </a:r>
+            <a:endParaRPr lang="pt-BR" sz="1600" dirty="0"/>
+          </a:p>
+        </p:txBody>
+      </p:sp>
+      <p:sp>
+        <p:nvSpPr>
+          <p:cNvPr id="6" name="Retângulo 5"/>
+          <p:cNvSpPr/>
+          <p:nvPr/>
+        </p:nvSpPr>
+        <p:spPr>
+          <a:xfrm>
+            <a:off x="755576" y="2132856"/>
+            <a:ext cx="1512168" cy="720080"/>
+          </a:xfrm>
+          <a:prstGeom prst="rect">
+            <a:avLst/>
+          </a:prstGeom>
+          <a:noFill/>
+          <a:ln w="38100">
+            <a:solidFill>
+              <a:schemeClr val="tx1"/>
+            </a:solidFill>
+          </a:ln>
+        </p:spPr>
+        <p:style>
+          <a:lnRef idx="2">
+            <a:schemeClr val="accent1">
+              <a:shade val="50000"/>
+            </a:schemeClr>
+          </a:lnRef>
+          <a:fillRef idx="1">
+            <a:schemeClr val="accent1"/>
+          </a:fillRef>
+          <a:effectRef idx="0">
+            <a:schemeClr val="accent1"/>
+          </a:effectRef>
+          <a:fontRef idx="minor">
+            <a:schemeClr val="lt1"/>
+          </a:fontRef>
+        </p:style>
+        <p:txBody>
+          <a:bodyPr rtlCol="0" anchor="ctr"/>
+          <a:lstStyle/>
+          <a:p>
+            <a:pPr algn="ctr"/>
+            <a:r>
+              <a:rPr lang="pt-BR" sz="1600" dirty="0" smtClean="0"/>
+              <a:t>Pronta para</a:t>
+            </a:r>
+          </a:p>
+          <a:p>
+            <a:pPr algn="ctr"/>
+            <a:r>
+              <a:rPr lang="pt-BR" sz="1600" dirty="0" smtClean="0"/>
+              <a:t>s</a:t>
+            </a:r>
+            <a:r>
+              <a:rPr lang="pt-BR" sz="1600" dirty="0" smtClean="0"/>
+              <a:t>er executada</a:t>
+            </a:r>
+            <a:endParaRPr lang="pt-BR" sz="1600" dirty="0"/>
+          </a:p>
+        </p:txBody>
+      </p:sp>
+      <p:sp>
+        <p:nvSpPr>
+          <p:cNvPr id="7" name="Retângulo 6"/>
+          <p:cNvSpPr/>
+          <p:nvPr/>
+        </p:nvSpPr>
+        <p:spPr>
+          <a:xfrm>
+            <a:off x="2843808" y="2996952"/>
+            <a:ext cx="1512168" cy="432048"/>
+          </a:xfrm>
+          <a:prstGeom prst="rect">
+            <a:avLst/>
+          </a:prstGeom>
+          <a:noFill/>
+          <a:ln w="38100">
+            <a:solidFill>
+              <a:schemeClr val="tx1"/>
+            </a:solidFill>
+          </a:ln>
+        </p:spPr>
+        <p:style>
+          <a:lnRef idx="2">
+            <a:schemeClr val="accent1">
+              <a:shade val="50000"/>
+            </a:schemeClr>
+          </a:lnRef>
+          <a:fillRef idx="1">
+            <a:schemeClr val="accent1"/>
+          </a:fillRef>
+          <a:effectRef idx="0">
+            <a:schemeClr val="accent1"/>
+          </a:effectRef>
+          <a:fontRef idx="minor">
+            <a:schemeClr val="lt1"/>
+          </a:fontRef>
+        </p:style>
+        <p:txBody>
+          <a:bodyPr rtlCol="0" anchor="ctr"/>
+          <a:lstStyle/>
+          <a:p>
+            <a:pPr algn="ctr"/>
+            <a:r>
+              <a:rPr lang="pt-BR" sz="1600" dirty="0" smtClean="0"/>
+              <a:t>Dormindo</a:t>
+            </a:r>
+            <a:endParaRPr lang="pt-BR" sz="1600" dirty="0" smtClean="0"/>
+          </a:p>
+        </p:txBody>
+      </p:sp>
+      <p:sp>
+        <p:nvSpPr>
+          <p:cNvPr id="8" name="Retângulo 7"/>
+          <p:cNvSpPr/>
+          <p:nvPr/>
+        </p:nvSpPr>
+        <p:spPr>
+          <a:xfrm>
+            <a:off x="7020272" y="2996952"/>
+            <a:ext cx="1512168" cy="432048"/>
+          </a:xfrm>
+          <a:prstGeom prst="rect">
+            <a:avLst/>
+          </a:prstGeom>
+          <a:noFill/>
+          <a:ln w="38100">
+            <a:solidFill>
+              <a:schemeClr val="tx1"/>
+            </a:solidFill>
+          </a:ln>
+        </p:spPr>
+        <p:style>
+          <a:lnRef idx="2">
+            <a:schemeClr val="accent1">
+              <a:shade val="50000"/>
+            </a:schemeClr>
+          </a:lnRef>
+          <a:fillRef idx="1">
+            <a:schemeClr val="accent1"/>
+          </a:fillRef>
+          <a:effectRef idx="0">
+            <a:schemeClr val="accent1"/>
+          </a:effectRef>
+          <a:fontRef idx="minor">
+            <a:schemeClr val="lt1"/>
+          </a:fontRef>
+        </p:style>
+        <p:txBody>
+          <a:bodyPr rtlCol="0" anchor="ctr"/>
+          <a:lstStyle/>
+          <a:p>
+            <a:pPr algn="ctr"/>
+            <a:r>
+              <a:rPr lang="pt-BR" sz="1600" dirty="0" smtClean="0"/>
+              <a:t>Bloqueada</a:t>
+            </a:r>
+            <a:endParaRPr lang="pt-BR" sz="1600" dirty="0"/>
+          </a:p>
+        </p:txBody>
+      </p:sp>
+      <p:sp>
+        <p:nvSpPr>
+          <p:cNvPr id="9" name="Retângulo 8"/>
+          <p:cNvSpPr/>
+          <p:nvPr/>
+        </p:nvSpPr>
+        <p:spPr>
+          <a:xfrm>
+            <a:off x="4932040" y="2996952"/>
+            <a:ext cx="1512168" cy="432048"/>
+          </a:xfrm>
+          <a:prstGeom prst="rect">
+            <a:avLst/>
+          </a:prstGeom>
+          <a:noFill/>
+          <a:ln w="38100">
+            <a:solidFill>
+              <a:schemeClr val="tx1"/>
+            </a:solidFill>
+          </a:ln>
+        </p:spPr>
+        <p:style>
+          <a:lnRef idx="2">
+            <a:schemeClr val="accent1">
+              <a:shade val="50000"/>
+            </a:schemeClr>
+          </a:lnRef>
+          <a:fillRef idx="1">
+            <a:schemeClr val="accent1"/>
+          </a:fillRef>
+          <a:effectRef idx="0">
+            <a:schemeClr val="accent1"/>
+          </a:effectRef>
+          <a:fontRef idx="minor">
+            <a:schemeClr val="lt1"/>
+          </a:fontRef>
+        </p:style>
+        <p:txBody>
+          <a:bodyPr rtlCol="0" anchor="ctr"/>
+          <a:lstStyle/>
+          <a:p>
+            <a:pPr algn="ctr"/>
+            <a:r>
+              <a:rPr lang="pt-BR" sz="1600" dirty="0" smtClean="0"/>
+              <a:t>Suspensa</a:t>
+            </a:r>
+            <a:endParaRPr lang="pt-BR" sz="1600" dirty="0" smtClean="0"/>
+          </a:p>
+        </p:txBody>
+      </p:sp>
+      <p:sp>
+        <p:nvSpPr>
+          <p:cNvPr id="10" name="Retângulo 9"/>
+          <p:cNvSpPr/>
+          <p:nvPr/>
+        </p:nvSpPr>
+        <p:spPr>
+          <a:xfrm>
+            <a:off x="755576" y="4941168"/>
+            <a:ext cx="1512168" cy="720080"/>
+          </a:xfrm>
+          <a:prstGeom prst="rect">
+            <a:avLst/>
+          </a:prstGeom>
+          <a:noFill/>
+          <a:ln w="38100">
+            <a:solidFill>
+              <a:schemeClr val="tx1"/>
+            </a:solidFill>
+          </a:ln>
+        </p:spPr>
+        <p:style>
+          <a:lnRef idx="2">
+            <a:schemeClr val="accent1">
+              <a:shade val="50000"/>
+            </a:schemeClr>
+          </a:lnRef>
+          <a:fillRef idx="1">
+            <a:schemeClr val="accent1"/>
+          </a:fillRef>
+          <a:effectRef idx="0">
+            <a:schemeClr val="accent1"/>
+          </a:effectRef>
+          <a:fontRef idx="minor">
+            <a:schemeClr val="lt1"/>
+          </a:fontRef>
+        </p:style>
+        <p:txBody>
+          <a:bodyPr rtlCol="0" anchor="ctr"/>
+          <a:lstStyle/>
+          <a:p>
+            <a:pPr algn="ctr"/>
+            <a:r>
+              <a:rPr lang="pt-BR" sz="1600" dirty="0" smtClean="0"/>
+              <a:t>Morta</a:t>
+            </a:r>
+            <a:endParaRPr lang="pt-BR" sz="1600" dirty="0"/>
+          </a:p>
+        </p:txBody>
+      </p:sp>
+      <p:cxnSp>
+        <p:nvCxnSpPr>
+          <p:cNvPr id="15" name="Conector de seta reta 14"/>
+          <p:cNvCxnSpPr/>
+          <p:nvPr/>
+        </p:nvCxnSpPr>
+        <p:spPr>
+          <a:xfrm>
+            <a:off x="1259632" y="2852936"/>
+            <a:ext cx="0" cy="792088"/>
+          </a:xfrm>
+          <a:prstGeom prst="straightConnector1">
+            <a:avLst/>
+          </a:prstGeom>
+          <a:ln w="38100">
+            <a:solidFill>
+              <a:schemeClr val="tx1"/>
+            </a:solidFill>
+            <a:tailEnd type="arrow"/>
+          </a:ln>
+        </p:spPr>
+        <p:style>
+          <a:lnRef idx="1">
+            <a:schemeClr val="accent1"/>
+          </a:lnRef>
+          <a:fillRef idx="0">
+            <a:schemeClr val="accent1"/>
+          </a:fillRef>
+          <a:effectRef idx="0">
+            <a:schemeClr val="accent1"/>
+          </a:effectRef>
+          <a:fontRef idx="minor">
+            <a:schemeClr val="tx1"/>
+          </a:fontRef>
+        </p:style>
+      </p:cxnSp>
+      <p:cxnSp>
+        <p:nvCxnSpPr>
+          <p:cNvPr id="17" name="Forma 16"/>
+          <p:cNvCxnSpPr>
+            <a:endCxn id="7" idx="2"/>
+          </p:cNvCxnSpPr>
+          <p:nvPr/>
+        </p:nvCxnSpPr>
+        <p:spPr>
+          <a:xfrm flipV="1">
+            <a:off x="2267744" y="3429000"/>
+            <a:ext cx="1332148" cy="432048"/>
+          </a:xfrm>
+          <a:prstGeom prst="bentConnector2">
+            <a:avLst/>
+          </a:prstGeom>
+          <a:ln w="38100">
+            <a:solidFill>
+              <a:schemeClr val="tx1"/>
+            </a:solidFill>
+            <a:tailEnd type="arrow"/>
+          </a:ln>
+        </p:spPr>
+        <p:style>
+          <a:lnRef idx="1">
+            <a:schemeClr val="accent1"/>
+          </a:lnRef>
+          <a:fillRef idx="0">
+            <a:schemeClr val="accent1"/>
+          </a:fillRef>
+          <a:effectRef idx="0">
+            <a:schemeClr val="accent1"/>
+          </a:effectRef>
+          <a:fontRef idx="minor">
+            <a:schemeClr val="tx1"/>
+          </a:fontRef>
+        </p:style>
+      </p:cxnSp>
+      <p:cxnSp>
+        <p:nvCxnSpPr>
+          <p:cNvPr id="18" name="Forma 17"/>
+          <p:cNvCxnSpPr>
+            <a:stCxn id="5" idx="3"/>
+            <a:endCxn id="9" idx="2"/>
+          </p:cNvCxnSpPr>
+          <p:nvPr/>
+        </p:nvCxnSpPr>
+        <p:spPr>
+          <a:xfrm flipV="1">
+            <a:off x="2267744" y="3429000"/>
+            <a:ext cx="3420380" cy="576064"/>
+          </a:xfrm>
+          <a:prstGeom prst="bentConnector2">
+            <a:avLst/>
+          </a:prstGeom>
+          <a:ln w="38100">
+            <a:solidFill>
+              <a:schemeClr val="tx1"/>
+            </a:solidFill>
+            <a:tailEnd type="arrow"/>
+          </a:ln>
+        </p:spPr>
+        <p:style>
+          <a:lnRef idx="1">
+            <a:schemeClr val="accent1"/>
+          </a:lnRef>
+          <a:fillRef idx="0">
+            <a:schemeClr val="accent1"/>
+          </a:fillRef>
+          <a:effectRef idx="0">
+            <a:schemeClr val="accent1"/>
+          </a:effectRef>
+          <a:fontRef idx="minor">
+            <a:schemeClr val="tx1"/>
+          </a:fontRef>
+        </p:style>
+      </p:cxnSp>
+      <p:cxnSp>
+        <p:nvCxnSpPr>
+          <p:cNvPr id="22" name="Forma 21"/>
+          <p:cNvCxnSpPr>
+            <a:endCxn id="8" idx="2"/>
+          </p:cNvCxnSpPr>
+          <p:nvPr/>
+        </p:nvCxnSpPr>
+        <p:spPr>
+          <a:xfrm flipV="1">
+            <a:off x="2267744" y="3429000"/>
+            <a:ext cx="5508612" cy="720080"/>
+          </a:xfrm>
+          <a:prstGeom prst="bentConnector2">
+            <a:avLst/>
+          </a:prstGeom>
+          <a:ln w="38100">
+            <a:solidFill>
+              <a:schemeClr val="tx1"/>
+            </a:solidFill>
+            <a:tailEnd type="arrow"/>
+          </a:ln>
+        </p:spPr>
+        <p:style>
+          <a:lnRef idx="1">
+            <a:schemeClr val="accent1"/>
+          </a:lnRef>
+          <a:fillRef idx="0">
+            <a:schemeClr val="accent1"/>
+          </a:fillRef>
+          <a:effectRef idx="0">
+            <a:schemeClr val="accent1"/>
+          </a:effectRef>
+          <a:fontRef idx="minor">
+            <a:schemeClr val="tx1"/>
+          </a:fontRef>
+        </p:style>
+      </p:cxnSp>
+      <p:cxnSp>
+        <p:nvCxnSpPr>
+          <p:cNvPr id="25" name="Forma 24"/>
+          <p:cNvCxnSpPr>
+            <a:stCxn id="7" idx="0"/>
+          </p:cNvCxnSpPr>
+          <p:nvPr/>
+        </p:nvCxnSpPr>
+        <p:spPr>
+          <a:xfrm rot="16200000" flipV="1">
+            <a:off x="2753798" y="2150858"/>
+            <a:ext cx="360040" cy="1332148"/>
+          </a:xfrm>
+          <a:prstGeom prst="bentConnector2">
+            <a:avLst/>
+          </a:prstGeom>
+          <a:ln w="38100">
+            <a:solidFill>
+              <a:schemeClr val="tx1"/>
+            </a:solidFill>
+            <a:tailEnd type="arrow"/>
+          </a:ln>
+        </p:spPr>
+        <p:style>
+          <a:lnRef idx="1">
+            <a:schemeClr val="accent1"/>
+          </a:lnRef>
+          <a:fillRef idx="0">
+            <a:schemeClr val="accent1"/>
+          </a:fillRef>
+          <a:effectRef idx="0">
+            <a:schemeClr val="accent1"/>
+          </a:effectRef>
+          <a:fontRef idx="minor">
+            <a:schemeClr val="tx1"/>
+          </a:fontRef>
+        </p:style>
+      </p:cxnSp>
+      <p:cxnSp>
+        <p:nvCxnSpPr>
+          <p:cNvPr id="28" name="Forma 27"/>
+          <p:cNvCxnSpPr>
+            <a:stCxn id="9" idx="0"/>
+            <a:endCxn id="6" idx="3"/>
+          </p:cNvCxnSpPr>
+          <p:nvPr/>
+        </p:nvCxnSpPr>
+        <p:spPr>
+          <a:xfrm rot="16200000" flipV="1">
+            <a:off x="3725906" y="1034734"/>
+            <a:ext cx="504056" cy="3420380"/>
+          </a:xfrm>
+          <a:prstGeom prst="bentConnector2">
+            <a:avLst/>
+          </a:prstGeom>
+          <a:ln w="38100">
+            <a:solidFill>
+              <a:schemeClr val="tx1"/>
+            </a:solidFill>
+            <a:tailEnd type="arrow"/>
+          </a:ln>
+        </p:spPr>
+        <p:style>
+          <a:lnRef idx="1">
+            <a:schemeClr val="accent1"/>
+          </a:lnRef>
+          <a:fillRef idx="0">
+            <a:schemeClr val="accent1"/>
+          </a:fillRef>
+          <a:effectRef idx="0">
+            <a:schemeClr val="accent1"/>
+          </a:effectRef>
+          <a:fontRef idx="minor">
+            <a:schemeClr val="tx1"/>
+          </a:fontRef>
+        </p:style>
+      </p:cxnSp>
+      <p:cxnSp>
+        <p:nvCxnSpPr>
+          <p:cNvPr id="31" name="Forma 30"/>
+          <p:cNvCxnSpPr>
+            <a:stCxn id="8" idx="0"/>
+          </p:cNvCxnSpPr>
+          <p:nvPr/>
+        </p:nvCxnSpPr>
+        <p:spPr>
+          <a:xfrm rot="16200000" flipV="1">
+            <a:off x="4698014" y="-81390"/>
+            <a:ext cx="648072" cy="5508612"/>
+          </a:xfrm>
+          <a:prstGeom prst="bentConnector2">
+            <a:avLst/>
+          </a:prstGeom>
+          <a:ln w="38100">
+            <a:solidFill>
+              <a:schemeClr val="tx1"/>
+            </a:solidFill>
+            <a:tailEnd type="arrow"/>
+          </a:ln>
+        </p:spPr>
+        <p:style>
+          <a:lnRef idx="1">
+            <a:schemeClr val="accent1"/>
+          </a:lnRef>
+          <a:fillRef idx="0">
+            <a:schemeClr val="accent1"/>
+          </a:fillRef>
+          <a:effectRef idx="0">
+            <a:schemeClr val="accent1"/>
+          </a:effectRef>
+          <a:fontRef idx="minor">
+            <a:schemeClr val="tx1"/>
+          </a:fontRef>
+        </p:style>
+      </p:cxnSp>
+      <p:cxnSp>
+        <p:nvCxnSpPr>
+          <p:cNvPr id="34" name="Conector de seta reta 33"/>
+          <p:cNvCxnSpPr>
+            <a:stCxn id="5" idx="2"/>
+            <a:endCxn id="10" idx="0"/>
+          </p:cNvCxnSpPr>
+          <p:nvPr/>
+        </p:nvCxnSpPr>
+        <p:spPr>
+          <a:xfrm>
+            <a:off x="1511660" y="4365104"/>
+            <a:ext cx="0" cy="576064"/>
+          </a:xfrm>
+          <a:prstGeom prst="straightConnector1">
+            <a:avLst/>
+          </a:prstGeom>
+          <a:ln w="38100">
+            <a:solidFill>
+              <a:schemeClr val="tx1"/>
+            </a:solidFill>
+            <a:tailEnd type="arrow"/>
+          </a:ln>
+        </p:spPr>
+        <p:style>
+          <a:lnRef idx="1">
+            <a:schemeClr val="accent1"/>
+          </a:lnRef>
+          <a:fillRef idx="0">
+            <a:schemeClr val="accent1"/>
+          </a:fillRef>
+          <a:effectRef idx="0">
+            <a:schemeClr val="accent1"/>
+          </a:effectRef>
+          <a:fontRef idx="minor">
+            <a:schemeClr val="tx1"/>
+          </a:fontRef>
+        </p:style>
+      </p:cxnSp>
+      <p:cxnSp>
+        <p:nvCxnSpPr>
+          <p:cNvPr id="53" name="Conector de seta reta 52"/>
+          <p:cNvCxnSpPr/>
+          <p:nvPr/>
+        </p:nvCxnSpPr>
+        <p:spPr>
+          <a:xfrm>
+            <a:off x="1511300" y="1671960"/>
+            <a:ext cx="0" cy="460896"/>
+          </a:xfrm>
+          <a:prstGeom prst="straightConnector1">
+            <a:avLst/>
+          </a:prstGeom>
+          <a:ln w="38100">
+            <a:solidFill>
+              <a:schemeClr val="tx1"/>
+            </a:solidFill>
+            <a:tailEnd type="arrow"/>
+          </a:ln>
+        </p:spPr>
+        <p:style>
+          <a:lnRef idx="1">
+            <a:schemeClr val="accent1"/>
+          </a:lnRef>
+          <a:fillRef idx="0">
+            <a:schemeClr val="accent1"/>
+          </a:fillRef>
+          <a:effectRef idx="0">
+            <a:schemeClr val="accent1"/>
+          </a:effectRef>
+          <a:fontRef idx="minor">
+            <a:schemeClr val="tx1"/>
+          </a:fontRef>
+        </p:style>
+      </p:cxnSp>
+      <p:sp>
+        <p:nvSpPr>
+          <p:cNvPr id="55" name="Elipse 54"/>
+          <p:cNvSpPr/>
+          <p:nvPr/>
+        </p:nvSpPr>
+        <p:spPr>
+          <a:xfrm>
+            <a:off x="1403648" y="1556792"/>
+            <a:ext cx="216024" cy="216024"/>
+          </a:xfrm>
+          <a:prstGeom prst="ellipse">
+            <a:avLst/>
+          </a:prstGeom>
+          <a:solidFill>
+            <a:schemeClr val="tx1"/>
+          </a:solidFill>
+          <a:ln>
+            <a:noFill/>
+          </a:ln>
+        </p:spPr>
+        <p:style>
+          <a:lnRef idx="2">
+            <a:schemeClr val="accent1">
+              <a:shade val="50000"/>
+            </a:schemeClr>
+          </a:lnRef>
+          <a:fillRef idx="1">
+            <a:schemeClr val="accent1"/>
+          </a:fillRef>
+          <a:effectRef idx="0">
+            <a:schemeClr val="accent1"/>
+          </a:effectRef>
+          <a:fontRef idx="minor">
+            <a:schemeClr val="lt1"/>
+          </a:fontRef>
+        </p:style>
+        <p:txBody>
+          <a:bodyPr rtlCol="0" anchor="ctr"/>
+          <a:lstStyle/>
+          <a:p>
+            <a:pPr algn="ctr"/>
+            <a:endParaRPr lang="pt-BR"/>
+          </a:p>
+        </p:txBody>
+      </p:sp>
+      <p:cxnSp>
+        <p:nvCxnSpPr>
+          <p:cNvPr id="57" name="Conector de seta reta 56"/>
+          <p:cNvCxnSpPr/>
+          <p:nvPr/>
+        </p:nvCxnSpPr>
+        <p:spPr>
+          <a:xfrm flipV="1">
+            <a:off x="1763688" y="2852936"/>
+            <a:ext cx="0" cy="792088"/>
+          </a:xfrm>
+          <a:prstGeom prst="straightConnector1">
+            <a:avLst/>
+          </a:prstGeom>
+          <a:ln w="38100">
+            <a:solidFill>
+              <a:schemeClr val="tx1"/>
+            </a:solidFill>
+            <a:tailEnd type="arrow"/>
+          </a:ln>
+        </p:spPr>
+        <p:style>
+          <a:lnRef idx="1">
+            <a:schemeClr val="accent1"/>
+          </a:lnRef>
+          <a:fillRef idx="0">
+            <a:schemeClr val="accent1"/>
+          </a:fillRef>
+          <a:effectRef idx="0">
+            <a:schemeClr val="accent1"/>
+          </a:effectRef>
+          <a:fontRef idx="minor">
+            <a:schemeClr val="tx1"/>
+          </a:fontRef>
+        </p:style>
+      </p:cxnSp>
+      <p:sp>
+        <p:nvSpPr>
+          <p:cNvPr id="58" name="Retângulo 57"/>
+          <p:cNvSpPr/>
+          <p:nvPr/>
+        </p:nvSpPr>
+        <p:spPr>
+          <a:xfrm>
+            <a:off x="7812360" y="2636912"/>
+            <a:ext cx="936104" cy="360040"/>
+          </a:xfrm>
+          <a:prstGeom prst="rect">
+            <a:avLst/>
+          </a:prstGeom>
+          <a:noFill/>
+          <a:ln>
+            <a:noFill/>
+          </a:ln>
+        </p:spPr>
+        <p:style>
+          <a:lnRef idx="2">
+            <a:schemeClr val="accent1">
+              <a:shade val="50000"/>
+            </a:schemeClr>
+          </a:lnRef>
+          <a:fillRef idx="1">
+            <a:schemeClr val="accent1"/>
+          </a:fillRef>
+          <a:effectRef idx="0">
+            <a:schemeClr val="accent1"/>
+          </a:effectRef>
+          <a:fontRef idx="minor">
+            <a:schemeClr val="lt1"/>
+          </a:fontRef>
+        </p:style>
+        <p:txBody>
+          <a:bodyPr rtlCol="0" anchor="ctr"/>
+          <a:lstStyle/>
+          <a:p>
+            <a:pPr algn="ctr"/>
+            <a:r>
+              <a:rPr lang="pt-BR" dirty="0" err="1" smtClean="0">
+                <a:solidFill>
+                  <a:srgbClr val="FFC000"/>
+                </a:solidFill>
+              </a:rPr>
+              <a:t>notify</a:t>
+            </a:r>
+            <a:r>
+              <a:rPr lang="pt-BR" dirty="0" smtClean="0">
+                <a:solidFill>
+                  <a:srgbClr val="FFC000"/>
+                </a:solidFill>
+              </a:rPr>
+              <a:t>()</a:t>
+            </a:r>
+            <a:endParaRPr lang="pt-BR" dirty="0">
+              <a:solidFill>
+                <a:srgbClr val="FFC000"/>
+              </a:solidFill>
+            </a:endParaRPr>
+          </a:p>
+        </p:txBody>
+      </p:sp>
+      <p:sp>
+        <p:nvSpPr>
+          <p:cNvPr id="61" name="Retângulo 60"/>
+          <p:cNvSpPr/>
+          <p:nvPr/>
+        </p:nvSpPr>
+        <p:spPr>
+          <a:xfrm>
+            <a:off x="5724128" y="2636912"/>
+            <a:ext cx="1152128" cy="360040"/>
+          </a:xfrm>
+          <a:prstGeom prst="rect">
+            <a:avLst/>
+          </a:prstGeom>
+          <a:noFill/>
+          <a:ln>
+            <a:noFill/>
+          </a:ln>
+        </p:spPr>
+        <p:style>
+          <a:lnRef idx="2">
+            <a:schemeClr val="accent1">
+              <a:shade val="50000"/>
+            </a:schemeClr>
+          </a:lnRef>
+          <a:fillRef idx="1">
+            <a:schemeClr val="accent1"/>
+          </a:fillRef>
+          <a:effectRef idx="0">
+            <a:schemeClr val="accent1"/>
+          </a:effectRef>
+          <a:fontRef idx="minor">
+            <a:schemeClr val="lt1"/>
+          </a:fontRef>
+        </p:style>
+        <p:txBody>
+          <a:bodyPr rtlCol="0" anchor="ctr"/>
+          <a:lstStyle/>
+          <a:p>
+            <a:pPr algn="ctr"/>
+            <a:r>
+              <a:rPr lang="pt-BR" dirty="0" smtClean="0">
+                <a:solidFill>
+                  <a:srgbClr val="FFC000"/>
+                </a:solidFill>
+              </a:rPr>
+              <a:t>resume()</a:t>
+            </a:r>
+            <a:endParaRPr lang="pt-BR" dirty="0">
+              <a:solidFill>
+                <a:srgbClr val="FFC000"/>
+              </a:solidFill>
+            </a:endParaRPr>
+          </a:p>
+        </p:txBody>
+      </p:sp>
+      <p:sp>
+        <p:nvSpPr>
+          <p:cNvPr id="62" name="Retângulo 61"/>
+          <p:cNvSpPr/>
+          <p:nvPr/>
+        </p:nvSpPr>
+        <p:spPr>
+          <a:xfrm>
+            <a:off x="5724128" y="3429000"/>
+            <a:ext cx="1296144" cy="360040"/>
+          </a:xfrm>
+          <a:prstGeom prst="rect">
+            <a:avLst/>
+          </a:prstGeom>
+          <a:noFill/>
+          <a:ln>
+            <a:noFill/>
+          </a:ln>
+        </p:spPr>
+        <p:style>
+          <a:lnRef idx="2">
+            <a:schemeClr val="accent1">
+              <a:shade val="50000"/>
+            </a:schemeClr>
+          </a:lnRef>
+          <a:fillRef idx="1">
+            <a:schemeClr val="accent1"/>
+          </a:fillRef>
+          <a:effectRef idx="0">
+            <a:schemeClr val="accent1"/>
+          </a:effectRef>
+          <a:fontRef idx="minor">
+            <a:schemeClr val="lt1"/>
+          </a:fontRef>
+        </p:style>
+        <p:txBody>
+          <a:bodyPr rtlCol="0" anchor="ctr"/>
+          <a:lstStyle/>
+          <a:p>
+            <a:pPr algn="ctr"/>
+            <a:r>
+              <a:rPr lang="pt-BR" dirty="0" err="1" smtClean="0">
+                <a:solidFill>
+                  <a:srgbClr val="FFC000"/>
+                </a:solidFill>
+              </a:rPr>
+              <a:t>suspend</a:t>
+            </a:r>
+            <a:r>
+              <a:rPr lang="pt-BR" dirty="0" smtClean="0">
+                <a:solidFill>
+                  <a:srgbClr val="FFC000"/>
+                </a:solidFill>
+              </a:rPr>
+              <a:t>()</a:t>
+            </a:r>
+            <a:endParaRPr lang="pt-BR" dirty="0">
+              <a:solidFill>
+                <a:srgbClr val="FFC000"/>
+              </a:solidFill>
+            </a:endParaRPr>
+          </a:p>
+        </p:txBody>
+      </p:sp>
+      <p:sp>
+        <p:nvSpPr>
+          <p:cNvPr id="63" name="Retângulo 62"/>
+          <p:cNvSpPr/>
+          <p:nvPr/>
+        </p:nvSpPr>
+        <p:spPr>
+          <a:xfrm>
+            <a:off x="3635896" y="3429000"/>
+            <a:ext cx="1440160" cy="360040"/>
+          </a:xfrm>
+          <a:prstGeom prst="rect">
+            <a:avLst/>
+          </a:prstGeom>
+          <a:noFill/>
+          <a:ln>
+            <a:noFill/>
+          </a:ln>
+        </p:spPr>
+        <p:style>
+          <a:lnRef idx="2">
+            <a:schemeClr val="accent1">
+              <a:shade val="50000"/>
+            </a:schemeClr>
+          </a:lnRef>
+          <a:fillRef idx="1">
+            <a:schemeClr val="accent1"/>
+          </a:fillRef>
+          <a:effectRef idx="0">
+            <a:schemeClr val="accent1"/>
+          </a:effectRef>
+          <a:fontRef idx="minor">
+            <a:schemeClr val="lt1"/>
+          </a:fontRef>
+        </p:style>
+        <p:txBody>
+          <a:bodyPr rtlCol="0" anchor="ctr"/>
+          <a:lstStyle/>
+          <a:p>
+            <a:pPr algn="ctr"/>
+            <a:r>
+              <a:rPr lang="pt-BR" dirty="0" err="1" smtClean="0">
+                <a:solidFill>
+                  <a:srgbClr val="FFC000"/>
+                </a:solidFill>
+              </a:rPr>
+              <a:t>sleep</a:t>
+            </a:r>
+            <a:r>
+              <a:rPr lang="pt-BR" dirty="0" smtClean="0">
+                <a:solidFill>
+                  <a:srgbClr val="FFC000"/>
+                </a:solidFill>
+              </a:rPr>
+              <a:t>(</a:t>
+            </a:r>
+            <a:r>
+              <a:rPr lang="pt-BR" dirty="0" err="1" smtClean="0">
+                <a:solidFill>
+                  <a:srgbClr val="FFC000"/>
+                </a:solidFill>
+              </a:rPr>
+              <a:t>millis</a:t>
+            </a:r>
+            <a:r>
+              <a:rPr lang="pt-BR" dirty="0" smtClean="0">
+                <a:solidFill>
+                  <a:srgbClr val="FFC000"/>
+                </a:solidFill>
+              </a:rPr>
+              <a:t>)</a:t>
+            </a:r>
+            <a:endParaRPr lang="pt-BR" dirty="0">
+              <a:solidFill>
+                <a:srgbClr val="FFC000"/>
+              </a:solidFill>
+            </a:endParaRPr>
+          </a:p>
+        </p:txBody>
+      </p:sp>
+      <p:sp>
+        <p:nvSpPr>
+          <p:cNvPr id="64" name="Retângulo 63"/>
+          <p:cNvSpPr/>
+          <p:nvPr/>
+        </p:nvSpPr>
+        <p:spPr>
+          <a:xfrm>
+            <a:off x="7740352" y="3429000"/>
+            <a:ext cx="936104" cy="360040"/>
+          </a:xfrm>
+          <a:prstGeom prst="rect">
+            <a:avLst/>
+          </a:prstGeom>
+          <a:noFill/>
+          <a:ln>
+            <a:noFill/>
+          </a:ln>
+        </p:spPr>
+        <p:style>
+          <a:lnRef idx="2">
+            <a:schemeClr val="accent1">
+              <a:shade val="50000"/>
+            </a:schemeClr>
+          </a:lnRef>
+          <a:fillRef idx="1">
+            <a:schemeClr val="accent1"/>
+          </a:fillRef>
+          <a:effectRef idx="0">
+            <a:schemeClr val="accent1"/>
+          </a:effectRef>
+          <a:fontRef idx="minor">
+            <a:schemeClr val="lt1"/>
+          </a:fontRef>
+        </p:style>
+        <p:txBody>
+          <a:bodyPr rtlCol="0" anchor="ctr"/>
+          <a:lstStyle/>
+          <a:p>
+            <a:pPr algn="ctr"/>
+            <a:r>
+              <a:rPr lang="pt-BR" dirty="0" err="1" smtClean="0">
+                <a:solidFill>
+                  <a:srgbClr val="FFC000"/>
+                </a:solidFill>
+              </a:rPr>
+              <a:t>wait</a:t>
+            </a:r>
+            <a:r>
+              <a:rPr lang="pt-BR" dirty="0" smtClean="0">
+                <a:solidFill>
+                  <a:srgbClr val="FFC000"/>
+                </a:solidFill>
+              </a:rPr>
+              <a:t>()</a:t>
+            </a:r>
+            <a:endParaRPr lang="pt-BR" dirty="0">
+              <a:solidFill>
+                <a:srgbClr val="FFC000"/>
+              </a:solidFill>
+            </a:endParaRPr>
+          </a:p>
+        </p:txBody>
+      </p:sp>
+      <p:sp>
+        <p:nvSpPr>
+          <p:cNvPr id="71" name="Retângulo 70"/>
+          <p:cNvSpPr/>
+          <p:nvPr/>
+        </p:nvSpPr>
+        <p:spPr>
+          <a:xfrm>
+            <a:off x="1763688" y="3068960"/>
+            <a:ext cx="864096" cy="360040"/>
+          </a:xfrm>
+          <a:prstGeom prst="rect">
+            <a:avLst/>
+          </a:prstGeom>
+          <a:noFill/>
+          <a:ln>
+            <a:noFill/>
+          </a:ln>
+        </p:spPr>
+        <p:style>
+          <a:lnRef idx="2">
+            <a:schemeClr val="accent1">
+              <a:shade val="50000"/>
+            </a:schemeClr>
+          </a:lnRef>
+          <a:fillRef idx="1">
+            <a:schemeClr val="accent1"/>
+          </a:fillRef>
+          <a:effectRef idx="0">
+            <a:schemeClr val="accent1"/>
+          </a:effectRef>
+          <a:fontRef idx="minor">
+            <a:schemeClr val="lt1"/>
+          </a:fontRef>
+        </p:style>
+        <p:txBody>
+          <a:bodyPr rtlCol="0" anchor="ctr"/>
+          <a:lstStyle/>
+          <a:p>
+            <a:pPr algn="ctr"/>
+            <a:r>
+              <a:rPr lang="pt-BR" dirty="0" err="1" smtClean="0">
+                <a:solidFill>
+                  <a:srgbClr val="FFC000"/>
+                </a:solidFill>
+              </a:rPr>
+              <a:t>yeld</a:t>
+            </a:r>
+            <a:r>
+              <a:rPr lang="pt-BR" dirty="0" smtClean="0">
+                <a:solidFill>
+                  <a:srgbClr val="FFC000"/>
+                </a:solidFill>
+              </a:rPr>
+              <a:t>()</a:t>
+            </a:r>
+            <a:endParaRPr lang="pt-BR" dirty="0">
+              <a:solidFill>
+                <a:srgbClr val="FFC000"/>
+              </a:solidFill>
+            </a:endParaRPr>
+          </a:p>
+        </p:txBody>
+      </p:sp>
+      <p:sp>
+        <p:nvSpPr>
+          <p:cNvPr id="72" name="Retângulo 71"/>
+          <p:cNvSpPr/>
+          <p:nvPr/>
+        </p:nvSpPr>
+        <p:spPr>
+          <a:xfrm>
+            <a:off x="1547664" y="4437112"/>
+            <a:ext cx="864096" cy="360040"/>
+          </a:xfrm>
+          <a:prstGeom prst="rect">
+            <a:avLst/>
+          </a:prstGeom>
+          <a:noFill/>
+          <a:ln>
+            <a:noFill/>
+          </a:ln>
+        </p:spPr>
+        <p:style>
+          <a:lnRef idx="2">
+            <a:schemeClr val="accent1">
+              <a:shade val="50000"/>
+            </a:schemeClr>
+          </a:lnRef>
+          <a:fillRef idx="1">
+            <a:schemeClr val="accent1"/>
+          </a:fillRef>
+          <a:effectRef idx="0">
+            <a:schemeClr val="accent1"/>
+          </a:effectRef>
+          <a:fontRef idx="minor">
+            <a:schemeClr val="lt1"/>
+          </a:fontRef>
+        </p:style>
+        <p:txBody>
+          <a:bodyPr rtlCol="0" anchor="ctr"/>
+          <a:lstStyle/>
+          <a:p>
+            <a:pPr algn="ctr"/>
+            <a:r>
+              <a:rPr lang="pt-BR" dirty="0" err="1" smtClean="0">
+                <a:solidFill>
+                  <a:srgbClr val="FFC000"/>
+                </a:solidFill>
+              </a:rPr>
+              <a:t>stop</a:t>
+            </a:r>
+            <a:r>
+              <a:rPr lang="pt-BR" dirty="0" smtClean="0">
+                <a:solidFill>
+                  <a:srgbClr val="FFC000"/>
+                </a:solidFill>
+              </a:rPr>
+              <a:t>()</a:t>
+            </a:r>
+            <a:endParaRPr lang="pt-BR" dirty="0">
+              <a:solidFill>
+                <a:srgbClr val="FFC000"/>
+              </a:solidFill>
+            </a:endParaRPr>
+          </a:p>
+        </p:txBody>
+      </p:sp>
+      <p:sp>
+        <p:nvSpPr>
+          <p:cNvPr id="77" name="Retângulo 76"/>
+          <p:cNvSpPr/>
+          <p:nvPr/>
+        </p:nvSpPr>
+        <p:spPr>
+          <a:xfrm>
+            <a:off x="1547664" y="1700808"/>
+            <a:ext cx="864096" cy="360040"/>
+          </a:xfrm>
+          <a:prstGeom prst="rect">
+            <a:avLst/>
+          </a:prstGeom>
+          <a:noFill/>
+          <a:ln>
+            <a:noFill/>
+          </a:ln>
+        </p:spPr>
+        <p:style>
+          <a:lnRef idx="2">
+            <a:schemeClr val="accent1">
+              <a:shade val="50000"/>
+            </a:schemeClr>
+          </a:lnRef>
+          <a:fillRef idx="1">
+            <a:schemeClr val="accent1"/>
+          </a:fillRef>
+          <a:effectRef idx="0">
+            <a:schemeClr val="accent1"/>
+          </a:effectRef>
+          <a:fontRef idx="minor">
+            <a:schemeClr val="lt1"/>
+          </a:fontRef>
+        </p:style>
+        <p:txBody>
+          <a:bodyPr rtlCol="0" anchor="ctr"/>
+          <a:lstStyle/>
+          <a:p>
+            <a:pPr algn="ctr"/>
+            <a:r>
+              <a:rPr lang="pt-BR" dirty="0" smtClean="0">
+                <a:solidFill>
+                  <a:srgbClr val="FFC000"/>
+                </a:solidFill>
+              </a:rPr>
+              <a:t>start()</a:t>
+            </a:r>
+            <a:endParaRPr lang="pt-BR" dirty="0">
+              <a:solidFill>
+                <a:srgbClr val="FFC000"/>
+              </a:solidFill>
+            </a:endParaRPr>
+          </a:p>
+        </p:txBody>
+      </p:sp>
     </p:spTree>
   </p:cSld>
   <p:clrMapOvr>
     <a:masterClrMapping/>
   </p:clrMapOvr>
+  <p:timing>
+    <p:tnLst>
+      <p:par>
+        <p:cTn id="1" dur="indefinite" restart="never" nodeType="tmRoot"/>
+      </p:par>
+    </p:tnLst>
+  </p:timing>
 </p:sld>
 </file>
 
@@ -8410,6 +12987,699 @@
       </p:par>
     </p:tnLst>
   </p:timing>
+</p:sld>
+</file>
+
+<file path=ppt/slides/slide20.xml><?xml version="1.0" encoding="utf-8"?>
+<p:sld xmlns:a="http://schemas.openxmlformats.org/drawingml/2006/main" xmlns:r="http://schemas.openxmlformats.org/officeDocument/2006/relationships" xmlns:p="http://schemas.openxmlformats.org/presentationml/2006/main">
+  <p:cSld>
+    <p:spTree>
+      <p:nvGrpSpPr>
+        <p:cNvPr id="1" name=""/>
+        <p:cNvGrpSpPr/>
+        <p:nvPr/>
+      </p:nvGrpSpPr>
+      <p:grpSpPr>
+        <a:xfrm>
+          <a:off x="0" y="0"/>
+          <a:ext cx="0" cy="0"/>
+          <a:chOff x="0" y="0"/>
+          <a:chExt cx="0" cy="0"/>
+        </a:xfrm>
+      </p:grpSpPr>
+      <p:sp>
+        <p:nvSpPr>
+          <p:cNvPr id="15362" name="Título 1"/>
+          <p:cNvSpPr>
+            <a:spLocks noGrp="1"/>
+          </p:cNvSpPr>
+          <p:nvPr>
+            <p:ph type="title"/>
+          </p:nvPr>
+        </p:nvSpPr>
+        <p:spPr/>
+        <p:txBody>
+          <a:bodyPr/>
+          <a:lstStyle/>
+          <a:p>
+            <a:pPr eaLnBrk="1" hangingPunct="1"/>
+            <a:r>
+              <a:rPr lang="pt-BR" dirty="0" smtClean="0"/>
+              <a:t>O</a:t>
+            </a:r>
+            <a:r>
+              <a:rPr lang="pt-BR" baseline="0" dirty="0" smtClean="0"/>
+              <a:t> </a:t>
+            </a:r>
+            <a:r>
+              <a:rPr lang="pt-BR" dirty="0" err="1" smtClean="0"/>
+              <a:t>Scheduler</a:t>
+            </a:r>
+            <a:endParaRPr lang="pt-BR" dirty="0" smtClean="0"/>
+          </a:p>
+        </p:txBody>
+      </p:sp>
+      <p:sp>
+        <p:nvSpPr>
+          <p:cNvPr id="15363" name="Espaço Reservado para Conteúdo 2"/>
+          <p:cNvSpPr>
+            <a:spLocks noGrp="1"/>
+          </p:cNvSpPr>
+          <p:nvPr>
+            <p:ph idx="1"/>
+          </p:nvPr>
+        </p:nvSpPr>
+        <p:spPr/>
+        <p:txBody>
+          <a:bodyPr/>
+          <a:lstStyle/>
+          <a:p>
+            <a:endParaRPr lang="pt-BR" smtClean="0"/>
+          </a:p>
+        </p:txBody>
+      </p:sp>
+      <p:sp>
+        <p:nvSpPr>
+          <p:cNvPr id="4" name="Espaço Reservado para Número de Slide 3"/>
+          <p:cNvSpPr>
+            <a:spLocks noGrp="1"/>
+          </p:cNvSpPr>
+          <p:nvPr>
+            <p:ph type="sldNum" sz="quarter" idx="12"/>
+          </p:nvPr>
+        </p:nvSpPr>
+        <p:spPr/>
+        <p:txBody>
+          <a:bodyPr/>
+          <a:lstStyle/>
+          <a:p>
+            <a:pPr>
+              <a:defRPr/>
+            </a:pPr>
+            <a:fld id="{A3E49AD4-F76A-4E25-A0A5-9CD64D5A0A0D}" type="slidenum">
+              <a:rPr lang="pt-BR" smtClean="0"/>
+              <a:pPr>
+                <a:defRPr/>
+              </a:pPr>
+              <a:t>20</a:t>
+            </a:fld>
+            <a:endParaRPr lang="pt-BR"/>
+          </a:p>
+        </p:txBody>
+      </p:sp>
+    </p:spTree>
+  </p:cSld>
+  <p:clrMapOvr>
+    <a:masterClrMapping/>
+  </p:clrMapOvr>
+  <p:timing>
+    <p:tnLst>
+      <p:par>
+        <p:cTn id="1" dur="indefinite" restart="never" nodeType="tmRoot"/>
+      </p:par>
+    </p:tnLst>
+  </p:timing>
+</p:sld>
+</file>
+
+<file path=ppt/slides/slide21.xml><?xml version="1.0" encoding="utf-8"?>
+<p:sld xmlns:a="http://schemas.openxmlformats.org/drawingml/2006/main" xmlns:r="http://schemas.openxmlformats.org/officeDocument/2006/relationships" xmlns:p="http://schemas.openxmlformats.org/presentationml/2006/main">
+  <p:cSld>
+    <p:spTree>
+      <p:nvGrpSpPr>
+        <p:cNvPr id="1" name=""/>
+        <p:cNvGrpSpPr/>
+        <p:nvPr/>
+      </p:nvGrpSpPr>
+      <p:grpSpPr>
+        <a:xfrm>
+          <a:off x="0" y="0"/>
+          <a:ext cx="0" cy="0"/>
+          <a:chOff x="0" y="0"/>
+          <a:chExt cx="0" cy="0"/>
+        </a:xfrm>
+      </p:grpSpPr>
+      <p:sp>
+        <p:nvSpPr>
+          <p:cNvPr id="16386" name="Título 1"/>
+          <p:cNvSpPr>
+            <a:spLocks noGrp="1"/>
+          </p:cNvSpPr>
+          <p:nvPr>
+            <p:ph type="title"/>
+          </p:nvPr>
+        </p:nvSpPr>
+        <p:spPr/>
+        <p:txBody>
+          <a:bodyPr/>
+          <a:lstStyle/>
+          <a:p>
+            <a:pPr eaLnBrk="1" hangingPunct="1"/>
+            <a:r>
+              <a:rPr lang="pt-BR" dirty="0" smtClean="0"/>
+              <a:t>Prioridades das threads</a:t>
+            </a:r>
+          </a:p>
+        </p:txBody>
+      </p:sp>
+      <p:sp>
+        <p:nvSpPr>
+          <p:cNvPr id="16387" name="Espaço Reservado para Conteúdo 2"/>
+          <p:cNvSpPr>
+            <a:spLocks noGrp="1"/>
+          </p:cNvSpPr>
+          <p:nvPr>
+            <p:ph idx="1"/>
+          </p:nvPr>
+        </p:nvSpPr>
+        <p:spPr/>
+        <p:txBody>
+          <a:bodyPr/>
+          <a:lstStyle/>
+          <a:p>
+            <a:endParaRPr lang="pt-BR" smtClean="0"/>
+          </a:p>
+        </p:txBody>
+      </p:sp>
+      <p:sp>
+        <p:nvSpPr>
+          <p:cNvPr id="4" name="Espaço Reservado para Número de Slide 3"/>
+          <p:cNvSpPr>
+            <a:spLocks noGrp="1"/>
+          </p:cNvSpPr>
+          <p:nvPr>
+            <p:ph type="sldNum" sz="quarter" idx="12"/>
+          </p:nvPr>
+        </p:nvSpPr>
+        <p:spPr/>
+        <p:txBody>
+          <a:bodyPr/>
+          <a:lstStyle/>
+          <a:p>
+            <a:pPr>
+              <a:defRPr/>
+            </a:pPr>
+            <a:fld id="{A3E49AD4-F76A-4E25-A0A5-9CD64D5A0A0D}" type="slidenum">
+              <a:rPr lang="pt-BR" smtClean="0"/>
+              <a:pPr>
+                <a:defRPr/>
+              </a:pPr>
+              <a:t>21</a:t>
+            </a:fld>
+            <a:endParaRPr lang="pt-BR"/>
+          </a:p>
+        </p:txBody>
+      </p:sp>
+    </p:spTree>
+  </p:cSld>
+  <p:clrMapOvr>
+    <a:masterClrMapping/>
+  </p:clrMapOvr>
+</p:sld>
+</file>
+
+<file path=ppt/slides/slide22.xml><?xml version="1.0" encoding="utf-8"?>
+<p:sld xmlns:a="http://schemas.openxmlformats.org/drawingml/2006/main" xmlns:r="http://schemas.openxmlformats.org/officeDocument/2006/relationships" xmlns:p="http://schemas.openxmlformats.org/presentationml/2006/main">
+  <p:cSld>
+    <p:spTree>
+      <p:nvGrpSpPr>
+        <p:cNvPr id="1" name=""/>
+        <p:cNvGrpSpPr/>
+        <p:nvPr/>
+      </p:nvGrpSpPr>
+      <p:grpSpPr>
+        <a:xfrm>
+          <a:off x="0" y="0"/>
+          <a:ext cx="0" cy="0"/>
+          <a:chOff x="0" y="0"/>
+          <a:chExt cx="0" cy="0"/>
+        </a:xfrm>
+      </p:grpSpPr>
+      <p:sp>
+        <p:nvSpPr>
+          <p:cNvPr id="2" name="Título 1"/>
+          <p:cNvSpPr>
+            <a:spLocks noGrp="1"/>
+          </p:cNvSpPr>
+          <p:nvPr>
+            <p:ph type="title"/>
+          </p:nvPr>
+        </p:nvSpPr>
+        <p:spPr/>
+        <p:txBody>
+          <a:bodyPr/>
+          <a:lstStyle/>
+          <a:p>
+            <a:r>
+              <a:rPr lang="pt-BR" dirty="0" smtClean="0"/>
+              <a:t>Estados</a:t>
+            </a:r>
+            <a:r>
+              <a:rPr lang="pt-BR" baseline="0" dirty="0" smtClean="0"/>
+              <a:t> de uma thread</a:t>
+            </a:r>
+            <a:endParaRPr lang="pt-BR" dirty="0"/>
+          </a:p>
+        </p:txBody>
+      </p:sp>
+      <p:sp>
+        <p:nvSpPr>
+          <p:cNvPr id="3" name="Espaço Reservado para Conteúdo 2"/>
+          <p:cNvSpPr>
+            <a:spLocks noGrp="1"/>
+          </p:cNvSpPr>
+          <p:nvPr>
+            <p:ph idx="1"/>
+          </p:nvPr>
+        </p:nvSpPr>
+        <p:spPr/>
+        <p:txBody>
+          <a:bodyPr/>
+          <a:lstStyle/>
+          <a:p>
+            <a:endParaRPr lang="pt-BR"/>
+          </a:p>
+        </p:txBody>
+      </p:sp>
+      <p:sp>
+        <p:nvSpPr>
+          <p:cNvPr id="4" name="Espaço Reservado para Número de Slide 3"/>
+          <p:cNvSpPr>
+            <a:spLocks noGrp="1"/>
+          </p:cNvSpPr>
+          <p:nvPr>
+            <p:ph type="sldNum" sz="quarter" idx="12"/>
+          </p:nvPr>
+        </p:nvSpPr>
+        <p:spPr/>
+        <p:txBody>
+          <a:bodyPr/>
+          <a:lstStyle/>
+          <a:p>
+            <a:pPr>
+              <a:defRPr/>
+            </a:pPr>
+            <a:fld id="{A3E49AD4-F76A-4E25-A0A5-9CD64D5A0A0D}" type="slidenum">
+              <a:rPr lang="pt-BR" smtClean="0"/>
+              <a:pPr>
+                <a:defRPr/>
+              </a:pPr>
+              <a:t>22</a:t>
+            </a:fld>
+            <a:endParaRPr lang="pt-BR"/>
+          </a:p>
+        </p:txBody>
+      </p:sp>
+    </p:spTree>
+  </p:cSld>
+  <p:clrMapOvr>
+    <a:masterClrMapping/>
+  </p:clrMapOvr>
+</p:sld>
+</file>
+
+<file path=ppt/slides/slide23.xml><?xml version="1.0" encoding="utf-8"?>
+<p:sld xmlns:a="http://schemas.openxmlformats.org/drawingml/2006/main" xmlns:r="http://schemas.openxmlformats.org/officeDocument/2006/relationships" xmlns:p="http://schemas.openxmlformats.org/presentationml/2006/main">
+  <p:cSld>
+    <p:spTree>
+      <p:nvGrpSpPr>
+        <p:cNvPr id="1" name=""/>
+        <p:cNvGrpSpPr/>
+        <p:nvPr/>
+      </p:nvGrpSpPr>
+      <p:grpSpPr>
+        <a:xfrm>
+          <a:off x="0" y="0"/>
+          <a:ext cx="0" cy="0"/>
+          <a:chOff x="0" y="0"/>
+          <a:chExt cx="0" cy="0"/>
+        </a:xfrm>
+      </p:grpSpPr>
+      <p:sp>
+        <p:nvSpPr>
+          <p:cNvPr id="21506" name="Título 1"/>
+          <p:cNvSpPr>
+            <a:spLocks noGrp="1"/>
+          </p:cNvSpPr>
+          <p:nvPr>
+            <p:ph type="title"/>
+          </p:nvPr>
+        </p:nvSpPr>
+        <p:spPr/>
+        <p:txBody>
+          <a:bodyPr/>
+          <a:lstStyle/>
+          <a:p>
+            <a:pPr eaLnBrk="1" hangingPunct="1"/>
+            <a:r>
+              <a:rPr lang="pt-BR" dirty="0" smtClean="0"/>
+              <a:t>Sincronização</a:t>
+            </a:r>
+          </a:p>
+        </p:txBody>
+      </p:sp>
+      <p:sp>
+        <p:nvSpPr>
+          <p:cNvPr id="21507" name="Espaço Reservado para Conteúdo 2"/>
+          <p:cNvSpPr>
+            <a:spLocks noGrp="1"/>
+          </p:cNvSpPr>
+          <p:nvPr>
+            <p:ph idx="1"/>
+          </p:nvPr>
+        </p:nvSpPr>
+        <p:spPr/>
+        <p:txBody>
+          <a:bodyPr/>
+          <a:lstStyle/>
+          <a:p>
+            <a:endParaRPr lang="pt-BR" smtClean="0"/>
+          </a:p>
+        </p:txBody>
+      </p:sp>
+      <p:sp>
+        <p:nvSpPr>
+          <p:cNvPr id="4" name="Espaço Reservado para Número de Slide 3"/>
+          <p:cNvSpPr>
+            <a:spLocks noGrp="1"/>
+          </p:cNvSpPr>
+          <p:nvPr>
+            <p:ph type="sldNum" sz="quarter" idx="12"/>
+          </p:nvPr>
+        </p:nvSpPr>
+        <p:spPr/>
+        <p:txBody>
+          <a:bodyPr/>
+          <a:lstStyle/>
+          <a:p>
+            <a:pPr>
+              <a:defRPr/>
+            </a:pPr>
+            <a:fld id="{A3E49AD4-F76A-4E25-A0A5-9CD64D5A0A0D}" type="slidenum">
+              <a:rPr lang="pt-BR" smtClean="0"/>
+              <a:pPr>
+                <a:defRPr/>
+              </a:pPr>
+              <a:t>23</a:t>
+            </a:fld>
+            <a:endParaRPr lang="pt-BR"/>
+          </a:p>
+        </p:txBody>
+      </p:sp>
+    </p:spTree>
+  </p:cSld>
+  <p:clrMapOvr>
+    <a:masterClrMapping/>
+  </p:clrMapOvr>
+</p:sld>
+</file>
+
+<file path=ppt/slides/slide24.xml><?xml version="1.0" encoding="utf-8"?>
+<p:sld xmlns:a="http://schemas.openxmlformats.org/drawingml/2006/main" xmlns:r="http://schemas.openxmlformats.org/officeDocument/2006/relationships" xmlns:p="http://schemas.openxmlformats.org/presentationml/2006/main">
+  <p:cSld>
+    <p:spTree>
+      <p:nvGrpSpPr>
+        <p:cNvPr id="1" name=""/>
+        <p:cNvGrpSpPr/>
+        <p:nvPr/>
+      </p:nvGrpSpPr>
+      <p:grpSpPr>
+        <a:xfrm>
+          <a:off x="0" y="0"/>
+          <a:ext cx="0" cy="0"/>
+          <a:chOff x="0" y="0"/>
+          <a:chExt cx="0" cy="0"/>
+        </a:xfrm>
+      </p:grpSpPr>
+      <p:sp>
+        <p:nvSpPr>
+          <p:cNvPr id="25602" name="Título 1"/>
+          <p:cNvSpPr>
+            <a:spLocks noGrp="1"/>
+          </p:cNvSpPr>
+          <p:nvPr>
+            <p:ph type="title"/>
+          </p:nvPr>
+        </p:nvSpPr>
+        <p:spPr/>
+        <p:txBody>
+          <a:bodyPr/>
+          <a:lstStyle/>
+          <a:p>
+            <a:pPr eaLnBrk="1" hangingPunct="1"/>
+            <a:r>
+              <a:rPr lang="pt-BR" dirty="0" smtClean="0"/>
+              <a:t>Bloqueios</a:t>
+            </a:r>
+          </a:p>
+        </p:txBody>
+      </p:sp>
+      <p:sp>
+        <p:nvSpPr>
+          <p:cNvPr id="25603" name="Espaço Reservado para Conteúdo 2"/>
+          <p:cNvSpPr>
+            <a:spLocks noGrp="1"/>
+          </p:cNvSpPr>
+          <p:nvPr>
+            <p:ph idx="1"/>
+          </p:nvPr>
+        </p:nvSpPr>
+        <p:spPr/>
+        <p:txBody>
+          <a:bodyPr/>
+          <a:lstStyle/>
+          <a:p>
+            <a:endParaRPr lang="pt-BR" smtClean="0"/>
+          </a:p>
+        </p:txBody>
+      </p:sp>
+      <p:sp>
+        <p:nvSpPr>
+          <p:cNvPr id="4" name="Espaço Reservado para Número de Slide 3"/>
+          <p:cNvSpPr>
+            <a:spLocks noGrp="1"/>
+          </p:cNvSpPr>
+          <p:nvPr>
+            <p:ph type="sldNum" sz="quarter" idx="12"/>
+          </p:nvPr>
+        </p:nvSpPr>
+        <p:spPr/>
+        <p:txBody>
+          <a:bodyPr/>
+          <a:lstStyle/>
+          <a:p>
+            <a:pPr>
+              <a:defRPr/>
+            </a:pPr>
+            <a:fld id="{A3E49AD4-F76A-4E25-A0A5-9CD64D5A0A0D}" type="slidenum">
+              <a:rPr lang="pt-BR" smtClean="0"/>
+              <a:pPr>
+                <a:defRPr/>
+              </a:pPr>
+              <a:t>24</a:t>
+            </a:fld>
+            <a:endParaRPr lang="pt-BR"/>
+          </a:p>
+        </p:txBody>
+      </p:sp>
+    </p:spTree>
+  </p:cSld>
+  <p:clrMapOvr>
+    <a:masterClrMapping/>
+  </p:clrMapOvr>
+</p:sld>
+</file>
+
+<file path=ppt/slides/slide25.xml><?xml version="1.0" encoding="utf-8"?>
+<p:sld xmlns:a="http://schemas.openxmlformats.org/drawingml/2006/main" xmlns:r="http://schemas.openxmlformats.org/officeDocument/2006/relationships" xmlns:p="http://schemas.openxmlformats.org/presentationml/2006/main">
+  <p:cSld>
+    <p:spTree>
+      <p:nvGrpSpPr>
+        <p:cNvPr id="1" name=""/>
+        <p:cNvGrpSpPr/>
+        <p:nvPr/>
+      </p:nvGrpSpPr>
+      <p:grpSpPr>
+        <a:xfrm>
+          <a:off x="0" y="0"/>
+          <a:ext cx="0" cy="0"/>
+          <a:chOff x="0" y="0"/>
+          <a:chExt cx="0" cy="0"/>
+        </a:xfrm>
+      </p:grpSpPr>
+      <p:sp>
+        <p:nvSpPr>
+          <p:cNvPr id="26626" name="Título 1"/>
+          <p:cNvSpPr>
+            <a:spLocks noGrp="1"/>
+          </p:cNvSpPr>
+          <p:nvPr>
+            <p:ph type="title"/>
+          </p:nvPr>
+        </p:nvSpPr>
+        <p:spPr/>
+        <p:txBody>
+          <a:bodyPr/>
+          <a:lstStyle/>
+          <a:p>
+            <a:pPr eaLnBrk="1" hangingPunct="1"/>
+            <a:r>
+              <a:rPr lang="pt-BR" dirty="0" err="1" smtClean="0"/>
+              <a:t>Deadlock</a:t>
+            </a:r>
+            <a:endParaRPr lang="pt-BR" dirty="0" smtClean="0"/>
+          </a:p>
+        </p:txBody>
+      </p:sp>
+      <p:sp>
+        <p:nvSpPr>
+          <p:cNvPr id="26627" name="Espaço Reservado para Conteúdo 2"/>
+          <p:cNvSpPr>
+            <a:spLocks noGrp="1"/>
+          </p:cNvSpPr>
+          <p:nvPr>
+            <p:ph idx="1"/>
+          </p:nvPr>
+        </p:nvSpPr>
+        <p:spPr/>
+        <p:txBody>
+          <a:bodyPr/>
+          <a:lstStyle/>
+          <a:p>
+            <a:endParaRPr lang="pt-BR" smtClean="0"/>
+          </a:p>
+        </p:txBody>
+      </p:sp>
+      <p:sp>
+        <p:nvSpPr>
+          <p:cNvPr id="4" name="Espaço Reservado para Número de Slide 3"/>
+          <p:cNvSpPr>
+            <a:spLocks noGrp="1"/>
+          </p:cNvSpPr>
+          <p:nvPr>
+            <p:ph type="sldNum" sz="quarter" idx="12"/>
+          </p:nvPr>
+        </p:nvSpPr>
+        <p:spPr/>
+        <p:txBody>
+          <a:bodyPr/>
+          <a:lstStyle/>
+          <a:p>
+            <a:pPr>
+              <a:defRPr/>
+            </a:pPr>
+            <a:fld id="{A3E49AD4-F76A-4E25-A0A5-9CD64D5A0A0D}" type="slidenum">
+              <a:rPr lang="pt-BR" smtClean="0"/>
+              <a:pPr>
+                <a:defRPr/>
+              </a:pPr>
+              <a:t>25</a:t>
+            </a:fld>
+            <a:endParaRPr lang="pt-BR"/>
+          </a:p>
+        </p:txBody>
+      </p:sp>
+    </p:spTree>
+  </p:cSld>
+  <p:clrMapOvr>
+    <a:masterClrMapping/>
+  </p:clrMapOvr>
+</p:sld>
+</file>
+
+<file path=ppt/slides/slide26.xml><?xml version="1.0" encoding="utf-8"?>
+<p:sld xmlns:a="http://schemas.openxmlformats.org/drawingml/2006/main" xmlns:r="http://schemas.openxmlformats.org/officeDocument/2006/relationships" xmlns:p="http://schemas.openxmlformats.org/presentationml/2006/main">
+  <p:cSld>
+    <p:spTree>
+      <p:nvGrpSpPr>
+        <p:cNvPr id="1" name=""/>
+        <p:cNvGrpSpPr/>
+        <p:nvPr/>
+      </p:nvGrpSpPr>
+      <p:grpSpPr>
+        <a:xfrm>
+          <a:off x="0" y="0"/>
+          <a:ext cx="0" cy="0"/>
+          <a:chOff x="0" y="0"/>
+          <a:chExt cx="0" cy="0"/>
+        </a:xfrm>
+      </p:grpSpPr>
+      <p:sp>
+        <p:nvSpPr>
+          <p:cNvPr id="27650" name="Título 1"/>
+          <p:cNvSpPr>
+            <a:spLocks noGrp="1"/>
+          </p:cNvSpPr>
+          <p:nvPr>
+            <p:ph type="title"/>
+          </p:nvPr>
+        </p:nvSpPr>
+        <p:spPr/>
+        <p:txBody>
+          <a:bodyPr/>
+          <a:lstStyle/>
+          <a:p>
+            <a:pPr eaLnBrk="1" hangingPunct="1"/>
+            <a:r>
+              <a:rPr lang="pt-BR" dirty="0" smtClean="0"/>
+              <a:t>Interação entre threads</a:t>
+            </a:r>
+          </a:p>
+        </p:txBody>
+      </p:sp>
+      <p:sp>
+        <p:nvSpPr>
+          <p:cNvPr id="27651" name="Espaço Reservado para Conteúdo 2"/>
+          <p:cNvSpPr>
+            <a:spLocks noGrp="1"/>
+          </p:cNvSpPr>
+          <p:nvPr>
+            <p:ph idx="1"/>
+          </p:nvPr>
+        </p:nvSpPr>
+        <p:spPr/>
+        <p:txBody>
+          <a:bodyPr/>
+          <a:lstStyle/>
+          <a:p>
+            <a:endParaRPr lang="pt-BR" smtClean="0"/>
+          </a:p>
+        </p:txBody>
+      </p:sp>
+      <p:sp>
+        <p:nvSpPr>
+          <p:cNvPr id="4" name="Espaço Reservado para Número de Slide 3"/>
+          <p:cNvSpPr>
+            <a:spLocks noGrp="1"/>
+          </p:cNvSpPr>
+          <p:nvPr>
+            <p:ph type="sldNum" sz="quarter" idx="12"/>
+          </p:nvPr>
+        </p:nvSpPr>
+        <p:spPr/>
+        <p:txBody>
+          <a:bodyPr/>
+          <a:lstStyle/>
+          <a:p>
+            <a:pPr>
+              <a:defRPr/>
+            </a:pPr>
+            <a:fld id="{A3E49AD4-F76A-4E25-A0A5-9CD64D5A0A0D}" type="slidenum">
+              <a:rPr lang="pt-BR" smtClean="0"/>
+              <a:pPr>
+                <a:defRPr/>
+              </a:pPr>
+              <a:t>26</a:t>
+            </a:fld>
+            <a:endParaRPr lang="pt-BR"/>
+          </a:p>
+        </p:txBody>
+      </p:sp>
+    </p:spTree>
+  </p:cSld>
+  <p:clrMapOvr>
+    <a:masterClrMapping/>
+  </p:clrMapOvr>
 </p:sld>
 </file>
 
@@ -12673,15 +17943,7 @@
             </a:r>
             <a:r>
               <a:rPr lang="pt-BR" sz="2000" dirty="0" smtClean="0"/>
-              <a:t> e </a:t>
-            </a:r>
-            <a:r>
-              <a:rPr lang="pt-BR" sz="2000" dirty="0" smtClean="0"/>
-              <a:t>implemente </a:t>
-            </a:r>
-            <a:r>
-              <a:rPr lang="pt-BR" sz="2000" dirty="0" smtClean="0"/>
-              <a:t>o método </a:t>
+              <a:t> e implemente o método </a:t>
             </a:r>
             <a:r>
               <a:rPr lang="pt-BR" sz="2000" b="1" i="1" dirty="0" err="1" smtClean="0">
@@ -12731,35 +17993,7 @@
             </a:r>
             <a:r>
               <a:rPr lang="pt-BR" sz="2000" dirty="0" smtClean="0"/>
-              <a:t>.Thread </a:t>
-            </a:r>
-            <a:r>
-              <a:rPr lang="pt-BR" sz="2000" dirty="0" smtClean="0"/>
-              <a:t>passando </a:t>
-            </a:r>
-            <a:r>
-              <a:rPr lang="pt-BR" sz="2000" dirty="0" smtClean="0"/>
-              <a:t>em seu método construtor uma </a:t>
-            </a:r>
-            <a:r>
-              <a:rPr lang="pt-BR" sz="2000" dirty="0" smtClean="0"/>
-              <a:t>instância de sua </a:t>
-            </a:r>
-            <a:r>
-              <a:rPr lang="pt-BR" sz="2000" dirty="0" smtClean="0"/>
-              <a:t>classe de sua </a:t>
-            </a:r>
-            <a:r>
-              <a:rPr lang="pt-BR" sz="2000" dirty="0" smtClean="0"/>
-              <a:t>classe thread </a:t>
-            </a:r>
-            <a:r>
-              <a:rPr lang="pt-BR" sz="2000" dirty="0" smtClean="0"/>
-              <a:t>e então </a:t>
-            </a:r>
-            <a:r>
-              <a:rPr lang="pt-BR" sz="2000" dirty="0" smtClean="0"/>
-              <a:t>execute o seu método </a:t>
+              <a:t>.Thread passando em seu método construtor uma instância de sua classe de sua classe thread e então execute o seu método </a:t>
             </a:r>
             <a:r>
               <a:rPr lang="pt-BR" sz="2000" b="1" i="1" dirty="0" smtClean="0">
@@ -12767,23 +18001,11 @@
                   <a:srgbClr val="FFC000"/>
                 </a:solidFill>
               </a:rPr>
-              <a:t>start</a:t>
-            </a:r>
-            <a:r>
-              <a:rPr lang="pt-BR" sz="2000" b="1" i="1" dirty="0" smtClean="0">
-                <a:solidFill>
-                  <a:srgbClr val="FFC000"/>
-                </a:solidFill>
-              </a:rPr>
-              <a:t>()</a:t>
+              <a:t>start()</a:t>
             </a:r>
             <a:r>
               <a:rPr lang="pt-BR" sz="2000" dirty="0" smtClean="0"/>
-              <a:t> </a:t>
-            </a:r>
-            <a:r>
-              <a:rPr lang="pt-BR" sz="2000" dirty="0" smtClean="0"/>
-              <a:t>da thread</a:t>
+              <a:t> da thread</a:t>
             </a:r>
             <a:endParaRPr lang="pt-BR" sz="2000" b="1" i="1" dirty="0" smtClean="0">
               <a:solidFill>

--- a/2-Java-Programmer-Modulo-II/14.Capitulo08.pptx
+++ b/2-Java-Programmer-Modulo-II/14.Capitulo08.pptx
@@ -274,7 +274,7 @@
               <a:pPr>
                 <a:defRPr/>
               </a:pPr>
-              <a:t>18/04/2012</a:t>
+              <a:t>19/04/2012</a:t>
             </a:fld>
             <a:endParaRPr lang="pt-BR"/>
           </a:p>
@@ -3639,7 +3639,7 @@
               <a:pPr>
                 <a:defRPr/>
               </a:pPr>
-              <a:t>18/04/2012</a:t>
+              <a:t>19/04/2012</a:t>
             </a:fld>
             <a:endParaRPr lang="pt-BR"/>
           </a:p>
@@ -3838,7 +3838,7 @@
               <a:pPr>
                 <a:defRPr/>
               </a:pPr>
-              <a:t>18/04/2012</a:t>
+              <a:t>19/04/2012</a:t>
             </a:fld>
             <a:endParaRPr lang="pt-BR"/>
           </a:p>
@@ -4040,7 +4040,7 @@
               <a:pPr>
                 <a:defRPr/>
               </a:pPr>
-              <a:t>18/04/2012</a:t>
+              <a:t>19/04/2012</a:t>
             </a:fld>
             <a:endParaRPr lang="pt-BR"/>
           </a:p>
@@ -4236,7 +4236,7 @@
               <a:pPr>
                 <a:defRPr/>
               </a:pPr>
-              <a:t>18/04/2012</a:t>
+              <a:t>19/04/2012</a:t>
             </a:fld>
             <a:endParaRPr lang="pt-BR"/>
           </a:p>
@@ -4742,7 +4742,7 @@
               <a:pPr>
                 <a:defRPr/>
               </a:pPr>
-              <a:t>18/04/2012</a:t>
+              <a:t>19/04/2012</a:t>
             </a:fld>
             <a:endParaRPr lang="pt-BR"/>
           </a:p>
@@ -5033,7 +5033,7 @@
               <a:pPr>
                 <a:defRPr/>
               </a:pPr>
-              <a:t>18/04/2012</a:t>
+              <a:t>19/04/2012</a:t>
             </a:fld>
             <a:endParaRPr lang="pt-BR"/>
           </a:p>
@@ -5434,7 +5434,7 @@
               <a:pPr>
                 <a:defRPr/>
               </a:pPr>
-              <a:t>18/04/2012</a:t>
+              <a:t>19/04/2012</a:t>
             </a:fld>
             <a:endParaRPr lang="pt-BR"/>
           </a:p>
@@ -5583,7 +5583,7 @@
               <a:pPr>
                 <a:defRPr/>
               </a:pPr>
-              <a:t>18/04/2012</a:t>
+              <a:t>19/04/2012</a:t>
             </a:fld>
             <a:endParaRPr lang="pt-BR"/>
           </a:p>
@@ -5700,7 +5700,7 @@
               <a:pPr>
                 <a:defRPr/>
               </a:pPr>
-              <a:t>18/04/2012</a:t>
+              <a:t>19/04/2012</a:t>
             </a:fld>
             <a:endParaRPr lang="pt-BR"/>
           </a:p>
@@ -5976,7 +5976,7 @@
               <a:pPr>
                 <a:defRPr/>
               </a:pPr>
-              <a:t>18/04/2012</a:t>
+              <a:t>19/04/2012</a:t>
             </a:fld>
             <a:endParaRPr lang="pt-BR"/>
           </a:p>
@@ -6260,7 +6260,7 @@
               <a:pPr>
                 <a:defRPr/>
               </a:pPr>
-              <a:t>18/04/2012</a:t>
+              <a:t>19/04/2012</a:t>
             </a:fld>
             <a:endParaRPr lang="pt-BR"/>
           </a:p>
@@ -6738,7 +6738,7 @@
               <a:pPr>
                 <a:defRPr/>
               </a:pPr>
-              <a:t>18/04/2012</a:t>
+              <a:t>19/04/2012</a:t>
             </a:fld>
             <a:endParaRPr lang="pt-BR"/>
           </a:p>
@@ -8239,11 +8239,7 @@
             <a:pPr algn="ctr"/>
             <a:r>
               <a:rPr lang="pt-BR" sz="1600" dirty="0" smtClean="0"/>
-              <a:t>s</a:t>
-            </a:r>
-            <a:r>
-              <a:rPr lang="pt-BR" sz="1600" dirty="0" smtClean="0"/>
-              <a:t>er executada</a:t>
+              <a:t>ser executada</a:t>
             </a:r>
             <a:endParaRPr lang="pt-BR" sz="1600" dirty="0"/>
           </a:p>
@@ -8295,7 +8291,6 @@
               <a:rPr lang="pt-BR" sz="1600" dirty="0" smtClean="0"/>
               <a:t>Dormindo</a:t>
             </a:r>
-            <a:endParaRPr lang="pt-BR" sz="1600" dirty="0" smtClean="0"/>
           </a:p>
         </p:txBody>
       </p:sp>
@@ -8395,7 +8390,6 @@
               <a:rPr lang="pt-BR" sz="1600" dirty="0" smtClean="0"/>
               <a:t>Suspensa</a:t>
             </a:r>
-            <a:endParaRPr lang="pt-BR" sz="1600" dirty="0" smtClean="0"/>
           </a:p>
         </p:txBody>
       </p:sp>
@@ -8939,8 +8933,8 @@
         </p:nvSpPr>
         <p:spPr>
           <a:xfrm>
-            <a:off x="2627784" y="4509120"/>
-            <a:ext cx="5904656" cy="1728192"/>
+            <a:off x="4211960" y="1556792"/>
+            <a:ext cx="4320480" cy="4680520"/>
           </a:xfrm>
         </p:spPr>
         <p:txBody>
@@ -8956,9 +8950,42 @@
             <a:pPr marL="442913" lvl="1" indent="0">
               <a:buNone/>
             </a:pPr>
+            <a:endParaRPr lang="pt-BR" sz="2000" dirty="0" smtClean="0"/>
+          </a:p>
+          <a:p>
+            <a:pPr marL="442913" lvl="1" indent="0">
+              <a:buNone/>
+            </a:pPr>
             <a:r>
               <a:rPr lang="pt-BR" sz="2000" dirty="0" smtClean="0"/>
-              <a:t>Uma thread fica pronta para ser executada tão logo seu método start() é executado. Lá ela fica aguardando até que o JVM tenha oportunidade de executá-la</a:t>
+              <a:t>Uma thread fica pronta para ser executada tão logo seu método </a:t>
+            </a:r>
+            <a:r>
+              <a:rPr lang="pt-BR" sz="2000" dirty="0" smtClean="0">
+                <a:solidFill>
+                  <a:srgbClr val="FFC000"/>
+                </a:solidFill>
+              </a:rPr>
+              <a:t>start()</a:t>
+            </a:r>
+            <a:r>
+              <a:rPr lang="pt-BR" sz="2000" dirty="0" smtClean="0"/>
+              <a:t> seja chamado.</a:t>
+            </a:r>
+          </a:p>
+          <a:p>
+            <a:pPr marL="442913" lvl="1" indent="0">
+              <a:buNone/>
+            </a:pPr>
+            <a:endParaRPr lang="pt-BR" sz="2000" dirty="0" smtClean="0"/>
+          </a:p>
+          <a:p>
+            <a:pPr marL="442913" lvl="1" indent="0">
+              <a:buNone/>
+            </a:pPr>
+            <a:r>
+              <a:rPr lang="pt-BR" sz="2000" dirty="0" smtClean="0"/>
+              <a:t>Lá ela ficará aguardando até que o JVM tenha oportunidade de executá-la</a:t>
             </a:r>
             <a:endParaRPr lang="pt-BR" sz="2000" dirty="0"/>
           </a:p>
@@ -9096,11 +9123,7 @@
             <a:pPr algn="ctr"/>
             <a:r>
               <a:rPr lang="pt-BR" sz="1600" dirty="0" smtClean="0"/>
-              <a:t>s</a:t>
-            </a:r>
-            <a:r>
-              <a:rPr lang="pt-BR" sz="1600" dirty="0" smtClean="0"/>
-              <a:t>er executada</a:t>
+              <a:t>ser executada</a:t>
             </a:r>
             <a:endParaRPr lang="pt-BR" sz="1600" dirty="0"/>
           </a:p>
@@ -9109,12 +9132,15 @@
       <p:cxnSp>
         <p:nvCxnSpPr>
           <p:cNvPr id="15" name="Conector de seta reta 14"/>
-          <p:cNvCxnSpPr/>
+          <p:cNvCxnSpPr>
+            <a:stCxn id="6" idx="2"/>
+            <a:endCxn id="5" idx="0"/>
+          </p:cNvCxnSpPr>
           <p:nvPr/>
         </p:nvCxnSpPr>
         <p:spPr>
           <a:xfrm>
-            <a:off x="1259632" y="2852936"/>
+            <a:off x="1511660" y="2852936"/>
             <a:ext cx="0" cy="792088"/>
           </a:xfrm>
           <a:prstGeom prst="straightConnector1">
@@ -9233,7 +9259,7 @@
         <p:spPr>
           <a:xfrm>
             <a:off x="1547664" y="1700808"/>
-            <a:ext cx="864096" cy="360040"/>
+            <a:ext cx="1008112" cy="360040"/>
           </a:xfrm>
           <a:prstGeom prst="rect">
             <a:avLst/>
@@ -9265,12 +9291,20 @@
           <a:p>
             <a:pPr algn="ctr"/>
             <a:r>
+              <a:rPr lang="pt-BR" dirty="0" err="1" smtClean="0">
+                <a:solidFill>
+                  <a:srgbClr val="FFC000"/>
+                </a:solidFill>
+              </a:rPr>
+              <a:t>t.start</a:t>
+            </a:r>
+            <a:r>
               <a:rPr lang="pt-BR" dirty="0" smtClean="0">
                 <a:solidFill>
                   <a:srgbClr val="FFC000"/>
                 </a:solidFill>
               </a:rPr>
-              <a:t>start()</a:t>
+              <a:t>()</a:t>
             </a:r>
             <a:endParaRPr lang="pt-BR" dirty="0">
               <a:solidFill>
@@ -9347,8 +9381,8 @@
         </p:nvSpPr>
         <p:spPr>
           <a:xfrm>
-            <a:off x="2627784" y="4509120"/>
-            <a:ext cx="5904656" cy="1728192"/>
+            <a:off x="4211960" y="1556792"/>
+            <a:ext cx="4320480" cy="4680520"/>
           </a:xfrm>
         </p:spPr>
         <p:txBody>
@@ -9364,15 +9398,55 @@
             <a:pPr marL="442913" lvl="1" indent="0">
               <a:buNone/>
             </a:pPr>
+            <a:endParaRPr lang="pt-BR" sz="2000" dirty="0" smtClean="0"/>
+          </a:p>
+          <a:p>
+            <a:pPr marL="442913" lvl="1" indent="0">
+              <a:buNone/>
+            </a:pPr>
             <a:r>
               <a:rPr lang="pt-BR" sz="2000" dirty="0" smtClean="0"/>
-              <a:t>Durante a sua execução, uma thread pode deixar de ser executada, cedendo </a:t>
-            </a:r>
-            <a:r>
-              <a:rPr lang="pt-BR" sz="2000" smtClean="0"/>
-              <a:t>sua vez para </a:t>
-            </a:r>
+              <a:t>Durante a sua execução, uma thread pode ser </a:t>
+            </a:r>
+            <a:r>
+              <a:rPr lang="pt-BR" sz="2000" dirty="0" err="1" smtClean="0"/>
+              <a:t>momentanea-mente</a:t>
+            </a:r>
+            <a:r>
+              <a:rPr lang="pt-BR" sz="2000" dirty="0" smtClean="0"/>
+              <a:t> pausada cedendo sua vez para outras threads.</a:t>
+            </a:r>
+          </a:p>
+          <a:p>
+            <a:pPr marL="442913" lvl="1" indent="0">
+              <a:buNone/>
+            </a:pPr>
             <a:endParaRPr lang="pt-BR" sz="2000" dirty="0" smtClean="0"/>
+          </a:p>
+          <a:p>
+            <a:pPr marL="442913" lvl="1" indent="0">
+              <a:buNone/>
+            </a:pPr>
+            <a:r>
+              <a:rPr lang="pt-BR" sz="2000" dirty="0" smtClean="0"/>
+              <a:t>Esta pausa pode ser realizada por decisão do JVM ou por solicitação da própria thread que pode “ceder” sua vez através do método estático </a:t>
+            </a:r>
+            <a:r>
+              <a:rPr lang="pt-BR" sz="2000" dirty="0" err="1" smtClean="0">
+                <a:solidFill>
+                  <a:srgbClr val="FFC000"/>
+                </a:solidFill>
+              </a:rPr>
+              <a:t>yeld</a:t>
+            </a:r>
+            <a:r>
+              <a:rPr lang="pt-BR" sz="2000" dirty="0" smtClean="0">
+                <a:solidFill>
+                  <a:srgbClr val="FFC000"/>
+                </a:solidFill>
+              </a:rPr>
+              <a:t>()</a:t>
+            </a:r>
           </a:p>
         </p:txBody>
       </p:sp>
@@ -9508,107 +9582,24 @@
             <a:pPr algn="ctr"/>
             <a:r>
               <a:rPr lang="pt-BR" sz="1600" dirty="0" smtClean="0"/>
-              <a:t>s</a:t>
-            </a:r>
-            <a:r>
-              <a:rPr lang="pt-BR" sz="1600" dirty="0" smtClean="0"/>
-              <a:t>er executada</a:t>
+              <a:t>ser executada</a:t>
             </a:r>
             <a:endParaRPr lang="pt-BR" sz="1600" dirty="0"/>
-          </a:p>
-        </p:txBody>
-      </p:sp>
-      <p:cxnSp>
-        <p:nvCxnSpPr>
-          <p:cNvPr id="53" name="Conector de seta reta 52"/>
-          <p:cNvCxnSpPr/>
-          <p:nvPr/>
-        </p:nvCxnSpPr>
-        <p:spPr>
-          <a:xfrm>
-            <a:off x="1511300" y="1671960"/>
-            <a:ext cx="0" cy="460896"/>
-          </a:xfrm>
-          <a:prstGeom prst="straightConnector1">
-            <a:avLst/>
-          </a:prstGeom>
-          <a:ln w="38100">
-            <a:solidFill>
-              <a:schemeClr val="tx1"/>
-            </a:solidFill>
-            <a:tailEnd type="arrow"/>
-          </a:ln>
-        </p:spPr>
-        <p:style>
-          <a:lnRef idx="1">
-            <a:schemeClr val="accent1"/>
-          </a:lnRef>
-          <a:fillRef idx="0">
-            <a:schemeClr val="accent1"/>
-          </a:fillRef>
-          <a:effectRef idx="0">
-            <a:schemeClr val="accent1"/>
-          </a:effectRef>
-          <a:fontRef idx="minor">
-            <a:schemeClr val="tx1"/>
-          </a:fontRef>
-        </p:style>
-      </p:cxnSp>
-      <p:sp>
-        <p:nvSpPr>
-          <p:cNvPr id="55" name="Elipse 54"/>
-          <p:cNvSpPr/>
-          <p:nvPr/>
-        </p:nvSpPr>
-        <p:spPr>
-          <a:xfrm>
-            <a:off x="1403648" y="1556792"/>
-            <a:ext cx="216024" cy="216024"/>
-          </a:xfrm>
-          <a:prstGeom prst="ellipse">
-            <a:avLst/>
-          </a:prstGeom>
-          <a:solidFill>
-            <a:schemeClr val="tx1"/>
-          </a:solidFill>
-          <a:ln>
-            <a:noFill/>
-          </a:ln>
-        </p:spPr>
-        <p:style>
-          <a:lnRef idx="2">
-            <a:schemeClr val="accent1">
-              <a:shade val="50000"/>
-            </a:schemeClr>
-          </a:lnRef>
-          <a:fillRef idx="1">
-            <a:schemeClr val="accent1"/>
-          </a:fillRef>
-          <a:effectRef idx="0">
-            <a:schemeClr val="accent1"/>
-          </a:effectRef>
-          <a:fontRef idx="minor">
-            <a:schemeClr val="lt1"/>
-          </a:fontRef>
-        </p:style>
-        <p:txBody>
-          <a:bodyPr rtlCol="0" anchor="ctr"/>
-          <a:lstStyle/>
-          <a:p>
-            <a:pPr algn="ctr"/>
-            <a:endParaRPr lang="pt-BR"/>
           </a:p>
         </p:txBody>
       </p:sp>
       <p:cxnSp>
         <p:nvCxnSpPr>
           <p:cNvPr id="57" name="Conector de seta reta 56"/>
-          <p:cNvCxnSpPr/>
+          <p:cNvCxnSpPr>
+            <a:stCxn id="5" idx="0"/>
+            <a:endCxn id="6" idx="2"/>
+          </p:cNvCxnSpPr>
           <p:nvPr/>
         </p:nvCxnSpPr>
         <p:spPr>
           <a:xfrm flipV="1">
-            <a:off x="1763688" y="2852936"/>
+            <a:off x="1511660" y="2852936"/>
             <a:ext cx="0" cy="792088"/>
           </a:xfrm>
           <a:prstGeom prst="straightConnector1">
@@ -9644,8 +9635,8 @@
         </p:nvSpPr>
         <p:spPr>
           <a:xfrm>
-            <a:off x="1763688" y="3068960"/>
-            <a:ext cx="864096" cy="360040"/>
+            <a:off x="1547664" y="3068960"/>
+            <a:ext cx="1584176" cy="360040"/>
           </a:xfrm>
           <a:prstGeom prst="rect">
             <a:avLst/>
@@ -9676,6 +9667,14 @@
           <a:lstStyle/>
           <a:p>
             <a:pPr algn="ctr"/>
+            <a:r>
+              <a:rPr lang="pt-BR" dirty="0" smtClean="0">
+                <a:solidFill>
+                  <a:srgbClr val="FFC000"/>
+                </a:solidFill>
+              </a:rPr>
+              <a:t>Thread.</a:t>
+            </a:r>
             <a:r>
               <a:rPr lang="pt-BR" dirty="0" err="1" smtClean="0">
                 <a:solidFill>
@@ -9767,8 +9766,8 @@
         </p:nvSpPr>
         <p:spPr>
           <a:xfrm>
-            <a:off x="2627784" y="4509120"/>
-            <a:ext cx="5904656" cy="1728192"/>
+            <a:off x="2699792" y="1556792"/>
+            <a:ext cx="5976664" cy="4680520"/>
           </a:xfrm>
         </p:spPr>
         <p:txBody>
@@ -9776,14 +9775,78 @@
           <a:lstStyle/>
           <a:p>
             <a:r>
-              <a:rPr lang="pt-BR" sz="2400" dirty="0" smtClean="0"/>
+              <a:rPr lang="pt-BR" sz="2400" u="sng" dirty="0" smtClean="0"/>
               <a:t>Morta</a:t>
             </a:r>
           </a:p>
           <a:p>
-            <a:pPr lvl="1">
+            <a:pPr marL="442913" lvl="1" indent="0">
               <a:buNone/>
             </a:pPr>
+            <a:endParaRPr lang="pt-BR" sz="2000" dirty="0" smtClean="0"/>
+          </a:p>
+          <a:p>
+            <a:pPr marL="442913" lvl="1" indent="0">
+              <a:buNone/>
+            </a:pPr>
+            <a:r>
+              <a:rPr lang="pt-BR" sz="2000" dirty="0" smtClean="0"/>
+              <a:t>Uma thread é considerada morta quando o seu processamento já foi executado pelo JVM.</a:t>
+            </a:r>
+          </a:p>
+          <a:p>
+            <a:pPr marL="442913" lvl="1" indent="0">
+              <a:buNone/>
+            </a:pPr>
+            <a:endParaRPr lang="pt-BR" sz="2000" dirty="0" smtClean="0"/>
+          </a:p>
+          <a:p>
+            <a:pPr marL="442913" lvl="1" indent="0">
+              <a:buNone/>
+            </a:pPr>
+            <a:r>
+              <a:rPr lang="pt-BR" sz="2000" dirty="0" smtClean="0"/>
+              <a:t>Instâncias de threads mortas não podem ser reexecutadas. Caso seja necessário uma nova execução, crie uma nova instância da thread</a:t>
+            </a:r>
+            <a:r>
+              <a:rPr lang="pt-BR" sz="2000" dirty="0" smtClean="0"/>
+              <a:t>.</a:t>
+            </a:r>
+          </a:p>
+          <a:p>
+            <a:pPr marL="442913" lvl="1" indent="0">
+              <a:buNone/>
+            </a:pPr>
+            <a:endParaRPr lang="pt-BR" sz="2000" dirty="0" smtClean="0"/>
+          </a:p>
+          <a:p>
+            <a:pPr marL="442913" lvl="1" indent="0">
+              <a:buNone/>
+            </a:pPr>
+            <a:r>
+              <a:rPr lang="pt-BR" sz="2000" dirty="0" smtClean="0"/>
+              <a:t>Embora não seja recomendado, uma thread pode ser abruptamente morta através do método </a:t>
+            </a:r>
+            <a:r>
+              <a:rPr lang="pt-BR" sz="2000" dirty="0" err="1" smtClean="0">
+                <a:solidFill>
+                  <a:srgbClr val="FFC000"/>
+                </a:solidFill>
+              </a:rPr>
+              <a:t>stop</a:t>
+            </a:r>
+            <a:r>
+              <a:rPr lang="pt-BR" sz="2000" dirty="0" smtClean="0">
+                <a:solidFill>
+                  <a:srgbClr val="FFC000"/>
+                </a:solidFill>
+              </a:rPr>
+              <a:t>()</a:t>
+            </a:r>
+            <a:r>
+              <a:rPr lang="pt-BR" sz="2000" dirty="0" smtClean="0"/>
+              <a:t> que foi depreciado desde a versão 1.2</a:t>
+            </a:r>
             <a:endParaRPr lang="pt-BR" sz="2000" dirty="0"/>
           </a:p>
         </p:txBody>
@@ -9967,7 +10030,7 @@
         <p:spPr>
           <a:xfrm>
             <a:off x="1547664" y="4437112"/>
-            <a:ext cx="864096" cy="360040"/>
+            <a:ext cx="936104" cy="360040"/>
           </a:xfrm>
           <a:prstGeom prst="rect">
             <a:avLst/>
@@ -10004,7 +10067,7 @@
                   <a:srgbClr val="FFC000"/>
                 </a:solidFill>
               </a:rPr>
-              <a:t>stop</a:t>
+              <a:t>t.stop</a:t>
             </a:r>
             <a:r>
               <a:rPr lang="pt-BR" dirty="0" smtClean="0">
@@ -10089,8 +10152,8 @@
         </p:nvSpPr>
         <p:spPr>
           <a:xfrm>
-            <a:off x="2627784" y="4509120"/>
-            <a:ext cx="5904656" cy="1728192"/>
+            <a:off x="4211960" y="1556792"/>
+            <a:ext cx="4320480" cy="4680520"/>
           </a:xfrm>
         </p:spPr>
         <p:txBody>
@@ -10098,14 +10161,67 @@
           <a:lstStyle/>
           <a:p>
             <a:r>
-              <a:rPr lang="pt-BR" sz="2400" dirty="0" smtClean="0"/>
+              <a:rPr lang="pt-BR" sz="2400" u="sng" dirty="0" smtClean="0"/>
               <a:t>Dormindo</a:t>
             </a:r>
           </a:p>
           <a:p>
-            <a:pPr lvl="1">
+            <a:pPr marL="442913" lvl="1" indent="0">
               <a:buNone/>
             </a:pPr>
+            <a:endParaRPr lang="pt-BR" sz="2000" dirty="0" smtClean="0"/>
+          </a:p>
+          <a:p>
+            <a:pPr marL="442913" lvl="1" indent="0">
+              <a:buNone/>
+            </a:pPr>
+            <a:r>
+              <a:rPr lang="pt-BR" sz="2000" dirty="0" smtClean="0"/>
+              <a:t>Uma </a:t>
+            </a:r>
+            <a:r>
+              <a:rPr lang="pt-BR" sz="2000" dirty="0" smtClean="0"/>
+              <a:t>thread pode ser colocada para “dormir</a:t>
+            </a:r>
+            <a:r>
+              <a:rPr lang="pt-BR" sz="2000" dirty="0" smtClean="0"/>
+              <a:t>” através do método estático </a:t>
+            </a:r>
+            <a:r>
+              <a:rPr lang="pt-BR" sz="2000" dirty="0" err="1" smtClean="0">
+                <a:solidFill>
+                  <a:srgbClr val="FFC000"/>
+                </a:solidFill>
+              </a:rPr>
+              <a:t>sleep</a:t>
+            </a:r>
+            <a:r>
+              <a:rPr lang="pt-BR" sz="2000" dirty="0" smtClean="0">
+                <a:solidFill>
+                  <a:srgbClr val="FFC000"/>
+                </a:solidFill>
+              </a:rPr>
+              <a:t>()</a:t>
+            </a:r>
+            <a:r>
+              <a:rPr lang="pt-BR" sz="2000" dirty="0" smtClean="0"/>
+              <a:t> que faz com que a thread atual fique inativa durante o tempo solicitado.</a:t>
+            </a:r>
+          </a:p>
+          <a:p>
+            <a:pPr marL="442913" lvl="1" indent="0">
+              <a:buNone/>
+            </a:pPr>
+            <a:endParaRPr lang="pt-BR" sz="2000" dirty="0" smtClean="0"/>
+          </a:p>
+          <a:p>
+            <a:pPr marL="442913" lvl="1" indent="0">
+              <a:buNone/>
+            </a:pPr>
+            <a:r>
+              <a:rPr lang="pt-BR" sz="2000" dirty="0" smtClean="0"/>
+              <a:t>Após o tempo (especificado em milissegundos), a thread atual volta ao estado “Pronta para ser executada” aguardando sua nova oportunidade de execução.</a:t>
+            </a:r>
             <a:endParaRPr lang="pt-BR" sz="2000" dirty="0"/>
           </a:p>
         </p:txBody>
@@ -10240,11 +10356,7 @@
             <a:pPr algn="ctr"/>
             <a:r>
               <a:rPr lang="pt-BR" sz="1600" dirty="0" smtClean="0"/>
-              <a:t>s</a:t>
-            </a:r>
-            <a:r>
-              <a:rPr lang="pt-BR" sz="1600" dirty="0" smtClean="0"/>
-              <a:t>er executada</a:t>
+              <a:t>ser executada</a:t>
             </a:r>
             <a:endParaRPr lang="pt-BR" sz="1600" dirty="0"/>
           </a:p>
@@ -10386,8 +10498,8 @@
         </p:nvSpPr>
         <p:spPr>
           <a:xfrm>
-            <a:off x="3635896" y="3429000"/>
-            <a:ext cx="1440160" cy="360040"/>
+            <a:off x="2267744" y="3933056"/>
+            <a:ext cx="2232248" cy="360040"/>
           </a:xfrm>
           <a:prstGeom prst="rect">
             <a:avLst/>
@@ -10418,6 +10530,14 @@
           <a:lstStyle/>
           <a:p>
             <a:pPr algn="ctr"/>
+            <a:r>
+              <a:rPr lang="pt-BR" dirty="0" smtClean="0">
+                <a:solidFill>
+                  <a:srgbClr val="FFC000"/>
+                </a:solidFill>
+              </a:rPr>
+              <a:t>Thread.</a:t>
+            </a:r>
             <a:r>
               <a:rPr lang="pt-BR" dirty="0" err="1" smtClean="0">
                 <a:solidFill>
@@ -10520,13 +10640,13 @@
             <a:spLocks noGrp="1"/>
           </p:cNvSpPr>
           <p:nvPr>
-            <p:ph idx="1"/>
+            <p:ph sz="half" idx="1"/>
           </p:nvPr>
         </p:nvSpPr>
         <p:spPr>
           <a:xfrm>
-            <a:off x="2627784" y="4509120"/>
-            <a:ext cx="5904656" cy="1728192"/>
+            <a:off x="4211960" y="1556792"/>
+            <a:ext cx="4305672" cy="4525963"/>
           </a:xfrm>
         </p:spPr>
         <p:txBody>
@@ -10534,15 +10654,116 @@
           <a:lstStyle/>
           <a:p>
             <a:r>
-              <a:rPr lang="pt-BR" sz="2400" dirty="0" smtClean="0"/>
+              <a:rPr lang="pt-BR" sz="2400" u="sng" dirty="0" smtClean="0"/>
               <a:t>Suspensa</a:t>
             </a:r>
           </a:p>
           <a:p>
-            <a:pPr lvl="1">
+            <a:pPr marL="442913" lvl="1" indent="0">
               <a:buNone/>
             </a:pPr>
+            <a:endParaRPr lang="pt-BR" sz="2000" dirty="0" smtClean="0"/>
+          </a:p>
+          <a:p>
+            <a:pPr marL="442913" lvl="1" indent="0">
+              <a:buNone/>
+            </a:pPr>
+            <a:r>
+              <a:rPr lang="pt-BR" sz="2000" dirty="0" smtClean="0"/>
+              <a:t>Uma thread pode ser suspensa por tempo indeterminado através do método </a:t>
+            </a:r>
+            <a:r>
+              <a:rPr lang="pt-BR" sz="2000" dirty="0" err="1" smtClean="0">
+                <a:solidFill>
+                  <a:srgbClr val="FFC000"/>
+                </a:solidFill>
+              </a:rPr>
+              <a:t>suspend</a:t>
+            </a:r>
+            <a:r>
+              <a:rPr lang="pt-BR" sz="2000" dirty="0" smtClean="0">
+                <a:solidFill>
+                  <a:srgbClr val="FFC000"/>
+                </a:solidFill>
+              </a:rPr>
+              <a:t>()</a:t>
+            </a:r>
+            <a:r>
+              <a:rPr lang="pt-BR" sz="2000" dirty="0" smtClean="0"/>
+              <a:t>.</a:t>
+            </a:r>
+          </a:p>
+          <a:p>
+            <a:pPr marL="442913" lvl="1" indent="0">
+              <a:buNone/>
+            </a:pPr>
+            <a:endParaRPr lang="pt-BR" sz="2000" dirty="0" smtClean="0"/>
+          </a:p>
+          <a:p>
+            <a:pPr marL="442913" lvl="1" indent="0">
+              <a:buNone/>
+            </a:pPr>
+            <a:r>
+              <a:rPr lang="pt-BR" sz="2000" dirty="0" smtClean="0"/>
+              <a:t>Ao entrar no estado “suspenso” a thread pode ser trazida de volta ao seu ciclo normal pelo método </a:t>
+            </a:r>
+            <a:r>
+              <a:rPr lang="pt-BR" sz="2000" dirty="0" smtClean="0">
+                <a:solidFill>
+                  <a:srgbClr val="FFC000"/>
+                </a:solidFill>
+              </a:rPr>
+              <a:t>resume()</a:t>
+            </a:r>
+            <a:r>
+              <a:rPr lang="pt-BR" sz="2000" dirty="0" smtClean="0"/>
+              <a:t>.</a:t>
+            </a:r>
             <a:endParaRPr lang="pt-BR" sz="2000" dirty="0"/>
+          </a:p>
+        </p:txBody>
+      </p:sp>
+      <p:sp>
+        <p:nvSpPr>
+          <p:cNvPr id="23" name="Espaço Reservado para Conteúdo 22"/>
+          <p:cNvSpPr>
+            <a:spLocks noGrp="1"/>
+          </p:cNvSpPr>
+          <p:nvPr>
+            <p:ph sz="half" idx="2"/>
+          </p:nvPr>
+        </p:nvSpPr>
+        <p:spPr>
+          <a:xfrm>
+            <a:off x="611560" y="5301208"/>
+            <a:ext cx="7920880" cy="792088"/>
+          </a:xfrm>
+          <a:ln w="38100">
+            <a:solidFill>
+              <a:srgbClr val="FF0000"/>
+            </a:solidFill>
+          </a:ln>
+        </p:spPr>
+        <p:txBody>
+          <a:bodyPr/>
+          <a:lstStyle/>
+          <a:p>
+            <a:pPr marL="179388" indent="0">
+              <a:buNone/>
+            </a:pPr>
+            <a:r>
+              <a:rPr lang="pt-BR" sz="2000" dirty="0" smtClean="0"/>
+              <a:t>O estado “suspenso” e os métodos </a:t>
+            </a:r>
+            <a:r>
+              <a:rPr lang="pt-BR" sz="2000" dirty="0" err="1" smtClean="0"/>
+              <a:t>suspend</a:t>
+            </a:r>
+            <a:r>
+              <a:rPr lang="pt-BR" sz="2000" dirty="0" smtClean="0"/>
+              <a:t>() e resume() foram depreciados desde a versão 1.2 do Java.</a:t>
+            </a:r>
+            <a:endParaRPr lang="pt-BR" sz="2000" dirty="0" smtClean="0"/>
           </a:p>
         </p:txBody>
       </p:sp>
@@ -10676,11 +10897,7 @@
             <a:pPr algn="ctr"/>
             <a:r>
               <a:rPr lang="pt-BR" sz="1600" dirty="0" smtClean="0"/>
-              <a:t>s</a:t>
-            </a:r>
-            <a:r>
-              <a:rPr lang="pt-BR" sz="1600" dirty="0" smtClean="0"/>
-              <a:t>er executada</a:t>
+              <a:t>ser executada</a:t>
             </a:r>
             <a:endParaRPr lang="pt-BR" sz="1600" dirty="0"/>
           </a:p>
@@ -10694,7 +10911,7 @@
         </p:nvSpPr>
         <p:spPr>
           <a:xfrm>
-            <a:off x="4932040" y="2996952"/>
+            <a:off x="2843808" y="2996952"/>
             <a:ext cx="1512168" cy="432048"/>
           </a:xfrm>
           <a:prstGeom prst="rect">
@@ -10742,7 +10959,6 @@
         <p:nvCxnSpPr>
           <p:cNvPr id="18" name="Forma 17"/>
           <p:cNvCxnSpPr>
-            <a:stCxn id="5" idx="3"/>
             <a:endCxn id="9" idx="2"/>
           </p:cNvCxnSpPr>
           <p:nvPr/>
@@ -10750,7 +10966,7 @@
         <p:spPr>
           <a:xfrm flipV="1">
             <a:off x="2267744" y="3429000"/>
-            <a:ext cx="3420380" cy="576064"/>
+            <a:ext cx="1332148" cy="432048"/>
           </a:xfrm>
           <a:prstGeom prst="bentConnector2">
             <a:avLst/>
@@ -10782,14 +10998,13 @@
           <p:cNvPr id="28" name="Forma 27"/>
           <p:cNvCxnSpPr>
             <a:stCxn id="9" idx="0"/>
-            <a:endCxn id="6" idx="3"/>
           </p:cNvCxnSpPr>
           <p:nvPr/>
         </p:nvCxnSpPr>
         <p:spPr>
           <a:xfrm rot="16200000" flipV="1">
-            <a:off x="3725906" y="1034734"/>
-            <a:ext cx="504056" cy="3420380"/>
+            <a:off x="2753798" y="2150858"/>
+            <a:ext cx="360040" cy="1332148"/>
           </a:xfrm>
           <a:prstGeom prst="bentConnector2">
             <a:avLst/>
@@ -10824,8 +11039,8 @@
         </p:nvSpPr>
         <p:spPr>
           <a:xfrm>
-            <a:off x="5724128" y="2636912"/>
-            <a:ext cx="1152128" cy="360040"/>
+            <a:off x="2555776" y="2204864"/>
+            <a:ext cx="1368152" cy="360040"/>
           </a:xfrm>
           <a:prstGeom prst="rect">
             <a:avLst/>
@@ -10857,12 +11072,20 @@
           <a:p>
             <a:pPr algn="ctr"/>
             <a:r>
+              <a:rPr lang="pt-BR" dirty="0" err="1" smtClean="0">
+                <a:solidFill>
+                  <a:srgbClr val="FFC000"/>
+                </a:solidFill>
+              </a:rPr>
+              <a:t>t.resume</a:t>
+            </a:r>
+            <a:r>
               <a:rPr lang="pt-BR" dirty="0" smtClean="0">
                 <a:solidFill>
                   <a:srgbClr val="FFC000"/>
                 </a:solidFill>
               </a:rPr>
-              <a:t>resume()</a:t>
+              <a:t>()</a:t>
             </a:r>
             <a:endParaRPr lang="pt-BR" dirty="0">
               <a:solidFill>
@@ -10880,8 +11103,8 @@
         </p:nvSpPr>
         <p:spPr>
           <a:xfrm>
-            <a:off x="5724128" y="3429000"/>
-            <a:ext cx="1296144" cy="360040"/>
+            <a:off x="2555776" y="3933056"/>
+            <a:ext cx="1368152" cy="360040"/>
           </a:xfrm>
           <a:prstGeom prst="rect">
             <a:avLst/>
@@ -10918,7 +11141,7 @@
                   <a:srgbClr val="FFC000"/>
                 </a:solidFill>
               </a:rPr>
-              <a:t>suspend</a:t>
+              <a:t>t.suspend</a:t>
             </a:r>
             <a:r>
               <a:rPr lang="pt-BR" dirty="0" smtClean="0">
@@ -11003,8 +11226,8 @@
         </p:nvSpPr>
         <p:spPr>
           <a:xfrm>
-            <a:off x="2627784" y="4509120"/>
-            <a:ext cx="5904656" cy="1728192"/>
+            <a:off x="4211960" y="1556792"/>
+            <a:ext cx="4320480" cy="4680520"/>
           </a:xfrm>
         </p:spPr>
         <p:txBody>
@@ -11012,14 +11235,24 @@
           <a:lstStyle/>
           <a:p>
             <a:r>
-              <a:rPr lang="pt-BR" sz="2400" dirty="0" smtClean="0"/>
+              <a:rPr lang="pt-BR" sz="2400" u="sng" dirty="0" smtClean="0"/>
               <a:t>Bloqueada</a:t>
             </a:r>
           </a:p>
           <a:p>
-            <a:pPr lvl="1">
+            <a:pPr marL="442913" lvl="1" indent="0">
               <a:buNone/>
             </a:pPr>
+            <a:endParaRPr lang="pt-BR" sz="2000" dirty="0" smtClean="0"/>
+          </a:p>
+          <a:p>
+            <a:pPr marL="442913" lvl="1" indent="0">
+              <a:buNone/>
+            </a:pPr>
+            <a:r>
+              <a:rPr lang="pt-BR" sz="2000" dirty="0" smtClean="0"/>
+              <a:t>XXX</a:t>
+            </a:r>
             <a:endParaRPr lang="pt-BR" sz="2000" dirty="0"/>
           </a:p>
         </p:txBody>
@@ -11154,11 +11387,7 @@
             <a:pPr algn="ctr"/>
             <a:r>
               <a:rPr lang="pt-BR" sz="1600" dirty="0" smtClean="0"/>
-              <a:t>s</a:t>
-            </a:r>
-            <a:r>
-              <a:rPr lang="pt-BR" sz="1600" dirty="0" smtClean="0"/>
-              <a:t>er executada</a:t>
+              <a:t>ser executada</a:t>
             </a:r>
             <a:endParaRPr lang="pt-BR" sz="1600" dirty="0"/>
           </a:p>
@@ -11172,7 +11401,7 @@
         </p:nvSpPr>
         <p:spPr>
           <a:xfrm>
-            <a:off x="7020272" y="2996952"/>
+            <a:off x="2843808" y="2996952"/>
             <a:ext cx="1512168" cy="432048"/>
           </a:xfrm>
           <a:prstGeom prst="rect">
@@ -11227,7 +11456,7 @@
         <p:spPr>
           <a:xfrm flipV="1">
             <a:off x="2267744" y="3429000"/>
-            <a:ext cx="5508612" cy="720080"/>
+            <a:ext cx="1332148" cy="432048"/>
           </a:xfrm>
           <a:prstGeom prst="bentConnector2">
             <a:avLst/>
@@ -11264,8 +11493,8 @@
         </p:nvCxnSpPr>
         <p:spPr>
           <a:xfrm rot="16200000" flipV="1">
-            <a:off x="4698014" y="-81390"/>
-            <a:ext cx="648072" cy="5508612"/>
+            <a:off x="2753798" y="2150858"/>
+            <a:ext cx="360040" cy="1332148"/>
           </a:xfrm>
           <a:prstGeom prst="bentConnector2">
             <a:avLst/>
@@ -11300,8 +11529,8 @@
         </p:nvSpPr>
         <p:spPr>
           <a:xfrm>
-            <a:off x="7812360" y="2636912"/>
-            <a:ext cx="936104" cy="360040"/>
+            <a:off x="2555776" y="2204864"/>
+            <a:ext cx="1296144" cy="360040"/>
           </a:xfrm>
           <a:prstGeom prst="rect">
             <a:avLst/>
@@ -11338,6 +11567,30 @@
                   <a:srgbClr val="FFC000"/>
                 </a:solidFill>
               </a:rPr>
+              <a:t>o</a:t>
+            </a:r>
+            <a:r>
+              <a:rPr lang="pt-BR" dirty="0" err="1" smtClean="0">
+                <a:solidFill>
+                  <a:srgbClr val="FFC000"/>
+                </a:solidFill>
+              </a:rPr>
+              <a:t>bj</a:t>
+            </a:r>
+            <a:r>
+              <a:rPr lang="pt-BR" dirty="0" smtClean="0">
+                <a:solidFill>
+                  <a:srgbClr val="FFC000"/>
+                </a:solidFill>
+              </a:rPr>
+              <a:t>.</a:t>
+            </a:r>
+            <a:r>
+              <a:rPr lang="pt-BR" dirty="0" err="1" smtClean="0">
+                <a:solidFill>
+                  <a:srgbClr val="FFC000"/>
+                </a:solidFill>
+              </a:rPr>
               <a:t>notify</a:t>
             </a:r>
             <a:r>
@@ -11364,8 +11617,8 @@
         </p:nvSpPr>
         <p:spPr>
           <a:xfrm>
-            <a:off x="7740352" y="3429000"/>
-            <a:ext cx="936104" cy="360040"/>
+            <a:off x="2555776" y="3933056"/>
+            <a:ext cx="1296144" cy="360040"/>
           </a:xfrm>
           <a:prstGeom prst="rect">
             <a:avLst/>
@@ -11396,6 +11649,22 @@
           <a:lstStyle/>
           <a:p>
             <a:pPr algn="ctr"/>
+            <a:r>
+              <a:rPr lang="pt-BR" dirty="0" err="1" smtClean="0">
+                <a:solidFill>
+                  <a:srgbClr val="FFC000"/>
+                </a:solidFill>
+              </a:rPr>
+              <a:t>obj</a:t>
+            </a:r>
+            <a:r>
+              <a:rPr lang="pt-BR" dirty="0" smtClean="0">
+                <a:solidFill>
+                  <a:srgbClr val="FFC000"/>
+                </a:solidFill>
+              </a:rPr>
+              <a:t>.</a:t>
+            </a:r>
             <a:r>
               <a:rPr lang="pt-BR" dirty="0" err="1" smtClean="0">
                 <a:solidFill>
@@ -11605,11 +11874,7 @@
             <a:pPr algn="ctr"/>
             <a:r>
               <a:rPr lang="pt-BR" sz="1600" dirty="0" smtClean="0"/>
-              <a:t>s</a:t>
-            </a:r>
-            <a:r>
-              <a:rPr lang="pt-BR" sz="1600" dirty="0" smtClean="0"/>
-              <a:t>er executada</a:t>
+              <a:t>ser executada</a:t>
             </a:r>
             <a:endParaRPr lang="pt-BR" sz="1600" dirty="0"/>
           </a:p>
@@ -11661,7 +11926,6 @@
               <a:rPr lang="pt-BR" sz="1600" dirty="0" smtClean="0"/>
               <a:t>Dormindo</a:t>
             </a:r>
-            <a:endParaRPr lang="pt-BR" sz="1600" dirty="0" smtClean="0"/>
           </a:p>
         </p:txBody>
       </p:sp>
@@ -11761,7 +12025,6 @@
               <a:rPr lang="pt-BR" sz="1600" dirty="0" smtClean="0"/>
               <a:t>Suspensa</a:t>
             </a:r>
-            <a:endParaRPr lang="pt-BR" sz="1600" dirty="0" smtClean="0"/>
           </a:p>
         </p:txBody>
       </p:sp>
@@ -14675,7 +14938,7 @@
               </a:spcBef>
             </a:pPr>
             <a:r>
-              <a:rPr lang="pt-BR" dirty="0" smtClean="0"/>
+              <a:rPr lang="pt-BR" sz="2800" dirty="0" smtClean="0"/>
               <a:t>Através do uso de múltiplas threads podemos realizar o processamento simultâneo de partes diferentes de sua aplicação.</a:t>
             </a:r>
           </a:p>
@@ -14686,30 +14949,30 @@
               </a:spcBef>
             </a:pPr>
             <a:r>
-              <a:rPr lang="pt-BR" dirty="0" smtClean="0"/>
+              <a:rPr lang="pt-BR" sz="2800" dirty="0" smtClean="0"/>
               <a:t>O desenvolvimento de aplicações que possuem múltiplas threads é chamada </a:t>
             </a:r>
             <a:r>
-              <a:rPr lang="pt-BR" b="1" i="1" dirty="0" smtClean="0"/>
+              <a:rPr lang="pt-BR" sz="2800" b="1" i="1" dirty="0" smtClean="0"/>
               <a:t>programação </a:t>
             </a:r>
             <a:r>
-              <a:rPr lang="pt-BR" b="1" i="1" dirty="0" err="1" smtClean="0"/>
+              <a:rPr lang="pt-BR" sz="2800" b="1" i="1" dirty="0" err="1" smtClean="0"/>
               <a:t>multithreaded</a:t>
             </a:r>
             <a:r>
-              <a:rPr lang="pt-BR" dirty="0" smtClean="0"/>
+              <a:rPr lang="pt-BR" sz="2800" dirty="0" smtClean="0"/>
               <a:t> ou </a:t>
             </a:r>
             <a:r>
-              <a:rPr lang="pt-BR" b="1" i="1" dirty="0" smtClean="0"/>
+              <a:rPr lang="pt-BR" sz="2800" b="1" i="1" dirty="0" smtClean="0"/>
               <a:t>programação concorrente</a:t>
             </a:r>
             <a:r>
-              <a:rPr lang="pt-BR" dirty="0" smtClean="0"/>
+              <a:rPr lang="pt-BR" sz="2800" dirty="0" smtClean="0"/>
               <a:t>.</a:t>
             </a:r>
-            <a:endParaRPr lang="pt-BR" b="1" i="1" dirty="0" smtClean="0"/>
+            <a:endParaRPr lang="pt-BR" sz="2800" b="1" i="1" dirty="0" smtClean="0"/>
           </a:p>
           <a:p>
             <a:pPr>
@@ -14717,7 +14980,7 @@
                 <a:spcPts val="3000"/>
               </a:spcBef>
             </a:pPr>
-            <a:endParaRPr lang="pt-BR" dirty="0" smtClean="0"/>
+            <a:endParaRPr lang="pt-BR" sz="2800" dirty="0" smtClean="0"/>
           </a:p>
         </p:txBody>
       </p:sp>

--- a/2-Java-Programmer-Modulo-II/14.Capitulo08.pptx
+++ b/2-Java-Programmer-Modulo-II/14.Capitulo08.pptx
@@ -5,7 +5,7 @@
     <p:sldMasterId id="2147483660" r:id="rId1"/>
   </p:sldMasterIdLst>
   <p:notesMasterIdLst>
-    <p:notesMasterId r:id="rId28"/>
+    <p:notesMasterId r:id="rId29"/>
   </p:notesMasterIdLst>
   <p:sldIdLst>
     <p:sldId id="256" r:id="rId2"/>
@@ -18,22 +18,23 @@
     <p:sldId id="300" r:id="rId9"/>
     <p:sldId id="324" r:id="rId10"/>
     <p:sldId id="325" r:id="rId11"/>
-    <p:sldId id="303" r:id="rId12"/>
-    <p:sldId id="304" r:id="rId13"/>
-    <p:sldId id="326" r:id="rId14"/>
-    <p:sldId id="328" r:id="rId15"/>
-    <p:sldId id="327" r:id="rId16"/>
-    <p:sldId id="330" r:id="rId17"/>
-    <p:sldId id="329" r:id="rId18"/>
-    <p:sldId id="331" r:id="rId19"/>
-    <p:sldId id="332" r:id="rId20"/>
-    <p:sldId id="305" r:id="rId21"/>
-    <p:sldId id="306" r:id="rId22"/>
-    <p:sldId id="318" r:id="rId23"/>
-    <p:sldId id="311" r:id="rId24"/>
-    <p:sldId id="315" r:id="rId25"/>
-    <p:sldId id="316" r:id="rId26"/>
-    <p:sldId id="317" r:id="rId27"/>
+    <p:sldId id="333" r:id="rId12"/>
+    <p:sldId id="303" r:id="rId13"/>
+    <p:sldId id="304" r:id="rId14"/>
+    <p:sldId id="326" r:id="rId15"/>
+    <p:sldId id="328" r:id="rId16"/>
+    <p:sldId id="327" r:id="rId17"/>
+    <p:sldId id="330" r:id="rId18"/>
+    <p:sldId id="329" r:id="rId19"/>
+    <p:sldId id="331" r:id="rId20"/>
+    <p:sldId id="332" r:id="rId21"/>
+    <p:sldId id="305" r:id="rId22"/>
+    <p:sldId id="306" r:id="rId23"/>
+    <p:sldId id="318" r:id="rId24"/>
+    <p:sldId id="311" r:id="rId25"/>
+    <p:sldId id="315" r:id="rId26"/>
+    <p:sldId id="316" r:id="rId27"/>
+    <p:sldId id="317" r:id="rId28"/>
   </p:sldIdLst>
   <p:sldSz cx="9144000" cy="6858000" type="screen4x3"/>
   <p:notesSz cx="6858000" cy="9144000"/>
@@ -274,7 +275,7 @@
               <a:pPr>
                 <a:defRPr/>
               </a:pPr>
-              <a:t>19/04/2012</a:t>
+              <a:t>20/04/2012</a:t>
             </a:fld>
             <a:endParaRPr lang="pt-BR"/>
           </a:p>
@@ -462,7 +463,7 @@
               <a:pPr>
                 <a:defRPr/>
               </a:pPr>
-              <a:t>‹nº›</a:t>
+              <a:t>‹#›</a:t>
             </a:fld>
             <a:endParaRPr lang="pt-BR"/>
           </a:p>
@@ -844,29 +845,19 @@
       </p:grpSpPr>
       <p:sp>
         <p:nvSpPr>
-          <p:cNvPr id="35842" name="Espaço Reservado para Imagem de Slide 1"/>
-          <p:cNvSpPr>
-            <a:spLocks noGrp="1" noRot="1" noChangeAspect="1" noTextEdit="1"/>
+          <p:cNvPr id="2" name="Slide Image Placeholder 1"/>
+          <p:cNvSpPr>
+            <a:spLocks noGrp="1" noRot="1" noChangeAspect="1"/>
           </p:cNvSpPr>
           <p:nvPr>
             <p:ph type="sldImg"/>
           </p:nvPr>
         </p:nvSpPr>
-        <p:spPr bwMode="auto">
-          <a:noFill/>
-          <a:ln>
-            <a:solidFill>
-              <a:srgbClr val="000000"/>
-            </a:solidFill>
-            <a:miter lim="800000"/>
-            <a:headEnd/>
-            <a:tailEnd/>
-          </a:ln>
-        </p:spPr>
-      </p:sp>
-      <p:sp>
-        <p:nvSpPr>
-          <p:cNvPr id="35843" name="Espaço Reservado para Anotações 2"/>
+        <p:spPr/>
+      </p:sp>
+      <p:sp>
+        <p:nvSpPr>
+          <p:cNvPr id="3" name="Notes Placeholder 2"/>
           <p:cNvSpPr>
             <a:spLocks noGrp="1"/>
           </p:cNvSpPr>
@@ -874,29 +865,25 @@
             <p:ph type="body" idx="1"/>
           </p:nvPr>
         </p:nvSpPr>
-        <p:spPr bwMode="auto">
-          <a:noFill/>
-        </p:spPr>
-        <p:txBody>
-          <a:bodyPr wrap="square" numCol="1" anchor="t" anchorCtr="0" compatLnSpc="1">
-            <a:prstTxWarp prst="textNoShape">
-              <a:avLst/>
-            </a:prstTxWarp>
+        <p:spPr/>
+        <p:txBody>
+          <a:bodyPr>
+            <a:normAutofit/>
           </a:bodyPr>
           <a:lstStyle/>
           <a:p>
-            <a:endParaRPr lang="pt-BR" smtClean="0"/>
-          </a:p>
-        </p:txBody>
-      </p:sp>
-      <p:sp>
-        <p:nvSpPr>
-          <p:cNvPr id="4" name="Espaço Reservado para Número de Slide 3"/>
-          <p:cNvSpPr>
-            <a:spLocks noGrp="1"/>
-          </p:cNvSpPr>
-          <p:nvPr>
-            <p:ph type="sldNum" sz="quarter" idx="5"/>
+            <a:endParaRPr lang="pt-BR"/>
+          </a:p>
+        </p:txBody>
+      </p:sp>
+      <p:sp>
+        <p:nvSpPr>
+          <p:cNvPr id="4" name="Slide Number Placeholder 3"/>
+          <p:cNvSpPr>
+            <a:spLocks noGrp="1"/>
+          </p:cNvSpPr>
+          <p:nvPr>
+            <p:ph type="sldNum" sz="quarter" idx="10"/>
           </p:nvPr>
         </p:nvSpPr>
         <p:spPr/>
@@ -907,7 +894,7 @@
             <a:pPr>
               <a:defRPr/>
             </a:pPr>
-            <a:fld id="{21092793-6167-4EF9-87CE-E31DF842B0B9}" type="slidenum">
+            <a:fld id="{D45731A0-D324-45D2-92B5-75F23FA6F9F4}" type="slidenum">
               <a:rPr lang="pt-BR" smtClean="0"/>
               <a:pPr>
                 <a:defRPr/>
@@ -945,7 +932,7 @@
       </p:grpSpPr>
       <p:sp>
         <p:nvSpPr>
-          <p:cNvPr id="36866" name="Espaço Reservado para Imagem de Slide 1"/>
+          <p:cNvPr id="35842" name="Espaço Reservado para Imagem de Slide 1"/>
           <p:cNvSpPr>
             <a:spLocks noGrp="1" noRot="1" noChangeAspect="1" noTextEdit="1"/>
           </p:cNvSpPr>
@@ -967,7 +954,7 @@
       </p:sp>
       <p:sp>
         <p:nvSpPr>
-          <p:cNvPr id="36867" name="Espaço Reservado para Anotações 2"/>
+          <p:cNvPr id="35843" name="Espaço Reservado para Anotações 2"/>
           <p:cNvSpPr>
             <a:spLocks noGrp="1"/>
           </p:cNvSpPr>
@@ -1008,7 +995,7 @@
             <a:pPr>
               <a:defRPr/>
             </a:pPr>
-            <a:fld id="{9C861F01-F594-4F8E-816C-7353D6F44AC2}" type="slidenum">
+            <a:fld id="{21092793-6167-4EF9-87CE-E31DF842B0B9}" type="slidenum">
               <a:rPr lang="pt-BR" smtClean="0"/>
               <a:pPr>
                 <a:defRPr/>
@@ -1840,7 +1827,7 @@
       </p:grpSpPr>
       <p:sp>
         <p:nvSpPr>
-          <p:cNvPr id="37890" name="Espaço Reservado para Imagem de Slide 1"/>
+          <p:cNvPr id="36866" name="Espaço Reservado para Imagem de Slide 1"/>
           <p:cNvSpPr>
             <a:spLocks noGrp="1" noRot="1" noChangeAspect="1" noTextEdit="1"/>
           </p:cNvSpPr>
@@ -1862,7 +1849,7 @@
       </p:sp>
       <p:sp>
         <p:nvSpPr>
-          <p:cNvPr id="37891" name="Espaço Reservado para Anotações 2"/>
+          <p:cNvPr id="36867" name="Espaço Reservado para Anotações 2"/>
           <p:cNvSpPr>
             <a:spLocks noGrp="1"/>
           </p:cNvSpPr>
@@ -1903,7 +1890,7 @@
             <a:pPr>
               <a:defRPr/>
             </a:pPr>
-            <a:fld id="{CE299FDD-0BF1-4951-98DD-C05CFD2239CC}" type="slidenum">
+            <a:fld id="{9C861F01-F594-4F8E-816C-7353D6F44AC2}" type="slidenum">
               <a:rPr lang="pt-BR" smtClean="0"/>
               <a:pPr>
                 <a:defRPr/>
@@ -1941,7 +1928,7 @@
       </p:grpSpPr>
       <p:sp>
         <p:nvSpPr>
-          <p:cNvPr id="38914" name="Espaço Reservado para Imagem de Slide 1"/>
+          <p:cNvPr id="37890" name="Espaço Reservado para Imagem de Slide 1"/>
           <p:cNvSpPr>
             <a:spLocks noGrp="1" noRot="1" noChangeAspect="1" noTextEdit="1"/>
           </p:cNvSpPr>
@@ -1963,7 +1950,7 @@
       </p:sp>
       <p:sp>
         <p:nvSpPr>
-          <p:cNvPr id="38915" name="Espaço Reservado para Anotações 2"/>
+          <p:cNvPr id="37891" name="Espaço Reservado para Anotações 2"/>
           <p:cNvSpPr>
             <a:spLocks noGrp="1"/>
           </p:cNvSpPr>
@@ -2004,7 +1991,7 @@
             <a:pPr>
               <a:defRPr/>
             </a:pPr>
-            <a:fld id="{9F5A471A-2AFD-4B8A-A9A0-DB29F3D740CE}" type="slidenum">
+            <a:fld id="{CE299FDD-0BF1-4951-98DD-C05CFD2239CC}" type="slidenum">
               <a:rPr lang="pt-BR" smtClean="0"/>
               <a:pPr>
                 <a:defRPr/>
@@ -2042,19 +2029,29 @@
       </p:grpSpPr>
       <p:sp>
         <p:nvSpPr>
-          <p:cNvPr id="2" name="Espaço Reservado para Imagem de Slide 1"/>
-          <p:cNvSpPr>
-            <a:spLocks noGrp="1" noRot="1" noChangeAspect="1"/>
+          <p:cNvPr id="38914" name="Espaço Reservado para Imagem de Slide 1"/>
+          <p:cNvSpPr>
+            <a:spLocks noGrp="1" noRot="1" noChangeAspect="1" noTextEdit="1"/>
           </p:cNvSpPr>
           <p:nvPr>
             <p:ph type="sldImg"/>
           </p:nvPr>
         </p:nvSpPr>
-        <p:spPr/>
-      </p:sp>
-      <p:sp>
-        <p:nvSpPr>
-          <p:cNvPr id="3" name="Espaço Reservado para Anotações 2"/>
+        <p:spPr bwMode="auto">
+          <a:noFill/>
+          <a:ln>
+            <a:solidFill>
+              <a:srgbClr val="000000"/>
+            </a:solidFill>
+            <a:miter lim="800000"/>
+            <a:headEnd/>
+            <a:tailEnd/>
+          </a:ln>
+        </p:spPr>
+      </p:sp>
+      <p:sp>
+        <p:nvSpPr>
+          <p:cNvPr id="38915" name="Espaço Reservado para Anotações 2"/>
           <p:cNvSpPr>
             <a:spLocks noGrp="1"/>
           </p:cNvSpPr>
@@ -2062,14 +2059,18 @@
             <p:ph type="body" idx="1"/>
           </p:nvPr>
         </p:nvSpPr>
-        <p:spPr/>
-        <p:txBody>
-          <a:bodyPr>
-            <a:normAutofit/>
+        <p:spPr bwMode="auto">
+          <a:noFill/>
+        </p:spPr>
+        <p:txBody>
+          <a:bodyPr wrap="square" numCol="1" anchor="t" anchorCtr="0" compatLnSpc="1">
+            <a:prstTxWarp prst="textNoShape">
+              <a:avLst/>
+            </a:prstTxWarp>
           </a:bodyPr>
           <a:lstStyle/>
           <a:p>
-            <a:endParaRPr lang="pt-BR"/>
+            <a:endParaRPr lang="pt-BR" smtClean="0"/>
           </a:p>
         </p:txBody>
       </p:sp>
@@ -2080,7 +2081,7 @@
             <a:spLocks noGrp="1"/>
           </p:cNvSpPr>
           <p:nvPr>
-            <p:ph type="sldNum" sz="quarter" idx="10"/>
+            <p:ph type="sldNum" sz="quarter" idx="5"/>
           </p:nvPr>
         </p:nvSpPr>
         <p:spPr/>
@@ -2091,7 +2092,7 @@
             <a:pPr>
               <a:defRPr/>
             </a:pPr>
-            <a:fld id="{D45731A0-D324-45D2-92B5-75F23FA6F9F4}" type="slidenum">
+            <a:fld id="{9F5A471A-2AFD-4B8A-A9A0-DB29F3D740CE}" type="slidenum">
               <a:rPr lang="pt-BR" smtClean="0"/>
               <a:pPr>
                 <a:defRPr/>
@@ -2129,29 +2130,19 @@
       </p:grpSpPr>
       <p:sp>
         <p:nvSpPr>
-          <p:cNvPr id="44034" name="Espaço Reservado para Imagem de Slide 1"/>
-          <p:cNvSpPr>
-            <a:spLocks noGrp="1" noRot="1" noChangeAspect="1" noTextEdit="1"/>
+          <p:cNvPr id="2" name="Espaço Reservado para Imagem de Slide 1"/>
+          <p:cNvSpPr>
+            <a:spLocks noGrp="1" noRot="1" noChangeAspect="1"/>
           </p:cNvSpPr>
           <p:nvPr>
             <p:ph type="sldImg"/>
           </p:nvPr>
         </p:nvSpPr>
-        <p:spPr bwMode="auto">
-          <a:noFill/>
-          <a:ln>
-            <a:solidFill>
-              <a:srgbClr val="000000"/>
-            </a:solidFill>
-            <a:miter lim="800000"/>
-            <a:headEnd/>
-            <a:tailEnd/>
-          </a:ln>
-        </p:spPr>
-      </p:sp>
-      <p:sp>
-        <p:nvSpPr>
-          <p:cNvPr id="44035" name="Espaço Reservado para Anotações 2"/>
+        <p:spPr/>
+      </p:sp>
+      <p:sp>
+        <p:nvSpPr>
+          <p:cNvPr id="3" name="Espaço Reservado para Anotações 2"/>
           <p:cNvSpPr>
             <a:spLocks noGrp="1"/>
           </p:cNvSpPr>
@@ -2159,18 +2150,14 @@
             <p:ph type="body" idx="1"/>
           </p:nvPr>
         </p:nvSpPr>
-        <p:spPr bwMode="auto">
-          <a:noFill/>
-        </p:spPr>
-        <p:txBody>
-          <a:bodyPr wrap="square" numCol="1" anchor="t" anchorCtr="0" compatLnSpc="1">
-            <a:prstTxWarp prst="textNoShape">
-              <a:avLst/>
-            </a:prstTxWarp>
+        <p:spPr/>
+        <p:txBody>
+          <a:bodyPr>
+            <a:normAutofit/>
           </a:bodyPr>
           <a:lstStyle/>
           <a:p>
-            <a:endParaRPr lang="pt-BR" smtClean="0"/>
+            <a:endParaRPr lang="pt-BR"/>
           </a:p>
         </p:txBody>
       </p:sp>
@@ -2181,7 +2168,7 @@
             <a:spLocks noGrp="1"/>
           </p:cNvSpPr>
           <p:nvPr>
-            <p:ph type="sldNum" sz="quarter" idx="5"/>
+            <p:ph type="sldNum" sz="quarter" idx="10"/>
           </p:nvPr>
         </p:nvSpPr>
         <p:spPr/>
@@ -2192,7 +2179,7 @@
             <a:pPr>
               <a:defRPr/>
             </a:pPr>
-            <a:fld id="{45A3F917-E589-43AF-86DB-C0714EEE8960}" type="slidenum">
+            <a:fld id="{D45731A0-D324-45D2-92B5-75F23FA6F9F4}" type="slidenum">
               <a:rPr lang="pt-BR" smtClean="0"/>
               <a:pPr>
                 <a:defRPr/>
@@ -2230,7 +2217,7 @@
       </p:grpSpPr>
       <p:sp>
         <p:nvSpPr>
-          <p:cNvPr id="48130" name="Espaço Reservado para Imagem de Slide 1"/>
+          <p:cNvPr id="44034" name="Espaço Reservado para Imagem de Slide 1"/>
           <p:cNvSpPr>
             <a:spLocks noGrp="1" noRot="1" noChangeAspect="1" noTextEdit="1"/>
           </p:cNvSpPr>
@@ -2252,7 +2239,7 @@
       </p:sp>
       <p:sp>
         <p:nvSpPr>
-          <p:cNvPr id="48131" name="Espaço Reservado para Anotações 2"/>
+          <p:cNvPr id="44035" name="Espaço Reservado para Anotações 2"/>
           <p:cNvSpPr>
             <a:spLocks noGrp="1"/>
           </p:cNvSpPr>
@@ -2293,7 +2280,7 @@
             <a:pPr>
               <a:defRPr/>
             </a:pPr>
-            <a:fld id="{48A4B3DD-DC3A-4A1F-BDF3-5FDBAE99314D}" type="slidenum">
+            <a:fld id="{45A3F917-E589-43AF-86DB-C0714EEE8960}" type="slidenum">
               <a:rPr lang="pt-BR" smtClean="0"/>
               <a:pPr>
                 <a:defRPr/>
@@ -2331,7 +2318,7 @@
       </p:grpSpPr>
       <p:sp>
         <p:nvSpPr>
-          <p:cNvPr id="49154" name="Espaço Reservado para Imagem de Slide 1"/>
+          <p:cNvPr id="48130" name="Espaço Reservado para Imagem de Slide 1"/>
           <p:cNvSpPr>
             <a:spLocks noGrp="1" noRot="1" noChangeAspect="1" noTextEdit="1"/>
           </p:cNvSpPr>
@@ -2353,7 +2340,7 @@
       </p:sp>
       <p:sp>
         <p:nvSpPr>
-          <p:cNvPr id="49155" name="Espaço Reservado para Anotações 2"/>
+          <p:cNvPr id="48131" name="Espaço Reservado para Anotações 2"/>
           <p:cNvSpPr>
             <a:spLocks noGrp="1"/>
           </p:cNvSpPr>
@@ -2394,7 +2381,7 @@
             <a:pPr>
               <a:defRPr/>
             </a:pPr>
-            <a:fld id="{94627C42-8E0D-4C50-A726-3D908F1BD667}" type="slidenum">
+            <a:fld id="{48A4B3DD-DC3A-4A1F-BDF3-5FDBAE99314D}" type="slidenum">
               <a:rPr lang="pt-BR" smtClean="0"/>
               <a:pPr>
                 <a:defRPr/>
@@ -2432,7 +2419,7 @@
       </p:grpSpPr>
       <p:sp>
         <p:nvSpPr>
-          <p:cNvPr id="50178" name="Espaço Reservado para Imagem de Slide 1"/>
+          <p:cNvPr id="49154" name="Espaço Reservado para Imagem de Slide 1"/>
           <p:cNvSpPr>
             <a:spLocks noGrp="1" noRot="1" noChangeAspect="1" noTextEdit="1"/>
           </p:cNvSpPr>
@@ -2454,6 +2441,107 @@
       </p:sp>
       <p:sp>
         <p:nvSpPr>
+          <p:cNvPr id="49155" name="Espaço Reservado para Anotações 2"/>
+          <p:cNvSpPr>
+            <a:spLocks noGrp="1"/>
+          </p:cNvSpPr>
+          <p:nvPr>
+            <p:ph type="body" idx="1"/>
+          </p:nvPr>
+        </p:nvSpPr>
+        <p:spPr bwMode="auto">
+          <a:noFill/>
+        </p:spPr>
+        <p:txBody>
+          <a:bodyPr wrap="square" numCol="1" anchor="t" anchorCtr="0" compatLnSpc="1">
+            <a:prstTxWarp prst="textNoShape">
+              <a:avLst/>
+            </a:prstTxWarp>
+          </a:bodyPr>
+          <a:lstStyle/>
+          <a:p>
+            <a:endParaRPr lang="pt-BR" smtClean="0"/>
+          </a:p>
+        </p:txBody>
+      </p:sp>
+      <p:sp>
+        <p:nvSpPr>
+          <p:cNvPr id="4" name="Espaço Reservado para Número de Slide 3"/>
+          <p:cNvSpPr>
+            <a:spLocks noGrp="1"/>
+          </p:cNvSpPr>
+          <p:nvPr>
+            <p:ph type="sldNum" sz="quarter" idx="5"/>
+          </p:nvPr>
+        </p:nvSpPr>
+        <p:spPr/>
+        <p:txBody>
+          <a:bodyPr/>
+          <a:lstStyle/>
+          <a:p>
+            <a:pPr>
+              <a:defRPr/>
+            </a:pPr>
+            <a:fld id="{94627C42-8E0D-4C50-A726-3D908F1BD667}" type="slidenum">
+              <a:rPr lang="pt-BR" smtClean="0"/>
+              <a:pPr>
+                <a:defRPr/>
+              </a:pPr>
+              <a:t>26</a:t>
+            </a:fld>
+            <a:endParaRPr lang="pt-BR"/>
+          </a:p>
+        </p:txBody>
+      </p:sp>
+    </p:spTree>
+  </p:cSld>
+  <p:clrMapOvr>
+    <a:masterClrMapping/>
+  </p:clrMapOvr>
+</p:notes>
+</file>
+
+<file path=ppt/notesSlides/notesSlide27.xml><?xml version="1.0" encoding="utf-8"?>
+<p:notes xmlns:a="http://schemas.openxmlformats.org/drawingml/2006/main" xmlns:r="http://schemas.openxmlformats.org/officeDocument/2006/relationships" xmlns:p="http://schemas.openxmlformats.org/presentationml/2006/main">
+  <p:cSld>
+    <p:spTree>
+      <p:nvGrpSpPr>
+        <p:cNvPr id="1" name=""/>
+        <p:cNvGrpSpPr/>
+        <p:nvPr/>
+      </p:nvGrpSpPr>
+      <p:grpSpPr>
+        <a:xfrm>
+          <a:off x="0" y="0"/>
+          <a:ext cx="0" cy="0"/>
+          <a:chOff x="0" y="0"/>
+          <a:chExt cx="0" cy="0"/>
+        </a:xfrm>
+      </p:grpSpPr>
+      <p:sp>
+        <p:nvSpPr>
+          <p:cNvPr id="50178" name="Espaço Reservado para Imagem de Slide 1"/>
+          <p:cNvSpPr>
+            <a:spLocks noGrp="1" noRot="1" noChangeAspect="1" noTextEdit="1"/>
+          </p:cNvSpPr>
+          <p:nvPr>
+            <p:ph type="sldImg"/>
+          </p:nvPr>
+        </p:nvSpPr>
+        <p:spPr bwMode="auto">
+          <a:noFill/>
+          <a:ln>
+            <a:solidFill>
+              <a:srgbClr val="000000"/>
+            </a:solidFill>
+            <a:miter lim="800000"/>
+            <a:headEnd/>
+            <a:tailEnd/>
+          </a:ln>
+        </p:spPr>
+      </p:sp>
+      <p:sp>
+        <p:nvSpPr>
           <p:cNvPr id="50179" name="Espaço Reservado para Anotações 2"/>
           <p:cNvSpPr>
             <a:spLocks noGrp="1"/>
@@ -2500,7 +2588,7 @@
               <a:pPr>
                 <a:defRPr/>
               </a:pPr>
-              <a:t>26</a:t>
+              <a:t>27</a:t>
             </a:fld>
             <a:endParaRPr lang="pt-BR"/>
           </a:p>
@@ -3639,7 +3727,7 @@
               <a:pPr>
                 <a:defRPr/>
               </a:pPr>
-              <a:t>19/04/2012</a:t>
+              <a:t>20/04/2012</a:t>
             </a:fld>
             <a:endParaRPr lang="pt-BR"/>
           </a:p>
@@ -3698,7 +3786,7 @@
               <a:pPr>
                 <a:defRPr/>
               </a:pPr>
-              <a:t>‹nº›</a:t>
+              <a:t>‹#›</a:t>
             </a:fld>
             <a:endParaRPr lang="pt-BR"/>
           </a:p>
@@ -3838,7 +3926,7 @@
               <a:pPr>
                 <a:defRPr/>
               </a:pPr>
-              <a:t>19/04/2012</a:t>
+              <a:t>20/04/2012</a:t>
             </a:fld>
             <a:endParaRPr lang="pt-BR"/>
           </a:p>
@@ -3897,7 +3985,7 @@
               <a:pPr>
                 <a:defRPr/>
               </a:pPr>
-              <a:t>‹nº›</a:t>
+              <a:t>‹#›</a:t>
             </a:fld>
             <a:endParaRPr lang="pt-BR"/>
           </a:p>
@@ -4040,7 +4128,7 @@
               <a:pPr>
                 <a:defRPr/>
               </a:pPr>
-              <a:t>19/04/2012</a:t>
+              <a:t>20/04/2012</a:t>
             </a:fld>
             <a:endParaRPr lang="pt-BR"/>
           </a:p>
@@ -4099,7 +4187,7 @@
               <a:pPr>
                 <a:defRPr/>
               </a:pPr>
-              <a:t>‹nº›</a:t>
+              <a:t>‹#›</a:t>
             </a:fld>
             <a:endParaRPr lang="pt-BR"/>
           </a:p>
@@ -4236,7 +4324,7 @@
               <a:pPr>
                 <a:defRPr/>
               </a:pPr>
-              <a:t>19/04/2012</a:t>
+              <a:t>20/04/2012</a:t>
             </a:fld>
             <a:endParaRPr lang="pt-BR"/>
           </a:p>
@@ -4295,7 +4383,7 @@
               <a:pPr>
                 <a:defRPr/>
               </a:pPr>
-              <a:t>‹nº›</a:t>
+              <a:t>‹#›</a:t>
             </a:fld>
             <a:endParaRPr lang="pt-BR"/>
           </a:p>
@@ -4742,7 +4830,7 @@
               <a:pPr>
                 <a:defRPr/>
               </a:pPr>
-              <a:t>19/04/2012</a:t>
+              <a:t>20/04/2012</a:t>
             </a:fld>
             <a:endParaRPr lang="pt-BR"/>
           </a:p>
@@ -4801,7 +4889,7 @@
               <a:pPr>
                 <a:defRPr/>
               </a:pPr>
-              <a:t>‹nº›</a:t>
+              <a:t>‹#›</a:t>
             </a:fld>
             <a:endParaRPr lang="pt-BR"/>
           </a:p>
@@ -5033,7 +5121,7 @@
               <a:pPr>
                 <a:defRPr/>
               </a:pPr>
-              <a:t>19/04/2012</a:t>
+              <a:t>20/04/2012</a:t>
             </a:fld>
             <a:endParaRPr lang="pt-BR"/>
           </a:p>
@@ -5092,7 +5180,7 @@
               <a:pPr>
                 <a:defRPr/>
               </a:pPr>
-              <a:t>‹nº›</a:t>
+              <a:t>‹#›</a:t>
             </a:fld>
             <a:endParaRPr lang="pt-BR"/>
           </a:p>
@@ -5434,7 +5522,7 @@
               <a:pPr>
                 <a:defRPr/>
               </a:pPr>
-              <a:t>19/04/2012</a:t>
+              <a:t>20/04/2012</a:t>
             </a:fld>
             <a:endParaRPr lang="pt-BR"/>
           </a:p>
@@ -5493,7 +5581,7 @@
               <a:pPr>
                 <a:defRPr/>
               </a:pPr>
-              <a:t>‹nº›</a:t>
+              <a:t>‹#›</a:t>
             </a:fld>
             <a:endParaRPr lang="pt-BR"/>
           </a:p>
@@ -5583,7 +5671,7 @@
               <a:pPr>
                 <a:defRPr/>
               </a:pPr>
-              <a:t>19/04/2012</a:t>
+              <a:t>20/04/2012</a:t>
             </a:fld>
             <a:endParaRPr lang="pt-BR"/>
           </a:p>
@@ -5642,7 +5730,7 @@
               <a:pPr>
                 <a:defRPr/>
               </a:pPr>
-              <a:t>‹nº›</a:t>
+              <a:t>‹#›</a:t>
             </a:fld>
             <a:endParaRPr lang="pt-BR"/>
           </a:p>
@@ -5700,7 +5788,7 @@
               <a:pPr>
                 <a:defRPr/>
               </a:pPr>
-              <a:t>19/04/2012</a:t>
+              <a:t>20/04/2012</a:t>
             </a:fld>
             <a:endParaRPr lang="pt-BR"/>
           </a:p>
@@ -5759,7 +5847,7 @@
               <a:pPr>
                 <a:defRPr/>
               </a:pPr>
-              <a:t>‹nº›</a:t>
+              <a:t>‹#›</a:t>
             </a:fld>
             <a:endParaRPr lang="pt-BR"/>
           </a:p>
@@ -5976,7 +6064,7 @@
               <a:pPr>
                 <a:defRPr/>
               </a:pPr>
-              <a:t>19/04/2012</a:t>
+              <a:t>20/04/2012</a:t>
             </a:fld>
             <a:endParaRPr lang="pt-BR"/>
           </a:p>
@@ -6040,7 +6128,7 @@
               <a:pPr>
                 <a:defRPr/>
               </a:pPr>
-              <a:t>‹nº›</a:t>
+              <a:t>‹#›</a:t>
             </a:fld>
             <a:endParaRPr lang="pt-BR"/>
           </a:p>
@@ -6260,7 +6348,7 @@
               <a:pPr>
                 <a:defRPr/>
               </a:pPr>
-              <a:t>19/04/2012</a:t>
+              <a:t>20/04/2012</a:t>
             </a:fld>
             <a:endParaRPr lang="pt-BR"/>
           </a:p>
@@ -6319,7 +6407,7 @@
               <a:pPr>
                 <a:defRPr/>
               </a:pPr>
-              <a:t>‹nº›</a:t>
+              <a:t>‹#›</a:t>
             </a:fld>
             <a:endParaRPr lang="pt-BR"/>
           </a:p>
@@ -6738,7 +6826,7 @@
               <a:pPr>
                 <a:defRPr/>
               </a:pPr>
-              <a:t>19/04/2012</a:t>
+              <a:t>20/04/2012</a:t>
             </a:fld>
             <a:endParaRPr lang="pt-BR"/>
           </a:p>
@@ -6841,7 +6929,7 @@
               <a:pPr>
                 <a:defRPr/>
               </a:pPr>
-              <a:t>‹nº›</a:t>
+              <a:t>‹#›</a:t>
             </a:fld>
             <a:endParaRPr lang="pt-BR"/>
           </a:p>
@@ -7985,7 +8073,7 @@
       </p:grpSpPr>
       <p:sp>
         <p:nvSpPr>
-          <p:cNvPr id="13314" name="Título 1"/>
+          <p:cNvPr id="2" name="Title 1"/>
           <p:cNvSpPr>
             <a:spLocks noGrp="1"/>
           </p:cNvSpPr>
@@ -7998,17 +8086,17 @@
           <a:bodyPr/>
           <a:lstStyle/>
           <a:p>
-            <a:pPr eaLnBrk="1" hangingPunct="1"/>
             <a:r>
               <a:rPr lang="pt-BR" dirty="0" smtClean="0"/>
-              <a:t>Construtores</a:t>
-            </a:r>
-          </a:p>
-        </p:txBody>
-      </p:sp>
-      <p:sp>
-        <p:nvSpPr>
-          <p:cNvPr id="13315" name="Espaço Reservado para Conteúdo 2"/>
+              <a:t>Prioridade da thread</a:t>
+            </a:r>
+            <a:endParaRPr lang="pt-BR" dirty="0"/>
+          </a:p>
+        </p:txBody>
+      </p:sp>
+      <p:sp>
+        <p:nvSpPr>
+          <p:cNvPr id="3" name="Content Placeholder 2"/>
           <p:cNvSpPr>
             <a:spLocks noGrp="1"/>
           </p:cNvSpPr>
@@ -8021,13 +8109,28 @@
           <a:bodyPr/>
           <a:lstStyle/>
           <a:p>
-            <a:endParaRPr lang="pt-BR" dirty="0" smtClean="0"/>
-          </a:p>
-        </p:txBody>
-      </p:sp>
-      <p:sp>
-        <p:nvSpPr>
-          <p:cNvPr id="4" name="Espaço Reservado para Número de Slide 3"/>
+            <a:r>
+              <a:rPr lang="pt-BR" dirty="0" smtClean="0"/>
+              <a:t>Toda thread possui uma prioridade.</a:t>
+            </a:r>
+          </a:p>
+          <a:p>
+            <a:r>
+              <a:rPr lang="pt-BR" dirty="0" smtClean="0"/>
+              <a:t>A prioridade de uma thread é um número inteiro entre 1 e 10 que </a:t>
+            </a:r>
+          </a:p>
+          <a:p>
+            <a:r>
+              <a:rPr lang="pt-BR" dirty="0" smtClean="0"/>
+              <a:t>Antes de ser iniciada pelo método start(), podemos assinalar uma prioridade para a thread.</a:t>
+            </a:r>
+          </a:p>
+        </p:txBody>
+      </p:sp>
+      <p:sp>
+        <p:nvSpPr>
+          <p:cNvPr id="4" name="Slide Number Placeholder 3"/>
           <p:cNvSpPr>
             <a:spLocks noGrp="1"/>
           </p:cNvSpPr>
@@ -8059,13 +8162,6 @@
   <p:clrMapOvr>
     <a:masterClrMapping/>
   </p:clrMapOvr>
-  <p:timing>
-    <p:tnLst>
-      <p:par>
-        <p:cTn id="1" dur="indefinite" restart="never" nodeType="tmRoot"/>
-      </p:par>
-    </p:tnLst>
-  </p:timing>
 </p:sld>
 </file>
 
@@ -8088,7 +8184,7 @@
       </p:grpSpPr>
       <p:sp>
         <p:nvSpPr>
-          <p:cNvPr id="14338" name="Título 1"/>
+          <p:cNvPr id="13314" name="Título 1"/>
           <p:cNvSpPr>
             <a:spLocks noGrp="1"/>
           </p:cNvSpPr>
@@ -8104,8 +8200,27 @@
             <a:pPr eaLnBrk="1" hangingPunct="1"/>
             <a:r>
               <a:rPr lang="pt-BR" dirty="0" smtClean="0"/>
-              <a:t>Estados da thread</a:t>
-            </a:r>
+              <a:t>Construtores</a:t>
+            </a:r>
+          </a:p>
+        </p:txBody>
+      </p:sp>
+      <p:sp>
+        <p:nvSpPr>
+          <p:cNvPr id="13315" name="Espaço Reservado para Conteúdo 2"/>
+          <p:cNvSpPr>
+            <a:spLocks noGrp="1"/>
+          </p:cNvSpPr>
+          <p:nvPr>
+            <p:ph idx="1"/>
+          </p:nvPr>
+        </p:nvSpPr>
+        <p:spPr/>
+        <p:txBody>
+          <a:bodyPr/>
+          <a:lstStyle/>
+          <a:p>
+            <a:endParaRPr lang="pt-BR" dirty="0" smtClean="0"/>
           </a:p>
         </p:txBody>
       </p:sp>
@@ -8138,734 +8253,6 @@
           </a:p>
         </p:txBody>
       </p:sp>
-      <p:sp>
-        <p:nvSpPr>
-          <p:cNvPr id="5" name="Retângulo 4"/>
-          <p:cNvSpPr/>
-          <p:nvPr/>
-        </p:nvSpPr>
-        <p:spPr>
-          <a:xfrm>
-            <a:off x="755576" y="3645024"/>
-            <a:ext cx="1512168" cy="720080"/>
-          </a:xfrm>
-          <a:prstGeom prst="rect">
-            <a:avLst/>
-          </a:prstGeom>
-          <a:noFill/>
-          <a:ln w="38100">
-            <a:solidFill>
-              <a:schemeClr val="tx1"/>
-            </a:solidFill>
-          </a:ln>
-        </p:spPr>
-        <p:style>
-          <a:lnRef idx="2">
-            <a:schemeClr val="accent1">
-              <a:shade val="50000"/>
-            </a:schemeClr>
-          </a:lnRef>
-          <a:fillRef idx="1">
-            <a:schemeClr val="accent1"/>
-          </a:fillRef>
-          <a:effectRef idx="0">
-            <a:schemeClr val="accent1"/>
-          </a:effectRef>
-          <a:fontRef idx="minor">
-            <a:schemeClr val="lt1"/>
-          </a:fontRef>
-        </p:style>
-        <p:txBody>
-          <a:bodyPr rtlCol="0" anchor="ctr"/>
-          <a:lstStyle/>
-          <a:p>
-            <a:pPr algn="ctr"/>
-            <a:r>
-              <a:rPr lang="pt-BR" sz="1600" dirty="0" smtClean="0"/>
-              <a:t>Executando</a:t>
-            </a:r>
-            <a:endParaRPr lang="pt-BR" sz="1600" dirty="0"/>
-          </a:p>
-        </p:txBody>
-      </p:sp>
-      <p:sp>
-        <p:nvSpPr>
-          <p:cNvPr id="6" name="Retângulo 5"/>
-          <p:cNvSpPr/>
-          <p:nvPr/>
-        </p:nvSpPr>
-        <p:spPr>
-          <a:xfrm>
-            <a:off x="755576" y="2132856"/>
-            <a:ext cx="1512168" cy="720080"/>
-          </a:xfrm>
-          <a:prstGeom prst="rect">
-            <a:avLst/>
-          </a:prstGeom>
-          <a:noFill/>
-          <a:ln w="38100">
-            <a:solidFill>
-              <a:schemeClr val="tx1"/>
-            </a:solidFill>
-          </a:ln>
-        </p:spPr>
-        <p:style>
-          <a:lnRef idx="2">
-            <a:schemeClr val="accent1">
-              <a:shade val="50000"/>
-            </a:schemeClr>
-          </a:lnRef>
-          <a:fillRef idx="1">
-            <a:schemeClr val="accent1"/>
-          </a:fillRef>
-          <a:effectRef idx="0">
-            <a:schemeClr val="accent1"/>
-          </a:effectRef>
-          <a:fontRef idx="minor">
-            <a:schemeClr val="lt1"/>
-          </a:fontRef>
-        </p:style>
-        <p:txBody>
-          <a:bodyPr rtlCol="0" anchor="ctr"/>
-          <a:lstStyle/>
-          <a:p>
-            <a:pPr algn="ctr"/>
-            <a:r>
-              <a:rPr lang="pt-BR" sz="1600" dirty="0" smtClean="0"/>
-              <a:t>Pronta para</a:t>
-            </a:r>
-          </a:p>
-          <a:p>
-            <a:pPr algn="ctr"/>
-            <a:r>
-              <a:rPr lang="pt-BR" sz="1600" dirty="0" smtClean="0"/>
-              <a:t>ser executada</a:t>
-            </a:r>
-            <a:endParaRPr lang="pt-BR" sz="1600" dirty="0"/>
-          </a:p>
-        </p:txBody>
-      </p:sp>
-      <p:sp>
-        <p:nvSpPr>
-          <p:cNvPr id="7" name="Retângulo 6"/>
-          <p:cNvSpPr/>
-          <p:nvPr/>
-        </p:nvSpPr>
-        <p:spPr>
-          <a:xfrm>
-            <a:off x="2843808" y="2996952"/>
-            <a:ext cx="1512168" cy="432048"/>
-          </a:xfrm>
-          <a:prstGeom prst="rect">
-            <a:avLst/>
-          </a:prstGeom>
-          <a:noFill/>
-          <a:ln w="38100">
-            <a:solidFill>
-              <a:schemeClr val="tx1"/>
-            </a:solidFill>
-          </a:ln>
-        </p:spPr>
-        <p:style>
-          <a:lnRef idx="2">
-            <a:schemeClr val="accent1">
-              <a:shade val="50000"/>
-            </a:schemeClr>
-          </a:lnRef>
-          <a:fillRef idx="1">
-            <a:schemeClr val="accent1"/>
-          </a:fillRef>
-          <a:effectRef idx="0">
-            <a:schemeClr val="accent1"/>
-          </a:effectRef>
-          <a:fontRef idx="minor">
-            <a:schemeClr val="lt1"/>
-          </a:fontRef>
-        </p:style>
-        <p:txBody>
-          <a:bodyPr rtlCol="0" anchor="ctr"/>
-          <a:lstStyle/>
-          <a:p>
-            <a:pPr algn="ctr"/>
-            <a:r>
-              <a:rPr lang="pt-BR" sz="1600" dirty="0" smtClean="0"/>
-              <a:t>Dormindo</a:t>
-            </a:r>
-          </a:p>
-        </p:txBody>
-      </p:sp>
-      <p:sp>
-        <p:nvSpPr>
-          <p:cNvPr id="8" name="Retângulo 7"/>
-          <p:cNvSpPr/>
-          <p:nvPr/>
-        </p:nvSpPr>
-        <p:spPr>
-          <a:xfrm>
-            <a:off x="7020272" y="2996952"/>
-            <a:ext cx="1512168" cy="432048"/>
-          </a:xfrm>
-          <a:prstGeom prst="rect">
-            <a:avLst/>
-          </a:prstGeom>
-          <a:noFill/>
-          <a:ln w="38100">
-            <a:solidFill>
-              <a:schemeClr val="tx1"/>
-            </a:solidFill>
-          </a:ln>
-        </p:spPr>
-        <p:style>
-          <a:lnRef idx="2">
-            <a:schemeClr val="accent1">
-              <a:shade val="50000"/>
-            </a:schemeClr>
-          </a:lnRef>
-          <a:fillRef idx="1">
-            <a:schemeClr val="accent1"/>
-          </a:fillRef>
-          <a:effectRef idx="0">
-            <a:schemeClr val="accent1"/>
-          </a:effectRef>
-          <a:fontRef idx="minor">
-            <a:schemeClr val="lt1"/>
-          </a:fontRef>
-        </p:style>
-        <p:txBody>
-          <a:bodyPr rtlCol="0" anchor="ctr"/>
-          <a:lstStyle/>
-          <a:p>
-            <a:pPr algn="ctr"/>
-            <a:r>
-              <a:rPr lang="pt-BR" sz="1600" dirty="0" smtClean="0"/>
-              <a:t>Bloqueada</a:t>
-            </a:r>
-            <a:endParaRPr lang="pt-BR" sz="1600" dirty="0"/>
-          </a:p>
-        </p:txBody>
-      </p:sp>
-      <p:sp>
-        <p:nvSpPr>
-          <p:cNvPr id="9" name="Retângulo 8"/>
-          <p:cNvSpPr/>
-          <p:nvPr/>
-        </p:nvSpPr>
-        <p:spPr>
-          <a:xfrm>
-            <a:off x="4932040" y="2996952"/>
-            <a:ext cx="1512168" cy="432048"/>
-          </a:xfrm>
-          <a:prstGeom prst="rect">
-            <a:avLst/>
-          </a:prstGeom>
-          <a:noFill/>
-          <a:ln w="38100">
-            <a:solidFill>
-              <a:schemeClr val="tx1"/>
-            </a:solidFill>
-          </a:ln>
-        </p:spPr>
-        <p:style>
-          <a:lnRef idx="2">
-            <a:schemeClr val="accent1">
-              <a:shade val="50000"/>
-            </a:schemeClr>
-          </a:lnRef>
-          <a:fillRef idx="1">
-            <a:schemeClr val="accent1"/>
-          </a:fillRef>
-          <a:effectRef idx="0">
-            <a:schemeClr val="accent1"/>
-          </a:effectRef>
-          <a:fontRef idx="minor">
-            <a:schemeClr val="lt1"/>
-          </a:fontRef>
-        </p:style>
-        <p:txBody>
-          <a:bodyPr rtlCol="0" anchor="ctr"/>
-          <a:lstStyle/>
-          <a:p>
-            <a:pPr algn="ctr"/>
-            <a:r>
-              <a:rPr lang="pt-BR" sz="1600" dirty="0" smtClean="0"/>
-              <a:t>Suspensa</a:t>
-            </a:r>
-          </a:p>
-        </p:txBody>
-      </p:sp>
-      <p:sp>
-        <p:nvSpPr>
-          <p:cNvPr id="10" name="Retângulo 9"/>
-          <p:cNvSpPr/>
-          <p:nvPr/>
-        </p:nvSpPr>
-        <p:spPr>
-          <a:xfrm>
-            <a:off x="755576" y="4941168"/>
-            <a:ext cx="1512168" cy="720080"/>
-          </a:xfrm>
-          <a:prstGeom prst="rect">
-            <a:avLst/>
-          </a:prstGeom>
-          <a:noFill/>
-          <a:ln w="38100">
-            <a:solidFill>
-              <a:schemeClr val="tx1"/>
-            </a:solidFill>
-          </a:ln>
-        </p:spPr>
-        <p:style>
-          <a:lnRef idx="2">
-            <a:schemeClr val="accent1">
-              <a:shade val="50000"/>
-            </a:schemeClr>
-          </a:lnRef>
-          <a:fillRef idx="1">
-            <a:schemeClr val="accent1"/>
-          </a:fillRef>
-          <a:effectRef idx="0">
-            <a:schemeClr val="accent1"/>
-          </a:effectRef>
-          <a:fontRef idx="minor">
-            <a:schemeClr val="lt1"/>
-          </a:fontRef>
-        </p:style>
-        <p:txBody>
-          <a:bodyPr rtlCol="0" anchor="ctr"/>
-          <a:lstStyle/>
-          <a:p>
-            <a:pPr algn="ctr"/>
-            <a:r>
-              <a:rPr lang="pt-BR" sz="1600" dirty="0" smtClean="0"/>
-              <a:t>Morta</a:t>
-            </a:r>
-            <a:endParaRPr lang="pt-BR" sz="1600" dirty="0"/>
-          </a:p>
-        </p:txBody>
-      </p:sp>
-      <p:cxnSp>
-        <p:nvCxnSpPr>
-          <p:cNvPr id="15" name="Conector de seta reta 14"/>
-          <p:cNvCxnSpPr/>
-          <p:nvPr/>
-        </p:nvCxnSpPr>
-        <p:spPr>
-          <a:xfrm>
-            <a:off x="1259632" y="2852936"/>
-            <a:ext cx="0" cy="792088"/>
-          </a:xfrm>
-          <a:prstGeom prst="straightConnector1">
-            <a:avLst/>
-          </a:prstGeom>
-          <a:ln w="38100">
-            <a:solidFill>
-              <a:schemeClr val="tx1"/>
-            </a:solidFill>
-            <a:tailEnd type="arrow"/>
-          </a:ln>
-        </p:spPr>
-        <p:style>
-          <a:lnRef idx="1">
-            <a:schemeClr val="accent1"/>
-          </a:lnRef>
-          <a:fillRef idx="0">
-            <a:schemeClr val="accent1"/>
-          </a:fillRef>
-          <a:effectRef idx="0">
-            <a:schemeClr val="accent1"/>
-          </a:effectRef>
-          <a:fontRef idx="minor">
-            <a:schemeClr val="tx1"/>
-          </a:fontRef>
-        </p:style>
-      </p:cxnSp>
-      <p:cxnSp>
-        <p:nvCxnSpPr>
-          <p:cNvPr id="17" name="Forma 16"/>
-          <p:cNvCxnSpPr>
-            <a:endCxn id="7" idx="2"/>
-          </p:cNvCxnSpPr>
-          <p:nvPr/>
-        </p:nvCxnSpPr>
-        <p:spPr>
-          <a:xfrm flipV="1">
-            <a:off x="2267744" y="3429000"/>
-            <a:ext cx="1332148" cy="432048"/>
-          </a:xfrm>
-          <a:prstGeom prst="bentConnector2">
-            <a:avLst/>
-          </a:prstGeom>
-          <a:ln w="38100">
-            <a:solidFill>
-              <a:schemeClr val="tx1"/>
-            </a:solidFill>
-            <a:tailEnd type="arrow"/>
-          </a:ln>
-        </p:spPr>
-        <p:style>
-          <a:lnRef idx="1">
-            <a:schemeClr val="accent1"/>
-          </a:lnRef>
-          <a:fillRef idx="0">
-            <a:schemeClr val="accent1"/>
-          </a:fillRef>
-          <a:effectRef idx="0">
-            <a:schemeClr val="accent1"/>
-          </a:effectRef>
-          <a:fontRef idx="minor">
-            <a:schemeClr val="tx1"/>
-          </a:fontRef>
-        </p:style>
-      </p:cxnSp>
-      <p:cxnSp>
-        <p:nvCxnSpPr>
-          <p:cNvPr id="18" name="Forma 17"/>
-          <p:cNvCxnSpPr>
-            <a:stCxn id="5" idx="3"/>
-            <a:endCxn id="9" idx="2"/>
-          </p:cNvCxnSpPr>
-          <p:nvPr/>
-        </p:nvCxnSpPr>
-        <p:spPr>
-          <a:xfrm flipV="1">
-            <a:off x="2267744" y="3429000"/>
-            <a:ext cx="3420380" cy="576064"/>
-          </a:xfrm>
-          <a:prstGeom prst="bentConnector2">
-            <a:avLst/>
-          </a:prstGeom>
-          <a:ln w="38100">
-            <a:solidFill>
-              <a:schemeClr val="tx1"/>
-            </a:solidFill>
-            <a:tailEnd type="arrow"/>
-          </a:ln>
-        </p:spPr>
-        <p:style>
-          <a:lnRef idx="1">
-            <a:schemeClr val="accent1"/>
-          </a:lnRef>
-          <a:fillRef idx="0">
-            <a:schemeClr val="accent1"/>
-          </a:fillRef>
-          <a:effectRef idx="0">
-            <a:schemeClr val="accent1"/>
-          </a:effectRef>
-          <a:fontRef idx="minor">
-            <a:schemeClr val="tx1"/>
-          </a:fontRef>
-        </p:style>
-      </p:cxnSp>
-      <p:cxnSp>
-        <p:nvCxnSpPr>
-          <p:cNvPr id="22" name="Forma 21"/>
-          <p:cNvCxnSpPr>
-            <a:endCxn id="8" idx="2"/>
-          </p:cNvCxnSpPr>
-          <p:nvPr/>
-        </p:nvCxnSpPr>
-        <p:spPr>
-          <a:xfrm flipV="1">
-            <a:off x="2267744" y="3429000"/>
-            <a:ext cx="5508612" cy="720080"/>
-          </a:xfrm>
-          <a:prstGeom prst="bentConnector2">
-            <a:avLst/>
-          </a:prstGeom>
-          <a:ln w="38100">
-            <a:solidFill>
-              <a:schemeClr val="tx1"/>
-            </a:solidFill>
-            <a:tailEnd type="arrow"/>
-          </a:ln>
-        </p:spPr>
-        <p:style>
-          <a:lnRef idx="1">
-            <a:schemeClr val="accent1"/>
-          </a:lnRef>
-          <a:fillRef idx="0">
-            <a:schemeClr val="accent1"/>
-          </a:fillRef>
-          <a:effectRef idx="0">
-            <a:schemeClr val="accent1"/>
-          </a:effectRef>
-          <a:fontRef idx="minor">
-            <a:schemeClr val="tx1"/>
-          </a:fontRef>
-        </p:style>
-      </p:cxnSp>
-      <p:cxnSp>
-        <p:nvCxnSpPr>
-          <p:cNvPr id="25" name="Forma 24"/>
-          <p:cNvCxnSpPr>
-            <a:stCxn id="7" idx="0"/>
-          </p:cNvCxnSpPr>
-          <p:nvPr/>
-        </p:nvCxnSpPr>
-        <p:spPr>
-          <a:xfrm rot="16200000" flipV="1">
-            <a:off x="2753798" y="2150858"/>
-            <a:ext cx="360040" cy="1332148"/>
-          </a:xfrm>
-          <a:prstGeom prst="bentConnector2">
-            <a:avLst/>
-          </a:prstGeom>
-          <a:ln w="38100">
-            <a:solidFill>
-              <a:schemeClr val="tx1"/>
-            </a:solidFill>
-            <a:tailEnd type="arrow"/>
-          </a:ln>
-        </p:spPr>
-        <p:style>
-          <a:lnRef idx="1">
-            <a:schemeClr val="accent1"/>
-          </a:lnRef>
-          <a:fillRef idx="0">
-            <a:schemeClr val="accent1"/>
-          </a:fillRef>
-          <a:effectRef idx="0">
-            <a:schemeClr val="accent1"/>
-          </a:effectRef>
-          <a:fontRef idx="minor">
-            <a:schemeClr val="tx1"/>
-          </a:fontRef>
-        </p:style>
-      </p:cxnSp>
-      <p:cxnSp>
-        <p:nvCxnSpPr>
-          <p:cNvPr id="28" name="Forma 27"/>
-          <p:cNvCxnSpPr>
-            <a:stCxn id="9" idx="0"/>
-            <a:endCxn id="6" idx="3"/>
-          </p:cNvCxnSpPr>
-          <p:nvPr/>
-        </p:nvCxnSpPr>
-        <p:spPr>
-          <a:xfrm rot="16200000" flipV="1">
-            <a:off x="3725906" y="1034734"/>
-            <a:ext cx="504056" cy="3420380"/>
-          </a:xfrm>
-          <a:prstGeom prst="bentConnector2">
-            <a:avLst/>
-          </a:prstGeom>
-          <a:ln w="38100">
-            <a:solidFill>
-              <a:schemeClr val="tx1"/>
-            </a:solidFill>
-            <a:tailEnd type="arrow"/>
-          </a:ln>
-        </p:spPr>
-        <p:style>
-          <a:lnRef idx="1">
-            <a:schemeClr val="accent1"/>
-          </a:lnRef>
-          <a:fillRef idx="0">
-            <a:schemeClr val="accent1"/>
-          </a:fillRef>
-          <a:effectRef idx="0">
-            <a:schemeClr val="accent1"/>
-          </a:effectRef>
-          <a:fontRef idx="minor">
-            <a:schemeClr val="tx1"/>
-          </a:fontRef>
-        </p:style>
-      </p:cxnSp>
-      <p:cxnSp>
-        <p:nvCxnSpPr>
-          <p:cNvPr id="31" name="Forma 30"/>
-          <p:cNvCxnSpPr>
-            <a:stCxn id="8" idx="0"/>
-          </p:cNvCxnSpPr>
-          <p:nvPr/>
-        </p:nvCxnSpPr>
-        <p:spPr>
-          <a:xfrm rot="16200000" flipV="1">
-            <a:off x="4698014" y="-81390"/>
-            <a:ext cx="648072" cy="5508612"/>
-          </a:xfrm>
-          <a:prstGeom prst="bentConnector2">
-            <a:avLst/>
-          </a:prstGeom>
-          <a:ln w="38100">
-            <a:solidFill>
-              <a:schemeClr val="tx1"/>
-            </a:solidFill>
-            <a:tailEnd type="arrow"/>
-          </a:ln>
-        </p:spPr>
-        <p:style>
-          <a:lnRef idx="1">
-            <a:schemeClr val="accent1"/>
-          </a:lnRef>
-          <a:fillRef idx="0">
-            <a:schemeClr val="accent1"/>
-          </a:fillRef>
-          <a:effectRef idx="0">
-            <a:schemeClr val="accent1"/>
-          </a:effectRef>
-          <a:fontRef idx="minor">
-            <a:schemeClr val="tx1"/>
-          </a:fontRef>
-        </p:style>
-      </p:cxnSp>
-      <p:cxnSp>
-        <p:nvCxnSpPr>
-          <p:cNvPr id="34" name="Conector de seta reta 33"/>
-          <p:cNvCxnSpPr>
-            <a:stCxn id="5" idx="2"/>
-            <a:endCxn id="10" idx="0"/>
-          </p:cNvCxnSpPr>
-          <p:nvPr/>
-        </p:nvCxnSpPr>
-        <p:spPr>
-          <a:xfrm>
-            <a:off x="1511660" y="4365104"/>
-            <a:ext cx="0" cy="576064"/>
-          </a:xfrm>
-          <a:prstGeom prst="straightConnector1">
-            <a:avLst/>
-          </a:prstGeom>
-          <a:ln w="38100">
-            <a:solidFill>
-              <a:schemeClr val="tx1"/>
-            </a:solidFill>
-            <a:tailEnd type="arrow"/>
-          </a:ln>
-        </p:spPr>
-        <p:style>
-          <a:lnRef idx="1">
-            <a:schemeClr val="accent1"/>
-          </a:lnRef>
-          <a:fillRef idx="0">
-            <a:schemeClr val="accent1"/>
-          </a:fillRef>
-          <a:effectRef idx="0">
-            <a:schemeClr val="accent1"/>
-          </a:effectRef>
-          <a:fontRef idx="minor">
-            <a:schemeClr val="tx1"/>
-          </a:fontRef>
-        </p:style>
-      </p:cxnSp>
-      <p:cxnSp>
-        <p:nvCxnSpPr>
-          <p:cNvPr id="53" name="Conector de seta reta 52"/>
-          <p:cNvCxnSpPr/>
-          <p:nvPr/>
-        </p:nvCxnSpPr>
-        <p:spPr>
-          <a:xfrm>
-            <a:off x="1511300" y="1671960"/>
-            <a:ext cx="0" cy="460896"/>
-          </a:xfrm>
-          <a:prstGeom prst="straightConnector1">
-            <a:avLst/>
-          </a:prstGeom>
-          <a:ln w="38100">
-            <a:solidFill>
-              <a:schemeClr val="tx1"/>
-            </a:solidFill>
-            <a:tailEnd type="arrow"/>
-          </a:ln>
-        </p:spPr>
-        <p:style>
-          <a:lnRef idx="1">
-            <a:schemeClr val="accent1"/>
-          </a:lnRef>
-          <a:fillRef idx="0">
-            <a:schemeClr val="accent1"/>
-          </a:fillRef>
-          <a:effectRef idx="0">
-            <a:schemeClr val="accent1"/>
-          </a:effectRef>
-          <a:fontRef idx="minor">
-            <a:schemeClr val="tx1"/>
-          </a:fontRef>
-        </p:style>
-      </p:cxnSp>
-      <p:sp>
-        <p:nvSpPr>
-          <p:cNvPr id="55" name="Elipse 54"/>
-          <p:cNvSpPr/>
-          <p:nvPr/>
-        </p:nvSpPr>
-        <p:spPr>
-          <a:xfrm>
-            <a:off x="1403648" y="1556792"/>
-            <a:ext cx="216024" cy="216024"/>
-          </a:xfrm>
-          <a:prstGeom prst="ellipse">
-            <a:avLst/>
-          </a:prstGeom>
-          <a:solidFill>
-            <a:schemeClr val="tx1"/>
-          </a:solidFill>
-          <a:ln>
-            <a:noFill/>
-          </a:ln>
-        </p:spPr>
-        <p:style>
-          <a:lnRef idx="2">
-            <a:schemeClr val="accent1">
-              <a:shade val="50000"/>
-            </a:schemeClr>
-          </a:lnRef>
-          <a:fillRef idx="1">
-            <a:schemeClr val="accent1"/>
-          </a:fillRef>
-          <a:effectRef idx="0">
-            <a:schemeClr val="accent1"/>
-          </a:effectRef>
-          <a:fontRef idx="minor">
-            <a:schemeClr val="lt1"/>
-          </a:fontRef>
-        </p:style>
-        <p:txBody>
-          <a:bodyPr rtlCol="0" anchor="ctr"/>
-          <a:lstStyle/>
-          <a:p>
-            <a:pPr algn="ctr"/>
-            <a:endParaRPr lang="pt-BR"/>
-          </a:p>
-        </p:txBody>
-      </p:sp>
-      <p:cxnSp>
-        <p:nvCxnSpPr>
-          <p:cNvPr id="57" name="Conector de seta reta 56"/>
-          <p:cNvCxnSpPr/>
-          <p:nvPr/>
-        </p:nvCxnSpPr>
-        <p:spPr>
-          <a:xfrm flipV="1">
-            <a:off x="1763688" y="2852936"/>
-            <a:ext cx="0" cy="792088"/>
-          </a:xfrm>
-          <a:prstGeom prst="straightConnector1">
-            <a:avLst/>
-          </a:prstGeom>
-          <a:ln w="38100">
-            <a:solidFill>
-              <a:schemeClr val="tx1"/>
-            </a:solidFill>
-            <a:tailEnd type="arrow"/>
-          </a:ln>
-        </p:spPr>
-        <p:style>
-          <a:lnRef idx="1">
-            <a:schemeClr val="accent1"/>
-          </a:lnRef>
-          <a:fillRef idx="0">
-            <a:schemeClr val="accent1"/>
-          </a:fillRef>
-          <a:effectRef idx="0">
-            <a:schemeClr val="accent1"/>
-          </a:effectRef>
-          <a:fontRef idx="minor">
-            <a:schemeClr val="tx1"/>
-          </a:fontRef>
-        </p:style>
-      </p:cxnSp>
     </p:spTree>
   </p:cSld>
   <p:clrMapOvr>
@@ -8923,76 +8310,6 @@
       </p:sp>
       <p:sp>
         <p:nvSpPr>
-          <p:cNvPr id="75" name="Espaço Reservado para Conteúdo 74"/>
-          <p:cNvSpPr>
-            <a:spLocks noGrp="1"/>
-          </p:cNvSpPr>
-          <p:nvPr>
-            <p:ph idx="1"/>
-          </p:nvPr>
-        </p:nvSpPr>
-        <p:spPr>
-          <a:xfrm>
-            <a:off x="4211960" y="1556792"/>
-            <a:ext cx="4320480" cy="4680520"/>
-          </a:xfrm>
-        </p:spPr>
-        <p:txBody>
-          <a:bodyPr/>
-          <a:lstStyle/>
-          <a:p>
-            <a:r>
-              <a:rPr lang="pt-BR" sz="2400" u="sng" dirty="0" smtClean="0"/>
-              <a:t>Pronta para ser executada</a:t>
-            </a:r>
-          </a:p>
-          <a:p>
-            <a:pPr marL="442913" lvl="1" indent="0">
-              <a:buNone/>
-            </a:pPr>
-            <a:endParaRPr lang="pt-BR" sz="2000" dirty="0" smtClean="0"/>
-          </a:p>
-          <a:p>
-            <a:pPr marL="442913" lvl="1" indent="0">
-              <a:buNone/>
-            </a:pPr>
-            <a:r>
-              <a:rPr lang="pt-BR" sz="2000" dirty="0" smtClean="0"/>
-              <a:t>Uma thread fica pronta para ser executada tão logo seu método </a:t>
-            </a:r>
-            <a:r>
-              <a:rPr lang="pt-BR" sz="2000" dirty="0" smtClean="0">
-                <a:solidFill>
-                  <a:srgbClr val="FFC000"/>
-                </a:solidFill>
-              </a:rPr>
-              <a:t>start()</a:t>
-            </a:r>
-            <a:r>
-              <a:rPr lang="pt-BR" sz="2000" dirty="0" smtClean="0"/>
-              <a:t> seja chamado.</a:t>
-            </a:r>
-          </a:p>
-          <a:p>
-            <a:pPr marL="442913" lvl="1" indent="0">
-              <a:buNone/>
-            </a:pPr>
-            <a:endParaRPr lang="pt-BR" sz="2000" dirty="0" smtClean="0"/>
-          </a:p>
-          <a:p>
-            <a:pPr marL="442913" lvl="1" indent="0">
-              <a:buNone/>
-            </a:pPr>
-            <a:r>
-              <a:rPr lang="pt-BR" sz="2000" dirty="0" smtClean="0"/>
-              <a:t>Lá ela ficará aguardando até que o JVM tenha oportunidade de executá-la</a:t>
-            </a:r>
-            <a:endParaRPr lang="pt-BR" sz="2000" dirty="0"/>
-          </a:p>
-        </p:txBody>
-      </p:sp>
-      <p:sp>
-        <p:nvSpPr>
           <p:cNvPr id="4" name="Espaço Reservado para Número de Slide 3"/>
           <p:cNvSpPr>
             <a:spLocks noGrp="1"/>
@@ -9084,9 +8401,7 @@
           <a:prstGeom prst="rect">
             <a:avLst/>
           </a:prstGeom>
-          <a:solidFill>
-            <a:srgbClr val="FF0000"/>
-          </a:solidFill>
+          <a:noFill/>
           <a:ln w="38100">
             <a:solidFill>
               <a:schemeClr val="tx1"/>
@@ -9129,19 +8444,483 @@
           </a:p>
         </p:txBody>
       </p:sp>
+      <p:sp>
+        <p:nvSpPr>
+          <p:cNvPr id="7" name="Retângulo 6"/>
+          <p:cNvSpPr/>
+          <p:nvPr/>
+        </p:nvSpPr>
+        <p:spPr>
+          <a:xfrm>
+            <a:off x="2843808" y="2996952"/>
+            <a:ext cx="1512168" cy="432048"/>
+          </a:xfrm>
+          <a:prstGeom prst="rect">
+            <a:avLst/>
+          </a:prstGeom>
+          <a:noFill/>
+          <a:ln w="38100">
+            <a:solidFill>
+              <a:schemeClr val="tx1"/>
+            </a:solidFill>
+          </a:ln>
+        </p:spPr>
+        <p:style>
+          <a:lnRef idx="2">
+            <a:schemeClr val="accent1">
+              <a:shade val="50000"/>
+            </a:schemeClr>
+          </a:lnRef>
+          <a:fillRef idx="1">
+            <a:schemeClr val="accent1"/>
+          </a:fillRef>
+          <a:effectRef idx="0">
+            <a:schemeClr val="accent1"/>
+          </a:effectRef>
+          <a:fontRef idx="minor">
+            <a:schemeClr val="lt1"/>
+          </a:fontRef>
+        </p:style>
+        <p:txBody>
+          <a:bodyPr rtlCol="0" anchor="ctr"/>
+          <a:lstStyle/>
+          <a:p>
+            <a:pPr algn="ctr"/>
+            <a:r>
+              <a:rPr lang="pt-BR" sz="1600" dirty="0" smtClean="0"/>
+              <a:t>Dormindo</a:t>
+            </a:r>
+          </a:p>
+        </p:txBody>
+      </p:sp>
+      <p:sp>
+        <p:nvSpPr>
+          <p:cNvPr id="8" name="Retângulo 7"/>
+          <p:cNvSpPr/>
+          <p:nvPr/>
+        </p:nvSpPr>
+        <p:spPr>
+          <a:xfrm>
+            <a:off x="7020272" y="2996952"/>
+            <a:ext cx="1512168" cy="432048"/>
+          </a:xfrm>
+          <a:prstGeom prst="rect">
+            <a:avLst/>
+          </a:prstGeom>
+          <a:noFill/>
+          <a:ln w="38100">
+            <a:solidFill>
+              <a:schemeClr val="tx1"/>
+            </a:solidFill>
+          </a:ln>
+        </p:spPr>
+        <p:style>
+          <a:lnRef idx="2">
+            <a:schemeClr val="accent1">
+              <a:shade val="50000"/>
+            </a:schemeClr>
+          </a:lnRef>
+          <a:fillRef idx="1">
+            <a:schemeClr val="accent1"/>
+          </a:fillRef>
+          <a:effectRef idx="0">
+            <a:schemeClr val="accent1"/>
+          </a:effectRef>
+          <a:fontRef idx="minor">
+            <a:schemeClr val="lt1"/>
+          </a:fontRef>
+        </p:style>
+        <p:txBody>
+          <a:bodyPr rtlCol="0" anchor="ctr"/>
+          <a:lstStyle/>
+          <a:p>
+            <a:pPr algn="ctr"/>
+            <a:r>
+              <a:rPr lang="pt-BR" sz="1600" dirty="0" smtClean="0"/>
+              <a:t>Bloqueada</a:t>
+            </a:r>
+            <a:endParaRPr lang="pt-BR" sz="1600" dirty="0"/>
+          </a:p>
+        </p:txBody>
+      </p:sp>
+      <p:sp>
+        <p:nvSpPr>
+          <p:cNvPr id="9" name="Retângulo 8"/>
+          <p:cNvSpPr/>
+          <p:nvPr/>
+        </p:nvSpPr>
+        <p:spPr>
+          <a:xfrm>
+            <a:off x="4932040" y="2996952"/>
+            <a:ext cx="1512168" cy="432048"/>
+          </a:xfrm>
+          <a:prstGeom prst="rect">
+            <a:avLst/>
+          </a:prstGeom>
+          <a:noFill/>
+          <a:ln w="38100">
+            <a:solidFill>
+              <a:schemeClr val="tx1"/>
+            </a:solidFill>
+          </a:ln>
+        </p:spPr>
+        <p:style>
+          <a:lnRef idx="2">
+            <a:schemeClr val="accent1">
+              <a:shade val="50000"/>
+            </a:schemeClr>
+          </a:lnRef>
+          <a:fillRef idx="1">
+            <a:schemeClr val="accent1"/>
+          </a:fillRef>
+          <a:effectRef idx="0">
+            <a:schemeClr val="accent1"/>
+          </a:effectRef>
+          <a:fontRef idx="minor">
+            <a:schemeClr val="lt1"/>
+          </a:fontRef>
+        </p:style>
+        <p:txBody>
+          <a:bodyPr rtlCol="0" anchor="ctr"/>
+          <a:lstStyle/>
+          <a:p>
+            <a:pPr algn="ctr"/>
+            <a:r>
+              <a:rPr lang="pt-BR" sz="1600" dirty="0" smtClean="0"/>
+              <a:t>Suspensa</a:t>
+            </a:r>
+          </a:p>
+        </p:txBody>
+      </p:sp>
+      <p:sp>
+        <p:nvSpPr>
+          <p:cNvPr id="10" name="Retângulo 9"/>
+          <p:cNvSpPr/>
+          <p:nvPr/>
+        </p:nvSpPr>
+        <p:spPr>
+          <a:xfrm>
+            <a:off x="755576" y="4941168"/>
+            <a:ext cx="1512168" cy="720080"/>
+          </a:xfrm>
+          <a:prstGeom prst="rect">
+            <a:avLst/>
+          </a:prstGeom>
+          <a:noFill/>
+          <a:ln w="38100">
+            <a:solidFill>
+              <a:schemeClr val="tx1"/>
+            </a:solidFill>
+          </a:ln>
+        </p:spPr>
+        <p:style>
+          <a:lnRef idx="2">
+            <a:schemeClr val="accent1">
+              <a:shade val="50000"/>
+            </a:schemeClr>
+          </a:lnRef>
+          <a:fillRef idx="1">
+            <a:schemeClr val="accent1"/>
+          </a:fillRef>
+          <a:effectRef idx="0">
+            <a:schemeClr val="accent1"/>
+          </a:effectRef>
+          <a:fontRef idx="minor">
+            <a:schemeClr val="lt1"/>
+          </a:fontRef>
+        </p:style>
+        <p:txBody>
+          <a:bodyPr rtlCol="0" anchor="ctr"/>
+          <a:lstStyle/>
+          <a:p>
+            <a:pPr algn="ctr"/>
+            <a:r>
+              <a:rPr lang="pt-BR" sz="1600" dirty="0" smtClean="0"/>
+              <a:t>Morta</a:t>
+            </a:r>
+            <a:endParaRPr lang="pt-BR" sz="1600" dirty="0"/>
+          </a:p>
+        </p:txBody>
+      </p:sp>
       <p:cxnSp>
         <p:nvCxnSpPr>
           <p:cNvPr id="15" name="Conector de seta reta 14"/>
+          <p:cNvCxnSpPr/>
+          <p:nvPr/>
+        </p:nvCxnSpPr>
+        <p:spPr>
+          <a:xfrm>
+            <a:off x="1259632" y="2852936"/>
+            <a:ext cx="0" cy="792088"/>
+          </a:xfrm>
+          <a:prstGeom prst="straightConnector1">
+            <a:avLst/>
+          </a:prstGeom>
+          <a:ln w="38100">
+            <a:solidFill>
+              <a:schemeClr val="tx1"/>
+            </a:solidFill>
+            <a:tailEnd type="arrow"/>
+          </a:ln>
+        </p:spPr>
+        <p:style>
+          <a:lnRef idx="1">
+            <a:schemeClr val="accent1"/>
+          </a:lnRef>
+          <a:fillRef idx="0">
+            <a:schemeClr val="accent1"/>
+          </a:fillRef>
+          <a:effectRef idx="0">
+            <a:schemeClr val="accent1"/>
+          </a:effectRef>
+          <a:fontRef idx="minor">
+            <a:schemeClr val="tx1"/>
+          </a:fontRef>
+        </p:style>
+      </p:cxnSp>
+      <p:cxnSp>
+        <p:nvCxnSpPr>
+          <p:cNvPr id="17" name="Forma 16"/>
           <p:cNvCxnSpPr>
-            <a:stCxn id="6" idx="2"/>
-            <a:endCxn id="5" idx="0"/>
+            <a:endCxn id="7" idx="2"/>
+          </p:cNvCxnSpPr>
+          <p:nvPr/>
+        </p:nvCxnSpPr>
+        <p:spPr>
+          <a:xfrm flipV="1">
+            <a:off x="2267744" y="3429000"/>
+            <a:ext cx="1332148" cy="432048"/>
+          </a:xfrm>
+          <a:prstGeom prst="bentConnector2">
+            <a:avLst/>
+          </a:prstGeom>
+          <a:ln w="38100">
+            <a:solidFill>
+              <a:schemeClr val="tx1"/>
+            </a:solidFill>
+            <a:tailEnd type="arrow"/>
+          </a:ln>
+        </p:spPr>
+        <p:style>
+          <a:lnRef idx="1">
+            <a:schemeClr val="accent1"/>
+          </a:lnRef>
+          <a:fillRef idx="0">
+            <a:schemeClr val="accent1"/>
+          </a:fillRef>
+          <a:effectRef idx="0">
+            <a:schemeClr val="accent1"/>
+          </a:effectRef>
+          <a:fontRef idx="minor">
+            <a:schemeClr val="tx1"/>
+          </a:fontRef>
+        </p:style>
+      </p:cxnSp>
+      <p:cxnSp>
+        <p:nvCxnSpPr>
+          <p:cNvPr id="18" name="Forma 17"/>
+          <p:cNvCxnSpPr>
+            <a:stCxn id="5" idx="3"/>
+            <a:endCxn id="9" idx="2"/>
+          </p:cNvCxnSpPr>
+          <p:nvPr/>
+        </p:nvCxnSpPr>
+        <p:spPr>
+          <a:xfrm flipV="1">
+            <a:off x="2267744" y="3429000"/>
+            <a:ext cx="3420380" cy="576064"/>
+          </a:xfrm>
+          <a:prstGeom prst="bentConnector2">
+            <a:avLst/>
+          </a:prstGeom>
+          <a:ln w="38100">
+            <a:solidFill>
+              <a:schemeClr val="tx1"/>
+            </a:solidFill>
+            <a:tailEnd type="arrow"/>
+          </a:ln>
+        </p:spPr>
+        <p:style>
+          <a:lnRef idx="1">
+            <a:schemeClr val="accent1"/>
+          </a:lnRef>
+          <a:fillRef idx="0">
+            <a:schemeClr val="accent1"/>
+          </a:fillRef>
+          <a:effectRef idx="0">
+            <a:schemeClr val="accent1"/>
+          </a:effectRef>
+          <a:fontRef idx="minor">
+            <a:schemeClr val="tx1"/>
+          </a:fontRef>
+        </p:style>
+      </p:cxnSp>
+      <p:cxnSp>
+        <p:nvCxnSpPr>
+          <p:cNvPr id="22" name="Forma 21"/>
+          <p:cNvCxnSpPr>
+            <a:endCxn id="8" idx="2"/>
+          </p:cNvCxnSpPr>
+          <p:nvPr/>
+        </p:nvCxnSpPr>
+        <p:spPr>
+          <a:xfrm flipV="1">
+            <a:off x="2267744" y="3429000"/>
+            <a:ext cx="5508612" cy="720080"/>
+          </a:xfrm>
+          <a:prstGeom prst="bentConnector2">
+            <a:avLst/>
+          </a:prstGeom>
+          <a:ln w="38100">
+            <a:solidFill>
+              <a:schemeClr val="tx1"/>
+            </a:solidFill>
+            <a:tailEnd type="arrow"/>
+          </a:ln>
+        </p:spPr>
+        <p:style>
+          <a:lnRef idx="1">
+            <a:schemeClr val="accent1"/>
+          </a:lnRef>
+          <a:fillRef idx="0">
+            <a:schemeClr val="accent1"/>
+          </a:fillRef>
+          <a:effectRef idx="0">
+            <a:schemeClr val="accent1"/>
+          </a:effectRef>
+          <a:fontRef idx="minor">
+            <a:schemeClr val="tx1"/>
+          </a:fontRef>
+        </p:style>
+      </p:cxnSp>
+      <p:cxnSp>
+        <p:nvCxnSpPr>
+          <p:cNvPr id="25" name="Forma 24"/>
+          <p:cNvCxnSpPr>
+            <a:stCxn id="7" idx="0"/>
+          </p:cNvCxnSpPr>
+          <p:nvPr/>
+        </p:nvCxnSpPr>
+        <p:spPr>
+          <a:xfrm rot="16200000" flipV="1">
+            <a:off x="2753798" y="2150858"/>
+            <a:ext cx="360040" cy="1332148"/>
+          </a:xfrm>
+          <a:prstGeom prst="bentConnector2">
+            <a:avLst/>
+          </a:prstGeom>
+          <a:ln w="38100">
+            <a:solidFill>
+              <a:schemeClr val="tx1"/>
+            </a:solidFill>
+            <a:tailEnd type="arrow"/>
+          </a:ln>
+        </p:spPr>
+        <p:style>
+          <a:lnRef idx="1">
+            <a:schemeClr val="accent1"/>
+          </a:lnRef>
+          <a:fillRef idx="0">
+            <a:schemeClr val="accent1"/>
+          </a:fillRef>
+          <a:effectRef idx="0">
+            <a:schemeClr val="accent1"/>
+          </a:effectRef>
+          <a:fontRef idx="minor">
+            <a:schemeClr val="tx1"/>
+          </a:fontRef>
+        </p:style>
+      </p:cxnSp>
+      <p:cxnSp>
+        <p:nvCxnSpPr>
+          <p:cNvPr id="28" name="Forma 27"/>
+          <p:cNvCxnSpPr>
+            <a:stCxn id="9" idx="0"/>
+            <a:endCxn id="6" idx="3"/>
+          </p:cNvCxnSpPr>
+          <p:nvPr/>
+        </p:nvCxnSpPr>
+        <p:spPr>
+          <a:xfrm rot="16200000" flipV="1">
+            <a:off x="3725906" y="1034734"/>
+            <a:ext cx="504056" cy="3420380"/>
+          </a:xfrm>
+          <a:prstGeom prst="bentConnector2">
+            <a:avLst/>
+          </a:prstGeom>
+          <a:ln w="38100">
+            <a:solidFill>
+              <a:schemeClr val="tx1"/>
+            </a:solidFill>
+            <a:tailEnd type="arrow"/>
+          </a:ln>
+        </p:spPr>
+        <p:style>
+          <a:lnRef idx="1">
+            <a:schemeClr val="accent1"/>
+          </a:lnRef>
+          <a:fillRef idx="0">
+            <a:schemeClr val="accent1"/>
+          </a:fillRef>
+          <a:effectRef idx="0">
+            <a:schemeClr val="accent1"/>
+          </a:effectRef>
+          <a:fontRef idx="minor">
+            <a:schemeClr val="tx1"/>
+          </a:fontRef>
+        </p:style>
+      </p:cxnSp>
+      <p:cxnSp>
+        <p:nvCxnSpPr>
+          <p:cNvPr id="31" name="Forma 30"/>
+          <p:cNvCxnSpPr>
+            <a:stCxn id="8" idx="0"/>
+          </p:cNvCxnSpPr>
+          <p:nvPr/>
+        </p:nvCxnSpPr>
+        <p:spPr>
+          <a:xfrm rot="16200000" flipV="1">
+            <a:off x="4698014" y="-81390"/>
+            <a:ext cx="648072" cy="5508612"/>
+          </a:xfrm>
+          <a:prstGeom prst="bentConnector2">
+            <a:avLst/>
+          </a:prstGeom>
+          <a:ln w="38100">
+            <a:solidFill>
+              <a:schemeClr val="tx1"/>
+            </a:solidFill>
+            <a:tailEnd type="arrow"/>
+          </a:ln>
+        </p:spPr>
+        <p:style>
+          <a:lnRef idx="1">
+            <a:schemeClr val="accent1"/>
+          </a:lnRef>
+          <a:fillRef idx="0">
+            <a:schemeClr val="accent1"/>
+          </a:fillRef>
+          <a:effectRef idx="0">
+            <a:schemeClr val="accent1"/>
+          </a:effectRef>
+          <a:fontRef idx="minor">
+            <a:schemeClr val="tx1"/>
+          </a:fontRef>
+        </p:style>
+      </p:cxnSp>
+      <p:cxnSp>
+        <p:nvCxnSpPr>
+          <p:cNvPr id="34" name="Conector de seta reta 33"/>
+          <p:cNvCxnSpPr>
+            <a:stCxn id="5" idx="2"/>
+            <a:endCxn id="10" idx="0"/>
           </p:cNvCxnSpPr>
           <p:nvPr/>
         </p:nvCxnSpPr>
         <p:spPr>
           <a:xfrm>
-            <a:off x="1511660" y="2852936"/>
-            <a:ext cx="0" cy="792088"/>
+            <a:off x="1511660" y="4365104"/>
+            <a:ext cx="0" cy="576064"/>
           </a:xfrm>
           <a:prstGeom prst="straightConnector1">
             <a:avLst/>
@@ -9250,70 +9029,42 @@
           </a:p>
         </p:txBody>
       </p:sp>
-      <p:sp>
-        <p:nvSpPr>
-          <p:cNvPr id="29" name="Retângulo 28"/>
-          <p:cNvSpPr/>
+      <p:cxnSp>
+        <p:nvCxnSpPr>
+          <p:cNvPr id="57" name="Conector de seta reta 56"/>
+          <p:cNvCxnSpPr/>
           <p:nvPr/>
-        </p:nvSpPr>
+        </p:nvCxnSpPr>
         <p:spPr>
-          <a:xfrm>
-            <a:off x="1547664" y="1700808"/>
-            <a:ext cx="1008112" cy="360040"/>
+          <a:xfrm flipV="1">
+            <a:off x="1763688" y="2852936"/>
+            <a:ext cx="0" cy="792088"/>
           </a:xfrm>
-          <a:prstGeom prst="rect">
+          <a:prstGeom prst="straightConnector1">
             <a:avLst/>
           </a:prstGeom>
-          <a:noFill/>
-          <a:ln>
-            <a:noFill/>
+          <a:ln w="38100">
+            <a:solidFill>
+              <a:schemeClr val="tx1"/>
+            </a:solidFill>
+            <a:tailEnd type="arrow"/>
           </a:ln>
         </p:spPr>
         <p:style>
-          <a:lnRef idx="2">
-            <a:schemeClr val="accent1">
-              <a:shade val="50000"/>
-            </a:schemeClr>
+          <a:lnRef idx="1">
+            <a:schemeClr val="accent1"/>
           </a:lnRef>
-          <a:fillRef idx="1">
+          <a:fillRef idx="0">
             <a:schemeClr val="accent1"/>
           </a:fillRef>
           <a:effectRef idx="0">
             <a:schemeClr val="accent1"/>
           </a:effectRef>
           <a:fontRef idx="minor">
-            <a:schemeClr val="lt1"/>
+            <a:schemeClr val="tx1"/>
           </a:fontRef>
         </p:style>
-        <p:txBody>
-          <a:bodyPr rtlCol="0" anchor="ctr"/>
-          <a:lstStyle/>
-          <a:p>
-            <a:pPr algn="ctr"/>
-            <a:r>
-              <a:rPr lang="pt-BR" dirty="0" err="1" smtClean="0">
-                <a:solidFill>
-                  <a:srgbClr val="FFC000"/>
-                </a:solidFill>
-              </a:rPr>
-              <a:t>t.start</a:t>
-            </a:r>
-            <a:r>
-              <a:rPr lang="pt-BR" dirty="0" smtClean="0">
-                <a:solidFill>
-                  <a:srgbClr val="FFC000"/>
-                </a:solidFill>
-              </a:rPr>
-              <a:t>()</a:t>
-            </a:r>
-            <a:endParaRPr lang="pt-BR" dirty="0">
-              <a:solidFill>
-                <a:srgbClr val="FFC000"/>
-              </a:solidFill>
-            </a:endParaRPr>
-          </a:p>
-        </p:txBody>
-      </p:sp>
+      </p:cxnSp>
     </p:spTree>
   </p:cSld>
   <p:clrMapOvr>
@@ -9391,7 +9142,7 @@
           <a:p>
             <a:r>
               <a:rPr lang="pt-BR" sz="2400" u="sng" dirty="0" smtClean="0"/>
-              <a:t>Executando</a:t>
+              <a:t>Pronta para ser executada</a:t>
             </a:r>
           </a:p>
           <a:p>
@@ -9406,38 +9157,7 @@
             </a:pPr>
             <a:r>
               <a:rPr lang="pt-BR" sz="2000" dirty="0" smtClean="0"/>
-              <a:t>Durante a sua execução, uma thread pode ser </a:t>
-            </a:r>
-            <a:r>
-              <a:rPr lang="pt-BR" sz="2000" dirty="0" err="1" smtClean="0"/>
-              <a:t>momentanea-mente</a:t>
-            </a:r>
-            <a:r>
-              <a:rPr lang="pt-BR" sz="2000" dirty="0" smtClean="0"/>
-              <a:t> pausada cedendo sua vez para outras threads.</a:t>
-            </a:r>
-          </a:p>
-          <a:p>
-            <a:pPr marL="442913" lvl="1" indent="0">
-              <a:buNone/>
-            </a:pPr>
-            <a:endParaRPr lang="pt-BR" sz="2000" dirty="0" smtClean="0"/>
-          </a:p>
-          <a:p>
-            <a:pPr marL="442913" lvl="1" indent="0">
-              <a:buNone/>
-            </a:pPr>
-            <a:r>
-              <a:rPr lang="pt-BR" sz="2000" dirty="0" smtClean="0"/>
-              <a:t>Esta pausa pode ser realizada por decisão do JVM ou por solicitação da própria thread que pode “ceder” sua vez através do método estático </a:t>
-            </a:r>
-            <a:r>
-              <a:rPr lang="pt-BR" sz="2000" dirty="0" err="1" smtClean="0">
-                <a:solidFill>
-                  <a:srgbClr val="FFC000"/>
-                </a:solidFill>
-              </a:rPr>
-              <a:t>yeld</a:t>
+              <a:t>Uma thread fica pronta para ser executada tão logo seu método </a:t>
             </a:r>
             <a:r>
               <a:rPr lang="pt-BR" sz="2000" dirty="0" smtClean="0">
@@ -9445,8 +9165,28 @@
                   <a:srgbClr val="FFC000"/>
                 </a:solidFill>
               </a:rPr>
-              <a:t>()</a:t>
-            </a:r>
+              <a:t>start()</a:t>
+            </a:r>
+            <a:r>
+              <a:rPr lang="pt-BR" sz="2000" dirty="0" smtClean="0"/>
+              <a:t> seja chamado.</a:t>
+            </a:r>
+          </a:p>
+          <a:p>
+            <a:pPr marL="442913" lvl="1" indent="0">
+              <a:buNone/>
+            </a:pPr>
+            <a:endParaRPr lang="pt-BR" sz="2000" dirty="0" smtClean="0"/>
+          </a:p>
+          <a:p>
+            <a:pPr marL="442913" lvl="1" indent="0">
+              <a:buNone/>
+            </a:pPr>
+            <a:r>
+              <a:rPr lang="pt-BR" sz="2000" dirty="0" smtClean="0"/>
+              <a:t>Lá ela ficará aguardando até que o JVM tenha oportunidade de executá-la</a:t>
+            </a:r>
+            <a:endParaRPr lang="pt-BR" sz="2000" dirty="0"/>
           </a:p>
         </p:txBody>
       </p:sp>
@@ -9488,6 +9228,56 @@
         <p:spPr>
           <a:xfrm>
             <a:off x="755576" y="3645024"/>
+            <a:ext cx="1512168" cy="720080"/>
+          </a:xfrm>
+          <a:prstGeom prst="rect">
+            <a:avLst/>
+          </a:prstGeom>
+          <a:noFill/>
+          <a:ln w="38100">
+            <a:solidFill>
+              <a:schemeClr val="tx1"/>
+            </a:solidFill>
+          </a:ln>
+        </p:spPr>
+        <p:style>
+          <a:lnRef idx="2">
+            <a:schemeClr val="accent1">
+              <a:shade val="50000"/>
+            </a:schemeClr>
+          </a:lnRef>
+          <a:fillRef idx="1">
+            <a:schemeClr val="accent1"/>
+          </a:fillRef>
+          <a:effectRef idx="0">
+            <a:schemeClr val="accent1"/>
+          </a:effectRef>
+          <a:fontRef idx="minor">
+            <a:schemeClr val="lt1"/>
+          </a:fontRef>
+        </p:style>
+        <p:txBody>
+          <a:bodyPr rtlCol="0" anchor="ctr"/>
+          <a:lstStyle/>
+          <a:p>
+            <a:pPr algn="ctr"/>
+            <a:r>
+              <a:rPr lang="pt-BR" sz="1600" dirty="0" smtClean="0"/>
+              <a:t>Executando</a:t>
+            </a:r>
+            <a:endParaRPr lang="pt-BR" sz="1600" dirty="0"/>
+          </a:p>
+        </p:txBody>
+      </p:sp>
+      <p:sp>
+        <p:nvSpPr>
+          <p:cNvPr id="6" name="Retângulo 5"/>
+          <p:cNvSpPr/>
+          <p:nvPr/>
+        </p:nvSpPr>
+        <p:spPr>
+          <a:xfrm>
+            <a:off x="755576" y="2132856"/>
             <a:ext cx="1512168" cy="720080"/>
           </a:xfrm>
           <a:prstGeom prst="rect">
@@ -9525,56 +9315,6 @@
             <a:pPr algn="ctr"/>
             <a:r>
               <a:rPr lang="pt-BR" sz="1600" dirty="0" smtClean="0"/>
-              <a:t>Executando</a:t>
-            </a:r>
-            <a:endParaRPr lang="pt-BR" sz="1600" dirty="0"/>
-          </a:p>
-        </p:txBody>
-      </p:sp>
-      <p:sp>
-        <p:nvSpPr>
-          <p:cNvPr id="6" name="Retângulo 5"/>
-          <p:cNvSpPr/>
-          <p:nvPr/>
-        </p:nvSpPr>
-        <p:spPr>
-          <a:xfrm>
-            <a:off x="755576" y="2132856"/>
-            <a:ext cx="1512168" cy="720080"/>
-          </a:xfrm>
-          <a:prstGeom prst="rect">
-            <a:avLst/>
-          </a:prstGeom>
-          <a:noFill/>
-          <a:ln w="38100">
-            <a:solidFill>
-              <a:schemeClr val="tx1"/>
-            </a:solidFill>
-          </a:ln>
-        </p:spPr>
-        <p:style>
-          <a:lnRef idx="2">
-            <a:schemeClr val="accent1">
-              <a:shade val="50000"/>
-            </a:schemeClr>
-          </a:lnRef>
-          <a:fillRef idx="1">
-            <a:schemeClr val="accent1"/>
-          </a:fillRef>
-          <a:effectRef idx="0">
-            <a:schemeClr val="accent1"/>
-          </a:effectRef>
-          <a:fontRef idx="minor">
-            <a:schemeClr val="lt1"/>
-          </a:fontRef>
-        </p:style>
-        <p:txBody>
-          <a:bodyPr rtlCol="0" anchor="ctr"/>
-          <a:lstStyle/>
-          <a:p>
-            <a:pPr algn="ctr"/>
-            <a:r>
-              <a:rPr lang="pt-BR" sz="1600" dirty="0" smtClean="0"/>
               <a:t>Pronta para</a:t>
             </a:r>
           </a:p>
@@ -9590,15 +9330,15 @@
       </p:sp>
       <p:cxnSp>
         <p:nvCxnSpPr>
-          <p:cNvPr id="57" name="Conector de seta reta 56"/>
+          <p:cNvPr id="15" name="Conector de seta reta 14"/>
           <p:cNvCxnSpPr>
-            <a:stCxn id="5" idx="0"/>
-            <a:endCxn id="6" idx="2"/>
+            <a:stCxn id="6" idx="2"/>
+            <a:endCxn id="5" idx="0"/>
           </p:cNvCxnSpPr>
           <p:nvPr/>
         </p:nvCxnSpPr>
         <p:spPr>
-          <a:xfrm flipV="1">
+          <a:xfrm>
             <a:off x="1511660" y="2852936"/>
             <a:ext cx="0" cy="792088"/>
           </a:xfrm>
@@ -9627,16 +9367,98 @@
           </a:fontRef>
         </p:style>
       </p:cxnSp>
-      <p:sp>
-        <p:nvSpPr>
-          <p:cNvPr id="71" name="Retângulo 70"/>
+      <p:cxnSp>
+        <p:nvCxnSpPr>
+          <p:cNvPr id="53" name="Conector de seta reta 52"/>
+          <p:cNvCxnSpPr/>
+          <p:nvPr/>
+        </p:nvCxnSpPr>
+        <p:spPr>
+          <a:xfrm>
+            <a:off x="1511300" y="1671960"/>
+            <a:ext cx="0" cy="460896"/>
+          </a:xfrm>
+          <a:prstGeom prst="straightConnector1">
+            <a:avLst/>
+          </a:prstGeom>
+          <a:ln w="38100">
+            <a:solidFill>
+              <a:schemeClr val="tx1"/>
+            </a:solidFill>
+            <a:tailEnd type="arrow"/>
+          </a:ln>
+        </p:spPr>
+        <p:style>
+          <a:lnRef idx="1">
+            <a:schemeClr val="accent1"/>
+          </a:lnRef>
+          <a:fillRef idx="0">
+            <a:schemeClr val="accent1"/>
+          </a:fillRef>
+          <a:effectRef idx="0">
+            <a:schemeClr val="accent1"/>
+          </a:effectRef>
+          <a:fontRef idx="minor">
+            <a:schemeClr val="tx1"/>
+          </a:fontRef>
+        </p:style>
+      </p:cxnSp>
+      <p:sp>
+        <p:nvSpPr>
+          <p:cNvPr id="55" name="Elipse 54"/>
           <p:cNvSpPr/>
           <p:nvPr/>
         </p:nvSpPr>
         <p:spPr>
           <a:xfrm>
-            <a:off x="1547664" y="3068960"/>
-            <a:ext cx="1584176" cy="360040"/>
+            <a:off x="1403648" y="1556792"/>
+            <a:ext cx="216024" cy="216024"/>
+          </a:xfrm>
+          <a:prstGeom prst="ellipse">
+            <a:avLst/>
+          </a:prstGeom>
+          <a:solidFill>
+            <a:schemeClr val="tx1"/>
+          </a:solidFill>
+          <a:ln>
+            <a:noFill/>
+          </a:ln>
+        </p:spPr>
+        <p:style>
+          <a:lnRef idx="2">
+            <a:schemeClr val="accent1">
+              <a:shade val="50000"/>
+            </a:schemeClr>
+          </a:lnRef>
+          <a:fillRef idx="1">
+            <a:schemeClr val="accent1"/>
+          </a:fillRef>
+          <a:effectRef idx="0">
+            <a:schemeClr val="accent1"/>
+          </a:effectRef>
+          <a:fontRef idx="minor">
+            <a:schemeClr val="lt1"/>
+          </a:fontRef>
+        </p:style>
+        <p:txBody>
+          <a:bodyPr rtlCol="0" anchor="ctr"/>
+          <a:lstStyle/>
+          <a:p>
+            <a:pPr algn="ctr"/>
+            <a:endParaRPr lang="pt-BR"/>
+          </a:p>
+        </p:txBody>
+      </p:sp>
+      <p:sp>
+        <p:nvSpPr>
+          <p:cNvPr id="29" name="Retângulo 28"/>
+          <p:cNvSpPr/>
+          <p:nvPr/>
+        </p:nvSpPr>
+        <p:spPr>
+          <a:xfrm>
+            <a:off x="1547664" y="1700808"/>
+            <a:ext cx="1008112" cy="360040"/>
           </a:xfrm>
           <a:prstGeom prst="rect">
             <a:avLst/>
@@ -9668,20 +9490,12 @@
           <a:p>
             <a:pPr algn="ctr"/>
             <a:r>
-              <a:rPr lang="pt-BR" dirty="0" smtClean="0">
-                <a:solidFill>
-                  <a:srgbClr val="FFC000"/>
-                </a:solidFill>
-              </a:rPr>
-              <a:t>Thread.</a:t>
-            </a:r>
-            <a:r>
               <a:rPr lang="pt-BR" dirty="0" err="1" smtClean="0">
                 <a:solidFill>
                   <a:srgbClr val="FFC000"/>
                 </a:solidFill>
               </a:rPr>
-              <a:t>yeld</a:t>
+              <a:t>t.start</a:t>
             </a:r>
             <a:r>
               <a:rPr lang="pt-BR" dirty="0" smtClean="0">
@@ -9766,8 +9580,8 @@
         </p:nvSpPr>
         <p:spPr>
           <a:xfrm>
-            <a:off x="2699792" y="1556792"/>
-            <a:ext cx="5976664" cy="4680520"/>
+            <a:off x="4211960" y="1556792"/>
+            <a:ext cx="4320480" cy="4680520"/>
           </a:xfrm>
         </p:spPr>
         <p:txBody>
@@ -9776,7 +9590,7 @@
           <a:p>
             <a:r>
               <a:rPr lang="pt-BR" sz="2400" u="sng" dirty="0" smtClean="0"/>
-              <a:t>Morta</a:t>
+              <a:t>Executando</a:t>
             </a:r>
           </a:p>
           <a:p>
@@ -9791,7 +9605,15 @@
             </a:pPr>
             <a:r>
               <a:rPr lang="pt-BR" sz="2000" dirty="0" smtClean="0"/>
-              <a:t>Uma thread é considerada morta quando o seu processamento já foi executado pelo JVM.</a:t>
+              <a:t>Durante a sua execução, uma thread pode ser </a:t>
+            </a:r>
+            <a:r>
+              <a:rPr lang="pt-BR" sz="2000" dirty="0" err="1" smtClean="0"/>
+              <a:t>momentanea-mente</a:t>
+            </a:r>
+            <a:r>
+              <a:rPr lang="pt-BR" sz="2000" dirty="0" smtClean="0"/>
+              <a:t> pausada cedendo sua vez para outras threads.</a:t>
             </a:r>
           </a:p>
           <a:p>
@@ -9806,26 +9628,7 @@
             </a:pPr>
             <a:r>
               <a:rPr lang="pt-BR" sz="2000" dirty="0" smtClean="0"/>
-              <a:t>Instâncias de threads mortas não podem ser reexecutadas. Caso seja necessário uma nova execução, crie uma nova instância da thread</a:t>
-            </a:r>
-            <a:r>
-              <a:rPr lang="pt-BR" sz="2000" dirty="0" smtClean="0"/>
-              <a:t>.</a:t>
-            </a:r>
-          </a:p>
-          <a:p>
-            <a:pPr marL="442913" lvl="1" indent="0">
-              <a:buNone/>
-            </a:pPr>
-            <a:endParaRPr lang="pt-BR" sz="2000" dirty="0" smtClean="0"/>
-          </a:p>
-          <a:p>
-            <a:pPr marL="442913" lvl="1" indent="0">
-              <a:buNone/>
-            </a:pPr>
-            <a:r>
-              <a:rPr lang="pt-BR" sz="2000" dirty="0" smtClean="0"/>
-              <a:t>Embora não seja recomendado, uma thread pode ser abruptamente morta através do método </a:t>
+              <a:t>Esta pausa pode ser realizada por decisão do JVM ou por solicitação da própria thread que pode “ceder” sua vez através do método estático </a:t>
             </a:r>
             <a:r>
               <a:rPr lang="pt-BR" sz="2000" dirty="0" err="1" smtClean="0">
@@ -9833,7 +9636,7 @@
                   <a:srgbClr val="FFC000"/>
                 </a:solidFill>
               </a:rPr>
-              <a:t>stop</a:t>
+              <a:t>yeld</a:t>
             </a:r>
             <a:r>
               <a:rPr lang="pt-BR" sz="2000" dirty="0" smtClean="0">
@@ -9843,11 +9646,6 @@
               </a:rPr>
               <a:t>()</a:t>
             </a:r>
-            <a:r>
-              <a:rPr lang="pt-BR" sz="2000" dirty="0" smtClean="0"/>
-              <a:t> que foi depreciado desde a versão 1.2</a:t>
-            </a:r>
-            <a:endParaRPr lang="pt-BR" sz="2000" dirty="0"/>
           </a:p>
         </p:txBody>
       </p:sp>
@@ -9889,56 +9687,6 @@
         <p:spPr>
           <a:xfrm>
             <a:off x="755576" y="3645024"/>
-            <a:ext cx="1512168" cy="720080"/>
-          </a:xfrm>
-          <a:prstGeom prst="rect">
-            <a:avLst/>
-          </a:prstGeom>
-          <a:noFill/>
-          <a:ln w="38100">
-            <a:solidFill>
-              <a:schemeClr val="tx1"/>
-            </a:solidFill>
-          </a:ln>
-        </p:spPr>
-        <p:style>
-          <a:lnRef idx="2">
-            <a:schemeClr val="accent1">
-              <a:shade val="50000"/>
-            </a:schemeClr>
-          </a:lnRef>
-          <a:fillRef idx="1">
-            <a:schemeClr val="accent1"/>
-          </a:fillRef>
-          <a:effectRef idx="0">
-            <a:schemeClr val="accent1"/>
-          </a:effectRef>
-          <a:fontRef idx="minor">
-            <a:schemeClr val="lt1"/>
-          </a:fontRef>
-        </p:style>
-        <p:txBody>
-          <a:bodyPr rtlCol="0" anchor="ctr"/>
-          <a:lstStyle/>
-          <a:p>
-            <a:pPr algn="ctr"/>
-            <a:r>
-              <a:rPr lang="pt-BR" sz="1600" dirty="0" smtClean="0"/>
-              <a:t>Executando</a:t>
-            </a:r>
-            <a:endParaRPr lang="pt-BR" sz="1600" dirty="0"/>
-          </a:p>
-        </p:txBody>
-      </p:sp>
-      <p:sp>
-        <p:nvSpPr>
-          <p:cNvPr id="10" name="Retângulo 9"/>
-          <p:cNvSpPr/>
-          <p:nvPr/>
-        </p:nvSpPr>
-        <p:spPr>
-          <a:xfrm>
-            <a:off x="755576" y="4941168"/>
             <a:ext cx="1512168" cy="720080"/>
           </a:xfrm>
           <a:prstGeom prst="rect">
@@ -9976,7 +9724,64 @@
             <a:pPr algn="ctr"/>
             <a:r>
               <a:rPr lang="pt-BR" sz="1600" dirty="0" smtClean="0"/>
-              <a:t>Morta</a:t>
+              <a:t>Executando</a:t>
+            </a:r>
+            <a:endParaRPr lang="pt-BR" sz="1600" dirty="0"/>
+          </a:p>
+        </p:txBody>
+      </p:sp>
+      <p:sp>
+        <p:nvSpPr>
+          <p:cNvPr id="6" name="Retângulo 5"/>
+          <p:cNvSpPr/>
+          <p:nvPr/>
+        </p:nvSpPr>
+        <p:spPr>
+          <a:xfrm>
+            <a:off x="755576" y="2132856"/>
+            <a:ext cx="1512168" cy="720080"/>
+          </a:xfrm>
+          <a:prstGeom prst="rect">
+            <a:avLst/>
+          </a:prstGeom>
+          <a:noFill/>
+          <a:ln w="38100">
+            <a:solidFill>
+              <a:schemeClr val="tx1"/>
+            </a:solidFill>
+          </a:ln>
+        </p:spPr>
+        <p:style>
+          <a:lnRef idx="2">
+            <a:schemeClr val="accent1">
+              <a:shade val="50000"/>
+            </a:schemeClr>
+          </a:lnRef>
+          <a:fillRef idx="1">
+            <a:schemeClr val="accent1"/>
+          </a:fillRef>
+          <a:effectRef idx="0">
+            <a:schemeClr val="accent1"/>
+          </a:effectRef>
+          <a:fontRef idx="minor">
+            <a:schemeClr val="lt1"/>
+          </a:fontRef>
+        </p:style>
+        <p:txBody>
+          <a:bodyPr rtlCol="0" anchor="ctr"/>
+          <a:lstStyle/>
+          <a:p>
+            <a:pPr algn="ctr"/>
+            <a:r>
+              <a:rPr lang="pt-BR" sz="1600" dirty="0" smtClean="0"/>
+              <a:t>Pronta para</a:t>
+            </a:r>
+          </a:p>
+          <a:p>
+            <a:pPr algn="ctr"/>
+            <a:r>
+              <a:rPr lang="pt-BR" sz="1600" dirty="0" smtClean="0"/>
+              <a:t>ser executada</a:t>
             </a:r>
             <a:endParaRPr lang="pt-BR" sz="1600" dirty="0"/>
           </a:p>
@@ -9984,17 +9789,17 @@
       </p:sp>
       <p:cxnSp>
         <p:nvCxnSpPr>
-          <p:cNvPr id="34" name="Conector de seta reta 33"/>
+          <p:cNvPr id="57" name="Conector de seta reta 56"/>
           <p:cNvCxnSpPr>
-            <a:stCxn id="5" idx="2"/>
-            <a:endCxn id="10" idx="0"/>
+            <a:stCxn id="5" idx="0"/>
+            <a:endCxn id="6" idx="2"/>
           </p:cNvCxnSpPr>
           <p:nvPr/>
         </p:nvCxnSpPr>
         <p:spPr>
-          <a:xfrm>
-            <a:off x="1511660" y="4365104"/>
-            <a:ext cx="0" cy="576064"/>
+          <a:xfrm flipV="1">
+            <a:off x="1511660" y="2852936"/>
+            <a:ext cx="0" cy="792088"/>
           </a:xfrm>
           <a:prstGeom prst="straightConnector1">
             <a:avLst/>
@@ -10023,14 +9828,14 @@
       </p:cxnSp>
       <p:sp>
         <p:nvSpPr>
-          <p:cNvPr id="72" name="Retângulo 71"/>
+          <p:cNvPr id="71" name="Retângulo 70"/>
           <p:cNvSpPr/>
           <p:nvPr/>
         </p:nvSpPr>
         <p:spPr>
           <a:xfrm>
-            <a:off x="1547664" y="4437112"/>
-            <a:ext cx="936104" cy="360040"/>
+            <a:off x="1547664" y="3068960"/>
+            <a:ext cx="1584176" cy="360040"/>
           </a:xfrm>
           <a:prstGeom prst="rect">
             <a:avLst/>
@@ -10062,12 +9867,20 @@
           <a:p>
             <a:pPr algn="ctr"/>
             <a:r>
+              <a:rPr lang="pt-BR" dirty="0" smtClean="0">
+                <a:solidFill>
+                  <a:srgbClr val="FFC000"/>
+                </a:solidFill>
+              </a:rPr>
+              <a:t>Thread.</a:t>
+            </a:r>
+            <a:r>
               <a:rPr lang="pt-BR" dirty="0" err="1" smtClean="0">
                 <a:solidFill>
                   <a:srgbClr val="FFC000"/>
                 </a:solidFill>
               </a:rPr>
-              <a:t>t.stop</a:t>
+              <a:t>yeld</a:t>
             </a:r>
             <a:r>
               <a:rPr lang="pt-BR" dirty="0" smtClean="0">
@@ -10152,8 +9965,8 @@
         </p:nvSpPr>
         <p:spPr>
           <a:xfrm>
-            <a:off x="4211960" y="1556792"/>
-            <a:ext cx="4320480" cy="4680520"/>
+            <a:off x="2699792" y="1556792"/>
+            <a:ext cx="5976664" cy="4680520"/>
           </a:xfrm>
         </p:spPr>
         <p:txBody>
@@ -10162,7 +9975,7 @@
           <a:p>
             <a:r>
               <a:rPr lang="pt-BR" sz="2400" u="sng" dirty="0" smtClean="0"/>
-              <a:t>Dormindo</a:t>
+              <a:t>Morta</a:t>
             </a:r>
           </a:p>
           <a:p>
@@ -10177,15 +9990,37 @@
             </a:pPr>
             <a:r>
               <a:rPr lang="pt-BR" sz="2000" dirty="0" smtClean="0"/>
-              <a:t>Uma </a:t>
-            </a:r>
+              <a:t>Uma thread é considerada morta quando o seu processamento já foi executado pelo JVM.</a:t>
+            </a:r>
+          </a:p>
+          <a:p>
+            <a:pPr marL="442913" lvl="1" indent="0">
+              <a:buNone/>
+            </a:pPr>
+            <a:endParaRPr lang="pt-BR" sz="2000" dirty="0" smtClean="0"/>
+          </a:p>
+          <a:p>
+            <a:pPr marL="442913" lvl="1" indent="0">
+              <a:buNone/>
+            </a:pPr>
             <a:r>
               <a:rPr lang="pt-BR" sz="2000" dirty="0" smtClean="0"/>
-              <a:t>thread pode ser colocada para “dormir</a:t>
-            </a:r>
+              <a:t>Instâncias de threads mortas não podem ser reexecutadas. Caso seja necessário uma nova execução, crie uma nova instância da thread.</a:t>
+            </a:r>
+          </a:p>
+          <a:p>
+            <a:pPr marL="442913" lvl="1" indent="0">
+              <a:buNone/>
+            </a:pPr>
+            <a:endParaRPr lang="pt-BR" sz="2000" dirty="0" smtClean="0"/>
+          </a:p>
+          <a:p>
+            <a:pPr marL="442913" lvl="1" indent="0">
+              <a:buNone/>
+            </a:pPr>
             <a:r>
               <a:rPr lang="pt-BR" sz="2000" dirty="0" smtClean="0"/>
-              <a:t>” através do método estático </a:t>
+              <a:t>Embora não seja recomendado, uma thread pode ser abruptamente morta através do método </a:t>
             </a:r>
             <a:r>
               <a:rPr lang="pt-BR" sz="2000" dirty="0" err="1" smtClean="0">
@@ -10193,7 +10028,7 @@
                   <a:srgbClr val="FFC000"/>
                 </a:solidFill>
               </a:rPr>
-              <a:t>sleep</a:t>
+              <a:t>stop</a:t>
             </a:r>
             <a:r>
               <a:rPr lang="pt-BR" sz="2000" dirty="0" smtClean="0">
@@ -10205,22 +10040,7 @@
             </a:r>
             <a:r>
               <a:rPr lang="pt-BR" sz="2000" dirty="0" smtClean="0"/>
-              <a:t> que faz com que a thread atual fique inativa durante o tempo solicitado.</a:t>
-            </a:r>
-          </a:p>
-          <a:p>
-            <a:pPr marL="442913" lvl="1" indent="0">
-              <a:buNone/>
-            </a:pPr>
-            <a:endParaRPr lang="pt-BR" sz="2000" dirty="0" smtClean="0"/>
-          </a:p>
-          <a:p>
-            <a:pPr marL="442913" lvl="1" indent="0">
-              <a:buNone/>
-            </a:pPr>
-            <a:r>
-              <a:rPr lang="pt-BR" sz="2000" dirty="0" smtClean="0"/>
-              <a:t>Após o tempo (especificado em milissegundos), a thread atual volta ao estado “Pronta para ser executada” aguardando sua nova oportunidade de execução.</a:t>
+              <a:t> que foi depreciado desde a versão 1.2</a:t>
             </a:r>
             <a:endParaRPr lang="pt-BR" sz="2000" dirty="0"/>
           </a:p>
@@ -10307,71 +10127,14 @@
       </p:sp>
       <p:sp>
         <p:nvSpPr>
-          <p:cNvPr id="6" name="Retângulo 5"/>
+          <p:cNvPr id="10" name="Retângulo 9"/>
           <p:cNvSpPr/>
           <p:nvPr/>
         </p:nvSpPr>
         <p:spPr>
           <a:xfrm>
-            <a:off x="755576" y="2132856"/>
+            <a:off x="755576" y="4941168"/>
             <a:ext cx="1512168" cy="720080"/>
-          </a:xfrm>
-          <a:prstGeom prst="rect">
-            <a:avLst/>
-          </a:prstGeom>
-          <a:noFill/>
-          <a:ln w="38100">
-            <a:solidFill>
-              <a:schemeClr val="tx1"/>
-            </a:solidFill>
-          </a:ln>
-        </p:spPr>
-        <p:style>
-          <a:lnRef idx="2">
-            <a:schemeClr val="accent1">
-              <a:shade val="50000"/>
-            </a:schemeClr>
-          </a:lnRef>
-          <a:fillRef idx="1">
-            <a:schemeClr val="accent1"/>
-          </a:fillRef>
-          <a:effectRef idx="0">
-            <a:schemeClr val="accent1"/>
-          </a:effectRef>
-          <a:fontRef idx="minor">
-            <a:schemeClr val="lt1"/>
-          </a:fontRef>
-        </p:style>
-        <p:txBody>
-          <a:bodyPr rtlCol="0" anchor="ctr"/>
-          <a:lstStyle/>
-          <a:p>
-            <a:pPr algn="ctr"/>
-            <a:r>
-              <a:rPr lang="pt-BR" sz="1600" dirty="0" smtClean="0"/>
-              <a:t>Pronta para</a:t>
-            </a:r>
-          </a:p>
-          <a:p>
-            <a:pPr algn="ctr"/>
-            <a:r>
-              <a:rPr lang="pt-BR" sz="1600" dirty="0" smtClean="0"/>
-              <a:t>ser executada</a:t>
-            </a:r>
-            <a:endParaRPr lang="pt-BR" sz="1600" dirty="0"/>
-          </a:p>
-        </p:txBody>
-      </p:sp>
-      <p:sp>
-        <p:nvSpPr>
-          <p:cNvPr id="7" name="Retângulo 6"/>
-          <p:cNvSpPr/>
-          <p:nvPr/>
-        </p:nvSpPr>
-        <p:spPr>
-          <a:xfrm>
-            <a:off x="2843808" y="2996952"/>
-            <a:ext cx="1512168" cy="432048"/>
           </a:xfrm>
           <a:prstGeom prst="rect">
             <a:avLst/>
@@ -10408,7 +10171,7 @@
             <a:pPr algn="ctr"/>
             <a:r>
               <a:rPr lang="pt-BR" sz="1600" dirty="0" smtClean="0"/>
-              <a:t>Dormindo</a:t>
+              <a:t>Morta</a:t>
             </a:r>
             <a:endParaRPr lang="pt-BR" sz="1600" dirty="0"/>
           </a:p>
@@ -10416,18 +10179,19 @@
       </p:sp>
       <p:cxnSp>
         <p:nvCxnSpPr>
-          <p:cNvPr id="17" name="Forma 16"/>
+          <p:cNvPr id="34" name="Conector de seta reta 33"/>
           <p:cNvCxnSpPr>
-            <a:endCxn id="7" idx="2"/>
+            <a:stCxn id="5" idx="2"/>
+            <a:endCxn id="10" idx="0"/>
           </p:cNvCxnSpPr>
           <p:nvPr/>
         </p:nvCxnSpPr>
         <p:spPr>
-          <a:xfrm flipV="1">
-            <a:off x="2267744" y="3429000"/>
-            <a:ext cx="1332148" cy="432048"/>
+          <a:xfrm>
+            <a:off x="1511660" y="4365104"/>
+            <a:ext cx="0" cy="576064"/>
           </a:xfrm>
-          <a:prstGeom prst="bentConnector2">
+          <a:prstGeom prst="straightConnector1">
             <a:avLst/>
           </a:prstGeom>
           <a:ln w="38100">
@@ -10452,54 +10216,16 @@
           </a:fontRef>
         </p:style>
       </p:cxnSp>
-      <p:cxnSp>
-        <p:nvCxnSpPr>
-          <p:cNvPr id="25" name="Forma 24"/>
-          <p:cNvCxnSpPr>
-            <a:stCxn id="7" idx="0"/>
-          </p:cNvCxnSpPr>
-          <p:nvPr/>
-        </p:nvCxnSpPr>
-        <p:spPr>
-          <a:xfrm rot="16200000" flipV="1">
-            <a:off x="2753798" y="2150858"/>
-            <a:ext cx="360040" cy="1332148"/>
-          </a:xfrm>
-          <a:prstGeom prst="bentConnector2">
-            <a:avLst/>
-          </a:prstGeom>
-          <a:ln w="38100">
-            <a:solidFill>
-              <a:schemeClr val="tx1"/>
-            </a:solidFill>
-            <a:tailEnd type="arrow"/>
-          </a:ln>
-        </p:spPr>
-        <p:style>
-          <a:lnRef idx="1">
-            <a:schemeClr val="accent1"/>
-          </a:lnRef>
-          <a:fillRef idx="0">
-            <a:schemeClr val="accent1"/>
-          </a:fillRef>
-          <a:effectRef idx="0">
-            <a:schemeClr val="accent1"/>
-          </a:effectRef>
-          <a:fontRef idx="minor">
-            <a:schemeClr val="tx1"/>
-          </a:fontRef>
-        </p:style>
-      </p:cxnSp>
-      <p:sp>
-        <p:nvSpPr>
-          <p:cNvPr id="63" name="Retângulo 62"/>
+      <p:sp>
+        <p:nvSpPr>
+          <p:cNvPr id="72" name="Retângulo 71"/>
           <p:cNvSpPr/>
           <p:nvPr/>
         </p:nvSpPr>
         <p:spPr>
           <a:xfrm>
-            <a:off x="2267744" y="3933056"/>
-            <a:ext cx="2232248" cy="360040"/>
+            <a:off x="1547664" y="4437112"/>
+            <a:ext cx="936104" cy="360040"/>
           </a:xfrm>
           <a:prstGeom prst="rect">
             <a:avLst/>
@@ -10531,44 +10257,20 @@
           <a:p>
             <a:pPr algn="ctr"/>
             <a:r>
+              <a:rPr lang="pt-BR" dirty="0" err="1" smtClean="0">
+                <a:solidFill>
+                  <a:srgbClr val="FFC000"/>
+                </a:solidFill>
+              </a:rPr>
+              <a:t>t.stop</a:t>
+            </a:r>
+            <a:r>
               <a:rPr lang="pt-BR" dirty="0" smtClean="0">
                 <a:solidFill>
                   <a:srgbClr val="FFC000"/>
                 </a:solidFill>
               </a:rPr>
-              <a:t>Thread.</a:t>
-            </a:r>
-            <a:r>
-              <a:rPr lang="pt-BR" dirty="0" err="1" smtClean="0">
-                <a:solidFill>
-                  <a:srgbClr val="FFC000"/>
-                </a:solidFill>
-              </a:rPr>
-              <a:t>sleep</a:t>
-            </a:r>
-            <a:r>
-              <a:rPr lang="pt-BR" dirty="0" smtClean="0">
-                <a:solidFill>
-                  <a:srgbClr val="FFC000"/>
-                </a:solidFill>
-              </a:rPr>
-              <a:t>(</a:t>
-            </a:r>
-            <a:r>
-              <a:rPr lang="pt-BR" dirty="0" err="1" smtClean="0">
-                <a:solidFill>
-                  <a:srgbClr val="FFC000"/>
-                </a:solidFill>
-              </a:rPr>
-              <a:t>millis</a:t>
-            </a:r>
-            <a:r>
-              <a:rPr lang="pt-BR" dirty="0" smtClean="0">
-                <a:solidFill>
-                  <a:srgbClr val="FFC000"/>
-                </a:solidFill>
-              </a:rPr>
-              <a:t>)</a:t>
+              <a:t>()</a:t>
             </a:r>
             <a:endParaRPr lang="pt-BR" dirty="0">
               <a:solidFill>
@@ -10640,13 +10342,13 @@
             <a:spLocks noGrp="1"/>
           </p:cNvSpPr>
           <p:nvPr>
-            <p:ph sz="half" idx="1"/>
+            <p:ph idx="1"/>
           </p:nvPr>
         </p:nvSpPr>
         <p:spPr>
           <a:xfrm>
             <a:off x="4211960" y="1556792"/>
-            <a:ext cx="4305672" cy="4525963"/>
+            <a:ext cx="4320480" cy="4680520"/>
           </a:xfrm>
         </p:spPr>
         <p:txBody>
@@ -10655,7 +10357,7 @@
           <a:p>
             <a:r>
               <a:rPr lang="pt-BR" sz="2400" u="sng" dirty="0" smtClean="0"/>
-              <a:t>Suspensa</a:t>
+              <a:t>Dormindo</a:t>
             </a:r>
           </a:p>
           <a:p>
@@ -10670,7 +10372,7 @@
             </a:pPr>
             <a:r>
               <a:rPr lang="pt-BR" sz="2000" dirty="0" smtClean="0"/>
-              <a:t>Uma thread pode ser suspensa por tempo indeterminado através do método </a:t>
+              <a:t>Uma thread pode ser colocada para “dormir” através do método estático </a:t>
             </a:r>
             <a:r>
               <a:rPr lang="pt-BR" sz="2000" dirty="0" err="1" smtClean="0">
@@ -10678,7 +10380,7 @@
                   <a:srgbClr val="FFC000"/>
                 </a:solidFill>
               </a:rPr>
-              <a:t>suspend</a:t>
+              <a:t>sleep</a:t>
             </a:r>
             <a:r>
               <a:rPr lang="pt-BR" sz="2000" dirty="0" smtClean="0">
@@ -10690,7 +10392,7 @@
             </a:r>
             <a:r>
               <a:rPr lang="pt-BR" sz="2000" dirty="0" smtClean="0"/>
-              <a:t>.</a:t>
+              <a:t> que faz com que a thread atual fique inativa durante o tempo solicitado.</a:t>
             </a:r>
           </a:p>
           <a:p>
@@ -10705,65 +10407,9 @@
             </a:pPr>
             <a:r>
               <a:rPr lang="pt-BR" sz="2000" dirty="0" smtClean="0"/>
-              <a:t>Ao entrar no estado “suspenso” a thread pode ser trazida de volta ao seu ciclo normal pelo método </a:t>
-            </a:r>
-            <a:r>
-              <a:rPr lang="pt-BR" sz="2000" dirty="0" smtClean="0">
-                <a:solidFill>
-                  <a:srgbClr val="FFC000"/>
-                </a:solidFill>
-              </a:rPr>
-              <a:t>resume()</a:t>
-            </a:r>
-            <a:r>
-              <a:rPr lang="pt-BR" sz="2000" dirty="0" smtClean="0"/>
-              <a:t>.</a:t>
+              <a:t>Após o tempo (especificado em milissegundos), a thread atual volta ao estado “Pronta para ser executada” aguardando sua nova oportunidade de execução.</a:t>
             </a:r>
             <a:endParaRPr lang="pt-BR" sz="2000" dirty="0"/>
-          </a:p>
-        </p:txBody>
-      </p:sp>
-      <p:sp>
-        <p:nvSpPr>
-          <p:cNvPr id="23" name="Espaço Reservado para Conteúdo 22"/>
-          <p:cNvSpPr>
-            <a:spLocks noGrp="1"/>
-          </p:cNvSpPr>
-          <p:nvPr>
-            <p:ph sz="half" idx="2"/>
-          </p:nvPr>
-        </p:nvSpPr>
-        <p:spPr>
-          <a:xfrm>
-            <a:off x="611560" y="5301208"/>
-            <a:ext cx="7920880" cy="792088"/>
-          </a:xfrm>
-          <a:ln w="38100">
-            <a:solidFill>
-              <a:srgbClr val="FF0000"/>
-            </a:solidFill>
-          </a:ln>
-        </p:spPr>
-        <p:txBody>
-          <a:bodyPr/>
-          <a:lstStyle/>
-          <a:p>
-            <a:pPr marL="179388" indent="0">
-              <a:buNone/>
-            </a:pPr>
-            <a:r>
-              <a:rPr lang="pt-BR" sz="2000" dirty="0" smtClean="0"/>
-              <a:t>O estado “suspenso” e os métodos </a:t>
-            </a:r>
-            <a:r>
-              <a:rPr lang="pt-BR" sz="2000" dirty="0" err="1" smtClean="0"/>
-              <a:t>suspend</a:t>
-            </a:r>
-            <a:r>
-              <a:rPr lang="pt-BR" sz="2000" dirty="0" smtClean="0"/>
-              <a:t>() e resume() foram depreciados desde a versão 1.2 do Java.</a:t>
-            </a:r>
-            <a:endParaRPr lang="pt-BR" sz="2000" dirty="0" smtClean="0"/>
           </a:p>
         </p:txBody>
       </p:sp>
@@ -10905,7 +10551,7 @@
       </p:sp>
       <p:sp>
         <p:nvSpPr>
-          <p:cNvPr id="9" name="Retângulo 8"/>
+          <p:cNvPr id="7" name="Retângulo 6"/>
           <p:cNvSpPr/>
           <p:nvPr/>
         </p:nvSpPr>
@@ -10949,7 +10595,7 @@
             <a:pPr algn="ctr"/>
             <a:r>
               <a:rPr lang="pt-BR" sz="1600" dirty="0" smtClean="0"/>
-              <a:t>Suspensa</a:t>
+              <a:t>Dormindo</a:t>
             </a:r>
             <a:endParaRPr lang="pt-BR" sz="1600" dirty="0"/>
           </a:p>
@@ -10957,9 +10603,9 @@
       </p:sp>
       <p:cxnSp>
         <p:nvCxnSpPr>
-          <p:cNvPr id="18" name="Forma 17"/>
+          <p:cNvPr id="17" name="Forma 16"/>
           <p:cNvCxnSpPr>
-            <a:endCxn id="9" idx="2"/>
+            <a:endCxn id="7" idx="2"/>
           </p:cNvCxnSpPr>
           <p:nvPr/>
         </p:nvCxnSpPr>
@@ -10995,9 +10641,9 @@
       </p:cxnSp>
       <p:cxnSp>
         <p:nvCxnSpPr>
-          <p:cNvPr id="28" name="Forma 27"/>
+          <p:cNvPr id="25" name="Forma 24"/>
           <p:cNvCxnSpPr>
-            <a:stCxn id="9" idx="0"/>
+            <a:stCxn id="7" idx="0"/>
           </p:cNvCxnSpPr>
           <p:nvPr/>
         </p:nvCxnSpPr>
@@ -11033,14 +10679,14 @@
       </p:cxnSp>
       <p:sp>
         <p:nvSpPr>
-          <p:cNvPr id="30" name="Retângulo 29"/>
+          <p:cNvPr id="63" name="Retângulo 62"/>
           <p:cNvSpPr/>
           <p:nvPr/>
         </p:nvSpPr>
         <p:spPr>
           <a:xfrm>
-            <a:off x="2555776" y="2204864"/>
-            <a:ext cx="1368152" cy="360040"/>
+            <a:off x="2267744" y="3933056"/>
+            <a:ext cx="2232248" cy="360040"/>
           </a:xfrm>
           <a:prstGeom prst="rect">
             <a:avLst/>
@@ -11072,12 +10718,20 @@
           <a:p>
             <a:pPr algn="ctr"/>
             <a:r>
+              <a:rPr lang="pt-BR" dirty="0" smtClean="0">
+                <a:solidFill>
+                  <a:srgbClr val="FFC000"/>
+                </a:solidFill>
+              </a:rPr>
+              <a:t>Thread.</a:t>
+            </a:r>
+            <a:r>
               <a:rPr lang="pt-BR" dirty="0" err="1" smtClean="0">
                 <a:solidFill>
                   <a:srgbClr val="FFC000"/>
                 </a:solidFill>
               </a:rPr>
-              <a:t>t.resume</a:t>
+              <a:t>sleep</a:t>
             </a:r>
             <a:r>
               <a:rPr lang="pt-BR" dirty="0" smtClean="0">
@@ -11085,63 +10739,15 @@
                   <a:srgbClr val="FFC000"/>
                 </a:solidFill>
               </a:rPr>
-              <a:t>()</a:t>
-            </a:r>
-            <a:endParaRPr lang="pt-BR" dirty="0">
-              <a:solidFill>
-                <a:srgbClr val="FFC000"/>
-              </a:solidFill>
-            </a:endParaRPr>
-          </a:p>
-        </p:txBody>
-      </p:sp>
-      <p:sp>
-        <p:nvSpPr>
-          <p:cNvPr id="32" name="Retângulo 31"/>
-          <p:cNvSpPr/>
-          <p:nvPr/>
-        </p:nvSpPr>
-        <p:spPr>
-          <a:xfrm>
-            <a:off x="2555776" y="3933056"/>
-            <a:ext cx="1368152" cy="360040"/>
-          </a:xfrm>
-          <a:prstGeom prst="rect">
-            <a:avLst/>
-          </a:prstGeom>
-          <a:noFill/>
-          <a:ln>
-            <a:noFill/>
-          </a:ln>
-        </p:spPr>
-        <p:style>
-          <a:lnRef idx="2">
-            <a:schemeClr val="accent1">
-              <a:shade val="50000"/>
-            </a:schemeClr>
-          </a:lnRef>
-          <a:fillRef idx="1">
-            <a:schemeClr val="accent1"/>
-          </a:fillRef>
-          <a:effectRef idx="0">
-            <a:schemeClr val="accent1"/>
-          </a:effectRef>
-          <a:fontRef idx="minor">
-            <a:schemeClr val="lt1"/>
-          </a:fontRef>
-        </p:style>
-        <p:txBody>
-          <a:bodyPr rtlCol="0" anchor="ctr"/>
-          <a:lstStyle/>
-          <a:p>
-            <a:pPr algn="ctr"/>
+              <a:t>(</a:t>
+            </a:r>
             <a:r>
               <a:rPr lang="pt-BR" dirty="0" err="1" smtClean="0">
                 <a:solidFill>
                   <a:srgbClr val="FFC000"/>
                 </a:solidFill>
               </a:rPr>
-              <a:t>t.suspend</a:t>
+              <a:t>millis</a:t>
             </a:r>
             <a:r>
               <a:rPr lang="pt-BR" dirty="0" smtClean="0">
@@ -11149,7 +10755,7 @@
                   <a:srgbClr val="FFC000"/>
                 </a:solidFill>
               </a:rPr>
-              <a:t>()</a:t>
+              <a:t>)</a:t>
             </a:r>
             <a:endParaRPr lang="pt-BR" dirty="0">
               <a:solidFill>
@@ -11221,13 +10827,13 @@
             <a:spLocks noGrp="1"/>
           </p:cNvSpPr>
           <p:nvPr>
-            <p:ph idx="1"/>
+            <p:ph sz="half" idx="1"/>
           </p:nvPr>
         </p:nvSpPr>
         <p:spPr>
           <a:xfrm>
             <a:off x="4211960" y="1556792"/>
-            <a:ext cx="4320480" cy="4680520"/>
+            <a:ext cx="4305672" cy="4525963"/>
           </a:xfrm>
         </p:spPr>
         <p:txBody>
@@ -11236,7 +10842,7 @@
           <a:p>
             <a:r>
               <a:rPr lang="pt-BR" sz="2400" u="sng" dirty="0" smtClean="0"/>
-              <a:t>Bloqueada</a:t>
+              <a:t>Suspensa</a:t>
             </a:r>
           </a:p>
           <a:p>
@@ -11251,9 +10857,99 @@
             </a:pPr>
             <a:r>
               <a:rPr lang="pt-BR" sz="2000" dirty="0" smtClean="0"/>
-              <a:t>XXX</a:t>
+              <a:t>Uma thread pode ser suspensa por tempo indeterminado através do método </a:t>
+            </a:r>
+            <a:r>
+              <a:rPr lang="pt-BR" sz="2000" dirty="0" err="1" smtClean="0">
+                <a:solidFill>
+                  <a:srgbClr val="FFC000"/>
+                </a:solidFill>
+              </a:rPr>
+              <a:t>suspend</a:t>
+            </a:r>
+            <a:r>
+              <a:rPr lang="pt-BR" sz="2000" dirty="0" smtClean="0">
+                <a:solidFill>
+                  <a:srgbClr val="FFC000"/>
+                </a:solidFill>
+              </a:rPr>
+              <a:t>()</a:t>
+            </a:r>
+            <a:r>
+              <a:rPr lang="pt-BR" sz="2000" dirty="0" smtClean="0"/>
+              <a:t>.</a:t>
+            </a:r>
+          </a:p>
+          <a:p>
+            <a:pPr marL="442913" lvl="1" indent="0">
+              <a:buNone/>
+            </a:pPr>
+            <a:endParaRPr lang="pt-BR" sz="2000" dirty="0" smtClean="0"/>
+          </a:p>
+          <a:p>
+            <a:pPr marL="442913" lvl="1" indent="0">
+              <a:buNone/>
+            </a:pPr>
+            <a:r>
+              <a:rPr lang="pt-BR" sz="2000" dirty="0" smtClean="0"/>
+              <a:t>Ao entrar no estado “suspenso” a thread pode ser trazida de volta ao seu ciclo normal pelo método </a:t>
+            </a:r>
+            <a:r>
+              <a:rPr lang="pt-BR" sz="2000" dirty="0" smtClean="0">
+                <a:solidFill>
+                  <a:srgbClr val="FFC000"/>
+                </a:solidFill>
+              </a:rPr>
+              <a:t>resume()</a:t>
+            </a:r>
+            <a:r>
+              <a:rPr lang="pt-BR" sz="2000" dirty="0" smtClean="0"/>
+              <a:t>.</a:t>
             </a:r>
             <a:endParaRPr lang="pt-BR" sz="2000" dirty="0"/>
+          </a:p>
+        </p:txBody>
+      </p:sp>
+      <p:sp>
+        <p:nvSpPr>
+          <p:cNvPr id="23" name="Espaço Reservado para Conteúdo 22"/>
+          <p:cNvSpPr>
+            <a:spLocks noGrp="1"/>
+          </p:cNvSpPr>
+          <p:nvPr>
+            <p:ph sz="half" idx="2"/>
+          </p:nvPr>
+        </p:nvSpPr>
+        <p:spPr>
+          <a:xfrm>
+            <a:off x="611560" y="5301208"/>
+            <a:ext cx="7920880" cy="792088"/>
+          </a:xfrm>
+          <a:ln w="38100">
+            <a:solidFill>
+              <a:srgbClr val="FF0000"/>
+            </a:solidFill>
+          </a:ln>
+        </p:spPr>
+        <p:txBody>
+          <a:bodyPr/>
+          <a:lstStyle/>
+          <a:p>
+            <a:pPr marL="179388" indent="0">
+              <a:buNone/>
+            </a:pPr>
+            <a:r>
+              <a:rPr lang="pt-BR" sz="2000" dirty="0" smtClean="0"/>
+              <a:t>O estado “suspenso” e os métodos </a:t>
+            </a:r>
+            <a:r>
+              <a:rPr lang="pt-BR" sz="2000" dirty="0" err="1" smtClean="0"/>
+              <a:t>suspend</a:t>
+            </a:r>
+            <a:r>
+              <a:rPr lang="pt-BR" sz="2000" dirty="0" smtClean="0"/>
+              <a:t>() e resume() foram depreciados desde a versão 1.2 do Java.</a:t>
+            </a:r>
           </a:p>
         </p:txBody>
       </p:sp>
@@ -11395,7 +11091,7 @@
       </p:sp>
       <p:sp>
         <p:nvSpPr>
-          <p:cNvPr id="8" name="Retângulo 7"/>
+          <p:cNvPr id="9" name="Retângulo 8"/>
           <p:cNvSpPr/>
           <p:nvPr/>
         </p:nvSpPr>
@@ -11439,7 +11135,7 @@
             <a:pPr algn="ctr"/>
             <a:r>
               <a:rPr lang="pt-BR" sz="1600" dirty="0" smtClean="0"/>
-              <a:t>Bloqueada</a:t>
+              <a:t>Suspensa</a:t>
             </a:r>
             <a:endParaRPr lang="pt-BR" sz="1600" dirty="0"/>
           </a:p>
@@ -11447,9 +11143,9 @@
       </p:sp>
       <p:cxnSp>
         <p:nvCxnSpPr>
-          <p:cNvPr id="22" name="Forma 21"/>
+          <p:cNvPr id="18" name="Forma 17"/>
           <p:cNvCxnSpPr>
-            <a:endCxn id="8" idx="2"/>
+            <a:endCxn id="9" idx="2"/>
           </p:cNvCxnSpPr>
           <p:nvPr/>
         </p:nvCxnSpPr>
@@ -11485,9 +11181,9 @@
       </p:cxnSp>
       <p:cxnSp>
         <p:nvCxnSpPr>
-          <p:cNvPr id="31" name="Forma 30"/>
+          <p:cNvPr id="28" name="Forma 27"/>
           <p:cNvCxnSpPr>
-            <a:stCxn id="8" idx="0"/>
+            <a:stCxn id="9" idx="0"/>
           </p:cNvCxnSpPr>
           <p:nvPr/>
         </p:nvCxnSpPr>
@@ -11523,14 +11219,14 @@
       </p:cxnSp>
       <p:sp>
         <p:nvSpPr>
-          <p:cNvPr id="58" name="Retângulo 57"/>
+          <p:cNvPr id="30" name="Retângulo 29"/>
           <p:cNvSpPr/>
           <p:nvPr/>
         </p:nvSpPr>
         <p:spPr>
           <a:xfrm>
             <a:off x="2555776" y="2204864"/>
-            <a:ext cx="1296144" cy="360040"/>
+            <a:ext cx="1368152" cy="360040"/>
           </a:xfrm>
           <a:prstGeom prst="rect">
             <a:avLst/>
@@ -11567,31 +11263,7 @@
                   <a:srgbClr val="FFC000"/>
                 </a:solidFill>
               </a:rPr>
-              <a:t>o</a:t>
-            </a:r>
-            <a:r>
-              <a:rPr lang="pt-BR" dirty="0" err="1" smtClean="0">
-                <a:solidFill>
-                  <a:srgbClr val="FFC000"/>
-                </a:solidFill>
-              </a:rPr>
-              <a:t>bj</a:t>
-            </a:r>
-            <a:r>
-              <a:rPr lang="pt-BR" dirty="0" smtClean="0">
-                <a:solidFill>
-                  <a:srgbClr val="FFC000"/>
-                </a:solidFill>
-              </a:rPr>
-              <a:t>.</a:t>
-            </a:r>
-            <a:r>
-              <a:rPr lang="pt-BR" dirty="0" err="1" smtClean="0">
-                <a:solidFill>
-                  <a:srgbClr val="FFC000"/>
-                </a:solidFill>
-              </a:rPr>
-              <a:t>notify</a:t>
+              <a:t>t.resume</a:t>
             </a:r>
             <a:r>
               <a:rPr lang="pt-BR" dirty="0" smtClean="0">
@@ -11611,14 +11283,14 @@
       </p:sp>
       <p:sp>
         <p:nvSpPr>
-          <p:cNvPr id="64" name="Retângulo 63"/>
+          <p:cNvPr id="32" name="Retângulo 31"/>
           <p:cNvSpPr/>
           <p:nvPr/>
         </p:nvSpPr>
         <p:spPr>
           <a:xfrm>
             <a:off x="2555776" y="3933056"/>
-            <a:ext cx="1296144" cy="360040"/>
+            <a:ext cx="1368152" cy="360040"/>
           </a:xfrm>
           <a:prstGeom prst="rect">
             <a:avLst/>
@@ -11655,23 +11327,7 @@
                   <a:srgbClr val="FFC000"/>
                 </a:solidFill>
               </a:rPr>
-              <a:t>obj</a:t>
-            </a:r>
-            <a:r>
-              <a:rPr lang="pt-BR" dirty="0" smtClean="0">
-                <a:solidFill>
-                  <a:srgbClr val="FFC000"/>
-                </a:solidFill>
-              </a:rPr>
-              <a:t>.</a:t>
-            </a:r>
-            <a:r>
-              <a:rPr lang="pt-BR" dirty="0" err="1" smtClean="0">
-                <a:solidFill>
-                  <a:srgbClr val="FFC000"/>
-                </a:solidFill>
-              </a:rPr>
-              <a:t>wait</a:t>
+              <a:t>t.suspend</a:t>
             </a:r>
             <a:r>
               <a:rPr lang="pt-BR" dirty="0" smtClean="0">
@@ -11746,6 +11402,49 @@
       </p:sp>
       <p:sp>
         <p:nvSpPr>
+          <p:cNvPr id="75" name="Espaço Reservado para Conteúdo 74"/>
+          <p:cNvSpPr>
+            <a:spLocks noGrp="1"/>
+          </p:cNvSpPr>
+          <p:nvPr>
+            <p:ph idx="1"/>
+          </p:nvPr>
+        </p:nvSpPr>
+        <p:spPr>
+          <a:xfrm>
+            <a:off x="4211960" y="1556792"/>
+            <a:ext cx="4320480" cy="4680520"/>
+          </a:xfrm>
+        </p:spPr>
+        <p:txBody>
+          <a:bodyPr/>
+          <a:lstStyle/>
+          <a:p>
+            <a:r>
+              <a:rPr lang="pt-BR" sz="2400" u="sng" dirty="0" smtClean="0"/>
+              <a:t>Bloqueada</a:t>
+            </a:r>
+          </a:p>
+          <a:p>
+            <a:pPr marL="442913" lvl="1" indent="0">
+              <a:buNone/>
+            </a:pPr>
+            <a:endParaRPr lang="pt-BR" sz="2000" dirty="0" smtClean="0"/>
+          </a:p>
+          <a:p>
+            <a:pPr marL="442913" lvl="1" indent="0">
+              <a:buNone/>
+            </a:pPr>
+            <a:r>
+              <a:rPr lang="pt-BR" sz="2000" dirty="0" smtClean="0"/>
+              <a:t>XXX</a:t>
+            </a:r>
+            <a:endParaRPr lang="pt-BR" sz="2000" dirty="0"/>
+          </a:p>
+        </p:txBody>
+      </p:sp>
+      <p:sp>
+        <p:nvSpPr>
           <p:cNvPr id="4" name="Espaço Reservado para Número de Slide 3"/>
           <p:cNvSpPr>
             <a:spLocks noGrp="1"/>
@@ -11882,7 +11581,7 @@
       </p:sp>
       <p:sp>
         <p:nvSpPr>
-          <p:cNvPr id="7" name="Retângulo 6"/>
+          <p:cNvPr id="8" name="Retângulo 7"/>
           <p:cNvSpPr/>
           <p:nvPr/>
         </p:nvSpPr>
@@ -11894,7 +11593,9 @@
           <a:prstGeom prst="rect">
             <a:avLst/>
           </a:prstGeom>
-          <a:noFill/>
+          <a:solidFill>
+            <a:srgbClr val="FF0000"/>
+          </a:solidFill>
           <a:ln w="38100">
             <a:solidFill>
               <a:schemeClr val="tx1"/>
@@ -11924,155 +11625,7 @@
             <a:pPr algn="ctr"/>
             <a:r>
               <a:rPr lang="pt-BR" sz="1600" dirty="0" smtClean="0"/>
-              <a:t>Dormindo</a:t>
-            </a:r>
-          </a:p>
-        </p:txBody>
-      </p:sp>
-      <p:sp>
-        <p:nvSpPr>
-          <p:cNvPr id="8" name="Retângulo 7"/>
-          <p:cNvSpPr/>
-          <p:nvPr/>
-        </p:nvSpPr>
-        <p:spPr>
-          <a:xfrm>
-            <a:off x="7020272" y="2996952"/>
-            <a:ext cx="1512168" cy="432048"/>
-          </a:xfrm>
-          <a:prstGeom prst="rect">
-            <a:avLst/>
-          </a:prstGeom>
-          <a:noFill/>
-          <a:ln w="38100">
-            <a:solidFill>
-              <a:schemeClr val="tx1"/>
-            </a:solidFill>
-          </a:ln>
-        </p:spPr>
-        <p:style>
-          <a:lnRef idx="2">
-            <a:schemeClr val="accent1">
-              <a:shade val="50000"/>
-            </a:schemeClr>
-          </a:lnRef>
-          <a:fillRef idx="1">
-            <a:schemeClr val="accent1"/>
-          </a:fillRef>
-          <a:effectRef idx="0">
-            <a:schemeClr val="accent1"/>
-          </a:effectRef>
-          <a:fontRef idx="minor">
-            <a:schemeClr val="lt1"/>
-          </a:fontRef>
-        </p:style>
-        <p:txBody>
-          <a:bodyPr rtlCol="0" anchor="ctr"/>
-          <a:lstStyle/>
-          <a:p>
-            <a:pPr algn="ctr"/>
-            <a:r>
-              <a:rPr lang="pt-BR" sz="1600" dirty="0" smtClean="0"/>
               <a:t>Bloqueada</a:t>
-            </a:r>
-            <a:endParaRPr lang="pt-BR" sz="1600" dirty="0"/>
-          </a:p>
-        </p:txBody>
-      </p:sp>
-      <p:sp>
-        <p:nvSpPr>
-          <p:cNvPr id="9" name="Retângulo 8"/>
-          <p:cNvSpPr/>
-          <p:nvPr/>
-        </p:nvSpPr>
-        <p:spPr>
-          <a:xfrm>
-            <a:off x="4932040" y="2996952"/>
-            <a:ext cx="1512168" cy="432048"/>
-          </a:xfrm>
-          <a:prstGeom prst="rect">
-            <a:avLst/>
-          </a:prstGeom>
-          <a:noFill/>
-          <a:ln w="38100">
-            <a:solidFill>
-              <a:schemeClr val="tx1"/>
-            </a:solidFill>
-          </a:ln>
-        </p:spPr>
-        <p:style>
-          <a:lnRef idx="2">
-            <a:schemeClr val="accent1">
-              <a:shade val="50000"/>
-            </a:schemeClr>
-          </a:lnRef>
-          <a:fillRef idx="1">
-            <a:schemeClr val="accent1"/>
-          </a:fillRef>
-          <a:effectRef idx="0">
-            <a:schemeClr val="accent1"/>
-          </a:effectRef>
-          <a:fontRef idx="minor">
-            <a:schemeClr val="lt1"/>
-          </a:fontRef>
-        </p:style>
-        <p:txBody>
-          <a:bodyPr rtlCol="0" anchor="ctr"/>
-          <a:lstStyle/>
-          <a:p>
-            <a:pPr algn="ctr"/>
-            <a:r>
-              <a:rPr lang="pt-BR" sz="1600" dirty="0" smtClean="0"/>
-              <a:t>Suspensa</a:t>
-            </a:r>
-          </a:p>
-        </p:txBody>
-      </p:sp>
-      <p:sp>
-        <p:nvSpPr>
-          <p:cNvPr id="10" name="Retângulo 9"/>
-          <p:cNvSpPr/>
-          <p:nvPr/>
-        </p:nvSpPr>
-        <p:spPr>
-          <a:xfrm>
-            <a:off x="755576" y="4941168"/>
-            <a:ext cx="1512168" cy="720080"/>
-          </a:xfrm>
-          <a:prstGeom prst="rect">
-            <a:avLst/>
-          </a:prstGeom>
-          <a:noFill/>
-          <a:ln w="38100">
-            <a:solidFill>
-              <a:schemeClr val="tx1"/>
-            </a:solidFill>
-          </a:ln>
-        </p:spPr>
-        <p:style>
-          <a:lnRef idx="2">
-            <a:schemeClr val="accent1">
-              <a:shade val="50000"/>
-            </a:schemeClr>
-          </a:lnRef>
-          <a:fillRef idx="1">
-            <a:schemeClr val="accent1"/>
-          </a:fillRef>
-          <a:effectRef idx="0">
-            <a:schemeClr val="accent1"/>
-          </a:effectRef>
-          <a:fontRef idx="minor">
-            <a:schemeClr val="lt1"/>
-          </a:fontRef>
-        </p:style>
-        <p:txBody>
-          <a:bodyPr rtlCol="0" anchor="ctr"/>
-          <a:lstStyle/>
-          <a:p>
-            <a:pPr algn="ctr"/>
-            <a:r>
-              <a:rPr lang="pt-BR" sz="1600" dirty="0" smtClean="0"/>
-              <a:t>Morta</a:t>
             </a:r>
             <a:endParaRPr lang="pt-BR" sz="1600" dirty="0"/>
           </a:p>
@@ -12080,45 +11633,9 @@
       </p:sp>
       <p:cxnSp>
         <p:nvCxnSpPr>
-          <p:cNvPr id="15" name="Conector de seta reta 14"/>
-          <p:cNvCxnSpPr/>
-          <p:nvPr/>
-        </p:nvCxnSpPr>
-        <p:spPr>
-          <a:xfrm>
-            <a:off x="1259632" y="2852936"/>
-            <a:ext cx="0" cy="792088"/>
-          </a:xfrm>
-          <a:prstGeom prst="straightConnector1">
-            <a:avLst/>
-          </a:prstGeom>
-          <a:ln w="38100">
-            <a:solidFill>
-              <a:schemeClr val="tx1"/>
-            </a:solidFill>
-            <a:tailEnd type="arrow"/>
-          </a:ln>
-        </p:spPr>
-        <p:style>
-          <a:lnRef idx="1">
-            <a:schemeClr val="accent1"/>
-          </a:lnRef>
-          <a:fillRef idx="0">
-            <a:schemeClr val="accent1"/>
-          </a:fillRef>
-          <a:effectRef idx="0">
-            <a:schemeClr val="accent1"/>
-          </a:effectRef>
-          <a:fontRef idx="minor">
-            <a:schemeClr val="tx1"/>
-          </a:fontRef>
-        </p:style>
-      </p:cxnSp>
-      <p:cxnSp>
-        <p:nvCxnSpPr>
-          <p:cNvPr id="17" name="Forma 16"/>
+          <p:cNvPr id="22" name="Forma 21"/>
           <p:cNvCxnSpPr>
-            <a:endCxn id="7" idx="2"/>
+            <a:endCxn id="8" idx="2"/>
           </p:cNvCxnSpPr>
           <p:nvPr/>
         </p:nvCxnSpPr>
@@ -12154,86 +11671,9 @@
       </p:cxnSp>
       <p:cxnSp>
         <p:nvCxnSpPr>
-          <p:cNvPr id="18" name="Forma 17"/>
+          <p:cNvPr id="31" name="Forma 30"/>
           <p:cNvCxnSpPr>
-            <a:stCxn id="5" idx="3"/>
-            <a:endCxn id="9" idx="2"/>
-          </p:cNvCxnSpPr>
-          <p:nvPr/>
-        </p:nvCxnSpPr>
-        <p:spPr>
-          <a:xfrm flipV="1">
-            <a:off x="2267744" y="3429000"/>
-            <a:ext cx="3420380" cy="576064"/>
-          </a:xfrm>
-          <a:prstGeom prst="bentConnector2">
-            <a:avLst/>
-          </a:prstGeom>
-          <a:ln w="38100">
-            <a:solidFill>
-              <a:schemeClr val="tx1"/>
-            </a:solidFill>
-            <a:tailEnd type="arrow"/>
-          </a:ln>
-        </p:spPr>
-        <p:style>
-          <a:lnRef idx="1">
-            <a:schemeClr val="accent1"/>
-          </a:lnRef>
-          <a:fillRef idx="0">
-            <a:schemeClr val="accent1"/>
-          </a:fillRef>
-          <a:effectRef idx="0">
-            <a:schemeClr val="accent1"/>
-          </a:effectRef>
-          <a:fontRef idx="minor">
-            <a:schemeClr val="tx1"/>
-          </a:fontRef>
-        </p:style>
-      </p:cxnSp>
-      <p:cxnSp>
-        <p:nvCxnSpPr>
-          <p:cNvPr id="22" name="Forma 21"/>
-          <p:cNvCxnSpPr>
-            <a:endCxn id="8" idx="2"/>
-          </p:cNvCxnSpPr>
-          <p:nvPr/>
-        </p:nvCxnSpPr>
-        <p:spPr>
-          <a:xfrm flipV="1">
-            <a:off x="2267744" y="3429000"/>
-            <a:ext cx="5508612" cy="720080"/>
-          </a:xfrm>
-          <a:prstGeom prst="bentConnector2">
-            <a:avLst/>
-          </a:prstGeom>
-          <a:ln w="38100">
-            <a:solidFill>
-              <a:schemeClr val="tx1"/>
-            </a:solidFill>
-            <a:tailEnd type="arrow"/>
-          </a:ln>
-        </p:spPr>
-        <p:style>
-          <a:lnRef idx="1">
-            <a:schemeClr val="accent1"/>
-          </a:lnRef>
-          <a:fillRef idx="0">
-            <a:schemeClr val="accent1"/>
-          </a:fillRef>
-          <a:effectRef idx="0">
-            <a:schemeClr val="accent1"/>
-          </a:effectRef>
-          <a:fontRef idx="minor">
-            <a:schemeClr val="tx1"/>
-          </a:fontRef>
-        </p:style>
-      </p:cxnSp>
-      <p:cxnSp>
-        <p:nvCxnSpPr>
-          <p:cNvPr id="25" name="Forma 24"/>
-          <p:cNvCxnSpPr>
-            <a:stCxn id="7" idx="0"/>
+            <a:stCxn id="8" idx="0"/>
           </p:cNvCxnSpPr>
           <p:nvPr/>
         </p:nvCxnSpPr>
@@ -12267,240 +11707,6 @@
           </a:fontRef>
         </p:style>
       </p:cxnSp>
-      <p:cxnSp>
-        <p:nvCxnSpPr>
-          <p:cNvPr id="28" name="Forma 27"/>
-          <p:cNvCxnSpPr>
-            <a:stCxn id="9" idx="0"/>
-            <a:endCxn id="6" idx="3"/>
-          </p:cNvCxnSpPr>
-          <p:nvPr/>
-        </p:nvCxnSpPr>
-        <p:spPr>
-          <a:xfrm rot="16200000" flipV="1">
-            <a:off x="3725906" y="1034734"/>
-            <a:ext cx="504056" cy="3420380"/>
-          </a:xfrm>
-          <a:prstGeom prst="bentConnector2">
-            <a:avLst/>
-          </a:prstGeom>
-          <a:ln w="38100">
-            <a:solidFill>
-              <a:schemeClr val="tx1"/>
-            </a:solidFill>
-            <a:tailEnd type="arrow"/>
-          </a:ln>
-        </p:spPr>
-        <p:style>
-          <a:lnRef idx="1">
-            <a:schemeClr val="accent1"/>
-          </a:lnRef>
-          <a:fillRef idx="0">
-            <a:schemeClr val="accent1"/>
-          </a:fillRef>
-          <a:effectRef idx="0">
-            <a:schemeClr val="accent1"/>
-          </a:effectRef>
-          <a:fontRef idx="minor">
-            <a:schemeClr val="tx1"/>
-          </a:fontRef>
-        </p:style>
-      </p:cxnSp>
-      <p:cxnSp>
-        <p:nvCxnSpPr>
-          <p:cNvPr id="31" name="Forma 30"/>
-          <p:cNvCxnSpPr>
-            <a:stCxn id="8" idx="0"/>
-          </p:cNvCxnSpPr>
-          <p:nvPr/>
-        </p:nvCxnSpPr>
-        <p:spPr>
-          <a:xfrm rot="16200000" flipV="1">
-            <a:off x="4698014" y="-81390"/>
-            <a:ext cx="648072" cy="5508612"/>
-          </a:xfrm>
-          <a:prstGeom prst="bentConnector2">
-            <a:avLst/>
-          </a:prstGeom>
-          <a:ln w="38100">
-            <a:solidFill>
-              <a:schemeClr val="tx1"/>
-            </a:solidFill>
-            <a:tailEnd type="arrow"/>
-          </a:ln>
-        </p:spPr>
-        <p:style>
-          <a:lnRef idx="1">
-            <a:schemeClr val="accent1"/>
-          </a:lnRef>
-          <a:fillRef idx="0">
-            <a:schemeClr val="accent1"/>
-          </a:fillRef>
-          <a:effectRef idx="0">
-            <a:schemeClr val="accent1"/>
-          </a:effectRef>
-          <a:fontRef idx="minor">
-            <a:schemeClr val="tx1"/>
-          </a:fontRef>
-        </p:style>
-      </p:cxnSp>
-      <p:cxnSp>
-        <p:nvCxnSpPr>
-          <p:cNvPr id="34" name="Conector de seta reta 33"/>
-          <p:cNvCxnSpPr>
-            <a:stCxn id="5" idx="2"/>
-            <a:endCxn id="10" idx="0"/>
-          </p:cNvCxnSpPr>
-          <p:nvPr/>
-        </p:nvCxnSpPr>
-        <p:spPr>
-          <a:xfrm>
-            <a:off x="1511660" y="4365104"/>
-            <a:ext cx="0" cy="576064"/>
-          </a:xfrm>
-          <a:prstGeom prst="straightConnector1">
-            <a:avLst/>
-          </a:prstGeom>
-          <a:ln w="38100">
-            <a:solidFill>
-              <a:schemeClr val="tx1"/>
-            </a:solidFill>
-            <a:tailEnd type="arrow"/>
-          </a:ln>
-        </p:spPr>
-        <p:style>
-          <a:lnRef idx="1">
-            <a:schemeClr val="accent1"/>
-          </a:lnRef>
-          <a:fillRef idx="0">
-            <a:schemeClr val="accent1"/>
-          </a:fillRef>
-          <a:effectRef idx="0">
-            <a:schemeClr val="accent1"/>
-          </a:effectRef>
-          <a:fontRef idx="minor">
-            <a:schemeClr val="tx1"/>
-          </a:fontRef>
-        </p:style>
-      </p:cxnSp>
-      <p:cxnSp>
-        <p:nvCxnSpPr>
-          <p:cNvPr id="53" name="Conector de seta reta 52"/>
-          <p:cNvCxnSpPr/>
-          <p:nvPr/>
-        </p:nvCxnSpPr>
-        <p:spPr>
-          <a:xfrm>
-            <a:off x="1511300" y="1671960"/>
-            <a:ext cx="0" cy="460896"/>
-          </a:xfrm>
-          <a:prstGeom prst="straightConnector1">
-            <a:avLst/>
-          </a:prstGeom>
-          <a:ln w="38100">
-            <a:solidFill>
-              <a:schemeClr val="tx1"/>
-            </a:solidFill>
-            <a:tailEnd type="arrow"/>
-          </a:ln>
-        </p:spPr>
-        <p:style>
-          <a:lnRef idx="1">
-            <a:schemeClr val="accent1"/>
-          </a:lnRef>
-          <a:fillRef idx="0">
-            <a:schemeClr val="accent1"/>
-          </a:fillRef>
-          <a:effectRef idx="0">
-            <a:schemeClr val="accent1"/>
-          </a:effectRef>
-          <a:fontRef idx="minor">
-            <a:schemeClr val="tx1"/>
-          </a:fontRef>
-        </p:style>
-      </p:cxnSp>
-      <p:sp>
-        <p:nvSpPr>
-          <p:cNvPr id="55" name="Elipse 54"/>
-          <p:cNvSpPr/>
-          <p:nvPr/>
-        </p:nvSpPr>
-        <p:spPr>
-          <a:xfrm>
-            <a:off x="1403648" y="1556792"/>
-            <a:ext cx="216024" cy="216024"/>
-          </a:xfrm>
-          <a:prstGeom prst="ellipse">
-            <a:avLst/>
-          </a:prstGeom>
-          <a:solidFill>
-            <a:schemeClr val="tx1"/>
-          </a:solidFill>
-          <a:ln>
-            <a:noFill/>
-          </a:ln>
-        </p:spPr>
-        <p:style>
-          <a:lnRef idx="2">
-            <a:schemeClr val="accent1">
-              <a:shade val="50000"/>
-            </a:schemeClr>
-          </a:lnRef>
-          <a:fillRef idx="1">
-            <a:schemeClr val="accent1"/>
-          </a:fillRef>
-          <a:effectRef idx="0">
-            <a:schemeClr val="accent1"/>
-          </a:effectRef>
-          <a:fontRef idx="minor">
-            <a:schemeClr val="lt1"/>
-          </a:fontRef>
-        </p:style>
-        <p:txBody>
-          <a:bodyPr rtlCol="0" anchor="ctr"/>
-          <a:lstStyle/>
-          <a:p>
-            <a:pPr algn="ctr"/>
-            <a:endParaRPr lang="pt-BR"/>
-          </a:p>
-        </p:txBody>
-      </p:sp>
-      <p:cxnSp>
-        <p:nvCxnSpPr>
-          <p:cNvPr id="57" name="Conector de seta reta 56"/>
-          <p:cNvCxnSpPr/>
-          <p:nvPr/>
-        </p:nvCxnSpPr>
-        <p:spPr>
-          <a:xfrm flipV="1">
-            <a:off x="1763688" y="2852936"/>
-            <a:ext cx="0" cy="792088"/>
-          </a:xfrm>
-          <a:prstGeom prst="straightConnector1">
-            <a:avLst/>
-          </a:prstGeom>
-          <a:ln w="38100">
-            <a:solidFill>
-              <a:schemeClr val="tx1"/>
-            </a:solidFill>
-            <a:tailEnd type="arrow"/>
-          </a:ln>
-        </p:spPr>
-        <p:style>
-          <a:lnRef idx="1">
-            <a:schemeClr val="accent1"/>
-          </a:lnRef>
-          <a:fillRef idx="0">
-            <a:schemeClr val="accent1"/>
-          </a:fillRef>
-          <a:effectRef idx="0">
-            <a:schemeClr val="accent1"/>
-          </a:effectRef>
-          <a:fontRef idx="minor">
-            <a:schemeClr val="tx1"/>
-          </a:fontRef>
-        </p:style>
-      </p:cxnSp>
       <p:sp>
         <p:nvSpPr>
           <p:cNvPr id="58" name="Retângulo 57"/>
@@ -12509,127 +11715,7 @@
         </p:nvSpPr>
         <p:spPr>
           <a:xfrm>
-            <a:off x="7812360" y="2636912"/>
-            <a:ext cx="936104" cy="360040"/>
-          </a:xfrm>
-          <a:prstGeom prst="rect">
-            <a:avLst/>
-          </a:prstGeom>
-          <a:noFill/>
-          <a:ln>
-            <a:noFill/>
-          </a:ln>
-        </p:spPr>
-        <p:style>
-          <a:lnRef idx="2">
-            <a:schemeClr val="accent1">
-              <a:shade val="50000"/>
-            </a:schemeClr>
-          </a:lnRef>
-          <a:fillRef idx="1">
-            <a:schemeClr val="accent1"/>
-          </a:fillRef>
-          <a:effectRef idx="0">
-            <a:schemeClr val="accent1"/>
-          </a:effectRef>
-          <a:fontRef idx="minor">
-            <a:schemeClr val="lt1"/>
-          </a:fontRef>
-        </p:style>
-        <p:txBody>
-          <a:bodyPr rtlCol="0" anchor="ctr"/>
-          <a:lstStyle/>
-          <a:p>
-            <a:pPr algn="ctr"/>
-            <a:r>
-              <a:rPr lang="pt-BR" dirty="0" err="1" smtClean="0">
-                <a:solidFill>
-                  <a:srgbClr val="FFC000"/>
-                </a:solidFill>
-              </a:rPr>
-              <a:t>notify</a:t>
-            </a:r>
-            <a:r>
-              <a:rPr lang="pt-BR" dirty="0" smtClean="0">
-                <a:solidFill>
-                  <a:srgbClr val="FFC000"/>
-                </a:solidFill>
-              </a:rPr>
-              <a:t>()</a:t>
-            </a:r>
-            <a:endParaRPr lang="pt-BR" dirty="0">
-              <a:solidFill>
-                <a:srgbClr val="FFC000"/>
-              </a:solidFill>
-            </a:endParaRPr>
-          </a:p>
-        </p:txBody>
-      </p:sp>
-      <p:sp>
-        <p:nvSpPr>
-          <p:cNvPr id="61" name="Retângulo 60"/>
-          <p:cNvSpPr/>
-          <p:nvPr/>
-        </p:nvSpPr>
-        <p:spPr>
-          <a:xfrm>
-            <a:off x="5724128" y="2636912"/>
-            <a:ext cx="1152128" cy="360040"/>
-          </a:xfrm>
-          <a:prstGeom prst="rect">
-            <a:avLst/>
-          </a:prstGeom>
-          <a:noFill/>
-          <a:ln>
-            <a:noFill/>
-          </a:ln>
-        </p:spPr>
-        <p:style>
-          <a:lnRef idx="2">
-            <a:schemeClr val="accent1">
-              <a:shade val="50000"/>
-            </a:schemeClr>
-          </a:lnRef>
-          <a:fillRef idx="1">
-            <a:schemeClr val="accent1"/>
-          </a:fillRef>
-          <a:effectRef idx="0">
-            <a:schemeClr val="accent1"/>
-          </a:effectRef>
-          <a:fontRef idx="minor">
-            <a:schemeClr val="lt1"/>
-          </a:fontRef>
-        </p:style>
-        <p:txBody>
-          <a:bodyPr rtlCol="0" anchor="ctr"/>
-          <a:lstStyle/>
-          <a:p>
-            <a:pPr algn="ctr"/>
-            <a:r>
-              <a:rPr lang="pt-BR" dirty="0" smtClean="0">
-                <a:solidFill>
-                  <a:srgbClr val="FFC000"/>
-                </a:solidFill>
-              </a:rPr>
-              <a:t>resume()</a:t>
-            </a:r>
-            <a:endParaRPr lang="pt-BR" dirty="0">
-              <a:solidFill>
-                <a:srgbClr val="FFC000"/>
-              </a:solidFill>
-            </a:endParaRPr>
-          </a:p>
-        </p:txBody>
-      </p:sp>
-      <p:sp>
-        <p:nvSpPr>
-          <p:cNvPr id="62" name="Retângulo 61"/>
-          <p:cNvSpPr/>
-          <p:nvPr/>
-        </p:nvSpPr>
-        <p:spPr>
-          <a:xfrm>
-            <a:off x="5724128" y="3429000"/>
+            <a:off x="2555776" y="2204864"/>
             <a:ext cx="1296144" cy="360040"/>
           </a:xfrm>
           <a:prstGeom prst="rect">
@@ -12667,7 +11753,23 @@
                   <a:srgbClr val="FFC000"/>
                 </a:solidFill>
               </a:rPr>
-              <a:t>suspend</a:t>
+              <a:t>obj</a:t>
+            </a:r>
+            <a:r>
+              <a:rPr lang="pt-BR" dirty="0" smtClean="0">
+                <a:solidFill>
+                  <a:srgbClr val="FFC000"/>
+                </a:solidFill>
+              </a:rPr>
+              <a:t>.</a:t>
+            </a:r>
+            <a:r>
+              <a:rPr lang="pt-BR" dirty="0" err="1" smtClean="0">
+                <a:solidFill>
+                  <a:srgbClr val="FFC000"/>
+                </a:solidFill>
+              </a:rPr>
+              <a:t>notify</a:t>
             </a:r>
             <a:r>
               <a:rPr lang="pt-BR" dirty="0" smtClean="0">
@@ -12687,14 +11789,14 @@
       </p:sp>
       <p:sp>
         <p:nvSpPr>
-          <p:cNvPr id="63" name="Retângulo 62"/>
+          <p:cNvPr id="64" name="Retângulo 63"/>
           <p:cNvSpPr/>
           <p:nvPr/>
         </p:nvSpPr>
         <p:spPr>
           <a:xfrm>
-            <a:off x="3635896" y="3429000"/>
-            <a:ext cx="1440160" cy="360040"/>
+            <a:off x="2555776" y="3933056"/>
+            <a:ext cx="1296144" cy="360040"/>
           </a:xfrm>
           <a:prstGeom prst="rect">
             <a:avLst/>
@@ -12731,7 +11833,7 @@
                   <a:srgbClr val="FFC000"/>
                 </a:solidFill>
               </a:rPr>
-              <a:t>sleep</a:t>
+              <a:t>obj</a:t>
             </a:r>
             <a:r>
               <a:rPr lang="pt-BR" dirty="0" smtClean="0">
@@ -12739,72 +11841,8 @@
                   <a:srgbClr val="FFC000"/>
                 </a:solidFill>
               </a:rPr>
-              <a:t>(</a:t>
-            </a:r>
-            <a:r>
-              <a:rPr lang="pt-BR" dirty="0" err="1" smtClean="0">
-                <a:solidFill>
-                  <a:srgbClr val="FFC000"/>
-                </a:solidFill>
-              </a:rPr>
-              <a:t>millis</a:t>
-            </a:r>
-            <a:r>
-              <a:rPr lang="pt-BR" dirty="0" smtClean="0">
-                <a:solidFill>
-                  <a:srgbClr val="FFC000"/>
-                </a:solidFill>
-              </a:rPr>
-              <a:t>)</a:t>
-            </a:r>
-            <a:endParaRPr lang="pt-BR" dirty="0">
-              <a:solidFill>
-                <a:srgbClr val="FFC000"/>
-              </a:solidFill>
-            </a:endParaRPr>
-          </a:p>
-        </p:txBody>
-      </p:sp>
-      <p:sp>
-        <p:nvSpPr>
-          <p:cNvPr id="64" name="Retângulo 63"/>
-          <p:cNvSpPr/>
-          <p:nvPr/>
-        </p:nvSpPr>
-        <p:spPr>
-          <a:xfrm>
-            <a:off x="7740352" y="3429000"/>
-            <a:ext cx="936104" cy="360040"/>
-          </a:xfrm>
-          <a:prstGeom prst="rect">
-            <a:avLst/>
-          </a:prstGeom>
-          <a:noFill/>
-          <a:ln>
-            <a:noFill/>
-          </a:ln>
-        </p:spPr>
-        <p:style>
-          <a:lnRef idx="2">
-            <a:schemeClr val="accent1">
-              <a:shade val="50000"/>
-            </a:schemeClr>
-          </a:lnRef>
-          <a:fillRef idx="1">
-            <a:schemeClr val="accent1"/>
-          </a:fillRef>
-          <a:effectRef idx="0">
-            <a:schemeClr val="accent1"/>
-          </a:effectRef>
-          <a:fontRef idx="minor">
-            <a:schemeClr val="lt1"/>
-          </a:fontRef>
-        </p:style>
-        <p:txBody>
-          <a:bodyPr rtlCol="0" anchor="ctr"/>
-          <a:lstStyle/>
-          <a:p>
-            <a:pPr algn="ctr"/>
+              <a:t>.</a:t>
+            </a:r>
             <a:r>
               <a:rPr lang="pt-BR" dirty="0" err="1" smtClean="0">
                 <a:solidFill>
@@ -12820,190 +11858,6 @@
                 </a:solidFill>
               </a:rPr>
               <a:t>()</a:t>
-            </a:r>
-            <a:endParaRPr lang="pt-BR" dirty="0">
-              <a:solidFill>
-                <a:srgbClr val="FFC000"/>
-              </a:solidFill>
-            </a:endParaRPr>
-          </a:p>
-        </p:txBody>
-      </p:sp>
-      <p:sp>
-        <p:nvSpPr>
-          <p:cNvPr id="71" name="Retângulo 70"/>
-          <p:cNvSpPr/>
-          <p:nvPr/>
-        </p:nvSpPr>
-        <p:spPr>
-          <a:xfrm>
-            <a:off x="1763688" y="3068960"/>
-            <a:ext cx="864096" cy="360040"/>
-          </a:xfrm>
-          <a:prstGeom prst="rect">
-            <a:avLst/>
-          </a:prstGeom>
-          <a:noFill/>
-          <a:ln>
-            <a:noFill/>
-          </a:ln>
-        </p:spPr>
-        <p:style>
-          <a:lnRef idx="2">
-            <a:schemeClr val="accent1">
-              <a:shade val="50000"/>
-            </a:schemeClr>
-          </a:lnRef>
-          <a:fillRef idx="1">
-            <a:schemeClr val="accent1"/>
-          </a:fillRef>
-          <a:effectRef idx="0">
-            <a:schemeClr val="accent1"/>
-          </a:effectRef>
-          <a:fontRef idx="minor">
-            <a:schemeClr val="lt1"/>
-          </a:fontRef>
-        </p:style>
-        <p:txBody>
-          <a:bodyPr rtlCol="0" anchor="ctr"/>
-          <a:lstStyle/>
-          <a:p>
-            <a:pPr algn="ctr"/>
-            <a:r>
-              <a:rPr lang="pt-BR" dirty="0" err="1" smtClean="0">
-                <a:solidFill>
-                  <a:srgbClr val="FFC000"/>
-                </a:solidFill>
-              </a:rPr>
-              <a:t>yeld</a:t>
-            </a:r>
-            <a:r>
-              <a:rPr lang="pt-BR" dirty="0" smtClean="0">
-                <a:solidFill>
-                  <a:srgbClr val="FFC000"/>
-                </a:solidFill>
-              </a:rPr>
-              <a:t>()</a:t>
-            </a:r>
-            <a:endParaRPr lang="pt-BR" dirty="0">
-              <a:solidFill>
-                <a:srgbClr val="FFC000"/>
-              </a:solidFill>
-            </a:endParaRPr>
-          </a:p>
-        </p:txBody>
-      </p:sp>
-      <p:sp>
-        <p:nvSpPr>
-          <p:cNvPr id="72" name="Retângulo 71"/>
-          <p:cNvSpPr/>
-          <p:nvPr/>
-        </p:nvSpPr>
-        <p:spPr>
-          <a:xfrm>
-            <a:off x="1547664" y="4437112"/>
-            <a:ext cx="864096" cy="360040"/>
-          </a:xfrm>
-          <a:prstGeom prst="rect">
-            <a:avLst/>
-          </a:prstGeom>
-          <a:noFill/>
-          <a:ln>
-            <a:noFill/>
-          </a:ln>
-        </p:spPr>
-        <p:style>
-          <a:lnRef idx="2">
-            <a:schemeClr val="accent1">
-              <a:shade val="50000"/>
-            </a:schemeClr>
-          </a:lnRef>
-          <a:fillRef idx="1">
-            <a:schemeClr val="accent1"/>
-          </a:fillRef>
-          <a:effectRef idx="0">
-            <a:schemeClr val="accent1"/>
-          </a:effectRef>
-          <a:fontRef idx="minor">
-            <a:schemeClr val="lt1"/>
-          </a:fontRef>
-        </p:style>
-        <p:txBody>
-          <a:bodyPr rtlCol="0" anchor="ctr"/>
-          <a:lstStyle/>
-          <a:p>
-            <a:pPr algn="ctr"/>
-            <a:r>
-              <a:rPr lang="pt-BR" dirty="0" err="1" smtClean="0">
-                <a:solidFill>
-                  <a:srgbClr val="FFC000"/>
-                </a:solidFill>
-              </a:rPr>
-              <a:t>stop</a:t>
-            </a:r>
-            <a:r>
-              <a:rPr lang="pt-BR" dirty="0" smtClean="0">
-                <a:solidFill>
-                  <a:srgbClr val="FFC000"/>
-                </a:solidFill>
-              </a:rPr>
-              <a:t>()</a:t>
-            </a:r>
-            <a:endParaRPr lang="pt-BR" dirty="0">
-              <a:solidFill>
-                <a:srgbClr val="FFC000"/>
-              </a:solidFill>
-            </a:endParaRPr>
-          </a:p>
-        </p:txBody>
-      </p:sp>
-      <p:sp>
-        <p:nvSpPr>
-          <p:cNvPr id="77" name="Retângulo 76"/>
-          <p:cNvSpPr/>
-          <p:nvPr/>
-        </p:nvSpPr>
-        <p:spPr>
-          <a:xfrm>
-            <a:off x="1547664" y="1700808"/>
-            <a:ext cx="864096" cy="360040"/>
-          </a:xfrm>
-          <a:prstGeom prst="rect">
-            <a:avLst/>
-          </a:prstGeom>
-          <a:noFill/>
-          <a:ln>
-            <a:noFill/>
-          </a:ln>
-        </p:spPr>
-        <p:style>
-          <a:lnRef idx="2">
-            <a:schemeClr val="accent1">
-              <a:shade val="50000"/>
-            </a:schemeClr>
-          </a:lnRef>
-          <a:fillRef idx="1">
-            <a:schemeClr val="accent1"/>
-          </a:fillRef>
-          <a:effectRef idx="0">
-            <a:schemeClr val="accent1"/>
-          </a:effectRef>
-          <a:fontRef idx="minor">
-            <a:schemeClr val="lt1"/>
-          </a:fontRef>
-        </p:style>
-        <p:txBody>
-          <a:bodyPr rtlCol="0" anchor="ctr"/>
-          <a:lstStyle/>
-          <a:p>
-            <a:pPr algn="ctr"/>
-            <a:r>
-              <a:rPr lang="pt-BR" dirty="0" smtClean="0">
-                <a:solidFill>
-                  <a:srgbClr val="FFC000"/>
-                </a:solidFill>
-              </a:rPr>
-              <a:t>start()</a:t>
             </a:r>
             <a:endParaRPr lang="pt-BR" dirty="0">
               <a:solidFill>
@@ -13272,7 +12126,7 @@
       </p:grpSpPr>
       <p:sp>
         <p:nvSpPr>
-          <p:cNvPr id="15362" name="Título 1"/>
+          <p:cNvPr id="14338" name="Título 1"/>
           <p:cNvSpPr>
             <a:spLocks noGrp="1"/>
           </p:cNvSpPr>
@@ -13288,36 +12142,8 @@
             <a:pPr eaLnBrk="1" hangingPunct="1"/>
             <a:r>
               <a:rPr lang="pt-BR" dirty="0" smtClean="0"/>
-              <a:t>O</a:t>
-            </a:r>
-            <a:r>
-              <a:rPr lang="pt-BR" baseline="0" dirty="0" smtClean="0"/>
-              <a:t> </a:t>
-            </a:r>
-            <a:r>
-              <a:rPr lang="pt-BR" dirty="0" err="1" smtClean="0"/>
-              <a:t>Scheduler</a:t>
-            </a:r>
-            <a:endParaRPr lang="pt-BR" dirty="0" smtClean="0"/>
-          </a:p>
-        </p:txBody>
-      </p:sp>
-      <p:sp>
-        <p:nvSpPr>
-          <p:cNvPr id="15363" name="Espaço Reservado para Conteúdo 2"/>
-          <p:cNvSpPr>
-            <a:spLocks noGrp="1"/>
-          </p:cNvSpPr>
-          <p:nvPr>
-            <p:ph idx="1"/>
-          </p:nvPr>
-        </p:nvSpPr>
-        <p:spPr/>
-        <p:txBody>
-          <a:bodyPr/>
-          <a:lstStyle/>
-          <a:p>
-            <a:endParaRPr lang="pt-BR" smtClean="0"/>
+              <a:t>Estados da thread</a:t>
+            </a:r>
           </a:p>
         </p:txBody>
       </p:sp>
@@ -13347,6 +12173,1246 @@
               <a:t>20</a:t>
             </a:fld>
             <a:endParaRPr lang="pt-BR"/>
+          </a:p>
+        </p:txBody>
+      </p:sp>
+      <p:sp>
+        <p:nvSpPr>
+          <p:cNvPr id="5" name="Retângulo 4"/>
+          <p:cNvSpPr/>
+          <p:nvPr/>
+        </p:nvSpPr>
+        <p:spPr>
+          <a:xfrm>
+            <a:off x="755576" y="3645024"/>
+            <a:ext cx="1512168" cy="720080"/>
+          </a:xfrm>
+          <a:prstGeom prst="rect">
+            <a:avLst/>
+          </a:prstGeom>
+          <a:noFill/>
+          <a:ln w="38100">
+            <a:solidFill>
+              <a:schemeClr val="tx1"/>
+            </a:solidFill>
+          </a:ln>
+        </p:spPr>
+        <p:style>
+          <a:lnRef idx="2">
+            <a:schemeClr val="accent1">
+              <a:shade val="50000"/>
+            </a:schemeClr>
+          </a:lnRef>
+          <a:fillRef idx="1">
+            <a:schemeClr val="accent1"/>
+          </a:fillRef>
+          <a:effectRef idx="0">
+            <a:schemeClr val="accent1"/>
+          </a:effectRef>
+          <a:fontRef idx="minor">
+            <a:schemeClr val="lt1"/>
+          </a:fontRef>
+        </p:style>
+        <p:txBody>
+          <a:bodyPr rtlCol="0" anchor="ctr"/>
+          <a:lstStyle/>
+          <a:p>
+            <a:pPr algn="ctr"/>
+            <a:r>
+              <a:rPr lang="pt-BR" sz="1600" dirty="0" smtClean="0"/>
+              <a:t>Executando</a:t>
+            </a:r>
+            <a:endParaRPr lang="pt-BR" sz="1600" dirty="0"/>
+          </a:p>
+        </p:txBody>
+      </p:sp>
+      <p:sp>
+        <p:nvSpPr>
+          <p:cNvPr id="6" name="Retângulo 5"/>
+          <p:cNvSpPr/>
+          <p:nvPr/>
+        </p:nvSpPr>
+        <p:spPr>
+          <a:xfrm>
+            <a:off x="755576" y="2132856"/>
+            <a:ext cx="1512168" cy="720080"/>
+          </a:xfrm>
+          <a:prstGeom prst="rect">
+            <a:avLst/>
+          </a:prstGeom>
+          <a:noFill/>
+          <a:ln w="38100">
+            <a:solidFill>
+              <a:schemeClr val="tx1"/>
+            </a:solidFill>
+          </a:ln>
+        </p:spPr>
+        <p:style>
+          <a:lnRef idx="2">
+            <a:schemeClr val="accent1">
+              <a:shade val="50000"/>
+            </a:schemeClr>
+          </a:lnRef>
+          <a:fillRef idx="1">
+            <a:schemeClr val="accent1"/>
+          </a:fillRef>
+          <a:effectRef idx="0">
+            <a:schemeClr val="accent1"/>
+          </a:effectRef>
+          <a:fontRef idx="minor">
+            <a:schemeClr val="lt1"/>
+          </a:fontRef>
+        </p:style>
+        <p:txBody>
+          <a:bodyPr rtlCol="0" anchor="ctr"/>
+          <a:lstStyle/>
+          <a:p>
+            <a:pPr algn="ctr"/>
+            <a:r>
+              <a:rPr lang="pt-BR" sz="1600" dirty="0" smtClean="0"/>
+              <a:t>Pronta para</a:t>
+            </a:r>
+          </a:p>
+          <a:p>
+            <a:pPr algn="ctr"/>
+            <a:r>
+              <a:rPr lang="pt-BR" sz="1600" dirty="0" smtClean="0"/>
+              <a:t>ser executada</a:t>
+            </a:r>
+            <a:endParaRPr lang="pt-BR" sz="1600" dirty="0"/>
+          </a:p>
+        </p:txBody>
+      </p:sp>
+      <p:sp>
+        <p:nvSpPr>
+          <p:cNvPr id="7" name="Retângulo 6"/>
+          <p:cNvSpPr/>
+          <p:nvPr/>
+        </p:nvSpPr>
+        <p:spPr>
+          <a:xfrm>
+            <a:off x="2843808" y="2996952"/>
+            <a:ext cx="1512168" cy="432048"/>
+          </a:xfrm>
+          <a:prstGeom prst="rect">
+            <a:avLst/>
+          </a:prstGeom>
+          <a:noFill/>
+          <a:ln w="38100">
+            <a:solidFill>
+              <a:schemeClr val="tx1"/>
+            </a:solidFill>
+          </a:ln>
+        </p:spPr>
+        <p:style>
+          <a:lnRef idx="2">
+            <a:schemeClr val="accent1">
+              <a:shade val="50000"/>
+            </a:schemeClr>
+          </a:lnRef>
+          <a:fillRef idx="1">
+            <a:schemeClr val="accent1"/>
+          </a:fillRef>
+          <a:effectRef idx="0">
+            <a:schemeClr val="accent1"/>
+          </a:effectRef>
+          <a:fontRef idx="minor">
+            <a:schemeClr val="lt1"/>
+          </a:fontRef>
+        </p:style>
+        <p:txBody>
+          <a:bodyPr rtlCol="0" anchor="ctr"/>
+          <a:lstStyle/>
+          <a:p>
+            <a:pPr algn="ctr"/>
+            <a:r>
+              <a:rPr lang="pt-BR" sz="1600" dirty="0" smtClean="0"/>
+              <a:t>Dormindo</a:t>
+            </a:r>
+          </a:p>
+        </p:txBody>
+      </p:sp>
+      <p:sp>
+        <p:nvSpPr>
+          <p:cNvPr id="8" name="Retângulo 7"/>
+          <p:cNvSpPr/>
+          <p:nvPr/>
+        </p:nvSpPr>
+        <p:spPr>
+          <a:xfrm>
+            <a:off x="7020272" y="2996952"/>
+            <a:ext cx="1512168" cy="432048"/>
+          </a:xfrm>
+          <a:prstGeom prst="rect">
+            <a:avLst/>
+          </a:prstGeom>
+          <a:noFill/>
+          <a:ln w="38100">
+            <a:solidFill>
+              <a:schemeClr val="tx1"/>
+            </a:solidFill>
+          </a:ln>
+        </p:spPr>
+        <p:style>
+          <a:lnRef idx="2">
+            <a:schemeClr val="accent1">
+              <a:shade val="50000"/>
+            </a:schemeClr>
+          </a:lnRef>
+          <a:fillRef idx="1">
+            <a:schemeClr val="accent1"/>
+          </a:fillRef>
+          <a:effectRef idx="0">
+            <a:schemeClr val="accent1"/>
+          </a:effectRef>
+          <a:fontRef idx="minor">
+            <a:schemeClr val="lt1"/>
+          </a:fontRef>
+        </p:style>
+        <p:txBody>
+          <a:bodyPr rtlCol="0" anchor="ctr"/>
+          <a:lstStyle/>
+          <a:p>
+            <a:pPr algn="ctr"/>
+            <a:r>
+              <a:rPr lang="pt-BR" sz="1600" dirty="0" smtClean="0"/>
+              <a:t>Bloqueada</a:t>
+            </a:r>
+            <a:endParaRPr lang="pt-BR" sz="1600" dirty="0"/>
+          </a:p>
+        </p:txBody>
+      </p:sp>
+      <p:sp>
+        <p:nvSpPr>
+          <p:cNvPr id="9" name="Retângulo 8"/>
+          <p:cNvSpPr/>
+          <p:nvPr/>
+        </p:nvSpPr>
+        <p:spPr>
+          <a:xfrm>
+            <a:off x="4932040" y="2996952"/>
+            <a:ext cx="1512168" cy="432048"/>
+          </a:xfrm>
+          <a:prstGeom prst="rect">
+            <a:avLst/>
+          </a:prstGeom>
+          <a:noFill/>
+          <a:ln w="38100">
+            <a:solidFill>
+              <a:schemeClr val="tx1"/>
+            </a:solidFill>
+          </a:ln>
+        </p:spPr>
+        <p:style>
+          <a:lnRef idx="2">
+            <a:schemeClr val="accent1">
+              <a:shade val="50000"/>
+            </a:schemeClr>
+          </a:lnRef>
+          <a:fillRef idx="1">
+            <a:schemeClr val="accent1"/>
+          </a:fillRef>
+          <a:effectRef idx="0">
+            <a:schemeClr val="accent1"/>
+          </a:effectRef>
+          <a:fontRef idx="minor">
+            <a:schemeClr val="lt1"/>
+          </a:fontRef>
+        </p:style>
+        <p:txBody>
+          <a:bodyPr rtlCol="0" anchor="ctr"/>
+          <a:lstStyle/>
+          <a:p>
+            <a:pPr algn="ctr"/>
+            <a:r>
+              <a:rPr lang="pt-BR" sz="1600" dirty="0" smtClean="0"/>
+              <a:t>Suspensa</a:t>
+            </a:r>
+          </a:p>
+        </p:txBody>
+      </p:sp>
+      <p:sp>
+        <p:nvSpPr>
+          <p:cNvPr id="10" name="Retângulo 9"/>
+          <p:cNvSpPr/>
+          <p:nvPr/>
+        </p:nvSpPr>
+        <p:spPr>
+          <a:xfrm>
+            <a:off x="755576" y="4941168"/>
+            <a:ext cx="1512168" cy="720080"/>
+          </a:xfrm>
+          <a:prstGeom prst="rect">
+            <a:avLst/>
+          </a:prstGeom>
+          <a:noFill/>
+          <a:ln w="38100">
+            <a:solidFill>
+              <a:schemeClr val="tx1"/>
+            </a:solidFill>
+          </a:ln>
+        </p:spPr>
+        <p:style>
+          <a:lnRef idx="2">
+            <a:schemeClr val="accent1">
+              <a:shade val="50000"/>
+            </a:schemeClr>
+          </a:lnRef>
+          <a:fillRef idx="1">
+            <a:schemeClr val="accent1"/>
+          </a:fillRef>
+          <a:effectRef idx="0">
+            <a:schemeClr val="accent1"/>
+          </a:effectRef>
+          <a:fontRef idx="minor">
+            <a:schemeClr val="lt1"/>
+          </a:fontRef>
+        </p:style>
+        <p:txBody>
+          <a:bodyPr rtlCol="0" anchor="ctr"/>
+          <a:lstStyle/>
+          <a:p>
+            <a:pPr algn="ctr"/>
+            <a:r>
+              <a:rPr lang="pt-BR" sz="1600" dirty="0" smtClean="0"/>
+              <a:t>Morta</a:t>
+            </a:r>
+            <a:endParaRPr lang="pt-BR" sz="1600" dirty="0"/>
+          </a:p>
+        </p:txBody>
+      </p:sp>
+      <p:cxnSp>
+        <p:nvCxnSpPr>
+          <p:cNvPr id="15" name="Conector de seta reta 14"/>
+          <p:cNvCxnSpPr/>
+          <p:nvPr/>
+        </p:nvCxnSpPr>
+        <p:spPr>
+          <a:xfrm>
+            <a:off x="1259632" y="2852936"/>
+            <a:ext cx="0" cy="792088"/>
+          </a:xfrm>
+          <a:prstGeom prst="straightConnector1">
+            <a:avLst/>
+          </a:prstGeom>
+          <a:ln w="38100">
+            <a:solidFill>
+              <a:schemeClr val="tx1"/>
+            </a:solidFill>
+            <a:tailEnd type="arrow"/>
+          </a:ln>
+        </p:spPr>
+        <p:style>
+          <a:lnRef idx="1">
+            <a:schemeClr val="accent1"/>
+          </a:lnRef>
+          <a:fillRef idx="0">
+            <a:schemeClr val="accent1"/>
+          </a:fillRef>
+          <a:effectRef idx="0">
+            <a:schemeClr val="accent1"/>
+          </a:effectRef>
+          <a:fontRef idx="minor">
+            <a:schemeClr val="tx1"/>
+          </a:fontRef>
+        </p:style>
+      </p:cxnSp>
+      <p:cxnSp>
+        <p:nvCxnSpPr>
+          <p:cNvPr id="17" name="Forma 16"/>
+          <p:cNvCxnSpPr>
+            <a:endCxn id="7" idx="2"/>
+          </p:cNvCxnSpPr>
+          <p:nvPr/>
+        </p:nvCxnSpPr>
+        <p:spPr>
+          <a:xfrm flipV="1">
+            <a:off x="2267744" y="3429000"/>
+            <a:ext cx="1332148" cy="432048"/>
+          </a:xfrm>
+          <a:prstGeom prst="bentConnector2">
+            <a:avLst/>
+          </a:prstGeom>
+          <a:ln w="38100">
+            <a:solidFill>
+              <a:schemeClr val="tx1"/>
+            </a:solidFill>
+            <a:tailEnd type="arrow"/>
+          </a:ln>
+        </p:spPr>
+        <p:style>
+          <a:lnRef idx="1">
+            <a:schemeClr val="accent1"/>
+          </a:lnRef>
+          <a:fillRef idx="0">
+            <a:schemeClr val="accent1"/>
+          </a:fillRef>
+          <a:effectRef idx="0">
+            <a:schemeClr val="accent1"/>
+          </a:effectRef>
+          <a:fontRef idx="minor">
+            <a:schemeClr val="tx1"/>
+          </a:fontRef>
+        </p:style>
+      </p:cxnSp>
+      <p:cxnSp>
+        <p:nvCxnSpPr>
+          <p:cNvPr id="18" name="Forma 17"/>
+          <p:cNvCxnSpPr>
+            <a:stCxn id="5" idx="3"/>
+            <a:endCxn id="9" idx="2"/>
+          </p:cNvCxnSpPr>
+          <p:nvPr/>
+        </p:nvCxnSpPr>
+        <p:spPr>
+          <a:xfrm flipV="1">
+            <a:off x="2267744" y="3429000"/>
+            <a:ext cx="3420380" cy="576064"/>
+          </a:xfrm>
+          <a:prstGeom prst="bentConnector2">
+            <a:avLst/>
+          </a:prstGeom>
+          <a:ln w="38100">
+            <a:solidFill>
+              <a:schemeClr val="tx1"/>
+            </a:solidFill>
+            <a:tailEnd type="arrow"/>
+          </a:ln>
+        </p:spPr>
+        <p:style>
+          <a:lnRef idx="1">
+            <a:schemeClr val="accent1"/>
+          </a:lnRef>
+          <a:fillRef idx="0">
+            <a:schemeClr val="accent1"/>
+          </a:fillRef>
+          <a:effectRef idx="0">
+            <a:schemeClr val="accent1"/>
+          </a:effectRef>
+          <a:fontRef idx="minor">
+            <a:schemeClr val="tx1"/>
+          </a:fontRef>
+        </p:style>
+      </p:cxnSp>
+      <p:cxnSp>
+        <p:nvCxnSpPr>
+          <p:cNvPr id="22" name="Forma 21"/>
+          <p:cNvCxnSpPr>
+            <a:endCxn id="8" idx="2"/>
+          </p:cNvCxnSpPr>
+          <p:nvPr/>
+        </p:nvCxnSpPr>
+        <p:spPr>
+          <a:xfrm flipV="1">
+            <a:off x="2267744" y="3429000"/>
+            <a:ext cx="5508612" cy="720080"/>
+          </a:xfrm>
+          <a:prstGeom prst="bentConnector2">
+            <a:avLst/>
+          </a:prstGeom>
+          <a:ln w="38100">
+            <a:solidFill>
+              <a:schemeClr val="tx1"/>
+            </a:solidFill>
+            <a:tailEnd type="arrow"/>
+          </a:ln>
+        </p:spPr>
+        <p:style>
+          <a:lnRef idx="1">
+            <a:schemeClr val="accent1"/>
+          </a:lnRef>
+          <a:fillRef idx="0">
+            <a:schemeClr val="accent1"/>
+          </a:fillRef>
+          <a:effectRef idx="0">
+            <a:schemeClr val="accent1"/>
+          </a:effectRef>
+          <a:fontRef idx="minor">
+            <a:schemeClr val="tx1"/>
+          </a:fontRef>
+        </p:style>
+      </p:cxnSp>
+      <p:cxnSp>
+        <p:nvCxnSpPr>
+          <p:cNvPr id="25" name="Forma 24"/>
+          <p:cNvCxnSpPr>
+            <a:stCxn id="7" idx="0"/>
+          </p:cNvCxnSpPr>
+          <p:nvPr/>
+        </p:nvCxnSpPr>
+        <p:spPr>
+          <a:xfrm rot="16200000" flipV="1">
+            <a:off x="2753798" y="2150858"/>
+            <a:ext cx="360040" cy="1332148"/>
+          </a:xfrm>
+          <a:prstGeom prst="bentConnector2">
+            <a:avLst/>
+          </a:prstGeom>
+          <a:ln w="38100">
+            <a:solidFill>
+              <a:schemeClr val="tx1"/>
+            </a:solidFill>
+            <a:tailEnd type="arrow"/>
+          </a:ln>
+        </p:spPr>
+        <p:style>
+          <a:lnRef idx="1">
+            <a:schemeClr val="accent1"/>
+          </a:lnRef>
+          <a:fillRef idx="0">
+            <a:schemeClr val="accent1"/>
+          </a:fillRef>
+          <a:effectRef idx="0">
+            <a:schemeClr val="accent1"/>
+          </a:effectRef>
+          <a:fontRef idx="minor">
+            <a:schemeClr val="tx1"/>
+          </a:fontRef>
+        </p:style>
+      </p:cxnSp>
+      <p:cxnSp>
+        <p:nvCxnSpPr>
+          <p:cNvPr id="28" name="Forma 27"/>
+          <p:cNvCxnSpPr>
+            <a:stCxn id="9" idx="0"/>
+            <a:endCxn id="6" idx="3"/>
+          </p:cNvCxnSpPr>
+          <p:nvPr/>
+        </p:nvCxnSpPr>
+        <p:spPr>
+          <a:xfrm rot="16200000" flipV="1">
+            <a:off x="3725906" y="1034734"/>
+            <a:ext cx="504056" cy="3420380"/>
+          </a:xfrm>
+          <a:prstGeom prst="bentConnector2">
+            <a:avLst/>
+          </a:prstGeom>
+          <a:ln w="38100">
+            <a:solidFill>
+              <a:schemeClr val="tx1"/>
+            </a:solidFill>
+            <a:tailEnd type="arrow"/>
+          </a:ln>
+        </p:spPr>
+        <p:style>
+          <a:lnRef idx="1">
+            <a:schemeClr val="accent1"/>
+          </a:lnRef>
+          <a:fillRef idx="0">
+            <a:schemeClr val="accent1"/>
+          </a:fillRef>
+          <a:effectRef idx="0">
+            <a:schemeClr val="accent1"/>
+          </a:effectRef>
+          <a:fontRef idx="minor">
+            <a:schemeClr val="tx1"/>
+          </a:fontRef>
+        </p:style>
+      </p:cxnSp>
+      <p:cxnSp>
+        <p:nvCxnSpPr>
+          <p:cNvPr id="31" name="Forma 30"/>
+          <p:cNvCxnSpPr>
+            <a:stCxn id="8" idx="0"/>
+          </p:cNvCxnSpPr>
+          <p:nvPr/>
+        </p:nvCxnSpPr>
+        <p:spPr>
+          <a:xfrm rot="16200000" flipV="1">
+            <a:off x="4698014" y="-81390"/>
+            <a:ext cx="648072" cy="5508612"/>
+          </a:xfrm>
+          <a:prstGeom prst="bentConnector2">
+            <a:avLst/>
+          </a:prstGeom>
+          <a:ln w="38100">
+            <a:solidFill>
+              <a:schemeClr val="tx1"/>
+            </a:solidFill>
+            <a:tailEnd type="arrow"/>
+          </a:ln>
+        </p:spPr>
+        <p:style>
+          <a:lnRef idx="1">
+            <a:schemeClr val="accent1"/>
+          </a:lnRef>
+          <a:fillRef idx="0">
+            <a:schemeClr val="accent1"/>
+          </a:fillRef>
+          <a:effectRef idx="0">
+            <a:schemeClr val="accent1"/>
+          </a:effectRef>
+          <a:fontRef idx="minor">
+            <a:schemeClr val="tx1"/>
+          </a:fontRef>
+        </p:style>
+      </p:cxnSp>
+      <p:cxnSp>
+        <p:nvCxnSpPr>
+          <p:cNvPr id="34" name="Conector de seta reta 33"/>
+          <p:cNvCxnSpPr>
+            <a:stCxn id="5" idx="2"/>
+            <a:endCxn id="10" idx="0"/>
+          </p:cNvCxnSpPr>
+          <p:nvPr/>
+        </p:nvCxnSpPr>
+        <p:spPr>
+          <a:xfrm>
+            <a:off x="1511660" y="4365104"/>
+            <a:ext cx="0" cy="576064"/>
+          </a:xfrm>
+          <a:prstGeom prst="straightConnector1">
+            <a:avLst/>
+          </a:prstGeom>
+          <a:ln w="38100">
+            <a:solidFill>
+              <a:schemeClr val="tx1"/>
+            </a:solidFill>
+            <a:tailEnd type="arrow"/>
+          </a:ln>
+        </p:spPr>
+        <p:style>
+          <a:lnRef idx="1">
+            <a:schemeClr val="accent1"/>
+          </a:lnRef>
+          <a:fillRef idx="0">
+            <a:schemeClr val="accent1"/>
+          </a:fillRef>
+          <a:effectRef idx="0">
+            <a:schemeClr val="accent1"/>
+          </a:effectRef>
+          <a:fontRef idx="minor">
+            <a:schemeClr val="tx1"/>
+          </a:fontRef>
+        </p:style>
+      </p:cxnSp>
+      <p:cxnSp>
+        <p:nvCxnSpPr>
+          <p:cNvPr id="53" name="Conector de seta reta 52"/>
+          <p:cNvCxnSpPr/>
+          <p:nvPr/>
+        </p:nvCxnSpPr>
+        <p:spPr>
+          <a:xfrm>
+            <a:off x="1511300" y="1671960"/>
+            <a:ext cx="0" cy="460896"/>
+          </a:xfrm>
+          <a:prstGeom prst="straightConnector1">
+            <a:avLst/>
+          </a:prstGeom>
+          <a:ln w="38100">
+            <a:solidFill>
+              <a:schemeClr val="tx1"/>
+            </a:solidFill>
+            <a:tailEnd type="arrow"/>
+          </a:ln>
+        </p:spPr>
+        <p:style>
+          <a:lnRef idx="1">
+            <a:schemeClr val="accent1"/>
+          </a:lnRef>
+          <a:fillRef idx="0">
+            <a:schemeClr val="accent1"/>
+          </a:fillRef>
+          <a:effectRef idx="0">
+            <a:schemeClr val="accent1"/>
+          </a:effectRef>
+          <a:fontRef idx="minor">
+            <a:schemeClr val="tx1"/>
+          </a:fontRef>
+        </p:style>
+      </p:cxnSp>
+      <p:sp>
+        <p:nvSpPr>
+          <p:cNvPr id="55" name="Elipse 54"/>
+          <p:cNvSpPr/>
+          <p:nvPr/>
+        </p:nvSpPr>
+        <p:spPr>
+          <a:xfrm>
+            <a:off x="1403648" y="1556792"/>
+            <a:ext cx="216024" cy="216024"/>
+          </a:xfrm>
+          <a:prstGeom prst="ellipse">
+            <a:avLst/>
+          </a:prstGeom>
+          <a:solidFill>
+            <a:schemeClr val="tx1"/>
+          </a:solidFill>
+          <a:ln>
+            <a:noFill/>
+          </a:ln>
+        </p:spPr>
+        <p:style>
+          <a:lnRef idx="2">
+            <a:schemeClr val="accent1">
+              <a:shade val="50000"/>
+            </a:schemeClr>
+          </a:lnRef>
+          <a:fillRef idx="1">
+            <a:schemeClr val="accent1"/>
+          </a:fillRef>
+          <a:effectRef idx="0">
+            <a:schemeClr val="accent1"/>
+          </a:effectRef>
+          <a:fontRef idx="minor">
+            <a:schemeClr val="lt1"/>
+          </a:fontRef>
+        </p:style>
+        <p:txBody>
+          <a:bodyPr rtlCol="0" anchor="ctr"/>
+          <a:lstStyle/>
+          <a:p>
+            <a:pPr algn="ctr"/>
+            <a:endParaRPr lang="pt-BR"/>
+          </a:p>
+        </p:txBody>
+      </p:sp>
+      <p:cxnSp>
+        <p:nvCxnSpPr>
+          <p:cNvPr id="57" name="Conector de seta reta 56"/>
+          <p:cNvCxnSpPr/>
+          <p:nvPr/>
+        </p:nvCxnSpPr>
+        <p:spPr>
+          <a:xfrm flipV="1">
+            <a:off x="1763688" y="2852936"/>
+            <a:ext cx="0" cy="792088"/>
+          </a:xfrm>
+          <a:prstGeom prst="straightConnector1">
+            <a:avLst/>
+          </a:prstGeom>
+          <a:ln w="38100">
+            <a:solidFill>
+              <a:schemeClr val="tx1"/>
+            </a:solidFill>
+            <a:tailEnd type="arrow"/>
+          </a:ln>
+        </p:spPr>
+        <p:style>
+          <a:lnRef idx="1">
+            <a:schemeClr val="accent1"/>
+          </a:lnRef>
+          <a:fillRef idx="0">
+            <a:schemeClr val="accent1"/>
+          </a:fillRef>
+          <a:effectRef idx="0">
+            <a:schemeClr val="accent1"/>
+          </a:effectRef>
+          <a:fontRef idx="minor">
+            <a:schemeClr val="tx1"/>
+          </a:fontRef>
+        </p:style>
+      </p:cxnSp>
+      <p:sp>
+        <p:nvSpPr>
+          <p:cNvPr id="58" name="Retângulo 57"/>
+          <p:cNvSpPr/>
+          <p:nvPr/>
+        </p:nvSpPr>
+        <p:spPr>
+          <a:xfrm>
+            <a:off x="7812360" y="2636912"/>
+            <a:ext cx="936104" cy="360040"/>
+          </a:xfrm>
+          <a:prstGeom prst="rect">
+            <a:avLst/>
+          </a:prstGeom>
+          <a:noFill/>
+          <a:ln>
+            <a:noFill/>
+          </a:ln>
+        </p:spPr>
+        <p:style>
+          <a:lnRef idx="2">
+            <a:schemeClr val="accent1">
+              <a:shade val="50000"/>
+            </a:schemeClr>
+          </a:lnRef>
+          <a:fillRef idx="1">
+            <a:schemeClr val="accent1"/>
+          </a:fillRef>
+          <a:effectRef idx="0">
+            <a:schemeClr val="accent1"/>
+          </a:effectRef>
+          <a:fontRef idx="minor">
+            <a:schemeClr val="lt1"/>
+          </a:fontRef>
+        </p:style>
+        <p:txBody>
+          <a:bodyPr rtlCol="0" anchor="ctr"/>
+          <a:lstStyle/>
+          <a:p>
+            <a:pPr algn="ctr"/>
+            <a:r>
+              <a:rPr lang="pt-BR" dirty="0" err="1" smtClean="0">
+                <a:solidFill>
+                  <a:srgbClr val="FFC000"/>
+                </a:solidFill>
+              </a:rPr>
+              <a:t>notify</a:t>
+            </a:r>
+            <a:r>
+              <a:rPr lang="pt-BR" dirty="0" smtClean="0">
+                <a:solidFill>
+                  <a:srgbClr val="FFC000"/>
+                </a:solidFill>
+              </a:rPr>
+              <a:t>()</a:t>
+            </a:r>
+            <a:endParaRPr lang="pt-BR" dirty="0">
+              <a:solidFill>
+                <a:srgbClr val="FFC000"/>
+              </a:solidFill>
+            </a:endParaRPr>
+          </a:p>
+        </p:txBody>
+      </p:sp>
+      <p:sp>
+        <p:nvSpPr>
+          <p:cNvPr id="61" name="Retângulo 60"/>
+          <p:cNvSpPr/>
+          <p:nvPr/>
+        </p:nvSpPr>
+        <p:spPr>
+          <a:xfrm>
+            <a:off x="5724128" y="2636912"/>
+            <a:ext cx="1152128" cy="360040"/>
+          </a:xfrm>
+          <a:prstGeom prst="rect">
+            <a:avLst/>
+          </a:prstGeom>
+          <a:noFill/>
+          <a:ln>
+            <a:noFill/>
+          </a:ln>
+        </p:spPr>
+        <p:style>
+          <a:lnRef idx="2">
+            <a:schemeClr val="accent1">
+              <a:shade val="50000"/>
+            </a:schemeClr>
+          </a:lnRef>
+          <a:fillRef idx="1">
+            <a:schemeClr val="accent1"/>
+          </a:fillRef>
+          <a:effectRef idx="0">
+            <a:schemeClr val="accent1"/>
+          </a:effectRef>
+          <a:fontRef idx="minor">
+            <a:schemeClr val="lt1"/>
+          </a:fontRef>
+        </p:style>
+        <p:txBody>
+          <a:bodyPr rtlCol="0" anchor="ctr"/>
+          <a:lstStyle/>
+          <a:p>
+            <a:pPr algn="ctr"/>
+            <a:r>
+              <a:rPr lang="pt-BR" dirty="0" smtClean="0">
+                <a:solidFill>
+                  <a:srgbClr val="FFC000"/>
+                </a:solidFill>
+              </a:rPr>
+              <a:t>resume()</a:t>
+            </a:r>
+            <a:endParaRPr lang="pt-BR" dirty="0">
+              <a:solidFill>
+                <a:srgbClr val="FFC000"/>
+              </a:solidFill>
+            </a:endParaRPr>
+          </a:p>
+        </p:txBody>
+      </p:sp>
+      <p:sp>
+        <p:nvSpPr>
+          <p:cNvPr id="62" name="Retângulo 61"/>
+          <p:cNvSpPr/>
+          <p:nvPr/>
+        </p:nvSpPr>
+        <p:spPr>
+          <a:xfrm>
+            <a:off x="5724128" y="3429000"/>
+            <a:ext cx="1296144" cy="360040"/>
+          </a:xfrm>
+          <a:prstGeom prst="rect">
+            <a:avLst/>
+          </a:prstGeom>
+          <a:noFill/>
+          <a:ln>
+            <a:noFill/>
+          </a:ln>
+        </p:spPr>
+        <p:style>
+          <a:lnRef idx="2">
+            <a:schemeClr val="accent1">
+              <a:shade val="50000"/>
+            </a:schemeClr>
+          </a:lnRef>
+          <a:fillRef idx="1">
+            <a:schemeClr val="accent1"/>
+          </a:fillRef>
+          <a:effectRef idx="0">
+            <a:schemeClr val="accent1"/>
+          </a:effectRef>
+          <a:fontRef idx="minor">
+            <a:schemeClr val="lt1"/>
+          </a:fontRef>
+        </p:style>
+        <p:txBody>
+          <a:bodyPr rtlCol="0" anchor="ctr"/>
+          <a:lstStyle/>
+          <a:p>
+            <a:pPr algn="ctr"/>
+            <a:r>
+              <a:rPr lang="pt-BR" dirty="0" err="1" smtClean="0">
+                <a:solidFill>
+                  <a:srgbClr val="FFC000"/>
+                </a:solidFill>
+              </a:rPr>
+              <a:t>suspend</a:t>
+            </a:r>
+            <a:r>
+              <a:rPr lang="pt-BR" dirty="0" smtClean="0">
+                <a:solidFill>
+                  <a:srgbClr val="FFC000"/>
+                </a:solidFill>
+              </a:rPr>
+              <a:t>()</a:t>
+            </a:r>
+            <a:endParaRPr lang="pt-BR" dirty="0">
+              <a:solidFill>
+                <a:srgbClr val="FFC000"/>
+              </a:solidFill>
+            </a:endParaRPr>
+          </a:p>
+        </p:txBody>
+      </p:sp>
+      <p:sp>
+        <p:nvSpPr>
+          <p:cNvPr id="63" name="Retângulo 62"/>
+          <p:cNvSpPr/>
+          <p:nvPr/>
+        </p:nvSpPr>
+        <p:spPr>
+          <a:xfrm>
+            <a:off x="3635896" y="3429000"/>
+            <a:ext cx="1440160" cy="360040"/>
+          </a:xfrm>
+          <a:prstGeom prst="rect">
+            <a:avLst/>
+          </a:prstGeom>
+          <a:noFill/>
+          <a:ln>
+            <a:noFill/>
+          </a:ln>
+        </p:spPr>
+        <p:style>
+          <a:lnRef idx="2">
+            <a:schemeClr val="accent1">
+              <a:shade val="50000"/>
+            </a:schemeClr>
+          </a:lnRef>
+          <a:fillRef idx="1">
+            <a:schemeClr val="accent1"/>
+          </a:fillRef>
+          <a:effectRef idx="0">
+            <a:schemeClr val="accent1"/>
+          </a:effectRef>
+          <a:fontRef idx="minor">
+            <a:schemeClr val="lt1"/>
+          </a:fontRef>
+        </p:style>
+        <p:txBody>
+          <a:bodyPr rtlCol="0" anchor="ctr"/>
+          <a:lstStyle/>
+          <a:p>
+            <a:pPr algn="ctr"/>
+            <a:r>
+              <a:rPr lang="pt-BR" dirty="0" err="1" smtClean="0">
+                <a:solidFill>
+                  <a:srgbClr val="FFC000"/>
+                </a:solidFill>
+              </a:rPr>
+              <a:t>sleep</a:t>
+            </a:r>
+            <a:r>
+              <a:rPr lang="pt-BR" dirty="0" smtClean="0">
+                <a:solidFill>
+                  <a:srgbClr val="FFC000"/>
+                </a:solidFill>
+              </a:rPr>
+              <a:t>(</a:t>
+            </a:r>
+            <a:r>
+              <a:rPr lang="pt-BR" dirty="0" err="1" smtClean="0">
+                <a:solidFill>
+                  <a:srgbClr val="FFC000"/>
+                </a:solidFill>
+              </a:rPr>
+              <a:t>millis</a:t>
+            </a:r>
+            <a:r>
+              <a:rPr lang="pt-BR" dirty="0" smtClean="0">
+                <a:solidFill>
+                  <a:srgbClr val="FFC000"/>
+                </a:solidFill>
+              </a:rPr>
+              <a:t>)</a:t>
+            </a:r>
+            <a:endParaRPr lang="pt-BR" dirty="0">
+              <a:solidFill>
+                <a:srgbClr val="FFC000"/>
+              </a:solidFill>
+            </a:endParaRPr>
+          </a:p>
+        </p:txBody>
+      </p:sp>
+      <p:sp>
+        <p:nvSpPr>
+          <p:cNvPr id="64" name="Retângulo 63"/>
+          <p:cNvSpPr/>
+          <p:nvPr/>
+        </p:nvSpPr>
+        <p:spPr>
+          <a:xfrm>
+            <a:off x="7740352" y="3429000"/>
+            <a:ext cx="936104" cy="360040"/>
+          </a:xfrm>
+          <a:prstGeom prst="rect">
+            <a:avLst/>
+          </a:prstGeom>
+          <a:noFill/>
+          <a:ln>
+            <a:noFill/>
+          </a:ln>
+        </p:spPr>
+        <p:style>
+          <a:lnRef idx="2">
+            <a:schemeClr val="accent1">
+              <a:shade val="50000"/>
+            </a:schemeClr>
+          </a:lnRef>
+          <a:fillRef idx="1">
+            <a:schemeClr val="accent1"/>
+          </a:fillRef>
+          <a:effectRef idx="0">
+            <a:schemeClr val="accent1"/>
+          </a:effectRef>
+          <a:fontRef idx="minor">
+            <a:schemeClr val="lt1"/>
+          </a:fontRef>
+        </p:style>
+        <p:txBody>
+          <a:bodyPr rtlCol="0" anchor="ctr"/>
+          <a:lstStyle/>
+          <a:p>
+            <a:pPr algn="ctr"/>
+            <a:r>
+              <a:rPr lang="pt-BR" dirty="0" err="1" smtClean="0">
+                <a:solidFill>
+                  <a:srgbClr val="FFC000"/>
+                </a:solidFill>
+              </a:rPr>
+              <a:t>wait</a:t>
+            </a:r>
+            <a:r>
+              <a:rPr lang="pt-BR" dirty="0" smtClean="0">
+                <a:solidFill>
+                  <a:srgbClr val="FFC000"/>
+                </a:solidFill>
+              </a:rPr>
+              <a:t>()</a:t>
+            </a:r>
+            <a:endParaRPr lang="pt-BR" dirty="0">
+              <a:solidFill>
+                <a:srgbClr val="FFC000"/>
+              </a:solidFill>
+            </a:endParaRPr>
+          </a:p>
+        </p:txBody>
+      </p:sp>
+      <p:sp>
+        <p:nvSpPr>
+          <p:cNvPr id="71" name="Retângulo 70"/>
+          <p:cNvSpPr/>
+          <p:nvPr/>
+        </p:nvSpPr>
+        <p:spPr>
+          <a:xfrm>
+            <a:off x="1763688" y="3068960"/>
+            <a:ext cx="864096" cy="360040"/>
+          </a:xfrm>
+          <a:prstGeom prst="rect">
+            <a:avLst/>
+          </a:prstGeom>
+          <a:noFill/>
+          <a:ln>
+            <a:noFill/>
+          </a:ln>
+        </p:spPr>
+        <p:style>
+          <a:lnRef idx="2">
+            <a:schemeClr val="accent1">
+              <a:shade val="50000"/>
+            </a:schemeClr>
+          </a:lnRef>
+          <a:fillRef idx="1">
+            <a:schemeClr val="accent1"/>
+          </a:fillRef>
+          <a:effectRef idx="0">
+            <a:schemeClr val="accent1"/>
+          </a:effectRef>
+          <a:fontRef idx="minor">
+            <a:schemeClr val="lt1"/>
+          </a:fontRef>
+        </p:style>
+        <p:txBody>
+          <a:bodyPr rtlCol="0" anchor="ctr"/>
+          <a:lstStyle/>
+          <a:p>
+            <a:pPr algn="ctr"/>
+            <a:r>
+              <a:rPr lang="pt-BR" dirty="0" err="1" smtClean="0">
+                <a:solidFill>
+                  <a:srgbClr val="FFC000"/>
+                </a:solidFill>
+              </a:rPr>
+              <a:t>yeld</a:t>
+            </a:r>
+            <a:r>
+              <a:rPr lang="pt-BR" dirty="0" smtClean="0">
+                <a:solidFill>
+                  <a:srgbClr val="FFC000"/>
+                </a:solidFill>
+              </a:rPr>
+              <a:t>()</a:t>
+            </a:r>
+            <a:endParaRPr lang="pt-BR" dirty="0">
+              <a:solidFill>
+                <a:srgbClr val="FFC000"/>
+              </a:solidFill>
+            </a:endParaRPr>
+          </a:p>
+        </p:txBody>
+      </p:sp>
+      <p:sp>
+        <p:nvSpPr>
+          <p:cNvPr id="72" name="Retângulo 71"/>
+          <p:cNvSpPr/>
+          <p:nvPr/>
+        </p:nvSpPr>
+        <p:spPr>
+          <a:xfrm>
+            <a:off x="1547664" y="4437112"/>
+            <a:ext cx="864096" cy="360040"/>
+          </a:xfrm>
+          <a:prstGeom prst="rect">
+            <a:avLst/>
+          </a:prstGeom>
+          <a:noFill/>
+          <a:ln>
+            <a:noFill/>
+          </a:ln>
+        </p:spPr>
+        <p:style>
+          <a:lnRef idx="2">
+            <a:schemeClr val="accent1">
+              <a:shade val="50000"/>
+            </a:schemeClr>
+          </a:lnRef>
+          <a:fillRef idx="1">
+            <a:schemeClr val="accent1"/>
+          </a:fillRef>
+          <a:effectRef idx="0">
+            <a:schemeClr val="accent1"/>
+          </a:effectRef>
+          <a:fontRef idx="minor">
+            <a:schemeClr val="lt1"/>
+          </a:fontRef>
+        </p:style>
+        <p:txBody>
+          <a:bodyPr rtlCol="0" anchor="ctr"/>
+          <a:lstStyle/>
+          <a:p>
+            <a:pPr algn="ctr"/>
+            <a:r>
+              <a:rPr lang="pt-BR" dirty="0" err="1" smtClean="0">
+                <a:solidFill>
+                  <a:srgbClr val="FFC000"/>
+                </a:solidFill>
+              </a:rPr>
+              <a:t>stop</a:t>
+            </a:r>
+            <a:r>
+              <a:rPr lang="pt-BR" dirty="0" smtClean="0">
+                <a:solidFill>
+                  <a:srgbClr val="FFC000"/>
+                </a:solidFill>
+              </a:rPr>
+              <a:t>()</a:t>
+            </a:r>
+            <a:endParaRPr lang="pt-BR" dirty="0">
+              <a:solidFill>
+                <a:srgbClr val="FFC000"/>
+              </a:solidFill>
+            </a:endParaRPr>
+          </a:p>
+        </p:txBody>
+      </p:sp>
+      <p:sp>
+        <p:nvSpPr>
+          <p:cNvPr id="77" name="Retângulo 76"/>
+          <p:cNvSpPr/>
+          <p:nvPr/>
+        </p:nvSpPr>
+        <p:spPr>
+          <a:xfrm>
+            <a:off x="1547664" y="1700808"/>
+            <a:ext cx="864096" cy="360040"/>
+          </a:xfrm>
+          <a:prstGeom prst="rect">
+            <a:avLst/>
+          </a:prstGeom>
+          <a:noFill/>
+          <a:ln>
+            <a:noFill/>
+          </a:ln>
+        </p:spPr>
+        <p:style>
+          <a:lnRef idx="2">
+            <a:schemeClr val="accent1">
+              <a:shade val="50000"/>
+            </a:schemeClr>
+          </a:lnRef>
+          <a:fillRef idx="1">
+            <a:schemeClr val="accent1"/>
+          </a:fillRef>
+          <a:effectRef idx="0">
+            <a:schemeClr val="accent1"/>
+          </a:effectRef>
+          <a:fontRef idx="minor">
+            <a:schemeClr val="lt1"/>
+          </a:fontRef>
+        </p:style>
+        <p:txBody>
+          <a:bodyPr rtlCol="0" anchor="ctr"/>
+          <a:lstStyle/>
+          <a:p>
+            <a:pPr algn="ctr"/>
+            <a:r>
+              <a:rPr lang="pt-BR" dirty="0" smtClean="0">
+                <a:solidFill>
+                  <a:srgbClr val="FFC000"/>
+                </a:solidFill>
+              </a:rPr>
+              <a:t>start()</a:t>
+            </a:r>
+            <a:endParaRPr lang="pt-BR" dirty="0">
+              <a:solidFill>
+                <a:srgbClr val="FFC000"/>
+              </a:solidFill>
+            </a:endParaRPr>
           </a:p>
         </p:txBody>
       </p:sp>
@@ -13384,7 +13450,7 @@
       </p:grpSpPr>
       <p:sp>
         <p:nvSpPr>
-          <p:cNvPr id="16386" name="Título 1"/>
+          <p:cNvPr id="15362" name="Título 1"/>
           <p:cNvSpPr>
             <a:spLocks noGrp="1"/>
           </p:cNvSpPr>
@@ -13400,14 +13466,23 @@
             <a:pPr eaLnBrk="1" hangingPunct="1"/>
             <a:r>
               <a:rPr lang="pt-BR" dirty="0" smtClean="0"/>
-              <a:t>Prioridades das threads</a:t>
-            </a:r>
-          </a:p>
-        </p:txBody>
-      </p:sp>
-      <p:sp>
-        <p:nvSpPr>
-          <p:cNvPr id="16387" name="Espaço Reservado para Conteúdo 2"/>
+              <a:t>O</a:t>
+            </a:r>
+            <a:r>
+              <a:rPr lang="pt-BR" baseline="0" dirty="0" smtClean="0"/>
+              <a:t> </a:t>
+            </a:r>
+            <a:r>
+              <a:rPr lang="pt-BR" dirty="0" err="1" smtClean="0"/>
+              <a:t>Scheduler</a:t>
+            </a:r>
+            <a:endParaRPr lang="pt-BR" dirty="0" smtClean="0"/>
+          </a:p>
+        </p:txBody>
+      </p:sp>
+      <p:sp>
+        <p:nvSpPr>
+          <p:cNvPr id="15363" name="Espaço Reservado para Conteúdo 2"/>
           <p:cNvSpPr>
             <a:spLocks noGrp="1"/>
           </p:cNvSpPr>
@@ -13458,6 +13533,13 @@
   <p:clrMapOvr>
     <a:masterClrMapping/>
   </p:clrMapOvr>
+  <p:timing>
+    <p:tnLst>
+      <p:par>
+        <p:cTn id="1" dur="indefinite" restart="never" nodeType="tmRoot"/>
+      </p:par>
+    </p:tnLst>
+  </p:timing>
 </p:sld>
 </file>
 
@@ -13480,7 +13562,7 @@
       </p:grpSpPr>
       <p:sp>
         <p:nvSpPr>
-          <p:cNvPr id="2" name="Título 1"/>
+          <p:cNvPr id="16386" name="Título 1"/>
           <p:cNvSpPr>
             <a:spLocks noGrp="1"/>
           </p:cNvSpPr>
@@ -13493,21 +13575,17 @@
           <a:bodyPr/>
           <a:lstStyle/>
           <a:p>
+            <a:pPr eaLnBrk="1" hangingPunct="1"/>
             <a:r>
               <a:rPr lang="pt-BR" dirty="0" smtClean="0"/>
-              <a:t>Estados</a:t>
-            </a:r>
-            <a:r>
-              <a:rPr lang="pt-BR" baseline="0" dirty="0" smtClean="0"/>
-              <a:t> de uma thread</a:t>
-            </a:r>
-            <a:endParaRPr lang="pt-BR" dirty="0"/>
-          </a:p>
-        </p:txBody>
-      </p:sp>
-      <p:sp>
-        <p:nvSpPr>
-          <p:cNvPr id="3" name="Espaço Reservado para Conteúdo 2"/>
+              <a:t>Prioridades das threads</a:t>
+            </a:r>
+          </a:p>
+        </p:txBody>
+      </p:sp>
+      <p:sp>
+        <p:nvSpPr>
+          <p:cNvPr id="16387" name="Espaço Reservado para Conteúdo 2"/>
           <p:cNvSpPr>
             <a:spLocks noGrp="1"/>
           </p:cNvSpPr>
@@ -13520,7 +13598,7 @@
           <a:bodyPr/>
           <a:lstStyle/>
           <a:p>
-            <a:endParaRPr lang="pt-BR"/>
+            <a:endParaRPr lang="pt-BR" smtClean="0"/>
           </a:p>
         </p:txBody>
       </p:sp>
@@ -13580,7 +13658,7 @@
       </p:grpSpPr>
       <p:sp>
         <p:nvSpPr>
-          <p:cNvPr id="21506" name="Título 1"/>
+          <p:cNvPr id="2" name="Título 1"/>
           <p:cNvSpPr>
             <a:spLocks noGrp="1"/>
           </p:cNvSpPr>
@@ -13593,17 +13671,21 @@
           <a:bodyPr/>
           <a:lstStyle/>
           <a:p>
-            <a:pPr eaLnBrk="1" hangingPunct="1"/>
             <a:r>
               <a:rPr lang="pt-BR" dirty="0" smtClean="0"/>
-              <a:t>Sincronização</a:t>
-            </a:r>
-          </a:p>
-        </p:txBody>
-      </p:sp>
-      <p:sp>
-        <p:nvSpPr>
-          <p:cNvPr id="21507" name="Espaço Reservado para Conteúdo 2"/>
+              <a:t>Estados</a:t>
+            </a:r>
+            <a:r>
+              <a:rPr lang="pt-BR" baseline="0" dirty="0" smtClean="0"/>
+              <a:t> de uma thread</a:t>
+            </a:r>
+            <a:endParaRPr lang="pt-BR" dirty="0"/>
+          </a:p>
+        </p:txBody>
+      </p:sp>
+      <p:sp>
+        <p:nvSpPr>
+          <p:cNvPr id="3" name="Espaço Reservado para Conteúdo 2"/>
           <p:cNvSpPr>
             <a:spLocks noGrp="1"/>
           </p:cNvSpPr>
@@ -13616,7 +13698,7 @@
           <a:bodyPr/>
           <a:lstStyle/>
           <a:p>
-            <a:endParaRPr lang="pt-BR" smtClean="0"/>
+            <a:endParaRPr lang="pt-BR"/>
           </a:p>
         </p:txBody>
       </p:sp>
@@ -13676,7 +13758,7 @@
       </p:grpSpPr>
       <p:sp>
         <p:nvSpPr>
-          <p:cNvPr id="25602" name="Título 1"/>
+          <p:cNvPr id="21506" name="Título 1"/>
           <p:cNvSpPr>
             <a:spLocks noGrp="1"/>
           </p:cNvSpPr>
@@ -13692,14 +13774,14 @@
             <a:pPr eaLnBrk="1" hangingPunct="1"/>
             <a:r>
               <a:rPr lang="pt-BR" dirty="0" smtClean="0"/>
-              <a:t>Bloqueios</a:t>
-            </a:r>
-          </a:p>
-        </p:txBody>
-      </p:sp>
-      <p:sp>
-        <p:nvSpPr>
-          <p:cNvPr id="25603" name="Espaço Reservado para Conteúdo 2"/>
+              <a:t>Sincronização</a:t>
+            </a:r>
+          </a:p>
+        </p:txBody>
+      </p:sp>
+      <p:sp>
+        <p:nvSpPr>
+          <p:cNvPr id="21507" name="Espaço Reservado para Conteúdo 2"/>
           <p:cNvSpPr>
             <a:spLocks noGrp="1"/>
           </p:cNvSpPr>
@@ -13772,7 +13854,7 @@
       </p:grpSpPr>
       <p:sp>
         <p:nvSpPr>
-          <p:cNvPr id="26626" name="Título 1"/>
+          <p:cNvPr id="25602" name="Título 1"/>
           <p:cNvSpPr>
             <a:spLocks noGrp="1"/>
           </p:cNvSpPr>
@@ -13787,16 +13869,15 @@
           <a:p>
             <a:pPr eaLnBrk="1" hangingPunct="1"/>
             <a:r>
-              <a:rPr lang="pt-BR" dirty="0" err="1" smtClean="0"/>
-              <a:t>Deadlock</a:t>
-            </a:r>
-            <a:endParaRPr lang="pt-BR" dirty="0" smtClean="0"/>
-          </a:p>
-        </p:txBody>
-      </p:sp>
-      <p:sp>
-        <p:nvSpPr>
-          <p:cNvPr id="26627" name="Espaço Reservado para Conteúdo 2"/>
+              <a:rPr lang="pt-BR" dirty="0" smtClean="0"/>
+              <a:t>Bloqueios</a:t>
+            </a:r>
+          </a:p>
+        </p:txBody>
+      </p:sp>
+      <p:sp>
+        <p:nvSpPr>
+          <p:cNvPr id="25603" name="Espaço Reservado para Conteúdo 2"/>
           <p:cNvSpPr>
             <a:spLocks noGrp="1"/>
           </p:cNvSpPr>
@@ -13869,7 +13950,7 @@
       </p:grpSpPr>
       <p:sp>
         <p:nvSpPr>
-          <p:cNvPr id="27650" name="Título 1"/>
+          <p:cNvPr id="26626" name="Título 1"/>
           <p:cNvSpPr>
             <a:spLocks noGrp="1"/>
           </p:cNvSpPr>
@@ -13884,15 +13965,16 @@
           <a:p>
             <a:pPr eaLnBrk="1" hangingPunct="1"/>
             <a:r>
-              <a:rPr lang="pt-BR" dirty="0" smtClean="0"/>
-              <a:t>Interação entre threads</a:t>
-            </a:r>
-          </a:p>
-        </p:txBody>
-      </p:sp>
-      <p:sp>
-        <p:nvSpPr>
-          <p:cNvPr id="27651" name="Espaço Reservado para Conteúdo 2"/>
+              <a:rPr lang="pt-BR" dirty="0" err="1" smtClean="0"/>
+              <a:t>Deadlock</a:t>
+            </a:r>
+            <a:endParaRPr lang="pt-BR" dirty="0" smtClean="0"/>
+          </a:p>
+        </p:txBody>
+      </p:sp>
+      <p:sp>
+        <p:nvSpPr>
+          <p:cNvPr id="26627" name="Espaço Reservado para Conteúdo 2"/>
           <p:cNvSpPr>
             <a:spLocks noGrp="1"/>
           </p:cNvSpPr>
@@ -13933,6 +14015,102 @@
                 <a:defRPr/>
               </a:pPr>
               <a:t>26</a:t>
+            </a:fld>
+            <a:endParaRPr lang="pt-BR"/>
+          </a:p>
+        </p:txBody>
+      </p:sp>
+    </p:spTree>
+  </p:cSld>
+  <p:clrMapOvr>
+    <a:masterClrMapping/>
+  </p:clrMapOvr>
+</p:sld>
+</file>
+
+<file path=ppt/slides/slide27.xml><?xml version="1.0" encoding="utf-8"?>
+<p:sld xmlns:a="http://schemas.openxmlformats.org/drawingml/2006/main" xmlns:r="http://schemas.openxmlformats.org/officeDocument/2006/relationships" xmlns:p="http://schemas.openxmlformats.org/presentationml/2006/main">
+  <p:cSld>
+    <p:spTree>
+      <p:nvGrpSpPr>
+        <p:cNvPr id="1" name=""/>
+        <p:cNvGrpSpPr/>
+        <p:nvPr/>
+      </p:nvGrpSpPr>
+      <p:grpSpPr>
+        <a:xfrm>
+          <a:off x="0" y="0"/>
+          <a:ext cx="0" cy="0"/>
+          <a:chOff x="0" y="0"/>
+          <a:chExt cx="0" cy="0"/>
+        </a:xfrm>
+      </p:grpSpPr>
+      <p:sp>
+        <p:nvSpPr>
+          <p:cNvPr id="27650" name="Título 1"/>
+          <p:cNvSpPr>
+            <a:spLocks noGrp="1"/>
+          </p:cNvSpPr>
+          <p:nvPr>
+            <p:ph type="title"/>
+          </p:nvPr>
+        </p:nvSpPr>
+        <p:spPr/>
+        <p:txBody>
+          <a:bodyPr/>
+          <a:lstStyle/>
+          <a:p>
+            <a:pPr eaLnBrk="1" hangingPunct="1"/>
+            <a:r>
+              <a:rPr lang="pt-BR" dirty="0" smtClean="0"/>
+              <a:t>Interação entre threads</a:t>
+            </a:r>
+          </a:p>
+        </p:txBody>
+      </p:sp>
+      <p:sp>
+        <p:nvSpPr>
+          <p:cNvPr id="27651" name="Espaço Reservado para Conteúdo 2"/>
+          <p:cNvSpPr>
+            <a:spLocks noGrp="1"/>
+          </p:cNvSpPr>
+          <p:nvPr>
+            <p:ph idx="1"/>
+          </p:nvPr>
+        </p:nvSpPr>
+        <p:spPr/>
+        <p:txBody>
+          <a:bodyPr/>
+          <a:lstStyle/>
+          <a:p>
+            <a:endParaRPr lang="pt-BR" smtClean="0"/>
+          </a:p>
+        </p:txBody>
+      </p:sp>
+      <p:sp>
+        <p:nvSpPr>
+          <p:cNvPr id="4" name="Espaço Reservado para Número de Slide 3"/>
+          <p:cNvSpPr>
+            <a:spLocks noGrp="1"/>
+          </p:cNvSpPr>
+          <p:nvPr>
+            <p:ph type="sldNum" sz="quarter" idx="12"/>
+          </p:nvPr>
+        </p:nvSpPr>
+        <p:spPr/>
+        <p:txBody>
+          <a:bodyPr/>
+          <a:lstStyle/>
+          <a:p>
+            <a:pPr>
+              <a:defRPr/>
+            </a:pPr>
+            <a:fld id="{A3E49AD4-F76A-4E25-A0A5-9CD64D5A0A0D}" type="slidenum">
+              <a:rPr lang="pt-BR" smtClean="0"/>
+              <a:pPr>
+                <a:defRPr/>
+              </a:pPr>
+              <a:t>27</a:t>
             </a:fld>
             <a:endParaRPr lang="pt-BR"/>
           </a:p>

--- a/2-Java-Programmer-Modulo-II/14.Capitulo08.pptx
+++ b/2-Java-Programmer-Modulo-II/14.Capitulo08.pptx
@@ -280,7 +280,7 @@
               <a:pPr>
                 <a:defRPr/>
               </a:pPr>
-              <a:t>22/04/2012</a:t>
+              <a:t>23/04/2012</a:t>
             </a:fld>
             <a:endParaRPr lang="pt-BR"/>
           </a:p>
@@ -468,7 +468,7 @@
               <a:pPr>
                 <a:defRPr/>
               </a:pPr>
-              <a:t>‹nº›</a:t>
+              <a:t>‹#›</a:t>
             </a:fld>
             <a:endParaRPr lang="pt-BR"/>
           </a:p>
@@ -4167,7 +4167,7 @@
               <a:pPr>
                 <a:defRPr/>
               </a:pPr>
-              <a:t>22/04/2012</a:t>
+              <a:t>23/04/2012</a:t>
             </a:fld>
             <a:endParaRPr lang="pt-BR"/>
           </a:p>
@@ -4226,7 +4226,7 @@
               <a:pPr>
                 <a:defRPr/>
               </a:pPr>
-              <a:t>‹nº›</a:t>
+              <a:t>‹#›</a:t>
             </a:fld>
             <a:endParaRPr lang="pt-BR"/>
           </a:p>
@@ -4366,7 +4366,7 @@
               <a:pPr>
                 <a:defRPr/>
               </a:pPr>
-              <a:t>22/04/2012</a:t>
+              <a:t>23/04/2012</a:t>
             </a:fld>
             <a:endParaRPr lang="pt-BR"/>
           </a:p>
@@ -4425,7 +4425,7 @@
               <a:pPr>
                 <a:defRPr/>
               </a:pPr>
-              <a:t>‹nº›</a:t>
+              <a:t>‹#›</a:t>
             </a:fld>
             <a:endParaRPr lang="pt-BR"/>
           </a:p>
@@ -4568,7 +4568,7 @@
               <a:pPr>
                 <a:defRPr/>
               </a:pPr>
-              <a:t>22/04/2012</a:t>
+              <a:t>23/04/2012</a:t>
             </a:fld>
             <a:endParaRPr lang="pt-BR"/>
           </a:p>
@@ -4627,7 +4627,7 @@
               <a:pPr>
                 <a:defRPr/>
               </a:pPr>
-              <a:t>‹nº›</a:t>
+              <a:t>‹#›</a:t>
             </a:fld>
             <a:endParaRPr lang="pt-BR"/>
           </a:p>
@@ -4764,7 +4764,7 @@
               <a:pPr>
                 <a:defRPr/>
               </a:pPr>
-              <a:t>22/04/2012</a:t>
+              <a:t>23/04/2012</a:t>
             </a:fld>
             <a:endParaRPr lang="pt-BR"/>
           </a:p>
@@ -4823,7 +4823,7 @@
               <a:pPr>
                 <a:defRPr/>
               </a:pPr>
-              <a:t>‹nº›</a:t>
+              <a:t>‹#›</a:t>
             </a:fld>
             <a:endParaRPr lang="pt-BR"/>
           </a:p>
@@ -5270,7 +5270,7 @@
               <a:pPr>
                 <a:defRPr/>
               </a:pPr>
-              <a:t>22/04/2012</a:t>
+              <a:t>23/04/2012</a:t>
             </a:fld>
             <a:endParaRPr lang="pt-BR"/>
           </a:p>
@@ -5329,7 +5329,7 @@
               <a:pPr>
                 <a:defRPr/>
               </a:pPr>
-              <a:t>‹nº›</a:t>
+              <a:t>‹#›</a:t>
             </a:fld>
             <a:endParaRPr lang="pt-BR"/>
           </a:p>
@@ -5561,7 +5561,7 @@
               <a:pPr>
                 <a:defRPr/>
               </a:pPr>
-              <a:t>22/04/2012</a:t>
+              <a:t>23/04/2012</a:t>
             </a:fld>
             <a:endParaRPr lang="pt-BR"/>
           </a:p>
@@ -5620,7 +5620,7 @@
               <a:pPr>
                 <a:defRPr/>
               </a:pPr>
-              <a:t>‹nº›</a:t>
+              <a:t>‹#›</a:t>
             </a:fld>
             <a:endParaRPr lang="pt-BR"/>
           </a:p>
@@ -5962,7 +5962,7 @@
               <a:pPr>
                 <a:defRPr/>
               </a:pPr>
-              <a:t>22/04/2012</a:t>
+              <a:t>23/04/2012</a:t>
             </a:fld>
             <a:endParaRPr lang="pt-BR"/>
           </a:p>
@@ -6021,7 +6021,7 @@
               <a:pPr>
                 <a:defRPr/>
               </a:pPr>
-              <a:t>‹nº›</a:t>
+              <a:t>‹#›</a:t>
             </a:fld>
             <a:endParaRPr lang="pt-BR"/>
           </a:p>
@@ -6111,7 +6111,7 @@
               <a:pPr>
                 <a:defRPr/>
               </a:pPr>
-              <a:t>22/04/2012</a:t>
+              <a:t>23/04/2012</a:t>
             </a:fld>
             <a:endParaRPr lang="pt-BR"/>
           </a:p>
@@ -6170,7 +6170,7 @@
               <a:pPr>
                 <a:defRPr/>
               </a:pPr>
-              <a:t>‹nº›</a:t>
+              <a:t>‹#›</a:t>
             </a:fld>
             <a:endParaRPr lang="pt-BR"/>
           </a:p>
@@ -6228,7 +6228,7 @@
               <a:pPr>
                 <a:defRPr/>
               </a:pPr>
-              <a:t>22/04/2012</a:t>
+              <a:t>23/04/2012</a:t>
             </a:fld>
             <a:endParaRPr lang="pt-BR"/>
           </a:p>
@@ -6287,7 +6287,7 @@
               <a:pPr>
                 <a:defRPr/>
               </a:pPr>
-              <a:t>‹nº›</a:t>
+              <a:t>‹#›</a:t>
             </a:fld>
             <a:endParaRPr lang="pt-BR"/>
           </a:p>
@@ -6504,7 +6504,7 @@
               <a:pPr>
                 <a:defRPr/>
               </a:pPr>
-              <a:t>22/04/2012</a:t>
+              <a:t>23/04/2012</a:t>
             </a:fld>
             <a:endParaRPr lang="pt-BR"/>
           </a:p>
@@ -6568,7 +6568,7 @@
               <a:pPr>
                 <a:defRPr/>
               </a:pPr>
-              <a:t>‹nº›</a:t>
+              <a:t>‹#›</a:t>
             </a:fld>
             <a:endParaRPr lang="pt-BR"/>
           </a:p>
@@ -6788,7 +6788,7 @@
               <a:pPr>
                 <a:defRPr/>
               </a:pPr>
-              <a:t>22/04/2012</a:t>
+              <a:t>23/04/2012</a:t>
             </a:fld>
             <a:endParaRPr lang="pt-BR"/>
           </a:p>
@@ -6847,7 +6847,7 @@
               <a:pPr>
                 <a:defRPr/>
               </a:pPr>
-              <a:t>‹nº›</a:t>
+              <a:t>‹#›</a:t>
             </a:fld>
             <a:endParaRPr lang="pt-BR"/>
           </a:p>
@@ -7266,7 +7266,7 @@
               <a:pPr>
                 <a:defRPr/>
               </a:pPr>
-              <a:t>22/04/2012</a:t>
+              <a:t>23/04/2012</a:t>
             </a:fld>
             <a:endParaRPr lang="pt-BR"/>
           </a:p>
@@ -7369,7 +7369,7 @@
               <a:pPr>
                 <a:defRPr/>
               </a:pPr>
-              <a:t>‹nº›</a:t>
+              <a:t>‹#›</a:t>
             </a:fld>
             <a:endParaRPr lang="pt-BR"/>
           </a:p>
@@ -14077,11 +14077,7 @@
             </a:r>
             <a:r>
               <a:rPr lang="pt-BR" sz="2400" dirty="0" smtClean="0"/>
-              <a:t> </a:t>
-            </a:r>
-            <a:r>
-              <a:rPr lang="pt-BR" sz="2400" dirty="0" smtClean="0"/>
-              <a:t>{</a:t>
+              <a:t> {</a:t>
             </a:r>
           </a:p>
           <a:p>
@@ -20139,11 +20135,7 @@
             </a:r>
             <a:r>
               <a:rPr lang="pt-BR" sz="2400" dirty="0" smtClean="0"/>
-              <a:t> </a:t>
-            </a:r>
-            <a:r>
-              <a:rPr lang="pt-BR" sz="2400" dirty="0" smtClean="0"/>
-              <a:t>{</a:t>
+              <a:t> {</a:t>
             </a:r>
           </a:p>
           <a:p>
@@ -22747,328 +22739,6 @@
           </p:style>
         </p:cxnSp>
       </p:grpSp>
-      <p:grpSp>
-        <p:nvGrpSpPr>
-          <p:cNvPr id="120" name="Grupo 119"/>
-          <p:cNvGrpSpPr/>
-          <p:nvPr/>
-        </p:nvGrpSpPr>
-        <p:grpSpPr>
-          <a:xfrm>
-            <a:off x="2843808" y="2348880"/>
-            <a:ext cx="216024" cy="216024"/>
-            <a:chOff x="3851920" y="1556792"/>
-            <a:chExt cx="1008112" cy="1008112"/>
-          </a:xfrm>
-          <a:solidFill>
-            <a:schemeClr val="accent1"/>
-          </a:solidFill>
-        </p:grpSpPr>
-        <p:sp>
-          <p:nvSpPr>
-            <p:cNvPr id="121" name="Retângulo 120"/>
-            <p:cNvSpPr/>
-            <p:nvPr/>
-          </p:nvSpPr>
-          <p:spPr>
-            <a:xfrm>
-              <a:off x="3851920" y="1556792"/>
-              <a:ext cx="1008112" cy="1008112"/>
-            </a:xfrm>
-            <a:prstGeom prst="rect">
-              <a:avLst/>
-            </a:prstGeom>
-            <a:grpFill/>
-            <a:ln w="28575">
-              <a:solidFill>
-                <a:schemeClr val="tx1"/>
-              </a:solidFill>
-            </a:ln>
-          </p:spPr>
-          <p:style>
-            <a:lnRef idx="2">
-              <a:schemeClr val="accent1">
-                <a:shade val="50000"/>
-              </a:schemeClr>
-            </a:lnRef>
-            <a:fillRef idx="1">
-              <a:schemeClr val="accent1"/>
-            </a:fillRef>
-            <a:effectRef idx="0">
-              <a:schemeClr val="accent1"/>
-            </a:effectRef>
-            <a:fontRef idx="minor">
-              <a:schemeClr val="lt1"/>
-            </a:fontRef>
-          </p:style>
-          <p:txBody>
-            <a:bodyPr rtlCol="0" anchor="ctr"/>
-            <a:lstStyle/>
-            <a:p>
-              <a:pPr algn="ctr"/>
-              <a:endParaRPr lang="pt-BR"/>
-            </a:p>
-          </p:txBody>
-        </p:sp>
-        <p:cxnSp>
-          <p:nvCxnSpPr>
-            <p:cNvPr id="122" name="Conector reto 121"/>
-            <p:cNvCxnSpPr/>
-            <p:nvPr/>
-          </p:nvCxnSpPr>
-          <p:spPr>
-            <a:xfrm>
-              <a:off x="4067944" y="1772816"/>
-              <a:ext cx="576064" cy="576064"/>
-            </a:xfrm>
-            <a:prstGeom prst="line">
-              <a:avLst/>
-            </a:prstGeom>
-            <a:grpFill/>
-            <a:ln w="28575">
-              <a:solidFill>
-                <a:schemeClr val="tx1"/>
-              </a:solidFill>
-            </a:ln>
-          </p:spPr>
-          <p:style>
-            <a:lnRef idx="1">
-              <a:schemeClr val="accent1"/>
-            </a:lnRef>
-            <a:fillRef idx="0">
-              <a:schemeClr val="accent1"/>
-            </a:fillRef>
-            <a:effectRef idx="0">
-              <a:schemeClr val="accent1"/>
-            </a:effectRef>
-            <a:fontRef idx="minor">
-              <a:schemeClr val="tx1"/>
-            </a:fontRef>
-          </p:style>
-        </p:cxnSp>
-        <p:cxnSp>
-          <p:nvCxnSpPr>
-            <p:cNvPr id="123" name="Conector reto 122"/>
-            <p:cNvCxnSpPr/>
-            <p:nvPr/>
-          </p:nvCxnSpPr>
-          <p:spPr>
-            <a:xfrm flipV="1">
-              <a:off x="4067944" y="1772816"/>
-              <a:ext cx="576064" cy="576064"/>
-            </a:xfrm>
-            <a:prstGeom prst="line">
-              <a:avLst/>
-            </a:prstGeom>
-            <a:grpFill/>
-            <a:ln w="28575">
-              <a:solidFill>
-                <a:schemeClr val="tx1"/>
-              </a:solidFill>
-            </a:ln>
-          </p:spPr>
-          <p:style>
-            <a:lnRef idx="1">
-              <a:schemeClr val="accent1"/>
-            </a:lnRef>
-            <a:fillRef idx="0">
-              <a:schemeClr val="accent1"/>
-            </a:fillRef>
-            <a:effectRef idx="0">
-              <a:schemeClr val="accent1"/>
-            </a:effectRef>
-            <a:fontRef idx="minor">
-              <a:schemeClr val="tx1"/>
-            </a:fontRef>
-          </p:style>
-        </p:cxnSp>
-      </p:grpSp>
-      <p:sp>
-        <p:nvSpPr>
-          <p:cNvPr id="70" name="Símbolo de 'Não' 69"/>
-          <p:cNvSpPr/>
-          <p:nvPr/>
-        </p:nvSpPr>
-        <p:spPr>
-          <a:xfrm>
-            <a:off x="8388424" y="2276872"/>
-            <a:ext cx="360040" cy="360040"/>
-          </a:xfrm>
-          <a:prstGeom prst="noSmoking">
-            <a:avLst/>
-          </a:prstGeom>
-          <a:solidFill>
-            <a:srgbClr val="FF0000"/>
-          </a:solidFill>
-          <a:ln>
-            <a:noFill/>
-          </a:ln>
-        </p:spPr>
-        <p:style>
-          <a:lnRef idx="2">
-            <a:schemeClr val="accent1">
-              <a:shade val="50000"/>
-            </a:schemeClr>
-          </a:lnRef>
-          <a:fillRef idx="1">
-            <a:schemeClr val="accent1"/>
-          </a:fillRef>
-          <a:effectRef idx="0">
-            <a:schemeClr val="accent1"/>
-          </a:effectRef>
-          <a:fontRef idx="minor">
-            <a:schemeClr val="lt1"/>
-          </a:fontRef>
-        </p:style>
-        <p:txBody>
-          <a:bodyPr rtlCol="0" anchor="ctr"/>
-          <a:lstStyle/>
-          <a:p>
-            <a:pPr algn="ctr"/>
-            <a:endParaRPr lang="pt-BR">
-              <a:solidFill>
-                <a:schemeClr val="tx1"/>
-              </a:solidFill>
-            </a:endParaRPr>
-          </a:p>
-        </p:txBody>
-      </p:sp>
-      <p:grpSp>
-        <p:nvGrpSpPr>
-          <p:cNvPr id="76" name="Grupo 75"/>
-          <p:cNvGrpSpPr/>
-          <p:nvPr/>
-        </p:nvGrpSpPr>
-        <p:grpSpPr>
-          <a:xfrm>
-            <a:off x="8460432" y="2348880"/>
-            <a:ext cx="216024" cy="216024"/>
-            <a:chOff x="3851920" y="1556792"/>
-            <a:chExt cx="1008112" cy="1008112"/>
-          </a:xfrm>
-          <a:solidFill>
-            <a:schemeClr val="accent1"/>
-          </a:solidFill>
-        </p:grpSpPr>
-        <p:sp>
-          <p:nvSpPr>
-            <p:cNvPr id="78" name="Retângulo 77"/>
-            <p:cNvSpPr/>
-            <p:nvPr/>
-          </p:nvSpPr>
-          <p:spPr>
-            <a:xfrm>
-              <a:off x="3851920" y="1556792"/>
-              <a:ext cx="1008112" cy="1008112"/>
-            </a:xfrm>
-            <a:prstGeom prst="rect">
-              <a:avLst/>
-            </a:prstGeom>
-            <a:grpFill/>
-            <a:ln w="28575">
-              <a:solidFill>
-                <a:schemeClr val="tx1"/>
-              </a:solidFill>
-            </a:ln>
-          </p:spPr>
-          <p:style>
-            <a:lnRef idx="2">
-              <a:schemeClr val="accent1">
-                <a:shade val="50000"/>
-              </a:schemeClr>
-            </a:lnRef>
-            <a:fillRef idx="1">
-              <a:schemeClr val="accent1"/>
-            </a:fillRef>
-            <a:effectRef idx="0">
-              <a:schemeClr val="accent1"/>
-            </a:effectRef>
-            <a:fontRef idx="minor">
-              <a:schemeClr val="lt1"/>
-            </a:fontRef>
-          </p:style>
-          <p:txBody>
-            <a:bodyPr rtlCol="0" anchor="ctr"/>
-            <a:lstStyle/>
-            <a:p>
-              <a:pPr algn="ctr"/>
-              <a:endParaRPr lang="pt-BR"/>
-            </a:p>
-          </p:txBody>
-        </p:sp>
-        <p:cxnSp>
-          <p:nvCxnSpPr>
-            <p:cNvPr id="81" name="Conector reto 80"/>
-            <p:cNvCxnSpPr/>
-            <p:nvPr/>
-          </p:nvCxnSpPr>
-          <p:spPr>
-            <a:xfrm>
-              <a:off x="4067944" y="1772816"/>
-              <a:ext cx="576064" cy="576064"/>
-            </a:xfrm>
-            <a:prstGeom prst="line">
-              <a:avLst/>
-            </a:prstGeom>
-            <a:grpFill/>
-            <a:ln w="28575">
-              <a:solidFill>
-                <a:schemeClr val="tx1"/>
-              </a:solidFill>
-            </a:ln>
-          </p:spPr>
-          <p:style>
-            <a:lnRef idx="1">
-              <a:schemeClr val="accent1"/>
-            </a:lnRef>
-            <a:fillRef idx="0">
-              <a:schemeClr val="accent1"/>
-            </a:fillRef>
-            <a:effectRef idx="0">
-              <a:schemeClr val="accent1"/>
-            </a:effectRef>
-            <a:fontRef idx="minor">
-              <a:schemeClr val="tx1"/>
-            </a:fontRef>
-          </p:style>
-        </p:cxnSp>
-        <p:cxnSp>
-          <p:nvCxnSpPr>
-            <p:cNvPr id="82" name="Conector reto 81"/>
-            <p:cNvCxnSpPr/>
-            <p:nvPr/>
-          </p:nvCxnSpPr>
-          <p:spPr>
-            <a:xfrm flipV="1">
-              <a:off x="4067944" y="1772816"/>
-              <a:ext cx="576064" cy="576064"/>
-            </a:xfrm>
-            <a:prstGeom prst="line">
-              <a:avLst/>
-            </a:prstGeom>
-            <a:grpFill/>
-            <a:ln w="28575">
-              <a:solidFill>
-                <a:schemeClr val="tx1"/>
-              </a:solidFill>
-            </a:ln>
-          </p:spPr>
-          <p:style>
-            <a:lnRef idx="1">
-              <a:schemeClr val="accent1"/>
-            </a:lnRef>
-            <a:fillRef idx="0">
-              <a:schemeClr val="accent1"/>
-            </a:fillRef>
-            <a:effectRef idx="0">
-              <a:schemeClr val="accent1"/>
-            </a:effectRef>
-            <a:fontRef idx="minor">
-              <a:schemeClr val="tx1"/>
-            </a:fontRef>
-          </p:style>
-        </p:cxnSp>
-      </p:grpSp>
       <p:sp>
         <p:nvSpPr>
           <p:cNvPr id="83" name="Retângulo 82"/>
@@ -23120,25 +22790,1772 @@
       </p:sp>
       <p:sp>
         <p:nvSpPr>
-          <p:cNvPr id="95" name="Retângulo 94"/>
+          <p:cNvPr id="96" name="Lock"/>
+          <p:cNvSpPr>
+            <a:spLocks noEditPoints="1" noChangeArrowheads="1"/>
+          </p:cNvSpPr>
+          <p:nvPr/>
+        </p:nvSpPr>
+        <p:spPr bwMode="auto">
+          <a:xfrm>
+            <a:off x="4143372" y="4572008"/>
+            <a:ext cx="214314" cy="285752"/>
+          </a:xfrm>
+          <a:custGeom>
+            <a:avLst/>
+            <a:gdLst>
+              <a:gd name="T0" fmla="*/ 10800 w 21600"/>
+              <a:gd name="T1" fmla="*/ 0 h 21600"/>
+              <a:gd name="T2" fmla="*/ 21600 w 21600"/>
+              <a:gd name="T3" fmla="*/ 9606 h 21600"/>
+              <a:gd name="T4" fmla="*/ 10800 w 21600"/>
+              <a:gd name="T5" fmla="*/ 21600 h 21600"/>
+              <a:gd name="T6" fmla="*/ 0 w 21600"/>
+              <a:gd name="T7" fmla="*/ 9606 h 21600"/>
+              <a:gd name="T8" fmla="*/ 744 w 21600"/>
+              <a:gd name="T9" fmla="*/ 9904 h 21600"/>
+              <a:gd name="T10" fmla="*/ 21134 w 21600"/>
+              <a:gd name="T11" fmla="*/ 15335 h 21600"/>
+            </a:gdLst>
+            <a:ahLst/>
+            <a:cxnLst>
+              <a:cxn ang="0">
+                <a:pos x="T0" y="T1"/>
+              </a:cxn>
+              <a:cxn ang="0">
+                <a:pos x="T2" y="T3"/>
+              </a:cxn>
+              <a:cxn ang="0">
+                <a:pos x="T4" y="T5"/>
+              </a:cxn>
+              <a:cxn ang="0">
+                <a:pos x="T6" y="T7"/>
+              </a:cxn>
+            </a:cxnLst>
+            <a:rect l="T8" t="T9" r="T10" b="T11"/>
+            <a:pathLst>
+              <a:path w="21600" h="21600" extrusionOk="0">
+                <a:moveTo>
+                  <a:pt x="93" y="9606"/>
+                </a:moveTo>
+                <a:lnTo>
+                  <a:pt x="2048" y="9606"/>
+                </a:lnTo>
+                <a:lnTo>
+                  <a:pt x="2048" y="4713"/>
+                </a:lnTo>
+                <a:lnTo>
+                  <a:pt x="2420" y="3818"/>
+                </a:lnTo>
+                <a:lnTo>
+                  <a:pt x="2979" y="3028"/>
+                </a:lnTo>
+                <a:lnTo>
+                  <a:pt x="3537" y="2446"/>
+                </a:lnTo>
+                <a:lnTo>
+                  <a:pt x="3956" y="1998"/>
+                </a:lnTo>
+                <a:lnTo>
+                  <a:pt x="4492" y="1581"/>
+                </a:lnTo>
+                <a:lnTo>
+                  <a:pt x="5143" y="1238"/>
+                </a:lnTo>
+                <a:lnTo>
+                  <a:pt x="5912" y="880"/>
+                </a:lnTo>
+                <a:lnTo>
+                  <a:pt x="6587" y="641"/>
+                </a:lnTo>
+                <a:lnTo>
+                  <a:pt x="7518" y="372"/>
+                </a:lnTo>
+                <a:lnTo>
+                  <a:pt x="8425" y="208"/>
+                </a:lnTo>
+                <a:lnTo>
+                  <a:pt x="9496" y="59"/>
+                </a:lnTo>
+                <a:lnTo>
+                  <a:pt x="10637" y="14"/>
+                </a:lnTo>
+                <a:lnTo>
+                  <a:pt x="11614" y="59"/>
+                </a:lnTo>
+                <a:lnTo>
+                  <a:pt x="12382" y="119"/>
+                </a:lnTo>
+                <a:lnTo>
+                  <a:pt x="13034" y="253"/>
+                </a:lnTo>
+                <a:lnTo>
+                  <a:pt x="13779" y="417"/>
+                </a:lnTo>
+                <a:lnTo>
+                  <a:pt x="14500" y="611"/>
+                </a:lnTo>
+                <a:lnTo>
+                  <a:pt x="14733" y="686"/>
+                </a:lnTo>
+                <a:lnTo>
+                  <a:pt x="14989" y="790"/>
+                </a:lnTo>
+                <a:lnTo>
+                  <a:pt x="15175" y="865"/>
+                </a:lnTo>
+                <a:lnTo>
+                  <a:pt x="15385" y="954"/>
+                </a:lnTo>
+                <a:lnTo>
+                  <a:pt x="15431" y="969"/>
+                </a:lnTo>
+                <a:lnTo>
+                  <a:pt x="15594" y="1059"/>
+                </a:lnTo>
+                <a:lnTo>
+                  <a:pt x="15757" y="1148"/>
+                </a:lnTo>
+                <a:lnTo>
+                  <a:pt x="15920" y="1267"/>
+                </a:lnTo>
+                <a:lnTo>
+                  <a:pt x="16106" y="1372"/>
+                </a:lnTo>
+                <a:lnTo>
+                  <a:pt x="16665" y="1730"/>
+                </a:lnTo>
+                <a:lnTo>
+                  <a:pt x="17014" y="1998"/>
+                </a:lnTo>
+                <a:lnTo>
+                  <a:pt x="17480" y="2356"/>
+                </a:lnTo>
+                <a:lnTo>
+                  <a:pt x="17852" y="2804"/>
+                </a:lnTo>
+                <a:lnTo>
+                  <a:pt x="18178" y="3192"/>
+                </a:lnTo>
+                <a:lnTo>
+                  <a:pt x="18527" y="3639"/>
+                </a:lnTo>
+                <a:lnTo>
+                  <a:pt x="18806" y="4132"/>
+                </a:lnTo>
+                <a:lnTo>
+                  <a:pt x="19086" y="4713"/>
+                </a:lnTo>
+                <a:lnTo>
+                  <a:pt x="19272" y="5191"/>
+                </a:lnTo>
+                <a:lnTo>
+                  <a:pt x="19295" y="9606"/>
+                </a:lnTo>
+                <a:lnTo>
+                  <a:pt x="21600" y="9606"/>
+                </a:lnTo>
+                <a:lnTo>
+                  <a:pt x="21600" y="16289"/>
+                </a:lnTo>
+                <a:lnTo>
+                  <a:pt x="21413" y="17184"/>
+                </a:lnTo>
+                <a:lnTo>
+                  <a:pt x="21041" y="17900"/>
+                </a:lnTo>
+                <a:lnTo>
+                  <a:pt x="20668" y="18377"/>
+                </a:lnTo>
+                <a:lnTo>
+                  <a:pt x="20343" y="18855"/>
+                </a:lnTo>
+                <a:lnTo>
+                  <a:pt x="19924" y="19332"/>
+                </a:lnTo>
+                <a:lnTo>
+                  <a:pt x="19388" y="19809"/>
+                </a:lnTo>
+                <a:lnTo>
+                  <a:pt x="18806" y="20242"/>
+                </a:lnTo>
+                <a:lnTo>
+                  <a:pt x="18062" y="20585"/>
+                </a:lnTo>
+                <a:lnTo>
+                  <a:pt x="17270" y="20883"/>
+                </a:lnTo>
+                <a:lnTo>
+                  <a:pt x="16525" y="21182"/>
+                </a:lnTo>
+                <a:lnTo>
+                  <a:pt x="15548" y="21420"/>
+                </a:lnTo>
+                <a:lnTo>
+                  <a:pt x="14803" y="21540"/>
+                </a:lnTo>
+                <a:lnTo>
+                  <a:pt x="13662" y="21674"/>
+                </a:lnTo>
+                <a:lnTo>
+                  <a:pt x="8379" y="21659"/>
+                </a:lnTo>
+                <a:lnTo>
+                  <a:pt x="7168" y="21540"/>
+                </a:lnTo>
+                <a:lnTo>
+                  <a:pt x="6098" y="21331"/>
+                </a:lnTo>
+                <a:lnTo>
+                  <a:pt x="5050" y="21092"/>
+                </a:lnTo>
+                <a:lnTo>
+                  <a:pt x="4003" y="20764"/>
+                </a:lnTo>
+                <a:lnTo>
+                  <a:pt x="3258" y="20391"/>
+                </a:lnTo>
+                <a:lnTo>
+                  <a:pt x="2769" y="20123"/>
+                </a:lnTo>
+                <a:lnTo>
+                  <a:pt x="2281" y="19720"/>
+                </a:lnTo>
+                <a:lnTo>
+                  <a:pt x="1862" y="19407"/>
+                </a:lnTo>
+                <a:lnTo>
+                  <a:pt x="1489" y="19079"/>
+                </a:lnTo>
+                <a:lnTo>
+                  <a:pt x="1070" y="18676"/>
+                </a:lnTo>
+                <a:lnTo>
+                  <a:pt x="744" y="18258"/>
+                </a:lnTo>
+                <a:lnTo>
+                  <a:pt x="325" y="17661"/>
+                </a:lnTo>
+                <a:lnTo>
+                  <a:pt x="162" y="17035"/>
+                </a:lnTo>
+                <a:lnTo>
+                  <a:pt x="93" y="16468"/>
+                </a:lnTo>
+                <a:lnTo>
+                  <a:pt x="93" y="9606"/>
+                </a:lnTo>
+                <a:close/>
+                <a:moveTo>
+                  <a:pt x="6098" y="9591"/>
+                </a:moveTo>
+                <a:lnTo>
+                  <a:pt x="6098" y="5220"/>
+                </a:lnTo>
+                <a:lnTo>
+                  <a:pt x="6191" y="4907"/>
+                </a:lnTo>
+                <a:lnTo>
+                  <a:pt x="6307" y="4639"/>
+                </a:lnTo>
+                <a:lnTo>
+                  <a:pt x="6517" y="4370"/>
+                </a:lnTo>
+                <a:lnTo>
+                  <a:pt x="6680" y="4087"/>
+                </a:lnTo>
+                <a:lnTo>
+                  <a:pt x="6889" y="3878"/>
+                </a:lnTo>
+                <a:lnTo>
+                  <a:pt x="7308" y="3520"/>
+                </a:lnTo>
+                <a:lnTo>
+                  <a:pt x="7843" y="3281"/>
+                </a:lnTo>
+                <a:lnTo>
+                  <a:pt x="8402" y="3013"/>
+                </a:lnTo>
+                <a:lnTo>
+                  <a:pt x="9031" y="2834"/>
+                </a:lnTo>
+                <a:lnTo>
+                  <a:pt x="9659" y="2700"/>
+                </a:lnTo>
+                <a:lnTo>
+                  <a:pt x="10497" y="2625"/>
+                </a:lnTo>
+                <a:lnTo>
+                  <a:pt x="11125" y="2655"/>
+                </a:lnTo>
+                <a:lnTo>
+                  <a:pt x="11987" y="2789"/>
+                </a:lnTo>
+                <a:lnTo>
+                  <a:pt x="12522" y="2893"/>
+                </a:lnTo>
+                <a:lnTo>
+                  <a:pt x="13011" y="3028"/>
+                </a:lnTo>
+                <a:lnTo>
+                  <a:pt x="13290" y="3192"/>
+                </a:lnTo>
+                <a:lnTo>
+                  <a:pt x="13709" y="3371"/>
+                </a:lnTo>
+                <a:lnTo>
+                  <a:pt x="13872" y="3505"/>
+                </a:lnTo>
+                <a:lnTo>
+                  <a:pt x="14058" y="3639"/>
+                </a:lnTo>
+                <a:lnTo>
+                  <a:pt x="14291" y="3788"/>
+                </a:lnTo>
+                <a:lnTo>
+                  <a:pt x="14431" y="3953"/>
+                </a:lnTo>
+                <a:lnTo>
+                  <a:pt x="14617" y="4102"/>
+                </a:lnTo>
+                <a:lnTo>
+                  <a:pt x="14826" y="4311"/>
+                </a:lnTo>
+                <a:lnTo>
+                  <a:pt x="14919" y="4534"/>
+                </a:lnTo>
+                <a:lnTo>
+                  <a:pt x="15036" y="4773"/>
+                </a:lnTo>
+                <a:lnTo>
+                  <a:pt x="15175" y="5027"/>
+                </a:lnTo>
+                <a:lnTo>
+                  <a:pt x="15245" y="5220"/>
+                </a:lnTo>
+                <a:lnTo>
+                  <a:pt x="15245" y="9591"/>
+                </a:lnTo>
+                <a:lnTo>
+                  <a:pt x="6098" y="9591"/>
+                </a:lnTo>
+                <a:close/>
+              </a:path>
+              <a:path w="21600" h="21600" extrusionOk="0">
+                <a:moveTo>
+                  <a:pt x="93" y="9606"/>
+                </a:moveTo>
+                <a:lnTo>
+                  <a:pt x="21600" y="9606"/>
+                </a:lnTo>
+                <a:close/>
+              </a:path>
+              <a:path w="21600" h="21600" extrusionOk="0">
+                <a:moveTo>
+                  <a:pt x="11684" y="17109"/>
+                </a:moveTo>
+                <a:lnTo>
+                  <a:pt x="12266" y="19317"/>
+                </a:lnTo>
+                <a:lnTo>
+                  <a:pt x="9659" y="19317"/>
+                </a:lnTo>
+                <a:lnTo>
+                  <a:pt x="10287" y="17124"/>
+                </a:lnTo>
+                <a:lnTo>
+                  <a:pt x="10008" y="16975"/>
+                </a:lnTo>
+                <a:lnTo>
+                  <a:pt x="9799" y="16722"/>
+                </a:lnTo>
+                <a:lnTo>
+                  <a:pt x="9752" y="16408"/>
+                </a:lnTo>
+                <a:lnTo>
+                  <a:pt x="9822" y="16170"/>
+                </a:lnTo>
+                <a:lnTo>
+                  <a:pt x="10008" y="16006"/>
+                </a:lnTo>
+                <a:lnTo>
+                  <a:pt x="10148" y="15871"/>
+                </a:lnTo>
+                <a:lnTo>
+                  <a:pt x="10381" y="15782"/>
+                </a:lnTo>
+                <a:lnTo>
+                  <a:pt x="10660" y="15692"/>
+                </a:lnTo>
+                <a:lnTo>
+                  <a:pt x="11009" y="15677"/>
+                </a:lnTo>
+                <a:lnTo>
+                  <a:pt x="11288" y="15722"/>
+                </a:lnTo>
+                <a:lnTo>
+                  <a:pt x="11614" y="15782"/>
+                </a:lnTo>
+                <a:lnTo>
+                  <a:pt x="11893" y="15946"/>
+                </a:lnTo>
+                <a:lnTo>
+                  <a:pt x="12033" y="16080"/>
+                </a:lnTo>
+                <a:lnTo>
+                  <a:pt x="12173" y="16229"/>
+                </a:lnTo>
+                <a:lnTo>
+                  <a:pt x="12196" y="16408"/>
+                </a:lnTo>
+                <a:lnTo>
+                  <a:pt x="12103" y="16722"/>
+                </a:lnTo>
+                <a:lnTo>
+                  <a:pt x="11987" y="16856"/>
+                </a:lnTo>
+                <a:lnTo>
+                  <a:pt x="11847" y="16975"/>
+                </a:lnTo>
+                <a:lnTo>
+                  <a:pt x="11684" y="17109"/>
+                </a:lnTo>
+              </a:path>
+            </a:pathLst>
+          </a:custGeom>
+          <a:solidFill>
+            <a:schemeClr val="accent1"/>
+          </a:solidFill>
+          <a:ln w="19050">
+            <a:solidFill>
+              <a:schemeClr val="tx1"/>
+            </a:solidFill>
+            <a:miter lim="800000"/>
+            <a:headEnd/>
+            <a:tailEnd/>
+          </a:ln>
+        </p:spPr>
+        <p:txBody>
+          <a:bodyPr vert="horz" wrap="square" lIns="91440" tIns="45720" rIns="91440" bIns="45720" numCol="1" anchor="t" anchorCtr="0" compatLnSpc="1">
+            <a:prstTxWarp prst="textNoShape">
+              <a:avLst/>
+            </a:prstTxWarp>
+          </a:bodyPr>
+          <a:lstStyle>
+            <a:defPPr>
+              <a:defRPr lang="pt-BR"/>
+            </a:defPPr>
+            <a:lvl1pPr algn="l" rtl="0" fontAlgn="base">
+              <a:spcBef>
+                <a:spcPct val="0"/>
+              </a:spcBef>
+              <a:spcAft>
+                <a:spcPct val="0"/>
+              </a:spcAft>
+              <a:defRPr kern="1200">
+                <a:solidFill>
+                  <a:schemeClr val="tx1"/>
+                </a:solidFill>
+                <a:latin typeface="Arial" charset="0"/>
+                <a:ea typeface="+mn-ea"/>
+                <a:cs typeface="Arial" charset="0"/>
+              </a:defRPr>
+            </a:lvl1pPr>
+            <a:lvl2pPr marL="457200" algn="l" rtl="0" fontAlgn="base">
+              <a:spcBef>
+                <a:spcPct val="0"/>
+              </a:spcBef>
+              <a:spcAft>
+                <a:spcPct val="0"/>
+              </a:spcAft>
+              <a:defRPr kern="1200">
+                <a:solidFill>
+                  <a:schemeClr val="tx1"/>
+                </a:solidFill>
+                <a:latin typeface="Arial" charset="0"/>
+                <a:ea typeface="+mn-ea"/>
+                <a:cs typeface="Arial" charset="0"/>
+              </a:defRPr>
+            </a:lvl2pPr>
+            <a:lvl3pPr marL="914400" algn="l" rtl="0" fontAlgn="base">
+              <a:spcBef>
+                <a:spcPct val="0"/>
+              </a:spcBef>
+              <a:spcAft>
+                <a:spcPct val="0"/>
+              </a:spcAft>
+              <a:defRPr kern="1200">
+                <a:solidFill>
+                  <a:schemeClr val="tx1"/>
+                </a:solidFill>
+                <a:latin typeface="Arial" charset="0"/>
+                <a:ea typeface="+mn-ea"/>
+                <a:cs typeface="Arial" charset="0"/>
+              </a:defRPr>
+            </a:lvl3pPr>
+            <a:lvl4pPr marL="1371600" algn="l" rtl="0" fontAlgn="base">
+              <a:spcBef>
+                <a:spcPct val="0"/>
+              </a:spcBef>
+              <a:spcAft>
+                <a:spcPct val="0"/>
+              </a:spcAft>
+              <a:defRPr kern="1200">
+                <a:solidFill>
+                  <a:schemeClr val="tx1"/>
+                </a:solidFill>
+                <a:latin typeface="Arial" charset="0"/>
+                <a:ea typeface="+mn-ea"/>
+                <a:cs typeface="Arial" charset="0"/>
+              </a:defRPr>
+            </a:lvl4pPr>
+            <a:lvl5pPr marL="1828800" algn="l" rtl="0" fontAlgn="base">
+              <a:spcBef>
+                <a:spcPct val="0"/>
+              </a:spcBef>
+              <a:spcAft>
+                <a:spcPct val="0"/>
+              </a:spcAft>
+              <a:defRPr kern="1200">
+                <a:solidFill>
+                  <a:schemeClr val="tx1"/>
+                </a:solidFill>
+                <a:latin typeface="Arial" charset="0"/>
+                <a:ea typeface="+mn-ea"/>
+                <a:cs typeface="Arial" charset="0"/>
+              </a:defRPr>
+            </a:lvl5pPr>
+            <a:lvl6pPr marL="2286000" algn="l" defTabSz="914400" rtl="0" eaLnBrk="1" latinLnBrk="0" hangingPunct="1">
+              <a:defRPr kern="1200">
+                <a:solidFill>
+                  <a:schemeClr val="tx1"/>
+                </a:solidFill>
+                <a:latin typeface="Arial" charset="0"/>
+                <a:ea typeface="+mn-ea"/>
+                <a:cs typeface="Arial" charset="0"/>
+              </a:defRPr>
+            </a:lvl6pPr>
+            <a:lvl7pPr marL="2743200" algn="l" defTabSz="914400" rtl="0" eaLnBrk="1" latinLnBrk="0" hangingPunct="1">
+              <a:defRPr kern="1200">
+                <a:solidFill>
+                  <a:schemeClr val="tx1"/>
+                </a:solidFill>
+                <a:latin typeface="Arial" charset="0"/>
+                <a:ea typeface="+mn-ea"/>
+                <a:cs typeface="Arial" charset="0"/>
+              </a:defRPr>
+            </a:lvl7pPr>
+            <a:lvl8pPr marL="3200400" algn="l" defTabSz="914400" rtl="0" eaLnBrk="1" latinLnBrk="0" hangingPunct="1">
+              <a:defRPr kern="1200">
+                <a:solidFill>
+                  <a:schemeClr val="tx1"/>
+                </a:solidFill>
+                <a:latin typeface="Arial" charset="0"/>
+                <a:ea typeface="+mn-ea"/>
+                <a:cs typeface="Arial" charset="0"/>
+              </a:defRPr>
+            </a:lvl8pPr>
+            <a:lvl9pPr marL="3657600" algn="l" defTabSz="914400" rtl="0" eaLnBrk="1" latinLnBrk="0" hangingPunct="1">
+              <a:defRPr kern="1200">
+                <a:solidFill>
+                  <a:schemeClr val="tx1"/>
+                </a:solidFill>
+                <a:latin typeface="Arial" charset="0"/>
+                <a:ea typeface="+mn-ea"/>
+                <a:cs typeface="Arial" charset="0"/>
+              </a:defRPr>
+            </a:lvl9pPr>
+          </a:lstStyle>
+          <a:p>
+            <a:endParaRPr lang="pt-BR"/>
+          </a:p>
+        </p:txBody>
+      </p:sp>
+      <p:sp>
+        <p:nvSpPr>
+          <p:cNvPr id="101" name="Lock"/>
+          <p:cNvSpPr>
+            <a:spLocks noEditPoints="1" noChangeArrowheads="1"/>
+          </p:cNvSpPr>
+          <p:nvPr/>
+        </p:nvSpPr>
+        <p:spPr bwMode="auto">
+          <a:xfrm>
+            <a:off x="2857488" y="2285992"/>
+            <a:ext cx="214314" cy="285752"/>
+          </a:xfrm>
+          <a:custGeom>
+            <a:avLst/>
+            <a:gdLst>
+              <a:gd name="T0" fmla="*/ 10800 w 21600"/>
+              <a:gd name="T1" fmla="*/ 0 h 21600"/>
+              <a:gd name="T2" fmla="*/ 21600 w 21600"/>
+              <a:gd name="T3" fmla="*/ 9606 h 21600"/>
+              <a:gd name="T4" fmla="*/ 10800 w 21600"/>
+              <a:gd name="T5" fmla="*/ 21600 h 21600"/>
+              <a:gd name="T6" fmla="*/ 0 w 21600"/>
+              <a:gd name="T7" fmla="*/ 9606 h 21600"/>
+              <a:gd name="T8" fmla="*/ 744 w 21600"/>
+              <a:gd name="T9" fmla="*/ 9904 h 21600"/>
+              <a:gd name="T10" fmla="*/ 21134 w 21600"/>
+              <a:gd name="T11" fmla="*/ 15335 h 21600"/>
+            </a:gdLst>
+            <a:ahLst/>
+            <a:cxnLst>
+              <a:cxn ang="0">
+                <a:pos x="T0" y="T1"/>
+              </a:cxn>
+              <a:cxn ang="0">
+                <a:pos x="T2" y="T3"/>
+              </a:cxn>
+              <a:cxn ang="0">
+                <a:pos x="T4" y="T5"/>
+              </a:cxn>
+              <a:cxn ang="0">
+                <a:pos x="T6" y="T7"/>
+              </a:cxn>
+            </a:cxnLst>
+            <a:rect l="T8" t="T9" r="T10" b="T11"/>
+            <a:pathLst>
+              <a:path w="21600" h="21600" extrusionOk="0">
+                <a:moveTo>
+                  <a:pt x="93" y="9606"/>
+                </a:moveTo>
+                <a:lnTo>
+                  <a:pt x="2048" y="9606"/>
+                </a:lnTo>
+                <a:lnTo>
+                  <a:pt x="2048" y="4713"/>
+                </a:lnTo>
+                <a:lnTo>
+                  <a:pt x="2420" y="3818"/>
+                </a:lnTo>
+                <a:lnTo>
+                  <a:pt x="2979" y="3028"/>
+                </a:lnTo>
+                <a:lnTo>
+                  <a:pt x="3537" y="2446"/>
+                </a:lnTo>
+                <a:lnTo>
+                  <a:pt x="3956" y="1998"/>
+                </a:lnTo>
+                <a:lnTo>
+                  <a:pt x="4492" y="1581"/>
+                </a:lnTo>
+                <a:lnTo>
+                  <a:pt x="5143" y="1238"/>
+                </a:lnTo>
+                <a:lnTo>
+                  <a:pt x="5912" y="880"/>
+                </a:lnTo>
+                <a:lnTo>
+                  <a:pt x="6587" y="641"/>
+                </a:lnTo>
+                <a:lnTo>
+                  <a:pt x="7518" y="372"/>
+                </a:lnTo>
+                <a:lnTo>
+                  <a:pt x="8425" y="208"/>
+                </a:lnTo>
+                <a:lnTo>
+                  <a:pt x="9496" y="59"/>
+                </a:lnTo>
+                <a:lnTo>
+                  <a:pt x="10637" y="14"/>
+                </a:lnTo>
+                <a:lnTo>
+                  <a:pt x="11614" y="59"/>
+                </a:lnTo>
+                <a:lnTo>
+                  <a:pt x="12382" y="119"/>
+                </a:lnTo>
+                <a:lnTo>
+                  <a:pt x="13034" y="253"/>
+                </a:lnTo>
+                <a:lnTo>
+                  <a:pt x="13779" y="417"/>
+                </a:lnTo>
+                <a:lnTo>
+                  <a:pt x="14500" y="611"/>
+                </a:lnTo>
+                <a:lnTo>
+                  <a:pt x="14733" y="686"/>
+                </a:lnTo>
+                <a:lnTo>
+                  <a:pt x="14989" y="790"/>
+                </a:lnTo>
+                <a:lnTo>
+                  <a:pt x="15175" y="865"/>
+                </a:lnTo>
+                <a:lnTo>
+                  <a:pt x="15385" y="954"/>
+                </a:lnTo>
+                <a:lnTo>
+                  <a:pt x="15431" y="969"/>
+                </a:lnTo>
+                <a:lnTo>
+                  <a:pt x="15594" y="1059"/>
+                </a:lnTo>
+                <a:lnTo>
+                  <a:pt x="15757" y="1148"/>
+                </a:lnTo>
+                <a:lnTo>
+                  <a:pt x="15920" y="1267"/>
+                </a:lnTo>
+                <a:lnTo>
+                  <a:pt x="16106" y="1372"/>
+                </a:lnTo>
+                <a:lnTo>
+                  <a:pt x="16665" y="1730"/>
+                </a:lnTo>
+                <a:lnTo>
+                  <a:pt x="17014" y="1998"/>
+                </a:lnTo>
+                <a:lnTo>
+                  <a:pt x="17480" y="2356"/>
+                </a:lnTo>
+                <a:lnTo>
+                  <a:pt x="17852" y="2804"/>
+                </a:lnTo>
+                <a:lnTo>
+                  <a:pt x="18178" y="3192"/>
+                </a:lnTo>
+                <a:lnTo>
+                  <a:pt x="18527" y="3639"/>
+                </a:lnTo>
+                <a:lnTo>
+                  <a:pt x="18806" y="4132"/>
+                </a:lnTo>
+                <a:lnTo>
+                  <a:pt x="19086" y="4713"/>
+                </a:lnTo>
+                <a:lnTo>
+                  <a:pt x="19272" y="5191"/>
+                </a:lnTo>
+                <a:lnTo>
+                  <a:pt x="19295" y="9606"/>
+                </a:lnTo>
+                <a:lnTo>
+                  <a:pt x="21600" y="9606"/>
+                </a:lnTo>
+                <a:lnTo>
+                  <a:pt x="21600" y="16289"/>
+                </a:lnTo>
+                <a:lnTo>
+                  <a:pt x="21413" y="17184"/>
+                </a:lnTo>
+                <a:lnTo>
+                  <a:pt x="21041" y="17900"/>
+                </a:lnTo>
+                <a:lnTo>
+                  <a:pt x="20668" y="18377"/>
+                </a:lnTo>
+                <a:lnTo>
+                  <a:pt x="20343" y="18855"/>
+                </a:lnTo>
+                <a:lnTo>
+                  <a:pt x="19924" y="19332"/>
+                </a:lnTo>
+                <a:lnTo>
+                  <a:pt x="19388" y="19809"/>
+                </a:lnTo>
+                <a:lnTo>
+                  <a:pt x="18806" y="20242"/>
+                </a:lnTo>
+                <a:lnTo>
+                  <a:pt x="18062" y="20585"/>
+                </a:lnTo>
+                <a:lnTo>
+                  <a:pt x="17270" y="20883"/>
+                </a:lnTo>
+                <a:lnTo>
+                  <a:pt x="16525" y="21182"/>
+                </a:lnTo>
+                <a:lnTo>
+                  <a:pt x="15548" y="21420"/>
+                </a:lnTo>
+                <a:lnTo>
+                  <a:pt x="14803" y="21540"/>
+                </a:lnTo>
+                <a:lnTo>
+                  <a:pt x="13662" y="21674"/>
+                </a:lnTo>
+                <a:lnTo>
+                  <a:pt x="8379" y="21659"/>
+                </a:lnTo>
+                <a:lnTo>
+                  <a:pt x="7168" y="21540"/>
+                </a:lnTo>
+                <a:lnTo>
+                  <a:pt x="6098" y="21331"/>
+                </a:lnTo>
+                <a:lnTo>
+                  <a:pt x="5050" y="21092"/>
+                </a:lnTo>
+                <a:lnTo>
+                  <a:pt x="4003" y="20764"/>
+                </a:lnTo>
+                <a:lnTo>
+                  <a:pt x="3258" y="20391"/>
+                </a:lnTo>
+                <a:lnTo>
+                  <a:pt x="2769" y="20123"/>
+                </a:lnTo>
+                <a:lnTo>
+                  <a:pt x="2281" y="19720"/>
+                </a:lnTo>
+                <a:lnTo>
+                  <a:pt x="1862" y="19407"/>
+                </a:lnTo>
+                <a:lnTo>
+                  <a:pt x="1489" y="19079"/>
+                </a:lnTo>
+                <a:lnTo>
+                  <a:pt x="1070" y="18676"/>
+                </a:lnTo>
+                <a:lnTo>
+                  <a:pt x="744" y="18258"/>
+                </a:lnTo>
+                <a:lnTo>
+                  <a:pt x="325" y="17661"/>
+                </a:lnTo>
+                <a:lnTo>
+                  <a:pt x="162" y="17035"/>
+                </a:lnTo>
+                <a:lnTo>
+                  <a:pt x="93" y="16468"/>
+                </a:lnTo>
+                <a:lnTo>
+                  <a:pt x="93" y="9606"/>
+                </a:lnTo>
+                <a:close/>
+                <a:moveTo>
+                  <a:pt x="6098" y="9591"/>
+                </a:moveTo>
+                <a:lnTo>
+                  <a:pt x="6098" y="5220"/>
+                </a:lnTo>
+                <a:lnTo>
+                  <a:pt x="6191" y="4907"/>
+                </a:lnTo>
+                <a:lnTo>
+                  <a:pt x="6307" y="4639"/>
+                </a:lnTo>
+                <a:lnTo>
+                  <a:pt x="6517" y="4370"/>
+                </a:lnTo>
+                <a:lnTo>
+                  <a:pt x="6680" y="4087"/>
+                </a:lnTo>
+                <a:lnTo>
+                  <a:pt x="6889" y="3878"/>
+                </a:lnTo>
+                <a:lnTo>
+                  <a:pt x="7308" y="3520"/>
+                </a:lnTo>
+                <a:lnTo>
+                  <a:pt x="7843" y="3281"/>
+                </a:lnTo>
+                <a:lnTo>
+                  <a:pt x="8402" y="3013"/>
+                </a:lnTo>
+                <a:lnTo>
+                  <a:pt x="9031" y="2834"/>
+                </a:lnTo>
+                <a:lnTo>
+                  <a:pt x="9659" y="2700"/>
+                </a:lnTo>
+                <a:lnTo>
+                  <a:pt x="10497" y="2625"/>
+                </a:lnTo>
+                <a:lnTo>
+                  <a:pt x="11125" y="2655"/>
+                </a:lnTo>
+                <a:lnTo>
+                  <a:pt x="11987" y="2789"/>
+                </a:lnTo>
+                <a:lnTo>
+                  <a:pt x="12522" y="2893"/>
+                </a:lnTo>
+                <a:lnTo>
+                  <a:pt x="13011" y="3028"/>
+                </a:lnTo>
+                <a:lnTo>
+                  <a:pt x="13290" y="3192"/>
+                </a:lnTo>
+                <a:lnTo>
+                  <a:pt x="13709" y="3371"/>
+                </a:lnTo>
+                <a:lnTo>
+                  <a:pt x="13872" y="3505"/>
+                </a:lnTo>
+                <a:lnTo>
+                  <a:pt x="14058" y="3639"/>
+                </a:lnTo>
+                <a:lnTo>
+                  <a:pt x="14291" y="3788"/>
+                </a:lnTo>
+                <a:lnTo>
+                  <a:pt x="14431" y="3953"/>
+                </a:lnTo>
+                <a:lnTo>
+                  <a:pt x="14617" y="4102"/>
+                </a:lnTo>
+                <a:lnTo>
+                  <a:pt x="14826" y="4311"/>
+                </a:lnTo>
+                <a:lnTo>
+                  <a:pt x="14919" y="4534"/>
+                </a:lnTo>
+                <a:lnTo>
+                  <a:pt x="15036" y="4773"/>
+                </a:lnTo>
+                <a:lnTo>
+                  <a:pt x="15175" y="5027"/>
+                </a:lnTo>
+                <a:lnTo>
+                  <a:pt x="15245" y="5220"/>
+                </a:lnTo>
+                <a:lnTo>
+                  <a:pt x="15245" y="9591"/>
+                </a:lnTo>
+                <a:lnTo>
+                  <a:pt x="6098" y="9591"/>
+                </a:lnTo>
+                <a:close/>
+              </a:path>
+              <a:path w="21600" h="21600" extrusionOk="0">
+                <a:moveTo>
+                  <a:pt x="93" y="9606"/>
+                </a:moveTo>
+                <a:lnTo>
+                  <a:pt x="21600" y="9606"/>
+                </a:lnTo>
+                <a:close/>
+              </a:path>
+              <a:path w="21600" h="21600" extrusionOk="0">
+                <a:moveTo>
+                  <a:pt x="11684" y="17109"/>
+                </a:moveTo>
+                <a:lnTo>
+                  <a:pt x="12266" y="19317"/>
+                </a:lnTo>
+                <a:lnTo>
+                  <a:pt x="9659" y="19317"/>
+                </a:lnTo>
+                <a:lnTo>
+                  <a:pt x="10287" y="17124"/>
+                </a:lnTo>
+                <a:lnTo>
+                  <a:pt x="10008" y="16975"/>
+                </a:lnTo>
+                <a:lnTo>
+                  <a:pt x="9799" y="16722"/>
+                </a:lnTo>
+                <a:lnTo>
+                  <a:pt x="9752" y="16408"/>
+                </a:lnTo>
+                <a:lnTo>
+                  <a:pt x="9822" y="16170"/>
+                </a:lnTo>
+                <a:lnTo>
+                  <a:pt x="10008" y="16006"/>
+                </a:lnTo>
+                <a:lnTo>
+                  <a:pt x="10148" y="15871"/>
+                </a:lnTo>
+                <a:lnTo>
+                  <a:pt x="10381" y="15782"/>
+                </a:lnTo>
+                <a:lnTo>
+                  <a:pt x="10660" y="15692"/>
+                </a:lnTo>
+                <a:lnTo>
+                  <a:pt x="11009" y="15677"/>
+                </a:lnTo>
+                <a:lnTo>
+                  <a:pt x="11288" y="15722"/>
+                </a:lnTo>
+                <a:lnTo>
+                  <a:pt x="11614" y="15782"/>
+                </a:lnTo>
+                <a:lnTo>
+                  <a:pt x="11893" y="15946"/>
+                </a:lnTo>
+                <a:lnTo>
+                  <a:pt x="12033" y="16080"/>
+                </a:lnTo>
+                <a:lnTo>
+                  <a:pt x="12173" y="16229"/>
+                </a:lnTo>
+                <a:lnTo>
+                  <a:pt x="12196" y="16408"/>
+                </a:lnTo>
+                <a:lnTo>
+                  <a:pt x="12103" y="16722"/>
+                </a:lnTo>
+                <a:lnTo>
+                  <a:pt x="11987" y="16856"/>
+                </a:lnTo>
+                <a:lnTo>
+                  <a:pt x="11847" y="16975"/>
+                </a:lnTo>
+                <a:lnTo>
+                  <a:pt x="11684" y="17109"/>
+                </a:lnTo>
+              </a:path>
+            </a:pathLst>
+          </a:custGeom>
+          <a:solidFill>
+            <a:schemeClr val="accent1"/>
+          </a:solidFill>
+          <a:ln w="19050">
+            <a:solidFill>
+              <a:schemeClr val="tx1"/>
+            </a:solidFill>
+            <a:miter lim="800000"/>
+            <a:headEnd/>
+            <a:tailEnd/>
+          </a:ln>
+        </p:spPr>
+        <p:txBody>
+          <a:bodyPr vert="horz" wrap="square" lIns="91440" tIns="45720" rIns="91440" bIns="45720" numCol="1" anchor="t" anchorCtr="0" compatLnSpc="1">
+            <a:prstTxWarp prst="textNoShape">
+              <a:avLst/>
+            </a:prstTxWarp>
+          </a:bodyPr>
+          <a:lstStyle>
+            <a:defPPr>
+              <a:defRPr lang="pt-BR"/>
+            </a:defPPr>
+            <a:lvl1pPr algn="l" rtl="0" fontAlgn="base">
+              <a:spcBef>
+                <a:spcPct val="0"/>
+              </a:spcBef>
+              <a:spcAft>
+                <a:spcPct val="0"/>
+              </a:spcAft>
+              <a:defRPr kern="1200">
+                <a:solidFill>
+                  <a:schemeClr val="tx1"/>
+                </a:solidFill>
+                <a:latin typeface="Arial" charset="0"/>
+                <a:ea typeface="+mn-ea"/>
+                <a:cs typeface="Arial" charset="0"/>
+              </a:defRPr>
+            </a:lvl1pPr>
+            <a:lvl2pPr marL="457200" algn="l" rtl="0" fontAlgn="base">
+              <a:spcBef>
+                <a:spcPct val="0"/>
+              </a:spcBef>
+              <a:spcAft>
+                <a:spcPct val="0"/>
+              </a:spcAft>
+              <a:defRPr kern="1200">
+                <a:solidFill>
+                  <a:schemeClr val="tx1"/>
+                </a:solidFill>
+                <a:latin typeface="Arial" charset="0"/>
+                <a:ea typeface="+mn-ea"/>
+                <a:cs typeface="Arial" charset="0"/>
+              </a:defRPr>
+            </a:lvl2pPr>
+            <a:lvl3pPr marL="914400" algn="l" rtl="0" fontAlgn="base">
+              <a:spcBef>
+                <a:spcPct val="0"/>
+              </a:spcBef>
+              <a:spcAft>
+                <a:spcPct val="0"/>
+              </a:spcAft>
+              <a:defRPr kern="1200">
+                <a:solidFill>
+                  <a:schemeClr val="tx1"/>
+                </a:solidFill>
+                <a:latin typeface="Arial" charset="0"/>
+                <a:ea typeface="+mn-ea"/>
+                <a:cs typeface="Arial" charset="0"/>
+              </a:defRPr>
+            </a:lvl3pPr>
+            <a:lvl4pPr marL="1371600" algn="l" rtl="0" fontAlgn="base">
+              <a:spcBef>
+                <a:spcPct val="0"/>
+              </a:spcBef>
+              <a:spcAft>
+                <a:spcPct val="0"/>
+              </a:spcAft>
+              <a:defRPr kern="1200">
+                <a:solidFill>
+                  <a:schemeClr val="tx1"/>
+                </a:solidFill>
+                <a:latin typeface="Arial" charset="0"/>
+                <a:ea typeface="+mn-ea"/>
+                <a:cs typeface="Arial" charset="0"/>
+              </a:defRPr>
+            </a:lvl4pPr>
+            <a:lvl5pPr marL="1828800" algn="l" rtl="0" fontAlgn="base">
+              <a:spcBef>
+                <a:spcPct val="0"/>
+              </a:spcBef>
+              <a:spcAft>
+                <a:spcPct val="0"/>
+              </a:spcAft>
+              <a:defRPr kern="1200">
+                <a:solidFill>
+                  <a:schemeClr val="tx1"/>
+                </a:solidFill>
+                <a:latin typeface="Arial" charset="0"/>
+                <a:ea typeface="+mn-ea"/>
+                <a:cs typeface="Arial" charset="0"/>
+              </a:defRPr>
+            </a:lvl5pPr>
+            <a:lvl6pPr marL="2286000" algn="l" defTabSz="914400" rtl="0" eaLnBrk="1" latinLnBrk="0" hangingPunct="1">
+              <a:defRPr kern="1200">
+                <a:solidFill>
+                  <a:schemeClr val="tx1"/>
+                </a:solidFill>
+                <a:latin typeface="Arial" charset="0"/>
+                <a:ea typeface="+mn-ea"/>
+                <a:cs typeface="Arial" charset="0"/>
+              </a:defRPr>
+            </a:lvl6pPr>
+            <a:lvl7pPr marL="2743200" algn="l" defTabSz="914400" rtl="0" eaLnBrk="1" latinLnBrk="0" hangingPunct="1">
+              <a:defRPr kern="1200">
+                <a:solidFill>
+                  <a:schemeClr val="tx1"/>
+                </a:solidFill>
+                <a:latin typeface="Arial" charset="0"/>
+                <a:ea typeface="+mn-ea"/>
+                <a:cs typeface="Arial" charset="0"/>
+              </a:defRPr>
+            </a:lvl7pPr>
+            <a:lvl8pPr marL="3200400" algn="l" defTabSz="914400" rtl="0" eaLnBrk="1" latinLnBrk="0" hangingPunct="1">
+              <a:defRPr kern="1200">
+                <a:solidFill>
+                  <a:schemeClr val="tx1"/>
+                </a:solidFill>
+                <a:latin typeface="Arial" charset="0"/>
+                <a:ea typeface="+mn-ea"/>
+                <a:cs typeface="Arial" charset="0"/>
+              </a:defRPr>
+            </a:lvl8pPr>
+            <a:lvl9pPr marL="3657600" algn="l" defTabSz="914400" rtl="0" eaLnBrk="1" latinLnBrk="0" hangingPunct="1">
+              <a:defRPr kern="1200">
+                <a:solidFill>
+                  <a:schemeClr val="tx1"/>
+                </a:solidFill>
+                <a:latin typeface="Arial" charset="0"/>
+                <a:ea typeface="+mn-ea"/>
+                <a:cs typeface="Arial" charset="0"/>
+              </a:defRPr>
+            </a:lvl9pPr>
+          </a:lstStyle>
+          <a:p>
+            <a:endParaRPr lang="pt-BR"/>
+          </a:p>
+        </p:txBody>
+      </p:sp>
+      <p:sp>
+        <p:nvSpPr>
+          <p:cNvPr id="104" name="Lock"/>
+          <p:cNvSpPr>
+            <a:spLocks noEditPoints="1" noChangeArrowheads="1"/>
+          </p:cNvSpPr>
+          <p:nvPr/>
+        </p:nvSpPr>
+        <p:spPr bwMode="auto">
+          <a:xfrm>
+            <a:off x="8501090" y="2285992"/>
+            <a:ext cx="214314" cy="285752"/>
+          </a:xfrm>
+          <a:custGeom>
+            <a:avLst/>
+            <a:gdLst>
+              <a:gd name="T0" fmla="*/ 10800 w 21600"/>
+              <a:gd name="T1" fmla="*/ 0 h 21600"/>
+              <a:gd name="T2" fmla="*/ 21600 w 21600"/>
+              <a:gd name="T3" fmla="*/ 9606 h 21600"/>
+              <a:gd name="T4" fmla="*/ 10800 w 21600"/>
+              <a:gd name="T5" fmla="*/ 21600 h 21600"/>
+              <a:gd name="T6" fmla="*/ 0 w 21600"/>
+              <a:gd name="T7" fmla="*/ 9606 h 21600"/>
+              <a:gd name="T8" fmla="*/ 744 w 21600"/>
+              <a:gd name="T9" fmla="*/ 9904 h 21600"/>
+              <a:gd name="T10" fmla="*/ 21134 w 21600"/>
+              <a:gd name="T11" fmla="*/ 15335 h 21600"/>
+            </a:gdLst>
+            <a:ahLst/>
+            <a:cxnLst>
+              <a:cxn ang="0">
+                <a:pos x="T0" y="T1"/>
+              </a:cxn>
+              <a:cxn ang="0">
+                <a:pos x="T2" y="T3"/>
+              </a:cxn>
+              <a:cxn ang="0">
+                <a:pos x="T4" y="T5"/>
+              </a:cxn>
+              <a:cxn ang="0">
+                <a:pos x="T6" y="T7"/>
+              </a:cxn>
+            </a:cxnLst>
+            <a:rect l="T8" t="T9" r="T10" b="T11"/>
+            <a:pathLst>
+              <a:path w="21600" h="21600" extrusionOk="0">
+                <a:moveTo>
+                  <a:pt x="93" y="9606"/>
+                </a:moveTo>
+                <a:lnTo>
+                  <a:pt x="2048" y="9606"/>
+                </a:lnTo>
+                <a:lnTo>
+                  <a:pt x="2048" y="4713"/>
+                </a:lnTo>
+                <a:lnTo>
+                  <a:pt x="2420" y="3818"/>
+                </a:lnTo>
+                <a:lnTo>
+                  <a:pt x="2979" y="3028"/>
+                </a:lnTo>
+                <a:lnTo>
+                  <a:pt x="3537" y="2446"/>
+                </a:lnTo>
+                <a:lnTo>
+                  <a:pt x="3956" y="1998"/>
+                </a:lnTo>
+                <a:lnTo>
+                  <a:pt x="4492" y="1581"/>
+                </a:lnTo>
+                <a:lnTo>
+                  <a:pt x="5143" y="1238"/>
+                </a:lnTo>
+                <a:lnTo>
+                  <a:pt x="5912" y="880"/>
+                </a:lnTo>
+                <a:lnTo>
+                  <a:pt x="6587" y="641"/>
+                </a:lnTo>
+                <a:lnTo>
+                  <a:pt x="7518" y="372"/>
+                </a:lnTo>
+                <a:lnTo>
+                  <a:pt x="8425" y="208"/>
+                </a:lnTo>
+                <a:lnTo>
+                  <a:pt x="9496" y="59"/>
+                </a:lnTo>
+                <a:lnTo>
+                  <a:pt x="10637" y="14"/>
+                </a:lnTo>
+                <a:lnTo>
+                  <a:pt x="11614" y="59"/>
+                </a:lnTo>
+                <a:lnTo>
+                  <a:pt x="12382" y="119"/>
+                </a:lnTo>
+                <a:lnTo>
+                  <a:pt x="13034" y="253"/>
+                </a:lnTo>
+                <a:lnTo>
+                  <a:pt x="13779" y="417"/>
+                </a:lnTo>
+                <a:lnTo>
+                  <a:pt x="14500" y="611"/>
+                </a:lnTo>
+                <a:lnTo>
+                  <a:pt x="14733" y="686"/>
+                </a:lnTo>
+                <a:lnTo>
+                  <a:pt x="14989" y="790"/>
+                </a:lnTo>
+                <a:lnTo>
+                  <a:pt x="15175" y="865"/>
+                </a:lnTo>
+                <a:lnTo>
+                  <a:pt x="15385" y="954"/>
+                </a:lnTo>
+                <a:lnTo>
+                  <a:pt x="15431" y="969"/>
+                </a:lnTo>
+                <a:lnTo>
+                  <a:pt x="15594" y="1059"/>
+                </a:lnTo>
+                <a:lnTo>
+                  <a:pt x="15757" y="1148"/>
+                </a:lnTo>
+                <a:lnTo>
+                  <a:pt x="15920" y="1267"/>
+                </a:lnTo>
+                <a:lnTo>
+                  <a:pt x="16106" y="1372"/>
+                </a:lnTo>
+                <a:lnTo>
+                  <a:pt x="16665" y="1730"/>
+                </a:lnTo>
+                <a:lnTo>
+                  <a:pt x="17014" y="1998"/>
+                </a:lnTo>
+                <a:lnTo>
+                  <a:pt x="17480" y="2356"/>
+                </a:lnTo>
+                <a:lnTo>
+                  <a:pt x="17852" y="2804"/>
+                </a:lnTo>
+                <a:lnTo>
+                  <a:pt x="18178" y="3192"/>
+                </a:lnTo>
+                <a:lnTo>
+                  <a:pt x="18527" y="3639"/>
+                </a:lnTo>
+                <a:lnTo>
+                  <a:pt x="18806" y="4132"/>
+                </a:lnTo>
+                <a:lnTo>
+                  <a:pt x="19086" y="4713"/>
+                </a:lnTo>
+                <a:lnTo>
+                  <a:pt x="19272" y="5191"/>
+                </a:lnTo>
+                <a:lnTo>
+                  <a:pt x="19295" y="9606"/>
+                </a:lnTo>
+                <a:lnTo>
+                  <a:pt x="21600" y="9606"/>
+                </a:lnTo>
+                <a:lnTo>
+                  <a:pt x="21600" y="16289"/>
+                </a:lnTo>
+                <a:lnTo>
+                  <a:pt x="21413" y="17184"/>
+                </a:lnTo>
+                <a:lnTo>
+                  <a:pt x="21041" y="17900"/>
+                </a:lnTo>
+                <a:lnTo>
+                  <a:pt x="20668" y="18377"/>
+                </a:lnTo>
+                <a:lnTo>
+                  <a:pt x="20343" y="18855"/>
+                </a:lnTo>
+                <a:lnTo>
+                  <a:pt x="19924" y="19332"/>
+                </a:lnTo>
+                <a:lnTo>
+                  <a:pt x="19388" y="19809"/>
+                </a:lnTo>
+                <a:lnTo>
+                  <a:pt x="18806" y="20242"/>
+                </a:lnTo>
+                <a:lnTo>
+                  <a:pt x="18062" y="20585"/>
+                </a:lnTo>
+                <a:lnTo>
+                  <a:pt x="17270" y="20883"/>
+                </a:lnTo>
+                <a:lnTo>
+                  <a:pt x="16525" y="21182"/>
+                </a:lnTo>
+                <a:lnTo>
+                  <a:pt x="15548" y="21420"/>
+                </a:lnTo>
+                <a:lnTo>
+                  <a:pt x="14803" y="21540"/>
+                </a:lnTo>
+                <a:lnTo>
+                  <a:pt x="13662" y="21674"/>
+                </a:lnTo>
+                <a:lnTo>
+                  <a:pt x="8379" y="21659"/>
+                </a:lnTo>
+                <a:lnTo>
+                  <a:pt x="7168" y="21540"/>
+                </a:lnTo>
+                <a:lnTo>
+                  <a:pt x="6098" y="21331"/>
+                </a:lnTo>
+                <a:lnTo>
+                  <a:pt x="5050" y="21092"/>
+                </a:lnTo>
+                <a:lnTo>
+                  <a:pt x="4003" y="20764"/>
+                </a:lnTo>
+                <a:lnTo>
+                  <a:pt x="3258" y="20391"/>
+                </a:lnTo>
+                <a:lnTo>
+                  <a:pt x="2769" y="20123"/>
+                </a:lnTo>
+                <a:lnTo>
+                  <a:pt x="2281" y="19720"/>
+                </a:lnTo>
+                <a:lnTo>
+                  <a:pt x="1862" y="19407"/>
+                </a:lnTo>
+                <a:lnTo>
+                  <a:pt x="1489" y="19079"/>
+                </a:lnTo>
+                <a:lnTo>
+                  <a:pt x="1070" y="18676"/>
+                </a:lnTo>
+                <a:lnTo>
+                  <a:pt x="744" y="18258"/>
+                </a:lnTo>
+                <a:lnTo>
+                  <a:pt x="325" y="17661"/>
+                </a:lnTo>
+                <a:lnTo>
+                  <a:pt x="162" y="17035"/>
+                </a:lnTo>
+                <a:lnTo>
+                  <a:pt x="93" y="16468"/>
+                </a:lnTo>
+                <a:lnTo>
+                  <a:pt x="93" y="9606"/>
+                </a:lnTo>
+                <a:close/>
+                <a:moveTo>
+                  <a:pt x="6098" y="9591"/>
+                </a:moveTo>
+                <a:lnTo>
+                  <a:pt x="6098" y="5220"/>
+                </a:lnTo>
+                <a:lnTo>
+                  <a:pt x="6191" y="4907"/>
+                </a:lnTo>
+                <a:lnTo>
+                  <a:pt x="6307" y="4639"/>
+                </a:lnTo>
+                <a:lnTo>
+                  <a:pt x="6517" y="4370"/>
+                </a:lnTo>
+                <a:lnTo>
+                  <a:pt x="6680" y="4087"/>
+                </a:lnTo>
+                <a:lnTo>
+                  <a:pt x="6889" y="3878"/>
+                </a:lnTo>
+                <a:lnTo>
+                  <a:pt x="7308" y="3520"/>
+                </a:lnTo>
+                <a:lnTo>
+                  <a:pt x="7843" y="3281"/>
+                </a:lnTo>
+                <a:lnTo>
+                  <a:pt x="8402" y="3013"/>
+                </a:lnTo>
+                <a:lnTo>
+                  <a:pt x="9031" y="2834"/>
+                </a:lnTo>
+                <a:lnTo>
+                  <a:pt x="9659" y="2700"/>
+                </a:lnTo>
+                <a:lnTo>
+                  <a:pt x="10497" y="2625"/>
+                </a:lnTo>
+                <a:lnTo>
+                  <a:pt x="11125" y="2655"/>
+                </a:lnTo>
+                <a:lnTo>
+                  <a:pt x="11987" y="2789"/>
+                </a:lnTo>
+                <a:lnTo>
+                  <a:pt x="12522" y="2893"/>
+                </a:lnTo>
+                <a:lnTo>
+                  <a:pt x="13011" y="3028"/>
+                </a:lnTo>
+                <a:lnTo>
+                  <a:pt x="13290" y="3192"/>
+                </a:lnTo>
+                <a:lnTo>
+                  <a:pt x="13709" y="3371"/>
+                </a:lnTo>
+                <a:lnTo>
+                  <a:pt x="13872" y="3505"/>
+                </a:lnTo>
+                <a:lnTo>
+                  <a:pt x="14058" y="3639"/>
+                </a:lnTo>
+                <a:lnTo>
+                  <a:pt x="14291" y="3788"/>
+                </a:lnTo>
+                <a:lnTo>
+                  <a:pt x="14431" y="3953"/>
+                </a:lnTo>
+                <a:lnTo>
+                  <a:pt x="14617" y="4102"/>
+                </a:lnTo>
+                <a:lnTo>
+                  <a:pt x="14826" y="4311"/>
+                </a:lnTo>
+                <a:lnTo>
+                  <a:pt x="14919" y="4534"/>
+                </a:lnTo>
+                <a:lnTo>
+                  <a:pt x="15036" y="4773"/>
+                </a:lnTo>
+                <a:lnTo>
+                  <a:pt x="15175" y="5027"/>
+                </a:lnTo>
+                <a:lnTo>
+                  <a:pt x="15245" y="5220"/>
+                </a:lnTo>
+                <a:lnTo>
+                  <a:pt x="15245" y="9591"/>
+                </a:lnTo>
+                <a:lnTo>
+                  <a:pt x="6098" y="9591"/>
+                </a:lnTo>
+                <a:close/>
+              </a:path>
+              <a:path w="21600" h="21600" extrusionOk="0">
+                <a:moveTo>
+                  <a:pt x="93" y="9606"/>
+                </a:moveTo>
+                <a:lnTo>
+                  <a:pt x="21600" y="9606"/>
+                </a:lnTo>
+                <a:close/>
+              </a:path>
+              <a:path w="21600" h="21600" extrusionOk="0">
+                <a:moveTo>
+                  <a:pt x="11684" y="17109"/>
+                </a:moveTo>
+                <a:lnTo>
+                  <a:pt x="12266" y="19317"/>
+                </a:lnTo>
+                <a:lnTo>
+                  <a:pt x="9659" y="19317"/>
+                </a:lnTo>
+                <a:lnTo>
+                  <a:pt x="10287" y="17124"/>
+                </a:lnTo>
+                <a:lnTo>
+                  <a:pt x="10008" y="16975"/>
+                </a:lnTo>
+                <a:lnTo>
+                  <a:pt x="9799" y="16722"/>
+                </a:lnTo>
+                <a:lnTo>
+                  <a:pt x="9752" y="16408"/>
+                </a:lnTo>
+                <a:lnTo>
+                  <a:pt x="9822" y="16170"/>
+                </a:lnTo>
+                <a:lnTo>
+                  <a:pt x="10008" y="16006"/>
+                </a:lnTo>
+                <a:lnTo>
+                  <a:pt x="10148" y="15871"/>
+                </a:lnTo>
+                <a:lnTo>
+                  <a:pt x="10381" y="15782"/>
+                </a:lnTo>
+                <a:lnTo>
+                  <a:pt x="10660" y="15692"/>
+                </a:lnTo>
+                <a:lnTo>
+                  <a:pt x="11009" y="15677"/>
+                </a:lnTo>
+                <a:lnTo>
+                  <a:pt x="11288" y="15722"/>
+                </a:lnTo>
+                <a:lnTo>
+                  <a:pt x="11614" y="15782"/>
+                </a:lnTo>
+                <a:lnTo>
+                  <a:pt x="11893" y="15946"/>
+                </a:lnTo>
+                <a:lnTo>
+                  <a:pt x="12033" y="16080"/>
+                </a:lnTo>
+                <a:lnTo>
+                  <a:pt x="12173" y="16229"/>
+                </a:lnTo>
+                <a:lnTo>
+                  <a:pt x="12196" y="16408"/>
+                </a:lnTo>
+                <a:lnTo>
+                  <a:pt x="12103" y="16722"/>
+                </a:lnTo>
+                <a:lnTo>
+                  <a:pt x="11987" y="16856"/>
+                </a:lnTo>
+                <a:lnTo>
+                  <a:pt x="11847" y="16975"/>
+                </a:lnTo>
+                <a:lnTo>
+                  <a:pt x="11684" y="17109"/>
+                </a:lnTo>
+              </a:path>
+            </a:pathLst>
+          </a:custGeom>
+          <a:solidFill>
+            <a:schemeClr val="accent1"/>
+          </a:solidFill>
+          <a:ln w="19050">
+            <a:solidFill>
+              <a:schemeClr val="tx1"/>
+            </a:solidFill>
+            <a:miter lim="800000"/>
+            <a:headEnd/>
+            <a:tailEnd/>
+          </a:ln>
+        </p:spPr>
+        <p:txBody>
+          <a:bodyPr vert="horz" wrap="square" lIns="91440" tIns="45720" rIns="91440" bIns="45720" numCol="1" anchor="t" anchorCtr="0" compatLnSpc="1">
+            <a:prstTxWarp prst="textNoShape">
+              <a:avLst/>
+            </a:prstTxWarp>
+          </a:bodyPr>
+          <a:lstStyle>
+            <a:defPPr>
+              <a:defRPr lang="pt-BR"/>
+            </a:defPPr>
+            <a:lvl1pPr algn="l" rtl="0" fontAlgn="base">
+              <a:spcBef>
+                <a:spcPct val="0"/>
+              </a:spcBef>
+              <a:spcAft>
+                <a:spcPct val="0"/>
+              </a:spcAft>
+              <a:defRPr kern="1200">
+                <a:solidFill>
+                  <a:schemeClr val="tx1"/>
+                </a:solidFill>
+                <a:latin typeface="Arial" charset="0"/>
+                <a:ea typeface="+mn-ea"/>
+                <a:cs typeface="Arial" charset="0"/>
+              </a:defRPr>
+            </a:lvl1pPr>
+            <a:lvl2pPr marL="457200" algn="l" rtl="0" fontAlgn="base">
+              <a:spcBef>
+                <a:spcPct val="0"/>
+              </a:spcBef>
+              <a:spcAft>
+                <a:spcPct val="0"/>
+              </a:spcAft>
+              <a:defRPr kern="1200">
+                <a:solidFill>
+                  <a:schemeClr val="tx1"/>
+                </a:solidFill>
+                <a:latin typeface="Arial" charset="0"/>
+                <a:ea typeface="+mn-ea"/>
+                <a:cs typeface="Arial" charset="0"/>
+              </a:defRPr>
+            </a:lvl2pPr>
+            <a:lvl3pPr marL="914400" algn="l" rtl="0" fontAlgn="base">
+              <a:spcBef>
+                <a:spcPct val="0"/>
+              </a:spcBef>
+              <a:spcAft>
+                <a:spcPct val="0"/>
+              </a:spcAft>
+              <a:defRPr kern="1200">
+                <a:solidFill>
+                  <a:schemeClr val="tx1"/>
+                </a:solidFill>
+                <a:latin typeface="Arial" charset="0"/>
+                <a:ea typeface="+mn-ea"/>
+                <a:cs typeface="Arial" charset="0"/>
+              </a:defRPr>
+            </a:lvl3pPr>
+            <a:lvl4pPr marL="1371600" algn="l" rtl="0" fontAlgn="base">
+              <a:spcBef>
+                <a:spcPct val="0"/>
+              </a:spcBef>
+              <a:spcAft>
+                <a:spcPct val="0"/>
+              </a:spcAft>
+              <a:defRPr kern="1200">
+                <a:solidFill>
+                  <a:schemeClr val="tx1"/>
+                </a:solidFill>
+                <a:latin typeface="Arial" charset="0"/>
+                <a:ea typeface="+mn-ea"/>
+                <a:cs typeface="Arial" charset="0"/>
+              </a:defRPr>
+            </a:lvl4pPr>
+            <a:lvl5pPr marL="1828800" algn="l" rtl="0" fontAlgn="base">
+              <a:spcBef>
+                <a:spcPct val="0"/>
+              </a:spcBef>
+              <a:spcAft>
+                <a:spcPct val="0"/>
+              </a:spcAft>
+              <a:defRPr kern="1200">
+                <a:solidFill>
+                  <a:schemeClr val="tx1"/>
+                </a:solidFill>
+                <a:latin typeface="Arial" charset="0"/>
+                <a:ea typeface="+mn-ea"/>
+                <a:cs typeface="Arial" charset="0"/>
+              </a:defRPr>
+            </a:lvl5pPr>
+            <a:lvl6pPr marL="2286000" algn="l" defTabSz="914400" rtl="0" eaLnBrk="1" latinLnBrk="0" hangingPunct="1">
+              <a:defRPr kern="1200">
+                <a:solidFill>
+                  <a:schemeClr val="tx1"/>
+                </a:solidFill>
+                <a:latin typeface="Arial" charset="0"/>
+                <a:ea typeface="+mn-ea"/>
+                <a:cs typeface="Arial" charset="0"/>
+              </a:defRPr>
+            </a:lvl6pPr>
+            <a:lvl7pPr marL="2743200" algn="l" defTabSz="914400" rtl="0" eaLnBrk="1" latinLnBrk="0" hangingPunct="1">
+              <a:defRPr kern="1200">
+                <a:solidFill>
+                  <a:schemeClr val="tx1"/>
+                </a:solidFill>
+                <a:latin typeface="Arial" charset="0"/>
+                <a:ea typeface="+mn-ea"/>
+                <a:cs typeface="Arial" charset="0"/>
+              </a:defRPr>
+            </a:lvl7pPr>
+            <a:lvl8pPr marL="3200400" algn="l" defTabSz="914400" rtl="0" eaLnBrk="1" latinLnBrk="0" hangingPunct="1">
+              <a:defRPr kern="1200">
+                <a:solidFill>
+                  <a:schemeClr val="tx1"/>
+                </a:solidFill>
+                <a:latin typeface="Arial" charset="0"/>
+                <a:ea typeface="+mn-ea"/>
+                <a:cs typeface="Arial" charset="0"/>
+              </a:defRPr>
+            </a:lvl8pPr>
+            <a:lvl9pPr marL="3657600" algn="l" defTabSz="914400" rtl="0" eaLnBrk="1" latinLnBrk="0" hangingPunct="1">
+              <a:defRPr kern="1200">
+                <a:solidFill>
+                  <a:schemeClr val="tx1"/>
+                </a:solidFill>
+                <a:latin typeface="Arial" charset="0"/>
+                <a:ea typeface="+mn-ea"/>
+                <a:cs typeface="Arial" charset="0"/>
+              </a:defRPr>
+            </a:lvl9pPr>
+          </a:lstStyle>
+          <a:p>
+            <a:endParaRPr lang="pt-BR"/>
+          </a:p>
+        </p:txBody>
+      </p:sp>
+      <p:sp>
+        <p:nvSpPr>
+          <p:cNvPr id="70" name="Símbolo de 'Não' 69"/>
           <p:cNvSpPr/>
           <p:nvPr/>
         </p:nvSpPr>
         <p:spPr>
           <a:xfrm>
-            <a:off x="4211960" y="4653136"/>
-            <a:ext cx="144016" cy="144016"/>
+            <a:off x="8388424" y="2285992"/>
+            <a:ext cx="360040" cy="360040"/>
           </a:xfrm>
-          <a:prstGeom prst="rect">
+          <a:prstGeom prst="noSmoking">
             <a:avLst/>
           </a:prstGeom>
           <a:solidFill>
-            <a:schemeClr val="accent1"/>
+            <a:srgbClr val="FF0000"/>
           </a:solidFill>
-          <a:ln w="28575">
-            <a:solidFill>
-              <a:schemeClr val="tx1"/>
-            </a:solidFill>
+          <a:ln>
+            <a:noFill/>
           </a:ln>
         </p:spPr>
         <p:style>
@@ -23162,146 +24579,14 @@
           <a:lstStyle/>
           <a:p>
             <a:pPr algn="ctr"/>
-            <a:endParaRPr lang="pt-BR"/>
-          </a:p>
-        </p:txBody>
-      </p:sp>
-      <p:grpSp>
-        <p:nvGrpSpPr>
-          <p:cNvPr id="116" name="Grupo 115"/>
-          <p:cNvGrpSpPr/>
-          <p:nvPr/>
-        </p:nvGrpSpPr>
-        <p:grpSpPr>
-          <a:xfrm>
-            <a:off x="4211960" y="4653136"/>
-            <a:ext cx="144016" cy="144016"/>
-            <a:chOff x="3851920" y="1556792"/>
-            <a:chExt cx="1008112" cy="1008112"/>
-          </a:xfrm>
-          <a:solidFill>
-            <a:schemeClr val="accent1"/>
-          </a:solidFill>
-        </p:grpSpPr>
-        <p:sp>
-          <p:nvSpPr>
-            <p:cNvPr id="117" name="Retângulo 116"/>
-            <p:cNvSpPr/>
-            <p:nvPr/>
-          </p:nvSpPr>
-          <p:spPr>
-            <a:xfrm>
-              <a:off x="3851920" y="1556792"/>
-              <a:ext cx="1008112" cy="1008112"/>
-            </a:xfrm>
-            <a:prstGeom prst="rect">
-              <a:avLst/>
-            </a:prstGeom>
-            <a:grpFill/>
-            <a:ln w="28575">
+            <a:endParaRPr lang="pt-BR">
               <a:solidFill>
                 <a:schemeClr val="tx1"/>
               </a:solidFill>
-            </a:ln>
-          </p:spPr>
-          <p:style>
-            <a:lnRef idx="2">
-              <a:schemeClr val="accent1">
-                <a:shade val="50000"/>
-              </a:schemeClr>
-            </a:lnRef>
-            <a:fillRef idx="1">
-              <a:schemeClr val="accent1"/>
-            </a:fillRef>
-            <a:effectRef idx="0">
-              <a:schemeClr val="accent1"/>
-            </a:effectRef>
-            <a:fontRef idx="minor">
-              <a:schemeClr val="lt1"/>
-            </a:fontRef>
-          </p:style>
-          <p:txBody>
-            <a:bodyPr rtlCol="0" anchor="ctr"/>
-            <a:lstStyle/>
-            <a:p>
-              <a:pPr algn="ctr"/>
-              <a:endParaRPr lang="pt-BR"/>
-            </a:p>
-          </p:txBody>
-        </p:sp>
-        <p:cxnSp>
-          <p:nvCxnSpPr>
-            <p:cNvPr id="118" name="Conector reto 117"/>
-            <p:cNvCxnSpPr/>
-            <p:nvPr/>
-          </p:nvCxnSpPr>
-          <p:spPr>
-            <a:xfrm>
-              <a:off x="4067944" y="1772816"/>
-              <a:ext cx="576064" cy="576064"/>
-            </a:xfrm>
-            <a:prstGeom prst="line">
-              <a:avLst/>
-            </a:prstGeom>
-            <a:grpFill/>
-            <a:ln w="28575">
-              <a:solidFill>
-                <a:schemeClr val="tx1"/>
-              </a:solidFill>
-            </a:ln>
-          </p:spPr>
-          <p:style>
-            <a:lnRef idx="1">
-              <a:schemeClr val="accent1"/>
-            </a:lnRef>
-            <a:fillRef idx="0">
-              <a:schemeClr val="accent1"/>
-            </a:fillRef>
-            <a:effectRef idx="0">
-              <a:schemeClr val="accent1"/>
-            </a:effectRef>
-            <a:fontRef idx="minor">
-              <a:schemeClr val="tx1"/>
-            </a:fontRef>
-          </p:style>
-        </p:cxnSp>
-        <p:cxnSp>
-          <p:nvCxnSpPr>
-            <p:cNvPr id="119" name="Conector reto 118"/>
-            <p:cNvCxnSpPr/>
-            <p:nvPr/>
-          </p:nvCxnSpPr>
-          <p:spPr>
-            <a:xfrm flipV="1">
-              <a:off x="4067944" y="1772816"/>
-              <a:ext cx="576064" cy="576064"/>
-            </a:xfrm>
-            <a:prstGeom prst="line">
-              <a:avLst/>
-            </a:prstGeom>
-            <a:grpFill/>
-            <a:ln w="28575">
-              <a:solidFill>
-                <a:schemeClr val="tx1"/>
-              </a:solidFill>
-            </a:ln>
-          </p:spPr>
-          <p:style>
-            <a:lnRef idx="1">
-              <a:schemeClr val="accent1"/>
-            </a:lnRef>
-            <a:fillRef idx="0">
-              <a:schemeClr val="accent1"/>
-            </a:fillRef>
-            <a:effectRef idx="0">
-              <a:schemeClr val="accent1"/>
-            </a:effectRef>
-            <a:fontRef idx="minor">
-              <a:schemeClr val="tx1"/>
-            </a:fontRef>
-          </p:style>
-        </p:cxnSp>
-      </p:grpSp>
+            </a:endParaRPr>
+          </a:p>
+        </p:txBody>
+      </p:sp>
     </p:spTree>
   </p:cSld>
   <p:clrMapOvr>
@@ -24173,7 +25458,7 @@
                                           </p:stCondLst>
                                         </p:cTn>
                                         <p:tgtEl>
-                                          <p:spTgt spid="95"/>
+                                          <p:spTgt spid="96"/>
                                         </p:tgtEl>
                                         <p:attrNameLst>
                                           <p:attrName>style.visibility</p:attrName>
@@ -24187,46 +25472,28 @@
                                       <p:cBhvr>
                                         <p:cTn id="79" dur="500"/>
                                         <p:tgtEl>
-                                          <p:spTgt spid="95"/>
+                                          <p:spTgt spid="96"/>
                                         </p:tgtEl>
                                       </p:cBhvr>
                                     </p:animEffect>
                                   </p:childTnLst>
                                 </p:cTn>
                               </p:par>
-                            </p:childTnLst>
-                          </p:cTn>
-                        </p:par>
-                      </p:childTnLst>
-                    </p:cTn>
-                  </p:par>
-                  <p:par>
-                    <p:cTn id="80" fill="hold">
-                      <p:stCondLst>
-                        <p:cond delay="indefinite"/>
-                      </p:stCondLst>
-                      <p:childTnLst>
-                        <p:par>
-                          <p:cTn id="81" fill="hold">
-                            <p:stCondLst>
-                              <p:cond delay="0"/>
-                            </p:stCondLst>
-                            <p:childTnLst>
                               <p:par>
-                                <p:cTn id="82" presetID="3" presetClass="entr" presetSubtype="10" fill="hold" nodeType="clickEffect">
+                                <p:cTn id="80" presetID="3" presetClass="entr" presetSubtype="10" fill="hold" grpId="0" nodeType="withEffect">
                                   <p:stCondLst>
                                     <p:cond delay="0"/>
                                   </p:stCondLst>
                                   <p:childTnLst>
                                     <p:set>
                                       <p:cBhvr>
-                                        <p:cTn id="83" dur="1" fill="hold">
+                                        <p:cTn id="81" dur="1" fill="hold">
                                           <p:stCondLst>
                                             <p:cond delay="0"/>
                                           </p:stCondLst>
                                         </p:cTn>
                                         <p:tgtEl>
-                                          <p:spTgt spid="116"/>
+                                          <p:spTgt spid="101"/>
                                         </p:tgtEl>
                                         <p:attrNameLst>
                                           <p:attrName>style.visibility</p:attrName>
@@ -24238,9 +25505,9 @@
                                     </p:set>
                                     <p:animEffect transition="in" filter="blinds(horizontal)">
                                       <p:cBhvr>
-                                        <p:cTn id="84" dur="500"/>
+                                        <p:cTn id="82" dur="500"/>
                                         <p:tgtEl>
-                                          <p:spTgt spid="116"/>
+                                          <p:spTgt spid="101"/>
                                         </p:tgtEl>
                                       </p:cBhvr>
                                     </p:animEffect>
@@ -24248,49 +25515,14 @@
                                 </p:cTn>
                               </p:par>
                               <p:par>
-                                <p:cTn id="85" presetID="3" presetClass="entr" presetSubtype="10" fill="hold" nodeType="withEffect">
+                                <p:cTn id="83" presetID="2" presetClass="entr" presetSubtype="8" fill="hold" nodeType="withEffect">
                                   <p:stCondLst>
                                     <p:cond delay="0"/>
                                   </p:stCondLst>
                                   <p:childTnLst>
                                     <p:set>
                                       <p:cBhvr>
-                                        <p:cTn id="86" dur="1" fill="hold">
-                                          <p:stCondLst>
-                                            <p:cond delay="0"/>
-                                          </p:stCondLst>
-                                        </p:cTn>
-                                        <p:tgtEl>
-                                          <p:spTgt spid="120"/>
-                                        </p:tgtEl>
-                                        <p:attrNameLst>
-                                          <p:attrName>style.visibility</p:attrName>
-                                        </p:attrNameLst>
-                                      </p:cBhvr>
-                                      <p:to>
-                                        <p:strVal val="visible"/>
-                                      </p:to>
-                                    </p:set>
-                                    <p:animEffect transition="in" filter="blinds(horizontal)">
-                                      <p:cBhvr>
-                                        <p:cTn id="87" dur="500"/>
-                                        <p:tgtEl>
-                                          <p:spTgt spid="120"/>
-                                        </p:tgtEl>
-                                      </p:cBhvr>
-                                    </p:animEffect>
-                                  </p:childTnLst>
-                                </p:cTn>
-                              </p:par>
-                              <p:par>
-                                <p:cTn id="88" presetID="2" presetClass="entr" presetSubtype="8" fill="hold" nodeType="withEffect">
-                                  <p:stCondLst>
-                                    <p:cond delay="0"/>
-                                  </p:stCondLst>
-                                  <p:childTnLst>
-                                    <p:set>
-                                      <p:cBhvr>
-                                        <p:cTn id="89" dur="1" fill="hold">
+                                        <p:cTn id="84" dur="1" fill="hold">
                                           <p:stCondLst>
                                             <p:cond delay="0"/>
                                           </p:stCondLst>
@@ -24312,7 +25544,7 @@
                                     </p:set>
                                     <p:anim calcmode="lin" valueType="num">
                                       <p:cBhvr additive="base">
-                                        <p:cTn id="90" dur="500" fill="hold"/>
+                                        <p:cTn id="85" dur="500" fill="hold"/>
                                         <p:tgtEl>
                                           <p:spTgt spid="73">
                                             <p:txEl>
@@ -24339,7 +25571,7 @@
                                     </p:anim>
                                     <p:anim calcmode="lin" valueType="num">
                                       <p:cBhvr additive="base">
-                                        <p:cTn id="91" dur="500" fill="hold"/>
+                                        <p:cTn id="86" dur="500" fill="hold"/>
                                         <p:tgtEl>
                                           <p:spTgt spid="73">
                                             <p:txEl>
@@ -24374,26 +25606,26 @@
                     </p:cTn>
                   </p:par>
                   <p:par>
-                    <p:cTn id="92" fill="hold">
+                    <p:cTn id="87" fill="hold">
                       <p:stCondLst>
                         <p:cond delay="indefinite"/>
                       </p:stCondLst>
                       <p:childTnLst>
                         <p:par>
-                          <p:cTn id="93" fill="hold">
+                          <p:cTn id="88" fill="hold">
                             <p:stCondLst>
                               <p:cond delay="0"/>
                             </p:stCondLst>
                             <p:childTnLst>
                               <p:par>
-                                <p:cTn id="94" presetID="3" presetClass="entr" presetSubtype="10" fill="hold" grpId="0" nodeType="clickEffect">
+                                <p:cTn id="89" presetID="3" presetClass="entr" presetSubtype="10" fill="hold" grpId="0" nodeType="clickEffect">
                                   <p:stCondLst>
                                     <p:cond delay="0"/>
                                   </p:stCondLst>
                                   <p:childTnLst>
                                     <p:set>
                                       <p:cBhvr>
-                                        <p:cTn id="95" dur="1" fill="hold">
+                                        <p:cTn id="90" dur="1" fill="hold">
                                           <p:stCondLst>
                                             <p:cond delay="0"/>
                                           </p:stCondLst>
@@ -24411,7 +25643,7 @@
                                     </p:set>
                                     <p:animEffect transition="in" filter="blinds(horizontal)">
                                       <p:cBhvr>
-                                        <p:cTn id="96" dur="500"/>
+                                        <p:cTn id="91" dur="500"/>
                                         <p:tgtEl>
                                           <p:spTgt spid="70"/>
                                         </p:tgtEl>
@@ -24427,26 +25659,26 @@
                     </p:cTn>
                   </p:par>
                   <p:par>
-                    <p:cTn id="97" fill="hold">
+                    <p:cTn id="92" fill="hold">
                       <p:stCondLst>
                         <p:cond delay="indefinite"/>
                       </p:stCondLst>
                       <p:childTnLst>
                         <p:par>
-                          <p:cTn id="98" fill="hold">
+                          <p:cTn id="93" fill="hold">
                             <p:stCondLst>
                               <p:cond delay="0"/>
                             </p:stCondLst>
                             <p:childTnLst>
                               <p:par>
-                                <p:cTn id="99" presetID="2" presetClass="entr" presetSubtype="8" fill="hold" nodeType="clickEffect">
+                                <p:cTn id="94" presetID="2" presetClass="entr" presetSubtype="8" fill="hold" nodeType="clickEffect">
                                   <p:stCondLst>
                                     <p:cond delay="0"/>
                                   </p:stCondLst>
                                   <p:childTnLst>
                                     <p:set>
                                       <p:cBhvr>
-                                        <p:cTn id="100" dur="1" fill="hold">
+                                        <p:cTn id="95" dur="1" fill="hold">
                                           <p:stCondLst>
                                             <p:cond delay="0"/>
                                           </p:stCondLst>
@@ -24468,7 +25700,7 @@
                                     </p:set>
                                     <p:anim calcmode="lin" valueType="num">
                                       <p:cBhvr additive="base">
-                                        <p:cTn id="101" dur="500" fill="hold"/>
+                                        <p:cTn id="96" dur="500" fill="hold"/>
                                         <p:tgtEl>
                                           <p:spTgt spid="73">
                                             <p:txEl>
@@ -24495,7 +25727,7 @@
                                     </p:anim>
                                     <p:anim calcmode="lin" valueType="num">
                                       <p:cBhvr additive="base">
-                                        <p:cTn id="102" dur="500" fill="hold"/>
+                                        <p:cTn id="97" dur="500" fill="hold"/>
                                         <p:tgtEl>
                                           <p:spTgt spid="73">
                                             <p:txEl>
@@ -24530,26 +25762,26 @@
                     </p:cTn>
                   </p:par>
                   <p:par>
-                    <p:cTn id="103" fill="hold">
+                    <p:cTn id="98" fill="hold">
                       <p:stCondLst>
                         <p:cond delay="indefinite"/>
                       </p:stCondLst>
                       <p:childTnLst>
                         <p:par>
-                          <p:cTn id="104" fill="hold">
+                          <p:cTn id="99" fill="hold">
                             <p:stCondLst>
                               <p:cond delay="0"/>
                             </p:stCondLst>
                             <p:childTnLst>
                               <p:par>
-                                <p:cTn id="105" presetID="2" presetClass="entr" presetSubtype="8" fill="hold" nodeType="clickEffect">
+                                <p:cTn id="100" presetID="2" presetClass="entr" presetSubtype="8" fill="hold" nodeType="clickEffect">
                                   <p:stCondLst>
                                     <p:cond delay="0"/>
                                   </p:stCondLst>
                                   <p:childTnLst>
                                     <p:set>
                                       <p:cBhvr>
-                                        <p:cTn id="106" dur="1" fill="hold">
+                                        <p:cTn id="101" dur="1" fill="hold">
                                           <p:stCondLst>
                                             <p:cond delay="0"/>
                                           </p:stCondLst>
@@ -24571,7 +25803,7 @@
                                     </p:set>
                                     <p:anim calcmode="lin" valueType="num">
                                       <p:cBhvr additive="base">
-                                        <p:cTn id="107" dur="500" fill="hold"/>
+                                        <p:cTn id="102" dur="500" fill="hold"/>
                                         <p:tgtEl>
                                           <p:spTgt spid="73">
                                             <p:txEl>
@@ -24598,7 +25830,7 @@
                                     </p:anim>
                                     <p:anim calcmode="lin" valueType="num">
                                       <p:cBhvr additive="base">
-                                        <p:cTn id="108" dur="500" fill="hold"/>
+                                        <p:cTn id="103" dur="500" fill="hold"/>
                                         <p:tgtEl>
                                           <p:spTgt spid="73">
                                             <p:txEl>
@@ -24627,14 +25859,14 @@
                                 </p:cTn>
                               </p:par>
                               <p:par>
-                                <p:cTn id="109" presetID="3" presetClass="entr" presetSubtype="10" fill="hold" grpId="0" nodeType="withEffect">
+                                <p:cTn id="104" presetID="3" presetClass="entr" presetSubtype="10" fill="hold" grpId="0" nodeType="withEffect">
                                   <p:stCondLst>
                                     <p:cond delay="0"/>
                                   </p:stCondLst>
                                   <p:childTnLst>
                                     <p:set>
                                       <p:cBhvr>
-                                        <p:cTn id="110" dur="1" fill="hold">
+                                        <p:cTn id="105" dur="1" fill="hold">
                                           <p:stCondLst>
                                             <p:cond delay="0"/>
                                           </p:stCondLst>
@@ -24652,7 +25884,7 @@
                                     </p:set>
                                     <p:animEffect transition="in" filter="blinds(horizontal)">
                                       <p:cBhvr>
-                                        <p:cTn id="111" dur="500"/>
+                                        <p:cTn id="106" dur="500"/>
                                         <p:tgtEl>
                                           <p:spTgt spid="42"/>
                                         </p:tgtEl>
@@ -24668,26 +25900,26 @@
                     </p:cTn>
                   </p:par>
                   <p:par>
-                    <p:cTn id="112" fill="hold">
+                    <p:cTn id="107" fill="hold">
                       <p:stCondLst>
                         <p:cond delay="indefinite"/>
                       </p:stCondLst>
                       <p:childTnLst>
                         <p:par>
-                          <p:cTn id="113" fill="hold">
+                          <p:cTn id="108" fill="hold">
                             <p:stCondLst>
                               <p:cond delay="0"/>
                             </p:stCondLst>
                             <p:childTnLst>
                               <p:par>
-                                <p:cTn id="114" presetID="2" presetClass="entr" presetSubtype="8" fill="hold" nodeType="clickEffect">
+                                <p:cTn id="109" presetID="2" presetClass="entr" presetSubtype="8" fill="hold" nodeType="clickEffect">
                                   <p:stCondLst>
                                     <p:cond delay="0"/>
                                   </p:stCondLst>
                                   <p:childTnLst>
                                     <p:set>
                                       <p:cBhvr>
-                                        <p:cTn id="115" dur="1" fill="hold">
+                                        <p:cTn id="110" dur="1" fill="hold">
                                           <p:stCondLst>
                                             <p:cond delay="0"/>
                                           </p:stCondLst>
@@ -24709,7 +25941,7 @@
                                     </p:set>
                                     <p:anim calcmode="lin" valueType="num">
                                       <p:cBhvr additive="base">
-                                        <p:cTn id="116" dur="500" fill="hold"/>
+                                        <p:cTn id="111" dur="500" fill="hold"/>
                                         <p:tgtEl>
                                           <p:spTgt spid="73">
                                             <p:txEl>
@@ -24736,7 +25968,7 @@
                                     </p:anim>
                                     <p:anim calcmode="lin" valueType="num">
                                       <p:cBhvr additive="base">
-                                        <p:cTn id="117" dur="500" fill="hold"/>
+                                        <p:cTn id="112" dur="500" fill="hold"/>
                                         <p:tgtEl>
                                           <p:spTgt spid="73">
                                             <p:txEl>
@@ -24771,40 +26003,40 @@
                     </p:cTn>
                   </p:par>
                   <p:par>
-                    <p:cTn id="118" fill="hold">
+                    <p:cTn id="113" fill="hold">
                       <p:stCondLst>
                         <p:cond delay="indefinite"/>
                       </p:stCondLst>
                       <p:childTnLst>
                         <p:par>
-                          <p:cTn id="119" fill="hold">
+                          <p:cTn id="114" fill="hold">
                             <p:stCondLst>
                               <p:cond delay="0"/>
                             </p:stCondLst>
                             <p:childTnLst>
                               <p:par>
-                                <p:cTn id="120" presetID="3" presetClass="exit" presetSubtype="10" fill="hold" nodeType="clickEffect">
+                                <p:cTn id="115" presetID="3" presetClass="exit" presetSubtype="10" fill="hold" grpId="1" nodeType="clickEffect">
                                   <p:stCondLst>
                                     <p:cond delay="0"/>
                                   </p:stCondLst>
                                   <p:childTnLst>
                                     <p:animEffect transition="out" filter="blinds(horizontal)">
                                       <p:cBhvr>
-                                        <p:cTn id="121" dur="500"/>
+                                        <p:cTn id="116" dur="500"/>
                                         <p:tgtEl>
-                                          <p:spTgt spid="116"/>
+                                          <p:spTgt spid="96"/>
                                         </p:tgtEl>
                                       </p:cBhvr>
                                     </p:animEffect>
                                     <p:set>
                                       <p:cBhvr>
-                                        <p:cTn id="122" dur="1" fill="hold">
+                                        <p:cTn id="117" dur="1" fill="hold">
                                           <p:stCondLst>
                                             <p:cond delay="499"/>
                                           </p:stCondLst>
                                         </p:cTn>
                                         <p:tgtEl>
-                                          <p:spTgt spid="116"/>
+                                          <p:spTgt spid="96"/>
                                         </p:tgtEl>
                                         <p:attrNameLst>
                                           <p:attrName>style.visibility</p:attrName>
@@ -24818,28 +26050,28 @@
                                 </p:cTn>
                               </p:par>
                               <p:par>
-                                <p:cTn id="123" presetID="3" presetClass="exit" presetSubtype="10" fill="hold" nodeType="withEffect">
+                                <p:cTn id="118" presetID="3" presetClass="exit" presetSubtype="10" fill="hold" grpId="1" nodeType="withEffect">
                                   <p:stCondLst>
                                     <p:cond delay="0"/>
                                   </p:stCondLst>
                                   <p:childTnLst>
                                     <p:animEffect transition="out" filter="blinds(horizontal)">
                                       <p:cBhvr>
-                                        <p:cTn id="124" dur="500"/>
+                                        <p:cTn id="119" dur="500"/>
                                         <p:tgtEl>
-                                          <p:spTgt spid="120"/>
+                                          <p:spTgt spid="101"/>
                                         </p:tgtEl>
                                       </p:cBhvr>
                                     </p:animEffect>
                                     <p:set>
                                       <p:cBhvr>
-                                        <p:cTn id="125" dur="1" fill="hold">
+                                        <p:cTn id="120" dur="1" fill="hold">
                                           <p:stCondLst>
                                             <p:cond delay="499"/>
                                           </p:stCondLst>
                                         </p:cTn>
                                         <p:tgtEl>
-                                          <p:spTgt spid="120"/>
+                                          <p:spTgt spid="101"/>
                                         </p:tgtEl>
                                         <p:attrNameLst>
                                           <p:attrName>style.visibility</p:attrName>
@@ -24859,26 +26091,26 @@
                     </p:cTn>
                   </p:par>
                   <p:par>
-                    <p:cTn id="126" fill="hold">
+                    <p:cTn id="121" fill="hold">
                       <p:stCondLst>
                         <p:cond delay="indefinite"/>
                       </p:stCondLst>
                       <p:childTnLst>
                         <p:par>
-                          <p:cTn id="127" fill="hold">
+                          <p:cTn id="122" fill="hold">
                             <p:stCondLst>
                               <p:cond delay="0"/>
                             </p:stCondLst>
                             <p:childTnLst>
                               <p:par>
-                                <p:cTn id="128" presetID="2" presetClass="entr" presetSubtype="2" fill="hold" nodeType="clickEffect">
+                                <p:cTn id="123" presetID="2" presetClass="entr" presetSubtype="2" fill="hold" nodeType="clickEffect">
                                   <p:stCondLst>
                                     <p:cond delay="0"/>
                                   </p:stCondLst>
                                   <p:childTnLst>
                                     <p:set>
                                       <p:cBhvr>
-                                        <p:cTn id="129" dur="1" fill="hold">
+                                        <p:cTn id="124" dur="1" fill="hold">
                                           <p:stCondLst>
                                             <p:cond delay="0"/>
                                           </p:stCondLst>
@@ -24900,7 +26132,7 @@
                                     </p:set>
                                     <p:anim calcmode="lin" valueType="num">
                                       <p:cBhvr additive="base">
-                                        <p:cTn id="130" dur="500" fill="hold"/>
+                                        <p:cTn id="125" dur="500" fill="hold"/>
                                         <p:tgtEl>
                                           <p:spTgt spid="75">
                                             <p:txEl>
@@ -24927,7 +26159,7 @@
                                     </p:anim>
                                     <p:anim calcmode="lin" valueType="num">
                                       <p:cBhvr additive="base">
-                                        <p:cTn id="131" dur="500" fill="hold"/>
+                                        <p:cTn id="126" dur="500" fill="hold"/>
                                         <p:tgtEl>
                                           <p:spTgt spid="75">
                                             <p:txEl>
@@ -24956,20 +26188,20 @@
                                 </p:cTn>
                               </p:par>
                               <p:par>
-                                <p:cTn id="132" presetID="3" presetClass="entr" presetSubtype="10" fill="hold" nodeType="withEffect">
+                                <p:cTn id="127" presetID="3" presetClass="entr" presetSubtype="10" fill="hold" grpId="0" nodeType="withEffect">
                                   <p:stCondLst>
                                     <p:cond delay="0"/>
                                   </p:stCondLst>
                                   <p:childTnLst>
                                     <p:set>
                                       <p:cBhvr>
-                                        <p:cTn id="133" dur="1" fill="hold">
+                                        <p:cTn id="128" dur="1" fill="hold">
                                           <p:stCondLst>
                                             <p:cond delay="0"/>
                                           </p:stCondLst>
                                         </p:cTn>
                                         <p:tgtEl>
-                                          <p:spTgt spid="76"/>
+                                          <p:spTgt spid="104"/>
                                         </p:tgtEl>
                                         <p:attrNameLst>
                                           <p:attrName>style.visibility</p:attrName>
@@ -24981,9 +26213,9 @@
                                     </p:set>
                                     <p:animEffect transition="in" filter="blinds(horizontal)">
                                       <p:cBhvr>
-                                        <p:cTn id="134" dur="500"/>
+                                        <p:cTn id="129" dur="500"/>
                                         <p:tgtEl>
-                                          <p:spTgt spid="76"/>
+                                          <p:spTgt spid="104"/>
                                         </p:tgtEl>
                                       </p:cBhvr>
                                     </p:animEffect>
@@ -24991,14 +26223,14 @@
                                 </p:cTn>
                               </p:par>
                               <p:par>
-                                <p:cTn id="135" presetID="3" presetClass="exit" presetSubtype="10" fill="hold" grpId="1" nodeType="withEffect">
+                                <p:cTn id="130" presetID="3" presetClass="exit" presetSubtype="10" fill="hold" grpId="1" nodeType="withEffect">
                                   <p:stCondLst>
                                     <p:cond delay="0"/>
                                   </p:stCondLst>
                                   <p:childTnLst>
                                     <p:animEffect transition="out" filter="blinds(horizontal)">
                                       <p:cBhvr>
-                                        <p:cTn id="136" dur="500"/>
+                                        <p:cTn id="131" dur="500"/>
                                         <p:tgtEl>
                                           <p:spTgt spid="70"/>
                                         </p:tgtEl>
@@ -25006,7 +26238,7 @@
                                     </p:animEffect>
                                     <p:set>
                                       <p:cBhvr>
-                                        <p:cTn id="137" dur="1" fill="hold">
+                                        <p:cTn id="132" dur="1" fill="hold">
                                           <p:stCondLst>
                                             <p:cond delay="499"/>
                                           </p:stCondLst>
@@ -25026,20 +26258,20 @@
                                 </p:cTn>
                               </p:par>
                               <p:par>
-                                <p:cTn id="138" presetID="3" presetClass="entr" presetSubtype="10" fill="hold" nodeType="withEffect">
+                                <p:cTn id="133" presetID="3" presetClass="entr" presetSubtype="10" fill="hold" grpId="2" nodeType="withEffect">
                                   <p:stCondLst>
                                     <p:cond delay="0"/>
                                   </p:stCondLst>
                                   <p:childTnLst>
                                     <p:set>
                                       <p:cBhvr>
-                                        <p:cTn id="139" dur="1" fill="hold">
+                                        <p:cTn id="134" dur="1" fill="hold">
                                           <p:stCondLst>
                                             <p:cond delay="0"/>
                                           </p:stCondLst>
                                         </p:cTn>
                                         <p:tgtEl>
-                                          <p:spTgt spid="116"/>
+                                          <p:spTgt spid="96"/>
                                         </p:tgtEl>
                                         <p:attrNameLst>
                                           <p:attrName>style.visibility</p:attrName>
@@ -25051,9 +26283,9 @@
                                     </p:set>
                                     <p:animEffect transition="in" filter="blinds(horizontal)">
                                       <p:cBhvr>
-                                        <p:cTn id="140" dur="500"/>
+                                        <p:cTn id="135" dur="500"/>
                                         <p:tgtEl>
-                                          <p:spTgt spid="116"/>
+                                          <p:spTgt spid="96"/>
                                         </p:tgtEl>
                                       </p:cBhvr>
                                     </p:animEffect>
@@ -25067,26 +26299,26 @@
                     </p:cTn>
                   </p:par>
                   <p:par>
-                    <p:cTn id="141" fill="hold">
+                    <p:cTn id="136" fill="hold">
                       <p:stCondLst>
                         <p:cond delay="indefinite"/>
                       </p:stCondLst>
                       <p:childTnLst>
                         <p:par>
-                          <p:cTn id="142" fill="hold">
+                          <p:cTn id="137" fill="hold">
                             <p:stCondLst>
                               <p:cond delay="0"/>
                             </p:stCondLst>
                             <p:childTnLst>
                               <p:par>
-                                <p:cTn id="143" presetID="2" presetClass="entr" presetSubtype="2" fill="hold" nodeType="clickEffect">
+                                <p:cTn id="138" presetID="2" presetClass="entr" presetSubtype="2" fill="hold" nodeType="clickEffect">
                                   <p:stCondLst>
                                     <p:cond delay="0"/>
                                   </p:stCondLst>
                                   <p:childTnLst>
                                     <p:set>
                                       <p:cBhvr>
-                                        <p:cTn id="144" dur="1" fill="hold">
+                                        <p:cTn id="139" dur="1" fill="hold">
                                           <p:stCondLst>
                                             <p:cond delay="0"/>
                                           </p:stCondLst>
@@ -25108,7 +26340,7 @@
                                     </p:set>
                                     <p:anim calcmode="lin" valueType="num">
                                       <p:cBhvr additive="base">
-                                        <p:cTn id="145" dur="500" fill="hold"/>
+                                        <p:cTn id="140" dur="500" fill="hold"/>
                                         <p:tgtEl>
                                           <p:spTgt spid="75">
                                             <p:txEl>
@@ -25135,7 +26367,7 @@
                                     </p:anim>
                                     <p:anim calcmode="lin" valueType="num">
                                       <p:cBhvr additive="base">
-                                        <p:cTn id="146" dur="500" fill="hold"/>
+                                        <p:cTn id="141" dur="500" fill="hold"/>
                                         <p:tgtEl>
                                           <p:spTgt spid="75">
                                             <p:txEl>
@@ -25170,26 +26402,26 @@
                     </p:cTn>
                   </p:par>
                   <p:par>
-                    <p:cTn id="147" fill="hold">
+                    <p:cTn id="142" fill="hold">
                       <p:stCondLst>
                         <p:cond delay="indefinite"/>
                       </p:stCondLst>
                       <p:childTnLst>
                         <p:par>
-                          <p:cTn id="148" fill="hold">
+                          <p:cTn id="143" fill="hold">
                             <p:stCondLst>
                               <p:cond delay="0"/>
                             </p:stCondLst>
                             <p:childTnLst>
                               <p:par>
-                                <p:cTn id="149" presetID="2" presetClass="entr" presetSubtype="2" fill="hold" nodeType="clickEffect">
+                                <p:cTn id="144" presetID="2" presetClass="entr" presetSubtype="2" fill="hold" nodeType="clickEffect">
                                   <p:stCondLst>
                                     <p:cond delay="0"/>
                                   </p:stCondLst>
                                   <p:childTnLst>
                                     <p:set>
                                       <p:cBhvr>
-                                        <p:cTn id="150" dur="1" fill="hold">
+                                        <p:cTn id="145" dur="1" fill="hold">
                                           <p:stCondLst>
                                             <p:cond delay="0"/>
                                           </p:stCondLst>
@@ -25211,7 +26443,7 @@
                                     </p:set>
                                     <p:anim calcmode="lin" valueType="num">
                                       <p:cBhvr additive="base">
-                                        <p:cTn id="151" dur="500" fill="hold"/>
+                                        <p:cTn id="146" dur="500" fill="hold"/>
                                         <p:tgtEl>
                                           <p:spTgt spid="75">
                                             <p:txEl>
@@ -25238,7 +26470,7 @@
                                     </p:anim>
                                     <p:anim calcmode="lin" valueType="num">
                                       <p:cBhvr additive="base">
-                                        <p:cTn id="152" dur="500" fill="hold"/>
+                                        <p:cTn id="147" dur="500" fill="hold"/>
                                         <p:tgtEl>
                                           <p:spTgt spid="75">
                                             <p:txEl>
@@ -25267,14 +26499,14 @@
                                 </p:cTn>
                               </p:par>
                               <p:par>
-                                <p:cTn id="153" presetID="3" presetClass="entr" presetSubtype="10" fill="hold" grpId="0" nodeType="withEffect">
+                                <p:cTn id="148" presetID="3" presetClass="entr" presetSubtype="10" fill="hold" grpId="0" nodeType="withEffect">
                                   <p:stCondLst>
                                     <p:cond delay="0"/>
                                   </p:stCondLst>
                                   <p:childTnLst>
                                     <p:set>
                                       <p:cBhvr>
-                                        <p:cTn id="154" dur="1" fill="hold">
+                                        <p:cTn id="149" dur="1" fill="hold">
                                           <p:stCondLst>
                                             <p:cond delay="0"/>
                                           </p:stCondLst>
@@ -25292,7 +26524,7 @@
                                     </p:set>
                                     <p:animEffect transition="in" filter="blinds(horizontal)">
                                       <p:cBhvr>
-                                        <p:cTn id="155" dur="500"/>
+                                        <p:cTn id="150" dur="500"/>
                                         <p:tgtEl>
                                           <p:spTgt spid="83"/>
                                         </p:tgtEl>
@@ -25308,26 +26540,26 @@
                     </p:cTn>
                   </p:par>
                   <p:par>
-                    <p:cTn id="156" fill="hold">
+                    <p:cTn id="151" fill="hold">
                       <p:stCondLst>
                         <p:cond delay="indefinite"/>
                       </p:stCondLst>
                       <p:childTnLst>
                         <p:par>
-                          <p:cTn id="157" fill="hold">
+                          <p:cTn id="152" fill="hold">
                             <p:stCondLst>
                               <p:cond delay="0"/>
                             </p:stCondLst>
                             <p:childTnLst>
                               <p:par>
-                                <p:cTn id="158" presetID="2" presetClass="entr" presetSubtype="2" fill="hold" nodeType="clickEffect">
+                                <p:cTn id="153" presetID="2" presetClass="entr" presetSubtype="2" fill="hold" nodeType="clickEffect">
                                   <p:stCondLst>
                                     <p:cond delay="0"/>
                                   </p:stCondLst>
                                   <p:childTnLst>
                                     <p:set>
                                       <p:cBhvr>
-                                        <p:cTn id="159" dur="1" fill="hold">
+                                        <p:cTn id="154" dur="1" fill="hold">
                                           <p:stCondLst>
                                             <p:cond delay="0"/>
                                           </p:stCondLst>
@@ -25349,7 +26581,7 @@
                                     </p:set>
                                     <p:anim calcmode="lin" valueType="num">
                                       <p:cBhvr additive="base">
-                                        <p:cTn id="160" dur="500" fill="hold"/>
+                                        <p:cTn id="155" dur="500" fill="hold"/>
                                         <p:tgtEl>
                                           <p:spTgt spid="75">
                                             <p:txEl>
@@ -25376,7 +26608,7 @@
                                     </p:anim>
                                     <p:anim calcmode="lin" valueType="num">
                                       <p:cBhvr additive="base">
-                                        <p:cTn id="161" dur="500" fill="hold"/>
+                                        <p:cTn id="156" dur="500" fill="hold"/>
                                         <p:tgtEl>
                                           <p:spTgt spid="75">
                                             <p:txEl>
@@ -25404,47 +26636,29 @@
                                   </p:childTnLst>
                                 </p:cTn>
                               </p:par>
-                            </p:childTnLst>
-                          </p:cTn>
-                        </p:par>
-                      </p:childTnLst>
-                    </p:cTn>
-                  </p:par>
-                  <p:par>
-                    <p:cTn id="162" fill="hold">
-                      <p:stCondLst>
-                        <p:cond delay="indefinite"/>
-                      </p:stCondLst>
-                      <p:childTnLst>
-                        <p:par>
-                          <p:cTn id="163" fill="hold">
-                            <p:stCondLst>
-                              <p:cond delay="0"/>
-                            </p:stCondLst>
-                            <p:childTnLst>
                               <p:par>
-                                <p:cTn id="164" presetID="3" presetClass="exit" presetSubtype="10" fill="hold" nodeType="clickEffect">
+                                <p:cTn id="157" presetID="3" presetClass="exit" presetSubtype="10" fill="hold" grpId="3" nodeType="withEffect">
                                   <p:stCondLst>
                                     <p:cond delay="0"/>
                                   </p:stCondLst>
                                   <p:childTnLst>
                                     <p:animEffect transition="out" filter="blinds(horizontal)">
                                       <p:cBhvr>
-                                        <p:cTn id="165" dur="500"/>
+                                        <p:cTn id="158" dur="500"/>
                                         <p:tgtEl>
-                                          <p:spTgt spid="76"/>
+                                          <p:spTgt spid="96"/>
                                         </p:tgtEl>
                                       </p:cBhvr>
                                     </p:animEffect>
                                     <p:set>
                                       <p:cBhvr>
-                                        <p:cTn id="166" dur="1" fill="hold">
+                                        <p:cTn id="159" dur="1" fill="hold">
                                           <p:stCondLst>
                                             <p:cond delay="499"/>
                                           </p:stCondLst>
                                         </p:cTn>
                                         <p:tgtEl>
-                                          <p:spTgt spid="76"/>
+                                          <p:spTgt spid="96"/>
                                         </p:tgtEl>
                                         <p:attrNameLst>
                                           <p:attrName>style.visibility</p:attrName>
@@ -25458,28 +26672,28 @@
                                 </p:cTn>
                               </p:par>
                               <p:par>
-                                <p:cTn id="167" presetID="3" presetClass="exit" presetSubtype="10" fill="hold" nodeType="withEffect">
+                                <p:cTn id="160" presetID="3" presetClass="exit" presetSubtype="10" fill="hold" grpId="1" nodeType="withEffect">
                                   <p:stCondLst>
                                     <p:cond delay="0"/>
                                   </p:stCondLst>
                                   <p:childTnLst>
                                     <p:animEffect transition="out" filter="blinds(horizontal)">
                                       <p:cBhvr>
-                                        <p:cTn id="168" dur="500"/>
+                                        <p:cTn id="161" dur="500"/>
                                         <p:tgtEl>
-                                          <p:spTgt spid="116"/>
+                                          <p:spTgt spid="104"/>
                                         </p:tgtEl>
                                       </p:cBhvr>
                                     </p:animEffect>
                                     <p:set>
                                       <p:cBhvr>
-                                        <p:cTn id="169" dur="1" fill="hold">
+                                        <p:cTn id="162" dur="1" fill="hold">
                                           <p:stCondLst>
                                             <p:cond delay="499"/>
                                           </p:stCondLst>
                                         </p:cTn>
                                         <p:tgtEl>
-                                          <p:spTgt spid="116"/>
+                                          <p:spTgt spid="104"/>
                                         </p:tgtEl>
                                         <p:attrNameLst>
                                           <p:attrName>style.visibility</p:attrName>
@@ -25531,10 +26745,17 @@
       <p:bldP spid="99" grpId="0"/>
       <p:bldP spid="100" grpId="0"/>
       <p:bldP spid="42" grpId="0" animBg="1"/>
+      <p:bldP spid="83" grpId="0" animBg="1"/>
+      <p:bldP spid="96" grpId="0" animBg="1"/>
+      <p:bldP spid="96" grpId="1" animBg="1"/>
+      <p:bldP spid="96" grpId="2" animBg="1"/>
+      <p:bldP spid="96" grpId="3" animBg="1"/>
+      <p:bldP spid="101" grpId="0" animBg="1"/>
+      <p:bldP spid="101" grpId="1" animBg="1"/>
+      <p:bldP spid="104" grpId="0" animBg="1"/>
+      <p:bldP spid="104" grpId="1" animBg="1"/>
       <p:bldP spid="70" grpId="0" animBg="1"/>
       <p:bldP spid="70" grpId="1" animBg="1"/>
-      <p:bldP spid="83" grpId="0" animBg="1"/>
-      <p:bldP spid="95" grpId="0" animBg="1"/>
     </p:bldLst>
   </p:timing>
 </p:sld>

--- a/2-Java-Programmer-Modulo-II/14.Capitulo08.pptx
+++ b/2-Java-Programmer-Modulo-II/14.Capitulo08.pptx
@@ -5,7 +5,7 @@
     <p:sldMasterId id="2147483660" r:id="rId1"/>
   </p:sldMasterIdLst>
   <p:notesMasterIdLst>
-    <p:notesMasterId r:id="rId34"/>
+    <p:notesMasterId r:id="rId36"/>
   </p:notesMasterIdLst>
   <p:sldIdLst>
     <p:sldId id="256" r:id="rId2"/>
@@ -38,8 +38,10 @@
     <p:sldId id="344" r:id="rId29"/>
     <p:sldId id="345" r:id="rId30"/>
     <p:sldId id="315" r:id="rId31"/>
-    <p:sldId id="316" r:id="rId32"/>
-    <p:sldId id="317" r:id="rId33"/>
+    <p:sldId id="346" r:id="rId32"/>
+    <p:sldId id="347" r:id="rId33"/>
+    <p:sldId id="316" r:id="rId34"/>
+    <p:sldId id="317" r:id="rId35"/>
   </p:sldIdLst>
   <p:sldSz cx="9144000" cy="6858000" type="screen4x3"/>
   <p:notesSz cx="6858000" cy="9144000"/>
@@ -468,7 +470,7 @@
               <a:pPr>
                 <a:defRPr/>
               </a:pPr>
-              <a:t>‹#›</a:t>
+              <a:t>‹nº›</a:t>
             </a:fld>
             <a:endParaRPr lang="pt-BR"/>
           </a:p>
@@ -2960,7 +2962,7 @@
       </p:grpSpPr>
       <p:sp>
         <p:nvSpPr>
-          <p:cNvPr id="49154" name="Espaço Reservado para Imagem de Slide 1"/>
+          <p:cNvPr id="48130" name="Espaço Reservado para Imagem de Slide 1"/>
           <p:cNvSpPr>
             <a:spLocks noGrp="1" noRot="1" noChangeAspect="1" noTextEdit="1"/>
           </p:cNvSpPr>
@@ -2982,7 +2984,7 @@
       </p:sp>
       <p:sp>
         <p:nvSpPr>
-          <p:cNvPr id="49155" name="Espaço Reservado para Anotações 2"/>
+          <p:cNvPr id="48131" name="Espaço Reservado para Anotações 2"/>
           <p:cNvSpPr>
             <a:spLocks noGrp="1"/>
           </p:cNvSpPr>
@@ -3023,7 +3025,7 @@
             <a:pPr>
               <a:defRPr/>
             </a:pPr>
-            <a:fld id="{94627C42-8E0D-4C50-A726-3D908F1BD667}" type="slidenum">
+            <a:fld id="{48A4B3DD-DC3A-4A1F-BDF3-5FDBAE99314D}" type="slidenum">
               <a:rPr lang="pt-BR" smtClean="0"/>
               <a:pPr>
                 <a:defRPr/>
@@ -3061,7 +3063,7 @@
       </p:grpSpPr>
       <p:sp>
         <p:nvSpPr>
-          <p:cNvPr id="50178" name="Espaço Reservado para Imagem de Slide 1"/>
+          <p:cNvPr id="48130" name="Espaço Reservado para Imagem de Slide 1"/>
           <p:cNvSpPr>
             <a:spLocks noGrp="1" noRot="1" noChangeAspect="1" noTextEdit="1"/>
           </p:cNvSpPr>
@@ -3083,7 +3085,7 @@
       </p:sp>
       <p:sp>
         <p:nvSpPr>
-          <p:cNvPr id="50179" name="Espaço Reservado para Anotações 2"/>
+          <p:cNvPr id="48131" name="Espaço Reservado para Anotações 2"/>
           <p:cNvSpPr>
             <a:spLocks noGrp="1"/>
           </p:cNvSpPr>
@@ -3124,12 +3126,214 @@
             <a:pPr>
               <a:defRPr/>
             </a:pPr>
+            <a:fld id="{48A4B3DD-DC3A-4A1F-BDF3-5FDBAE99314D}" type="slidenum">
+              <a:rPr lang="pt-BR" smtClean="0"/>
+              <a:pPr>
+                <a:defRPr/>
+              </a:pPr>
+              <a:t>32</a:t>
+            </a:fld>
+            <a:endParaRPr lang="pt-BR"/>
+          </a:p>
+        </p:txBody>
+      </p:sp>
+    </p:spTree>
+  </p:cSld>
+  <p:clrMapOvr>
+    <a:masterClrMapping/>
+  </p:clrMapOvr>
+</p:notes>
+</file>
+
+<file path=ppt/notesSlides/notesSlide33.xml><?xml version="1.0" encoding="utf-8"?>
+<p:notes xmlns:a="http://schemas.openxmlformats.org/drawingml/2006/main" xmlns:r="http://schemas.openxmlformats.org/officeDocument/2006/relationships" xmlns:p="http://schemas.openxmlformats.org/presentationml/2006/main">
+  <p:cSld>
+    <p:spTree>
+      <p:nvGrpSpPr>
+        <p:cNvPr id="1" name=""/>
+        <p:cNvGrpSpPr/>
+        <p:nvPr/>
+      </p:nvGrpSpPr>
+      <p:grpSpPr>
+        <a:xfrm>
+          <a:off x="0" y="0"/>
+          <a:ext cx="0" cy="0"/>
+          <a:chOff x="0" y="0"/>
+          <a:chExt cx="0" cy="0"/>
+        </a:xfrm>
+      </p:grpSpPr>
+      <p:sp>
+        <p:nvSpPr>
+          <p:cNvPr id="49154" name="Espaço Reservado para Imagem de Slide 1"/>
+          <p:cNvSpPr>
+            <a:spLocks noGrp="1" noRot="1" noChangeAspect="1" noTextEdit="1"/>
+          </p:cNvSpPr>
+          <p:nvPr>
+            <p:ph type="sldImg"/>
+          </p:nvPr>
+        </p:nvSpPr>
+        <p:spPr bwMode="auto">
+          <a:noFill/>
+          <a:ln>
+            <a:solidFill>
+              <a:srgbClr val="000000"/>
+            </a:solidFill>
+            <a:miter lim="800000"/>
+            <a:headEnd/>
+            <a:tailEnd/>
+          </a:ln>
+        </p:spPr>
+      </p:sp>
+      <p:sp>
+        <p:nvSpPr>
+          <p:cNvPr id="49155" name="Espaço Reservado para Anotações 2"/>
+          <p:cNvSpPr>
+            <a:spLocks noGrp="1"/>
+          </p:cNvSpPr>
+          <p:nvPr>
+            <p:ph type="body" idx="1"/>
+          </p:nvPr>
+        </p:nvSpPr>
+        <p:spPr bwMode="auto">
+          <a:noFill/>
+        </p:spPr>
+        <p:txBody>
+          <a:bodyPr wrap="square" numCol="1" anchor="t" anchorCtr="0" compatLnSpc="1">
+            <a:prstTxWarp prst="textNoShape">
+              <a:avLst/>
+            </a:prstTxWarp>
+          </a:bodyPr>
+          <a:lstStyle/>
+          <a:p>
+            <a:endParaRPr lang="pt-BR" smtClean="0"/>
+          </a:p>
+        </p:txBody>
+      </p:sp>
+      <p:sp>
+        <p:nvSpPr>
+          <p:cNvPr id="4" name="Espaço Reservado para Número de Slide 3"/>
+          <p:cNvSpPr>
+            <a:spLocks noGrp="1"/>
+          </p:cNvSpPr>
+          <p:nvPr>
+            <p:ph type="sldNum" sz="quarter" idx="5"/>
+          </p:nvPr>
+        </p:nvSpPr>
+        <p:spPr/>
+        <p:txBody>
+          <a:bodyPr/>
+          <a:lstStyle/>
+          <a:p>
+            <a:pPr>
+              <a:defRPr/>
+            </a:pPr>
+            <a:fld id="{94627C42-8E0D-4C50-A726-3D908F1BD667}" type="slidenum">
+              <a:rPr lang="pt-BR" smtClean="0"/>
+              <a:pPr>
+                <a:defRPr/>
+              </a:pPr>
+              <a:t>33</a:t>
+            </a:fld>
+            <a:endParaRPr lang="pt-BR"/>
+          </a:p>
+        </p:txBody>
+      </p:sp>
+    </p:spTree>
+  </p:cSld>
+  <p:clrMapOvr>
+    <a:masterClrMapping/>
+  </p:clrMapOvr>
+</p:notes>
+</file>
+
+<file path=ppt/notesSlides/notesSlide34.xml><?xml version="1.0" encoding="utf-8"?>
+<p:notes xmlns:a="http://schemas.openxmlformats.org/drawingml/2006/main" xmlns:r="http://schemas.openxmlformats.org/officeDocument/2006/relationships" xmlns:p="http://schemas.openxmlformats.org/presentationml/2006/main">
+  <p:cSld>
+    <p:spTree>
+      <p:nvGrpSpPr>
+        <p:cNvPr id="1" name=""/>
+        <p:cNvGrpSpPr/>
+        <p:nvPr/>
+      </p:nvGrpSpPr>
+      <p:grpSpPr>
+        <a:xfrm>
+          <a:off x="0" y="0"/>
+          <a:ext cx="0" cy="0"/>
+          <a:chOff x="0" y="0"/>
+          <a:chExt cx="0" cy="0"/>
+        </a:xfrm>
+      </p:grpSpPr>
+      <p:sp>
+        <p:nvSpPr>
+          <p:cNvPr id="50178" name="Espaço Reservado para Imagem de Slide 1"/>
+          <p:cNvSpPr>
+            <a:spLocks noGrp="1" noRot="1" noChangeAspect="1" noTextEdit="1"/>
+          </p:cNvSpPr>
+          <p:nvPr>
+            <p:ph type="sldImg"/>
+          </p:nvPr>
+        </p:nvSpPr>
+        <p:spPr bwMode="auto">
+          <a:noFill/>
+          <a:ln>
+            <a:solidFill>
+              <a:srgbClr val="000000"/>
+            </a:solidFill>
+            <a:miter lim="800000"/>
+            <a:headEnd/>
+            <a:tailEnd/>
+          </a:ln>
+        </p:spPr>
+      </p:sp>
+      <p:sp>
+        <p:nvSpPr>
+          <p:cNvPr id="50179" name="Espaço Reservado para Anotações 2"/>
+          <p:cNvSpPr>
+            <a:spLocks noGrp="1"/>
+          </p:cNvSpPr>
+          <p:nvPr>
+            <p:ph type="body" idx="1"/>
+          </p:nvPr>
+        </p:nvSpPr>
+        <p:spPr bwMode="auto">
+          <a:noFill/>
+        </p:spPr>
+        <p:txBody>
+          <a:bodyPr wrap="square" numCol="1" anchor="t" anchorCtr="0" compatLnSpc="1">
+            <a:prstTxWarp prst="textNoShape">
+              <a:avLst/>
+            </a:prstTxWarp>
+          </a:bodyPr>
+          <a:lstStyle/>
+          <a:p>
+            <a:endParaRPr lang="pt-BR" smtClean="0"/>
+          </a:p>
+        </p:txBody>
+      </p:sp>
+      <p:sp>
+        <p:nvSpPr>
+          <p:cNvPr id="4" name="Espaço Reservado para Número de Slide 3"/>
+          <p:cNvSpPr>
+            <a:spLocks noGrp="1"/>
+          </p:cNvSpPr>
+          <p:nvPr>
+            <p:ph type="sldNum" sz="quarter" idx="5"/>
+          </p:nvPr>
+        </p:nvSpPr>
+        <p:spPr/>
+        <p:txBody>
+          <a:bodyPr/>
+          <a:lstStyle/>
+          <a:p>
+            <a:pPr>
+              <a:defRPr/>
+            </a:pPr>
             <a:fld id="{D1504F8C-84CC-4741-AE25-BE957FF16396}" type="slidenum">
               <a:rPr lang="pt-BR" smtClean="0"/>
               <a:pPr>
                 <a:defRPr/>
               </a:pPr>
-              <a:t>32</a:t>
+              <a:t>34</a:t>
             </a:fld>
             <a:endParaRPr lang="pt-BR"/>
           </a:p>
@@ -4226,7 +4430,7 @@
               <a:pPr>
                 <a:defRPr/>
               </a:pPr>
-              <a:t>‹#›</a:t>
+              <a:t>‹nº›</a:t>
             </a:fld>
             <a:endParaRPr lang="pt-BR"/>
           </a:p>
@@ -4425,7 +4629,7 @@
               <a:pPr>
                 <a:defRPr/>
               </a:pPr>
-              <a:t>‹#›</a:t>
+              <a:t>‹nº›</a:t>
             </a:fld>
             <a:endParaRPr lang="pt-BR"/>
           </a:p>
@@ -4627,7 +4831,7 @@
               <a:pPr>
                 <a:defRPr/>
               </a:pPr>
-              <a:t>‹#›</a:t>
+              <a:t>‹nº›</a:t>
             </a:fld>
             <a:endParaRPr lang="pt-BR"/>
           </a:p>
@@ -4823,7 +5027,7 @@
               <a:pPr>
                 <a:defRPr/>
               </a:pPr>
-              <a:t>‹#›</a:t>
+              <a:t>‹nº›</a:t>
             </a:fld>
             <a:endParaRPr lang="pt-BR"/>
           </a:p>
@@ -5329,7 +5533,7 @@
               <a:pPr>
                 <a:defRPr/>
               </a:pPr>
-              <a:t>‹#›</a:t>
+              <a:t>‹nº›</a:t>
             </a:fld>
             <a:endParaRPr lang="pt-BR"/>
           </a:p>
@@ -5620,7 +5824,7 @@
               <a:pPr>
                 <a:defRPr/>
               </a:pPr>
-              <a:t>‹#›</a:t>
+              <a:t>‹nº›</a:t>
             </a:fld>
             <a:endParaRPr lang="pt-BR"/>
           </a:p>
@@ -6021,7 +6225,7 @@
               <a:pPr>
                 <a:defRPr/>
               </a:pPr>
-              <a:t>‹#›</a:t>
+              <a:t>‹nº›</a:t>
             </a:fld>
             <a:endParaRPr lang="pt-BR"/>
           </a:p>
@@ -6170,7 +6374,7 @@
               <a:pPr>
                 <a:defRPr/>
               </a:pPr>
-              <a:t>‹#›</a:t>
+              <a:t>‹nº›</a:t>
             </a:fld>
             <a:endParaRPr lang="pt-BR"/>
           </a:p>
@@ -6287,7 +6491,7 @@
               <a:pPr>
                 <a:defRPr/>
               </a:pPr>
-              <a:t>‹#›</a:t>
+              <a:t>‹nº›</a:t>
             </a:fld>
             <a:endParaRPr lang="pt-BR"/>
           </a:p>
@@ -6568,7 +6772,7 @@
               <a:pPr>
                 <a:defRPr/>
               </a:pPr>
-              <a:t>‹#›</a:t>
+              <a:t>‹nº›</a:t>
             </a:fld>
             <a:endParaRPr lang="pt-BR"/>
           </a:p>
@@ -6847,7 +7051,7 @@
               <a:pPr>
                 <a:defRPr/>
               </a:pPr>
-              <a:t>‹#›</a:t>
+              <a:t>‹nº›</a:t>
             </a:fld>
             <a:endParaRPr lang="pt-BR"/>
           </a:p>
@@ -7369,7 +7573,7 @@
               <a:pPr>
                 <a:defRPr/>
               </a:pPr>
-              <a:t>‹#›</a:t>
+              <a:t>‹nº›</a:t>
             </a:fld>
             <a:endParaRPr lang="pt-BR"/>
           </a:p>
@@ -26935,7 +27139,7 @@
         <p:spPr>
           <a:xfrm>
             <a:off x="457200" y="274638"/>
-            <a:ext cx="8147248" cy="1143000"/>
+            <a:ext cx="8075240" cy="1143000"/>
           </a:xfrm>
         </p:spPr>
         <p:txBody>
@@ -26957,20 +27161,436 @@
       </p:sp>
       <p:sp>
         <p:nvSpPr>
-          <p:cNvPr id="25603" name="Espaço Reservado para Conteúdo 2"/>
+          <p:cNvPr id="5" name="Espaço Reservado para Conteúdo 4"/>
           <p:cNvSpPr>
             <a:spLocks noGrp="1"/>
           </p:cNvSpPr>
           <p:nvPr>
-            <p:ph idx="1"/>
+            <p:ph sz="half" idx="1"/>
           </p:nvPr>
         </p:nvSpPr>
-        <p:spPr/>
+        <p:spPr>
+          <a:xfrm>
+            <a:off x="755576" y="1600201"/>
+            <a:ext cx="7499176" cy="964704"/>
+          </a:xfrm>
+        </p:spPr>
         <p:txBody>
           <a:bodyPr/>
           <a:lstStyle/>
           <a:p>
-            <a:endParaRPr lang="pt-BR" smtClean="0"/>
+            <a:r>
+              <a:rPr lang="pt-BR" dirty="0" smtClean="0"/>
+              <a:t>A sincronização geralmente é utilizada em diversos métodos da mesma classe:</a:t>
+            </a:r>
+            <a:endParaRPr lang="pt-BR" dirty="0"/>
+          </a:p>
+        </p:txBody>
+      </p:sp>
+      <p:sp>
+        <p:nvSpPr>
+          <p:cNvPr id="6" name="Espaço Reservado para Conteúdo 5"/>
+          <p:cNvSpPr>
+            <a:spLocks noGrp="1"/>
+          </p:cNvSpPr>
+          <p:nvPr>
+            <p:ph sz="half" idx="2"/>
+          </p:nvPr>
+        </p:nvSpPr>
+        <p:spPr>
+          <a:xfrm>
+            <a:off x="1403648" y="2708920"/>
+            <a:ext cx="6233120" cy="3672408"/>
+          </a:xfrm>
+          <a:ln>
+            <a:noFill/>
+          </a:ln>
+        </p:spPr>
+        <p:txBody>
+          <a:bodyPr/>
+          <a:lstStyle/>
+          <a:p>
+            <a:pPr marL="0" indent="0">
+              <a:spcBef>
+                <a:spcPts val="0"/>
+              </a:spcBef>
+              <a:buNone/>
+              <a:tabLst>
+                <a:tab pos="539750" algn="l"/>
+                <a:tab pos="984250" algn="l"/>
+              </a:tabLst>
+            </a:pPr>
+            <a:r>
+              <a:rPr lang="pt-BR" sz="2000" dirty="0" err="1" smtClean="0"/>
+              <a:t>public</a:t>
+            </a:r>
+            <a:r>
+              <a:rPr lang="pt-BR" sz="2000" dirty="0" smtClean="0"/>
+              <a:t> </a:t>
+            </a:r>
+            <a:r>
+              <a:rPr lang="pt-BR" sz="2000" dirty="0" err="1" smtClean="0"/>
+              <a:t>class</a:t>
+            </a:r>
+            <a:r>
+              <a:rPr lang="pt-BR" sz="2000" dirty="0" smtClean="0"/>
+              <a:t> </a:t>
+            </a:r>
+            <a:r>
+              <a:rPr lang="pt-BR" sz="2000" dirty="0" err="1" smtClean="0"/>
+              <a:t>Vector</a:t>
+            </a:r>
+            <a:r>
+              <a:rPr lang="pt-BR" sz="2000" dirty="0" smtClean="0"/>
+              <a:t> {</a:t>
+            </a:r>
+          </a:p>
+          <a:p>
+            <a:pPr marL="0" indent="0">
+              <a:spcBef>
+                <a:spcPts val="0"/>
+              </a:spcBef>
+              <a:buNone/>
+              <a:tabLst>
+                <a:tab pos="539750" algn="l"/>
+                <a:tab pos="984250" algn="l"/>
+              </a:tabLst>
+            </a:pPr>
+            <a:r>
+              <a:rPr lang="pt-BR" sz="2000" dirty="0" smtClean="0"/>
+              <a:t>	</a:t>
+            </a:r>
+            <a:r>
+              <a:rPr lang="pt-BR" sz="2000" dirty="0" err="1" smtClean="0"/>
+              <a:t>public</a:t>
+            </a:r>
+            <a:r>
+              <a:rPr lang="pt-BR" sz="2000" dirty="0" smtClean="0"/>
+              <a:t> </a:t>
+            </a:r>
+            <a:r>
+              <a:rPr lang="pt-BR" sz="2000" b="1" dirty="0" err="1" smtClean="0">
+                <a:solidFill>
+                  <a:srgbClr val="FFC000"/>
+                </a:solidFill>
+              </a:rPr>
+              <a:t>synchronized</a:t>
+            </a:r>
+            <a:r>
+              <a:rPr lang="pt-BR" sz="2000" dirty="0" smtClean="0"/>
+              <a:t> </a:t>
+            </a:r>
+            <a:r>
+              <a:rPr lang="pt-BR" sz="2000" dirty="0" err="1" smtClean="0"/>
+              <a:t>boolean</a:t>
+            </a:r>
+            <a:r>
+              <a:rPr lang="pt-BR" sz="2000" dirty="0" smtClean="0"/>
+              <a:t> </a:t>
+            </a:r>
+            <a:r>
+              <a:rPr lang="pt-BR" sz="2000" dirty="0" err="1" smtClean="0"/>
+              <a:t>add</a:t>
+            </a:r>
+            <a:r>
+              <a:rPr lang="pt-BR" sz="2000" dirty="0" smtClean="0"/>
+              <a:t>(</a:t>
+            </a:r>
+            <a:r>
+              <a:rPr lang="pt-BR" sz="2000" dirty="0" err="1" smtClean="0"/>
+              <a:t>Object</a:t>
+            </a:r>
+            <a:r>
+              <a:rPr lang="pt-BR" sz="2000" dirty="0" smtClean="0"/>
+              <a:t> e) {</a:t>
+            </a:r>
+          </a:p>
+          <a:p>
+            <a:pPr marL="0" indent="0">
+              <a:spcBef>
+                <a:spcPts val="0"/>
+              </a:spcBef>
+              <a:buNone/>
+              <a:tabLst>
+                <a:tab pos="539750" algn="l"/>
+                <a:tab pos="984250" algn="l"/>
+              </a:tabLst>
+            </a:pPr>
+            <a:r>
+              <a:rPr lang="pt-BR" sz="2000" dirty="0" smtClean="0"/>
+              <a:t>		</a:t>
+            </a:r>
+            <a:r>
+              <a:rPr lang="pt-BR" sz="2000" dirty="0" smtClean="0"/>
+              <a:t>...</a:t>
+            </a:r>
+            <a:endParaRPr lang="pt-BR" sz="2000" dirty="0" smtClean="0"/>
+          </a:p>
+          <a:p>
+            <a:pPr marL="0" indent="0">
+              <a:spcBef>
+                <a:spcPts val="0"/>
+              </a:spcBef>
+              <a:buNone/>
+              <a:tabLst>
+                <a:tab pos="539750" algn="l"/>
+                <a:tab pos="984250" algn="l"/>
+              </a:tabLst>
+            </a:pPr>
+            <a:r>
+              <a:rPr lang="pt-BR" sz="2000" dirty="0" smtClean="0"/>
+              <a:t>	</a:t>
+            </a:r>
+            <a:r>
+              <a:rPr lang="pt-BR" sz="2000" dirty="0" smtClean="0"/>
+              <a:t>}</a:t>
+            </a:r>
+            <a:endParaRPr lang="pt-BR" sz="2000" dirty="0" smtClean="0"/>
+          </a:p>
+          <a:p>
+            <a:pPr marL="0" indent="0">
+              <a:spcBef>
+                <a:spcPts val="0"/>
+              </a:spcBef>
+              <a:buNone/>
+              <a:tabLst>
+                <a:tab pos="539750" algn="l"/>
+                <a:tab pos="984250" algn="l"/>
+              </a:tabLst>
+            </a:pPr>
+            <a:r>
+              <a:rPr lang="pt-BR" sz="2000" dirty="0" smtClean="0"/>
+              <a:t>	</a:t>
+            </a:r>
+            <a:r>
+              <a:rPr lang="pt-BR" sz="2000" dirty="0" err="1" smtClean="0"/>
+              <a:t>public</a:t>
+            </a:r>
+            <a:r>
+              <a:rPr lang="pt-BR" sz="2000" dirty="0" smtClean="0"/>
+              <a:t> </a:t>
+            </a:r>
+            <a:r>
+              <a:rPr lang="pt-BR" sz="2000" b="1" dirty="0" err="1" smtClean="0">
+                <a:solidFill>
+                  <a:srgbClr val="FFC000"/>
+                </a:solidFill>
+              </a:rPr>
+              <a:t>synchronized</a:t>
+            </a:r>
+            <a:r>
+              <a:rPr lang="pt-BR" sz="2000" dirty="0" smtClean="0"/>
+              <a:t> </a:t>
+            </a:r>
+            <a:r>
+              <a:rPr lang="pt-BR" sz="2000" dirty="0" err="1" smtClean="0"/>
+              <a:t>Object</a:t>
+            </a:r>
+            <a:r>
+              <a:rPr lang="pt-BR" sz="2000" dirty="0" smtClean="0"/>
+              <a:t> remove(</a:t>
+            </a:r>
+            <a:r>
+              <a:rPr lang="pt-BR" sz="2000" dirty="0" err="1" smtClean="0"/>
+              <a:t>int</a:t>
+            </a:r>
+            <a:r>
+              <a:rPr lang="pt-BR" sz="2000" dirty="0" smtClean="0"/>
+              <a:t> </a:t>
+            </a:r>
+            <a:r>
+              <a:rPr lang="pt-BR" sz="2000" dirty="0" err="1" smtClean="0"/>
+              <a:t>index</a:t>
+            </a:r>
+            <a:r>
+              <a:rPr lang="pt-BR" sz="2000" dirty="0" smtClean="0"/>
+              <a:t>) {</a:t>
+            </a:r>
+          </a:p>
+          <a:p>
+            <a:pPr marL="0" indent="0">
+              <a:spcBef>
+                <a:spcPts val="0"/>
+              </a:spcBef>
+              <a:buNone/>
+              <a:tabLst>
+                <a:tab pos="539750" algn="l"/>
+                <a:tab pos="984250" algn="l"/>
+              </a:tabLst>
+            </a:pPr>
+            <a:r>
+              <a:rPr lang="pt-BR" sz="2000" dirty="0" smtClean="0"/>
+              <a:t>		</a:t>
+            </a:r>
+            <a:r>
+              <a:rPr lang="pt-BR" sz="2000" dirty="0" smtClean="0"/>
+              <a:t>...</a:t>
+            </a:r>
+            <a:endParaRPr lang="pt-BR" sz="2000" dirty="0" smtClean="0"/>
+          </a:p>
+          <a:p>
+            <a:pPr marL="0" indent="0">
+              <a:spcBef>
+                <a:spcPts val="0"/>
+              </a:spcBef>
+              <a:buNone/>
+              <a:tabLst>
+                <a:tab pos="539750" algn="l"/>
+                <a:tab pos="984250" algn="l"/>
+              </a:tabLst>
+            </a:pPr>
+            <a:r>
+              <a:rPr lang="pt-BR" sz="2000" dirty="0" smtClean="0"/>
+              <a:t>	</a:t>
+            </a:r>
+            <a:r>
+              <a:rPr lang="pt-BR" sz="2000" dirty="0" smtClean="0"/>
+              <a:t>}</a:t>
+            </a:r>
+            <a:endParaRPr lang="pt-BR" sz="2000" dirty="0" smtClean="0"/>
+          </a:p>
+          <a:p>
+            <a:pPr marL="0" indent="0">
+              <a:spcBef>
+                <a:spcPts val="0"/>
+              </a:spcBef>
+              <a:buNone/>
+              <a:tabLst>
+                <a:tab pos="539750" algn="l"/>
+                <a:tab pos="984250" algn="l"/>
+              </a:tabLst>
+            </a:pPr>
+            <a:r>
+              <a:rPr lang="pt-BR" sz="2000" dirty="0" smtClean="0"/>
+              <a:t>	</a:t>
+            </a:r>
+            <a:r>
+              <a:rPr lang="pt-BR" sz="2000" dirty="0" err="1" smtClean="0"/>
+              <a:t>public</a:t>
+            </a:r>
+            <a:r>
+              <a:rPr lang="pt-BR" sz="2000" dirty="0" smtClean="0"/>
+              <a:t> </a:t>
+            </a:r>
+            <a:r>
+              <a:rPr lang="pt-BR" sz="2000" b="1" dirty="0" err="1" smtClean="0">
+                <a:solidFill>
+                  <a:srgbClr val="FFC000"/>
+                </a:solidFill>
+              </a:rPr>
+              <a:t>synchronized</a:t>
+            </a:r>
+            <a:r>
+              <a:rPr lang="pt-BR" sz="2000" dirty="0" smtClean="0"/>
+              <a:t> </a:t>
+            </a:r>
+            <a:r>
+              <a:rPr lang="pt-BR" sz="2000" dirty="0" err="1" smtClean="0"/>
+              <a:t>Object</a:t>
+            </a:r>
+            <a:r>
+              <a:rPr lang="pt-BR" sz="2000" dirty="0" smtClean="0"/>
+              <a:t> </a:t>
+            </a:r>
+            <a:r>
+              <a:rPr lang="pt-BR" sz="2000" dirty="0" err="1" smtClean="0"/>
+              <a:t>get</a:t>
+            </a:r>
+            <a:r>
+              <a:rPr lang="pt-BR" sz="2000" dirty="0" smtClean="0"/>
+              <a:t>(</a:t>
+            </a:r>
+            <a:r>
+              <a:rPr lang="pt-BR" sz="2000" dirty="0" err="1" smtClean="0"/>
+              <a:t>int</a:t>
+            </a:r>
+            <a:r>
+              <a:rPr lang="pt-BR" sz="2000" dirty="0" smtClean="0"/>
+              <a:t> </a:t>
+            </a:r>
+            <a:r>
+              <a:rPr lang="pt-BR" sz="2000" dirty="0" err="1" smtClean="0"/>
+              <a:t>index</a:t>
+            </a:r>
+            <a:r>
+              <a:rPr lang="pt-BR" sz="2000" dirty="0" smtClean="0"/>
+              <a:t>) {</a:t>
+            </a:r>
+          </a:p>
+          <a:p>
+            <a:pPr marL="0" indent="0">
+              <a:spcBef>
+                <a:spcPts val="0"/>
+              </a:spcBef>
+              <a:buNone/>
+              <a:tabLst>
+                <a:tab pos="539750" algn="l"/>
+                <a:tab pos="984250" algn="l"/>
+              </a:tabLst>
+            </a:pPr>
+            <a:r>
+              <a:rPr lang="pt-BR" sz="2000" dirty="0" smtClean="0"/>
+              <a:t>		</a:t>
+            </a:r>
+            <a:r>
+              <a:rPr lang="pt-BR" sz="2000" dirty="0" smtClean="0"/>
+              <a:t>...</a:t>
+            </a:r>
+            <a:endParaRPr lang="pt-BR" sz="2000" dirty="0" smtClean="0"/>
+          </a:p>
+          <a:p>
+            <a:pPr marL="0" indent="0">
+              <a:spcBef>
+                <a:spcPts val="0"/>
+              </a:spcBef>
+              <a:buNone/>
+              <a:tabLst>
+                <a:tab pos="539750" algn="l"/>
+                <a:tab pos="984250" algn="l"/>
+              </a:tabLst>
+            </a:pPr>
+            <a:r>
+              <a:rPr lang="pt-BR" sz="2000" dirty="0" smtClean="0"/>
+              <a:t>	</a:t>
+            </a:r>
+            <a:r>
+              <a:rPr lang="pt-BR" sz="2000" dirty="0" smtClean="0"/>
+              <a:t>}</a:t>
+            </a:r>
+          </a:p>
+          <a:p>
+            <a:pPr marL="0" indent="0">
+              <a:spcBef>
+                <a:spcPts val="0"/>
+              </a:spcBef>
+              <a:buNone/>
+              <a:tabLst>
+                <a:tab pos="539750" algn="l"/>
+                <a:tab pos="984250" algn="l"/>
+              </a:tabLst>
+            </a:pPr>
+            <a:r>
+              <a:rPr lang="pt-BR" sz="2000" dirty="0" smtClean="0"/>
+              <a:t>	...</a:t>
+            </a:r>
+            <a:endParaRPr lang="pt-BR" sz="2000" dirty="0" smtClean="0"/>
+          </a:p>
+          <a:p>
+            <a:pPr marL="0" indent="0">
+              <a:spcBef>
+                <a:spcPts val="0"/>
+              </a:spcBef>
+              <a:buNone/>
+              <a:tabLst>
+                <a:tab pos="539750" algn="l"/>
+                <a:tab pos="984250" algn="l"/>
+              </a:tabLst>
+            </a:pPr>
+            <a:r>
+              <a:rPr lang="pt-BR" sz="2000" dirty="0" smtClean="0"/>
+              <a:t>}</a:t>
+            </a:r>
+            <a:endParaRPr lang="pt-BR" sz="2000" dirty="0" smtClean="0"/>
           </a:p>
         </p:txBody>
       </p:sp>
@@ -27037,7 +27657,7 @@
       </p:grpSpPr>
       <p:sp>
         <p:nvSpPr>
-          <p:cNvPr id="26626" name="Título 1"/>
+          <p:cNvPr id="25602" name="Título 1"/>
           <p:cNvSpPr>
             <a:spLocks noGrp="1"/>
           </p:cNvSpPr>
@@ -27045,15 +27665,28 @@
             <p:ph type="title"/>
           </p:nvPr>
         </p:nvSpPr>
-        <p:spPr/>
+        <p:spPr>
+          <a:xfrm>
+            <a:off x="457200" y="274638"/>
+            <a:ext cx="8075240" cy="1143000"/>
+          </a:xfrm>
+        </p:spPr>
         <p:txBody>
           <a:bodyPr/>
           <a:lstStyle/>
           <a:p>
             <a:pPr eaLnBrk="1" hangingPunct="1"/>
             <a:r>
-              <a:rPr lang="pt-BR" dirty="0" err="1" smtClean="0"/>
-              <a:t>Deadlock</a:t>
+              <a:rPr lang="pt-BR" dirty="0" smtClean="0"/>
+              <a:t>Sincronização – </a:t>
+            </a:r>
+            <a:r>
+              <a:rPr lang="pt-BR" sz="3600" dirty="0" smtClean="0"/>
+              <a:t>Bloqueio de </a:t>
+            </a:r>
+            <a:r>
+              <a:rPr lang="pt-BR" sz="3600" dirty="0" smtClean="0"/>
+              <a:t>trecho</a:t>
             </a:r>
             <a:endParaRPr lang="pt-BR" dirty="0" smtClean="0"/>
           </a:p>
@@ -27061,20 +27694,348 @@
       </p:sp>
       <p:sp>
         <p:nvSpPr>
-          <p:cNvPr id="26627" name="Espaço Reservado para Conteúdo 2"/>
+          <p:cNvPr id="5" name="Espaço Reservado para Conteúdo 4"/>
           <p:cNvSpPr>
             <a:spLocks noGrp="1"/>
           </p:cNvSpPr>
           <p:nvPr>
-            <p:ph idx="1"/>
+            <p:ph sz="half" idx="1"/>
           </p:nvPr>
         </p:nvSpPr>
-        <p:spPr/>
+        <p:spPr>
+          <a:xfrm>
+            <a:off x="755576" y="1600201"/>
+            <a:ext cx="7499176" cy="964704"/>
+          </a:xfrm>
+        </p:spPr>
         <p:txBody>
           <a:bodyPr/>
           <a:lstStyle/>
           <a:p>
-            <a:endParaRPr lang="pt-BR" smtClean="0"/>
+            <a:r>
+              <a:rPr lang="pt-BR" dirty="0" smtClean="0"/>
+              <a:t>Podemos também realizar a sincronização de apenas um trecho do código.</a:t>
+            </a:r>
+            <a:endParaRPr lang="pt-BR" dirty="0"/>
+          </a:p>
+        </p:txBody>
+      </p:sp>
+      <p:sp>
+        <p:nvSpPr>
+          <p:cNvPr id="6" name="Espaço Reservado para Conteúdo 5"/>
+          <p:cNvSpPr>
+            <a:spLocks noGrp="1"/>
+          </p:cNvSpPr>
+          <p:nvPr>
+            <p:ph sz="half" idx="2"/>
+          </p:nvPr>
+        </p:nvSpPr>
+        <p:spPr>
+          <a:xfrm>
+            <a:off x="2164160" y="2708920"/>
+            <a:ext cx="4712096" cy="3672408"/>
+          </a:xfrm>
+          <a:ln>
+            <a:noFill/>
+          </a:ln>
+        </p:spPr>
+        <p:txBody>
+          <a:bodyPr/>
+          <a:lstStyle/>
+          <a:p>
+            <a:pPr marL="0" indent="0">
+              <a:spcBef>
+                <a:spcPts val="0"/>
+              </a:spcBef>
+              <a:buNone/>
+              <a:tabLst>
+                <a:tab pos="539750" algn="l"/>
+                <a:tab pos="984250" algn="l"/>
+                <a:tab pos="1441450" algn="l"/>
+              </a:tabLst>
+            </a:pPr>
+            <a:r>
+              <a:rPr lang="pt-BR" sz="2000" dirty="0" err="1" smtClean="0"/>
+              <a:t>public</a:t>
+            </a:r>
+            <a:r>
+              <a:rPr lang="pt-BR" sz="2000" dirty="0" smtClean="0"/>
+              <a:t> </a:t>
+            </a:r>
+            <a:r>
+              <a:rPr lang="pt-BR" sz="2000" dirty="0" err="1" smtClean="0"/>
+              <a:t>class</a:t>
+            </a:r>
+            <a:r>
+              <a:rPr lang="pt-BR" sz="2000" dirty="0" smtClean="0"/>
+              <a:t> </a:t>
+            </a:r>
+            <a:r>
+              <a:rPr lang="pt-BR" sz="2000" dirty="0" err="1" smtClean="0"/>
+              <a:t>ContadorAcessos</a:t>
+            </a:r>
+            <a:r>
+              <a:rPr lang="pt-BR" sz="2000" dirty="0" smtClean="0"/>
+              <a:t> </a:t>
+            </a:r>
+            <a:r>
+              <a:rPr lang="pt-BR" sz="2000" dirty="0" smtClean="0"/>
+              <a:t>{</a:t>
+            </a:r>
+          </a:p>
+          <a:p>
+            <a:pPr marL="0" indent="0">
+              <a:spcBef>
+                <a:spcPts val="0"/>
+              </a:spcBef>
+              <a:buNone/>
+              <a:tabLst>
+                <a:tab pos="539750" algn="l"/>
+                <a:tab pos="984250" algn="l"/>
+                <a:tab pos="1441450" algn="l"/>
+              </a:tabLst>
+            </a:pPr>
+            <a:r>
+              <a:rPr lang="pt-BR" sz="2000" dirty="0" smtClean="0"/>
+              <a:t>	...</a:t>
+            </a:r>
+          </a:p>
+          <a:p>
+            <a:pPr marL="0" indent="0">
+              <a:spcBef>
+                <a:spcPts val="0"/>
+              </a:spcBef>
+              <a:buNone/>
+              <a:tabLst>
+                <a:tab pos="539750" algn="l"/>
+                <a:tab pos="984250" algn="l"/>
+                <a:tab pos="1441450" algn="l"/>
+              </a:tabLst>
+            </a:pPr>
+            <a:r>
+              <a:rPr lang="pt-BR" sz="2000" dirty="0" smtClean="0"/>
+              <a:t>	</a:t>
+            </a:r>
+            <a:r>
+              <a:rPr lang="pt-BR" sz="2000" dirty="0" err="1" smtClean="0"/>
+              <a:t>public</a:t>
+            </a:r>
+            <a:r>
+              <a:rPr lang="pt-BR" sz="2000" dirty="0" smtClean="0"/>
+              <a:t> </a:t>
+            </a:r>
+            <a:r>
+              <a:rPr lang="pt-BR" sz="2000" dirty="0" err="1" smtClean="0"/>
+              <a:t>int</a:t>
+            </a:r>
+            <a:r>
+              <a:rPr lang="pt-BR" sz="2000" dirty="0" smtClean="0"/>
+              <a:t> </a:t>
+            </a:r>
+            <a:r>
+              <a:rPr lang="pt-BR" sz="2000" dirty="0" err="1" smtClean="0"/>
+              <a:t>contarAcessos</a:t>
+            </a:r>
+            <a:r>
+              <a:rPr lang="pt-BR" sz="2000" dirty="0" smtClean="0"/>
+              <a:t>() </a:t>
+            </a:r>
+            <a:r>
+              <a:rPr lang="pt-BR" sz="2000" dirty="0" smtClean="0"/>
+              <a:t>{</a:t>
+            </a:r>
+          </a:p>
+          <a:p>
+            <a:pPr marL="0" indent="0">
+              <a:spcBef>
+                <a:spcPts val="0"/>
+              </a:spcBef>
+              <a:buNone/>
+              <a:tabLst>
+                <a:tab pos="539750" algn="l"/>
+                <a:tab pos="984250" algn="l"/>
+                <a:tab pos="1441450" algn="l"/>
+              </a:tabLst>
+            </a:pPr>
+            <a:r>
+              <a:rPr lang="pt-BR" sz="2000" dirty="0" smtClean="0"/>
+              <a:t>		...</a:t>
+            </a:r>
+          </a:p>
+          <a:p>
+            <a:pPr marL="0" indent="0">
+              <a:spcBef>
+                <a:spcPts val="0"/>
+              </a:spcBef>
+              <a:buNone/>
+              <a:tabLst>
+                <a:tab pos="539750" algn="l"/>
+                <a:tab pos="984250" algn="l"/>
+                <a:tab pos="1441450" algn="l"/>
+              </a:tabLst>
+            </a:pPr>
+            <a:r>
+              <a:rPr lang="pt-BR" sz="2000" dirty="0" smtClean="0"/>
+              <a:t>		</a:t>
+            </a:r>
+            <a:r>
+              <a:rPr lang="pt-BR" sz="2000" dirty="0" smtClean="0"/>
+              <a:t>...</a:t>
+            </a:r>
+          </a:p>
+          <a:p>
+            <a:pPr marL="0" indent="0">
+              <a:spcBef>
+                <a:spcPts val="0"/>
+              </a:spcBef>
+              <a:buNone/>
+              <a:tabLst>
+                <a:tab pos="539750" algn="l"/>
+                <a:tab pos="984250" algn="l"/>
+                <a:tab pos="1441450" algn="l"/>
+              </a:tabLst>
+            </a:pPr>
+            <a:r>
+              <a:rPr lang="pt-BR" sz="2000" dirty="0" smtClean="0"/>
+              <a:t>	</a:t>
+            </a:r>
+            <a:r>
+              <a:rPr lang="pt-BR" sz="2000" dirty="0" smtClean="0"/>
+              <a:t>	</a:t>
+            </a:r>
+            <a:r>
+              <a:rPr lang="pt-BR" sz="2000" b="1" dirty="0" err="1" smtClean="0">
+                <a:solidFill>
+                  <a:srgbClr val="FFC000"/>
+                </a:solidFill>
+              </a:rPr>
+              <a:t>synchronized</a:t>
+            </a:r>
+            <a:r>
+              <a:rPr lang="pt-BR" sz="2000" dirty="0" smtClean="0"/>
+              <a:t>(</a:t>
+            </a:r>
+            <a:r>
+              <a:rPr lang="pt-BR" sz="2000" dirty="0" err="1" smtClean="0"/>
+              <a:t>obj</a:t>
+            </a:r>
+            <a:r>
+              <a:rPr lang="pt-BR" sz="2000" dirty="0" smtClean="0"/>
+              <a:t>) {</a:t>
+            </a:r>
+          </a:p>
+          <a:p>
+            <a:pPr marL="0" indent="0">
+              <a:spcBef>
+                <a:spcPts val="0"/>
+              </a:spcBef>
+              <a:buNone/>
+              <a:tabLst>
+                <a:tab pos="539750" algn="l"/>
+                <a:tab pos="984250" algn="l"/>
+                <a:tab pos="1441450" algn="l"/>
+              </a:tabLst>
+            </a:pPr>
+            <a:r>
+              <a:rPr lang="pt-BR" sz="2000" dirty="0" smtClean="0"/>
+              <a:t>	</a:t>
+            </a:r>
+            <a:r>
+              <a:rPr lang="pt-BR" sz="2000" dirty="0" smtClean="0"/>
+              <a:t>		...</a:t>
+            </a:r>
+          </a:p>
+          <a:p>
+            <a:pPr marL="0" indent="0">
+              <a:spcBef>
+                <a:spcPts val="0"/>
+              </a:spcBef>
+              <a:buNone/>
+              <a:tabLst>
+                <a:tab pos="539750" algn="l"/>
+                <a:tab pos="984250" algn="l"/>
+                <a:tab pos="1441450" algn="l"/>
+              </a:tabLst>
+            </a:pPr>
+            <a:r>
+              <a:rPr lang="pt-BR" sz="2000" dirty="0" smtClean="0"/>
+              <a:t>		}</a:t>
+            </a:r>
+          </a:p>
+          <a:p>
+            <a:pPr marL="0" indent="0">
+              <a:spcBef>
+                <a:spcPts val="0"/>
+              </a:spcBef>
+              <a:buNone/>
+              <a:tabLst>
+                <a:tab pos="539750" algn="l"/>
+                <a:tab pos="984250" algn="l"/>
+                <a:tab pos="1441450" algn="l"/>
+              </a:tabLst>
+            </a:pPr>
+            <a:r>
+              <a:rPr lang="pt-BR" sz="2000" dirty="0" smtClean="0"/>
+              <a:t>		...</a:t>
+            </a:r>
+          </a:p>
+          <a:p>
+            <a:pPr marL="0" indent="0">
+              <a:spcBef>
+                <a:spcPts val="0"/>
+              </a:spcBef>
+              <a:buNone/>
+              <a:tabLst>
+                <a:tab pos="539750" algn="l"/>
+                <a:tab pos="984250" algn="l"/>
+                <a:tab pos="1441450" algn="l"/>
+              </a:tabLst>
+            </a:pPr>
+            <a:r>
+              <a:rPr lang="pt-BR" sz="2000" dirty="0" smtClean="0"/>
+              <a:t>	</a:t>
+            </a:r>
+            <a:r>
+              <a:rPr lang="pt-BR" sz="2000" dirty="0" smtClean="0"/>
+              <a:t>}</a:t>
+            </a:r>
+            <a:endParaRPr lang="pt-BR" sz="2000" dirty="0" smtClean="0"/>
+          </a:p>
+          <a:p>
+            <a:pPr marL="0" indent="0">
+              <a:spcBef>
+                <a:spcPts val="0"/>
+              </a:spcBef>
+              <a:buNone/>
+              <a:tabLst>
+                <a:tab pos="539750" algn="l"/>
+                <a:tab pos="984250" algn="l"/>
+                <a:tab pos="1441450" algn="l"/>
+              </a:tabLst>
+            </a:pPr>
+            <a:r>
+              <a:rPr lang="pt-BR" sz="2000" dirty="0" smtClean="0"/>
+              <a:t>	...</a:t>
+            </a:r>
+            <a:endParaRPr lang="pt-BR" sz="2000" dirty="0" smtClean="0"/>
+          </a:p>
+          <a:p>
+            <a:pPr marL="0" indent="0">
+              <a:spcBef>
+                <a:spcPts val="0"/>
+              </a:spcBef>
+              <a:buNone/>
+              <a:tabLst>
+                <a:tab pos="539750" algn="l"/>
+                <a:tab pos="984250" algn="l"/>
+                <a:tab pos="1441450" algn="l"/>
+              </a:tabLst>
+            </a:pPr>
+            <a:r>
+              <a:rPr lang="pt-BR" sz="2000" dirty="0" smtClean="0"/>
+              <a:t>}</a:t>
+            </a:r>
+            <a:endParaRPr lang="pt-BR" sz="2000" dirty="0" smtClean="0"/>
           </a:p>
         </p:txBody>
       </p:sp>
@@ -27141,7 +28102,7 @@
       </p:grpSpPr>
       <p:sp>
         <p:nvSpPr>
-          <p:cNvPr id="27650" name="Título 1"/>
+          <p:cNvPr id="25602" name="Título 1"/>
           <p:cNvSpPr>
             <a:spLocks noGrp="1"/>
           </p:cNvSpPr>
@@ -27149,7 +28110,12 @@
             <p:ph type="title"/>
           </p:nvPr>
         </p:nvSpPr>
-        <p:spPr/>
+        <p:spPr>
+          <a:xfrm>
+            <a:off x="457200" y="274638"/>
+            <a:ext cx="8075240" cy="1143000"/>
+          </a:xfrm>
+        </p:spPr>
         <p:txBody>
           <a:bodyPr/>
           <a:lstStyle/>
@@ -27157,27 +28123,315 @@
             <a:pPr eaLnBrk="1" hangingPunct="1"/>
             <a:r>
               <a:rPr lang="pt-BR" dirty="0" smtClean="0"/>
-              <a:t>Interação entre threads</a:t>
-            </a:r>
+              <a:t>Sincronização – </a:t>
+            </a:r>
+            <a:r>
+              <a:rPr lang="pt-BR" sz="3600" dirty="0" smtClean="0"/>
+              <a:t>Bloqueio de </a:t>
+            </a:r>
+            <a:r>
+              <a:rPr lang="pt-BR" sz="3600" dirty="0" smtClean="0"/>
+              <a:t>trecho</a:t>
+            </a:r>
+            <a:endParaRPr lang="pt-BR" dirty="0" smtClean="0"/>
           </a:p>
         </p:txBody>
       </p:sp>
       <p:sp>
         <p:nvSpPr>
-          <p:cNvPr id="27651" name="Espaço Reservado para Conteúdo 2"/>
+          <p:cNvPr id="5" name="Espaço Reservado para Conteúdo 4"/>
           <p:cNvSpPr>
             <a:spLocks noGrp="1"/>
           </p:cNvSpPr>
           <p:nvPr>
-            <p:ph idx="1"/>
+            <p:ph sz="half" idx="1"/>
           </p:nvPr>
         </p:nvSpPr>
-        <p:spPr/>
+        <p:spPr>
+          <a:xfrm>
+            <a:off x="1486000" y="1600200"/>
+            <a:ext cx="6038328" cy="2332855"/>
+          </a:xfrm>
+        </p:spPr>
         <p:txBody>
           <a:bodyPr/>
           <a:lstStyle/>
           <a:p>
-            <a:endParaRPr lang="pt-BR" smtClean="0"/>
+            <a:pPr marL="0" indent="0">
+              <a:spcBef>
+                <a:spcPts val="0"/>
+              </a:spcBef>
+              <a:buNone/>
+              <a:tabLst>
+                <a:tab pos="539750" algn="l"/>
+                <a:tab pos="984250" algn="l"/>
+                <a:tab pos="1441450" algn="l"/>
+              </a:tabLst>
+            </a:pPr>
+            <a:r>
+              <a:rPr lang="pt-BR" sz="2400" dirty="0" err="1" smtClean="0"/>
+              <a:t>public</a:t>
+            </a:r>
+            <a:r>
+              <a:rPr lang="pt-BR" sz="2400" dirty="0" smtClean="0"/>
+              <a:t> </a:t>
+            </a:r>
+            <a:r>
+              <a:rPr lang="pt-BR" sz="2400" b="1" dirty="0" err="1" smtClean="0">
+                <a:solidFill>
+                  <a:srgbClr val="FFC000"/>
+                </a:solidFill>
+              </a:rPr>
+              <a:t>synchronized</a:t>
+            </a:r>
+            <a:r>
+              <a:rPr lang="pt-BR" sz="2400" dirty="0" smtClean="0"/>
+              <a:t> </a:t>
+            </a:r>
+            <a:r>
+              <a:rPr lang="pt-BR" sz="2400" dirty="0" err="1" smtClean="0"/>
+              <a:t>void</a:t>
+            </a:r>
+            <a:r>
+              <a:rPr lang="pt-BR" sz="2400" dirty="0" smtClean="0"/>
+              <a:t> </a:t>
+            </a:r>
+            <a:r>
+              <a:rPr lang="pt-BR" sz="2400" dirty="0" err="1" smtClean="0"/>
+              <a:t>algumMetodo</a:t>
+            </a:r>
+            <a:r>
+              <a:rPr lang="pt-BR" sz="2400" dirty="0" smtClean="0"/>
+              <a:t>() {</a:t>
+            </a:r>
+          </a:p>
+          <a:p>
+            <a:pPr marL="0" indent="0">
+              <a:spcBef>
+                <a:spcPts val="0"/>
+              </a:spcBef>
+              <a:buNone/>
+              <a:tabLst>
+                <a:tab pos="539750" algn="l"/>
+                <a:tab pos="984250" algn="l"/>
+                <a:tab pos="1441450" algn="l"/>
+              </a:tabLst>
+            </a:pPr>
+            <a:r>
+              <a:rPr lang="pt-BR" sz="2400" dirty="0" smtClean="0"/>
+              <a:t>	...</a:t>
+            </a:r>
+          </a:p>
+          <a:p>
+            <a:pPr marL="0" indent="0">
+              <a:spcBef>
+                <a:spcPts val="0"/>
+              </a:spcBef>
+              <a:buNone/>
+              <a:tabLst>
+                <a:tab pos="539750" algn="l"/>
+                <a:tab pos="984250" algn="l"/>
+                <a:tab pos="1441450" algn="l"/>
+              </a:tabLst>
+            </a:pPr>
+            <a:r>
+              <a:rPr lang="pt-BR" sz="2400" dirty="0" smtClean="0"/>
+              <a:t>	...</a:t>
+            </a:r>
+          </a:p>
+          <a:p>
+            <a:pPr marL="0" indent="0">
+              <a:spcBef>
+                <a:spcPts val="0"/>
+              </a:spcBef>
+              <a:buNone/>
+              <a:tabLst>
+                <a:tab pos="539750" algn="l"/>
+                <a:tab pos="984250" algn="l"/>
+                <a:tab pos="1441450" algn="l"/>
+              </a:tabLst>
+            </a:pPr>
+            <a:r>
+              <a:rPr lang="pt-BR" sz="2400" dirty="0" smtClean="0"/>
+              <a:t>}</a:t>
+            </a:r>
+            <a:endParaRPr lang="pt-BR" sz="2400" dirty="0" smtClean="0"/>
+          </a:p>
+        </p:txBody>
+      </p:sp>
+      <p:sp>
+        <p:nvSpPr>
+          <p:cNvPr id="6" name="Espaço Reservado para Conteúdo 5"/>
+          <p:cNvSpPr>
+            <a:spLocks noGrp="1"/>
+          </p:cNvSpPr>
+          <p:nvPr>
+            <p:ph sz="half" idx="2"/>
+          </p:nvPr>
+        </p:nvSpPr>
+        <p:spPr>
+          <a:xfrm>
+            <a:off x="1552581" y="4005064"/>
+            <a:ext cx="5935254" cy="2376264"/>
+          </a:xfrm>
+          <a:ln>
+            <a:noFill/>
+          </a:ln>
+        </p:spPr>
+        <p:txBody>
+          <a:bodyPr/>
+          <a:lstStyle/>
+          <a:p>
+            <a:pPr marL="0" indent="0">
+              <a:spcBef>
+                <a:spcPts val="0"/>
+              </a:spcBef>
+              <a:buNone/>
+              <a:tabLst>
+                <a:tab pos="539750" algn="l"/>
+                <a:tab pos="984250" algn="l"/>
+                <a:tab pos="1441450" algn="l"/>
+              </a:tabLst>
+            </a:pPr>
+            <a:r>
+              <a:rPr lang="pt-BR" sz="2400" dirty="0" err="1" smtClean="0"/>
+              <a:t>public</a:t>
+            </a:r>
+            <a:r>
+              <a:rPr lang="pt-BR" sz="2400" dirty="0" smtClean="0"/>
+              <a:t> </a:t>
+            </a:r>
+            <a:r>
+              <a:rPr lang="pt-BR" sz="2400" dirty="0" err="1" smtClean="0"/>
+              <a:t>void</a:t>
+            </a:r>
+            <a:r>
+              <a:rPr lang="pt-BR" sz="2400" dirty="0" smtClean="0"/>
+              <a:t> </a:t>
+            </a:r>
+            <a:r>
+              <a:rPr lang="pt-BR" sz="2400" dirty="0" err="1" smtClean="0"/>
+              <a:t>algumMetodo</a:t>
+            </a:r>
+            <a:r>
+              <a:rPr lang="pt-BR" sz="2400" dirty="0" smtClean="0"/>
+              <a:t>() </a:t>
+            </a:r>
+            <a:r>
+              <a:rPr lang="pt-BR" sz="2400" dirty="0" smtClean="0"/>
+              <a:t>{</a:t>
+            </a:r>
+          </a:p>
+          <a:p>
+            <a:pPr marL="0" indent="0">
+              <a:spcBef>
+                <a:spcPts val="0"/>
+              </a:spcBef>
+              <a:buNone/>
+              <a:tabLst>
+                <a:tab pos="539750" algn="l"/>
+                <a:tab pos="984250" algn="l"/>
+                <a:tab pos="1441450" algn="l"/>
+              </a:tabLst>
+            </a:pPr>
+            <a:r>
+              <a:rPr lang="pt-BR" sz="2400" dirty="0" smtClean="0"/>
+              <a:t>	</a:t>
+            </a:r>
+            <a:r>
+              <a:rPr lang="pt-BR" sz="2400" b="1" dirty="0" err="1" smtClean="0">
+                <a:solidFill>
+                  <a:srgbClr val="FFC000"/>
+                </a:solidFill>
+              </a:rPr>
+              <a:t>synchronized</a:t>
+            </a:r>
+            <a:r>
+              <a:rPr lang="pt-BR" sz="2400" dirty="0" smtClean="0"/>
+              <a:t>(</a:t>
+            </a:r>
+            <a:r>
+              <a:rPr lang="pt-BR" sz="2400" b="1" dirty="0" err="1" smtClean="0"/>
+              <a:t>this</a:t>
+            </a:r>
+            <a:r>
+              <a:rPr lang="pt-BR" sz="2400" dirty="0" smtClean="0"/>
+              <a:t>) {</a:t>
+            </a:r>
+          </a:p>
+          <a:p>
+            <a:pPr marL="0" indent="0">
+              <a:spcBef>
+                <a:spcPts val="0"/>
+              </a:spcBef>
+              <a:buNone/>
+              <a:tabLst>
+                <a:tab pos="539750" algn="l"/>
+                <a:tab pos="984250" algn="l"/>
+                <a:tab pos="1441450" algn="l"/>
+              </a:tabLst>
+            </a:pPr>
+            <a:r>
+              <a:rPr lang="pt-BR" sz="2400" dirty="0" smtClean="0"/>
+              <a:t>		...</a:t>
+            </a:r>
+          </a:p>
+          <a:p>
+            <a:pPr marL="0" indent="0">
+              <a:spcBef>
+                <a:spcPts val="0"/>
+              </a:spcBef>
+              <a:buNone/>
+              <a:tabLst>
+                <a:tab pos="539750" algn="l"/>
+                <a:tab pos="984250" algn="l"/>
+                <a:tab pos="1441450" algn="l"/>
+              </a:tabLst>
+            </a:pPr>
+            <a:r>
+              <a:rPr lang="pt-BR" sz="2400" dirty="0" smtClean="0"/>
+              <a:t>		...</a:t>
+            </a:r>
+          </a:p>
+          <a:p>
+            <a:pPr marL="0" indent="0">
+              <a:spcBef>
+                <a:spcPts val="0"/>
+              </a:spcBef>
+              <a:buNone/>
+              <a:tabLst>
+                <a:tab pos="539750" algn="l"/>
+                <a:tab pos="984250" algn="l"/>
+                <a:tab pos="1441450" algn="l"/>
+              </a:tabLst>
+            </a:pPr>
+            <a:r>
+              <a:rPr lang="pt-BR" sz="2400" dirty="0" smtClean="0"/>
+              <a:t>	</a:t>
+            </a:r>
+            <a:r>
+              <a:rPr lang="pt-BR" sz="2400" dirty="0" smtClean="0"/>
+              <a:t>}</a:t>
+            </a:r>
+            <a:endParaRPr lang="pt-BR" sz="2400" dirty="0" smtClean="0"/>
+          </a:p>
+          <a:p>
+            <a:pPr marL="0" indent="0">
+              <a:spcBef>
+                <a:spcPts val="0"/>
+              </a:spcBef>
+              <a:buNone/>
+              <a:tabLst>
+                <a:tab pos="539750" algn="l"/>
+                <a:tab pos="984250" algn="l"/>
+                <a:tab pos="1441450" algn="l"/>
+              </a:tabLst>
+            </a:pPr>
+            <a:r>
+              <a:rPr lang="pt-BR" sz="2400" dirty="0" smtClean="0"/>
+              <a:t>}</a:t>
+            </a:r>
+            <a:endParaRPr lang="pt-BR" sz="2400" dirty="0" smtClean="0"/>
           </a:p>
         </p:txBody>
       </p:sp>
@@ -27205,6 +28459,248 @@
                 <a:defRPr/>
               </a:pPr>
               <a:t>32</a:t>
+            </a:fld>
+            <a:endParaRPr lang="pt-BR"/>
+          </a:p>
+        </p:txBody>
+      </p:sp>
+      <p:sp>
+        <p:nvSpPr>
+          <p:cNvPr id="9" name="CaixaDeTexto 8"/>
+          <p:cNvSpPr txBox="1"/>
+          <p:nvPr/>
+        </p:nvSpPr>
+        <p:spPr>
+          <a:xfrm>
+            <a:off x="3203848" y="3429000"/>
+            <a:ext cx="2287806" cy="369332"/>
+          </a:xfrm>
+          <a:prstGeom prst="rect">
+            <a:avLst/>
+          </a:prstGeom>
+          <a:noFill/>
+          <a:ln>
+            <a:solidFill>
+              <a:schemeClr val="tx1"/>
+            </a:solidFill>
+          </a:ln>
+        </p:spPr>
+        <p:txBody>
+          <a:bodyPr wrap="none" rtlCol="0">
+            <a:spAutoFit/>
+          </a:bodyPr>
+          <a:lstStyle/>
+          <a:p>
+            <a:r>
+              <a:rPr lang="pt-BR" dirty="0" smtClean="0"/>
+              <a:t>... é o mesmo que ...</a:t>
+            </a:r>
+            <a:endParaRPr lang="pt-BR" dirty="0"/>
+          </a:p>
+        </p:txBody>
+      </p:sp>
+    </p:spTree>
+  </p:cSld>
+  <p:clrMapOvr>
+    <a:masterClrMapping/>
+  </p:clrMapOvr>
+  <p:timing>
+    <p:tnLst>
+      <p:par>
+        <p:cTn id="1" dur="indefinite" restart="never" nodeType="tmRoot"/>
+      </p:par>
+    </p:tnLst>
+  </p:timing>
+</p:sld>
+</file>
+
+<file path=ppt/slides/slide33.xml><?xml version="1.0" encoding="utf-8"?>
+<p:sld xmlns:a="http://schemas.openxmlformats.org/drawingml/2006/main" xmlns:r="http://schemas.openxmlformats.org/officeDocument/2006/relationships" xmlns:p="http://schemas.openxmlformats.org/presentationml/2006/main">
+  <p:cSld>
+    <p:spTree>
+      <p:nvGrpSpPr>
+        <p:cNvPr id="1" name=""/>
+        <p:cNvGrpSpPr/>
+        <p:nvPr/>
+      </p:nvGrpSpPr>
+      <p:grpSpPr>
+        <a:xfrm>
+          <a:off x="0" y="0"/>
+          <a:ext cx="0" cy="0"/>
+          <a:chOff x="0" y="0"/>
+          <a:chExt cx="0" cy="0"/>
+        </a:xfrm>
+      </p:grpSpPr>
+      <p:sp>
+        <p:nvSpPr>
+          <p:cNvPr id="26626" name="Título 1"/>
+          <p:cNvSpPr>
+            <a:spLocks noGrp="1"/>
+          </p:cNvSpPr>
+          <p:nvPr>
+            <p:ph type="title"/>
+          </p:nvPr>
+        </p:nvSpPr>
+        <p:spPr/>
+        <p:txBody>
+          <a:bodyPr/>
+          <a:lstStyle/>
+          <a:p>
+            <a:pPr eaLnBrk="1" hangingPunct="1"/>
+            <a:r>
+              <a:rPr lang="pt-BR" dirty="0" err="1" smtClean="0"/>
+              <a:t>Deadlock</a:t>
+            </a:r>
+            <a:endParaRPr lang="pt-BR" dirty="0" smtClean="0"/>
+          </a:p>
+        </p:txBody>
+      </p:sp>
+      <p:sp>
+        <p:nvSpPr>
+          <p:cNvPr id="26627" name="Espaço Reservado para Conteúdo 2"/>
+          <p:cNvSpPr>
+            <a:spLocks noGrp="1"/>
+          </p:cNvSpPr>
+          <p:nvPr>
+            <p:ph idx="1"/>
+          </p:nvPr>
+        </p:nvSpPr>
+        <p:spPr/>
+        <p:txBody>
+          <a:bodyPr/>
+          <a:lstStyle/>
+          <a:p>
+            <a:endParaRPr lang="pt-BR" smtClean="0"/>
+          </a:p>
+        </p:txBody>
+      </p:sp>
+      <p:sp>
+        <p:nvSpPr>
+          <p:cNvPr id="4" name="Espaço Reservado para Número de Slide 3"/>
+          <p:cNvSpPr>
+            <a:spLocks noGrp="1"/>
+          </p:cNvSpPr>
+          <p:nvPr>
+            <p:ph type="sldNum" sz="quarter" idx="12"/>
+          </p:nvPr>
+        </p:nvSpPr>
+        <p:spPr/>
+        <p:txBody>
+          <a:bodyPr/>
+          <a:lstStyle/>
+          <a:p>
+            <a:pPr>
+              <a:defRPr/>
+            </a:pPr>
+            <a:fld id="{A3E49AD4-F76A-4E25-A0A5-9CD64D5A0A0D}" type="slidenum">
+              <a:rPr lang="pt-BR" smtClean="0"/>
+              <a:pPr>
+                <a:defRPr/>
+              </a:pPr>
+              <a:t>33</a:t>
+            </a:fld>
+            <a:endParaRPr lang="pt-BR"/>
+          </a:p>
+        </p:txBody>
+      </p:sp>
+    </p:spTree>
+  </p:cSld>
+  <p:clrMapOvr>
+    <a:masterClrMapping/>
+  </p:clrMapOvr>
+  <p:timing>
+    <p:tnLst>
+      <p:par>
+        <p:cTn id="1" dur="indefinite" restart="never" nodeType="tmRoot"/>
+      </p:par>
+    </p:tnLst>
+  </p:timing>
+</p:sld>
+</file>
+
+<file path=ppt/slides/slide34.xml><?xml version="1.0" encoding="utf-8"?>
+<p:sld xmlns:a="http://schemas.openxmlformats.org/drawingml/2006/main" xmlns:r="http://schemas.openxmlformats.org/officeDocument/2006/relationships" xmlns:p="http://schemas.openxmlformats.org/presentationml/2006/main">
+  <p:cSld>
+    <p:spTree>
+      <p:nvGrpSpPr>
+        <p:cNvPr id="1" name=""/>
+        <p:cNvGrpSpPr/>
+        <p:nvPr/>
+      </p:nvGrpSpPr>
+      <p:grpSpPr>
+        <a:xfrm>
+          <a:off x="0" y="0"/>
+          <a:ext cx="0" cy="0"/>
+          <a:chOff x="0" y="0"/>
+          <a:chExt cx="0" cy="0"/>
+        </a:xfrm>
+      </p:grpSpPr>
+      <p:sp>
+        <p:nvSpPr>
+          <p:cNvPr id="27650" name="Título 1"/>
+          <p:cNvSpPr>
+            <a:spLocks noGrp="1"/>
+          </p:cNvSpPr>
+          <p:nvPr>
+            <p:ph type="title"/>
+          </p:nvPr>
+        </p:nvSpPr>
+        <p:spPr/>
+        <p:txBody>
+          <a:bodyPr/>
+          <a:lstStyle/>
+          <a:p>
+            <a:pPr eaLnBrk="1" hangingPunct="1"/>
+            <a:r>
+              <a:rPr lang="pt-BR" dirty="0" smtClean="0"/>
+              <a:t>Interação entre threads</a:t>
+            </a:r>
+          </a:p>
+        </p:txBody>
+      </p:sp>
+      <p:sp>
+        <p:nvSpPr>
+          <p:cNvPr id="27651" name="Espaço Reservado para Conteúdo 2"/>
+          <p:cNvSpPr>
+            <a:spLocks noGrp="1"/>
+          </p:cNvSpPr>
+          <p:nvPr>
+            <p:ph idx="1"/>
+          </p:nvPr>
+        </p:nvSpPr>
+        <p:spPr/>
+        <p:txBody>
+          <a:bodyPr/>
+          <a:lstStyle/>
+          <a:p>
+            <a:endParaRPr lang="pt-BR" smtClean="0"/>
+          </a:p>
+        </p:txBody>
+      </p:sp>
+      <p:sp>
+        <p:nvSpPr>
+          <p:cNvPr id="4" name="Espaço Reservado para Número de Slide 3"/>
+          <p:cNvSpPr>
+            <a:spLocks noGrp="1"/>
+          </p:cNvSpPr>
+          <p:nvPr>
+            <p:ph type="sldNum" sz="quarter" idx="12"/>
+          </p:nvPr>
+        </p:nvSpPr>
+        <p:spPr/>
+        <p:txBody>
+          <a:bodyPr/>
+          <a:lstStyle/>
+          <a:p>
+            <a:pPr>
+              <a:defRPr/>
+            </a:pPr>
+            <a:fld id="{A3E49AD4-F76A-4E25-A0A5-9CD64D5A0A0D}" type="slidenum">
+              <a:rPr lang="pt-BR" smtClean="0"/>
+              <a:pPr>
+                <a:defRPr/>
+              </a:pPr>
+              <a:t>34</a:t>
             </a:fld>
             <a:endParaRPr lang="pt-BR"/>
           </a:p>

--- a/2-Java-Programmer-Modulo-II/14.Capitulo08.pptx
+++ b/2-Java-Programmer-Modulo-II/14.Capitulo08.pptx
@@ -40,8 +40,8 @@
     <p:sldId id="315" r:id="rId31"/>
     <p:sldId id="346" r:id="rId32"/>
     <p:sldId id="347" r:id="rId33"/>
-    <p:sldId id="316" r:id="rId34"/>
-    <p:sldId id="317" r:id="rId35"/>
+    <p:sldId id="317" r:id="rId34"/>
+    <p:sldId id="316" r:id="rId35"/>
   </p:sldIdLst>
   <p:sldSz cx="9144000" cy="6858000" type="screen4x3"/>
   <p:notesSz cx="6858000" cy="9144000"/>
@@ -282,7 +282,7 @@
               <a:pPr>
                 <a:defRPr/>
               </a:pPr>
-              <a:t>23/04/2012</a:t>
+              <a:t>24/04/2012</a:t>
             </a:fld>
             <a:endParaRPr lang="pt-BR"/>
           </a:p>
@@ -3164,7 +3164,7 @@
       </p:grpSpPr>
       <p:sp>
         <p:nvSpPr>
-          <p:cNvPr id="49154" name="Espaço Reservado para Imagem de Slide 1"/>
+          <p:cNvPr id="50178" name="Espaço Reservado para Imagem de Slide 1"/>
           <p:cNvSpPr>
             <a:spLocks noGrp="1" noRot="1" noChangeAspect="1" noTextEdit="1"/>
           </p:cNvSpPr>
@@ -3186,7 +3186,7 @@
       </p:sp>
       <p:sp>
         <p:nvSpPr>
-          <p:cNvPr id="49155" name="Espaço Reservado para Anotações 2"/>
+          <p:cNvPr id="50179" name="Espaço Reservado para Anotações 2"/>
           <p:cNvSpPr>
             <a:spLocks noGrp="1"/>
           </p:cNvSpPr>
@@ -3227,7 +3227,7 @@
             <a:pPr>
               <a:defRPr/>
             </a:pPr>
-            <a:fld id="{94627C42-8E0D-4C50-A726-3D908F1BD667}" type="slidenum">
+            <a:fld id="{D1504F8C-84CC-4741-AE25-BE957FF16396}" type="slidenum">
               <a:rPr lang="pt-BR" smtClean="0"/>
               <a:pPr>
                 <a:defRPr/>
@@ -3265,7 +3265,7 @@
       </p:grpSpPr>
       <p:sp>
         <p:nvSpPr>
-          <p:cNvPr id="50178" name="Espaço Reservado para Imagem de Slide 1"/>
+          <p:cNvPr id="49154" name="Espaço Reservado para Imagem de Slide 1"/>
           <p:cNvSpPr>
             <a:spLocks noGrp="1" noRot="1" noChangeAspect="1" noTextEdit="1"/>
           </p:cNvSpPr>
@@ -3287,7 +3287,7 @@
       </p:sp>
       <p:sp>
         <p:nvSpPr>
-          <p:cNvPr id="50179" name="Espaço Reservado para Anotações 2"/>
+          <p:cNvPr id="49155" name="Espaço Reservado para Anotações 2"/>
           <p:cNvSpPr>
             <a:spLocks noGrp="1"/>
           </p:cNvSpPr>
@@ -3328,7 +3328,7 @@
             <a:pPr>
               <a:defRPr/>
             </a:pPr>
-            <a:fld id="{D1504F8C-84CC-4741-AE25-BE957FF16396}" type="slidenum">
+            <a:fld id="{94627C42-8E0D-4C50-A726-3D908F1BD667}" type="slidenum">
               <a:rPr lang="pt-BR" smtClean="0"/>
               <a:pPr>
                 <a:defRPr/>
@@ -4371,7 +4371,7 @@
               <a:pPr>
                 <a:defRPr/>
               </a:pPr>
-              <a:t>23/04/2012</a:t>
+              <a:t>24/04/2012</a:t>
             </a:fld>
             <a:endParaRPr lang="pt-BR"/>
           </a:p>
@@ -4570,7 +4570,7 @@
               <a:pPr>
                 <a:defRPr/>
               </a:pPr>
-              <a:t>23/04/2012</a:t>
+              <a:t>24/04/2012</a:t>
             </a:fld>
             <a:endParaRPr lang="pt-BR"/>
           </a:p>
@@ -4772,7 +4772,7 @@
               <a:pPr>
                 <a:defRPr/>
               </a:pPr>
-              <a:t>23/04/2012</a:t>
+              <a:t>24/04/2012</a:t>
             </a:fld>
             <a:endParaRPr lang="pt-BR"/>
           </a:p>
@@ -4968,7 +4968,7 @@
               <a:pPr>
                 <a:defRPr/>
               </a:pPr>
-              <a:t>23/04/2012</a:t>
+              <a:t>24/04/2012</a:t>
             </a:fld>
             <a:endParaRPr lang="pt-BR"/>
           </a:p>
@@ -5474,7 +5474,7 @@
               <a:pPr>
                 <a:defRPr/>
               </a:pPr>
-              <a:t>23/04/2012</a:t>
+              <a:t>24/04/2012</a:t>
             </a:fld>
             <a:endParaRPr lang="pt-BR"/>
           </a:p>
@@ -5765,7 +5765,7 @@
               <a:pPr>
                 <a:defRPr/>
               </a:pPr>
-              <a:t>23/04/2012</a:t>
+              <a:t>24/04/2012</a:t>
             </a:fld>
             <a:endParaRPr lang="pt-BR"/>
           </a:p>
@@ -6166,7 +6166,7 @@
               <a:pPr>
                 <a:defRPr/>
               </a:pPr>
-              <a:t>23/04/2012</a:t>
+              <a:t>24/04/2012</a:t>
             </a:fld>
             <a:endParaRPr lang="pt-BR"/>
           </a:p>
@@ -6315,7 +6315,7 @@
               <a:pPr>
                 <a:defRPr/>
               </a:pPr>
-              <a:t>23/04/2012</a:t>
+              <a:t>24/04/2012</a:t>
             </a:fld>
             <a:endParaRPr lang="pt-BR"/>
           </a:p>
@@ -6432,7 +6432,7 @@
               <a:pPr>
                 <a:defRPr/>
               </a:pPr>
-              <a:t>23/04/2012</a:t>
+              <a:t>24/04/2012</a:t>
             </a:fld>
             <a:endParaRPr lang="pt-BR"/>
           </a:p>
@@ -6708,7 +6708,7 @@
               <a:pPr>
                 <a:defRPr/>
               </a:pPr>
-              <a:t>23/04/2012</a:t>
+              <a:t>24/04/2012</a:t>
             </a:fld>
             <a:endParaRPr lang="pt-BR"/>
           </a:p>
@@ -6992,7 +6992,7 @@
               <a:pPr>
                 <a:defRPr/>
               </a:pPr>
-              <a:t>23/04/2012</a:t>
+              <a:t>24/04/2012</a:t>
             </a:fld>
             <a:endParaRPr lang="pt-BR"/>
           </a:p>
@@ -7470,7 +7470,7 @@
               <a:pPr>
                 <a:defRPr/>
               </a:pPr>
-              <a:t>23/04/2012</a:t>
+              <a:t>24/04/2012</a:t>
             </a:fld>
             <a:endParaRPr lang="pt-BR"/>
           </a:p>
@@ -20277,11 +20277,7 @@
           <a:p>
             <a:r>
               <a:rPr lang="pt-BR" dirty="0" smtClean="0"/>
-              <a:t>Sincronização – </a:t>
-            </a:r>
-            <a:r>
-              <a:rPr lang="pt-BR" sz="3600" dirty="0" smtClean="0"/>
-              <a:t>Bloqueio de método</a:t>
+              <a:t>Sincronização por método</a:t>
             </a:r>
             <a:endParaRPr lang="pt-BR" sz="3600" dirty="0"/>
           </a:p>
@@ -20672,11 +20668,7 @@
           <a:p>
             <a:r>
               <a:rPr lang="pt-BR" dirty="0" smtClean="0"/>
-              <a:t>Sincronização – </a:t>
-            </a:r>
-            <a:r>
-              <a:rPr lang="pt-BR" sz="3600" dirty="0" smtClean="0"/>
-              <a:t>Bloqueio de método</a:t>
+              <a:t>Sincronização por método</a:t>
             </a:r>
             <a:endParaRPr lang="pt-BR" dirty="0"/>
           </a:p>
@@ -27149,11 +27141,7 @@
             <a:pPr eaLnBrk="1" hangingPunct="1"/>
             <a:r>
               <a:rPr lang="pt-BR" dirty="0" smtClean="0"/>
-              <a:t>Sincronização – </a:t>
-            </a:r>
-            <a:r>
-              <a:rPr lang="pt-BR" sz="3600" dirty="0" smtClean="0"/>
-              <a:t>Bloqueio de método</a:t>
+              <a:t>Sincronização por método</a:t>
             </a:r>
             <a:endParaRPr lang="pt-BR" dirty="0" smtClean="0"/>
           </a:p>
@@ -27318,13 +27306,8 @@
             </a:pPr>
             <a:r>
               <a:rPr lang="pt-BR" sz="2000" dirty="0" smtClean="0"/>
-              <a:t>		</a:t>
-            </a:r>
-            <a:r>
-              <a:rPr lang="pt-BR" sz="2000" dirty="0" smtClean="0"/>
-              <a:t>...</a:t>
-            </a:r>
-            <a:endParaRPr lang="pt-BR" sz="2000" dirty="0" smtClean="0"/>
+              <a:t>		...</a:t>
+            </a:r>
           </a:p>
           <a:p>
             <a:pPr marL="0" indent="0">
@@ -27339,13 +27322,8 @@
             </a:pPr>
             <a:r>
               <a:rPr lang="pt-BR" sz="2000" dirty="0" smtClean="0"/>
-              <a:t>	</a:t>
-            </a:r>
-            <a:r>
-              <a:rPr lang="pt-BR" sz="2000" dirty="0" smtClean="0"/>
-              <a:t>}</a:t>
-            </a:r>
-            <a:endParaRPr lang="pt-BR" sz="2000" dirty="0" smtClean="0"/>
+              <a:t>	}</a:t>
+            </a:r>
           </a:p>
           <a:p>
             <a:pPr marL="0" indent="0">
@@ -27420,13 +27398,8 @@
             </a:pPr>
             <a:r>
               <a:rPr lang="pt-BR" sz="2000" dirty="0" smtClean="0"/>
-              <a:t>		</a:t>
-            </a:r>
-            <a:r>
-              <a:rPr lang="pt-BR" sz="2000" dirty="0" smtClean="0"/>
-              <a:t>...</a:t>
-            </a:r>
-            <a:endParaRPr lang="pt-BR" sz="2000" dirty="0" smtClean="0"/>
+              <a:t>		...</a:t>
+            </a:r>
           </a:p>
           <a:p>
             <a:pPr marL="0" indent="0">
@@ -27441,13 +27414,8 @@
             </a:pPr>
             <a:r>
               <a:rPr lang="pt-BR" sz="2000" dirty="0" smtClean="0"/>
-              <a:t>	</a:t>
-            </a:r>
-            <a:r>
-              <a:rPr lang="pt-BR" sz="2000" dirty="0" smtClean="0"/>
-              <a:t>}</a:t>
-            </a:r>
-            <a:endParaRPr lang="pt-BR" sz="2000" dirty="0" smtClean="0"/>
+              <a:t>	}</a:t>
+            </a:r>
           </a:p>
           <a:p>
             <a:pPr marL="0" indent="0">
@@ -27530,13 +27498,8 @@
             </a:pPr>
             <a:r>
               <a:rPr lang="pt-BR" sz="2000" dirty="0" smtClean="0"/>
-              <a:t>		</a:t>
-            </a:r>
-            <a:r>
-              <a:rPr lang="pt-BR" sz="2000" dirty="0" smtClean="0"/>
-              <a:t>...</a:t>
-            </a:r>
-            <a:endParaRPr lang="pt-BR" sz="2000" dirty="0" smtClean="0"/>
+              <a:t>		...</a:t>
+            </a:r>
           </a:p>
           <a:p>
             <a:pPr marL="0" indent="0">
@@ -27551,11 +27514,7 @@
             </a:pPr>
             <a:r>
               <a:rPr lang="pt-BR" sz="2000" dirty="0" smtClean="0"/>
-              <a:t>	</a:t>
-            </a:r>
-            <a:r>
-              <a:rPr lang="pt-BR" sz="2000" dirty="0" smtClean="0"/>
-              <a:t>}</a:t>
+              <a:t>	}</a:t>
             </a:r>
           </a:p>
           <a:p>
@@ -27573,7 +27532,6 @@
               <a:rPr lang="pt-BR" sz="2000" dirty="0" smtClean="0"/>
               <a:t>	...</a:t>
             </a:r>
-            <a:endParaRPr lang="pt-BR" sz="2000" dirty="0" smtClean="0"/>
           </a:p>
           <a:p>
             <a:pPr marL="0" indent="0">
@@ -27590,7 +27548,6 @@
               <a:rPr lang="pt-BR" sz="2000" dirty="0" smtClean="0"/>
               <a:t>}</a:t>
             </a:r>
-            <a:endParaRPr lang="pt-BR" sz="2000" dirty="0" smtClean="0"/>
           </a:p>
         </p:txBody>
       </p:sp>
@@ -27620,6 +27577,72 @@
               <a:t>30</a:t>
             </a:fld>
             <a:endParaRPr lang="pt-BR"/>
+          </a:p>
+        </p:txBody>
+      </p:sp>
+      <p:sp>
+        <p:nvSpPr>
+          <p:cNvPr id="8" name="Retângulo 7"/>
+          <p:cNvSpPr/>
+          <p:nvPr/>
+        </p:nvSpPr>
+        <p:spPr>
+          <a:xfrm>
+            <a:off x="3563888" y="5517232"/>
+            <a:ext cx="4896544" cy="936104"/>
+          </a:xfrm>
+          <a:prstGeom prst="rect">
+            <a:avLst/>
+          </a:prstGeom>
+          <a:noFill/>
+          <a:ln>
+            <a:solidFill>
+              <a:schemeClr val="tx1"/>
+            </a:solidFill>
+          </a:ln>
+        </p:spPr>
+        <p:style>
+          <a:lnRef idx="2">
+            <a:schemeClr val="accent1">
+              <a:shade val="50000"/>
+            </a:schemeClr>
+          </a:lnRef>
+          <a:fillRef idx="1">
+            <a:schemeClr val="accent1"/>
+          </a:fillRef>
+          <a:effectRef idx="0">
+            <a:schemeClr val="accent1"/>
+          </a:effectRef>
+          <a:fontRef idx="minor">
+            <a:schemeClr val="lt1"/>
+          </a:fontRef>
+        </p:style>
+        <p:txBody>
+          <a:bodyPr rtlCol="0" anchor="ctr"/>
+          <a:lstStyle/>
+          <a:p>
+            <a:pPr algn="ctr"/>
+            <a:r>
+              <a:rPr lang="pt-BR" dirty="0" smtClean="0"/>
+              <a:t>Classes que se preocupam com </a:t>
+            </a:r>
+            <a:r>
+              <a:rPr lang="pt-BR" dirty="0" smtClean="0"/>
+              <a:t>sincronização </a:t>
+            </a:r>
+            <a:r>
+              <a:rPr lang="pt-BR" dirty="0" smtClean="0"/>
+              <a:t>e acesso simultâneo de seus membros são chamadas “</a:t>
+            </a:r>
+            <a:r>
+              <a:rPr lang="pt-BR" b="1" i="1" dirty="0" smtClean="0"/>
+              <a:t>thread safe</a:t>
+            </a:r>
+            <a:r>
+              <a:rPr lang="pt-BR" dirty="0" smtClean="0"/>
+              <a:t>”</a:t>
+            </a:r>
+            <a:endParaRPr lang="pt-BR" dirty="0"/>
           </a:p>
         </p:txBody>
       </p:sp>
@@ -27678,15 +27701,7 @@
             <a:pPr eaLnBrk="1" hangingPunct="1"/>
             <a:r>
               <a:rPr lang="pt-BR" dirty="0" smtClean="0"/>
-              <a:t>Sincronização – </a:t>
-            </a:r>
-            <a:r>
-              <a:rPr lang="pt-BR" sz="3600" dirty="0" smtClean="0"/>
-              <a:t>Bloqueio de </a:t>
-            </a:r>
-            <a:r>
-              <a:rPr lang="pt-BR" sz="3600" dirty="0" smtClean="0"/>
-              <a:t>trecho</a:t>
+              <a:t>Sincronização por bloco</a:t>
             </a:r>
             <a:endParaRPr lang="pt-BR" dirty="0" smtClean="0"/>
           </a:p>
@@ -27776,11 +27791,7 @@
             </a:r>
             <a:r>
               <a:rPr lang="pt-BR" sz="2000" dirty="0" smtClean="0"/>
-              <a:t> </a:t>
-            </a:r>
-            <a:r>
-              <a:rPr lang="pt-BR" sz="2000" dirty="0" smtClean="0"/>
-              <a:t>{</a:t>
+              <a:t> {</a:t>
             </a:r>
           </a:p>
           <a:p>
@@ -27838,11 +27849,7 @@
             </a:r>
             <a:r>
               <a:rPr lang="pt-BR" sz="2000" dirty="0" smtClean="0"/>
-              <a:t>() </a:t>
-            </a:r>
-            <a:r>
-              <a:rPr lang="pt-BR" sz="2000" dirty="0" smtClean="0"/>
-              <a:t>{</a:t>
+              <a:t>() {</a:t>
             </a:r>
           </a:p>
           <a:p>
@@ -27876,11 +27883,7 @@
             </a:pPr>
             <a:r>
               <a:rPr lang="pt-BR" sz="2000" dirty="0" smtClean="0"/>
-              <a:t>		</a:t>
-            </a:r>
-            <a:r>
-              <a:rPr lang="pt-BR" sz="2000" dirty="0" smtClean="0"/>
-              <a:t>...</a:t>
+              <a:t>		...</a:t>
             </a:r>
           </a:p>
           <a:p>
@@ -27897,11 +27900,7 @@
             </a:pPr>
             <a:r>
               <a:rPr lang="pt-BR" sz="2000" dirty="0" smtClean="0"/>
-              <a:t>	</a:t>
-            </a:r>
-            <a:r>
-              <a:rPr lang="pt-BR" sz="2000" dirty="0" smtClean="0"/>
-              <a:t>	</a:t>
+              <a:t>		</a:t>
             </a:r>
             <a:r>
               <a:rPr lang="pt-BR" sz="2000" b="1" dirty="0" err="1" smtClean="0">
@@ -27938,11 +27937,7 @@
             </a:pPr>
             <a:r>
               <a:rPr lang="pt-BR" sz="2000" dirty="0" smtClean="0"/>
-              <a:t>	</a:t>
-            </a:r>
-            <a:r>
-              <a:rPr lang="pt-BR" sz="2000" dirty="0" smtClean="0"/>
-              <a:t>		...</a:t>
+              <a:t>			...</a:t>
             </a:r>
           </a:p>
           <a:p>
@@ -27993,13 +27988,8 @@
             </a:pPr>
             <a:r>
               <a:rPr lang="pt-BR" sz="2000" dirty="0" smtClean="0"/>
-              <a:t>	</a:t>
-            </a:r>
-            <a:r>
-              <a:rPr lang="pt-BR" sz="2000" dirty="0" smtClean="0"/>
-              <a:t>}</a:t>
-            </a:r>
-            <a:endParaRPr lang="pt-BR" sz="2000" dirty="0" smtClean="0"/>
+              <a:t>	}</a:t>
+            </a:r>
           </a:p>
           <a:p>
             <a:pPr marL="0" indent="0">
@@ -28017,7 +28007,6 @@
               <a:rPr lang="pt-BR" sz="2000" dirty="0" smtClean="0"/>
               <a:t>	...</a:t>
             </a:r>
-            <a:endParaRPr lang="pt-BR" sz="2000" dirty="0" smtClean="0"/>
           </a:p>
           <a:p>
             <a:pPr marL="0" indent="0">
@@ -28035,7 +28024,6 @@
               <a:rPr lang="pt-BR" sz="2000" dirty="0" smtClean="0"/>
               <a:t>}</a:t>
             </a:r>
-            <a:endParaRPr lang="pt-BR" sz="2000" dirty="0" smtClean="0"/>
           </a:p>
         </p:txBody>
       </p:sp>
@@ -28123,15 +28111,7 @@
             <a:pPr eaLnBrk="1" hangingPunct="1"/>
             <a:r>
               <a:rPr lang="pt-BR" dirty="0" smtClean="0"/>
-              <a:t>Sincronização – </a:t>
-            </a:r>
-            <a:r>
-              <a:rPr lang="pt-BR" sz="3600" dirty="0" smtClean="0"/>
-              <a:t>Bloqueio de </a:t>
-            </a:r>
-            <a:r>
-              <a:rPr lang="pt-BR" sz="3600" dirty="0" smtClean="0"/>
-              <a:t>trecho</a:t>
+              <a:t>Sincronização por bloco</a:t>
             </a:r>
             <a:endParaRPr lang="pt-BR" dirty="0" smtClean="0"/>
           </a:p>
@@ -28255,7 +28235,6 @@
               <a:rPr lang="pt-BR" sz="2400" dirty="0" smtClean="0"/>
               <a:t>}</a:t>
             </a:r>
-            <a:endParaRPr lang="pt-BR" sz="2400" dirty="0" smtClean="0"/>
           </a:p>
         </p:txBody>
       </p:sp>
@@ -28271,8 +28250,8 @@
         </p:nvSpPr>
         <p:spPr>
           <a:xfrm>
-            <a:off x="1552581" y="4005064"/>
-            <a:ext cx="5935254" cy="2376264"/>
+            <a:off x="1475656" y="4005064"/>
+            <a:ext cx="6048672" cy="2376264"/>
           </a:xfrm>
           <a:ln>
             <a:noFill/>
@@ -28315,11 +28294,7 @@
             </a:r>
             <a:r>
               <a:rPr lang="pt-BR" sz="2400" dirty="0" smtClean="0"/>
-              <a:t>() </a:t>
-            </a:r>
-            <a:r>
-              <a:rPr lang="pt-BR" sz="2400" dirty="0" smtClean="0"/>
-              <a:t>{</a:t>
+              <a:t>() {</a:t>
             </a:r>
           </a:p>
           <a:p>
@@ -28407,13 +28382,8 @@
             </a:pPr>
             <a:r>
               <a:rPr lang="pt-BR" sz="2400" dirty="0" smtClean="0"/>
-              <a:t>	</a:t>
-            </a:r>
-            <a:r>
-              <a:rPr lang="pt-BR" sz="2400" dirty="0" smtClean="0"/>
-              <a:t>}</a:t>
-            </a:r>
-            <a:endParaRPr lang="pt-BR" sz="2400" dirty="0" smtClean="0"/>
+              <a:t>	}</a:t>
+            </a:r>
           </a:p>
           <a:p>
             <a:pPr marL="0" indent="0">
@@ -28431,7 +28401,6 @@
               <a:rPr lang="pt-BR" sz="2400" dirty="0" smtClean="0"/>
               <a:t>}</a:t>
             </a:r>
-            <a:endParaRPr lang="pt-BR" sz="2400" dirty="0" smtClean="0"/>
           </a:p>
         </p:txBody>
       </p:sp>
@@ -28533,7 +28502,7 @@
       </p:grpSpPr>
       <p:sp>
         <p:nvSpPr>
-          <p:cNvPr id="26626" name="Título 1"/>
+          <p:cNvPr id="27650" name="Título 1"/>
           <p:cNvSpPr>
             <a:spLocks noGrp="1"/>
           </p:cNvSpPr>
@@ -28548,16 +28517,15 @@
           <a:p>
             <a:pPr eaLnBrk="1" hangingPunct="1"/>
             <a:r>
-              <a:rPr lang="pt-BR" dirty="0" err="1" smtClean="0"/>
-              <a:t>Deadlock</a:t>
-            </a:r>
-            <a:endParaRPr lang="pt-BR" dirty="0" smtClean="0"/>
-          </a:p>
-        </p:txBody>
-      </p:sp>
-      <p:sp>
-        <p:nvSpPr>
-          <p:cNvPr id="26627" name="Espaço Reservado para Conteúdo 2"/>
+              <a:rPr lang="pt-BR" dirty="0" smtClean="0"/>
+              <a:t>Interação entre threads</a:t>
+            </a:r>
+          </a:p>
+        </p:txBody>
+      </p:sp>
+      <p:sp>
+        <p:nvSpPr>
+          <p:cNvPr id="27651" name="Espaço Reservado para Conteúdo 2"/>
           <p:cNvSpPr>
             <a:spLocks noGrp="1"/>
           </p:cNvSpPr>
@@ -28637,7 +28605,7 @@
       </p:grpSpPr>
       <p:sp>
         <p:nvSpPr>
-          <p:cNvPr id="27650" name="Título 1"/>
+          <p:cNvPr id="26626" name="Título 1"/>
           <p:cNvSpPr>
             <a:spLocks noGrp="1"/>
           </p:cNvSpPr>
@@ -28652,15 +28620,16 @@
           <a:p>
             <a:pPr eaLnBrk="1" hangingPunct="1"/>
             <a:r>
-              <a:rPr lang="pt-BR" dirty="0" smtClean="0"/>
-              <a:t>Interação entre threads</a:t>
-            </a:r>
-          </a:p>
-        </p:txBody>
-      </p:sp>
-      <p:sp>
-        <p:nvSpPr>
-          <p:cNvPr id="27651" name="Espaço Reservado para Conteúdo 2"/>
+              <a:rPr lang="pt-BR" dirty="0" err="1" smtClean="0"/>
+              <a:t>Deadlock</a:t>
+            </a:r>
+            <a:endParaRPr lang="pt-BR" dirty="0" smtClean="0"/>
+          </a:p>
+        </p:txBody>
+      </p:sp>
+      <p:sp>
+        <p:nvSpPr>
+          <p:cNvPr id="26627" name="Espaço Reservado para Conteúdo 2"/>
           <p:cNvSpPr>
             <a:spLocks noGrp="1"/>
           </p:cNvSpPr>

--- a/2-Java-Programmer-Modulo-II/14.Capitulo08.pptx
+++ b/2-Java-Programmer-Modulo-II/14.Capitulo08.pptx
@@ -5,7 +5,7 @@
     <p:sldMasterId id="2147483660" r:id="rId1"/>
   </p:sldMasterIdLst>
   <p:notesMasterIdLst>
-    <p:notesMasterId r:id="rId36"/>
+    <p:notesMasterId r:id="rId40"/>
   </p:notesMasterIdLst>
   <p:sldIdLst>
     <p:sldId id="256" r:id="rId2"/>
@@ -41,7 +41,11 @@
     <p:sldId id="346" r:id="rId32"/>
     <p:sldId id="347" r:id="rId33"/>
     <p:sldId id="317" r:id="rId34"/>
-    <p:sldId id="316" r:id="rId35"/>
+    <p:sldId id="348" r:id="rId35"/>
+    <p:sldId id="349" r:id="rId36"/>
+    <p:sldId id="316" r:id="rId37"/>
+    <p:sldId id="350" r:id="rId38"/>
+    <p:sldId id="351" r:id="rId39"/>
   </p:sldIdLst>
   <p:sldSz cx="9144000" cy="6858000" type="screen4x3"/>
   <p:notesSz cx="6858000" cy="9144000"/>
@@ -282,7 +286,7 @@
               <a:pPr>
                 <a:defRPr/>
               </a:pPr>
-              <a:t>24/04/2012</a:t>
+              <a:t>27/04/2012</a:t>
             </a:fld>
             <a:endParaRPr lang="pt-BR"/>
           </a:p>
@@ -470,7 +474,7 @@
               <a:pPr>
                 <a:defRPr/>
               </a:pPr>
-              <a:t>‹nº›</a:t>
+              <a:t>‹#›</a:t>
             </a:fld>
             <a:endParaRPr lang="pt-BR"/>
           </a:p>
@@ -3265,6 +3269,180 @@
       </p:grpSpPr>
       <p:sp>
         <p:nvSpPr>
+          <p:cNvPr id="2" name="Slide Image Placeholder 1"/>
+          <p:cNvSpPr>
+            <a:spLocks noGrp="1" noRot="1" noChangeAspect="1"/>
+          </p:cNvSpPr>
+          <p:nvPr>
+            <p:ph type="sldImg"/>
+          </p:nvPr>
+        </p:nvSpPr>
+        <p:spPr/>
+      </p:sp>
+      <p:sp>
+        <p:nvSpPr>
+          <p:cNvPr id="3" name="Notes Placeholder 2"/>
+          <p:cNvSpPr>
+            <a:spLocks noGrp="1"/>
+          </p:cNvSpPr>
+          <p:nvPr>
+            <p:ph type="body" idx="1"/>
+          </p:nvPr>
+        </p:nvSpPr>
+        <p:spPr/>
+        <p:txBody>
+          <a:bodyPr>
+            <a:normAutofit/>
+          </a:bodyPr>
+          <a:lstStyle/>
+          <a:p>
+            <a:endParaRPr lang="pt-BR"/>
+          </a:p>
+        </p:txBody>
+      </p:sp>
+      <p:sp>
+        <p:nvSpPr>
+          <p:cNvPr id="4" name="Slide Number Placeholder 3"/>
+          <p:cNvSpPr>
+            <a:spLocks noGrp="1"/>
+          </p:cNvSpPr>
+          <p:nvPr>
+            <p:ph type="sldNum" sz="quarter" idx="10"/>
+          </p:nvPr>
+        </p:nvSpPr>
+        <p:spPr/>
+        <p:txBody>
+          <a:bodyPr/>
+          <a:lstStyle/>
+          <a:p>
+            <a:pPr>
+              <a:defRPr/>
+            </a:pPr>
+            <a:fld id="{D45731A0-D324-45D2-92B5-75F23FA6F9F4}" type="slidenum">
+              <a:rPr lang="pt-BR" smtClean="0"/>
+              <a:pPr>
+                <a:defRPr/>
+              </a:pPr>
+              <a:t>34</a:t>
+            </a:fld>
+            <a:endParaRPr lang="pt-BR"/>
+          </a:p>
+        </p:txBody>
+      </p:sp>
+    </p:spTree>
+  </p:cSld>
+  <p:clrMapOvr>
+    <a:masterClrMapping/>
+  </p:clrMapOvr>
+</p:notes>
+</file>
+
+<file path=ppt/notesSlides/notesSlide35.xml><?xml version="1.0" encoding="utf-8"?>
+<p:notes xmlns:a="http://schemas.openxmlformats.org/drawingml/2006/main" xmlns:r="http://schemas.openxmlformats.org/officeDocument/2006/relationships" xmlns:p="http://schemas.openxmlformats.org/presentationml/2006/main">
+  <p:cSld>
+    <p:spTree>
+      <p:nvGrpSpPr>
+        <p:cNvPr id="1" name=""/>
+        <p:cNvGrpSpPr/>
+        <p:nvPr/>
+      </p:nvGrpSpPr>
+      <p:grpSpPr>
+        <a:xfrm>
+          <a:off x="0" y="0"/>
+          <a:ext cx="0" cy="0"/>
+          <a:chOff x="0" y="0"/>
+          <a:chExt cx="0" cy="0"/>
+        </a:xfrm>
+      </p:grpSpPr>
+      <p:sp>
+        <p:nvSpPr>
+          <p:cNvPr id="2" name="Slide Image Placeholder 1"/>
+          <p:cNvSpPr>
+            <a:spLocks noGrp="1" noRot="1" noChangeAspect="1"/>
+          </p:cNvSpPr>
+          <p:nvPr>
+            <p:ph type="sldImg"/>
+          </p:nvPr>
+        </p:nvSpPr>
+        <p:spPr/>
+      </p:sp>
+      <p:sp>
+        <p:nvSpPr>
+          <p:cNvPr id="3" name="Notes Placeholder 2"/>
+          <p:cNvSpPr>
+            <a:spLocks noGrp="1"/>
+          </p:cNvSpPr>
+          <p:nvPr>
+            <p:ph type="body" idx="1"/>
+          </p:nvPr>
+        </p:nvSpPr>
+        <p:spPr/>
+        <p:txBody>
+          <a:bodyPr>
+            <a:normAutofit/>
+          </a:bodyPr>
+          <a:lstStyle/>
+          <a:p>
+            <a:endParaRPr lang="pt-BR"/>
+          </a:p>
+        </p:txBody>
+      </p:sp>
+      <p:sp>
+        <p:nvSpPr>
+          <p:cNvPr id="4" name="Slide Number Placeholder 3"/>
+          <p:cNvSpPr>
+            <a:spLocks noGrp="1"/>
+          </p:cNvSpPr>
+          <p:nvPr>
+            <p:ph type="sldNum" sz="quarter" idx="10"/>
+          </p:nvPr>
+        </p:nvSpPr>
+        <p:spPr/>
+        <p:txBody>
+          <a:bodyPr/>
+          <a:lstStyle/>
+          <a:p>
+            <a:pPr>
+              <a:defRPr/>
+            </a:pPr>
+            <a:fld id="{D45731A0-D324-45D2-92B5-75F23FA6F9F4}" type="slidenum">
+              <a:rPr lang="pt-BR" smtClean="0"/>
+              <a:pPr>
+                <a:defRPr/>
+              </a:pPr>
+              <a:t>35</a:t>
+            </a:fld>
+            <a:endParaRPr lang="pt-BR"/>
+          </a:p>
+        </p:txBody>
+      </p:sp>
+    </p:spTree>
+  </p:cSld>
+  <p:clrMapOvr>
+    <a:masterClrMapping/>
+  </p:clrMapOvr>
+</p:notes>
+</file>
+
+<file path=ppt/notesSlides/notesSlide36.xml><?xml version="1.0" encoding="utf-8"?>
+<p:notes xmlns:a="http://schemas.openxmlformats.org/drawingml/2006/main" xmlns:r="http://schemas.openxmlformats.org/officeDocument/2006/relationships" xmlns:p="http://schemas.openxmlformats.org/presentationml/2006/main">
+  <p:cSld>
+    <p:spTree>
+      <p:nvGrpSpPr>
+        <p:cNvPr id="1" name=""/>
+        <p:cNvGrpSpPr/>
+        <p:nvPr/>
+      </p:nvGrpSpPr>
+      <p:grpSpPr>
+        <a:xfrm>
+          <a:off x="0" y="0"/>
+          <a:ext cx="0" cy="0"/>
+          <a:chOff x="0" y="0"/>
+          <a:chExt cx="0" cy="0"/>
+        </a:xfrm>
+      </p:grpSpPr>
+      <p:sp>
+        <p:nvSpPr>
           <p:cNvPr id="49154" name="Espaço Reservado para Imagem de Slide 1"/>
           <p:cNvSpPr>
             <a:spLocks noGrp="1" noRot="1" noChangeAspect="1" noTextEdit="1"/>
@@ -3333,7 +3511,181 @@
               <a:pPr>
                 <a:defRPr/>
               </a:pPr>
-              <a:t>34</a:t>
+              <a:t>36</a:t>
+            </a:fld>
+            <a:endParaRPr lang="pt-BR"/>
+          </a:p>
+        </p:txBody>
+      </p:sp>
+    </p:spTree>
+  </p:cSld>
+  <p:clrMapOvr>
+    <a:masterClrMapping/>
+  </p:clrMapOvr>
+</p:notes>
+</file>
+
+<file path=ppt/notesSlides/notesSlide37.xml><?xml version="1.0" encoding="utf-8"?>
+<p:notes xmlns:a="http://schemas.openxmlformats.org/drawingml/2006/main" xmlns:r="http://schemas.openxmlformats.org/officeDocument/2006/relationships" xmlns:p="http://schemas.openxmlformats.org/presentationml/2006/main">
+  <p:cSld>
+    <p:spTree>
+      <p:nvGrpSpPr>
+        <p:cNvPr id="1" name=""/>
+        <p:cNvGrpSpPr/>
+        <p:nvPr/>
+      </p:nvGrpSpPr>
+      <p:grpSpPr>
+        <a:xfrm>
+          <a:off x="0" y="0"/>
+          <a:ext cx="0" cy="0"/>
+          <a:chOff x="0" y="0"/>
+          <a:chExt cx="0" cy="0"/>
+        </a:xfrm>
+      </p:grpSpPr>
+      <p:sp>
+        <p:nvSpPr>
+          <p:cNvPr id="2" name="Slide Image Placeholder 1"/>
+          <p:cNvSpPr>
+            <a:spLocks noGrp="1" noRot="1" noChangeAspect="1"/>
+          </p:cNvSpPr>
+          <p:nvPr>
+            <p:ph type="sldImg"/>
+          </p:nvPr>
+        </p:nvSpPr>
+        <p:spPr/>
+      </p:sp>
+      <p:sp>
+        <p:nvSpPr>
+          <p:cNvPr id="3" name="Notes Placeholder 2"/>
+          <p:cNvSpPr>
+            <a:spLocks noGrp="1"/>
+          </p:cNvSpPr>
+          <p:nvPr>
+            <p:ph type="body" idx="1"/>
+          </p:nvPr>
+        </p:nvSpPr>
+        <p:spPr/>
+        <p:txBody>
+          <a:bodyPr>
+            <a:normAutofit/>
+          </a:bodyPr>
+          <a:lstStyle/>
+          <a:p>
+            <a:endParaRPr lang="pt-BR"/>
+          </a:p>
+        </p:txBody>
+      </p:sp>
+      <p:sp>
+        <p:nvSpPr>
+          <p:cNvPr id="4" name="Slide Number Placeholder 3"/>
+          <p:cNvSpPr>
+            <a:spLocks noGrp="1"/>
+          </p:cNvSpPr>
+          <p:nvPr>
+            <p:ph type="sldNum" sz="quarter" idx="10"/>
+          </p:nvPr>
+        </p:nvSpPr>
+        <p:spPr/>
+        <p:txBody>
+          <a:bodyPr/>
+          <a:lstStyle/>
+          <a:p>
+            <a:pPr>
+              <a:defRPr/>
+            </a:pPr>
+            <a:fld id="{D45731A0-D324-45D2-92B5-75F23FA6F9F4}" type="slidenum">
+              <a:rPr lang="pt-BR" smtClean="0"/>
+              <a:pPr>
+                <a:defRPr/>
+              </a:pPr>
+              <a:t>37</a:t>
+            </a:fld>
+            <a:endParaRPr lang="pt-BR"/>
+          </a:p>
+        </p:txBody>
+      </p:sp>
+    </p:spTree>
+  </p:cSld>
+  <p:clrMapOvr>
+    <a:masterClrMapping/>
+  </p:clrMapOvr>
+</p:notes>
+</file>
+
+<file path=ppt/notesSlides/notesSlide38.xml><?xml version="1.0" encoding="utf-8"?>
+<p:notes xmlns:a="http://schemas.openxmlformats.org/drawingml/2006/main" xmlns:r="http://schemas.openxmlformats.org/officeDocument/2006/relationships" xmlns:p="http://schemas.openxmlformats.org/presentationml/2006/main">
+  <p:cSld>
+    <p:spTree>
+      <p:nvGrpSpPr>
+        <p:cNvPr id="1" name=""/>
+        <p:cNvGrpSpPr/>
+        <p:nvPr/>
+      </p:nvGrpSpPr>
+      <p:grpSpPr>
+        <a:xfrm>
+          <a:off x="0" y="0"/>
+          <a:ext cx="0" cy="0"/>
+          <a:chOff x="0" y="0"/>
+          <a:chExt cx="0" cy="0"/>
+        </a:xfrm>
+      </p:grpSpPr>
+      <p:sp>
+        <p:nvSpPr>
+          <p:cNvPr id="2" name="Slide Image Placeholder 1"/>
+          <p:cNvSpPr>
+            <a:spLocks noGrp="1" noRot="1" noChangeAspect="1"/>
+          </p:cNvSpPr>
+          <p:nvPr>
+            <p:ph type="sldImg"/>
+          </p:nvPr>
+        </p:nvSpPr>
+        <p:spPr/>
+      </p:sp>
+      <p:sp>
+        <p:nvSpPr>
+          <p:cNvPr id="3" name="Notes Placeholder 2"/>
+          <p:cNvSpPr>
+            <a:spLocks noGrp="1"/>
+          </p:cNvSpPr>
+          <p:nvPr>
+            <p:ph type="body" idx="1"/>
+          </p:nvPr>
+        </p:nvSpPr>
+        <p:spPr/>
+        <p:txBody>
+          <a:bodyPr>
+            <a:normAutofit/>
+          </a:bodyPr>
+          <a:lstStyle/>
+          <a:p>
+            <a:endParaRPr lang="pt-BR"/>
+          </a:p>
+        </p:txBody>
+      </p:sp>
+      <p:sp>
+        <p:nvSpPr>
+          <p:cNvPr id="4" name="Slide Number Placeholder 3"/>
+          <p:cNvSpPr>
+            <a:spLocks noGrp="1"/>
+          </p:cNvSpPr>
+          <p:nvPr>
+            <p:ph type="sldNum" sz="quarter" idx="10"/>
+          </p:nvPr>
+        </p:nvSpPr>
+        <p:spPr/>
+        <p:txBody>
+          <a:bodyPr/>
+          <a:lstStyle/>
+          <a:p>
+            <a:pPr>
+              <a:defRPr/>
+            </a:pPr>
+            <a:fld id="{D45731A0-D324-45D2-92B5-75F23FA6F9F4}" type="slidenum">
+              <a:rPr lang="pt-BR" smtClean="0"/>
+              <a:pPr>
+                <a:defRPr/>
+              </a:pPr>
+              <a:t>38</a:t>
             </a:fld>
             <a:endParaRPr lang="pt-BR"/>
           </a:p>
@@ -4371,7 +4723,7 @@
               <a:pPr>
                 <a:defRPr/>
               </a:pPr>
-              <a:t>24/04/2012</a:t>
+              <a:t>27/04/2012</a:t>
             </a:fld>
             <a:endParaRPr lang="pt-BR"/>
           </a:p>
@@ -4430,7 +4782,7 @@
               <a:pPr>
                 <a:defRPr/>
               </a:pPr>
-              <a:t>‹nº›</a:t>
+              <a:t>‹#›</a:t>
             </a:fld>
             <a:endParaRPr lang="pt-BR"/>
           </a:p>
@@ -4570,7 +4922,7 @@
               <a:pPr>
                 <a:defRPr/>
               </a:pPr>
-              <a:t>24/04/2012</a:t>
+              <a:t>27/04/2012</a:t>
             </a:fld>
             <a:endParaRPr lang="pt-BR"/>
           </a:p>
@@ -4629,7 +4981,7 @@
               <a:pPr>
                 <a:defRPr/>
               </a:pPr>
-              <a:t>‹nº›</a:t>
+              <a:t>‹#›</a:t>
             </a:fld>
             <a:endParaRPr lang="pt-BR"/>
           </a:p>
@@ -4772,7 +5124,7 @@
               <a:pPr>
                 <a:defRPr/>
               </a:pPr>
-              <a:t>24/04/2012</a:t>
+              <a:t>27/04/2012</a:t>
             </a:fld>
             <a:endParaRPr lang="pt-BR"/>
           </a:p>
@@ -4831,7 +5183,7 @@
               <a:pPr>
                 <a:defRPr/>
               </a:pPr>
-              <a:t>‹nº›</a:t>
+              <a:t>‹#›</a:t>
             </a:fld>
             <a:endParaRPr lang="pt-BR"/>
           </a:p>
@@ -4968,7 +5320,7 @@
               <a:pPr>
                 <a:defRPr/>
               </a:pPr>
-              <a:t>24/04/2012</a:t>
+              <a:t>27/04/2012</a:t>
             </a:fld>
             <a:endParaRPr lang="pt-BR"/>
           </a:p>
@@ -5027,7 +5379,7 @@
               <a:pPr>
                 <a:defRPr/>
               </a:pPr>
-              <a:t>‹nº›</a:t>
+              <a:t>‹#›</a:t>
             </a:fld>
             <a:endParaRPr lang="pt-BR"/>
           </a:p>
@@ -5474,7 +5826,7 @@
               <a:pPr>
                 <a:defRPr/>
               </a:pPr>
-              <a:t>24/04/2012</a:t>
+              <a:t>27/04/2012</a:t>
             </a:fld>
             <a:endParaRPr lang="pt-BR"/>
           </a:p>
@@ -5533,7 +5885,7 @@
               <a:pPr>
                 <a:defRPr/>
               </a:pPr>
-              <a:t>‹nº›</a:t>
+              <a:t>‹#›</a:t>
             </a:fld>
             <a:endParaRPr lang="pt-BR"/>
           </a:p>
@@ -5765,7 +6117,7 @@
               <a:pPr>
                 <a:defRPr/>
               </a:pPr>
-              <a:t>24/04/2012</a:t>
+              <a:t>27/04/2012</a:t>
             </a:fld>
             <a:endParaRPr lang="pt-BR"/>
           </a:p>
@@ -5824,7 +6176,7 @@
               <a:pPr>
                 <a:defRPr/>
               </a:pPr>
-              <a:t>‹nº›</a:t>
+              <a:t>‹#›</a:t>
             </a:fld>
             <a:endParaRPr lang="pt-BR"/>
           </a:p>
@@ -6166,7 +6518,7 @@
               <a:pPr>
                 <a:defRPr/>
               </a:pPr>
-              <a:t>24/04/2012</a:t>
+              <a:t>27/04/2012</a:t>
             </a:fld>
             <a:endParaRPr lang="pt-BR"/>
           </a:p>
@@ -6225,7 +6577,7 @@
               <a:pPr>
                 <a:defRPr/>
               </a:pPr>
-              <a:t>‹nº›</a:t>
+              <a:t>‹#›</a:t>
             </a:fld>
             <a:endParaRPr lang="pt-BR"/>
           </a:p>
@@ -6315,7 +6667,7 @@
               <a:pPr>
                 <a:defRPr/>
               </a:pPr>
-              <a:t>24/04/2012</a:t>
+              <a:t>27/04/2012</a:t>
             </a:fld>
             <a:endParaRPr lang="pt-BR"/>
           </a:p>
@@ -6374,7 +6726,7 @@
               <a:pPr>
                 <a:defRPr/>
               </a:pPr>
-              <a:t>‹nº›</a:t>
+              <a:t>‹#›</a:t>
             </a:fld>
             <a:endParaRPr lang="pt-BR"/>
           </a:p>
@@ -6432,7 +6784,7 @@
               <a:pPr>
                 <a:defRPr/>
               </a:pPr>
-              <a:t>24/04/2012</a:t>
+              <a:t>27/04/2012</a:t>
             </a:fld>
             <a:endParaRPr lang="pt-BR"/>
           </a:p>
@@ -6491,7 +6843,7 @@
               <a:pPr>
                 <a:defRPr/>
               </a:pPr>
-              <a:t>‹nº›</a:t>
+              <a:t>‹#›</a:t>
             </a:fld>
             <a:endParaRPr lang="pt-BR"/>
           </a:p>
@@ -6708,7 +7060,7 @@
               <a:pPr>
                 <a:defRPr/>
               </a:pPr>
-              <a:t>24/04/2012</a:t>
+              <a:t>27/04/2012</a:t>
             </a:fld>
             <a:endParaRPr lang="pt-BR"/>
           </a:p>
@@ -6772,7 +7124,7 @@
               <a:pPr>
                 <a:defRPr/>
               </a:pPr>
-              <a:t>‹nº›</a:t>
+              <a:t>‹#›</a:t>
             </a:fld>
             <a:endParaRPr lang="pt-BR"/>
           </a:p>
@@ -6992,7 +7344,7 @@
               <a:pPr>
                 <a:defRPr/>
               </a:pPr>
-              <a:t>24/04/2012</a:t>
+              <a:t>27/04/2012</a:t>
             </a:fld>
             <a:endParaRPr lang="pt-BR"/>
           </a:p>
@@ -7051,7 +7403,7 @@
               <a:pPr>
                 <a:defRPr/>
               </a:pPr>
-              <a:t>‹nº›</a:t>
+              <a:t>‹#›</a:t>
             </a:fld>
             <a:endParaRPr lang="pt-BR"/>
           </a:p>
@@ -7470,7 +7822,7 @@
               <a:pPr>
                 <a:defRPr/>
               </a:pPr>
-              <a:t>24/04/2012</a:t>
+              <a:t>27/04/2012</a:t>
             </a:fld>
             <a:endParaRPr lang="pt-BR"/>
           </a:p>
@@ -7573,7 +7925,7 @@
               <a:pPr>
                 <a:defRPr/>
               </a:pPr>
-              <a:t>‹nº›</a:t>
+              <a:t>‹#›</a:t>
             </a:fld>
             <a:endParaRPr lang="pt-BR"/>
           </a:p>
@@ -27143,7 +27495,6 @@
               <a:rPr lang="pt-BR" dirty="0" smtClean="0"/>
               <a:t>Sincronização por método</a:t>
             </a:r>
-            <a:endParaRPr lang="pt-BR" dirty="0" smtClean="0"/>
           </a:p>
         </p:txBody>
       </p:sp>
@@ -27624,15 +27975,7 @@
             <a:pPr algn="ctr"/>
             <a:r>
               <a:rPr lang="pt-BR" dirty="0" smtClean="0"/>
-              <a:t>Classes que se preocupam com </a:t>
-            </a:r>
-            <a:r>
-              <a:rPr lang="pt-BR" dirty="0" smtClean="0"/>
-              <a:t>sincronização </a:t>
-            </a:r>
-            <a:r>
-              <a:rPr lang="pt-BR" dirty="0" smtClean="0"/>
-              <a:t>e acesso simultâneo de seus membros são chamadas “</a:t>
+              <a:t>Classes que se preocupam com sincronização e acesso simultâneo de seus membros são chamadas “</a:t>
             </a:r>
             <a:r>
               <a:rPr lang="pt-BR" b="1" i="1" dirty="0" smtClean="0"/>
@@ -27703,7 +28046,6 @@
               <a:rPr lang="pt-BR" dirty="0" smtClean="0"/>
               <a:t>Sincronização por bloco</a:t>
             </a:r>
-            <a:endParaRPr lang="pt-BR" dirty="0" smtClean="0"/>
           </a:p>
         </p:txBody>
       </p:sp>
@@ -28113,7 +28455,6 @@
               <a:rPr lang="pt-BR" dirty="0" smtClean="0"/>
               <a:t>Sincronização por bloco</a:t>
             </a:r>
-            <a:endParaRPr lang="pt-BR" dirty="0" smtClean="0"/>
           </a:p>
         </p:txBody>
       </p:sp>
@@ -28533,12 +28874,314 @@
             <p:ph idx="1"/>
           </p:nvPr>
         </p:nvSpPr>
-        <p:spPr/>
+        <p:spPr>
+          <a:xfrm>
+            <a:off x="952480" y="1600200"/>
+            <a:ext cx="6477040" cy="4525963"/>
+          </a:xfrm>
+        </p:spPr>
         <p:txBody>
           <a:bodyPr/>
           <a:lstStyle/>
           <a:p>
-            <a:endParaRPr lang="pt-BR" smtClean="0"/>
+            <a:pPr marL="0" indent="0">
+              <a:spcBef>
+                <a:spcPts val="0"/>
+              </a:spcBef>
+              <a:buNone/>
+              <a:tabLst>
+                <a:tab pos="533400" algn="l"/>
+                <a:tab pos="990600" algn="l"/>
+                <a:tab pos="1436688" algn="l"/>
+              </a:tabLst>
+            </a:pPr>
+            <a:r>
+              <a:rPr lang="pt-BR" sz="2000" dirty="0" smtClean="0"/>
+              <a:t>public class Conta {</a:t>
+            </a:r>
+          </a:p>
+          <a:p>
+            <a:pPr marL="0" indent="0">
+              <a:spcBef>
+                <a:spcPts val="0"/>
+              </a:spcBef>
+              <a:buNone/>
+              <a:tabLst>
+                <a:tab pos="533400" algn="l"/>
+                <a:tab pos="990600" algn="l"/>
+                <a:tab pos="1436688" algn="l"/>
+              </a:tabLst>
+            </a:pPr>
+            <a:r>
+              <a:rPr lang="pt-BR" sz="2000" dirty="0" smtClean="0"/>
+              <a:t>	...</a:t>
+            </a:r>
+          </a:p>
+          <a:p>
+            <a:pPr marL="0" indent="0">
+              <a:spcBef>
+                <a:spcPts val="0"/>
+              </a:spcBef>
+              <a:buNone/>
+              <a:tabLst>
+                <a:tab pos="533400" algn="l"/>
+                <a:tab pos="990600" algn="l"/>
+                <a:tab pos="1436688" algn="l"/>
+              </a:tabLst>
+            </a:pPr>
+            <a:r>
+              <a:rPr lang="pt-BR" sz="2000" dirty="0" smtClean="0"/>
+              <a:t>	public </a:t>
+            </a:r>
+            <a:r>
+              <a:rPr lang="pt-BR" sz="2000" b="1" dirty="0" smtClean="0">
+                <a:solidFill>
+                  <a:srgbClr val="FFC000"/>
+                </a:solidFill>
+              </a:rPr>
+              <a:t>synchronized</a:t>
+            </a:r>
+            <a:r>
+              <a:rPr lang="pt-BR" sz="2000" dirty="0" smtClean="0"/>
+              <a:t> void retirar(double valor) {</a:t>
+            </a:r>
+          </a:p>
+          <a:p>
+            <a:pPr marL="0" indent="0">
+              <a:spcBef>
+                <a:spcPts val="0"/>
+              </a:spcBef>
+              <a:buNone/>
+              <a:tabLst>
+                <a:tab pos="533400" algn="l"/>
+                <a:tab pos="990600" algn="l"/>
+                <a:tab pos="1436688" algn="l"/>
+              </a:tabLst>
+            </a:pPr>
+            <a:r>
+              <a:rPr lang="pt-BR" sz="2000" dirty="0" smtClean="0"/>
+              <a:t>		while (this.saldo &lt; valor) {</a:t>
+            </a:r>
+          </a:p>
+          <a:p>
+            <a:pPr marL="0" indent="0">
+              <a:spcBef>
+                <a:spcPts val="0"/>
+              </a:spcBef>
+              <a:buNone/>
+              <a:tabLst>
+                <a:tab pos="533400" algn="l"/>
+                <a:tab pos="990600" algn="l"/>
+                <a:tab pos="1436688" algn="l"/>
+              </a:tabLst>
+            </a:pPr>
+            <a:r>
+              <a:rPr lang="pt-BR" sz="2000" dirty="0" smtClean="0"/>
+              <a:t>			</a:t>
+            </a:r>
+            <a:r>
+              <a:rPr lang="pt-BR" sz="2000" b="1" dirty="0" smtClean="0">
+                <a:solidFill>
+                  <a:srgbClr val="FFC000"/>
+                </a:solidFill>
+              </a:rPr>
+              <a:t>wait()</a:t>
+            </a:r>
+            <a:r>
+              <a:rPr lang="pt-BR" sz="2000" dirty="0" smtClean="0"/>
+              <a:t>;</a:t>
+            </a:r>
+          </a:p>
+          <a:p>
+            <a:pPr marL="0" indent="0">
+              <a:spcBef>
+                <a:spcPts val="0"/>
+              </a:spcBef>
+              <a:buNone/>
+              <a:tabLst>
+                <a:tab pos="533400" algn="l"/>
+                <a:tab pos="990600" algn="l"/>
+                <a:tab pos="1436688" algn="l"/>
+              </a:tabLst>
+            </a:pPr>
+            <a:r>
+              <a:rPr lang="pt-BR" sz="2000" dirty="0" smtClean="0"/>
+              <a:t>		}</a:t>
+            </a:r>
+          </a:p>
+          <a:p>
+            <a:pPr marL="0" indent="0">
+              <a:spcBef>
+                <a:spcPts val="0"/>
+              </a:spcBef>
+              <a:buNone/>
+              <a:tabLst>
+                <a:tab pos="533400" algn="l"/>
+                <a:tab pos="990600" algn="l"/>
+                <a:tab pos="1436688" algn="l"/>
+              </a:tabLst>
+            </a:pPr>
+            <a:r>
+              <a:rPr lang="pt-BR" sz="2000" dirty="0" smtClean="0"/>
+              <a:t>		this.saldo -= valor;</a:t>
+            </a:r>
+          </a:p>
+          <a:p>
+            <a:pPr marL="0" indent="0">
+              <a:spcBef>
+                <a:spcPts val="0"/>
+              </a:spcBef>
+              <a:buNone/>
+              <a:tabLst>
+                <a:tab pos="533400" algn="l"/>
+                <a:tab pos="990600" algn="l"/>
+                <a:tab pos="1436688" algn="l"/>
+              </a:tabLst>
+            </a:pPr>
+            <a:r>
+              <a:rPr lang="pt-BR" sz="2000" dirty="0" smtClean="0"/>
+              <a:t>	}</a:t>
+            </a:r>
+          </a:p>
+          <a:p>
+            <a:pPr marL="0" indent="0">
+              <a:spcBef>
+                <a:spcPts val="0"/>
+              </a:spcBef>
+              <a:buNone/>
+              <a:tabLst>
+                <a:tab pos="533400" algn="l"/>
+                <a:tab pos="990600" algn="l"/>
+                <a:tab pos="1436688" algn="l"/>
+              </a:tabLst>
+            </a:pPr>
+            <a:endParaRPr lang="pt-BR" sz="2000" dirty="0" smtClean="0"/>
+          </a:p>
+          <a:p>
+            <a:pPr marL="0" indent="0">
+              <a:spcBef>
+                <a:spcPts val="0"/>
+              </a:spcBef>
+              <a:buNone/>
+              <a:tabLst>
+                <a:tab pos="533400" algn="l"/>
+                <a:tab pos="990600" algn="l"/>
+                <a:tab pos="1436688" algn="l"/>
+              </a:tabLst>
+            </a:pPr>
+            <a:r>
+              <a:rPr lang="pt-BR" sz="2000" dirty="0" smtClean="0"/>
+              <a:t>	public </a:t>
+            </a:r>
+            <a:r>
+              <a:rPr lang="pt-BR" sz="2000" b="1" dirty="0" smtClean="0">
+                <a:solidFill>
+                  <a:srgbClr val="FFC000"/>
+                </a:solidFill>
+              </a:rPr>
+              <a:t>synchronized</a:t>
+            </a:r>
+            <a:r>
+              <a:rPr lang="pt-BR" sz="2000" dirty="0" smtClean="0"/>
+              <a:t> void depositar(double valor) {</a:t>
+            </a:r>
+          </a:p>
+          <a:p>
+            <a:pPr marL="0" indent="0">
+              <a:spcBef>
+                <a:spcPts val="0"/>
+              </a:spcBef>
+              <a:buNone/>
+              <a:tabLst>
+                <a:tab pos="533400" algn="l"/>
+                <a:tab pos="990600" algn="l"/>
+                <a:tab pos="1436688" algn="l"/>
+              </a:tabLst>
+            </a:pPr>
+            <a:r>
+              <a:rPr lang="pt-BR" sz="2000" dirty="0" smtClean="0"/>
+              <a:t>		this.saldo += valor;</a:t>
+            </a:r>
+          </a:p>
+          <a:p>
+            <a:pPr marL="0" indent="0">
+              <a:spcBef>
+                <a:spcPts val="0"/>
+              </a:spcBef>
+              <a:buNone/>
+              <a:tabLst>
+                <a:tab pos="533400" algn="l"/>
+                <a:tab pos="990600" algn="l"/>
+                <a:tab pos="1436688" algn="l"/>
+              </a:tabLst>
+            </a:pPr>
+            <a:r>
+              <a:rPr lang="pt-BR" sz="2000" dirty="0" smtClean="0"/>
+              <a:t>		</a:t>
+            </a:r>
+            <a:r>
+              <a:rPr lang="pt-BR" sz="2000" b="1" dirty="0" smtClean="0">
+                <a:solidFill>
+                  <a:srgbClr val="FFC000"/>
+                </a:solidFill>
+              </a:rPr>
+              <a:t>notify()</a:t>
+            </a:r>
+            <a:r>
+              <a:rPr lang="pt-BR" sz="2000" dirty="0" smtClean="0"/>
+              <a:t>;</a:t>
+            </a:r>
+          </a:p>
+          <a:p>
+            <a:pPr marL="0" indent="0">
+              <a:spcBef>
+                <a:spcPts val="0"/>
+              </a:spcBef>
+              <a:buNone/>
+              <a:tabLst>
+                <a:tab pos="533400" algn="l"/>
+                <a:tab pos="990600" algn="l"/>
+                <a:tab pos="1436688" algn="l"/>
+              </a:tabLst>
+            </a:pPr>
+            <a:r>
+              <a:rPr lang="pt-BR" sz="2000" dirty="0" smtClean="0"/>
+              <a:t>	}</a:t>
+            </a:r>
+          </a:p>
+          <a:p>
+            <a:pPr marL="0" indent="0">
+              <a:spcBef>
+                <a:spcPts val="0"/>
+              </a:spcBef>
+              <a:buNone/>
+              <a:tabLst>
+                <a:tab pos="533400" algn="l"/>
+                <a:tab pos="990600" algn="l"/>
+                <a:tab pos="1436688" algn="l"/>
+              </a:tabLst>
+            </a:pPr>
+            <a:r>
+              <a:rPr lang="pt-BR" sz="2000" dirty="0" smtClean="0"/>
+              <a:t>	...</a:t>
+            </a:r>
+          </a:p>
+          <a:p>
+            <a:pPr marL="0" indent="0">
+              <a:spcBef>
+                <a:spcPts val="0"/>
+              </a:spcBef>
+              <a:buNone/>
+              <a:tabLst>
+                <a:tab pos="533400" algn="l"/>
+                <a:tab pos="990600" algn="l"/>
+                <a:tab pos="1436688" algn="l"/>
+              </a:tabLst>
+            </a:pPr>
+            <a:r>
+              <a:rPr lang="pt-BR" sz="2000" dirty="0" smtClean="0"/>
+              <a:t>}</a:t>
+            </a:r>
           </a:p>
         </p:txBody>
       </p:sp>
@@ -28571,6 +29214,292 @@
           </a:p>
         </p:txBody>
       </p:sp>
+      <p:sp>
+        <p:nvSpPr>
+          <p:cNvPr id="5" name="CaixaDeTexto 8"/>
+          <p:cNvSpPr txBox="1"/>
+          <p:nvPr/>
+        </p:nvSpPr>
+        <p:spPr>
+          <a:xfrm>
+            <a:off x="5429256" y="3429000"/>
+            <a:ext cx="2662908" cy="738664"/>
+          </a:xfrm>
+          <a:prstGeom prst="rect">
+            <a:avLst/>
+          </a:prstGeom>
+          <a:noFill/>
+          <a:ln>
+            <a:solidFill>
+              <a:schemeClr val="tx1"/>
+            </a:solidFill>
+          </a:ln>
+        </p:spPr>
+        <p:txBody>
+          <a:bodyPr wrap="none" rtlCol="0">
+            <a:spAutoFit/>
+          </a:bodyPr>
+          <a:lstStyle/>
+          <a:p>
+            <a:pPr algn="ctr"/>
+            <a:r>
+              <a:rPr lang="pt-BR" sz="1400" dirty="0" smtClean="0"/>
+              <a:t>Bloqueia a thread corrente</a:t>
+            </a:r>
+          </a:p>
+          <a:p>
+            <a:pPr algn="ctr"/>
+            <a:r>
+              <a:rPr lang="pt-BR" sz="1400" dirty="0" smtClean="0"/>
+              <a:t>permitindo que outras threads</a:t>
+            </a:r>
+          </a:p>
+          <a:p>
+            <a:pPr algn="ctr"/>
+            <a:r>
+              <a:rPr lang="pt-BR" sz="1400" dirty="0" smtClean="0"/>
+              <a:t>acessem blocos sincronizados.</a:t>
+            </a:r>
+            <a:endParaRPr lang="pt-BR" sz="1400" dirty="0"/>
+          </a:p>
+        </p:txBody>
+      </p:sp>
+      <p:grpSp>
+        <p:nvGrpSpPr>
+          <p:cNvPr id="6" name="Grupo 43"/>
+          <p:cNvGrpSpPr/>
+          <p:nvPr/>
+        </p:nvGrpSpPr>
+        <p:grpSpPr>
+          <a:xfrm>
+            <a:off x="3428992" y="3071810"/>
+            <a:ext cx="3366540" cy="361750"/>
+            <a:chOff x="3851920" y="1916832"/>
+            <a:chExt cx="1440160" cy="864096"/>
+          </a:xfrm>
+        </p:grpSpPr>
+        <p:cxnSp>
+          <p:nvCxnSpPr>
+            <p:cNvPr id="7" name="Conector reto 104"/>
+            <p:cNvCxnSpPr/>
+            <p:nvPr/>
+          </p:nvCxnSpPr>
+          <p:spPr>
+            <a:xfrm>
+              <a:off x="3851920" y="1916832"/>
+              <a:ext cx="1440160" cy="0"/>
+            </a:xfrm>
+            <a:prstGeom prst="line">
+              <a:avLst/>
+            </a:prstGeom>
+            <a:ln>
+              <a:solidFill>
+                <a:schemeClr val="tx1"/>
+              </a:solidFill>
+              <a:headEnd type="arrow"/>
+            </a:ln>
+          </p:spPr>
+          <p:style>
+            <a:lnRef idx="1">
+              <a:schemeClr val="accent1"/>
+            </a:lnRef>
+            <a:fillRef idx="0">
+              <a:schemeClr val="accent1"/>
+            </a:fillRef>
+            <a:effectRef idx="0">
+              <a:schemeClr val="accent1"/>
+            </a:effectRef>
+            <a:fontRef idx="minor">
+              <a:schemeClr val="tx1"/>
+            </a:fontRef>
+          </p:style>
+        </p:cxnSp>
+        <p:cxnSp>
+          <p:nvCxnSpPr>
+            <p:cNvPr id="8" name="Conector de seta reta 105"/>
+            <p:cNvCxnSpPr/>
+            <p:nvPr/>
+          </p:nvCxnSpPr>
+          <p:spPr>
+            <a:xfrm>
+              <a:off x="5292080" y="1916832"/>
+              <a:ext cx="0" cy="864096"/>
+            </a:xfrm>
+            <a:prstGeom prst="straightConnector1">
+              <a:avLst/>
+            </a:prstGeom>
+            <a:ln>
+              <a:solidFill>
+                <a:schemeClr val="tx1"/>
+              </a:solidFill>
+              <a:tailEnd type="none"/>
+            </a:ln>
+          </p:spPr>
+          <p:style>
+            <a:lnRef idx="1">
+              <a:schemeClr val="accent1"/>
+            </a:lnRef>
+            <a:fillRef idx="0">
+              <a:schemeClr val="accent1"/>
+            </a:fillRef>
+            <a:effectRef idx="0">
+              <a:schemeClr val="accent1"/>
+            </a:effectRef>
+            <a:fontRef idx="minor">
+              <a:schemeClr val="tx1"/>
+            </a:fontRef>
+          </p:style>
+        </p:cxnSp>
+      </p:grpSp>
+      <p:sp>
+        <p:nvSpPr>
+          <p:cNvPr id="9" name="CaixaDeTexto 8"/>
+          <p:cNvSpPr txBox="1"/>
+          <p:nvPr/>
+        </p:nvSpPr>
+        <p:spPr>
+          <a:xfrm>
+            <a:off x="5286380" y="5572140"/>
+            <a:ext cx="2927404" cy="738664"/>
+          </a:xfrm>
+          <a:prstGeom prst="rect">
+            <a:avLst/>
+          </a:prstGeom>
+          <a:noFill/>
+          <a:ln>
+            <a:solidFill>
+              <a:schemeClr val="tx1"/>
+            </a:solidFill>
+          </a:ln>
+        </p:spPr>
+        <p:txBody>
+          <a:bodyPr wrap="none" rtlCol="0">
+            <a:spAutoFit/>
+          </a:bodyPr>
+          <a:lstStyle/>
+          <a:p>
+            <a:pPr algn="ctr"/>
+            <a:r>
+              <a:rPr lang="pt-BR" sz="1400" dirty="0" smtClean="0"/>
+              <a:t>Desbloqueia outras threads que</a:t>
+            </a:r>
+          </a:p>
+          <a:p>
+            <a:pPr algn="ctr"/>
+            <a:r>
+              <a:rPr lang="pt-BR" sz="1400" dirty="0" smtClean="0"/>
+              <a:t>executaram o método </a:t>
+            </a:r>
+            <a:r>
+              <a:rPr lang="pt-BR" sz="1400" b="1" dirty="0" smtClean="0">
+                <a:solidFill>
+                  <a:srgbClr val="FFC000"/>
+                </a:solidFill>
+              </a:rPr>
+              <a:t>wait()</a:t>
+            </a:r>
+            <a:r>
+              <a:rPr lang="pt-BR" sz="1400" dirty="0" smtClean="0"/>
+              <a:t> sobre</a:t>
+            </a:r>
+          </a:p>
+          <a:p>
+            <a:pPr algn="ctr"/>
+            <a:r>
+              <a:rPr lang="pt-BR" sz="1400" dirty="0" smtClean="0"/>
+              <a:t>esta instância (this).</a:t>
+            </a:r>
+            <a:endParaRPr lang="pt-BR" sz="1400" dirty="0"/>
+          </a:p>
+        </p:txBody>
+      </p:sp>
+      <p:grpSp>
+        <p:nvGrpSpPr>
+          <p:cNvPr id="10" name="Grupo 43"/>
+          <p:cNvGrpSpPr/>
+          <p:nvPr/>
+        </p:nvGrpSpPr>
+        <p:grpSpPr>
+          <a:xfrm>
+            <a:off x="3143240" y="5143512"/>
+            <a:ext cx="3652292" cy="428628"/>
+            <a:chOff x="3851920" y="1916832"/>
+            <a:chExt cx="1440160" cy="864096"/>
+          </a:xfrm>
+        </p:grpSpPr>
+        <p:cxnSp>
+          <p:nvCxnSpPr>
+            <p:cNvPr id="11" name="Conector reto 104"/>
+            <p:cNvCxnSpPr/>
+            <p:nvPr/>
+          </p:nvCxnSpPr>
+          <p:spPr>
+            <a:xfrm>
+              <a:off x="3851920" y="1916832"/>
+              <a:ext cx="1440160" cy="0"/>
+            </a:xfrm>
+            <a:prstGeom prst="line">
+              <a:avLst/>
+            </a:prstGeom>
+            <a:ln>
+              <a:solidFill>
+                <a:schemeClr val="tx1"/>
+              </a:solidFill>
+              <a:headEnd type="arrow"/>
+            </a:ln>
+          </p:spPr>
+          <p:style>
+            <a:lnRef idx="1">
+              <a:schemeClr val="accent1"/>
+            </a:lnRef>
+            <a:fillRef idx="0">
+              <a:schemeClr val="accent1"/>
+            </a:fillRef>
+            <a:effectRef idx="0">
+              <a:schemeClr val="accent1"/>
+            </a:effectRef>
+            <a:fontRef idx="minor">
+              <a:schemeClr val="tx1"/>
+            </a:fontRef>
+          </p:style>
+        </p:cxnSp>
+        <p:cxnSp>
+          <p:nvCxnSpPr>
+            <p:cNvPr id="12" name="Conector de seta reta 105"/>
+            <p:cNvCxnSpPr/>
+            <p:nvPr/>
+          </p:nvCxnSpPr>
+          <p:spPr>
+            <a:xfrm>
+              <a:off x="5292080" y="1916832"/>
+              <a:ext cx="0" cy="864096"/>
+            </a:xfrm>
+            <a:prstGeom prst="straightConnector1">
+              <a:avLst/>
+            </a:prstGeom>
+            <a:ln>
+              <a:solidFill>
+                <a:schemeClr val="tx1"/>
+              </a:solidFill>
+              <a:tailEnd type="none"/>
+            </a:ln>
+          </p:spPr>
+          <p:style>
+            <a:lnRef idx="1">
+              <a:schemeClr val="accent1"/>
+            </a:lnRef>
+            <a:fillRef idx="0">
+              <a:schemeClr val="accent1"/>
+            </a:fillRef>
+            <a:effectRef idx="0">
+              <a:schemeClr val="accent1"/>
+            </a:effectRef>
+            <a:fontRef idx="minor">
+              <a:schemeClr val="tx1"/>
+            </a:fontRef>
+          </p:style>
+        </p:cxnSp>
+      </p:grpSp>
     </p:spTree>
   </p:cSld>
   <p:clrMapOvr>
@@ -28579,9 +29508,212 @@
   <p:timing>
     <p:tnLst>
       <p:par>
-        <p:cTn id="1" dur="indefinite" restart="never" nodeType="tmRoot"/>
+        <p:cTn id="1" dur="indefinite" restart="never" nodeType="tmRoot">
+          <p:childTnLst>
+            <p:seq concurrent="1" nextAc="seek">
+              <p:cTn id="2" dur="indefinite" nodeType="mainSeq">
+                <p:childTnLst>
+                  <p:par>
+                    <p:cTn id="3" fill="hold">
+                      <p:stCondLst>
+                        <p:cond delay="indefinite"/>
+                      </p:stCondLst>
+                      <p:childTnLst>
+                        <p:par>
+                          <p:cTn id="4" fill="hold">
+                            <p:stCondLst>
+                              <p:cond delay="0"/>
+                            </p:stCondLst>
+                            <p:childTnLst>
+                              <p:par>
+                                <p:cTn id="5" presetID="3" presetClass="entr" presetSubtype="10" fill="hold" nodeType="clickEffect">
+                                  <p:stCondLst>
+                                    <p:cond delay="0"/>
+                                  </p:stCondLst>
+                                  <p:childTnLst>
+                                    <p:set>
+                                      <p:cBhvr>
+                                        <p:cTn id="6" dur="1" fill="hold">
+                                          <p:stCondLst>
+                                            <p:cond delay="0"/>
+                                          </p:stCondLst>
+                                        </p:cTn>
+                                        <p:tgtEl>
+                                          <p:spTgt spid="6"/>
+                                        </p:tgtEl>
+                                        <p:attrNameLst>
+                                          <p:attrName>style.visibility</p:attrName>
+                                        </p:attrNameLst>
+                                      </p:cBhvr>
+                                      <p:to>
+                                        <p:strVal val="visible"/>
+                                      </p:to>
+                                    </p:set>
+                                    <p:animEffect transition="in" filter="blinds(horizontal)">
+                                      <p:cBhvr>
+                                        <p:cTn id="7" dur="500"/>
+                                        <p:tgtEl>
+                                          <p:spTgt spid="6"/>
+                                        </p:tgtEl>
+                                      </p:cBhvr>
+                                    </p:animEffect>
+                                  </p:childTnLst>
+                                </p:cTn>
+                              </p:par>
+                              <p:par>
+                                <p:cTn id="8" presetID="3" presetClass="entr" presetSubtype="10" fill="hold" grpId="0" nodeType="withEffect">
+                                  <p:stCondLst>
+                                    <p:cond delay="0"/>
+                                  </p:stCondLst>
+                                  <p:childTnLst>
+                                    <p:set>
+                                      <p:cBhvr>
+                                        <p:cTn id="9" dur="1" fill="hold">
+                                          <p:stCondLst>
+                                            <p:cond delay="0"/>
+                                          </p:stCondLst>
+                                        </p:cTn>
+                                        <p:tgtEl>
+                                          <p:spTgt spid="5"/>
+                                        </p:tgtEl>
+                                        <p:attrNameLst>
+                                          <p:attrName>style.visibility</p:attrName>
+                                        </p:attrNameLst>
+                                      </p:cBhvr>
+                                      <p:to>
+                                        <p:strVal val="visible"/>
+                                      </p:to>
+                                    </p:set>
+                                    <p:animEffect transition="in" filter="blinds(horizontal)">
+                                      <p:cBhvr>
+                                        <p:cTn id="10" dur="500"/>
+                                        <p:tgtEl>
+                                          <p:spTgt spid="5"/>
+                                        </p:tgtEl>
+                                      </p:cBhvr>
+                                    </p:animEffect>
+                                  </p:childTnLst>
+                                </p:cTn>
+                              </p:par>
+                            </p:childTnLst>
+                          </p:cTn>
+                        </p:par>
+                      </p:childTnLst>
+                    </p:cTn>
+                  </p:par>
+                  <p:par>
+                    <p:cTn id="11" fill="hold">
+                      <p:stCondLst>
+                        <p:cond delay="indefinite"/>
+                      </p:stCondLst>
+                      <p:childTnLst>
+                        <p:par>
+                          <p:cTn id="12" fill="hold">
+                            <p:stCondLst>
+                              <p:cond delay="0"/>
+                            </p:stCondLst>
+                            <p:childTnLst>
+                              <p:par>
+                                <p:cTn id="13" presetID="3" presetClass="entr" presetSubtype="10" fill="hold" nodeType="clickEffect">
+                                  <p:stCondLst>
+                                    <p:cond delay="0"/>
+                                  </p:stCondLst>
+                                  <p:childTnLst>
+                                    <p:set>
+                                      <p:cBhvr>
+                                        <p:cTn id="14" dur="1" fill="hold">
+                                          <p:stCondLst>
+                                            <p:cond delay="0"/>
+                                          </p:stCondLst>
+                                        </p:cTn>
+                                        <p:tgtEl>
+                                          <p:spTgt spid="10"/>
+                                        </p:tgtEl>
+                                        <p:attrNameLst>
+                                          <p:attrName>style.visibility</p:attrName>
+                                        </p:attrNameLst>
+                                      </p:cBhvr>
+                                      <p:to>
+                                        <p:strVal val="visible"/>
+                                      </p:to>
+                                    </p:set>
+                                    <p:animEffect transition="in" filter="blinds(horizontal)">
+                                      <p:cBhvr>
+                                        <p:cTn id="15" dur="500"/>
+                                        <p:tgtEl>
+                                          <p:spTgt spid="10"/>
+                                        </p:tgtEl>
+                                      </p:cBhvr>
+                                    </p:animEffect>
+                                  </p:childTnLst>
+                                </p:cTn>
+                              </p:par>
+                              <p:par>
+                                <p:cTn id="16" presetID="3" presetClass="entr" presetSubtype="10" fill="hold" grpId="0" nodeType="withEffect">
+                                  <p:stCondLst>
+                                    <p:cond delay="0"/>
+                                  </p:stCondLst>
+                                  <p:childTnLst>
+                                    <p:set>
+                                      <p:cBhvr>
+                                        <p:cTn id="17" dur="1" fill="hold">
+                                          <p:stCondLst>
+                                            <p:cond delay="0"/>
+                                          </p:stCondLst>
+                                        </p:cTn>
+                                        <p:tgtEl>
+                                          <p:spTgt spid="9"/>
+                                        </p:tgtEl>
+                                        <p:attrNameLst>
+                                          <p:attrName>style.visibility</p:attrName>
+                                        </p:attrNameLst>
+                                      </p:cBhvr>
+                                      <p:to>
+                                        <p:strVal val="visible"/>
+                                      </p:to>
+                                    </p:set>
+                                    <p:animEffect transition="in" filter="blinds(horizontal)">
+                                      <p:cBhvr>
+                                        <p:cTn id="18" dur="500"/>
+                                        <p:tgtEl>
+                                          <p:spTgt spid="9"/>
+                                        </p:tgtEl>
+                                      </p:cBhvr>
+                                    </p:animEffect>
+                                  </p:childTnLst>
+                                </p:cTn>
+                              </p:par>
+                            </p:childTnLst>
+                          </p:cTn>
+                        </p:par>
+                      </p:childTnLst>
+                    </p:cTn>
+                  </p:par>
+                </p:childTnLst>
+              </p:cTn>
+              <p:prevCondLst>
+                <p:cond evt="onPrev" delay="0">
+                  <p:tgtEl>
+                    <p:sldTgt/>
+                  </p:tgtEl>
+                </p:cond>
+              </p:prevCondLst>
+              <p:nextCondLst>
+                <p:cond evt="onNext" delay="0">
+                  <p:tgtEl>
+                    <p:sldTgt/>
+                  </p:tgtEl>
+                </p:cond>
+              </p:nextCondLst>
+            </p:seq>
+          </p:childTnLst>
+        </p:cTn>
       </p:par>
     </p:tnLst>
+    <p:bldLst>
+      <p:bldP spid="5" grpId="0" animBg="1"/>
+      <p:bldP spid="9" grpId="0" animBg="1"/>
+    </p:bldLst>
   </p:timing>
 </p:sld>
 </file>
@@ -28605,7 +29737,7 @@
       </p:grpSpPr>
       <p:sp>
         <p:nvSpPr>
-          <p:cNvPr id="26626" name="Título 1"/>
+          <p:cNvPr id="2" name="Title 1"/>
           <p:cNvSpPr>
             <a:spLocks noGrp="1"/>
           </p:cNvSpPr>
@@ -28618,18 +29750,968 @@
           <a:bodyPr/>
           <a:lstStyle/>
           <a:p>
-            <a:pPr eaLnBrk="1" hangingPunct="1"/>
-            <a:r>
-              <a:rPr lang="pt-BR" dirty="0" err="1" smtClean="0"/>
-              <a:t>Deadlock</a:t>
-            </a:r>
-            <a:endParaRPr lang="pt-BR" dirty="0" smtClean="0"/>
+            <a:r>
+              <a:rPr lang="pt-BR" dirty="0" smtClean="0"/>
+              <a:t>Interação entre threads</a:t>
+            </a:r>
+            <a:endParaRPr lang="pt-BR" dirty="0"/>
           </a:p>
         </p:txBody>
       </p:sp>
       <p:sp>
         <p:nvSpPr>
-          <p:cNvPr id="26627" name="Espaço Reservado para Conteúdo 2"/>
+          <p:cNvPr id="3" name="Content Placeholder 2"/>
+          <p:cNvSpPr>
+            <a:spLocks noGrp="1"/>
+          </p:cNvSpPr>
+          <p:nvPr>
+            <p:ph sz="half" idx="1"/>
+          </p:nvPr>
+        </p:nvSpPr>
+        <p:spPr>
+          <a:xfrm>
+            <a:off x="457200" y="1600200"/>
+            <a:ext cx="4114800" cy="4525963"/>
+          </a:xfrm>
+        </p:spPr>
+        <p:txBody>
+          <a:bodyPr/>
+          <a:lstStyle/>
+          <a:p>
+            <a:pPr marL="271463" indent="-234950"/>
+            <a:r>
+              <a:rPr lang="pt-BR" sz="2000" dirty="0" smtClean="0"/>
+              <a:t>Sincronização por método</a:t>
+            </a:r>
+          </a:p>
+          <a:p>
+            <a:pPr marL="271463" indent="0">
+              <a:spcBef>
+                <a:spcPts val="0"/>
+              </a:spcBef>
+              <a:buNone/>
+              <a:tabLst>
+                <a:tab pos="804863" algn="l"/>
+                <a:tab pos="1252538" algn="l"/>
+              </a:tabLst>
+            </a:pPr>
+            <a:endParaRPr lang="pt-BR" sz="1600" dirty="0" smtClean="0"/>
+          </a:p>
+          <a:p>
+            <a:pPr marL="271463" indent="0">
+              <a:spcBef>
+                <a:spcPts val="0"/>
+              </a:spcBef>
+              <a:buNone/>
+              <a:tabLst>
+                <a:tab pos="804863" algn="l"/>
+                <a:tab pos="1252538" algn="l"/>
+              </a:tabLst>
+            </a:pPr>
+            <a:endParaRPr lang="pt-BR" sz="1600" dirty="0" smtClean="0"/>
+          </a:p>
+          <a:p>
+            <a:pPr marL="271463" indent="0">
+              <a:spcBef>
+                <a:spcPts val="0"/>
+              </a:spcBef>
+              <a:buNone/>
+              <a:tabLst>
+                <a:tab pos="804863" algn="l"/>
+                <a:tab pos="1252538" algn="l"/>
+              </a:tabLst>
+            </a:pPr>
+            <a:r>
+              <a:rPr lang="pt-BR" sz="1600" dirty="0" smtClean="0"/>
+              <a:t>public </a:t>
+            </a:r>
+            <a:r>
+              <a:rPr lang="pt-BR" sz="1600" b="1" dirty="0" smtClean="0">
+                <a:solidFill>
+                  <a:srgbClr val="FFC000"/>
+                </a:solidFill>
+              </a:rPr>
+              <a:t>synchronized</a:t>
+            </a:r>
+            <a:r>
+              <a:rPr lang="pt-BR" sz="1600" dirty="0" smtClean="0"/>
+              <a:t> ... </a:t>
+            </a:r>
+            <a:r>
+              <a:rPr lang="pt-BR" sz="1600" u="sng" dirty="0" smtClean="0"/>
+              <a:t>metodo1</a:t>
+            </a:r>
+            <a:r>
+              <a:rPr lang="pt-BR" sz="1600" dirty="0" smtClean="0"/>
+              <a:t>(...) {</a:t>
+            </a:r>
+          </a:p>
+          <a:p>
+            <a:pPr marL="271463" indent="0">
+              <a:spcBef>
+                <a:spcPts val="0"/>
+              </a:spcBef>
+              <a:buNone/>
+              <a:tabLst>
+                <a:tab pos="804863" algn="l"/>
+                <a:tab pos="1252538" algn="l"/>
+              </a:tabLst>
+            </a:pPr>
+            <a:r>
+              <a:rPr lang="pt-BR" sz="1600" dirty="0" smtClean="0"/>
+              <a:t>	...</a:t>
+            </a:r>
+          </a:p>
+          <a:p>
+            <a:pPr marL="271463" indent="0">
+              <a:spcBef>
+                <a:spcPts val="0"/>
+              </a:spcBef>
+              <a:buNone/>
+              <a:tabLst>
+                <a:tab pos="804863" algn="l"/>
+                <a:tab pos="1252538" algn="l"/>
+              </a:tabLst>
+            </a:pPr>
+            <a:r>
+              <a:rPr lang="pt-BR" sz="1600" dirty="0" smtClean="0"/>
+              <a:t>	</a:t>
+            </a:r>
+            <a:r>
+              <a:rPr lang="pt-BR" sz="1600" b="1" dirty="0" smtClean="0">
+                <a:solidFill>
+                  <a:srgbClr val="FFC000"/>
+                </a:solidFill>
+              </a:rPr>
+              <a:t>wait()</a:t>
+            </a:r>
+            <a:r>
+              <a:rPr lang="pt-BR" sz="1600" dirty="0" smtClean="0"/>
+              <a:t>;</a:t>
+            </a:r>
+          </a:p>
+          <a:p>
+            <a:pPr marL="271463" indent="0">
+              <a:spcBef>
+                <a:spcPts val="0"/>
+              </a:spcBef>
+              <a:buNone/>
+              <a:tabLst>
+                <a:tab pos="804863" algn="l"/>
+                <a:tab pos="1252538" algn="l"/>
+              </a:tabLst>
+            </a:pPr>
+            <a:r>
+              <a:rPr lang="pt-BR" sz="1600" dirty="0" smtClean="0"/>
+              <a:t>	...</a:t>
+            </a:r>
+          </a:p>
+          <a:p>
+            <a:pPr marL="271463" indent="0">
+              <a:spcBef>
+                <a:spcPts val="0"/>
+              </a:spcBef>
+              <a:buNone/>
+              <a:tabLst>
+                <a:tab pos="804863" algn="l"/>
+                <a:tab pos="1252538" algn="l"/>
+              </a:tabLst>
+            </a:pPr>
+            <a:r>
+              <a:rPr lang="pt-BR" sz="1600" dirty="0" smtClean="0"/>
+              <a:t>}</a:t>
+            </a:r>
+          </a:p>
+          <a:p>
+            <a:pPr marL="271463" indent="0">
+              <a:spcBef>
+                <a:spcPts val="0"/>
+              </a:spcBef>
+              <a:buNone/>
+              <a:tabLst>
+                <a:tab pos="804863" algn="l"/>
+                <a:tab pos="1252538" algn="l"/>
+              </a:tabLst>
+            </a:pPr>
+            <a:endParaRPr lang="pt-BR" sz="1600" dirty="0" smtClean="0"/>
+          </a:p>
+          <a:p>
+            <a:pPr marL="271463" indent="0">
+              <a:spcBef>
+                <a:spcPts val="0"/>
+              </a:spcBef>
+              <a:buNone/>
+              <a:tabLst>
+                <a:tab pos="804863" algn="l"/>
+                <a:tab pos="1252538" algn="l"/>
+              </a:tabLst>
+            </a:pPr>
+            <a:r>
+              <a:rPr lang="pt-BR" sz="1600" dirty="0" smtClean="0"/>
+              <a:t>public </a:t>
+            </a:r>
+            <a:r>
+              <a:rPr lang="pt-BR" sz="1600" b="1" dirty="0" smtClean="0">
+                <a:solidFill>
+                  <a:srgbClr val="FFC000"/>
+                </a:solidFill>
+              </a:rPr>
+              <a:t>synchronized</a:t>
+            </a:r>
+            <a:r>
+              <a:rPr lang="pt-BR" sz="1600" dirty="0" smtClean="0"/>
+              <a:t> ... </a:t>
+            </a:r>
+            <a:r>
+              <a:rPr lang="pt-BR" sz="1600" u="sng" dirty="0" smtClean="0"/>
+              <a:t>metodo2</a:t>
+            </a:r>
+            <a:r>
+              <a:rPr lang="pt-BR" sz="1600" dirty="0" smtClean="0"/>
+              <a:t>(...) {</a:t>
+            </a:r>
+          </a:p>
+          <a:p>
+            <a:pPr marL="271463" indent="0">
+              <a:spcBef>
+                <a:spcPts val="0"/>
+              </a:spcBef>
+              <a:buNone/>
+              <a:tabLst>
+                <a:tab pos="804863" algn="l"/>
+                <a:tab pos="1252538" algn="l"/>
+              </a:tabLst>
+            </a:pPr>
+            <a:r>
+              <a:rPr lang="pt-BR" sz="1600" dirty="0" smtClean="0"/>
+              <a:t>	...</a:t>
+            </a:r>
+          </a:p>
+          <a:p>
+            <a:pPr marL="271463" indent="0">
+              <a:spcBef>
+                <a:spcPts val="0"/>
+              </a:spcBef>
+              <a:buNone/>
+              <a:tabLst>
+                <a:tab pos="804863" algn="l"/>
+                <a:tab pos="1252538" algn="l"/>
+              </a:tabLst>
+            </a:pPr>
+            <a:r>
+              <a:rPr lang="pt-BR" sz="1600" dirty="0" smtClean="0"/>
+              <a:t>	</a:t>
+            </a:r>
+            <a:r>
+              <a:rPr lang="pt-BR" sz="1600" b="1" dirty="0" smtClean="0">
+                <a:solidFill>
+                  <a:srgbClr val="FFC000"/>
+                </a:solidFill>
+              </a:rPr>
+              <a:t>notify()</a:t>
+            </a:r>
+            <a:r>
+              <a:rPr lang="pt-BR" sz="1600" dirty="0" smtClean="0"/>
+              <a:t>;</a:t>
+            </a:r>
+          </a:p>
+          <a:p>
+            <a:pPr marL="271463" indent="0">
+              <a:spcBef>
+                <a:spcPts val="0"/>
+              </a:spcBef>
+              <a:buNone/>
+              <a:tabLst>
+                <a:tab pos="804863" algn="l"/>
+                <a:tab pos="1252538" algn="l"/>
+              </a:tabLst>
+            </a:pPr>
+            <a:r>
+              <a:rPr lang="pt-BR" sz="1600" dirty="0" smtClean="0"/>
+              <a:t>	...</a:t>
+            </a:r>
+          </a:p>
+          <a:p>
+            <a:pPr marL="271463" indent="0">
+              <a:spcBef>
+                <a:spcPts val="0"/>
+              </a:spcBef>
+              <a:buNone/>
+              <a:tabLst>
+                <a:tab pos="804863" algn="l"/>
+                <a:tab pos="1252538" algn="l"/>
+              </a:tabLst>
+            </a:pPr>
+            <a:r>
+              <a:rPr lang="pt-BR" sz="1600" dirty="0" smtClean="0"/>
+              <a:t>}</a:t>
+            </a:r>
+          </a:p>
+          <a:p>
+            <a:pPr marL="271463" indent="0">
+              <a:spcBef>
+                <a:spcPts val="0"/>
+              </a:spcBef>
+              <a:buNone/>
+              <a:tabLst>
+                <a:tab pos="804863" algn="l"/>
+                <a:tab pos="1252538" algn="l"/>
+              </a:tabLst>
+            </a:pPr>
+            <a:endParaRPr lang="pt-BR" sz="1600" dirty="0" smtClean="0"/>
+          </a:p>
+        </p:txBody>
+      </p:sp>
+      <p:sp>
+        <p:nvSpPr>
+          <p:cNvPr id="4" name="Content Placeholder 3"/>
+          <p:cNvSpPr>
+            <a:spLocks noGrp="1"/>
+          </p:cNvSpPr>
+          <p:nvPr>
+            <p:ph sz="half" idx="2"/>
+          </p:nvPr>
+        </p:nvSpPr>
+        <p:spPr>
+          <a:xfrm>
+            <a:off x="4772052" y="1600200"/>
+            <a:ext cx="3657600" cy="4525963"/>
+          </a:xfrm>
+          <a:noFill/>
+          <a:ln w="9525">
+            <a:noFill/>
+            <a:miter lim="800000"/>
+            <a:headEnd/>
+            <a:tailEnd/>
+          </a:ln>
+        </p:spPr>
+        <p:txBody>
+          <a:bodyPr vert="horz" wrap="square" lIns="91440" tIns="45720" rIns="91440" bIns="45720" numCol="1" anchor="t" anchorCtr="0" compatLnSpc="1">
+            <a:prstTxWarp prst="textNoShape">
+              <a:avLst/>
+            </a:prstTxWarp>
+          </a:bodyPr>
+          <a:lstStyle/>
+          <a:p>
+            <a:pPr marL="271463" indent="-234950"/>
+            <a:r>
+              <a:rPr lang="pt-BR" sz="2000" dirty="0" smtClean="0"/>
+              <a:t>Sincronização por bloco</a:t>
+            </a:r>
+          </a:p>
+          <a:p>
+            <a:pPr marL="271463" indent="0">
+              <a:spcBef>
+                <a:spcPts val="0"/>
+              </a:spcBef>
+              <a:buNone/>
+              <a:tabLst>
+                <a:tab pos="804863" algn="l"/>
+              </a:tabLst>
+            </a:pPr>
+            <a:endParaRPr lang="pt-BR" sz="1600" b="1" dirty="0" smtClean="0">
+              <a:solidFill>
+                <a:srgbClr val="FFC000"/>
+              </a:solidFill>
+            </a:endParaRPr>
+          </a:p>
+          <a:p>
+            <a:pPr marL="271463" indent="0">
+              <a:spcBef>
+                <a:spcPts val="0"/>
+              </a:spcBef>
+              <a:buNone/>
+              <a:tabLst>
+                <a:tab pos="804863" algn="l"/>
+              </a:tabLst>
+            </a:pPr>
+            <a:endParaRPr lang="pt-BR" sz="1600" b="1" dirty="0" smtClean="0">
+              <a:solidFill>
+                <a:srgbClr val="FFC000"/>
+              </a:solidFill>
+            </a:endParaRPr>
+          </a:p>
+          <a:p>
+            <a:pPr marL="271463" indent="0">
+              <a:spcBef>
+                <a:spcPts val="0"/>
+              </a:spcBef>
+              <a:buNone/>
+              <a:tabLst>
+                <a:tab pos="804863" algn="l"/>
+              </a:tabLst>
+            </a:pPr>
+            <a:r>
+              <a:rPr lang="pt-BR" sz="1600" b="1" dirty="0" smtClean="0">
+                <a:solidFill>
+                  <a:srgbClr val="FFC000"/>
+                </a:solidFill>
+              </a:rPr>
+              <a:t>synchronized</a:t>
+            </a:r>
+            <a:r>
+              <a:rPr lang="pt-BR" sz="1600" dirty="0" smtClean="0"/>
+              <a:t> (</a:t>
+            </a:r>
+            <a:r>
+              <a:rPr lang="pt-BR" sz="1600" u="sng" dirty="0" smtClean="0"/>
+              <a:t>obj</a:t>
+            </a:r>
+            <a:r>
+              <a:rPr lang="pt-BR" sz="1600" dirty="0" smtClean="0"/>
+              <a:t>) {</a:t>
+            </a:r>
+          </a:p>
+          <a:p>
+            <a:pPr marL="271463" indent="0">
+              <a:spcBef>
+                <a:spcPts val="0"/>
+              </a:spcBef>
+              <a:buNone/>
+              <a:tabLst>
+                <a:tab pos="804863" algn="l"/>
+              </a:tabLst>
+            </a:pPr>
+            <a:r>
+              <a:rPr lang="pt-BR" sz="1600" dirty="0" smtClean="0"/>
+              <a:t>	...</a:t>
+            </a:r>
+          </a:p>
+          <a:p>
+            <a:pPr marL="271463" indent="0">
+              <a:spcBef>
+                <a:spcPts val="0"/>
+              </a:spcBef>
+              <a:buNone/>
+              <a:tabLst>
+                <a:tab pos="804863" algn="l"/>
+              </a:tabLst>
+            </a:pPr>
+            <a:r>
+              <a:rPr lang="pt-BR" sz="1600" dirty="0" smtClean="0"/>
+              <a:t>	</a:t>
+            </a:r>
+            <a:r>
+              <a:rPr lang="pt-BR" sz="1600" u="sng" dirty="0" smtClean="0"/>
+              <a:t>obj</a:t>
+            </a:r>
+            <a:r>
+              <a:rPr lang="pt-BR" sz="1600" dirty="0" smtClean="0"/>
+              <a:t>.</a:t>
+            </a:r>
+            <a:r>
+              <a:rPr lang="pt-BR" sz="1600" b="1" dirty="0" smtClean="0">
+                <a:solidFill>
+                  <a:srgbClr val="FFC000"/>
+                </a:solidFill>
+              </a:rPr>
+              <a:t>wait()</a:t>
+            </a:r>
+            <a:r>
+              <a:rPr lang="pt-BR" sz="1600" dirty="0" smtClean="0"/>
+              <a:t>;</a:t>
+            </a:r>
+          </a:p>
+          <a:p>
+            <a:pPr marL="271463" indent="0">
+              <a:spcBef>
+                <a:spcPts val="0"/>
+              </a:spcBef>
+              <a:buNone/>
+              <a:tabLst>
+                <a:tab pos="804863" algn="l"/>
+              </a:tabLst>
+            </a:pPr>
+            <a:r>
+              <a:rPr lang="pt-BR" sz="1600" dirty="0" smtClean="0"/>
+              <a:t>	...</a:t>
+            </a:r>
+          </a:p>
+          <a:p>
+            <a:pPr marL="271463" indent="0">
+              <a:spcBef>
+                <a:spcPts val="0"/>
+              </a:spcBef>
+              <a:buNone/>
+              <a:tabLst>
+                <a:tab pos="804863" algn="l"/>
+              </a:tabLst>
+            </a:pPr>
+            <a:r>
+              <a:rPr lang="pt-BR" sz="1600" dirty="0" smtClean="0"/>
+              <a:t>}</a:t>
+            </a:r>
+          </a:p>
+          <a:p>
+            <a:pPr marL="271463" indent="0">
+              <a:spcBef>
+                <a:spcPts val="0"/>
+              </a:spcBef>
+              <a:buNone/>
+              <a:tabLst>
+                <a:tab pos="804863" algn="l"/>
+              </a:tabLst>
+            </a:pPr>
+            <a:endParaRPr lang="pt-BR" sz="1600" dirty="0" smtClean="0"/>
+          </a:p>
+          <a:p>
+            <a:pPr marL="271463" indent="0">
+              <a:spcBef>
+                <a:spcPts val="0"/>
+              </a:spcBef>
+              <a:buNone/>
+              <a:tabLst>
+                <a:tab pos="804863" algn="l"/>
+              </a:tabLst>
+            </a:pPr>
+            <a:r>
+              <a:rPr lang="pt-BR" sz="1600" b="1" dirty="0" smtClean="0">
+                <a:solidFill>
+                  <a:srgbClr val="FFC000"/>
+                </a:solidFill>
+              </a:rPr>
+              <a:t>synchronized</a:t>
+            </a:r>
+            <a:r>
+              <a:rPr lang="pt-BR" sz="1600" dirty="0" smtClean="0"/>
+              <a:t> (</a:t>
+            </a:r>
+            <a:r>
+              <a:rPr lang="pt-BR" sz="1600" u="sng" dirty="0" smtClean="0"/>
+              <a:t>obj</a:t>
+            </a:r>
+            <a:r>
+              <a:rPr lang="pt-BR" sz="1600" dirty="0" smtClean="0"/>
+              <a:t>) {</a:t>
+            </a:r>
+          </a:p>
+          <a:p>
+            <a:pPr marL="271463" indent="0">
+              <a:spcBef>
+                <a:spcPts val="0"/>
+              </a:spcBef>
+              <a:buNone/>
+              <a:tabLst>
+                <a:tab pos="804863" algn="l"/>
+              </a:tabLst>
+            </a:pPr>
+            <a:r>
+              <a:rPr lang="pt-BR" sz="1600" dirty="0" smtClean="0"/>
+              <a:t>	...</a:t>
+            </a:r>
+          </a:p>
+          <a:p>
+            <a:pPr marL="271463" indent="0">
+              <a:spcBef>
+                <a:spcPts val="0"/>
+              </a:spcBef>
+              <a:buNone/>
+              <a:tabLst>
+                <a:tab pos="804863" algn="l"/>
+              </a:tabLst>
+            </a:pPr>
+            <a:r>
+              <a:rPr lang="pt-BR" sz="1600" dirty="0" smtClean="0"/>
+              <a:t>	</a:t>
+            </a:r>
+            <a:r>
+              <a:rPr lang="pt-BR" sz="1600" u="sng" dirty="0" smtClean="0"/>
+              <a:t>obj</a:t>
+            </a:r>
+            <a:r>
+              <a:rPr lang="pt-BR" sz="1600" dirty="0" smtClean="0"/>
+              <a:t>.</a:t>
+            </a:r>
+            <a:r>
+              <a:rPr lang="pt-BR" sz="1600" b="1" dirty="0" smtClean="0">
+                <a:solidFill>
+                  <a:srgbClr val="FFC000"/>
+                </a:solidFill>
+              </a:rPr>
+              <a:t>notify()</a:t>
+            </a:r>
+            <a:r>
+              <a:rPr lang="pt-BR" sz="1600" dirty="0" smtClean="0"/>
+              <a:t>;</a:t>
+            </a:r>
+          </a:p>
+          <a:p>
+            <a:pPr marL="271463" indent="0">
+              <a:spcBef>
+                <a:spcPts val="0"/>
+              </a:spcBef>
+              <a:buNone/>
+              <a:tabLst>
+                <a:tab pos="804863" algn="l"/>
+              </a:tabLst>
+            </a:pPr>
+            <a:r>
+              <a:rPr lang="pt-BR" sz="1600" dirty="0" smtClean="0"/>
+              <a:t>	...</a:t>
+            </a:r>
+          </a:p>
+          <a:p>
+            <a:pPr marL="271463" indent="0">
+              <a:spcBef>
+                <a:spcPts val="0"/>
+              </a:spcBef>
+              <a:buNone/>
+              <a:tabLst>
+                <a:tab pos="804863" algn="l"/>
+              </a:tabLst>
+            </a:pPr>
+            <a:r>
+              <a:rPr lang="pt-BR" sz="1600" dirty="0" smtClean="0"/>
+              <a:t>}</a:t>
+            </a:r>
+          </a:p>
+          <a:p>
+            <a:pPr marL="0" indent="0">
+              <a:spcBef>
+                <a:spcPts val="0"/>
+              </a:spcBef>
+              <a:buNone/>
+              <a:tabLst>
+                <a:tab pos="533400" algn="l"/>
+                <a:tab pos="990600" algn="l"/>
+                <a:tab pos="1436688" algn="l"/>
+              </a:tabLst>
+            </a:pPr>
+            <a:endParaRPr lang="pt-BR" sz="1600" dirty="0" smtClean="0"/>
+          </a:p>
+        </p:txBody>
+      </p:sp>
+      <p:sp>
+        <p:nvSpPr>
+          <p:cNvPr id="5" name="Slide Number Placeholder 4"/>
+          <p:cNvSpPr>
+            <a:spLocks noGrp="1"/>
+          </p:cNvSpPr>
+          <p:nvPr>
+            <p:ph type="sldNum" sz="quarter" idx="12"/>
+          </p:nvPr>
+        </p:nvSpPr>
+        <p:spPr/>
+        <p:txBody>
+          <a:bodyPr/>
+          <a:lstStyle/>
+          <a:p>
+            <a:pPr>
+              <a:defRPr/>
+            </a:pPr>
+            <a:fld id="{B1183DDF-9761-4F34-AA94-91BFB04DDE72}" type="slidenum">
+              <a:rPr lang="pt-BR" smtClean="0"/>
+              <a:pPr>
+                <a:defRPr/>
+              </a:pPr>
+              <a:t>34</a:t>
+            </a:fld>
+            <a:endParaRPr lang="pt-BR"/>
+          </a:p>
+        </p:txBody>
+      </p:sp>
+      <p:cxnSp>
+        <p:nvCxnSpPr>
+          <p:cNvPr id="11" name="Straight Connector 10"/>
+          <p:cNvCxnSpPr/>
+          <p:nvPr/>
+        </p:nvCxnSpPr>
+        <p:spPr>
+          <a:xfrm rot="5400000">
+            <a:off x="2356628" y="3785396"/>
+            <a:ext cx="4572032" cy="1588"/>
+          </a:xfrm>
+          <a:prstGeom prst="line">
+            <a:avLst/>
+          </a:prstGeom>
+          <a:ln w="38100">
+            <a:solidFill>
+              <a:schemeClr val="tx1"/>
+            </a:solidFill>
+          </a:ln>
+        </p:spPr>
+        <p:style>
+          <a:lnRef idx="1">
+            <a:schemeClr val="accent1"/>
+          </a:lnRef>
+          <a:fillRef idx="0">
+            <a:schemeClr val="accent1"/>
+          </a:fillRef>
+          <a:effectRef idx="0">
+            <a:schemeClr val="accent1"/>
+          </a:effectRef>
+          <a:fontRef idx="minor">
+            <a:schemeClr val="tx1"/>
+          </a:fontRef>
+        </p:style>
+      </p:cxnSp>
+      <p:sp>
+        <p:nvSpPr>
+          <p:cNvPr id="13" name="CaixaDeTexto 8"/>
+          <p:cNvSpPr txBox="1"/>
+          <p:nvPr/>
+        </p:nvSpPr>
+        <p:spPr>
+          <a:xfrm>
+            <a:off x="7429520" y="3143248"/>
+            <a:ext cx="1308371" cy="307777"/>
+          </a:xfrm>
+          <a:prstGeom prst="rect">
+            <a:avLst/>
+          </a:prstGeom>
+          <a:noFill/>
+          <a:ln>
+            <a:solidFill>
+              <a:schemeClr val="tx1"/>
+            </a:solidFill>
+          </a:ln>
+        </p:spPr>
+        <p:txBody>
+          <a:bodyPr wrap="none" rtlCol="0">
+            <a:spAutoFit/>
+          </a:bodyPr>
+          <a:lstStyle/>
+          <a:p>
+            <a:r>
+              <a:rPr lang="pt-BR" sz="1400" dirty="0" smtClean="0"/>
+              <a:t>mesmo objeto</a:t>
+            </a:r>
+            <a:endParaRPr lang="pt-BR" sz="1400" dirty="0"/>
+          </a:p>
+        </p:txBody>
+      </p:sp>
+      <p:grpSp>
+        <p:nvGrpSpPr>
+          <p:cNvPr id="14" name="Grupo 43"/>
+          <p:cNvGrpSpPr/>
+          <p:nvPr/>
+        </p:nvGrpSpPr>
+        <p:grpSpPr>
+          <a:xfrm rot="16200000">
+            <a:off x="6821200" y="3251503"/>
+            <a:ext cx="500066" cy="712183"/>
+            <a:chOff x="3851920" y="1916832"/>
+            <a:chExt cx="1440160" cy="864096"/>
+          </a:xfrm>
+        </p:grpSpPr>
+        <p:cxnSp>
+          <p:nvCxnSpPr>
+            <p:cNvPr id="15" name="Conector reto 104"/>
+            <p:cNvCxnSpPr/>
+            <p:nvPr/>
+          </p:nvCxnSpPr>
+          <p:spPr>
+            <a:xfrm>
+              <a:off x="3851920" y="1916832"/>
+              <a:ext cx="1440160" cy="0"/>
+            </a:xfrm>
+            <a:prstGeom prst="line">
+              <a:avLst/>
+            </a:prstGeom>
+            <a:ln>
+              <a:solidFill>
+                <a:schemeClr val="tx1"/>
+              </a:solidFill>
+              <a:headEnd type="arrow"/>
+            </a:ln>
+          </p:spPr>
+          <p:style>
+            <a:lnRef idx="1">
+              <a:schemeClr val="accent1"/>
+            </a:lnRef>
+            <a:fillRef idx="0">
+              <a:schemeClr val="accent1"/>
+            </a:fillRef>
+            <a:effectRef idx="0">
+              <a:schemeClr val="accent1"/>
+            </a:effectRef>
+            <a:fontRef idx="minor">
+              <a:schemeClr val="tx1"/>
+            </a:fontRef>
+          </p:style>
+        </p:cxnSp>
+        <p:cxnSp>
+          <p:nvCxnSpPr>
+            <p:cNvPr id="16" name="Conector de seta reta 105"/>
+            <p:cNvCxnSpPr/>
+            <p:nvPr/>
+          </p:nvCxnSpPr>
+          <p:spPr>
+            <a:xfrm>
+              <a:off x="5292080" y="1916832"/>
+              <a:ext cx="0" cy="864096"/>
+            </a:xfrm>
+            <a:prstGeom prst="straightConnector1">
+              <a:avLst/>
+            </a:prstGeom>
+            <a:ln>
+              <a:solidFill>
+                <a:schemeClr val="tx1"/>
+              </a:solidFill>
+              <a:tailEnd type="none"/>
+            </a:ln>
+          </p:spPr>
+          <p:style>
+            <a:lnRef idx="1">
+              <a:schemeClr val="accent1"/>
+            </a:lnRef>
+            <a:fillRef idx="0">
+              <a:schemeClr val="accent1"/>
+            </a:fillRef>
+            <a:effectRef idx="0">
+              <a:schemeClr val="accent1"/>
+            </a:effectRef>
+            <a:fontRef idx="minor">
+              <a:schemeClr val="tx1"/>
+            </a:fontRef>
+          </p:style>
+        </p:cxnSp>
+      </p:grpSp>
+      <p:grpSp>
+        <p:nvGrpSpPr>
+          <p:cNvPr id="17" name="Grupo 43"/>
+          <p:cNvGrpSpPr/>
+          <p:nvPr/>
+        </p:nvGrpSpPr>
+        <p:grpSpPr>
+          <a:xfrm rot="16200000" flipH="1">
+            <a:off x="6823395" y="2679999"/>
+            <a:ext cx="500067" cy="712183"/>
+            <a:chOff x="3851920" y="1916832"/>
+            <a:chExt cx="1440160" cy="864096"/>
+          </a:xfrm>
+        </p:grpSpPr>
+        <p:cxnSp>
+          <p:nvCxnSpPr>
+            <p:cNvPr id="18" name="Conector reto 104"/>
+            <p:cNvCxnSpPr/>
+            <p:nvPr/>
+          </p:nvCxnSpPr>
+          <p:spPr>
+            <a:xfrm>
+              <a:off x="3851920" y="1916832"/>
+              <a:ext cx="1440160" cy="0"/>
+            </a:xfrm>
+            <a:prstGeom prst="line">
+              <a:avLst/>
+            </a:prstGeom>
+            <a:ln>
+              <a:solidFill>
+                <a:schemeClr val="tx1"/>
+              </a:solidFill>
+              <a:headEnd type="arrow"/>
+            </a:ln>
+          </p:spPr>
+          <p:style>
+            <a:lnRef idx="1">
+              <a:schemeClr val="accent1"/>
+            </a:lnRef>
+            <a:fillRef idx="0">
+              <a:schemeClr val="accent1"/>
+            </a:fillRef>
+            <a:effectRef idx="0">
+              <a:schemeClr val="accent1"/>
+            </a:effectRef>
+            <a:fontRef idx="minor">
+              <a:schemeClr val="tx1"/>
+            </a:fontRef>
+          </p:style>
+        </p:cxnSp>
+        <p:cxnSp>
+          <p:nvCxnSpPr>
+            <p:cNvPr id="19" name="Conector de seta reta 105"/>
+            <p:cNvCxnSpPr/>
+            <p:nvPr/>
+          </p:nvCxnSpPr>
+          <p:spPr>
+            <a:xfrm>
+              <a:off x="5292080" y="1916832"/>
+              <a:ext cx="0" cy="864096"/>
+            </a:xfrm>
+            <a:prstGeom prst="straightConnector1">
+              <a:avLst/>
+            </a:prstGeom>
+            <a:ln>
+              <a:solidFill>
+                <a:schemeClr val="tx1"/>
+              </a:solidFill>
+              <a:tailEnd type="none"/>
+            </a:ln>
+          </p:spPr>
+          <p:style>
+            <a:lnRef idx="1">
+              <a:schemeClr val="accent1"/>
+            </a:lnRef>
+            <a:fillRef idx="0">
+              <a:schemeClr val="accent1"/>
+            </a:fillRef>
+            <a:effectRef idx="0">
+              <a:schemeClr val="accent1"/>
+            </a:effectRef>
+            <a:fontRef idx="minor">
+              <a:schemeClr val="tx1"/>
+            </a:fontRef>
+          </p:style>
+        </p:cxnSp>
+      </p:grpSp>
+    </p:spTree>
+  </p:cSld>
+  <p:clrMapOvr>
+    <a:masterClrMapping/>
+  </p:clrMapOvr>
+  <p:timing>
+    <p:tnLst>
+      <p:par>
+        <p:cTn id="1" dur="indefinite" restart="never" nodeType="tmRoot"/>
+      </p:par>
+    </p:tnLst>
+  </p:timing>
+</p:sld>
+</file>
+
+<file path=ppt/slides/slide35.xml><?xml version="1.0" encoding="utf-8"?>
+<p:sld xmlns:a="http://schemas.openxmlformats.org/drawingml/2006/main" xmlns:r="http://schemas.openxmlformats.org/officeDocument/2006/relationships" xmlns:p="http://schemas.openxmlformats.org/presentationml/2006/main">
+  <p:cSld>
+    <p:spTree>
+      <p:nvGrpSpPr>
+        <p:cNvPr id="1" name=""/>
+        <p:cNvGrpSpPr/>
+        <p:nvPr/>
+      </p:nvGrpSpPr>
+      <p:grpSpPr>
+        <a:xfrm>
+          <a:off x="0" y="0"/>
+          <a:ext cx="0" cy="0"/>
+          <a:chOff x="0" y="0"/>
+          <a:chExt cx="0" cy="0"/>
+        </a:xfrm>
+      </p:grpSpPr>
+      <p:sp>
+        <p:nvSpPr>
+          <p:cNvPr id="2" name="Title 1"/>
+          <p:cNvSpPr>
+            <a:spLocks noGrp="1"/>
+          </p:cNvSpPr>
+          <p:nvPr>
+            <p:ph type="title"/>
+          </p:nvPr>
+        </p:nvSpPr>
+        <p:spPr/>
+        <p:txBody>
+          <a:bodyPr/>
+          <a:lstStyle/>
+          <a:p>
+            <a:r>
+              <a:rPr lang="pt-BR" dirty="0" smtClean="0"/>
+              <a:t>Interação entre threads</a:t>
+            </a:r>
+            <a:endParaRPr lang="pt-BR" dirty="0"/>
+          </a:p>
+        </p:txBody>
+      </p:sp>
+      <p:sp>
+        <p:nvSpPr>
+          <p:cNvPr id="3" name="Content Placeholder 2"/>
           <p:cNvSpPr>
             <a:spLocks noGrp="1"/>
           </p:cNvSpPr>
@@ -28642,13 +30724,194 @@
           <a:bodyPr/>
           <a:lstStyle/>
           <a:p>
-            <a:endParaRPr lang="pt-BR" smtClean="0"/>
+            <a:r>
+              <a:rPr lang="pt-BR" sz="1600" b="1" dirty="0" smtClean="0">
+                <a:solidFill>
+                  <a:srgbClr val="FFC000"/>
+                </a:solidFill>
+              </a:rPr>
+              <a:t>wait()</a:t>
+            </a:r>
+            <a:r>
+              <a:rPr lang="pt-BR" sz="1600" dirty="0" smtClean="0"/>
+              <a:t/>
+            </a:r>
+            <a:br>
+              <a:rPr lang="pt-BR" sz="1600" dirty="0" smtClean="0"/>
+            </a:br>
+            <a:r>
+              <a:rPr lang="pt-BR" sz="1600" dirty="0" smtClean="0"/>
+              <a:t>Bloqueia a thread atual até que o objeto de lock seja notificado.</a:t>
+            </a:r>
+          </a:p>
+          <a:p>
+            <a:endParaRPr lang="pt-BR" sz="1600" dirty="0" smtClean="0"/>
+          </a:p>
+          <a:p>
+            <a:r>
+              <a:rPr lang="pt-BR" sz="1600" b="1" dirty="0" smtClean="0">
+                <a:solidFill>
+                  <a:srgbClr val="FFC000"/>
+                </a:solidFill>
+              </a:rPr>
+              <a:t>wait(long millis)</a:t>
+            </a:r>
+            <a:r>
+              <a:rPr lang="pt-BR" sz="1600" dirty="0" smtClean="0"/>
+              <a:t/>
+            </a:r>
+            <a:br>
+              <a:rPr lang="pt-BR" sz="1600" dirty="0" smtClean="0"/>
+            </a:br>
+            <a:r>
+              <a:rPr lang="pt-BR" sz="1600" dirty="0" smtClean="0"/>
+              <a:t>Bloqueia a thread atual por, no máximo, </a:t>
+            </a:r>
+            <a:r>
+              <a:rPr lang="pt-BR" sz="1600" b="1" dirty="0" smtClean="0">
+                <a:solidFill>
+                  <a:srgbClr val="FFC000"/>
+                </a:solidFill>
+              </a:rPr>
+              <a:t>millis</a:t>
+            </a:r>
+            <a:r>
+              <a:rPr lang="pt-BR" sz="1600" dirty="0" smtClean="0"/>
+              <a:t> milissegundos até que o objeto de lock seja notificado.</a:t>
+            </a:r>
+          </a:p>
+          <a:p>
+            <a:endParaRPr lang="pt-BR" sz="1600" dirty="0" smtClean="0"/>
+          </a:p>
+          <a:p>
+            <a:r>
+              <a:rPr lang="pt-BR" sz="1600" b="1" dirty="0" smtClean="0">
+                <a:solidFill>
+                  <a:srgbClr val="FFC000"/>
+                </a:solidFill>
+              </a:rPr>
+              <a:t>wait(long millis, int nanos)</a:t>
+            </a:r>
+            <a:r>
+              <a:rPr lang="pt-BR" sz="1600" dirty="0" smtClean="0"/>
+              <a:t/>
+            </a:r>
+            <a:br>
+              <a:rPr lang="pt-BR" sz="1600" dirty="0" smtClean="0"/>
+            </a:br>
+            <a:r>
+              <a:rPr lang="pt-BR" sz="1600" dirty="0" smtClean="0"/>
+              <a:t>Bloqueia a thread atual por, no máximo, </a:t>
+            </a:r>
+            <a:r>
+              <a:rPr lang="pt-BR" sz="1600" b="1" dirty="0" smtClean="0">
+                <a:solidFill>
+                  <a:srgbClr val="FFC000"/>
+                </a:solidFill>
+              </a:rPr>
+              <a:t>millis</a:t>
+            </a:r>
+            <a:r>
+              <a:rPr lang="pt-BR" sz="1600" dirty="0" smtClean="0"/>
+              <a:t> milissegundos e </a:t>
+            </a:r>
+            <a:r>
+              <a:rPr lang="pt-BR" sz="1600" b="1" smtClean="0">
+                <a:solidFill>
+                  <a:srgbClr val="FFC000"/>
+                </a:solidFill>
+              </a:rPr>
+              <a:t>nanos</a:t>
+            </a:r>
+            <a:r>
+              <a:rPr lang="pt-BR" sz="1600" smtClean="0"/>
+              <a:t> nanossegundos </a:t>
+            </a:r>
+            <a:r>
+              <a:rPr lang="pt-BR" sz="1600" dirty="0" smtClean="0"/>
+              <a:t>até que o objeto de lock seja notificado.</a:t>
+            </a:r>
+          </a:p>
+          <a:p>
+            <a:endParaRPr lang="pt-BR" sz="1600" dirty="0" smtClean="0"/>
+          </a:p>
+          <a:p>
+            <a:r>
+              <a:rPr lang="pt-BR" sz="1600" b="1" dirty="0" smtClean="0">
+                <a:solidFill>
+                  <a:srgbClr val="FFC000"/>
+                </a:solidFill>
+              </a:rPr>
+              <a:t>notify()</a:t>
+            </a:r>
+            <a:r>
+              <a:rPr lang="pt-BR" sz="1600" dirty="0" smtClean="0"/>
+              <a:t/>
+            </a:r>
+            <a:br>
+              <a:rPr lang="pt-BR" sz="1600" dirty="0" smtClean="0"/>
+            </a:br>
+            <a:r>
+              <a:rPr lang="pt-BR" sz="1600" dirty="0" smtClean="0"/>
+              <a:t>Notifica uma das threads bloqueadas pelo </a:t>
+            </a:r>
+            <a:r>
+              <a:rPr lang="pt-BR" sz="1600" b="1" dirty="0" smtClean="0">
+                <a:solidFill>
+                  <a:srgbClr val="FFC000"/>
+                </a:solidFill>
+              </a:rPr>
+              <a:t>wait()</a:t>
+            </a:r>
+            <a:r>
+              <a:rPr lang="pt-BR" sz="1600" dirty="0" smtClean="0"/>
+              <a:t> sobre o objeto de lock liberando-a para prosseguir sua execução.</a:t>
+            </a:r>
+          </a:p>
+          <a:p>
+            <a:endParaRPr lang="pt-BR" sz="1600" dirty="0" smtClean="0"/>
+          </a:p>
+          <a:p>
+            <a:r>
+              <a:rPr lang="pt-BR" sz="1600" b="1" dirty="0" smtClean="0">
+                <a:solidFill>
+                  <a:srgbClr val="FFC000"/>
+                </a:solidFill>
+              </a:rPr>
+              <a:t>notifyAll()</a:t>
+            </a:r>
+            <a:r>
+              <a:rPr lang="pt-BR" sz="1600" dirty="0" smtClean="0"/>
+              <a:t/>
+            </a:r>
+            <a:br>
+              <a:rPr lang="pt-BR" sz="1600" dirty="0" smtClean="0"/>
+            </a:br>
+            <a:r>
+              <a:rPr lang="pt-BR" sz="1600" dirty="0" smtClean="0"/>
+              <a:t>Notifica todas as threads bloqueadas pelo </a:t>
+            </a:r>
+            <a:r>
+              <a:rPr lang="pt-BR" sz="1600" b="1" dirty="0" smtClean="0">
+                <a:solidFill>
+                  <a:srgbClr val="FFC000"/>
+                </a:solidFill>
+              </a:rPr>
+              <a:t>wait()</a:t>
+            </a:r>
+            <a:r>
+              <a:rPr lang="pt-BR" sz="1600" dirty="0" smtClean="0"/>
+              <a:t> sobre o objeto de lock liberando-as para prosseguir em suas respectivas execuções.</a:t>
+            </a:r>
+          </a:p>
+          <a:p>
+            <a:endParaRPr lang="pt-BR" sz="1600" dirty="0"/>
           </a:p>
         </p:txBody>
       </p:sp>
       <p:sp>
         <p:nvSpPr>
-          <p:cNvPr id="4" name="Espaço Reservado para Número de Slide 3"/>
+          <p:cNvPr id="4" name="Slide Number Placeholder 3"/>
           <p:cNvSpPr>
             <a:spLocks noGrp="1"/>
           </p:cNvSpPr>
@@ -28669,7 +30932,759 @@
               <a:pPr>
                 <a:defRPr/>
               </a:pPr>
-              <a:t>34</a:t>
+              <a:t>35</a:t>
+            </a:fld>
+            <a:endParaRPr lang="pt-BR"/>
+          </a:p>
+        </p:txBody>
+      </p:sp>
+    </p:spTree>
+  </p:cSld>
+  <p:clrMapOvr>
+    <a:masterClrMapping/>
+  </p:clrMapOvr>
+  <p:timing>
+    <p:tnLst>
+      <p:par>
+        <p:cTn id="1" dur="indefinite" restart="never" nodeType="tmRoot"/>
+      </p:par>
+    </p:tnLst>
+  </p:timing>
+</p:sld>
+</file>
+
+<file path=ppt/slides/slide36.xml><?xml version="1.0" encoding="utf-8"?>
+<p:sld xmlns:a="http://schemas.openxmlformats.org/drawingml/2006/main" xmlns:r="http://schemas.openxmlformats.org/officeDocument/2006/relationships" xmlns:p="http://schemas.openxmlformats.org/presentationml/2006/main">
+  <p:cSld>
+    <p:spTree>
+      <p:nvGrpSpPr>
+        <p:cNvPr id="1" name=""/>
+        <p:cNvGrpSpPr/>
+        <p:nvPr/>
+      </p:nvGrpSpPr>
+      <p:grpSpPr>
+        <a:xfrm>
+          <a:off x="0" y="0"/>
+          <a:ext cx="0" cy="0"/>
+          <a:chOff x="0" y="0"/>
+          <a:chExt cx="0" cy="0"/>
+        </a:xfrm>
+      </p:grpSpPr>
+      <p:sp>
+        <p:nvSpPr>
+          <p:cNvPr id="26626" name="Título 1"/>
+          <p:cNvSpPr>
+            <a:spLocks noGrp="1"/>
+          </p:cNvSpPr>
+          <p:nvPr>
+            <p:ph type="title"/>
+          </p:nvPr>
+        </p:nvSpPr>
+        <p:spPr/>
+        <p:txBody>
+          <a:bodyPr/>
+          <a:lstStyle/>
+          <a:p>
+            <a:pPr eaLnBrk="1" hangingPunct="1"/>
+            <a:r>
+              <a:rPr lang="pt-BR" dirty="0" err="1" smtClean="0"/>
+              <a:t>Deadlock</a:t>
+            </a:r>
+            <a:endParaRPr lang="pt-BR" dirty="0" smtClean="0"/>
+          </a:p>
+        </p:txBody>
+      </p:sp>
+      <p:sp>
+        <p:nvSpPr>
+          <p:cNvPr id="26627" name="Espaço Reservado para Conteúdo 2"/>
+          <p:cNvSpPr>
+            <a:spLocks noGrp="1"/>
+          </p:cNvSpPr>
+          <p:nvPr>
+            <p:ph idx="1"/>
+          </p:nvPr>
+        </p:nvSpPr>
+        <p:spPr/>
+        <p:txBody>
+          <a:bodyPr/>
+          <a:lstStyle/>
+          <a:p>
+            <a:r>
+              <a:rPr lang="pt-BR" sz="2400" dirty="0" smtClean="0"/>
+              <a:t>Chamamos de </a:t>
+            </a:r>
+            <a:r>
+              <a:rPr lang="pt-BR" sz="2400" i="1" dirty="0" smtClean="0"/>
+              <a:t>deadlock</a:t>
+            </a:r>
+            <a:r>
+              <a:rPr lang="pt-BR" sz="2400" dirty="0" smtClean="0"/>
+              <a:t> a um tipo específico de bug na aplicação onde duas threads são mutuamente dependentes e ficam uma aguardando a outra.</a:t>
+            </a:r>
+          </a:p>
+          <a:p>
+            <a:endParaRPr lang="pt-BR" sz="2400" dirty="0" smtClean="0"/>
+          </a:p>
+          <a:p>
+            <a:r>
+              <a:rPr lang="pt-BR" sz="2400" dirty="0" smtClean="0"/>
+              <a:t>Esta situação pode ocorrer mediante o uso dos métodos </a:t>
+            </a:r>
+            <a:r>
+              <a:rPr lang="pt-BR" sz="2400" dirty="0" smtClean="0">
+                <a:solidFill>
+                  <a:srgbClr val="FFC000"/>
+                </a:solidFill>
+              </a:rPr>
+              <a:t>Thread.join()</a:t>
+            </a:r>
+            <a:r>
+              <a:rPr lang="pt-BR" sz="2400" dirty="0" smtClean="0"/>
+              <a:t> ou </a:t>
+            </a:r>
+            <a:r>
+              <a:rPr lang="pt-BR" sz="2400" dirty="0" smtClean="0">
+                <a:solidFill>
+                  <a:srgbClr val="FFC000"/>
+                </a:solidFill>
+              </a:rPr>
+              <a:t>Object.wait()</a:t>
+            </a:r>
+            <a:endParaRPr lang="pt-BR" sz="2400" dirty="0" smtClean="0">
+              <a:solidFill>
+                <a:srgbClr val="FFC000"/>
+              </a:solidFill>
+            </a:endParaRPr>
+          </a:p>
+        </p:txBody>
+      </p:sp>
+      <p:sp>
+        <p:nvSpPr>
+          <p:cNvPr id="4" name="Espaço Reservado para Número de Slide 3"/>
+          <p:cNvSpPr>
+            <a:spLocks noGrp="1"/>
+          </p:cNvSpPr>
+          <p:nvPr>
+            <p:ph type="sldNum" sz="quarter" idx="12"/>
+          </p:nvPr>
+        </p:nvSpPr>
+        <p:spPr/>
+        <p:txBody>
+          <a:bodyPr/>
+          <a:lstStyle/>
+          <a:p>
+            <a:pPr>
+              <a:defRPr/>
+            </a:pPr>
+            <a:fld id="{A3E49AD4-F76A-4E25-A0A5-9CD64D5A0A0D}" type="slidenum">
+              <a:rPr lang="pt-BR" smtClean="0"/>
+              <a:pPr>
+                <a:defRPr/>
+              </a:pPr>
+              <a:t>36</a:t>
+            </a:fld>
+            <a:endParaRPr lang="pt-BR"/>
+          </a:p>
+        </p:txBody>
+      </p:sp>
+    </p:spTree>
+  </p:cSld>
+  <p:clrMapOvr>
+    <a:masterClrMapping/>
+  </p:clrMapOvr>
+  <p:timing>
+    <p:tnLst>
+      <p:par>
+        <p:cTn id="1" dur="indefinite" restart="never" nodeType="tmRoot"/>
+      </p:par>
+    </p:tnLst>
+  </p:timing>
+</p:sld>
+</file>
+
+<file path=ppt/slides/slide37.xml><?xml version="1.0" encoding="utf-8"?>
+<p:sld xmlns:a="http://schemas.openxmlformats.org/drawingml/2006/main" xmlns:r="http://schemas.openxmlformats.org/officeDocument/2006/relationships" xmlns:p="http://schemas.openxmlformats.org/presentationml/2006/main">
+  <p:cSld>
+    <p:spTree>
+      <p:nvGrpSpPr>
+        <p:cNvPr id="1" name=""/>
+        <p:cNvGrpSpPr/>
+        <p:nvPr/>
+      </p:nvGrpSpPr>
+      <p:grpSpPr>
+        <a:xfrm>
+          <a:off x="0" y="0"/>
+          <a:ext cx="0" cy="0"/>
+          <a:chOff x="0" y="0"/>
+          <a:chExt cx="0" cy="0"/>
+        </a:xfrm>
+      </p:grpSpPr>
+      <p:sp>
+        <p:nvSpPr>
+          <p:cNvPr id="2" name="Title 1"/>
+          <p:cNvSpPr>
+            <a:spLocks noGrp="1"/>
+          </p:cNvSpPr>
+          <p:nvPr>
+            <p:ph type="title"/>
+          </p:nvPr>
+        </p:nvSpPr>
+        <p:spPr/>
+        <p:txBody>
+          <a:bodyPr/>
+          <a:lstStyle/>
+          <a:p>
+            <a:r>
+              <a:rPr lang="pt-BR" dirty="0" smtClean="0"/>
+              <a:t>Deadlock</a:t>
+            </a:r>
+            <a:endParaRPr lang="pt-BR" dirty="0"/>
+          </a:p>
+        </p:txBody>
+      </p:sp>
+      <p:sp>
+        <p:nvSpPr>
+          <p:cNvPr id="3" name="Content Placeholder 2"/>
+          <p:cNvSpPr>
+            <a:spLocks noGrp="1"/>
+          </p:cNvSpPr>
+          <p:nvPr>
+            <p:ph idx="1"/>
+          </p:nvPr>
+        </p:nvSpPr>
+        <p:spPr>
+          <a:xfrm>
+            <a:off x="1309670" y="1600200"/>
+            <a:ext cx="5762660" cy="4525963"/>
+          </a:xfrm>
+        </p:spPr>
+        <p:txBody>
+          <a:bodyPr/>
+          <a:lstStyle/>
+          <a:p>
+            <a:pPr marL="0" indent="0">
+              <a:spcBef>
+                <a:spcPts val="0"/>
+              </a:spcBef>
+              <a:buNone/>
+              <a:tabLst>
+                <a:tab pos="533400" algn="l"/>
+                <a:tab pos="990600" algn="l"/>
+              </a:tabLst>
+            </a:pPr>
+            <a:r>
+              <a:rPr lang="pt-BR" sz="1600" dirty="0" smtClean="0"/>
+              <a:t>Thread </a:t>
+            </a:r>
+            <a:r>
+              <a:rPr lang="pt-BR" sz="1600" dirty="0" smtClean="0">
+                <a:solidFill>
+                  <a:srgbClr val="FFC000"/>
+                </a:solidFill>
+              </a:rPr>
+              <a:t>thread1</a:t>
+            </a:r>
+            <a:r>
+              <a:rPr lang="pt-BR" sz="1600" dirty="0" smtClean="0"/>
+              <a:t> = new Thread() {</a:t>
+            </a:r>
+          </a:p>
+          <a:p>
+            <a:pPr marL="0" indent="0">
+              <a:spcBef>
+                <a:spcPts val="0"/>
+              </a:spcBef>
+              <a:buNone/>
+              <a:tabLst>
+                <a:tab pos="533400" algn="l"/>
+                <a:tab pos="990600" algn="l"/>
+              </a:tabLst>
+            </a:pPr>
+            <a:r>
+              <a:rPr lang="pt-BR" sz="1600" dirty="0" smtClean="0"/>
+              <a:t>	public void run() {</a:t>
+            </a:r>
+          </a:p>
+          <a:p>
+            <a:pPr marL="0" indent="0">
+              <a:spcBef>
+                <a:spcPts val="0"/>
+              </a:spcBef>
+              <a:buNone/>
+              <a:tabLst>
+                <a:tab pos="533400" algn="l"/>
+                <a:tab pos="990600" algn="l"/>
+              </a:tabLst>
+            </a:pPr>
+            <a:r>
+              <a:rPr lang="pt-BR" sz="1600" dirty="0" smtClean="0"/>
+              <a:t>	</a:t>
+            </a:r>
+            <a:r>
+              <a:rPr lang="pt-BR" sz="1600" dirty="0" smtClean="0"/>
+              <a:t>	System.out.println(“Aguardando thread 2...”);</a:t>
+            </a:r>
+          </a:p>
+          <a:p>
+            <a:pPr marL="0" indent="0">
+              <a:spcBef>
+                <a:spcPts val="0"/>
+              </a:spcBef>
+              <a:buNone/>
+              <a:tabLst>
+                <a:tab pos="533400" algn="l"/>
+                <a:tab pos="990600" algn="l"/>
+              </a:tabLst>
+            </a:pPr>
+            <a:r>
+              <a:rPr lang="pt-BR" sz="1600" dirty="0" smtClean="0"/>
+              <a:t>	</a:t>
+            </a:r>
+            <a:r>
+              <a:rPr lang="pt-BR" sz="1600" dirty="0" smtClean="0"/>
+              <a:t>	</a:t>
+            </a:r>
+            <a:r>
+              <a:rPr lang="pt-BR" sz="1600" dirty="0" smtClean="0">
+                <a:solidFill>
+                  <a:srgbClr val="FFC000"/>
+                </a:solidFill>
+              </a:rPr>
+              <a:t>thread2</a:t>
+            </a:r>
+            <a:r>
+              <a:rPr lang="pt-BR" sz="1600" dirty="0" smtClean="0"/>
+              <a:t>.join();</a:t>
+            </a:r>
+          </a:p>
+          <a:p>
+            <a:pPr marL="0" indent="0">
+              <a:spcBef>
+                <a:spcPts val="0"/>
+              </a:spcBef>
+              <a:buNone/>
+              <a:tabLst>
+                <a:tab pos="533400" algn="l"/>
+                <a:tab pos="990600" algn="l"/>
+              </a:tabLst>
+            </a:pPr>
+            <a:r>
+              <a:rPr lang="pt-BR" sz="1600" dirty="0" smtClean="0"/>
+              <a:t>		System.out.println(“Thread </a:t>
+            </a:r>
+            <a:r>
+              <a:rPr lang="pt-BR" sz="1600" dirty="0" smtClean="0"/>
+              <a:t>1 </a:t>
+            </a:r>
+            <a:r>
+              <a:rPr lang="pt-BR" sz="1600" dirty="0" smtClean="0"/>
+              <a:t>encerrada.”);</a:t>
+            </a:r>
+          </a:p>
+          <a:p>
+            <a:pPr marL="0" indent="0">
+              <a:spcBef>
+                <a:spcPts val="0"/>
+              </a:spcBef>
+              <a:buNone/>
+              <a:tabLst>
+                <a:tab pos="533400" algn="l"/>
+                <a:tab pos="990600" algn="l"/>
+              </a:tabLst>
+            </a:pPr>
+            <a:r>
+              <a:rPr lang="pt-BR" sz="1600" dirty="0" smtClean="0"/>
+              <a:t>	</a:t>
+            </a:r>
+            <a:r>
+              <a:rPr lang="pt-BR" sz="1600" dirty="0" smtClean="0"/>
+              <a:t>}</a:t>
+            </a:r>
+          </a:p>
+          <a:p>
+            <a:pPr marL="0" indent="0">
+              <a:spcBef>
+                <a:spcPts val="0"/>
+              </a:spcBef>
+              <a:buNone/>
+              <a:tabLst>
+                <a:tab pos="533400" algn="l"/>
+                <a:tab pos="990600" algn="l"/>
+              </a:tabLst>
+            </a:pPr>
+            <a:r>
+              <a:rPr lang="pt-BR" sz="1600" dirty="0" smtClean="0"/>
+              <a:t>};</a:t>
+            </a:r>
+          </a:p>
+          <a:p>
+            <a:pPr marL="0" indent="0">
+              <a:spcBef>
+                <a:spcPts val="0"/>
+              </a:spcBef>
+              <a:buNone/>
+              <a:tabLst>
+                <a:tab pos="533400" algn="l"/>
+                <a:tab pos="990600" algn="l"/>
+              </a:tabLst>
+            </a:pPr>
+            <a:endParaRPr lang="pt-BR" sz="1600" dirty="0" smtClean="0"/>
+          </a:p>
+          <a:p>
+            <a:pPr marL="0" indent="0">
+              <a:spcBef>
+                <a:spcPts val="0"/>
+              </a:spcBef>
+              <a:buNone/>
+              <a:tabLst>
+                <a:tab pos="533400" algn="l"/>
+                <a:tab pos="990600" algn="l"/>
+              </a:tabLst>
+            </a:pPr>
+            <a:r>
+              <a:rPr lang="pt-BR" sz="1600" dirty="0" smtClean="0"/>
+              <a:t>Thread </a:t>
+            </a:r>
+            <a:r>
+              <a:rPr lang="pt-BR" sz="1600" dirty="0" smtClean="0">
+                <a:solidFill>
+                  <a:srgbClr val="FFC000"/>
+                </a:solidFill>
+              </a:rPr>
+              <a:t>thread2</a:t>
+            </a:r>
+            <a:r>
+              <a:rPr lang="pt-BR" sz="1600" dirty="0" smtClean="0"/>
+              <a:t> = new Thread() {</a:t>
+            </a:r>
+          </a:p>
+          <a:p>
+            <a:pPr marL="0" indent="0">
+              <a:spcBef>
+                <a:spcPts val="0"/>
+              </a:spcBef>
+              <a:buNone/>
+              <a:tabLst>
+                <a:tab pos="533400" algn="l"/>
+                <a:tab pos="990600" algn="l"/>
+              </a:tabLst>
+            </a:pPr>
+            <a:r>
+              <a:rPr lang="pt-BR" sz="1600" dirty="0" smtClean="0"/>
+              <a:t>	public void run() {</a:t>
+            </a:r>
+          </a:p>
+          <a:p>
+            <a:pPr marL="0" indent="0">
+              <a:spcBef>
+                <a:spcPts val="0"/>
+              </a:spcBef>
+              <a:buNone/>
+              <a:tabLst>
+                <a:tab pos="533400" algn="l"/>
+                <a:tab pos="990600" algn="l"/>
+              </a:tabLst>
+            </a:pPr>
+            <a:r>
+              <a:rPr lang="pt-BR" sz="1600" dirty="0" smtClean="0"/>
+              <a:t>		System.out.println(“Aguardando thread </a:t>
+            </a:r>
+            <a:r>
+              <a:rPr lang="pt-BR" sz="1600" dirty="0" smtClean="0"/>
+              <a:t>1...”);</a:t>
+            </a:r>
+            <a:endParaRPr lang="pt-BR" sz="1600" dirty="0" smtClean="0"/>
+          </a:p>
+          <a:p>
+            <a:pPr marL="0" indent="0">
+              <a:spcBef>
+                <a:spcPts val="0"/>
+              </a:spcBef>
+              <a:buNone/>
+              <a:tabLst>
+                <a:tab pos="533400" algn="l"/>
+                <a:tab pos="990600" algn="l"/>
+              </a:tabLst>
+            </a:pPr>
+            <a:r>
+              <a:rPr lang="pt-BR" sz="1600" dirty="0" smtClean="0"/>
+              <a:t>		</a:t>
+            </a:r>
+            <a:r>
+              <a:rPr lang="pt-BR" sz="1600" dirty="0" smtClean="0">
+                <a:solidFill>
+                  <a:srgbClr val="FFC000"/>
+                </a:solidFill>
+              </a:rPr>
+              <a:t>thread1</a:t>
+            </a:r>
+            <a:r>
+              <a:rPr lang="pt-BR" sz="1600" dirty="0" smtClean="0"/>
+              <a:t>.join();</a:t>
+            </a:r>
+          </a:p>
+          <a:p>
+            <a:pPr marL="0" indent="0">
+              <a:spcBef>
+                <a:spcPts val="0"/>
+              </a:spcBef>
+              <a:buNone/>
+              <a:tabLst>
+                <a:tab pos="533400" algn="l"/>
+                <a:tab pos="990600" algn="l"/>
+              </a:tabLst>
+            </a:pPr>
+            <a:r>
+              <a:rPr lang="pt-BR" sz="1600" dirty="0" smtClean="0"/>
+              <a:t>	</a:t>
+            </a:r>
+            <a:r>
+              <a:rPr lang="pt-BR" sz="1600" dirty="0" smtClean="0"/>
+              <a:t>	System.out.println(“Thread 2 encerrada.”);</a:t>
+            </a:r>
+            <a:endParaRPr lang="pt-BR" sz="1600" dirty="0" smtClean="0"/>
+          </a:p>
+          <a:p>
+            <a:pPr marL="0" indent="0">
+              <a:spcBef>
+                <a:spcPts val="0"/>
+              </a:spcBef>
+              <a:buNone/>
+              <a:tabLst>
+                <a:tab pos="533400" algn="l"/>
+                <a:tab pos="990600" algn="l"/>
+              </a:tabLst>
+            </a:pPr>
+            <a:r>
+              <a:rPr lang="pt-BR" sz="1600" dirty="0" smtClean="0"/>
+              <a:t>	}</a:t>
+            </a:r>
+          </a:p>
+          <a:p>
+            <a:pPr marL="0" indent="0">
+              <a:spcBef>
+                <a:spcPts val="0"/>
+              </a:spcBef>
+              <a:buNone/>
+              <a:tabLst>
+                <a:tab pos="533400" algn="l"/>
+                <a:tab pos="990600" algn="l"/>
+              </a:tabLst>
+            </a:pPr>
+            <a:r>
+              <a:rPr lang="pt-BR" sz="1600" dirty="0" smtClean="0"/>
+              <a:t>};</a:t>
+            </a:r>
+          </a:p>
+          <a:p>
+            <a:pPr marL="0" indent="0">
+              <a:spcBef>
+                <a:spcPts val="0"/>
+              </a:spcBef>
+              <a:buNone/>
+              <a:tabLst>
+                <a:tab pos="533400" algn="l"/>
+                <a:tab pos="990600" algn="l"/>
+              </a:tabLst>
+            </a:pPr>
+            <a:endParaRPr lang="pt-BR" sz="1600" dirty="0" smtClean="0"/>
+          </a:p>
+          <a:p>
+            <a:pPr marL="0" indent="0">
+              <a:spcBef>
+                <a:spcPts val="0"/>
+              </a:spcBef>
+              <a:buNone/>
+              <a:tabLst>
+                <a:tab pos="533400" algn="l"/>
+                <a:tab pos="990600" algn="l"/>
+              </a:tabLst>
+            </a:pPr>
+            <a:r>
+              <a:rPr lang="pt-BR" sz="1600" dirty="0" smtClean="0"/>
+              <a:t>....</a:t>
+            </a:r>
+            <a:endParaRPr lang="pt-BR" sz="1600" dirty="0" smtClean="0"/>
+          </a:p>
+          <a:p>
+            <a:pPr marL="0" indent="0">
+              <a:spcBef>
+                <a:spcPts val="0"/>
+              </a:spcBef>
+              <a:buNone/>
+              <a:tabLst>
+                <a:tab pos="533400" algn="l"/>
+                <a:tab pos="990600" algn="l"/>
+              </a:tabLst>
+            </a:pPr>
+            <a:r>
+              <a:rPr lang="pt-BR" sz="1600" dirty="0" smtClean="0"/>
+              <a:t>thread1.start();</a:t>
+            </a:r>
+          </a:p>
+          <a:p>
+            <a:pPr marL="0" indent="0">
+              <a:spcBef>
+                <a:spcPts val="0"/>
+              </a:spcBef>
+              <a:buNone/>
+              <a:tabLst>
+                <a:tab pos="533400" algn="l"/>
+                <a:tab pos="990600" algn="l"/>
+              </a:tabLst>
+            </a:pPr>
+            <a:r>
+              <a:rPr lang="pt-BR" sz="1600" dirty="0" smtClean="0"/>
+              <a:t>thread2.start();</a:t>
+            </a:r>
+            <a:endParaRPr lang="pt-BR" sz="1600" dirty="0"/>
+          </a:p>
+        </p:txBody>
+      </p:sp>
+      <p:sp>
+        <p:nvSpPr>
+          <p:cNvPr id="4" name="Slide Number Placeholder 3"/>
+          <p:cNvSpPr>
+            <a:spLocks noGrp="1"/>
+          </p:cNvSpPr>
+          <p:nvPr>
+            <p:ph type="sldNum" sz="quarter" idx="12"/>
+          </p:nvPr>
+        </p:nvSpPr>
+        <p:spPr/>
+        <p:txBody>
+          <a:bodyPr/>
+          <a:lstStyle/>
+          <a:p>
+            <a:pPr>
+              <a:defRPr/>
+            </a:pPr>
+            <a:fld id="{A3E49AD4-F76A-4E25-A0A5-9CD64D5A0A0D}" type="slidenum">
+              <a:rPr lang="pt-BR" smtClean="0"/>
+              <a:pPr>
+                <a:defRPr/>
+              </a:pPr>
+              <a:t>37</a:t>
+            </a:fld>
+            <a:endParaRPr lang="pt-BR"/>
+          </a:p>
+        </p:txBody>
+      </p:sp>
+    </p:spTree>
+  </p:cSld>
+  <p:clrMapOvr>
+    <a:masterClrMapping/>
+  </p:clrMapOvr>
+  <p:timing>
+    <p:tnLst>
+      <p:par>
+        <p:cTn id="1" dur="indefinite" restart="never" nodeType="tmRoot"/>
+      </p:par>
+    </p:tnLst>
+  </p:timing>
+</p:sld>
+</file>
+
+<file path=ppt/slides/slide38.xml><?xml version="1.0" encoding="utf-8"?>
+<p:sld xmlns:a="http://schemas.openxmlformats.org/drawingml/2006/main" xmlns:r="http://schemas.openxmlformats.org/officeDocument/2006/relationships" xmlns:p="http://schemas.openxmlformats.org/presentationml/2006/main">
+  <p:cSld>
+    <p:spTree>
+      <p:nvGrpSpPr>
+        <p:cNvPr id="1" name=""/>
+        <p:cNvGrpSpPr/>
+        <p:nvPr/>
+      </p:nvGrpSpPr>
+      <p:grpSpPr>
+        <a:xfrm>
+          <a:off x="0" y="0"/>
+          <a:ext cx="0" cy="0"/>
+          <a:chOff x="0" y="0"/>
+          <a:chExt cx="0" cy="0"/>
+        </a:xfrm>
+      </p:grpSpPr>
+      <p:sp>
+        <p:nvSpPr>
+          <p:cNvPr id="2" name="Title 1"/>
+          <p:cNvSpPr>
+            <a:spLocks noGrp="1"/>
+          </p:cNvSpPr>
+          <p:nvPr>
+            <p:ph type="title"/>
+          </p:nvPr>
+        </p:nvSpPr>
+        <p:spPr/>
+        <p:txBody>
+          <a:bodyPr/>
+          <a:lstStyle/>
+          <a:p>
+            <a:r>
+              <a:rPr lang="pt-BR" dirty="0" smtClean="0"/>
+              <a:t>Deadlock</a:t>
+            </a:r>
+            <a:endParaRPr lang="pt-BR" dirty="0"/>
+          </a:p>
+        </p:txBody>
+      </p:sp>
+      <p:sp>
+        <p:nvSpPr>
+          <p:cNvPr id="3" name="Content Placeholder 2"/>
+          <p:cNvSpPr>
+            <a:spLocks noGrp="1"/>
+          </p:cNvSpPr>
+          <p:nvPr>
+            <p:ph idx="1"/>
+          </p:nvPr>
+        </p:nvSpPr>
+        <p:spPr/>
+        <p:txBody>
+          <a:bodyPr/>
+          <a:lstStyle/>
+          <a:p>
+            <a:r>
+              <a:rPr lang="pt-BR" sz="2400" dirty="0" smtClean="0"/>
+              <a:t>Situações de deadlock podem ser difíceis de ser encontradas na aplicação.</a:t>
+            </a:r>
+          </a:p>
+          <a:p>
+            <a:endParaRPr lang="pt-BR" sz="2400" smtClean="0"/>
+          </a:p>
+          <a:p>
+            <a:r>
+              <a:rPr lang="pt-BR" sz="2400" smtClean="0"/>
+              <a:t>Ao </a:t>
+            </a:r>
+            <a:r>
+              <a:rPr lang="pt-BR" sz="2400" dirty="0" smtClean="0"/>
+              <a:t>utilizar interação entre threads em sua aplicação, é necessária uma análise detalhada para evitar este tipo de problema.</a:t>
+            </a:r>
+            <a:endParaRPr lang="pt-BR" sz="2400" dirty="0"/>
+          </a:p>
+        </p:txBody>
+      </p:sp>
+      <p:sp>
+        <p:nvSpPr>
+          <p:cNvPr id="4" name="Slide Number Placeholder 3"/>
+          <p:cNvSpPr>
+            <a:spLocks noGrp="1"/>
+          </p:cNvSpPr>
+          <p:nvPr>
+            <p:ph type="sldNum" sz="quarter" idx="12"/>
+          </p:nvPr>
+        </p:nvSpPr>
+        <p:spPr/>
+        <p:txBody>
+          <a:bodyPr/>
+          <a:lstStyle/>
+          <a:p>
+            <a:pPr>
+              <a:defRPr/>
+            </a:pPr>
+            <a:fld id="{A3E49AD4-F76A-4E25-A0A5-9CD64D5A0A0D}" type="slidenum">
+              <a:rPr lang="pt-BR" smtClean="0"/>
+              <a:pPr>
+                <a:defRPr/>
+              </a:pPr>
+              <a:t>38</a:t>
             </a:fld>
             <a:endParaRPr lang="pt-BR"/>
           </a:p>

--- a/2-Java-Programmer-Modulo-II/14.Capitulo08.pptx
+++ b/2-Java-Programmer-Modulo-II/14.Capitulo08.pptx
@@ -286,7 +286,7 @@
               <a:pPr>
                 <a:defRPr/>
               </a:pPr>
-              <a:t>27/04/2012</a:t>
+              <a:t>14/7/2012</a:t>
             </a:fld>
             <a:endParaRPr lang="pt-BR"/>
           </a:p>
@@ -474,7 +474,7 @@
               <a:pPr>
                 <a:defRPr/>
               </a:pPr>
-              <a:t>‹#›</a:t>
+              <a:t>‹nº›</a:t>
             </a:fld>
             <a:endParaRPr lang="pt-BR"/>
           </a:p>
@@ -4723,7 +4723,7 @@
               <a:pPr>
                 <a:defRPr/>
               </a:pPr>
-              <a:t>27/04/2012</a:t>
+              <a:t>14/7/2012</a:t>
             </a:fld>
             <a:endParaRPr lang="pt-BR"/>
           </a:p>
@@ -4782,7 +4782,7 @@
               <a:pPr>
                 <a:defRPr/>
               </a:pPr>
-              <a:t>‹#›</a:t>
+              <a:t>‹nº›</a:t>
             </a:fld>
             <a:endParaRPr lang="pt-BR"/>
           </a:p>
@@ -4922,7 +4922,7 @@
               <a:pPr>
                 <a:defRPr/>
               </a:pPr>
-              <a:t>27/04/2012</a:t>
+              <a:t>14/7/2012</a:t>
             </a:fld>
             <a:endParaRPr lang="pt-BR"/>
           </a:p>
@@ -4981,7 +4981,7 @@
               <a:pPr>
                 <a:defRPr/>
               </a:pPr>
-              <a:t>‹#›</a:t>
+              <a:t>‹nº›</a:t>
             </a:fld>
             <a:endParaRPr lang="pt-BR"/>
           </a:p>
@@ -5124,7 +5124,7 @@
               <a:pPr>
                 <a:defRPr/>
               </a:pPr>
-              <a:t>27/04/2012</a:t>
+              <a:t>14/7/2012</a:t>
             </a:fld>
             <a:endParaRPr lang="pt-BR"/>
           </a:p>
@@ -5183,7 +5183,7 @@
               <a:pPr>
                 <a:defRPr/>
               </a:pPr>
-              <a:t>‹#›</a:t>
+              <a:t>‹nº›</a:t>
             </a:fld>
             <a:endParaRPr lang="pt-BR"/>
           </a:p>
@@ -5320,7 +5320,7 @@
               <a:pPr>
                 <a:defRPr/>
               </a:pPr>
-              <a:t>27/04/2012</a:t>
+              <a:t>14/7/2012</a:t>
             </a:fld>
             <a:endParaRPr lang="pt-BR"/>
           </a:p>
@@ -5379,7 +5379,7 @@
               <a:pPr>
                 <a:defRPr/>
               </a:pPr>
-              <a:t>‹#›</a:t>
+              <a:t>‹nº›</a:t>
             </a:fld>
             <a:endParaRPr lang="pt-BR"/>
           </a:p>
@@ -5826,7 +5826,7 @@
               <a:pPr>
                 <a:defRPr/>
               </a:pPr>
-              <a:t>27/04/2012</a:t>
+              <a:t>14/7/2012</a:t>
             </a:fld>
             <a:endParaRPr lang="pt-BR"/>
           </a:p>
@@ -5885,7 +5885,7 @@
               <a:pPr>
                 <a:defRPr/>
               </a:pPr>
-              <a:t>‹#›</a:t>
+              <a:t>‹nº›</a:t>
             </a:fld>
             <a:endParaRPr lang="pt-BR"/>
           </a:p>
@@ -6117,7 +6117,7 @@
               <a:pPr>
                 <a:defRPr/>
               </a:pPr>
-              <a:t>27/04/2012</a:t>
+              <a:t>14/7/2012</a:t>
             </a:fld>
             <a:endParaRPr lang="pt-BR"/>
           </a:p>
@@ -6176,7 +6176,7 @@
               <a:pPr>
                 <a:defRPr/>
               </a:pPr>
-              <a:t>‹#›</a:t>
+              <a:t>‹nº›</a:t>
             </a:fld>
             <a:endParaRPr lang="pt-BR"/>
           </a:p>
@@ -6518,7 +6518,7 @@
               <a:pPr>
                 <a:defRPr/>
               </a:pPr>
-              <a:t>27/04/2012</a:t>
+              <a:t>14/7/2012</a:t>
             </a:fld>
             <a:endParaRPr lang="pt-BR"/>
           </a:p>
@@ -6577,7 +6577,7 @@
               <a:pPr>
                 <a:defRPr/>
               </a:pPr>
-              <a:t>‹#›</a:t>
+              <a:t>‹nº›</a:t>
             </a:fld>
             <a:endParaRPr lang="pt-BR"/>
           </a:p>
@@ -6667,7 +6667,7 @@
               <a:pPr>
                 <a:defRPr/>
               </a:pPr>
-              <a:t>27/04/2012</a:t>
+              <a:t>14/7/2012</a:t>
             </a:fld>
             <a:endParaRPr lang="pt-BR"/>
           </a:p>
@@ -6726,7 +6726,7 @@
               <a:pPr>
                 <a:defRPr/>
               </a:pPr>
-              <a:t>‹#›</a:t>
+              <a:t>‹nº›</a:t>
             </a:fld>
             <a:endParaRPr lang="pt-BR"/>
           </a:p>
@@ -6784,7 +6784,7 @@
               <a:pPr>
                 <a:defRPr/>
               </a:pPr>
-              <a:t>27/04/2012</a:t>
+              <a:t>14/7/2012</a:t>
             </a:fld>
             <a:endParaRPr lang="pt-BR"/>
           </a:p>
@@ -6843,7 +6843,7 @@
               <a:pPr>
                 <a:defRPr/>
               </a:pPr>
-              <a:t>‹#›</a:t>
+              <a:t>‹nº›</a:t>
             </a:fld>
             <a:endParaRPr lang="pt-BR"/>
           </a:p>
@@ -7060,7 +7060,7 @@
               <a:pPr>
                 <a:defRPr/>
               </a:pPr>
-              <a:t>27/04/2012</a:t>
+              <a:t>14/7/2012</a:t>
             </a:fld>
             <a:endParaRPr lang="pt-BR"/>
           </a:p>
@@ -7124,7 +7124,7 @@
               <a:pPr>
                 <a:defRPr/>
               </a:pPr>
-              <a:t>‹#›</a:t>
+              <a:t>‹nº›</a:t>
             </a:fld>
             <a:endParaRPr lang="pt-BR"/>
           </a:p>
@@ -7344,7 +7344,7 @@
               <a:pPr>
                 <a:defRPr/>
               </a:pPr>
-              <a:t>27/04/2012</a:t>
+              <a:t>14/7/2012</a:t>
             </a:fld>
             <a:endParaRPr lang="pt-BR"/>
           </a:p>
@@ -7403,7 +7403,7 @@
               <a:pPr>
                 <a:defRPr/>
               </a:pPr>
-              <a:t>‹#›</a:t>
+              <a:t>‹nº›</a:t>
             </a:fld>
             <a:endParaRPr lang="pt-BR"/>
           </a:p>
@@ -7822,7 +7822,7 @@
               <a:pPr>
                 <a:defRPr/>
               </a:pPr>
-              <a:t>27/04/2012</a:t>
+              <a:t>14/7/2012</a:t>
             </a:fld>
             <a:endParaRPr lang="pt-BR"/>
           </a:p>
@@ -7925,7 +7925,7 @@
               <a:pPr>
                 <a:defRPr/>
               </a:pPr>
-              <a:t>‹#›</a:t>
+              <a:t>‹nº›</a:t>
             </a:fld>
             <a:endParaRPr lang="pt-BR"/>
           </a:p>
@@ -8488,7 +8488,7 @@
         <p:spPr>
           <a:xfrm>
             <a:off x="457200" y="274638"/>
-            <a:ext cx="7643192" cy="1143000"/>
+            <a:ext cx="8329642" cy="1143000"/>
           </a:xfrm>
         </p:spPr>
         <p:txBody>
@@ -8764,7 +8764,7 @@
         <p:spPr>
           <a:xfrm>
             <a:off x="457200" y="274638"/>
-            <a:ext cx="7643192" cy="1143000"/>
+            <a:ext cx="8329642" cy="1143000"/>
           </a:xfrm>
         </p:spPr>
         <p:txBody>
@@ -14942,7 +14942,12 @@
             <p:ph type="title"/>
           </p:nvPr>
         </p:nvSpPr>
-        <p:spPr/>
+        <p:spPr>
+          <a:xfrm>
+            <a:off x="457200" y="274320"/>
+            <a:ext cx="8329642" cy="1143000"/>
+          </a:xfrm>
+        </p:spPr>
         <p:txBody>
           <a:bodyPr/>
           <a:lstStyle/>
@@ -17076,7 +17081,7 @@
         <p:spPr>
           <a:xfrm>
             <a:off x="457200" y="274320"/>
-            <a:ext cx="7859216" cy="1143000"/>
+            <a:ext cx="8329642" cy="1143000"/>
           </a:xfrm>
         </p:spPr>
         <p:txBody>
@@ -31050,11 +31055,6 @@
               </a:rPr>
               <a:t>Object.wait()</a:t>
             </a:r>
-            <a:endParaRPr lang="pt-BR" sz="2400" dirty="0" smtClean="0">
-              <a:solidFill>
-                <a:srgbClr val="FFC000"/>
-              </a:solidFill>
-            </a:endParaRPr>
           </a:p>
         </p:txBody>
       </p:sp>
@@ -31218,11 +31218,7 @@
             </a:pPr>
             <a:r>
               <a:rPr lang="pt-BR" sz="1600" dirty="0" smtClean="0"/>
-              <a:t>	</a:t>
-            </a:r>
-            <a:r>
-              <a:rPr lang="pt-BR" sz="1600" dirty="0" smtClean="0"/>
-              <a:t>	System.out.println(“Aguardando thread 2...”);</a:t>
+              <a:t>		System.out.println(“Aguardando thread 2...”);</a:t>
             </a:r>
           </a:p>
           <a:p>
@@ -31238,11 +31234,7 @@
             </a:pPr>
             <a:r>
               <a:rPr lang="pt-BR" sz="1600" dirty="0" smtClean="0"/>
-              <a:t>	</a:t>
-            </a:r>
-            <a:r>
-              <a:rPr lang="pt-BR" sz="1600" dirty="0" smtClean="0"/>
-              <a:t>	</a:t>
+              <a:t>		</a:t>
             </a:r>
             <a:r>
               <a:rPr lang="pt-BR" sz="1600" dirty="0" smtClean="0">
@@ -31270,15 +31262,7 @@
             </a:pPr>
             <a:r>
               <a:rPr lang="pt-BR" sz="1600" dirty="0" smtClean="0"/>
-              <a:t>		System.out.println(“Thread </a:t>
-            </a:r>
-            <a:r>
-              <a:rPr lang="pt-BR" sz="1600" dirty="0" smtClean="0"/>
-              <a:t>1 </a:t>
-            </a:r>
-            <a:r>
-              <a:rPr lang="pt-BR" sz="1600" dirty="0" smtClean="0"/>
-              <a:t>encerrada.”);</a:t>
+              <a:t>		System.out.println(“Thread 1 encerrada.”);</a:t>
             </a:r>
           </a:p>
           <a:p>
@@ -31294,11 +31278,7 @@
             </a:pPr>
             <a:r>
               <a:rPr lang="pt-BR" sz="1600" dirty="0" smtClean="0"/>
-              <a:t>	</a:t>
-            </a:r>
-            <a:r>
-              <a:rPr lang="pt-BR" sz="1600" dirty="0" smtClean="0"/>
-              <a:t>}</a:t>
+              <a:t>	}</a:t>
             </a:r>
           </a:p>
           <a:p>
@@ -31387,13 +31367,8 @@
             </a:pPr>
             <a:r>
               <a:rPr lang="pt-BR" sz="1600" dirty="0" smtClean="0"/>
-              <a:t>		System.out.println(“Aguardando thread </a:t>
-            </a:r>
-            <a:r>
-              <a:rPr lang="pt-BR" sz="1600" dirty="0" smtClean="0"/>
-              <a:t>1...”);</a:t>
-            </a:r>
-            <a:endParaRPr lang="pt-BR" sz="1600" dirty="0" smtClean="0"/>
+              <a:t>		System.out.println(“Aguardando thread 1...”);</a:t>
+            </a:r>
           </a:p>
           <a:p>
             <a:pPr marL="0" indent="0">
@@ -31436,13 +31411,8 @@
             </a:pPr>
             <a:r>
               <a:rPr lang="pt-BR" sz="1600" dirty="0" smtClean="0"/>
-              <a:t>	</a:t>
-            </a:r>
-            <a:r>
-              <a:rPr lang="pt-BR" sz="1600" dirty="0" smtClean="0"/>
-              <a:t>	System.out.println(“Thread 2 encerrada.”);</a:t>
-            </a:r>
-            <a:endParaRPr lang="pt-BR" sz="1600" dirty="0" smtClean="0"/>
+              <a:t>		System.out.println(“Thread 2 encerrada.”);</a:t>
+            </a:r>
           </a:p>
           <a:p>
             <a:pPr marL="0" indent="0">
@@ -31504,7 +31474,6 @@
               <a:rPr lang="pt-BR" sz="1600" dirty="0" smtClean="0"/>
               <a:t>....</a:t>
             </a:r>
-            <a:endParaRPr lang="pt-BR" sz="1600" dirty="0" smtClean="0"/>
           </a:p>
           <a:p>
             <a:pPr marL="0" indent="0">
@@ -34872,7 +34841,7 @@
         <p:spPr>
           <a:xfrm>
             <a:off x="457200" y="274638"/>
-            <a:ext cx="7643192" cy="1143000"/>
+            <a:ext cx="8258204" cy="1143000"/>
           </a:xfrm>
         </p:spPr>
         <p:txBody>
@@ -35111,7 +35080,7 @@
         <p:spPr>
           <a:xfrm>
             <a:off x="457200" y="274638"/>
-            <a:ext cx="7643192" cy="1143000"/>
+            <a:ext cx="8186766" cy="1143000"/>
           </a:xfrm>
         </p:spPr>
         <p:txBody>
@@ -35760,7 +35729,7 @@
         <p:spPr>
           <a:xfrm>
             <a:off x="457200" y="274320"/>
-            <a:ext cx="7859216" cy="1143000"/>
+            <a:ext cx="8329642" cy="1143000"/>
           </a:xfrm>
         </p:spPr>
         <p:txBody>

--- a/2-Java-Programmer-Modulo-II/14.Capitulo08.pptx
+++ b/2-Java-Programmer-Modulo-II/14.Capitulo08.pptx
@@ -286,7 +286,7 @@
               <a:pPr>
                 <a:defRPr/>
               </a:pPr>
-              <a:t>14/7/2012</a:t>
+              <a:t>27/04/2012</a:t>
             </a:fld>
             <a:endParaRPr lang="pt-BR"/>
           </a:p>
@@ -474,7 +474,7 @@
               <a:pPr>
                 <a:defRPr/>
               </a:pPr>
-              <a:t>‹nº›</a:t>
+              <a:t>‹#›</a:t>
             </a:fld>
             <a:endParaRPr lang="pt-BR"/>
           </a:p>
@@ -4723,7 +4723,7 @@
               <a:pPr>
                 <a:defRPr/>
               </a:pPr>
-              <a:t>14/7/2012</a:t>
+              <a:t>27/04/2012</a:t>
             </a:fld>
             <a:endParaRPr lang="pt-BR"/>
           </a:p>
@@ -4782,7 +4782,7 @@
               <a:pPr>
                 <a:defRPr/>
               </a:pPr>
-              <a:t>‹nº›</a:t>
+              <a:t>‹#›</a:t>
             </a:fld>
             <a:endParaRPr lang="pt-BR"/>
           </a:p>
@@ -4922,7 +4922,7 @@
               <a:pPr>
                 <a:defRPr/>
               </a:pPr>
-              <a:t>14/7/2012</a:t>
+              <a:t>27/04/2012</a:t>
             </a:fld>
             <a:endParaRPr lang="pt-BR"/>
           </a:p>
@@ -4981,7 +4981,7 @@
               <a:pPr>
                 <a:defRPr/>
               </a:pPr>
-              <a:t>‹nº›</a:t>
+              <a:t>‹#›</a:t>
             </a:fld>
             <a:endParaRPr lang="pt-BR"/>
           </a:p>
@@ -5124,7 +5124,7 @@
               <a:pPr>
                 <a:defRPr/>
               </a:pPr>
-              <a:t>14/7/2012</a:t>
+              <a:t>27/04/2012</a:t>
             </a:fld>
             <a:endParaRPr lang="pt-BR"/>
           </a:p>
@@ -5183,7 +5183,7 @@
               <a:pPr>
                 <a:defRPr/>
               </a:pPr>
-              <a:t>‹nº›</a:t>
+              <a:t>‹#›</a:t>
             </a:fld>
             <a:endParaRPr lang="pt-BR"/>
           </a:p>
@@ -5320,7 +5320,7 @@
               <a:pPr>
                 <a:defRPr/>
               </a:pPr>
-              <a:t>14/7/2012</a:t>
+              <a:t>27/04/2012</a:t>
             </a:fld>
             <a:endParaRPr lang="pt-BR"/>
           </a:p>
@@ -5379,7 +5379,7 @@
               <a:pPr>
                 <a:defRPr/>
               </a:pPr>
-              <a:t>‹nº›</a:t>
+              <a:t>‹#›</a:t>
             </a:fld>
             <a:endParaRPr lang="pt-BR"/>
           </a:p>
@@ -5826,7 +5826,7 @@
               <a:pPr>
                 <a:defRPr/>
               </a:pPr>
-              <a:t>14/7/2012</a:t>
+              <a:t>27/04/2012</a:t>
             </a:fld>
             <a:endParaRPr lang="pt-BR"/>
           </a:p>
@@ -5885,7 +5885,7 @@
               <a:pPr>
                 <a:defRPr/>
               </a:pPr>
-              <a:t>‹nº›</a:t>
+              <a:t>‹#›</a:t>
             </a:fld>
             <a:endParaRPr lang="pt-BR"/>
           </a:p>
@@ -6117,7 +6117,7 @@
               <a:pPr>
                 <a:defRPr/>
               </a:pPr>
-              <a:t>14/7/2012</a:t>
+              <a:t>27/04/2012</a:t>
             </a:fld>
             <a:endParaRPr lang="pt-BR"/>
           </a:p>
@@ -6176,7 +6176,7 @@
               <a:pPr>
                 <a:defRPr/>
               </a:pPr>
-              <a:t>‹nº›</a:t>
+              <a:t>‹#›</a:t>
             </a:fld>
             <a:endParaRPr lang="pt-BR"/>
           </a:p>
@@ -6518,7 +6518,7 @@
               <a:pPr>
                 <a:defRPr/>
               </a:pPr>
-              <a:t>14/7/2012</a:t>
+              <a:t>27/04/2012</a:t>
             </a:fld>
             <a:endParaRPr lang="pt-BR"/>
           </a:p>
@@ -6577,7 +6577,7 @@
               <a:pPr>
                 <a:defRPr/>
               </a:pPr>
-              <a:t>‹nº›</a:t>
+              <a:t>‹#›</a:t>
             </a:fld>
             <a:endParaRPr lang="pt-BR"/>
           </a:p>
@@ -6667,7 +6667,7 @@
               <a:pPr>
                 <a:defRPr/>
               </a:pPr>
-              <a:t>14/7/2012</a:t>
+              <a:t>27/04/2012</a:t>
             </a:fld>
             <a:endParaRPr lang="pt-BR"/>
           </a:p>
@@ -6726,7 +6726,7 @@
               <a:pPr>
                 <a:defRPr/>
               </a:pPr>
-              <a:t>‹nº›</a:t>
+              <a:t>‹#›</a:t>
             </a:fld>
             <a:endParaRPr lang="pt-BR"/>
           </a:p>
@@ -6784,7 +6784,7 @@
               <a:pPr>
                 <a:defRPr/>
               </a:pPr>
-              <a:t>14/7/2012</a:t>
+              <a:t>27/04/2012</a:t>
             </a:fld>
             <a:endParaRPr lang="pt-BR"/>
           </a:p>
@@ -6843,7 +6843,7 @@
               <a:pPr>
                 <a:defRPr/>
               </a:pPr>
-              <a:t>‹nº›</a:t>
+              <a:t>‹#›</a:t>
             </a:fld>
             <a:endParaRPr lang="pt-BR"/>
           </a:p>
@@ -7060,7 +7060,7 @@
               <a:pPr>
                 <a:defRPr/>
               </a:pPr>
-              <a:t>14/7/2012</a:t>
+              <a:t>27/04/2012</a:t>
             </a:fld>
             <a:endParaRPr lang="pt-BR"/>
           </a:p>
@@ -7124,7 +7124,7 @@
               <a:pPr>
                 <a:defRPr/>
               </a:pPr>
-              <a:t>‹nº›</a:t>
+              <a:t>‹#›</a:t>
             </a:fld>
             <a:endParaRPr lang="pt-BR"/>
           </a:p>
@@ -7344,7 +7344,7 @@
               <a:pPr>
                 <a:defRPr/>
               </a:pPr>
-              <a:t>14/7/2012</a:t>
+              <a:t>27/04/2012</a:t>
             </a:fld>
             <a:endParaRPr lang="pt-BR"/>
           </a:p>
@@ -7403,7 +7403,7 @@
               <a:pPr>
                 <a:defRPr/>
               </a:pPr>
-              <a:t>‹nº›</a:t>
+              <a:t>‹#›</a:t>
             </a:fld>
             <a:endParaRPr lang="pt-BR"/>
           </a:p>
@@ -7822,7 +7822,7 @@
               <a:pPr>
                 <a:defRPr/>
               </a:pPr>
-              <a:t>14/7/2012</a:t>
+              <a:t>27/04/2012</a:t>
             </a:fld>
             <a:endParaRPr lang="pt-BR"/>
           </a:p>
@@ -7925,7 +7925,7 @@
               <a:pPr>
                 <a:defRPr/>
               </a:pPr>
-              <a:t>‹nº›</a:t>
+              <a:t>‹#›</a:t>
             </a:fld>
             <a:endParaRPr lang="pt-BR"/>
           </a:p>
@@ -8488,7 +8488,7 @@
         <p:spPr>
           <a:xfrm>
             <a:off x="457200" y="274638"/>
-            <a:ext cx="8329642" cy="1143000"/>
+            <a:ext cx="7643192" cy="1143000"/>
           </a:xfrm>
         </p:spPr>
         <p:txBody>
@@ -8764,7 +8764,7 @@
         <p:spPr>
           <a:xfrm>
             <a:off x="457200" y="274638"/>
-            <a:ext cx="8329642" cy="1143000"/>
+            <a:ext cx="7643192" cy="1143000"/>
           </a:xfrm>
         </p:spPr>
         <p:txBody>
@@ -14942,12 +14942,7 @@
             <p:ph type="title"/>
           </p:nvPr>
         </p:nvSpPr>
-        <p:spPr>
-          <a:xfrm>
-            <a:off x="457200" y="274320"/>
-            <a:ext cx="8329642" cy="1143000"/>
-          </a:xfrm>
-        </p:spPr>
+        <p:spPr/>
         <p:txBody>
           <a:bodyPr/>
           <a:lstStyle/>
@@ -17081,7 +17076,7 @@
         <p:spPr>
           <a:xfrm>
             <a:off x="457200" y="274320"/>
-            <a:ext cx="8329642" cy="1143000"/>
+            <a:ext cx="7859216" cy="1143000"/>
           </a:xfrm>
         </p:spPr>
         <p:txBody>
@@ -31055,6 +31050,11 @@
               </a:rPr>
               <a:t>Object.wait()</a:t>
             </a:r>
+            <a:endParaRPr lang="pt-BR" sz="2400" dirty="0" smtClean="0">
+              <a:solidFill>
+                <a:srgbClr val="FFC000"/>
+              </a:solidFill>
+            </a:endParaRPr>
           </a:p>
         </p:txBody>
       </p:sp>
@@ -31218,7 +31218,11 @@
             </a:pPr>
             <a:r>
               <a:rPr lang="pt-BR" sz="1600" dirty="0" smtClean="0"/>
-              <a:t>		System.out.println(“Aguardando thread 2...”);</a:t>
+              <a:t>	</a:t>
+            </a:r>
+            <a:r>
+              <a:rPr lang="pt-BR" sz="1600" dirty="0" smtClean="0"/>
+              <a:t>	System.out.println(“Aguardando thread 2...”);</a:t>
             </a:r>
           </a:p>
           <a:p>
@@ -31234,7 +31238,11 @@
             </a:pPr>
             <a:r>
               <a:rPr lang="pt-BR" sz="1600" dirty="0" smtClean="0"/>
-              <a:t>		</a:t>
+              <a:t>	</a:t>
+            </a:r>
+            <a:r>
+              <a:rPr lang="pt-BR" sz="1600" dirty="0" smtClean="0"/>
+              <a:t>	</a:t>
             </a:r>
             <a:r>
               <a:rPr lang="pt-BR" sz="1600" dirty="0" smtClean="0">
@@ -31262,7 +31270,15 @@
             </a:pPr>
             <a:r>
               <a:rPr lang="pt-BR" sz="1600" dirty="0" smtClean="0"/>
-              <a:t>		System.out.println(“Thread 1 encerrada.”);</a:t>
+              <a:t>		System.out.println(“Thread </a:t>
+            </a:r>
+            <a:r>
+              <a:rPr lang="pt-BR" sz="1600" dirty="0" smtClean="0"/>
+              <a:t>1 </a:t>
+            </a:r>
+            <a:r>
+              <a:rPr lang="pt-BR" sz="1600" dirty="0" smtClean="0"/>
+              <a:t>encerrada.”);</a:t>
             </a:r>
           </a:p>
           <a:p>
@@ -31278,7 +31294,11 @@
             </a:pPr>
             <a:r>
               <a:rPr lang="pt-BR" sz="1600" dirty="0" smtClean="0"/>
-              <a:t>	}</a:t>
+              <a:t>	</a:t>
+            </a:r>
+            <a:r>
+              <a:rPr lang="pt-BR" sz="1600" dirty="0" smtClean="0"/>
+              <a:t>}</a:t>
             </a:r>
           </a:p>
           <a:p>
@@ -31367,8 +31387,13 @@
             </a:pPr>
             <a:r>
               <a:rPr lang="pt-BR" sz="1600" dirty="0" smtClean="0"/>
-              <a:t>		System.out.println(“Aguardando thread 1...”);</a:t>
-            </a:r>
+              <a:t>		System.out.println(“Aguardando thread </a:t>
+            </a:r>
+            <a:r>
+              <a:rPr lang="pt-BR" sz="1600" dirty="0" smtClean="0"/>
+              <a:t>1...”);</a:t>
+            </a:r>
+            <a:endParaRPr lang="pt-BR" sz="1600" dirty="0" smtClean="0"/>
           </a:p>
           <a:p>
             <a:pPr marL="0" indent="0">
@@ -31411,8 +31436,13 @@
             </a:pPr>
             <a:r>
               <a:rPr lang="pt-BR" sz="1600" dirty="0" smtClean="0"/>
-              <a:t>		System.out.println(“Thread 2 encerrada.”);</a:t>
-            </a:r>
+              <a:t>	</a:t>
+            </a:r>
+            <a:r>
+              <a:rPr lang="pt-BR" sz="1600" dirty="0" smtClean="0"/>
+              <a:t>	System.out.println(“Thread 2 encerrada.”);</a:t>
+            </a:r>
+            <a:endParaRPr lang="pt-BR" sz="1600" dirty="0" smtClean="0"/>
           </a:p>
           <a:p>
             <a:pPr marL="0" indent="0">
@@ -31474,6 +31504,7 @@
               <a:rPr lang="pt-BR" sz="1600" dirty="0" smtClean="0"/>
               <a:t>....</a:t>
             </a:r>
+            <a:endParaRPr lang="pt-BR" sz="1600" dirty="0" smtClean="0"/>
           </a:p>
           <a:p>
             <a:pPr marL="0" indent="0">
@@ -34841,7 +34872,7 @@
         <p:spPr>
           <a:xfrm>
             <a:off x="457200" y="274638"/>
-            <a:ext cx="8258204" cy="1143000"/>
+            <a:ext cx="7643192" cy="1143000"/>
           </a:xfrm>
         </p:spPr>
         <p:txBody>
@@ -35080,7 +35111,7 @@
         <p:spPr>
           <a:xfrm>
             <a:off x="457200" y="274638"/>
-            <a:ext cx="8186766" cy="1143000"/>
+            <a:ext cx="7643192" cy="1143000"/>
           </a:xfrm>
         </p:spPr>
         <p:txBody>
@@ -35729,7 +35760,7 @@
         <p:spPr>
           <a:xfrm>
             <a:off x="457200" y="274320"/>
-            <a:ext cx="8329642" cy="1143000"/>
+            <a:ext cx="7859216" cy="1143000"/>
           </a:xfrm>
         </p:spPr>
         <p:txBody>
